--- a/INTEL/VID/WIP/INTREP VID OPAC-004 - Notian Navy.pptx
+++ b/INTEL/VID/WIP/INTREP VID OPAC-004 - Notian Navy.pptx
@@ -967,7 +967,7 @@
         <a:lstStyle/>
         <a:p>
           <a:r>
-            <a:rPr lang="en-US" sz="700" dirty="0" smtClean="0">
+            <a:rPr lang="en-US" sz="600" dirty="0" smtClean="0">
               <a:solidFill>
                 <a:schemeClr val="tx1"/>
               </a:solidFill>
@@ -976,7 +976,7 @@
             </a:rPr>
             <a:t>10th Missile Ship Division</a:t>
           </a:r>
-          <a:endParaRPr lang="en-US" sz="700" dirty="0">
+          <a:endParaRPr lang="en-US" sz="600" dirty="0">
             <a:solidFill>
               <a:schemeClr val="tx1"/>
             </a:solidFill>
@@ -999,7 +999,7 @@
         <a:bodyPr/>
         <a:lstStyle/>
         <a:p>
-          <a:endParaRPr lang="en-US" sz="800">
+          <a:endParaRPr lang="en-US" sz="800" dirty="0">
             <a:solidFill>
               <a:schemeClr val="tx1"/>
             </a:solidFill>
@@ -1047,7 +1047,7 @@
         <a:lstStyle/>
         <a:p>
           <a:r>
-            <a:rPr lang="en-US" sz="800" dirty="0" smtClean="0">
+            <a:rPr lang="en-US" sz="600" dirty="0" smtClean="0">
               <a:solidFill>
                 <a:schemeClr val="tx1"/>
               </a:solidFill>
@@ -1056,7 +1056,7 @@
             </a:rPr>
             <a:t>Pyotr Velikiy</a:t>
           </a:r>
-          <a:endParaRPr lang="en-US" sz="800" dirty="0">
+          <a:endParaRPr lang="en-US" sz="600" dirty="0">
             <a:solidFill>
               <a:schemeClr val="tx1"/>
             </a:solidFill>
@@ -1079,7 +1079,7 @@
         <a:bodyPr/>
         <a:lstStyle/>
         <a:p>
-          <a:endParaRPr lang="en-US"/>
+          <a:endParaRPr lang="en-US" dirty="0"/>
         </a:p>
       </dgm:t>
     </dgm:pt>
@@ -1115,7 +1115,7 @@
         <a:lstStyle/>
         <a:p>
           <a:r>
-            <a:rPr lang="en-US" sz="800" dirty="0" smtClean="0">
+            <a:rPr lang="en-US" sz="600" dirty="0" smtClean="0">
               <a:solidFill>
                 <a:schemeClr val="tx1"/>
               </a:solidFill>
@@ -1124,7 +1124,7 @@
             </a:rPr>
             <a:t>Moskva</a:t>
           </a:r>
-          <a:endParaRPr lang="en-US" sz="800" dirty="0">
+          <a:endParaRPr lang="en-US" sz="600" dirty="0">
             <a:solidFill>
               <a:schemeClr val="tx1"/>
             </a:solidFill>
@@ -1158,7 +1158,7 @@
         <a:bodyPr/>
         <a:lstStyle/>
         <a:p>
-          <a:endParaRPr lang="nb-NO"/>
+          <a:endParaRPr lang="nb-NO" dirty="0"/>
         </a:p>
       </dgm:t>
     </dgm:pt>
@@ -1183,7 +1183,7 @@
         <a:lstStyle/>
         <a:p>
           <a:r>
-            <a:rPr lang="en-US" sz="700" dirty="0" smtClean="0">
+            <a:rPr lang="en-US" sz="600" dirty="0" smtClean="0">
               <a:solidFill>
                 <a:schemeClr val="tx1"/>
               </a:solidFill>
@@ -1193,7 +1193,7 @@
             <a:t>20</a:t>
           </a:r>
           <a:r>
-            <a:rPr lang="en-US" sz="700" baseline="30000" dirty="0" smtClean="0">
+            <a:rPr lang="en-US" sz="600" baseline="30000" dirty="0" smtClean="0">
               <a:solidFill>
                 <a:schemeClr val="tx1"/>
               </a:solidFill>
@@ -1203,7 +1203,7 @@
             <a:t>th</a:t>
           </a:r>
           <a:r>
-            <a:rPr lang="en-US" sz="700" dirty="0" smtClean="0">
+            <a:rPr lang="en-US" sz="600" dirty="0" smtClean="0">
               <a:solidFill>
                 <a:schemeClr val="tx1"/>
               </a:solidFill>
@@ -1212,7 +1212,7 @@
             </a:rPr>
             <a:t> Anti-submarine Ship Division</a:t>
           </a:r>
-          <a:endParaRPr lang="en-US" sz="700" dirty="0">
+          <a:endParaRPr lang="en-US" sz="600" dirty="0">
             <a:solidFill>
               <a:schemeClr val="tx1"/>
             </a:solidFill>
@@ -1235,7 +1235,7 @@
         <a:bodyPr/>
         <a:lstStyle/>
         <a:p>
-          <a:endParaRPr lang="nb-NO"/>
+          <a:endParaRPr lang="nb-NO" dirty="0"/>
         </a:p>
       </dgm:t>
     </dgm:pt>
@@ -1271,7 +1271,7 @@
         <a:lstStyle/>
         <a:p>
           <a:r>
-            <a:rPr lang="en-US" sz="700" dirty="0" smtClean="0">
+            <a:rPr lang="en-US" sz="600" dirty="0" smtClean="0">
               <a:solidFill>
                 <a:schemeClr val="tx1"/>
               </a:solidFill>
@@ -1281,7 +1281,7 @@
             <a:t>40</a:t>
           </a:r>
           <a:r>
-            <a:rPr lang="en-US" sz="700" baseline="30000" dirty="0" smtClean="0">
+            <a:rPr lang="en-US" sz="600" baseline="30000" dirty="0" smtClean="0">
               <a:solidFill>
                 <a:schemeClr val="tx1"/>
               </a:solidFill>
@@ -1291,7 +1291,7 @@
             <a:t>th</a:t>
           </a:r>
           <a:r>
-            <a:rPr lang="en-US" sz="700" dirty="0" smtClean="0">
+            <a:rPr lang="en-US" sz="600" dirty="0" smtClean="0">
               <a:solidFill>
                 <a:schemeClr val="tx1"/>
               </a:solidFill>
@@ -1300,7 +1300,7 @@
             </a:rPr>
             <a:t> Carrier Division</a:t>
           </a:r>
-          <a:endParaRPr lang="en-US" sz="700" dirty="0">
+          <a:endParaRPr lang="en-US" sz="600" dirty="0">
             <a:solidFill>
               <a:schemeClr val="tx1"/>
             </a:solidFill>
@@ -1323,7 +1323,7 @@
         <a:bodyPr/>
         <a:lstStyle/>
         <a:p>
-          <a:endParaRPr lang="nb-NO"/>
+          <a:endParaRPr lang="nb-NO" dirty="0"/>
         </a:p>
       </dgm:t>
     </dgm:pt>
@@ -1359,7 +1359,7 @@
         <a:lstStyle/>
         <a:p>
           <a:r>
-            <a:rPr lang="en-US" sz="700" dirty="0" smtClean="0">
+            <a:rPr lang="en-US" sz="600" dirty="0" smtClean="0">
               <a:solidFill>
                 <a:schemeClr val="tx1"/>
               </a:solidFill>
@@ -1369,7 +1369,7 @@
             <a:t>50</a:t>
           </a:r>
           <a:r>
-            <a:rPr lang="en-US" sz="700" baseline="30000" dirty="0" smtClean="0">
+            <a:rPr lang="en-US" sz="600" baseline="30000" dirty="0" smtClean="0">
               <a:solidFill>
                 <a:schemeClr val="tx1"/>
               </a:solidFill>
@@ -1379,7 +1379,7 @@
             <a:t>th</a:t>
           </a:r>
           <a:r>
-            <a:rPr lang="en-US" sz="700" dirty="0" smtClean="0">
+            <a:rPr lang="en-US" sz="600" dirty="0" smtClean="0">
               <a:solidFill>
                 <a:schemeClr val="tx1"/>
               </a:solidFill>
@@ -1388,7 +1388,7 @@
             </a:rPr>
             <a:t> Supply Ship Division</a:t>
           </a:r>
-          <a:endParaRPr lang="en-US" sz="700" dirty="0">
+          <a:endParaRPr lang="en-US" sz="600" dirty="0">
             <a:solidFill>
               <a:schemeClr val="tx1"/>
             </a:solidFill>
@@ -1411,7 +1411,7 @@
         <a:bodyPr/>
         <a:lstStyle/>
         <a:p>
-          <a:endParaRPr lang="nb-NO"/>
+          <a:endParaRPr lang="nb-NO" dirty="0"/>
         </a:p>
       </dgm:t>
     </dgm:pt>
@@ -1479,7 +1479,7 @@
         <a:bodyPr/>
         <a:lstStyle/>
         <a:p>
-          <a:endParaRPr lang="nb-NO"/>
+          <a:endParaRPr lang="nb-NO" dirty="0"/>
         </a:p>
       </dgm:t>
     </dgm:pt>
@@ -1547,7 +1547,7 @@
         <a:bodyPr/>
         <a:lstStyle/>
         <a:p>
-          <a:endParaRPr lang="nb-NO"/>
+          <a:endParaRPr lang="nb-NO" dirty="0"/>
         </a:p>
       </dgm:t>
     </dgm:pt>
@@ -1583,7 +1583,7 @@
         <a:lstStyle/>
         <a:p>
           <a:r>
-            <a:rPr lang="en-US" sz="700" dirty="0" smtClean="0">
+            <a:rPr lang="en-US" sz="600" dirty="0" smtClean="0">
               <a:solidFill>
                 <a:schemeClr val="tx1"/>
               </a:solidFill>
@@ -1593,7 +1593,7 @@
             <a:t>30</a:t>
           </a:r>
           <a:r>
-            <a:rPr lang="en-US" sz="700" baseline="30000" dirty="0" smtClean="0">
+            <a:rPr lang="en-US" sz="600" baseline="30000" dirty="0" smtClean="0">
               <a:solidFill>
                 <a:schemeClr val="tx1"/>
               </a:solidFill>
@@ -1603,7 +1603,7 @@
             <a:t>th</a:t>
           </a:r>
           <a:r>
-            <a:rPr lang="en-US" sz="700" dirty="0" smtClean="0">
+            <a:rPr lang="en-US" sz="600" dirty="0" smtClean="0">
               <a:solidFill>
                 <a:schemeClr val="tx1"/>
               </a:solidFill>
@@ -1612,7 +1612,7 @@
             </a:rPr>
             <a:t> Amphibious Division</a:t>
           </a:r>
-          <a:endParaRPr lang="en-US" sz="700" dirty="0">
+          <a:endParaRPr lang="en-US" sz="600" dirty="0">
             <a:solidFill>
               <a:schemeClr val="tx1"/>
             </a:solidFill>
@@ -1635,7 +1635,7 @@
         <a:bodyPr/>
         <a:lstStyle/>
         <a:p>
-          <a:endParaRPr lang="nb-NO"/>
+          <a:endParaRPr lang="nb-NO" dirty="0"/>
         </a:p>
       </dgm:t>
     </dgm:pt>
@@ -1703,7 +1703,7 @@
         <a:bodyPr/>
         <a:lstStyle/>
         <a:p>
-          <a:endParaRPr lang="nb-NO"/>
+          <a:endParaRPr lang="nb-NO" dirty="0"/>
         </a:p>
       </dgm:t>
     </dgm:pt>
@@ -1771,7 +1771,7 @@
         <a:bodyPr/>
         <a:lstStyle/>
         <a:p>
-          <a:endParaRPr lang="nb-NO"/>
+          <a:endParaRPr lang="nb-NO" dirty="0"/>
         </a:p>
       </dgm:t>
     </dgm:pt>
@@ -1839,7 +1839,7 @@
         <a:bodyPr/>
         <a:lstStyle/>
         <a:p>
-          <a:endParaRPr lang="nb-NO"/>
+          <a:endParaRPr lang="nb-NO" dirty="0"/>
         </a:p>
       </dgm:t>
     </dgm:pt>
@@ -1907,7 +1907,7 @@
         <a:bodyPr/>
         <a:lstStyle/>
         <a:p>
-          <a:endParaRPr lang="nb-NO"/>
+          <a:endParaRPr lang="nb-NO" dirty="0"/>
         </a:p>
       </dgm:t>
     </dgm:pt>
@@ -1975,7 +1975,7 @@
         <a:bodyPr/>
         <a:lstStyle/>
         <a:p>
-          <a:endParaRPr lang="nb-NO"/>
+          <a:endParaRPr lang="nb-NO" dirty="0"/>
         </a:p>
       </dgm:t>
     </dgm:pt>
@@ -2063,7 +2063,7 @@
         <a:bodyPr/>
         <a:lstStyle/>
         <a:p>
-          <a:endParaRPr lang="nb-NO"/>
+          <a:endParaRPr lang="nb-NO" dirty="0"/>
         </a:p>
       </dgm:t>
     </dgm:pt>
@@ -2151,7 +2151,7 @@
         <a:bodyPr/>
         <a:lstStyle/>
         <a:p>
-          <a:endParaRPr lang="nb-NO"/>
+          <a:endParaRPr lang="nb-NO" dirty="0"/>
         </a:p>
       </dgm:t>
     </dgm:pt>
@@ -2219,7 +2219,7 @@
         <a:bodyPr/>
         <a:lstStyle/>
         <a:p>
-          <a:endParaRPr lang="nb-NO"/>
+          <a:endParaRPr lang="nb-NO" dirty="0"/>
         </a:p>
       </dgm:t>
     </dgm:pt>
@@ -2287,7 +2287,7 @@
         <a:bodyPr/>
         <a:lstStyle/>
         <a:p>
-          <a:endParaRPr lang="nb-NO"/>
+          <a:endParaRPr lang="nb-NO" dirty="0"/>
         </a:p>
       </dgm:t>
     </dgm:pt>
@@ -2355,7 +2355,7 @@
         <a:bodyPr/>
         <a:lstStyle/>
         <a:p>
-          <a:endParaRPr lang="nb-NO"/>
+          <a:endParaRPr lang="nb-NO" dirty="0"/>
         </a:p>
       </dgm:t>
     </dgm:pt>
@@ -2423,7 +2423,7 @@
         <a:bodyPr/>
         <a:lstStyle/>
         <a:p>
-          <a:endParaRPr lang="nb-NO"/>
+          <a:endParaRPr lang="nb-NO" dirty="0"/>
         </a:p>
       </dgm:t>
     </dgm:pt>
@@ -2491,7 +2491,7 @@
         <a:bodyPr/>
         <a:lstStyle/>
         <a:p>
-          <a:endParaRPr lang="nb-NO"/>
+          <a:endParaRPr lang="nb-NO" dirty="0"/>
         </a:p>
       </dgm:t>
     </dgm:pt>
@@ -2559,7 +2559,7 @@
         <a:bodyPr/>
         <a:lstStyle/>
         <a:p>
-          <a:endParaRPr lang="nb-NO"/>
+          <a:endParaRPr lang="nb-NO" dirty="0"/>
         </a:p>
       </dgm:t>
     </dgm:pt>
@@ -2627,7 +2627,7 @@
         <a:bodyPr/>
         <a:lstStyle/>
         <a:p>
-          <a:endParaRPr lang="nb-NO"/>
+          <a:endParaRPr lang="nb-NO" dirty="0"/>
         </a:p>
       </dgm:t>
     </dgm:pt>
@@ -2695,7 +2695,7 @@
         <a:bodyPr/>
         <a:lstStyle/>
         <a:p>
-          <a:endParaRPr lang="nb-NO"/>
+          <a:endParaRPr lang="nb-NO" dirty="0"/>
         </a:p>
       </dgm:t>
     </dgm:pt>
@@ -2763,7 +2763,7 @@
         <a:bodyPr/>
         <a:lstStyle/>
         <a:p>
-          <a:endParaRPr lang="nb-NO"/>
+          <a:endParaRPr lang="nb-NO" dirty="0"/>
         </a:p>
       </dgm:t>
     </dgm:pt>
@@ -2831,7 +2831,7 @@
         <a:bodyPr/>
         <a:lstStyle/>
         <a:p>
-          <a:endParaRPr lang="nb-NO"/>
+          <a:endParaRPr lang="nb-NO" dirty="0"/>
         </a:p>
       </dgm:t>
     </dgm:pt>
@@ -2899,7 +2899,7 @@
         <a:bodyPr/>
         <a:lstStyle/>
         <a:p>
-          <a:endParaRPr lang="nb-NO"/>
+          <a:endParaRPr lang="nb-NO" dirty="0"/>
         </a:p>
       </dgm:t>
     </dgm:pt>
@@ -2987,7 +2987,7 @@
         <a:bodyPr/>
         <a:lstStyle/>
         <a:p>
-          <a:endParaRPr lang="nb-NO"/>
+          <a:endParaRPr lang="nb-NO" dirty="0"/>
         </a:p>
       </dgm:t>
     </dgm:pt>
@@ -3055,7 +3055,7 @@
         <a:bodyPr/>
         <a:lstStyle/>
         <a:p>
-          <a:endParaRPr lang="nb-NO"/>
+          <a:endParaRPr lang="nb-NO" dirty="0"/>
         </a:p>
       </dgm:t>
     </dgm:pt>
@@ -3143,7 +3143,7 @@
         <a:bodyPr/>
         <a:lstStyle/>
         <a:p>
-          <a:endParaRPr lang="nb-NO"/>
+          <a:endParaRPr lang="nb-NO" dirty="0"/>
         </a:p>
       </dgm:t>
     </dgm:pt>
@@ -3211,7 +3211,7 @@
         <a:bodyPr/>
         <a:lstStyle/>
         <a:p>
-          <a:endParaRPr lang="nb-NO"/>
+          <a:endParaRPr lang="nb-NO" dirty="0"/>
         </a:p>
       </dgm:t>
     </dgm:pt>
@@ -3279,7 +3279,7 @@
         <a:bodyPr/>
         <a:lstStyle/>
         <a:p>
-          <a:endParaRPr lang="nb-NO"/>
+          <a:endParaRPr lang="nb-NO" dirty="0"/>
         </a:p>
       </dgm:t>
     </dgm:pt>
@@ -3347,7 +3347,7 @@
         <a:bodyPr/>
         <a:lstStyle/>
         <a:p>
-          <a:endParaRPr lang="nb-NO"/>
+          <a:endParaRPr lang="nb-NO" dirty="0"/>
         </a:p>
       </dgm:t>
     </dgm:pt>
@@ -3415,7 +3415,7 @@
         <a:bodyPr/>
         <a:lstStyle/>
         <a:p>
-          <a:endParaRPr lang="nb-NO"/>
+          <a:endParaRPr lang="nb-NO" dirty="0"/>
         </a:p>
       </dgm:t>
     </dgm:pt>
@@ -3483,7 +3483,7 @@
         <a:bodyPr/>
         <a:lstStyle/>
         <a:p>
-          <a:endParaRPr lang="nb-NO"/>
+          <a:endParaRPr lang="nb-NO" dirty="0"/>
         </a:p>
       </dgm:t>
     </dgm:pt>
@@ -3551,7 +3551,7 @@
         <a:bodyPr/>
         <a:lstStyle/>
         <a:p>
-          <a:endParaRPr lang="nb-NO"/>
+          <a:endParaRPr lang="nb-NO" dirty="0"/>
         </a:p>
       </dgm:t>
     </dgm:pt>
@@ -3619,7 +3619,7 @@
         <a:bodyPr/>
         <a:lstStyle/>
         <a:p>
-          <a:endParaRPr lang="nb-NO"/>
+          <a:endParaRPr lang="nb-NO" dirty="0"/>
         </a:p>
       </dgm:t>
     </dgm:pt>
@@ -3683,7 +3683,7 @@
         <a:bodyPr/>
         <a:lstStyle/>
         <a:p>
-          <a:endParaRPr lang="nb-NO"/>
+          <a:endParaRPr lang="nb-NO" dirty="0"/>
         </a:p>
       </dgm:t>
     </dgm:pt>
@@ -3747,7 +3747,7 @@
         <a:bodyPr/>
         <a:lstStyle/>
         <a:p>
-          <a:endParaRPr lang="nb-NO"/>
+          <a:endParaRPr lang="nb-NO" dirty="0"/>
         </a:p>
       </dgm:t>
     </dgm:pt>
@@ -3811,11 +3811,846 @@
         <a:bodyPr/>
         <a:lstStyle/>
         <a:p>
-          <a:endParaRPr lang="nb-NO"/>
+          <a:endParaRPr lang="nb-NO" dirty="0"/>
         </a:p>
       </dgm:t>
     </dgm:pt>
     <dgm:pt modelId="{54424810-206F-4F68-A93A-C383B10CAE7C}" type="sibTrans" cxnId="{44C6765A-D0EB-4F4E-A3A6-5F9DA6DC0B62}">
+      <dgm:prSet/>
+      <dgm:spPr/>
+      <dgm:t>
+        <a:bodyPr/>
+        <a:lstStyle/>
+        <a:p>
+          <a:endParaRPr lang="nb-NO"/>
+        </a:p>
+      </dgm:t>
+    </dgm:pt>
+    <dgm:pt modelId="{EE885740-B09E-4BF7-91EA-7D5BE0CC34D9}">
+      <dgm:prSet phldrT="[Tekst]" custT="1"/>
+      <dgm:spPr>
+        <a:solidFill>
+          <a:schemeClr val="tx2">
+            <a:lumMod val="60000"/>
+            <a:lumOff val="40000"/>
+            <a:alpha val="50000"/>
+          </a:schemeClr>
+        </a:solidFill>
+        <a:ln w="25400">
+          <a:solidFill>
+            <a:schemeClr val="tx1"/>
+          </a:solidFill>
+        </a:ln>
+      </dgm:spPr>
+      <dgm:t>
+        <a:bodyPr/>
+        <a:lstStyle/>
+        <a:p>
+          <a:r>
+            <a:rPr lang="en-US" sz="500" dirty="0" smtClean="0">
+              <a:solidFill>
+                <a:schemeClr val="tx1"/>
+              </a:solidFill>
+              <a:latin typeface="Arial" pitchFamily="34" charset="0"/>
+              <a:cs typeface="Arial" pitchFamily="34" charset="0"/>
+            </a:rPr>
+            <a:t>60</a:t>
+          </a:r>
+          <a:r>
+            <a:rPr lang="en-US" sz="500" baseline="30000" dirty="0" smtClean="0">
+              <a:solidFill>
+                <a:schemeClr val="tx1"/>
+              </a:solidFill>
+              <a:latin typeface="Arial" pitchFamily="34" charset="0"/>
+              <a:cs typeface="Arial" pitchFamily="34" charset="0"/>
+            </a:rPr>
+            <a:t>th</a:t>
+          </a:r>
+          <a:r>
+            <a:rPr lang="en-US" sz="500" dirty="0" smtClean="0">
+              <a:solidFill>
+                <a:schemeClr val="tx1"/>
+              </a:solidFill>
+              <a:latin typeface="Arial" pitchFamily="34" charset="0"/>
+              <a:cs typeface="Arial" pitchFamily="34" charset="0"/>
+            </a:rPr>
+            <a:t> Submarine Division</a:t>
+          </a:r>
+          <a:endParaRPr lang="en-US" sz="500" dirty="0">
+            <a:solidFill>
+              <a:schemeClr val="tx1"/>
+            </a:solidFill>
+            <a:latin typeface="Arial" pitchFamily="34" charset="0"/>
+            <a:cs typeface="Arial" pitchFamily="34" charset="0"/>
+          </a:endParaRPr>
+        </a:p>
+      </dgm:t>
+    </dgm:pt>
+    <dgm:pt modelId="{C519C543-625E-49DD-AF54-033354FFF0DF}" type="parTrans" cxnId="{84D4D4A0-19F9-4E2F-817D-E1FE33E023E1}">
+      <dgm:prSet/>
+      <dgm:spPr>
+        <a:ln>
+          <a:solidFill>
+            <a:schemeClr val="tx1"/>
+          </a:solidFill>
+        </a:ln>
+      </dgm:spPr>
+      <dgm:t>
+        <a:bodyPr/>
+        <a:lstStyle/>
+        <a:p>
+          <a:endParaRPr lang="nb-NO" dirty="0"/>
+        </a:p>
+      </dgm:t>
+    </dgm:pt>
+    <dgm:pt modelId="{30B571C1-3962-418E-BDC0-6E17C15DA404}" type="sibTrans" cxnId="{84D4D4A0-19F9-4E2F-817D-E1FE33E023E1}">
+      <dgm:prSet/>
+      <dgm:spPr/>
+      <dgm:t>
+        <a:bodyPr/>
+        <a:lstStyle/>
+        <a:p>
+          <a:endParaRPr lang="nb-NO"/>
+        </a:p>
+      </dgm:t>
+    </dgm:pt>
+    <dgm:pt modelId="{E129A0A3-02E8-44C7-A471-F10CE622EEE2}">
+      <dgm:prSet phldrT="[Tekst]" custT="1"/>
+      <dgm:spPr>
+        <a:solidFill>
+          <a:schemeClr val="tx2">
+            <a:lumMod val="60000"/>
+            <a:lumOff val="40000"/>
+            <a:alpha val="50000"/>
+          </a:schemeClr>
+        </a:solidFill>
+        <a:ln w="25400">
+          <a:solidFill>
+            <a:schemeClr val="tx1"/>
+          </a:solidFill>
+        </a:ln>
+      </dgm:spPr>
+      <dgm:t>
+        <a:bodyPr/>
+        <a:lstStyle/>
+        <a:p>
+          <a:r>
+            <a:rPr lang="en-US" sz="500" dirty="0" smtClean="0">
+              <a:solidFill>
+                <a:schemeClr val="tx1"/>
+              </a:solidFill>
+              <a:latin typeface="Arial" pitchFamily="34" charset="0"/>
+              <a:cs typeface="Arial" pitchFamily="34" charset="0"/>
+            </a:rPr>
+            <a:t>70</a:t>
+          </a:r>
+          <a:r>
+            <a:rPr lang="en-US" sz="500" baseline="30000" dirty="0" smtClean="0">
+              <a:solidFill>
+                <a:schemeClr val="tx1"/>
+              </a:solidFill>
+              <a:latin typeface="Arial" pitchFamily="34" charset="0"/>
+              <a:cs typeface="Arial" pitchFamily="34" charset="0"/>
+            </a:rPr>
+            <a:t>th</a:t>
+          </a:r>
+          <a:r>
+            <a:rPr lang="en-US" sz="500" dirty="0" smtClean="0">
+              <a:solidFill>
+                <a:schemeClr val="tx1"/>
+              </a:solidFill>
+              <a:latin typeface="Arial" pitchFamily="34" charset="0"/>
+              <a:cs typeface="Arial" pitchFamily="34" charset="0"/>
+            </a:rPr>
+            <a:t> Coastal Defense Brigade</a:t>
+          </a:r>
+          <a:endParaRPr lang="en-US" sz="500" dirty="0">
+            <a:solidFill>
+              <a:schemeClr val="tx1"/>
+            </a:solidFill>
+            <a:latin typeface="Arial" pitchFamily="34" charset="0"/>
+            <a:cs typeface="Arial" pitchFamily="34" charset="0"/>
+          </a:endParaRPr>
+        </a:p>
+      </dgm:t>
+    </dgm:pt>
+    <dgm:pt modelId="{3A749A3F-1C10-4426-A711-E367F9179400}" type="parTrans" cxnId="{DD387942-8407-4DD2-9485-425E1609D302}">
+      <dgm:prSet/>
+      <dgm:spPr>
+        <a:ln>
+          <a:solidFill>
+            <a:schemeClr val="tx1"/>
+          </a:solidFill>
+        </a:ln>
+      </dgm:spPr>
+      <dgm:t>
+        <a:bodyPr/>
+        <a:lstStyle/>
+        <a:p>
+          <a:endParaRPr lang="nb-NO" dirty="0"/>
+        </a:p>
+      </dgm:t>
+    </dgm:pt>
+    <dgm:pt modelId="{B8DE39FF-E88F-49BC-93F7-8AB66E332AE8}" type="sibTrans" cxnId="{DD387942-8407-4DD2-9485-425E1609D302}">
+      <dgm:prSet/>
+      <dgm:spPr/>
+      <dgm:t>
+        <a:bodyPr/>
+        <a:lstStyle/>
+        <a:p>
+          <a:endParaRPr lang="nb-NO"/>
+        </a:p>
+      </dgm:t>
+    </dgm:pt>
+    <dgm:pt modelId="{2C3B81CE-F604-45E3-A929-15B1AB9AEC9C}">
+      <dgm:prSet phldrT="[Tekst]" custT="1"/>
+      <dgm:spPr>
+        <a:solidFill>
+          <a:schemeClr val="tx2">
+            <a:lumMod val="60000"/>
+            <a:lumOff val="40000"/>
+            <a:alpha val="50000"/>
+          </a:schemeClr>
+        </a:solidFill>
+        <a:ln w="25400">
+          <a:solidFill>
+            <a:schemeClr val="tx1"/>
+          </a:solidFill>
+        </a:ln>
+      </dgm:spPr>
+      <dgm:t>
+        <a:bodyPr/>
+        <a:lstStyle/>
+        <a:p>
+          <a:r>
+            <a:rPr lang="en-US" sz="500" dirty="0" smtClean="0">
+              <a:solidFill>
+                <a:schemeClr val="tx1"/>
+              </a:solidFill>
+              <a:latin typeface="Arial" pitchFamily="34" charset="0"/>
+              <a:cs typeface="Arial" pitchFamily="34" charset="0"/>
+            </a:rPr>
+            <a:t>80</a:t>
+          </a:r>
+          <a:r>
+            <a:rPr lang="en-US" sz="500" baseline="30000" dirty="0" smtClean="0">
+              <a:solidFill>
+                <a:schemeClr val="tx1"/>
+              </a:solidFill>
+              <a:latin typeface="Arial" pitchFamily="34" charset="0"/>
+              <a:cs typeface="Arial" pitchFamily="34" charset="0"/>
+            </a:rPr>
+            <a:t>th</a:t>
+          </a:r>
+          <a:r>
+            <a:rPr lang="en-US" sz="500" dirty="0" smtClean="0">
+              <a:solidFill>
+                <a:schemeClr val="tx1"/>
+              </a:solidFill>
+              <a:latin typeface="Arial" pitchFamily="34" charset="0"/>
+              <a:cs typeface="Arial" pitchFamily="34" charset="0"/>
+            </a:rPr>
+            <a:t> Amphibious Brigade</a:t>
+          </a:r>
+          <a:endParaRPr lang="en-US" sz="500" dirty="0">
+            <a:solidFill>
+              <a:schemeClr val="tx1"/>
+            </a:solidFill>
+            <a:latin typeface="Arial" pitchFamily="34" charset="0"/>
+            <a:cs typeface="Arial" pitchFamily="34" charset="0"/>
+          </a:endParaRPr>
+        </a:p>
+      </dgm:t>
+    </dgm:pt>
+    <dgm:pt modelId="{7AD68B3B-1051-4CBA-8D30-3893EF8C1CF3}" type="parTrans" cxnId="{294739EE-CF5B-46DE-A59E-E469A3DEC72B}">
+      <dgm:prSet/>
+      <dgm:spPr>
+        <a:ln>
+          <a:solidFill>
+            <a:schemeClr val="tx1"/>
+          </a:solidFill>
+        </a:ln>
+      </dgm:spPr>
+      <dgm:t>
+        <a:bodyPr/>
+        <a:lstStyle/>
+        <a:p>
+          <a:endParaRPr lang="nb-NO" dirty="0"/>
+        </a:p>
+      </dgm:t>
+    </dgm:pt>
+    <dgm:pt modelId="{D9A0B0D0-8B5E-4772-81B3-E33D904E06E7}" type="sibTrans" cxnId="{294739EE-CF5B-46DE-A59E-E469A3DEC72B}">
+      <dgm:prSet/>
+      <dgm:spPr/>
+      <dgm:t>
+        <a:bodyPr/>
+        <a:lstStyle/>
+        <a:p>
+          <a:endParaRPr lang="nb-NO"/>
+        </a:p>
+      </dgm:t>
+    </dgm:pt>
+    <dgm:pt modelId="{EA6080DA-1AD7-4105-9E53-5437F4AF6BE1}">
+      <dgm:prSet custT="1"/>
+      <dgm:spPr>
+        <a:solidFill>
+          <a:schemeClr val="accent1">
+            <a:lumMod val="60000"/>
+            <a:lumOff val="40000"/>
+          </a:schemeClr>
+        </a:solidFill>
+        <a:ln w="12700">
+          <a:solidFill>
+            <a:schemeClr val="tx1"/>
+          </a:solidFill>
+        </a:ln>
+      </dgm:spPr>
+      <dgm:t>
+        <a:bodyPr/>
+        <a:lstStyle/>
+        <a:p>
+          <a:r>
+            <a:rPr lang="nb-NO" sz="600" dirty="0" smtClean="0">
+              <a:solidFill>
+                <a:schemeClr val="tx1"/>
+              </a:solidFill>
+            </a:rPr>
+            <a:t>711th Coastal Defense Battalion</a:t>
+          </a:r>
+          <a:endParaRPr lang="nb-NO" sz="600" dirty="0">
+            <a:solidFill>
+              <a:schemeClr val="tx1"/>
+            </a:solidFill>
+          </a:endParaRPr>
+        </a:p>
+      </dgm:t>
+    </dgm:pt>
+    <dgm:pt modelId="{33E5B74F-462A-4908-BA0C-E4B4BF8620A1}" type="parTrans" cxnId="{1286B984-F758-4A83-8146-7365EC320032}">
+      <dgm:prSet/>
+      <dgm:spPr>
+        <a:ln>
+          <a:solidFill>
+            <a:schemeClr val="tx1"/>
+          </a:solidFill>
+        </a:ln>
+      </dgm:spPr>
+      <dgm:t>
+        <a:bodyPr/>
+        <a:lstStyle/>
+        <a:p>
+          <a:endParaRPr lang="nb-NO" dirty="0"/>
+        </a:p>
+      </dgm:t>
+    </dgm:pt>
+    <dgm:pt modelId="{9DE78730-2548-4CF0-82B1-D98945C3B7C6}" type="sibTrans" cxnId="{1286B984-F758-4A83-8146-7365EC320032}">
+      <dgm:prSet/>
+      <dgm:spPr/>
+      <dgm:t>
+        <a:bodyPr/>
+        <a:lstStyle/>
+        <a:p>
+          <a:endParaRPr lang="nb-NO"/>
+        </a:p>
+      </dgm:t>
+    </dgm:pt>
+    <dgm:pt modelId="{DE98661A-2A86-4E5B-BEBB-28CFE600295D}">
+      <dgm:prSet custT="1"/>
+      <dgm:spPr>
+        <a:solidFill>
+          <a:schemeClr val="accent1">
+            <a:lumMod val="60000"/>
+            <a:lumOff val="40000"/>
+          </a:schemeClr>
+        </a:solidFill>
+        <a:ln w="12700">
+          <a:solidFill>
+            <a:schemeClr val="tx1"/>
+          </a:solidFill>
+        </a:ln>
+      </dgm:spPr>
+      <dgm:t>
+        <a:bodyPr/>
+        <a:lstStyle/>
+        <a:p>
+          <a:r>
+            <a:rPr lang="nb-NO" sz="600" dirty="0" smtClean="0">
+              <a:solidFill>
+                <a:schemeClr val="tx1"/>
+              </a:solidFill>
+            </a:rPr>
+            <a:t>611th </a:t>
+          </a:r>
+          <a:r>
+            <a:rPr lang="en-US" sz="600" noProof="0" dirty="0" smtClean="0">
+              <a:solidFill>
+                <a:schemeClr val="tx1"/>
+              </a:solidFill>
+            </a:rPr>
+            <a:t>Attack</a:t>
+          </a:r>
+          <a:r>
+            <a:rPr lang="nb-NO" sz="600" dirty="0" smtClean="0">
+              <a:solidFill>
+                <a:schemeClr val="tx1"/>
+              </a:solidFill>
+            </a:rPr>
+            <a:t> Submarine Squadron</a:t>
+          </a:r>
+          <a:endParaRPr lang="nb-NO" sz="600" dirty="0">
+            <a:solidFill>
+              <a:schemeClr val="tx1"/>
+            </a:solidFill>
+          </a:endParaRPr>
+        </a:p>
+      </dgm:t>
+    </dgm:pt>
+    <dgm:pt modelId="{F592E2EC-DC54-4A46-BD61-883E209773A3}" type="parTrans" cxnId="{1B45B4D6-4FDB-4676-8F6E-91F66FA6DEED}">
+      <dgm:prSet/>
+      <dgm:spPr>
+        <a:ln>
+          <a:solidFill>
+            <a:schemeClr val="tx1"/>
+          </a:solidFill>
+        </a:ln>
+      </dgm:spPr>
+      <dgm:t>
+        <a:bodyPr/>
+        <a:lstStyle/>
+        <a:p>
+          <a:endParaRPr lang="nb-NO" dirty="0"/>
+        </a:p>
+      </dgm:t>
+    </dgm:pt>
+    <dgm:pt modelId="{90357D43-7372-4136-A7B3-9F714E02C503}" type="sibTrans" cxnId="{1B45B4D6-4FDB-4676-8F6E-91F66FA6DEED}">
+      <dgm:prSet/>
+      <dgm:spPr/>
+      <dgm:t>
+        <a:bodyPr/>
+        <a:lstStyle/>
+        <a:p>
+          <a:endParaRPr lang="nb-NO"/>
+        </a:p>
+      </dgm:t>
+    </dgm:pt>
+    <dgm:pt modelId="{69732022-F68D-4360-A98F-905AE08AE282}">
+      <dgm:prSet/>
+      <dgm:spPr>
+        <a:solidFill>
+          <a:schemeClr val="accent1">
+            <a:lumMod val="60000"/>
+            <a:lumOff val="40000"/>
+          </a:schemeClr>
+        </a:solidFill>
+        <a:ln w="12700">
+          <a:solidFill>
+            <a:schemeClr val="tx1"/>
+          </a:solidFill>
+        </a:ln>
+      </dgm:spPr>
+      <dgm:t>
+        <a:bodyPr/>
+        <a:lstStyle/>
+        <a:p>
+          <a:endParaRPr lang="nb-NO"/>
+        </a:p>
+      </dgm:t>
+    </dgm:pt>
+    <dgm:pt modelId="{1B3B6D64-CCB9-4AA3-A7D3-4735729B2188}" type="parTrans" cxnId="{DA2FD00F-A45A-408C-8D77-64A8169EEA6F}">
+      <dgm:prSet/>
+      <dgm:spPr>
+        <a:ln>
+          <a:solidFill>
+            <a:schemeClr val="tx1"/>
+          </a:solidFill>
+        </a:ln>
+      </dgm:spPr>
+      <dgm:t>
+        <a:bodyPr/>
+        <a:lstStyle/>
+        <a:p>
+          <a:endParaRPr lang="nb-NO" dirty="0"/>
+        </a:p>
+      </dgm:t>
+    </dgm:pt>
+    <dgm:pt modelId="{168A3C9D-B124-457F-B7BD-4EC66E1CDF34}" type="sibTrans" cxnId="{DA2FD00F-A45A-408C-8D77-64A8169EEA6F}">
+      <dgm:prSet/>
+      <dgm:spPr/>
+      <dgm:t>
+        <a:bodyPr/>
+        <a:lstStyle/>
+        <a:p>
+          <a:endParaRPr lang="nb-NO"/>
+        </a:p>
+      </dgm:t>
+    </dgm:pt>
+    <dgm:pt modelId="{9B915BF9-5721-4BAF-B37D-958659E5090C}">
+      <dgm:prSet/>
+      <dgm:spPr>
+        <a:solidFill>
+          <a:schemeClr val="accent1">
+            <a:lumMod val="60000"/>
+            <a:lumOff val="40000"/>
+          </a:schemeClr>
+        </a:solidFill>
+        <a:ln w="12700">
+          <a:solidFill>
+            <a:schemeClr val="tx1"/>
+          </a:solidFill>
+        </a:ln>
+      </dgm:spPr>
+      <dgm:t>
+        <a:bodyPr/>
+        <a:lstStyle/>
+        <a:p>
+          <a:r>
+            <a:rPr lang="nb-NO" dirty="0" smtClean="0">
+              <a:solidFill>
+                <a:schemeClr val="tx1"/>
+              </a:solidFill>
+            </a:rPr>
+            <a:t>712th Coastal Defense Battalion</a:t>
+          </a:r>
+          <a:endParaRPr lang="nb-NO" dirty="0">
+            <a:solidFill>
+              <a:schemeClr val="tx1"/>
+            </a:solidFill>
+          </a:endParaRPr>
+        </a:p>
+      </dgm:t>
+    </dgm:pt>
+    <dgm:pt modelId="{F7397BD6-4925-49A4-A538-AA6DAE7E7324}" type="parTrans" cxnId="{FCA7ADC4-8F0A-4F2B-BAA4-E2F40430B4E2}">
+      <dgm:prSet/>
+      <dgm:spPr>
+        <a:ln>
+          <a:solidFill>
+            <a:schemeClr val="tx1"/>
+          </a:solidFill>
+        </a:ln>
+      </dgm:spPr>
+      <dgm:t>
+        <a:bodyPr/>
+        <a:lstStyle/>
+        <a:p>
+          <a:endParaRPr lang="nb-NO" dirty="0"/>
+        </a:p>
+      </dgm:t>
+    </dgm:pt>
+    <dgm:pt modelId="{9B41F221-4E95-4D2E-8AA8-87AE3105E635}" type="sibTrans" cxnId="{FCA7ADC4-8F0A-4F2B-BAA4-E2F40430B4E2}">
+      <dgm:prSet/>
+      <dgm:spPr/>
+      <dgm:t>
+        <a:bodyPr/>
+        <a:lstStyle/>
+        <a:p>
+          <a:endParaRPr lang="nb-NO"/>
+        </a:p>
+      </dgm:t>
+    </dgm:pt>
+    <dgm:pt modelId="{370FACC3-9B58-4A17-9C1D-F35986E1527E}">
+      <dgm:prSet/>
+      <dgm:spPr>
+        <a:solidFill>
+          <a:schemeClr val="accent1">
+            <a:lumMod val="60000"/>
+            <a:lumOff val="40000"/>
+          </a:schemeClr>
+        </a:solidFill>
+        <a:ln w="12700">
+          <a:solidFill>
+            <a:schemeClr val="tx1"/>
+          </a:solidFill>
+        </a:ln>
+      </dgm:spPr>
+      <dgm:t>
+        <a:bodyPr/>
+        <a:lstStyle/>
+        <a:p>
+          <a:r>
+            <a:rPr lang="nb-NO" dirty="0" smtClean="0">
+              <a:solidFill>
+                <a:schemeClr val="tx1"/>
+              </a:solidFill>
+            </a:rPr>
+            <a:t>713th Coastal Defense Battalion</a:t>
+          </a:r>
+          <a:endParaRPr lang="nb-NO" dirty="0">
+            <a:solidFill>
+              <a:schemeClr val="tx1"/>
+            </a:solidFill>
+          </a:endParaRPr>
+        </a:p>
+      </dgm:t>
+    </dgm:pt>
+    <dgm:pt modelId="{98A06ADE-4CED-470E-9E84-843856B695B5}" type="parTrans" cxnId="{C37E78BF-5BBE-48A2-9C40-5034EF616FF9}">
+      <dgm:prSet/>
+      <dgm:spPr>
+        <a:ln>
+          <a:solidFill>
+            <a:schemeClr val="tx1"/>
+          </a:solidFill>
+        </a:ln>
+      </dgm:spPr>
+      <dgm:t>
+        <a:bodyPr/>
+        <a:lstStyle/>
+        <a:p>
+          <a:endParaRPr lang="nb-NO" dirty="0"/>
+        </a:p>
+      </dgm:t>
+    </dgm:pt>
+    <dgm:pt modelId="{845BDE72-0F3E-489E-9D78-16E2A85776A6}" type="sibTrans" cxnId="{C37E78BF-5BBE-48A2-9C40-5034EF616FF9}">
+      <dgm:prSet/>
+      <dgm:spPr/>
+      <dgm:t>
+        <a:bodyPr/>
+        <a:lstStyle/>
+        <a:p>
+          <a:endParaRPr lang="nb-NO"/>
+        </a:p>
+      </dgm:t>
+    </dgm:pt>
+    <dgm:pt modelId="{43166DAC-976F-42DF-9C20-29F234951604}">
+      <dgm:prSet/>
+      <dgm:spPr>
+        <a:solidFill>
+          <a:schemeClr val="accent1">
+            <a:lumMod val="60000"/>
+            <a:lumOff val="40000"/>
+          </a:schemeClr>
+        </a:solidFill>
+        <a:ln w="12700">
+          <a:solidFill>
+            <a:schemeClr val="tx1"/>
+          </a:solidFill>
+        </a:ln>
+      </dgm:spPr>
+      <dgm:t>
+        <a:bodyPr/>
+        <a:lstStyle/>
+        <a:p>
+          <a:r>
+            <a:rPr lang="nb-NO" dirty="0" smtClean="0">
+              <a:solidFill>
+                <a:schemeClr val="tx1"/>
+              </a:solidFill>
+            </a:rPr>
+            <a:t>714th Coastal Defense Battalion</a:t>
+          </a:r>
+          <a:endParaRPr lang="nb-NO" dirty="0">
+            <a:solidFill>
+              <a:schemeClr val="tx1"/>
+            </a:solidFill>
+          </a:endParaRPr>
+        </a:p>
+      </dgm:t>
+    </dgm:pt>
+    <dgm:pt modelId="{9693E88B-89FA-4F40-91E9-07A585F60F1E}" type="parTrans" cxnId="{A82BF7AA-225C-4726-8772-80F85FBC1F43}">
+      <dgm:prSet/>
+      <dgm:spPr>
+        <a:ln>
+          <a:solidFill>
+            <a:schemeClr val="tx1"/>
+          </a:solidFill>
+        </a:ln>
+      </dgm:spPr>
+      <dgm:t>
+        <a:bodyPr/>
+        <a:lstStyle/>
+        <a:p>
+          <a:endParaRPr lang="nb-NO" dirty="0"/>
+        </a:p>
+      </dgm:t>
+    </dgm:pt>
+    <dgm:pt modelId="{A4972646-8D7B-4D9F-9384-B0093249AB58}" type="sibTrans" cxnId="{A82BF7AA-225C-4726-8772-80F85FBC1F43}">
+      <dgm:prSet/>
+      <dgm:spPr/>
+      <dgm:t>
+        <a:bodyPr/>
+        <a:lstStyle/>
+        <a:p>
+          <a:endParaRPr lang="nb-NO"/>
+        </a:p>
+      </dgm:t>
+    </dgm:pt>
+    <dgm:pt modelId="{91B4F49E-8C51-4ED5-846D-7687744653B7}">
+      <dgm:prSet/>
+      <dgm:spPr>
+        <a:solidFill>
+          <a:schemeClr val="accent1">
+            <a:lumMod val="60000"/>
+            <a:lumOff val="40000"/>
+          </a:schemeClr>
+        </a:solidFill>
+        <a:ln w="12700">
+          <a:solidFill>
+            <a:schemeClr val="tx1"/>
+          </a:solidFill>
+        </a:ln>
+      </dgm:spPr>
+      <dgm:t>
+        <a:bodyPr/>
+        <a:lstStyle/>
+        <a:p>
+          <a:r>
+            <a:rPr lang="nb-NO" dirty="0" smtClean="0">
+              <a:solidFill>
+                <a:schemeClr val="tx1"/>
+              </a:solidFill>
+            </a:rPr>
+            <a:t>612th Strategic Submarine Squadron</a:t>
+          </a:r>
+          <a:endParaRPr lang="nb-NO" dirty="0">
+            <a:solidFill>
+              <a:schemeClr val="tx1"/>
+            </a:solidFill>
+          </a:endParaRPr>
+        </a:p>
+      </dgm:t>
+    </dgm:pt>
+    <dgm:pt modelId="{22738289-E6E9-4271-A85A-E248B6921259}" type="parTrans" cxnId="{B23B45A2-4B46-43CB-AC95-10526C94DF77}">
+      <dgm:prSet/>
+      <dgm:spPr>
+        <a:ln>
+          <a:solidFill>
+            <a:schemeClr val="tx1"/>
+          </a:solidFill>
+        </a:ln>
+      </dgm:spPr>
+      <dgm:t>
+        <a:bodyPr/>
+        <a:lstStyle/>
+        <a:p>
+          <a:endParaRPr lang="nb-NO" dirty="0"/>
+        </a:p>
+      </dgm:t>
+    </dgm:pt>
+    <dgm:pt modelId="{3C63D8A9-04D9-4609-AEFD-3E569ECBE688}" type="sibTrans" cxnId="{B23B45A2-4B46-43CB-AC95-10526C94DF77}">
+      <dgm:prSet/>
+      <dgm:spPr/>
+      <dgm:t>
+        <a:bodyPr/>
+        <a:lstStyle/>
+        <a:p>
+          <a:endParaRPr lang="nb-NO"/>
+        </a:p>
+      </dgm:t>
+    </dgm:pt>
+    <dgm:pt modelId="{83162824-B7B0-48B0-B21A-2AC417FBEC99}">
+      <dgm:prSet/>
+      <dgm:spPr>
+        <a:solidFill>
+          <a:schemeClr val="accent1">
+            <a:lumMod val="60000"/>
+            <a:lumOff val="40000"/>
+          </a:schemeClr>
+        </a:solidFill>
+        <a:ln w="12700">
+          <a:solidFill>
+            <a:schemeClr val="tx1"/>
+          </a:solidFill>
+        </a:ln>
+      </dgm:spPr>
+      <dgm:t>
+        <a:bodyPr/>
+        <a:lstStyle/>
+        <a:p>
+          <a:r>
+            <a:rPr lang="nb-NO" dirty="0" smtClean="0">
+              <a:solidFill>
+                <a:schemeClr val="tx1"/>
+              </a:solidFill>
+            </a:rPr>
+            <a:t>Akula #1-#7</a:t>
+          </a:r>
+          <a:endParaRPr lang="nb-NO" dirty="0">
+            <a:solidFill>
+              <a:schemeClr val="tx1"/>
+            </a:solidFill>
+          </a:endParaRPr>
+        </a:p>
+      </dgm:t>
+    </dgm:pt>
+    <dgm:pt modelId="{342F7B73-D266-4312-821E-4409FCDECE50}" type="parTrans" cxnId="{8974D484-91DF-4CD1-8D05-2B3E03654B2E}">
+      <dgm:prSet/>
+      <dgm:spPr>
+        <a:ln>
+          <a:solidFill>
+            <a:schemeClr val="tx1"/>
+          </a:solidFill>
+        </a:ln>
+      </dgm:spPr>
+      <dgm:t>
+        <a:bodyPr/>
+        <a:lstStyle/>
+        <a:p>
+          <a:endParaRPr lang="nb-NO" dirty="0"/>
+        </a:p>
+      </dgm:t>
+    </dgm:pt>
+    <dgm:pt modelId="{2AEA8CCD-A4DF-47FD-B330-5ECC78282E92}" type="sibTrans" cxnId="{8974D484-91DF-4CD1-8D05-2B3E03654B2E}">
+      <dgm:prSet/>
+      <dgm:spPr/>
+      <dgm:t>
+        <a:bodyPr/>
+        <a:lstStyle/>
+        <a:p>
+          <a:endParaRPr lang="nb-NO"/>
+        </a:p>
+      </dgm:t>
+    </dgm:pt>
+    <dgm:pt modelId="{2D6B2F8B-B6CF-426B-A404-054170C92F9D}">
+      <dgm:prSet/>
+      <dgm:spPr>
+        <a:solidFill>
+          <a:schemeClr val="accent1">
+            <a:lumMod val="60000"/>
+            <a:lumOff val="40000"/>
+          </a:schemeClr>
+        </a:solidFill>
+        <a:ln w="12700">
+          <a:solidFill>
+            <a:schemeClr val="tx1"/>
+          </a:solidFill>
+        </a:ln>
+      </dgm:spPr>
+      <dgm:t>
+        <a:bodyPr/>
+        <a:lstStyle/>
+        <a:p>
+          <a:r>
+            <a:rPr lang="nb-NO" dirty="0" smtClean="0">
+              <a:solidFill>
+                <a:schemeClr val="tx1"/>
+              </a:solidFill>
+            </a:rPr>
+            <a:t>Delta IV #1-#11</a:t>
+          </a:r>
+          <a:endParaRPr lang="nb-NO" dirty="0">
+            <a:solidFill>
+              <a:schemeClr val="tx1"/>
+            </a:solidFill>
+          </a:endParaRPr>
+        </a:p>
+      </dgm:t>
+    </dgm:pt>
+    <dgm:pt modelId="{E96931EC-3002-4583-9032-C57D0456992A}" type="parTrans" cxnId="{9170EF47-D213-4CA1-9A5A-4808517BC8E8}">
+      <dgm:prSet/>
+      <dgm:spPr>
+        <a:ln>
+          <a:solidFill>
+            <a:schemeClr val="tx1"/>
+          </a:solidFill>
+        </a:ln>
+      </dgm:spPr>
+      <dgm:t>
+        <a:bodyPr/>
+        <a:lstStyle/>
+        <a:p>
+          <a:endParaRPr lang="nb-NO" dirty="0"/>
+        </a:p>
+      </dgm:t>
+    </dgm:pt>
+    <dgm:pt modelId="{35C8BA45-ED13-4CCE-922E-CEB895EFEE5F}" type="sibTrans" cxnId="{9170EF47-D213-4CA1-9A5A-4808517BC8E8}">
       <dgm:prSet/>
       <dgm:spPr/>
       <dgm:t>
@@ -3853,10 +4688,24 @@
         </dgm:presLayoutVars>
       </dgm:prSet>
       <dgm:spPr/>
+      <dgm:t>
+        <a:bodyPr/>
+        <a:lstStyle/>
+        <a:p>
+          <a:endParaRPr lang="nb-NO"/>
+        </a:p>
+      </dgm:t>
     </dgm:pt>
     <dgm:pt modelId="{84B1B2FB-B134-4270-B3D5-F3EB4481AE1D}" type="pres">
       <dgm:prSet presAssocID="{08D7570B-7F60-45C4-A5BB-AAC3AFDA8848}" presName="rootComposite1" presStyleCnt="0"/>
       <dgm:spPr/>
+      <dgm:t>
+        <a:bodyPr/>
+        <a:lstStyle/>
+        <a:p>
+          <a:endParaRPr lang="nb-NO"/>
+        </a:p>
+      </dgm:t>
     </dgm:pt>
     <dgm:pt modelId="{8CD2BC37-3900-49BB-97B0-B5628A5CCC9C}" type="pres">
       <dgm:prSet presAssocID="{08D7570B-7F60-45C4-A5BB-AAC3AFDA8848}" presName="rootText1" presStyleLbl="node0" presStyleIdx="0" presStyleCnt="1" custScaleX="66958" custScaleY="51374">
@@ -3887,9 +4736,16 @@
     <dgm:pt modelId="{8A97831D-931A-469A-8C59-70D7858BD09B}" type="pres">
       <dgm:prSet presAssocID="{08D7570B-7F60-45C4-A5BB-AAC3AFDA8848}" presName="hierChild2" presStyleCnt="0"/>
       <dgm:spPr/>
+      <dgm:t>
+        <a:bodyPr/>
+        <a:lstStyle/>
+        <a:p>
+          <a:endParaRPr lang="nb-NO"/>
+        </a:p>
+      </dgm:t>
     </dgm:pt>
     <dgm:pt modelId="{FD377280-DB89-464B-8AB5-3FD633C31F64}" type="pres">
-      <dgm:prSet presAssocID="{FD175948-8E56-4907-A90D-D33026458406}" presName="Name37" presStyleLbl="parChTrans1D2" presStyleIdx="0" presStyleCnt="5"/>
+      <dgm:prSet presAssocID="{FD175948-8E56-4907-A90D-D33026458406}" presName="Name37" presStyleLbl="parChTrans1D2" presStyleIdx="0" presStyleCnt="8"/>
       <dgm:spPr/>
       <dgm:t>
         <a:bodyPr/>
@@ -3906,13 +4762,27 @@
         </dgm:presLayoutVars>
       </dgm:prSet>
       <dgm:spPr/>
+      <dgm:t>
+        <a:bodyPr/>
+        <a:lstStyle/>
+        <a:p>
+          <a:endParaRPr lang="nb-NO"/>
+        </a:p>
+      </dgm:t>
     </dgm:pt>
     <dgm:pt modelId="{82BFB123-9E84-4B1A-8057-BFC83C96685A}" type="pres">
       <dgm:prSet presAssocID="{3D4622CA-CE55-4B59-80B0-3EDC3294BDF0}" presName="rootComposite" presStyleCnt="0"/>
       <dgm:spPr/>
+      <dgm:t>
+        <a:bodyPr/>
+        <a:lstStyle/>
+        <a:p>
+          <a:endParaRPr lang="nb-NO"/>
+        </a:p>
+      </dgm:t>
     </dgm:pt>
     <dgm:pt modelId="{663400F7-B751-437D-8E43-177979E03F10}" type="pres">
-      <dgm:prSet presAssocID="{3D4622CA-CE55-4B59-80B0-3EDC3294BDF0}" presName="rootText" presStyleLbl="node2" presStyleIdx="0" presStyleCnt="5" custScaleX="83876" custScaleY="81364">
+      <dgm:prSet presAssocID="{3D4622CA-CE55-4B59-80B0-3EDC3294BDF0}" presName="rootText" presStyleLbl="node2" presStyleIdx="0" presStyleCnt="8" custScaleX="83876" custScaleY="81364">
         <dgm:presLayoutVars>
           <dgm:chPref val="3"/>
         </dgm:presLayoutVars>
@@ -3927,7 +4797,7 @@
       </dgm:t>
     </dgm:pt>
     <dgm:pt modelId="{D119BCDD-6987-4B95-BBDB-BBDC012E938B}" type="pres">
-      <dgm:prSet presAssocID="{3D4622CA-CE55-4B59-80B0-3EDC3294BDF0}" presName="rootConnector" presStyleLbl="node2" presStyleIdx="0" presStyleCnt="5"/>
+      <dgm:prSet presAssocID="{3D4622CA-CE55-4B59-80B0-3EDC3294BDF0}" presName="rootConnector" presStyleLbl="node2" presStyleIdx="0" presStyleCnt="8"/>
       <dgm:spPr/>
       <dgm:t>
         <a:bodyPr/>
@@ -3940,9 +4810,16 @@
     <dgm:pt modelId="{ACF243B4-4780-44EF-9F30-0D87A597551D}" type="pres">
       <dgm:prSet presAssocID="{3D4622CA-CE55-4B59-80B0-3EDC3294BDF0}" presName="hierChild4" presStyleCnt="0"/>
       <dgm:spPr/>
+      <dgm:t>
+        <a:bodyPr/>
+        <a:lstStyle/>
+        <a:p>
+          <a:endParaRPr lang="nb-NO"/>
+        </a:p>
+      </dgm:t>
     </dgm:pt>
     <dgm:pt modelId="{48B5F079-A5F9-4833-A823-6B4CE7A5B7F1}" type="pres">
-      <dgm:prSet presAssocID="{516D82E2-F1C1-48C1-9581-28AFAB241B56}" presName="Name37" presStyleLbl="parChTrans1D3" presStyleIdx="0" presStyleCnt="15"/>
+      <dgm:prSet presAssocID="{516D82E2-F1C1-48C1-9581-28AFAB241B56}" presName="Name37" presStyleLbl="parChTrans1D3" presStyleIdx="0" presStyleCnt="22"/>
       <dgm:spPr/>
       <dgm:t>
         <a:bodyPr/>
@@ -3959,13 +4836,27 @@
         </dgm:presLayoutVars>
       </dgm:prSet>
       <dgm:spPr/>
+      <dgm:t>
+        <a:bodyPr/>
+        <a:lstStyle/>
+        <a:p>
+          <a:endParaRPr lang="nb-NO"/>
+        </a:p>
+      </dgm:t>
     </dgm:pt>
     <dgm:pt modelId="{2182C7FD-3E42-489D-8FF1-11D95C46023B}" type="pres">
       <dgm:prSet presAssocID="{31F75589-71C7-4560-8B8D-7ACEF423E831}" presName="rootComposite" presStyleCnt="0"/>
       <dgm:spPr/>
+      <dgm:t>
+        <a:bodyPr/>
+        <a:lstStyle/>
+        <a:p>
+          <a:endParaRPr lang="nb-NO"/>
+        </a:p>
+      </dgm:t>
     </dgm:pt>
     <dgm:pt modelId="{67CCD494-5ACB-4043-B066-D50635942A40}" type="pres">
-      <dgm:prSet presAssocID="{31F75589-71C7-4560-8B8D-7ACEF423E831}" presName="rootText" presStyleLbl="node3" presStyleIdx="0" presStyleCnt="15" custScaleX="87311" custScaleY="81172">
+      <dgm:prSet presAssocID="{31F75589-71C7-4560-8B8D-7ACEF423E831}" presName="rootText" presStyleLbl="node3" presStyleIdx="0" presStyleCnt="22" custScaleX="87311" custScaleY="81172">
         <dgm:presLayoutVars>
           <dgm:chPref val="3"/>
         </dgm:presLayoutVars>
@@ -3980,7 +4871,7 @@
       </dgm:t>
     </dgm:pt>
     <dgm:pt modelId="{16671BCE-57AF-463A-9BDF-1D780F79A168}" type="pres">
-      <dgm:prSet presAssocID="{31F75589-71C7-4560-8B8D-7ACEF423E831}" presName="rootConnector" presStyleLbl="node3" presStyleIdx="0" presStyleCnt="15"/>
+      <dgm:prSet presAssocID="{31F75589-71C7-4560-8B8D-7ACEF423E831}" presName="rootConnector" presStyleLbl="node3" presStyleIdx="0" presStyleCnt="22"/>
       <dgm:spPr/>
       <dgm:t>
         <a:bodyPr/>
@@ -3993,13 +4884,27 @@
     <dgm:pt modelId="{D5C41493-E956-49AF-A344-5827BC970A5A}" type="pres">
       <dgm:prSet presAssocID="{31F75589-71C7-4560-8B8D-7ACEF423E831}" presName="hierChild4" presStyleCnt="0"/>
       <dgm:spPr/>
+      <dgm:t>
+        <a:bodyPr/>
+        <a:lstStyle/>
+        <a:p>
+          <a:endParaRPr lang="nb-NO"/>
+        </a:p>
+      </dgm:t>
     </dgm:pt>
     <dgm:pt modelId="{BE253D02-76B8-4A20-83BA-0FBFE4BC98CF}" type="pres">
       <dgm:prSet presAssocID="{31F75589-71C7-4560-8B8D-7ACEF423E831}" presName="hierChild5" presStyleCnt="0"/>
       <dgm:spPr/>
+      <dgm:t>
+        <a:bodyPr/>
+        <a:lstStyle/>
+        <a:p>
+          <a:endParaRPr lang="nb-NO"/>
+        </a:p>
+      </dgm:t>
     </dgm:pt>
     <dgm:pt modelId="{E4D47D8C-F1B0-4921-9C78-48D8EE3931CC}" type="pres">
-      <dgm:prSet presAssocID="{F5B0F976-4370-4DFE-82B8-C5A097EEA79F}" presName="Name37" presStyleLbl="parChTrans1D3" presStyleIdx="1" presStyleCnt="15"/>
+      <dgm:prSet presAssocID="{F5B0F976-4370-4DFE-82B8-C5A097EEA79F}" presName="Name37" presStyleLbl="parChTrans1D3" presStyleIdx="1" presStyleCnt="22"/>
       <dgm:spPr/>
       <dgm:t>
         <a:bodyPr/>
@@ -4016,13 +4921,27 @@
         </dgm:presLayoutVars>
       </dgm:prSet>
       <dgm:spPr/>
+      <dgm:t>
+        <a:bodyPr/>
+        <a:lstStyle/>
+        <a:p>
+          <a:endParaRPr lang="nb-NO"/>
+        </a:p>
+      </dgm:t>
     </dgm:pt>
     <dgm:pt modelId="{4986ED75-BF7E-4819-989F-8C7795FB3D50}" type="pres">
       <dgm:prSet presAssocID="{F432106B-6544-4843-9FDE-C68B3FBFD266}" presName="rootComposite" presStyleCnt="0"/>
       <dgm:spPr/>
+      <dgm:t>
+        <a:bodyPr/>
+        <a:lstStyle/>
+        <a:p>
+          <a:endParaRPr lang="nb-NO"/>
+        </a:p>
+      </dgm:t>
     </dgm:pt>
     <dgm:pt modelId="{5A6EBF34-082E-4042-BFD6-E327BBFEBEF6}" type="pres">
-      <dgm:prSet presAssocID="{F432106B-6544-4843-9FDE-C68B3FBFD266}" presName="rootText" presStyleLbl="node3" presStyleIdx="1" presStyleCnt="15" custScaleX="87311" custScaleY="81172">
+      <dgm:prSet presAssocID="{F432106B-6544-4843-9FDE-C68B3FBFD266}" presName="rootText" presStyleLbl="node3" presStyleIdx="1" presStyleCnt="22" custScaleX="87311" custScaleY="81172">
         <dgm:presLayoutVars>
           <dgm:chPref val="3"/>
         </dgm:presLayoutVars>
@@ -4037,7 +4956,7 @@
       </dgm:t>
     </dgm:pt>
     <dgm:pt modelId="{73FFD7F9-44AC-4A47-BB94-0F279F008982}" type="pres">
-      <dgm:prSet presAssocID="{F432106B-6544-4843-9FDE-C68B3FBFD266}" presName="rootConnector" presStyleLbl="node3" presStyleIdx="1" presStyleCnt="15"/>
+      <dgm:prSet presAssocID="{F432106B-6544-4843-9FDE-C68B3FBFD266}" presName="rootConnector" presStyleLbl="node3" presStyleIdx="1" presStyleCnt="22"/>
       <dgm:spPr/>
       <dgm:t>
         <a:bodyPr/>
@@ -4050,13 +4969,27 @@
     <dgm:pt modelId="{655FEB70-7EB2-4789-936C-7534CC15B456}" type="pres">
       <dgm:prSet presAssocID="{F432106B-6544-4843-9FDE-C68B3FBFD266}" presName="hierChild4" presStyleCnt="0"/>
       <dgm:spPr/>
+      <dgm:t>
+        <a:bodyPr/>
+        <a:lstStyle/>
+        <a:p>
+          <a:endParaRPr lang="nb-NO"/>
+        </a:p>
+      </dgm:t>
     </dgm:pt>
     <dgm:pt modelId="{3ABB03A2-3F5C-49CD-B70E-34C9A729331A}" type="pres">
       <dgm:prSet presAssocID="{F432106B-6544-4843-9FDE-C68B3FBFD266}" presName="hierChild5" presStyleCnt="0"/>
       <dgm:spPr/>
+      <dgm:t>
+        <a:bodyPr/>
+        <a:lstStyle/>
+        <a:p>
+          <a:endParaRPr lang="nb-NO"/>
+        </a:p>
+      </dgm:t>
     </dgm:pt>
     <dgm:pt modelId="{14685868-9C5E-4BAC-A516-02C3B02B45FF}" type="pres">
-      <dgm:prSet presAssocID="{14938C81-B03D-4F7B-AA43-E5108073D6DA}" presName="Name37" presStyleLbl="parChTrans1D3" presStyleIdx="2" presStyleCnt="15"/>
+      <dgm:prSet presAssocID="{14938C81-B03D-4F7B-AA43-E5108073D6DA}" presName="Name37" presStyleLbl="parChTrans1D3" presStyleIdx="2" presStyleCnt="22"/>
       <dgm:spPr/>
       <dgm:t>
         <a:bodyPr/>
@@ -4073,13 +5006,27 @@
         </dgm:presLayoutVars>
       </dgm:prSet>
       <dgm:spPr/>
+      <dgm:t>
+        <a:bodyPr/>
+        <a:lstStyle/>
+        <a:p>
+          <a:endParaRPr lang="nb-NO"/>
+        </a:p>
+      </dgm:t>
     </dgm:pt>
     <dgm:pt modelId="{A013361B-9016-4226-942F-D070FFD356B8}" type="pres">
       <dgm:prSet presAssocID="{BD76ABED-2DF9-43FC-8248-8906FC6ED38C}" presName="rootComposite" presStyleCnt="0"/>
       <dgm:spPr/>
+      <dgm:t>
+        <a:bodyPr/>
+        <a:lstStyle/>
+        <a:p>
+          <a:endParaRPr lang="nb-NO"/>
+        </a:p>
+      </dgm:t>
     </dgm:pt>
     <dgm:pt modelId="{9E844CCB-BB56-4B9F-AF3E-5D6C0FAE0E8F}" type="pres">
-      <dgm:prSet presAssocID="{BD76ABED-2DF9-43FC-8248-8906FC6ED38C}" presName="rootText" presStyleLbl="node3" presStyleIdx="2" presStyleCnt="15" custScaleX="87311" custScaleY="81172">
+      <dgm:prSet presAssocID="{BD76ABED-2DF9-43FC-8248-8906FC6ED38C}" presName="rootText" presStyleLbl="node3" presStyleIdx="2" presStyleCnt="22" custScaleX="87311" custScaleY="81172">
         <dgm:presLayoutVars>
           <dgm:chPref val="3"/>
         </dgm:presLayoutVars>
@@ -4094,7 +5041,7 @@
       </dgm:t>
     </dgm:pt>
     <dgm:pt modelId="{E70CC0F3-62B4-402F-89EA-C1A8676F1211}" type="pres">
-      <dgm:prSet presAssocID="{BD76ABED-2DF9-43FC-8248-8906FC6ED38C}" presName="rootConnector" presStyleLbl="node3" presStyleIdx="2" presStyleCnt="15"/>
+      <dgm:prSet presAssocID="{BD76ABED-2DF9-43FC-8248-8906FC6ED38C}" presName="rootConnector" presStyleLbl="node3" presStyleIdx="2" presStyleCnt="22"/>
       <dgm:spPr/>
       <dgm:t>
         <a:bodyPr/>
@@ -4107,13 +5054,27 @@
     <dgm:pt modelId="{D6EB2084-73D8-4684-A21C-0740E8CD6250}" type="pres">
       <dgm:prSet presAssocID="{BD76ABED-2DF9-43FC-8248-8906FC6ED38C}" presName="hierChild4" presStyleCnt="0"/>
       <dgm:spPr/>
+      <dgm:t>
+        <a:bodyPr/>
+        <a:lstStyle/>
+        <a:p>
+          <a:endParaRPr lang="nb-NO"/>
+        </a:p>
+      </dgm:t>
     </dgm:pt>
     <dgm:pt modelId="{FCC42A90-85F6-4B79-80E1-90B78B9FA1E4}" type="pres">
       <dgm:prSet presAssocID="{BD76ABED-2DF9-43FC-8248-8906FC6ED38C}" presName="hierChild5" presStyleCnt="0"/>
       <dgm:spPr/>
+      <dgm:t>
+        <a:bodyPr/>
+        <a:lstStyle/>
+        <a:p>
+          <a:endParaRPr lang="nb-NO"/>
+        </a:p>
+      </dgm:t>
     </dgm:pt>
     <dgm:pt modelId="{2E177F70-5D22-47DE-9E47-56177F40C4CA}" type="pres">
-      <dgm:prSet presAssocID="{301A8421-BFB3-4791-BD9C-8B5DF53C5C92}" presName="Name37" presStyleLbl="parChTrans1D3" presStyleIdx="3" presStyleCnt="15"/>
+      <dgm:prSet presAssocID="{301A8421-BFB3-4791-BD9C-8B5DF53C5C92}" presName="Name37" presStyleLbl="parChTrans1D3" presStyleIdx="3" presStyleCnt="22"/>
       <dgm:spPr/>
       <dgm:t>
         <a:bodyPr/>
@@ -4130,13 +5091,27 @@
         </dgm:presLayoutVars>
       </dgm:prSet>
       <dgm:spPr/>
+      <dgm:t>
+        <a:bodyPr/>
+        <a:lstStyle/>
+        <a:p>
+          <a:endParaRPr lang="nb-NO"/>
+        </a:p>
+      </dgm:t>
     </dgm:pt>
     <dgm:pt modelId="{87F2FD5E-B25F-4B34-9FEF-855D1A262ADD}" type="pres">
       <dgm:prSet presAssocID="{49ADF8F0-4FCE-4D5A-A622-6EB5356592AC}" presName="rootComposite" presStyleCnt="0"/>
       <dgm:spPr/>
+      <dgm:t>
+        <a:bodyPr/>
+        <a:lstStyle/>
+        <a:p>
+          <a:endParaRPr lang="nb-NO"/>
+        </a:p>
+      </dgm:t>
     </dgm:pt>
     <dgm:pt modelId="{1DA0058F-15BD-4C35-BFD4-36D609C6A4FC}" type="pres">
-      <dgm:prSet presAssocID="{49ADF8F0-4FCE-4D5A-A622-6EB5356592AC}" presName="rootText" presStyleLbl="node3" presStyleIdx="3" presStyleCnt="15" custScaleX="87311" custScaleY="81172">
+      <dgm:prSet presAssocID="{49ADF8F0-4FCE-4D5A-A622-6EB5356592AC}" presName="rootText" presStyleLbl="node3" presStyleIdx="3" presStyleCnt="22" custScaleX="87311" custScaleY="81172">
         <dgm:presLayoutVars>
           <dgm:chPref val="3"/>
         </dgm:presLayoutVars>
@@ -4151,7 +5126,7 @@
       </dgm:t>
     </dgm:pt>
     <dgm:pt modelId="{E20B4C07-3983-469C-A063-47F8692D35C5}" type="pres">
-      <dgm:prSet presAssocID="{49ADF8F0-4FCE-4D5A-A622-6EB5356592AC}" presName="rootConnector" presStyleLbl="node3" presStyleIdx="3" presStyleCnt="15"/>
+      <dgm:prSet presAssocID="{49ADF8F0-4FCE-4D5A-A622-6EB5356592AC}" presName="rootConnector" presStyleLbl="node3" presStyleIdx="3" presStyleCnt="22"/>
       <dgm:spPr/>
       <dgm:t>
         <a:bodyPr/>
@@ -4164,17 +5139,38 @@
     <dgm:pt modelId="{ED28715A-D0A5-4857-8A7B-174DB43208BE}" type="pres">
       <dgm:prSet presAssocID="{49ADF8F0-4FCE-4D5A-A622-6EB5356592AC}" presName="hierChild4" presStyleCnt="0"/>
       <dgm:spPr/>
+      <dgm:t>
+        <a:bodyPr/>
+        <a:lstStyle/>
+        <a:p>
+          <a:endParaRPr lang="nb-NO"/>
+        </a:p>
+      </dgm:t>
     </dgm:pt>
     <dgm:pt modelId="{40C3121F-4822-437E-B0A8-82D4604AD7A6}" type="pres">
       <dgm:prSet presAssocID="{49ADF8F0-4FCE-4D5A-A622-6EB5356592AC}" presName="hierChild5" presStyleCnt="0"/>
       <dgm:spPr/>
+      <dgm:t>
+        <a:bodyPr/>
+        <a:lstStyle/>
+        <a:p>
+          <a:endParaRPr lang="nb-NO"/>
+        </a:p>
+      </dgm:t>
     </dgm:pt>
     <dgm:pt modelId="{855EF416-6BED-451D-94B2-A9714C6B3136}" type="pres">
       <dgm:prSet presAssocID="{3D4622CA-CE55-4B59-80B0-3EDC3294BDF0}" presName="hierChild5" presStyleCnt="0"/>
       <dgm:spPr/>
+      <dgm:t>
+        <a:bodyPr/>
+        <a:lstStyle/>
+        <a:p>
+          <a:endParaRPr lang="nb-NO"/>
+        </a:p>
+      </dgm:t>
     </dgm:pt>
     <dgm:pt modelId="{6A3EFA0E-0745-4CCD-81AF-1978C059994D}" type="pres">
-      <dgm:prSet presAssocID="{ACCA721F-76E7-4109-9558-F003BABEE0B5}" presName="Name37" presStyleLbl="parChTrans1D2" presStyleIdx="1" presStyleCnt="5"/>
+      <dgm:prSet presAssocID="{ACCA721F-76E7-4109-9558-F003BABEE0B5}" presName="Name37" presStyleLbl="parChTrans1D2" presStyleIdx="1" presStyleCnt="8"/>
       <dgm:spPr/>
       <dgm:t>
         <a:bodyPr/>
@@ -4191,13 +5187,27 @@
         </dgm:presLayoutVars>
       </dgm:prSet>
       <dgm:spPr/>
+      <dgm:t>
+        <a:bodyPr/>
+        <a:lstStyle/>
+        <a:p>
+          <a:endParaRPr lang="nb-NO"/>
+        </a:p>
+      </dgm:t>
     </dgm:pt>
     <dgm:pt modelId="{6403726E-11E2-43E1-8537-D275C2A80E14}" type="pres">
       <dgm:prSet presAssocID="{FB6E65E7-5E34-4F2D-9A0F-4611B152FE07}" presName="rootComposite" presStyleCnt="0"/>
       <dgm:spPr/>
+      <dgm:t>
+        <a:bodyPr/>
+        <a:lstStyle/>
+        <a:p>
+          <a:endParaRPr lang="nb-NO"/>
+        </a:p>
+      </dgm:t>
     </dgm:pt>
     <dgm:pt modelId="{DC3C1DAE-B702-428D-9DC2-D42E2FA53FEA}" type="pres">
-      <dgm:prSet presAssocID="{FB6E65E7-5E34-4F2D-9A0F-4611B152FE07}" presName="rootText" presStyleLbl="node2" presStyleIdx="1" presStyleCnt="5" custScaleX="83876" custScaleY="81364">
+      <dgm:prSet presAssocID="{FB6E65E7-5E34-4F2D-9A0F-4611B152FE07}" presName="rootText" presStyleLbl="node2" presStyleIdx="1" presStyleCnt="8" custScaleX="83876" custScaleY="81364">
         <dgm:presLayoutVars>
           <dgm:chPref val="3"/>
         </dgm:presLayoutVars>
@@ -4212,7 +5222,7 @@
       </dgm:t>
     </dgm:pt>
     <dgm:pt modelId="{C77EF5CB-5EE2-45B7-882A-E089E2AAFB48}" type="pres">
-      <dgm:prSet presAssocID="{FB6E65E7-5E34-4F2D-9A0F-4611B152FE07}" presName="rootConnector" presStyleLbl="node2" presStyleIdx="1" presStyleCnt="5"/>
+      <dgm:prSet presAssocID="{FB6E65E7-5E34-4F2D-9A0F-4611B152FE07}" presName="rootConnector" presStyleLbl="node2" presStyleIdx="1" presStyleCnt="8"/>
       <dgm:spPr/>
       <dgm:t>
         <a:bodyPr/>
@@ -4225,9 +5235,16 @@
     <dgm:pt modelId="{80445BA7-5EAD-489A-A62F-F9128BB389B8}" type="pres">
       <dgm:prSet presAssocID="{FB6E65E7-5E34-4F2D-9A0F-4611B152FE07}" presName="hierChild4" presStyleCnt="0"/>
       <dgm:spPr/>
+      <dgm:t>
+        <a:bodyPr/>
+        <a:lstStyle/>
+        <a:p>
+          <a:endParaRPr lang="nb-NO"/>
+        </a:p>
+      </dgm:t>
     </dgm:pt>
     <dgm:pt modelId="{66EF63CD-1BA1-4100-ACC6-C45626AF59D5}" type="pres">
-      <dgm:prSet presAssocID="{58094D1F-E3DD-46B2-B122-90B28EFA0AEA}" presName="Name37" presStyleLbl="parChTrans1D3" presStyleIdx="4" presStyleCnt="15"/>
+      <dgm:prSet presAssocID="{58094D1F-E3DD-46B2-B122-90B28EFA0AEA}" presName="Name37" presStyleLbl="parChTrans1D3" presStyleIdx="4" presStyleCnt="22"/>
       <dgm:spPr/>
       <dgm:t>
         <a:bodyPr/>
@@ -4244,13 +5261,27 @@
         </dgm:presLayoutVars>
       </dgm:prSet>
       <dgm:spPr/>
+      <dgm:t>
+        <a:bodyPr/>
+        <a:lstStyle/>
+        <a:p>
+          <a:endParaRPr lang="nb-NO"/>
+        </a:p>
+      </dgm:t>
     </dgm:pt>
     <dgm:pt modelId="{53F04181-35E3-4B2F-A1F0-819A696817B8}" type="pres">
       <dgm:prSet presAssocID="{F68779E3-5F1B-4937-AD5A-30C29348322D}" presName="rootComposite" presStyleCnt="0"/>
       <dgm:spPr/>
+      <dgm:t>
+        <a:bodyPr/>
+        <a:lstStyle/>
+        <a:p>
+          <a:endParaRPr lang="nb-NO"/>
+        </a:p>
+      </dgm:t>
     </dgm:pt>
     <dgm:pt modelId="{54E4D7C5-D537-4E09-9840-753C5DD202E1}" type="pres">
-      <dgm:prSet presAssocID="{F68779E3-5F1B-4937-AD5A-30C29348322D}" presName="rootText" presStyleLbl="node3" presStyleIdx="4" presStyleCnt="15" custScaleX="83876" custScaleY="81364">
+      <dgm:prSet presAssocID="{F68779E3-5F1B-4937-AD5A-30C29348322D}" presName="rootText" presStyleLbl="node3" presStyleIdx="4" presStyleCnt="22" custScaleX="83876" custScaleY="81364">
         <dgm:presLayoutVars>
           <dgm:chPref val="3"/>
         </dgm:presLayoutVars>
@@ -4265,7 +5296,7 @@
       </dgm:t>
     </dgm:pt>
     <dgm:pt modelId="{BC388B97-8004-4404-ABB1-C87976364713}" type="pres">
-      <dgm:prSet presAssocID="{F68779E3-5F1B-4937-AD5A-30C29348322D}" presName="rootConnector" presStyleLbl="node3" presStyleIdx="4" presStyleCnt="15"/>
+      <dgm:prSet presAssocID="{F68779E3-5F1B-4937-AD5A-30C29348322D}" presName="rootConnector" presStyleLbl="node3" presStyleIdx="4" presStyleCnt="22"/>
       <dgm:spPr/>
       <dgm:t>
         <a:bodyPr/>
@@ -4278,9 +5309,16 @@
     <dgm:pt modelId="{DBFD58B2-A193-458B-8015-5269116C1A08}" type="pres">
       <dgm:prSet presAssocID="{F68779E3-5F1B-4937-AD5A-30C29348322D}" presName="hierChild4" presStyleCnt="0"/>
       <dgm:spPr/>
+      <dgm:t>
+        <a:bodyPr/>
+        <a:lstStyle/>
+        <a:p>
+          <a:endParaRPr lang="nb-NO"/>
+        </a:p>
+      </dgm:t>
     </dgm:pt>
     <dgm:pt modelId="{A994BDFF-A389-4474-8AE8-3D6E661D7246}" type="pres">
-      <dgm:prSet presAssocID="{9DB4AB59-EA03-4ACC-A1D2-B0AEEB3BCF5C}" presName="Name37" presStyleLbl="parChTrans1D4" presStyleIdx="0" presStyleCnt="20"/>
+      <dgm:prSet presAssocID="{9DB4AB59-EA03-4ACC-A1D2-B0AEEB3BCF5C}" presName="Name37" presStyleLbl="parChTrans1D4" presStyleIdx="0" presStyleCnt="22"/>
       <dgm:spPr/>
       <dgm:t>
         <a:bodyPr/>
@@ -4297,13 +5335,27 @@
         </dgm:presLayoutVars>
       </dgm:prSet>
       <dgm:spPr/>
+      <dgm:t>
+        <a:bodyPr/>
+        <a:lstStyle/>
+        <a:p>
+          <a:endParaRPr lang="nb-NO"/>
+        </a:p>
+      </dgm:t>
     </dgm:pt>
     <dgm:pt modelId="{1462D21F-F576-48CF-AA62-18A83D02DC2A}" type="pres">
       <dgm:prSet presAssocID="{469849CB-EAE7-457B-B3A1-0FD0240EB313}" presName="rootComposite" presStyleCnt="0"/>
       <dgm:spPr/>
+      <dgm:t>
+        <a:bodyPr/>
+        <a:lstStyle/>
+        <a:p>
+          <a:endParaRPr lang="nb-NO"/>
+        </a:p>
+      </dgm:t>
     </dgm:pt>
     <dgm:pt modelId="{D357AA12-B255-4C03-9BF8-BC193ABAE66E}" type="pres">
-      <dgm:prSet presAssocID="{469849CB-EAE7-457B-B3A1-0FD0240EB313}" presName="rootText" presStyleLbl="node4" presStyleIdx="0" presStyleCnt="20" custScaleX="83876" custScaleY="81364">
+      <dgm:prSet presAssocID="{469849CB-EAE7-457B-B3A1-0FD0240EB313}" presName="rootText" presStyleLbl="node4" presStyleIdx="0" presStyleCnt="22" custScaleX="83876" custScaleY="81364">
         <dgm:presLayoutVars>
           <dgm:chPref val="3"/>
         </dgm:presLayoutVars>
@@ -4318,7 +5370,7 @@
       </dgm:t>
     </dgm:pt>
     <dgm:pt modelId="{1B8BAF4B-6713-425F-BA11-378768914AE5}" type="pres">
-      <dgm:prSet presAssocID="{469849CB-EAE7-457B-B3A1-0FD0240EB313}" presName="rootConnector" presStyleLbl="node4" presStyleIdx="0" presStyleCnt="20"/>
+      <dgm:prSet presAssocID="{469849CB-EAE7-457B-B3A1-0FD0240EB313}" presName="rootConnector" presStyleLbl="node4" presStyleIdx="0" presStyleCnt="22"/>
       <dgm:spPr/>
       <dgm:t>
         <a:bodyPr/>
@@ -4331,13 +5383,27 @@
     <dgm:pt modelId="{0ABFEE57-37EB-447F-AA8E-19BAC9CA9330}" type="pres">
       <dgm:prSet presAssocID="{469849CB-EAE7-457B-B3A1-0FD0240EB313}" presName="hierChild4" presStyleCnt="0"/>
       <dgm:spPr/>
+      <dgm:t>
+        <a:bodyPr/>
+        <a:lstStyle/>
+        <a:p>
+          <a:endParaRPr lang="nb-NO"/>
+        </a:p>
+      </dgm:t>
     </dgm:pt>
     <dgm:pt modelId="{68616CA8-A2D6-4150-8EFB-E082AAF256A4}" type="pres">
       <dgm:prSet presAssocID="{469849CB-EAE7-457B-B3A1-0FD0240EB313}" presName="hierChild5" presStyleCnt="0"/>
       <dgm:spPr/>
+      <dgm:t>
+        <a:bodyPr/>
+        <a:lstStyle/>
+        <a:p>
+          <a:endParaRPr lang="nb-NO"/>
+        </a:p>
+      </dgm:t>
     </dgm:pt>
     <dgm:pt modelId="{8876F36E-6C3D-4776-ABDC-D185073FEE12}" type="pres">
-      <dgm:prSet presAssocID="{AED10E6B-2A7C-4D87-AE2F-A9E67C153362}" presName="Name37" presStyleLbl="parChTrans1D4" presStyleIdx="1" presStyleCnt="20"/>
+      <dgm:prSet presAssocID="{AED10E6B-2A7C-4D87-AE2F-A9E67C153362}" presName="Name37" presStyleLbl="parChTrans1D4" presStyleIdx="1" presStyleCnt="22"/>
       <dgm:spPr/>
       <dgm:t>
         <a:bodyPr/>
@@ -4354,13 +5420,27 @@
         </dgm:presLayoutVars>
       </dgm:prSet>
       <dgm:spPr/>
+      <dgm:t>
+        <a:bodyPr/>
+        <a:lstStyle/>
+        <a:p>
+          <a:endParaRPr lang="nb-NO"/>
+        </a:p>
+      </dgm:t>
     </dgm:pt>
     <dgm:pt modelId="{57DD85D7-ACBC-49C3-8BA4-08D3ACB40A45}" type="pres">
       <dgm:prSet presAssocID="{75677C28-0B61-43C0-8518-57E83FD5FFFD}" presName="rootComposite" presStyleCnt="0"/>
       <dgm:spPr/>
+      <dgm:t>
+        <a:bodyPr/>
+        <a:lstStyle/>
+        <a:p>
+          <a:endParaRPr lang="nb-NO"/>
+        </a:p>
+      </dgm:t>
     </dgm:pt>
     <dgm:pt modelId="{C908BDEB-4B47-48E7-9DE2-7418AFF8DAF0}" type="pres">
-      <dgm:prSet presAssocID="{75677C28-0B61-43C0-8518-57E83FD5FFFD}" presName="rootText" presStyleLbl="node4" presStyleIdx="1" presStyleCnt="20" custScaleX="83876" custScaleY="81364">
+      <dgm:prSet presAssocID="{75677C28-0B61-43C0-8518-57E83FD5FFFD}" presName="rootText" presStyleLbl="node4" presStyleIdx="1" presStyleCnt="22" custScaleX="83876" custScaleY="81364">
         <dgm:presLayoutVars>
           <dgm:chPref val="3"/>
         </dgm:presLayoutVars>
@@ -4375,7 +5455,7 @@
       </dgm:t>
     </dgm:pt>
     <dgm:pt modelId="{17F7B421-5560-4AB8-A697-7872F61C07CB}" type="pres">
-      <dgm:prSet presAssocID="{75677C28-0B61-43C0-8518-57E83FD5FFFD}" presName="rootConnector" presStyleLbl="node4" presStyleIdx="1" presStyleCnt="20"/>
+      <dgm:prSet presAssocID="{75677C28-0B61-43C0-8518-57E83FD5FFFD}" presName="rootConnector" presStyleLbl="node4" presStyleIdx="1" presStyleCnt="22"/>
       <dgm:spPr/>
       <dgm:t>
         <a:bodyPr/>
@@ -4388,13 +5468,27 @@
     <dgm:pt modelId="{C888ED75-7519-4FD6-99C0-1E9E1CBC1AF8}" type="pres">
       <dgm:prSet presAssocID="{75677C28-0B61-43C0-8518-57E83FD5FFFD}" presName="hierChild4" presStyleCnt="0"/>
       <dgm:spPr/>
+      <dgm:t>
+        <a:bodyPr/>
+        <a:lstStyle/>
+        <a:p>
+          <a:endParaRPr lang="nb-NO"/>
+        </a:p>
+      </dgm:t>
     </dgm:pt>
     <dgm:pt modelId="{E56A5115-B4B3-4620-9DF3-36398EE517F3}" type="pres">
       <dgm:prSet presAssocID="{75677C28-0B61-43C0-8518-57E83FD5FFFD}" presName="hierChild5" presStyleCnt="0"/>
       <dgm:spPr/>
+      <dgm:t>
+        <a:bodyPr/>
+        <a:lstStyle/>
+        <a:p>
+          <a:endParaRPr lang="nb-NO"/>
+        </a:p>
+      </dgm:t>
     </dgm:pt>
     <dgm:pt modelId="{2CE69817-D7E7-454A-B1C2-3A0E60E2BCDF}" type="pres">
-      <dgm:prSet presAssocID="{0A1CDFBF-7E7C-4955-87B5-E5A6FD0ADBAE}" presName="Name37" presStyleLbl="parChTrans1D4" presStyleIdx="2" presStyleCnt="20"/>
+      <dgm:prSet presAssocID="{0A1CDFBF-7E7C-4955-87B5-E5A6FD0ADBAE}" presName="Name37" presStyleLbl="parChTrans1D4" presStyleIdx="2" presStyleCnt="22"/>
       <dgm:spPr/>
       <dgm:t>
         <a:bodyPr/>
@@ -4411,13 +5505,27 @@
         </dgm:presLayoutVars>
       </dgm:prSet>
       <dgm:spPr/>
+      <dgm:t>
+        <a:bodyPr/>
+        <a:lstStyle/>
+        <a:p>
+          <a:endParaRPr lang="nb-NO"/>
+        </a:p>
+      </dgm:t>
     </dgm:pt>
     <dgm:pt modelId="{48A6A3B8-8D25-465E-AE3E-3C57C27EA0BC}" type="pres">
       <dgm:prSet presAssocID="{3371556B-8BBE-40A0-9B78-0E52D105D5CB}" presName="rootComposite" presStyleCnt="0"/>
       <dgm:spPr/>
+      <dgm:t>
+        <a:bodyPr/>
+        <a:lstStyle/>
+        <a:p>
+          <a:endParaRPr lang="nb-NO"/>
+        </a:p>
+      </dgm:t>
     </dgm:pt>
     <dgm:pt modelId="{10443C87-1029-47E0-8468-53932E830E45}" type="pres">
-      <dgm:prSet presAssocID="{3371556B-8BBE-40A0-9B78-0E52D105D5CB}" presName="rootText" presStyleLbl="node4" presStyleIdx="2" presStyleCnt="20" custScaleX="83876" custScaleY="81364">
+      <dgm:prSet presAssocID="{3371556B-8BBE-40A0-9B78-0E52D105D5CB}" presName="rootText" presStyleLbl="node4" presStyleIdx="2" presStyleCnt="22" custScaleX="83876" custScaleY="81364">
         <dgm:presLayoutVars>
           <dgm:chPref val="3"/>
         </dgm:presLayoutVars>
@@ -4432,7 +5540,7 @@
       </dgm:t>
     </dgm:pt>
     <dgm:pt modelId="{442AA651-B453-4109-AA5A-BB7436FF37D0}" type="pres">
-      <dgm:prSet presAssocID="{3371556B-8BBE-40A0-9B78-0E52D105D5CB}" presName="rootConnector" presStyleLbl="node4" presStyleIdx="2" presStyleCnt="20"/>
+      <dgm:prSet presAssocID="{3371556B-8BBE-40A0-9B78-0E52D105D5CB}" presName="rootConnector" presStyleLbl="node4" presStyleIdx="2" presStyleCnt="22"/>
       <dgm:spPr/>
       <dgm:t>
         <a:bodyPr/>
@@ -4445,13 +5553,27 @@
     <dgm:pt modelId="{21E63B8E-E1B9-4487-9E6D-FB06FE4E20D4}" type="pres">
       <dgm:prSet presAssocID="{3371556B-8BBE-40A0-9B78-0E52D105D5CB}" presName="hierChild4" presStyleCnt="0"/>
       <dgm:spPr/>
+      <dgm:t>
+        <a:bodyPr/>
+        <a:lstStyle/>
+        <a:p>
+          <a:endParaRPr lang="nb-NO"/>
+        </a:p>
+      </dgm:t>
     </dgm:pt>
     <dgm:pt modelId="{50482207-884D-4AE3-B3E9-AAE75701A3AA}" type="pres">
       <dgm:prSet presAssocID="{3371556B-8BBE-40A0-9B78-0E52D105D5CB}" presName="hierChild5" presStyleCnt="0"/>
       <dgm:spPr/>
+      <dgm:t>
+        <a:bodyPr/>
+        <a:lstStyle/>
+        <a:p>
+          <a:endParaRPr lang="nb-NO"/>
+        </a:p>
+      </dgm:t>
     </dgm:pt>
     <dgm:pt modelId="{AC8D3BD3-BABB-4DA0-9C28-9D8F780EA302}" type="pres">
-      <dgm:prSet presAssocID="{82952DE5-59D2-434F-AC20-AF1ED12E162B}" presName="Name37" presStyleLbl="parChTrans1D4" presStyleIdx="3" presStyleCnt="20"/>
+      <dgm:prSet presAssocID="{82952DE5-59D2-434F-AC20-AF1ED12E162B}" presName="Name37" presStyleLbl="parChTrans1D4" presStyleIdx="3" presStyleCnt="22"/>
       <dgm:spPr/>
       <dgm:t>
         <a:bodyPr/>
@@ -4468,13 +5590,27 @@
         </dgm:presLayoutVars>
       </dgm:prSet>
       <dgm:spPr/>
+      <dgm:t>
+        <a:bodyPr/>
+        <a:lstStyle/>
+        <a:p>
+          <a:endParaRPr lang="nb-NO"/>
+        </a:p>
+      </dgm:t>
     </dgm:pt>
     <dgm:pt modelId="{E347F255-DF3C-4619-B933-2A864F216D51}" type="pres">
       <dgm:prSet presAssocID="{82DA2C98-167F-4AEA-B668-91E1B0111BD9}" presName="rootComposite" presStyleCnt="0"/>
       <dgm:spPr/>
+      <dgm:t>
+        <a:bodyPr/>
+        <a:lstStyle/>
+        <a:p>
+          <a:endParaRPr lang="nb-NO"/>
+        </a:p>
+      </dgm:t>
     </dgm:pt>
     <dgm:pt modelId="{858C8FBF-2143-4E7E-ACFA-6B0FBDBF6D39}" type="pres">
-      <dgm:prSet presAssocID="{82DA2C98-167F-4AEA-B668-91E1B0111BD9}" presName="rootText" presStyleLbl="node4" presStyleIdx="3" presStyleCnt="20" custScaleX="83876" custScaleY="81364">
+      <dgm:prSet presAssocID="{82DA2C98-167F-4AEA-B668-91E1B0111BD9}" presName="rootText" presStyleLbl="node4" presStyleIdx="3" presStyleCnt="22" custScaleX="83876" custScaleY="81364">
         <dgm:presLayoutVars>
           <dgm:chPref val="3"/>
         </dgm:presLayoutVars>
@@ -4489,7 +5625,7 @@
       </dgm:t>
     </dgm:pt>
     <dgm:pt modelId="{5269A202-2ACB-4514-B537-A19843F16DF9}" type="pres">
-      <dgm:prSet presAssocID="{82DA2C98-167F-4AEA-B668-91E1B0111BD9}" presName="rootConnector" presStyleLbl="node4" presStyleIdx="3" presStyleCnt="20"/>
+      <dgm:prSet presAssocID="{82DA2C98-167F-4AEA-B668-91E1B0111BD9}" presName="rootConnector" presStyleLbl="node4" presStyleIdx="3" presStyleCnt="22"/>
       <dgm:spPr/>
       <dgm:t>
         <a:bodyPr/>
@@ -4502,13 +5638,27 @@
     <dgm:pt modelId="{737CD41D-5748-4D2A-AC30-9B6BEBE3E7F3}" type="pres">
       <dgm:prSet presAssocID="{82DA2C98-167F-4AEA-B668-91E1B0111BD9}" presName="hierChild4" presStyleCnt="0"/>
       <dgm:spPr/>
+      <dgm:t>
+        <a:bodyPr/>
+        <a:lstStyle/>
+        <a:p>
+          <a:endParaRPr lang="nb-NO"/>
+        </a:p>
+      </dgm:t>
     </dgm:pt>
     <dgm:pt modelId="{4C5AFC48-E9CC-4D4A-8C56-5ECEEF8FA5F2}" type="pres">
       <dgm:prSet presAssocID="{82DA2C98-167F-4AEA-B668-91E1B0111BD9}" presName="hierChild5" presStyleCnt="0"/>
       <dgm:spPr/>
+      <dgm:t>
+        <a:bodyPr/>
+        <a:lstStyle/>
+        <a:p>
+          <a:endParaRPr lang="nb-NO"/>
+        </a:p>
+      </dgm:t>
     </dgm:pt>
     <dgm:pt modelId="{75B88093-9820-4387-948B-CDA1C1BB74EE}" type="pres">
-      <dgm:prSet presAssocID="{EEF2DAD1-9411-429E-8AE3-AF432E7EA32C}" presName="Name37" presStyleLbl="parChTrans1D4" presStyleIdx="4" presStyleCnt="20"/>
+      <dgm:prSet presAssocID="{EEF2DAD1-9411-429E-8AE3-AF432E7EA32C}" presName="Name37" presStyleLbl="parChTrans1D4" presStyleIdx="4" presStyleCnt="22"/>
       <dgm:spPr/>
       <dgm:t>
         <a:bodyPr/>
@@ -4525,13 +5675,27 @@
         </dgm:presLayoutVars>
       </dgm:prSet>
       <dgm:spPr/>
+      <dgm:t>
+        <a:bodyPr/>
+        <a:lstStyle/>
+        <a:p>
+          <a:endParaRPr lang="nb-NO"/>
+        </a:p>
+      </dgm:t>
     </dgm:pt>
     <dgm:pt modelId="{339A47FF-B970-4B76-865A-583714ACC77A}" type="pres">
       <dgm:prSet presAssocID="{7E13B1E0-7188-42C9-8AF4-B8DF30A2FB2B}" presName="rootComposite" presStyleCnt="0"/>
       <dgm:spPr/>
+      <dgm:t>
+        <a:bodyPr/>
+        <a:lstStyle/>
+        <a:p>
+          <a:endParaRPr lang="nb-NO"/>
+        </a:p>
+      </dgm:t>
     </dgm:pt>
     <dgm:pt modelId="{3E2D99CA-AE74-475A-BD8C-3651746B9F2E}" type="pres">
-      <dgm:prSet presAssocID="{7E13B1E0-7188-42C9-8AF4-B8DF30A2FB2B}" presName="rootText" presStyleLbl="node4" presStyleIdx="4" presStyleCnt="20" custScaleX="83876" custScaleY="81364">
+      <dgm:prSet presAssocID="{7E13B1E0-7188-42C9-8AF4-B8DF30A2FB2B}" presName="rootText" presStyleLbl="node4" presStyleIdx="4" presStyleCnt="22" custScaleX="83876" custScaleY="81364">
         <dgm:presLayoutVars>
           <dgm:chPref val="3"/>
         </dgm:presLayoutVars>
@@ -4546,7 +5710,7 @@
       </dgm:t>
     </dgm:pt>
     <dgm:pt modelId="{417DA8A0-D100-4A7A-A72B-40F0F0FCD889}" type="pres">
-      <dgm:prSet presAssocID="{7E13B1E0-7188-42C9-8AF4-B8DF30A2FB2B}" presName="rootConnector" presStyleLbl="node4" presStyleIdx="4" presStyleCnt="20"/>
+      <dgm:prSet presAssocID="{7E13B1E0-7188-42C9-8AF4-B8DF30A2FB2B}" presName="rootConnector" presStyleLbl="node4" presStyleIdx="4" presStyleCnt="22"/>
       <dgm:spPr/>
       <dgm:t>
         <a:bodyPr/>
@@ -4559,13 +5723,27 @@
     <dgm:pt modelId="{12A52E97-3037-42C7-9AA0-6A845C6048D7}" type="pres">
       <dgm:prSet presAssocID="{7E13B1E0-7188-42C9-8AF4-B8DF30A2FB2B}" presName="hierChild4" presStyleCnt="0"/>
       <dgm:spPr/>
+      <dgm:t>
+        <a:bodyPr/>
+        <a:lstStyle/>
+        <a:p>
+          <a:endParaRPr lang="nb-NO"/>
+        </a:p>
+      </dgm:t>
     </dgm:pt>
     <dgm:pt modelId="{A71FD9FE-2812-4E5C-A4DF-E88F32ADA027}" type="pres">
       <dgm:prSet presAssocID="{7E13B1E0-7188-42C9-8AF4-B8DF30A2FB2B}" presName="hierChild5" presStyleCnt="0"/>
       <dgm:spPr/>
+      <dgm:t>
+        <a:bodyPr/>
+        <a:lstStyle/>
+        <a:p>
+          <a:endParaRPr lang="nb-NO"/>
+        </a:p>
+      </dgm:t>
     </dgm:pt>
     <dgm:pt modelId="{123CF69A-EAB1-4C63-800E-F7C612204DBA}" type="pres">
-      <dgm:prSet presAssocID="{4ED3D2E9-09B3-4793-9165-1D0FEA576A8E}" presName="Name37" presStyleLbl="parChTrans1D4" presStyleIdx="5" presStyleCnt="20"/>
+      <dgm:prSet presAssocID="{4ED3D2E9-09B3-4793-9165-1D0FEA576A8E}" presName="Name37" presStyleLbl="parChTrans1D4" presStyleIdx="5" presStyleCnt="22"/>
       <dgm:spPr/>
       <dgm:t>
         <a:bodyPr/>
@@ -4582,13 +5760,27 @@
         </dgm:presLayoutVars>
       </dgm:prSet>
       <dgm:spPr/>
+      <dgm:t>
+        <a:bodyPr/>
+        <a:lstStyle/>
+        <a:p>
+          <a:endParaRPr lang="nb-NO"/>
+        </a:p>
+      </dgm:t>
     </dgm:pt>
     <dgm:pt modelId="{B70CEA4C-DD32-4851-94F3-BCABA53ECD90}" type="pres">
       <dgm:prSet presAssocID="{69544CBA-CA27-437C-8C32-2CD286DB0F34}" presName="rootComposite" presStyleCnt="0"/>
       <dgm:spPr/>
+      <dgm:t>
+        <a:bodyPr/>
+        <a:lstStyle/>
+        <a:p>
+          <a:endParaRPr lang="nb-NO"/>
+        </a:p>
+      </dgm:t>
     </dgm:pt>
     <dgm:pt modelId="{FBD5581D-644B-4431-B1FE-09F7B8CE8682}" type="pres">
-      <dgm:prSet presAssocID="{69544CBA-CA27-437C-8C32-2CD286DB0F34}" presName="rootText" presStyleLbl="node4" presStyleIdx="5" presStyleCnt="20" custScaleX="83876" custScaleY="81364">
+      <dgm:prSet presAssocID="{69544CBA-CA27-437C-8C32-2CD286DB0F34}" presName="rootText" presStyleLbl="node4" presStyleIdx="5" presStyleCnt="22" custScaleX="83876" custScaleY="81364">
         <dgm:presLayoutVars>
           <dgm:chPref val="3"/>
         </dgm:presLayoutVars>
@@ -4603,7 +5795,7 @@
       </dgm:t>
     </dgm:pt>
     <dgm:pt modelId="{52DA0F83-9556-4D9E-AF88-44A5616C40BF}" type="pres">
-      <dgm:prSet presAssocID="{69544CBA-CA27-437C-8C32-2CD286DB0F34}" presName="rootConnector" presStyleLbl="node4" presStyleIdx="5" presStyleCnt="20"/>
+      <dgm:prSet presAssocID="{69544CBA-CA27-437C-8C32-2CD286DB0F34}" presName="rootConnector" presStyleLbl="node4" presStyleIdx="5" presStyleCnt="22"/>
       <dgm:spPr/>
       <dgm:t>
         <a:bodyPr/>
@@ -4616,17 +5808,38 @@
     <dgm:pt modelId="{17C9E03B-EC23-4597-B4F8-EFE9DE1A71CB}" type="pres">
       <dgm:prSet presAssocID="{69544CBA-CA27-437C-8C32-2CD286DB0F34}" presName="hierChild4" presStyleCnt="0"/>
       <dgm:spPr/>
+      <dgm:t>
+        <a:bodyPr/>
+        <a:lstStyle/>
+        <a:p>
+          <a:endParaRPr lang="nb-NO"/>
+        </a:p>
+      </dgm:t>
     </dgm:pt>
     <dgm:pt modelId="{40727088-102E-4D9D-BFA4-4FC95F1BA4AD}" type="pres">
       <dgm:prSet presAssocID="{69544CBA-CA27-437C-8C32-2CD286DB0F34}" presName="hierChild5" presStyleCnt="0"/>
       <dgm:spPr/>
+      <dgm:t>
+        <a:bodyPr/>
+        <a:lstStyle/>
+        <a:p>
+          <a:endParaRPr lang="nb-NO"/>
+        </a:p>
+      </dgm:t>
     </dgm:pt>
     <dgm:pt modelId="{D3513C60-788D-4E20-92F5-6AAE69306461}" type="pres">
       <dgm:prSet presAssocID="{F68779E3-5F1B-4937-AD5A-30C29348322D}" presName="hierChild5" presStyleCnt="0"/>
       <dgm:spPr/>
+      <dgm:t>
+        <a:bodyPr/>
+        <a:lstStyle/>
+        <a:p>
+          <a:endParaRPr lang="nb-NO"/>
+        </a:p>
+      </dgm:t>
     </dgm:pt>
     <dgm:pt modelId="{33D38839-84BE-4441-98E0-5D6DA66F1D2B}" type="pres">
-      <dgm:prSet presAssocID="{5946A508-DC21-481B-A321-729B4675A6D3}" presName="Name37" presStyleLbl="parChTrans1D3" presStyleIdx="5" presStyleCnt="15"/>
+      <dgm:prSet presAssocID="{5946A508-DC21-481B-A321-729B4675A6D3}" presName="Name37" presStyleLbl="parChTrans1D3" presStyleIdx="5" presStyleCnt="22"/>
       <dgm:spPr/>
       <dgm:t>
         <a:bodyPr/>
@@ -4643,13 +5856,27 @@
         </dgm:presLayoutVars>
       </dgm:prSet>
       <dgm:spPr/>
+      <dgm:t>
+        <a:bodyPr/>
+        <a:lstStyle/>
+        <a:p>
+          <a:endParaRPr lang="nb-NO"/>
+        </a:p>
+      </dgm:t>
     </dgm:pt>
     <dgm:pt modelId="{C292EF60-E3E7-433B-8F82-D899C1571391}" type="pres">
       <dgm:prSet presAssocID="{05E1324F-8146-4646-9834-930E93833AAB}" presName="rootComposite" presStyleCnt="0"/>
       <dgm:spPr/>
+      <dgm:t>
+        <a:bodyPr/>
+        <a:lstStyle/>
+        <a:p>
+          <a:endParaRPr lang="nb-NO"/>
+        </a:p>
+      </dgm:t>
     </dgm:pt>
     <dgm:pt modelId="{A45939A9-E556-4832-BA32-2352071BF3CD}" type="pres">
-      <dgm:prSet presAssocID="{05E1324F-8146-4646-9834-930E93833AAB}" presName="rootText" presStyleLbl="node3" presStyleIdx="5" presStyleCnt="15" custScaleX="83876" custScaleY="81364">
+      <dgm:prSet presAssocID="{05E1324F-8146-4646-9834-930E93833AAB}" presName="rootText" presStyleLbl="node3" presStyleIdx="5" presStyleCnt="22" custScaleX="83876" custScaleY="81364">
         <dgm:presLayoutVars>
           <dgm:chPref val="3"/>
         </dgm:presLayoutVars>
@@ -4664,7 +5891,7 @@
       </dgm:t>
     </dgm:pt>
     <dgm:pt modelId="{08B3ED46-4D62-41BB-A275-17C8910203EA}" type="pres">
-      <dgm:prSet presAssocID="{05E1324F-8146-4646-9834-930E93833AAB}" presName="rootConnector" presStyleLbl="node3" presStyleIdx="5" presStyleCnt="15"/>
+      <dgm:prSet presAssocID="{05E1324F-8146-4646-9834-930E93833AAB}" presName="rootConnector" presStyleLbl="node3" presStyleIdx="5" presStyleCnt="22"/>
       <dgm:spPr/>
       <dgm:t>
         <a:bodyPr/>
@@ -4677,9 +5904,16 @@
     <dgm:pt modelId="{ACBF005F-01FE-4ED1-8A57-26C3674ABEC4}" type="pres">
       <dgm:prSet presAssocID="{05E1324F-8146-4646-9834-930E93833AAB}" presName="hierChild4" presStyleCnt="0"/>
       <dgm:spPr/>
+      <dgm:t>
+        <a:bodyPr/>
+        <a:lstStyle/>
+        <a:p>
+          <a:endParaRPr lang="nb-NO"/>
+        </a:p>
+      </dgm:t>
     </dgm:pt>
     <dgm:pt modelId="{2025E473-3398-4166-9622-6520D512BF80}" type="pres">
-      <dgm:prSet presAssocID="{AC388887-3AAD-48C2-8B57-2B70B31F3E6E}" presName="Name37" presStyleLbl="parChTrans1D4" presStyleIdx="6" presStyleCnt="20"/>
+      <dgm:prSet presAssocID="{AC388887-3AAD-48C2-8B57-2B70B31F3E6E}" presName="Name37" presStyleLbl="parChTrans1D4" presStyleIdx="6" presStyleCnt="22"/>
       <dgm:spPr/>
       <dgm:t>
         <a:bodyPr/>
@@ -4696,13 +5930,27 @@
         </dgm:presLayoutVars>
       </dgm:prSet>
       <dgm:spPr/>
+      <dgm:t>
+        <a:bodyPr/>
+        <a:lstStyle/>
+        <a:p>
+          <a:endParaRPr lang="nb-NO"/>
+        </a:p>
+      </dgm:t>
     </dgm:pt>
     <dgm:pt modelId="{0E22AFFC-FDE0-4B0F-BB46-74B765EBDDA5}" type="pres">
       <dgm:prSet presAssocID="{F589C454-8537-4BBA-B792-A995241DD511}" presName="rootComposite" presStyleCnt="0"/>
       <dgm:spPr/>
+      <dgm:t>
+        <a:bodyPr/>
+        <a:lstStyle/>
+        <a:p>
+          <a:endParaRPr lang="nb-NO"/>
+        </a:p>
+      </dgm:t>
     </dgm:pt>
     <dgm:pt modelId="{D753785A-B157-46B4-A6EE-48229D166B7A}" type="pres">
-      <dgm:prSet presAssocID="{F589C454-8537-4BBA-B792-A995241DD511}" presName="rootText" presStyleLbl="node4" presStyleIdx="6" presStyleCnt="20" custScaleX="83876" custScaleY="81364">
+      <dgm:prSet presAssocID="{F589C454-8537-4BBA-B792-A995241DD511}" presName="rootText" presStyleLbl="node4" presStyleIdx="6" presStyleCnt="22" custScaleX="83876" custScaleY="81364">
         <dgm:presLayoutVars>
           <dgm:chPref val="3"/>
         </dgm:presLayoutVars>
@@ -4717,7 +5965,7 @@
       </dgm:t>
     </dgm:pt>
     <dgm:pt modelId="{43A08212-8760-457F-9AC3-16EF13226B86}" type="pres">
-      <dgm:prSet presAssocID="{F589C454-8537-4BBA-B792-A995241DD511}" presName="rootConnector" presStyleLbl="node4" presStyleIdx="6" presStyleCnt="20"/>
+      <dgm:prSet presAssocID="{F589C454-8537-4BBA-B792-A995241DD511}" presName="rootConnector" presStyleLbl="node4" presStyleIdx="6" presStyleCnt="22"/>
       <dgm:spPr/>
       <dgm:t>
         <a:bodyPr/>
@@ -4730,13 +5978,27 @@
     <dgm:pt modelId="{902BA05D-2167-401F-8596-577D81422A17}" type="pres">
       <dgm:prSet presAssocID="{F589C454-8537-4BBA-B792-A995241DD511}" presName="hierChild4" presStyleCnt="0"/>
       <dgm:spPr/>
+      <dgm:t>
+        <a:bodyPr/>
+        <a:lstStyle/>
+        <a:p>
+          <a:endParaRPr lang="nb-NO"/>
+        </a:p>
+      </dgm:t>
     </dgm:pt>
     <dgm:pt modelId="{4FDB5113-3168-43BE-843A-1048A0109DC6}" type="pres">
       <dgm:prSet presAssocID="{F589C454-8537-4BBA-B792-A995241DD511}" presName="hierChild5" presStyleCnt="0"/>
       <dgm:spPr/>
+      <dgm:t>
+        <a:bodyPr/>
+        <a:lstStyle/>
+        <a:p>
+          <a:endParaRPr lang="nb-NO"/>
+        </a:p>
+      </dgm:t>
     </dgm:pt>
     <dgm:pt modelId="{FC2CC991-0CB8-44E1-98E0-AE622154C976}" type="pres">
-      <dgm:prSet presAssocID="{BAFC39B4-EA0D-452B-8F16-9D73BD0FD1D6}" presName="Name37" presStyleLbl="parChTrans1D4" presStyleIdx="7" presStyleCnt="20"/>
+      <dgm:prSet presAssocID="{BAFC39B4-EA0D-452B-8F16-9D73BD0FD1D6}" presName="Name37" presStyleLbl="parChTrans1D4" presStyleIdx="7" presStyleCnt="22"/>
       <dgm:spPr/>
       <dgm:t>
         <a:bodyPr/>
@@ -4753,13 +6015,27 @@
         </dgm:presLayoutVars>
       </dgm:prSet>
       <dgm:spPr/>
+      <dgm:t>
+        <a:bodyPr/>
+        <a:lstStyle/>
+        <a:p>
+          <a:endParaRPr lang="nb-NO"/>
+        </a:p>
+      </dgm:t>
     </dgm:pt>
     <dgm:pt modelId="{1155363C-02E0-4ADB-9B7D-175D2DE2B719}" type="pres">
       <dgm:prSet presAssocID="{F10CD7FE-EC1C-4FEA-838D-9E81CCF5D9A4}" presName="rootComposite" presStyleCnt="0"/>
       <dgm:spPr/>
+      <dgm:t>
+        <a:bodyPr/>
+        <a:lstStyle/>
+        <a:p>
+          <a:endParaRPr lang="nb-NO"/>
+        </a:p>
+      </dgm:t>
     </dgm:pt>
     <dgm:pt modelId="{19663BBC-E177-4441-A684-A1BDF2526EF3}" type="pres">
-      <dgm:prSet presAssocID="{F10CD7FE-EC1C-4FEA-838D-9E81CCF5D9A4}" presName="rootText" presStyleLbl="node4" presStyleIdx="7" presStyleCnt="20" custScaleX="83876" custScaleY="81364">
+      <dgm:prSet presAssocID="{F10CD7FE-EC1C-4FEA-838D-9E81CCF5D9A4}" presName="rootText" presStyleLbl="node4" presStyleIdx="7" presStyleCnt="22" custScaleX="83876" custScaleY="81364">
         <dgm:presLayoutVars>
           <dgm:chPref val="3"/>
         </dgm:presLayoutVars>
@@ -4774,7 +6050,7 @@
       </dgm:t>
     </dgm:pt>
     <dgm:pt modelId="{D45BB389-BD1F-46D3-AA6D-A3E7AF665883}" type="pres">
-      <dgm:prSet presAssocID="{F10CD7FE-EC1C-4FEA-838D-9E81CCF5D9A4}" presName="rootConnector" presStyleLbl="node4" presStyleIdx="7" presStyleCnt="20"/>
+      <dgm:prSet presAssocID="{F10CD7FE-EC1C-4FEA-838D-9E81CCF5D9A4}" presName="rootConnector" presStyleLbl="node4" presStyleIdx="7" presStyleCnt="22"/>
       <dgm:spPr/>
       <dgm:t>
         <a:bodyPr/>
@@ -4787,13 +6063,27 @@
     <dgm:pt modelId="{33985381-8255-4941-9278-E13B06BB9082}" type="pres">
       <dgm:prSet presAssocID="{F10CD7FE-EC1C-4FEA-838D-9E81CCF5D9A4}" presName="hierChild4" presStyleCnt="0"/>
       <dgm:spPr/>
+      <dgm:t>
+        <a:bodyPr/>
+        <a:lstStyle/>
+        <a:p>
+          <a:endParaRPr lang="nb-NO"/>
+        </a:p>
+      </dgm:t>
     </dgm:pt>
     <dgm:pt modelId="{759590DF-63DB-4915-8E91-CD40456F9A1C}" type="pres">
       <dgm:prSet presAssocID="{F10CD7FE-EC1C-4FEA-838D-9E81CCF5D9A4}" presName="hierChild5" presStyleCnt="0"/>
       <dgm:spPr/>
+      <dgm:t>
+        <a:bodyPr/>
+        <a:lstStyle/>
+        <a:p>
+          <a:endParaRPr lang="nb-NO"/>
+        </a:p>
+      </dgm:t>
     </dgm:pt>
     <dgm:pt modelId="{9BA8D16E-FC63-471E-866A-67AEF19A834C}" type="pres">
-      <dgm:prSet presAssocID="{FAE29150-1962-4BCA-A58E-752BF483FA29}" presName="Name37" presStyleLbl="parChTrans1D4" presStyleIdx="8" presStyleCnt="20"/>
+      <dgm:prSet presAssocID="{FAE29150-1962-4BCA-A58E-752BF483FA29}" presName="Name37" presStyleLbl="parChTrans1D4" presStyleIdx="8" presStyleCnt="22"/>
       <dgm:spPr/>
       <dgm:t>
         <a:bodyPr/>
@@ -4810,13 +6100,27 @@
         </dgm:presLayoutVars>
       </dgm:prSet>
       <dgm:spPr/>
+      <dgm:t>
+        <a:bodyPr/>
+        <a:lstStyle/>
+        <a:p>
+          <a:endParaRPr lang="nb-NO"/>
+        </a:p>
+      </dgm:t>
     </dgm:pt>
     <dgm:pt modelId="{70A21B56-D1B3-434D-80C7-2114A6A28A09}" type="pres">
       <dgm:prSet presAssocID="{42DCF222-A7F0-4F5C-9587-98C17917CED9}" presName="rootComposite" presStyleCnt="0"/>
       <dgm:spPr/>
+      <dgm:t>
+        <a:bodyPr/>
+        <a:lstStyle/>
+        <a:p>
+          <a:endParaRPr lang="nb-NO"/>
+        </a:p>
+      </dgm:t>
     </dgm:pt>
     <dgm:pt modelId="{6E8E21EA-F0A7-465B-BEC2-469B6D3324DC}" type="pres">
-      <dgm:prSet presAssocID="{42DCF222-A7F0-4F5C-9587-98C17917CED9}" presName="rootText" presStyleLbl="node4" presStyleIdx="8" presStyleCnt="20" custScaleX="83876" custScaleY="81364">
+      <dgm:prSet presAssocID="{42DCF222-A7F0-4F5C-9587-98C17917CED9}" presName="rootText" presStyleLbl="node4" presStyleIdx="8" presStyleCnt="22" custScaleX="83876" custScaleY="81364">
         <dgm:presLayoutVars>
           <dgm:chPref val="3"/>
         </dgm:presLayoutVars>
@@ -4831,7 +6135,7 @@
       </dgm:t>
     </dgm:pt>
     <dgm:pt modelId="{9196C4E4-EE38-43B3-B19C-DDABD9FFCCAF}" type="pres">
-      <dgm:prSet presAssocID="{42DCF222-A7F0-4F5C-9587-98C17917CED9}" presName="rootConnector" presStyleLbl="node4" presStyleIdx="8" presStyleCnt="20"/>
+      <dgm:prSet presAssocID="{42DCF222-A7F0-4F5C-9587-98C17917CED9}" presName="rootConnector" presStyleLbl="node4" presStyleIdx="8" presStyleCnt="22"/>
       <dgm:spPr/>
       <dgm:t>
         <a:bodyPr/>
@@ -4844,13 +6148,27 @@
     <dgm:pt modelId="{6D6A8CBA-5607-4EEA-83FD-566BAF7EC8EF}" type="pres">
       <dgm:prSet presAssocID="{42DCF222-A7F0-4F5C-9587-98C17917CED9}" presName="hierChild4" presStyleCnt="0"/>
       <dgm:spPr/>
+      <dgm:t>
+        <a:bodyPr/>
+        <a:lstStyle/>
+        <a:p>
+          <a:endParaRPr lang="nb-NO"/>
+        </a:p>
+      </dgm:t>
     </dgm:pt>
     <dgm:pt modelId="{C13E48AA-B165-429D-89CD-6282C674AA93}" type="pres">
       <dgm:prSet presAssocID="{42DCF222-A7F0-4F5C-9587-98C17917CED9}" presName="hierChild5" presStyleCnt="0"/>
       <dgm:spPr/>
+      <dgm:t>
+        <a:bodyPr/>
+        <a:lstStyle/>
+        <a:p>
+          <a:endParaRPr lang="nb-NO"/>
+        </a:p>
+      </dgm:t>
     </dgm:pt>
     <dgm:pt modelId="{F60819AF-262B-44D4-B6CD-9C904A5B846A}" type="pres">
-      <dgm:prSet presAssocID="{B9C56D9D-EBB0-4EA4-9BA2-131EA7C33A70}" presName="Name37" presStyleLbl="parChTrans1D4" presStyleIdx="9" presStyleCnt="20"/>
+      <dgm:prSet presAssocID="{B9C56D9D-EBB0-4EA4-9BA2-131EA7C33A70}" presName="Name37" presStyleLbl="parChTrans1D4" presStyleIdx="9" presStyleCnt="22"/>
       <dgm:spPr/>
       <dgm:t>
         <a:bodyPr/>
@@ -4867,13 +6185,27 @@
         </dgm:presLayoutVars>
       </dgm:prSet>
       <dgm:spPr/>
+      <dgm:t>
+        <a:bodyPr/>
+        <a:lstStyle/>
+        <a:p>
+          <a:endParaRPr lang="nb-NO"/>
+        </a:p>
+      </dgm:t>
     </dgm:pt>
     <dgm:pt modelId="{9389DBAD-EDB1-4C55-A8EE-EB39727057D5}" type="pres">
       <dgm:prSet presAssocID="{C9124633-A3F9-4E9E-B7AD-8AD6304814CA}" presName="rootComposite" presStyleCnt="0"/>
       <dgm:spPr/>
+      <dgm:t>
+        <a:bodyPr/>
+        <a:lstStyle/>
+        <a:p>
+          <a:endParaRPr lang="nb-NO"/>
+        </a:p>
+      </dgm:t>
     </dgm:pt>
     <dgm:pt modelId="{F7F96BC3-E097-46A0-AE3A-243620DA9566}" type="pres">
-      <dgm:prSet presAssocID="{C9124633-A3F9-4E9E-B7AD-8AD6304814CA}" presName="rootText" presStyleLbl="node4" presStyleIdx="9" presStyleCnt="20" custScaleX="83876" custScaleY="81364">
+      <dgm:prSet presAssocID="{C9124633-A3F9-4E9E-B7AD-8AD6304814CA}" presName="rootText" presStyleLbl="node4" presStyleIdx="9" presStyleCnt="22" custScaleX="83876" custScaleY="81364">
         <dgm:presLayoutVars>
           <dgm:chPref val="3"/>
         </dgm:presLayoutVars>
@@ -4888,7 +6220,7 @@
       </dgm:t>
     </dgm:pt>
     <dgm:pt modelId="{DD6262AE-1C3D-4455-A574-A57B7452E766}" type="pres">
-      <dgm:prSet presAssocID="{C9124633-A3F9-4E9E-B7AD-8AD6304814CA}" presName="rootConnector" presStyleLbl="node4" presStyleIdx="9" presStyleCnt="20"/>
+      <dgm:prSet presAssocID="{C9124633-A3F9-4E9E-B7AD-8AD6304814CA}" presName="rootConnector" presStyleLbl="node4" presStyleIdx="9" presStyleCnt="22"/>
       <dgm:spPr/>
       <dgm:t>
         <a:bodyPr/>
@@ -4901,13 +6233,27 @@
     <dgm:pt modelId="{89C45BAA-E813-459E-A6B3-2361C74F9C5F}" type="pres">
       <dgm:prSet presAssocID="{C9124633-A3F9-4E9E-B7AD-8AD6304814CA}" presName="hierChild4" presStyleCnt="0"/>
       <dgm:spPr/>
+      <dgm:t>
+        <a:bodyPr/>
+        <a:lstStyle/>
+        <a:p>
+          <a:endParaRPr lang="nb-NO"/>
+        </a:p>
+      </dgm:t>
     </dgm:pt>
     <dgm:pt modelId="{B8F4A53F-801F-4A52-A8AA-BA03FF2053CA}" type="pres">
       <dgm:prSet presAssocID="{C9124633-A3F9-4E9E-B7AD-8AD6304814CA}" presName="hierChild5" presStyleCnt="0"/>
       <dgm:spPr/>
+      <dgm:t>
+        <a:bodyPr/>
+        <a:lstStyle/>
+        <a:p>
+          <a:endParaRPr lang="nb-NO"/>
+        </a:p>
+      </dgm:t>
     </dgm:pt>
     <dgm:pt modelId="{0F860817-A773-451B-A163-FF7218806A3C}" type="pres">
-      <dgm:prSet presAssocID="{A1ABF615-87CE-47C8-9EE0-167A5F546929}" presName="Name37" presStyleLbl="parChTrans1D4" presStyleIdx="10" presStyleCnt="20"/>
+      <dgm:prSet presAssocID="{A1ABF615-87CE-47C8-9EE0-167A5F546929}" presName="Name37" presStyleLbl="parChTrans1D4" presStyleIdx="10" presStyleCnt="22"/>
       <dgm:spPr/>
       <dgm:t>
         <a:bodyPr/>
@@ -4924,13 +6270,27 @@
         </dgm:presLayoutVars>
       </dgm:prSet>
       <dgm:spPr/>
+      <dgm:t>
+        <a:bodyPr/>
+        <a:lstStyle/>
+        <a:p>
+          <a:endParaRPr lang="nb-NO"/>
+        </a:p>
+      </dgm:t>
     </dgm:pt>
     <dgm:pt modelId="{C50247FE-6088-4D74-9324-DB475D372D1E}" type="pres">
       <dgm:prSet presAssocID="{0CC234EE-CBD0-4BE8-8A69-F9BA62E41C35}" presName="rootComposite" presStyleCnt="0"/>
       <dgm:spPr/>
+      <dgm:t>
+        <a:bodyPr/>
+        <a:lstStyle/>
+        <a:p>
+          <a:endParaRPr lang="nb-NO"/>
+        </a:p>
+      </dgm:t>
     </dgm:pt>
     <dgm:pt modelId="{901951DF-C85E-4340-BBE5-D7D88643DA3F}" type="pres">
-      <dgm:prSet presAssocID="{0CC234EE-CBD0-4BE8-8A69-F9BA62E41C35}" presName="rootText" presStyleLbl="node4" presStyleIdx="10" presStyleCnt="20" custScaleX="83876" custScaleY="81364">
+      <dgm:prSet presAssocID="{0CC234EE-CBD0-4BE8-8A69-F9BA62E41C35}" presName="rootText" presStyleLbl="node4" presStyleIdx="10" presStyleCnt="22" custScaleX="83876" custScaleY="81364">
         <dgm:presLayoutVars>
           <dgm:chPref val="3"/>
         </dgm:presLayoutVars>
@@ -4945,7 +6305,7 @@
       </dgm:t>
     </dgm:pt>
     <dgm:pt modelId="{2E8E8F2D-2A5C-4159-B348-A94BB1F559F7}" type="pres">
-      <dgm:prSet presAssocID="{0CC234EE-CBD0-4BE8-8A69-F9BA62E41C35}" presName="rootConnector" presStyleLbl="node4" presStyleIdx="10" presStyleCnt="20"/>
+      <dgm:prSet presAssocID="{0CC234EE-CBD0-4BE8-8A69-F9BA62E41C35}" presName="rootConnector" presStyleLbl="node4" presStyleIdx="10" presStyleCnt="22"/>
       <dgm:spPr/>
       <dgm:t>
         <a:bodyPr/>
@@ -4958,13 +6318,27 @@
     <dgm:pt modelId="{9D9C73CB-7A9C-4630-A1EC-3DD3C8D6FD68}" type="pres">
       <dgm:prSet presAssocID="{0CC234EE-CBD0-4BE8-8A69-F9BA62E41C35}" presName="hierChild4" presStyleCnt="0"/>
       <dgm:spPr/>
+      <dgm:t>
+        <a:bodyPr/>
+        <a:lstStyle/>
+        <a:p>
+          <a:endParaRPr lang="nb-NO"/>
+        </a:p>
+      </dgm:t>
     </dgm:pt>
     <dgm:pt modelId="{EDE2D2B4-80F9-4DEF-9842-3698DA1B9451}" type="pres">
       <dgm:prSet presAssocID="{0CC234EE-CBD0-4BE8-8A69-F9BA62E41C35}" presName="hierChild5" presStyleCnt="0"/>
       <dgm:spPr/>
+      <dgm:t>
+        <a:bodyPr/>
+        <a:lstStyle/>
+        <a:p>
+          <a:endParaRPr lang="nb-NO"/>
+        </a:p>
+      </dgm:t>
     </dgm:pt>
     <dgm:pt modelId="{7562EDAB-C69B-4B8C-AD16-5F02DF516D6E}" type="pres">
-      <dgm:prSet presAssocID="{ABFFCB7E-D3DC-49E9-BD47-996CD9C7FF2E}" presName="Name37" presStyleLbl="parChTrans1D4" presStyleIdx="11" presStyleCnt="20"/>
+      <dgm:prSet presAssocID="{ABFFCB7E-D3DC-49E9-BD47-996CD9C7FF2E}" presName="Name37" presStyleLbl="parChTrans1D4" presStyleIdx="11" presStyleCnt="22"/>
       <dgm:spPr/>
       <dgm:t>
         <a:bodyPr/>
@@ -4981,13 +6355,27 @@
         </dgm:presLayoutVars>
       </dgm:prSet>
       <dgm:spPr/>
+      <dgm:t>
+        <a:bodyPr/>
+        <a:lstStyle/>
+        <a:p>
+          <a:endParaRPr lang="nb-NO"/>
+        </a:p>
+      </dgm:t>
     </dgm:pt>
     <dgm:pt modelId="{FCB12927-644C-49E4-A4AA-BB007379A6C8}" type="pres">
       <dgm:prSet presAssocID="{1D03597F-B94B-4CF5-AC27-3069B5430A3F}" presName="rootComposite" presStyleCnt="0"/>
       <dgm:spPr/>
+      <dgm:t>
+        <a:bodyPr/>
+        <a:lstStyle/>
+        <a:p>
+          <a:endParaRPr lang="nb-NO"/>
+        </a:p>
+      </dgm:t>
     </dgm:pt>
     <dgm:pt modelId="{46FA37EC-03A5-4402-BC3E-621912E7CFF9}" type="pres">
-      <dgm:prSet presAssocID="{1D03597F-B94B-4CF5-AC27-3069B5430A3F}" presName="rootText" presStyleLbl="node4" presStyleIdx="11" presStyleCnt="20" custScaleX="83876" custScaleY="81364">
+      <dgm:prSet presAssocID="{1D03597F-B94B-4CF5-AC27-3069B5430A3F}" presName="rootText" presStyleLbl="node4" presStyleIdx="11" presStyleCnt="22" custScaleX="83876" custScaleY="81364">
         <dgm:presLayoutVars>
           <dgm:chPref val="3"/>
         </dgm:presLayoutVars>
@@ -5002,7 +6390,7 @@
       </dgm:t>
     </dgm:pt>
     <dgm:pt modelId="{517286A5-4009-43AD-B5C7-2EDA0C5BC3D3}" type="pres">
-      <dgm:prSet presAssocID="{1D03597F-B94B-4CF5-AC27-3069B5430A3F}" presName="rootConnector" presStyleLbl="node4" presStyleIdx="11" presStyleCnt="20"/>
+      <dgm:prSet presAssocID="{1D03597F-B94B-4CF5-AC27-3069B5430A3F}" presName="rootConnector" presStyleLbl="node4" presStyleIdx="11" presStyleCnt="22"/>
       <dgm:spPr/>
       <dgm:t>
         <a:bodyPr/>
@@ -5015,21 +6403,49 @@
     <dgm:pt modelId="{0922A142-928B-4C2F-A7AF-3F66248680F2}" type="pres">
       <dgm:prSet presAssocID="{1D03597F-B94B-4CF5-AC27-3069B5430A3F}" presName="hierChild4" presStyleCnt="0"/>
       <dgm:spPr/>
+      <dgm:t>
+        <a:bodyPr/>
+        <a:lstStyle/>
+        <a:p>
+          <a:endParaRPr lang="nb-NO"/>
+        </a:p>
+      </dgm:t>
     </dgm:pt>
     <dgm:pt modelId="{30B0BD84-FDDC-4F9F-83DF-8504EFB40AEB}" type="pres">
       <dgm:prSet presAssocID="{1D03597F-B94B-4CF5-AC27-3069B5430A3F}" presName="hierChild5" presStyleCnt="0"/>
       <dgm:spPr/>
+      <dgm:t>
+        <a:bodyPr/>
+        <a:lstStyle/>
+        <a:p>
+          <a:endParaRPr lang="nb-NO"/>
+        </a:p>
+      </dgm:t>
     </dgm:pt>
     <dgm:pt modelId="{D5C15680-651B-41DC-A1BD-01998A28D3A8}" type="pres">
       <dgm:prSet presAssocID="{05E1324F-8146-4646-9834-930E93833AAB}" presName="hierChild5" presStyleCnt="0"/>
       <dgm:spPr/>
+      <dgm:t>
+        <a:bodyPr/>
+        <a:lstStyle/>
+        <a:p>
+          <a:endParaRPr lang="nb-NO"/>
+        </a:p>
+      </dgm:t>
     </dgm:pt>
     <dgm:pt modelId="{A43D6B10-37B2-449B-B2F2-EC8F88AA030D}" type="pres">
       <dgm:prSet presAssocID="{FB6E65E7-5E34-4F2D-9A0F-4611B152FE07}" presName="hierChild5" presStyleCnt="0"/>
       <dgm:spPr/>
+      <dgm:t>
+        <a:bodyPr/>
+        <a:lstStyle/>
+        <a:p>
+          <a:endParaRPr lang="nb-NO"/>
+        </a:p>
+      </dgm:t>
     </dgm:pt>
     <dgm:pt modelId="{241DB644-022A-42E8-AFEC-FCFA4C8A0240}" type="pres">
-      <dgm:prSet presAssocID="{71C2B6F7-464C-41F6-BB0A-96F5F2BEF7D0}" presName="Name37" presStyleLbl="parChTrans1D2" presStyleIdx="2" presStyleCnt="5"/>
+      <dgm:prSet presAssocID="{71C2B6F7-464C-41F6-BB0A-96F5F2BEF7D0}" presName="Name37" presStyleLbl="parChTrans1D2" presStyleIdx="2" presStyleCnt="8"/>
       <dgm:spPr/>
       <dgm:t>
         <a:bodyPr/>
@@ -5046,13 +6462,27 @@
         </dgm:presLayoutVars>
       </dgm:prSet>
       <dgm:spPr/>
+      <dgm:t>
+        <a:bodyPr/>
+        <a:lstStyle/>
+        <a:p>
+          <a:endParaRPr lang="nb-NO"/>
+        </a:p>
+      </dgm:t>
     </dgm:pt>
     <dgm:pt modelId="{5708328A-D5CD-4D74-A93B-BF1D6CC2E248}" type="pres">
       <dgm:prSet presAssocID="{9415298D-26EA-4A6C-9F5B-E0E3E23E89A5}" presName="rootComposite" presStyleCnt="0"/>
       <dgm:spPr/>
+      <dgm:t>
+        <a:bodyPr/>
+        <a:lstStyle/>
+        <a:p>
+          <a:endParaRPr lang="nb-NO"/>
+        </a:p>
+      </dgm:t>
     </dgm:pt>
     <dgm:pt modelId="{B7E6F9D4-1DD8-4007-9805-8C05436241A7}" type="pres">
-      <dgm:prSet presAssocID="{9415298D-26EA-4A6C-9F5B-E0E3E23E89A5}" presName="rootText" presStyleLbl="node2" presStyleIdx="2" presStyleCnt="5" custScaleX="83876" custScaleY="81364">
+      <dgm:prSet presAssocID="{9415298D-26EA-4A6C-9F5B-E0E3E23E89A5}" presName="rootText" presStyleLbl="node2" presStyleIdx="2" presStyleCnt="8" custScaleX="83876" custScaleY="81364">
         <dgm:presLayoutVars>
           <dgm:chPref val="3"/>
         </dgm:presLayoutVars>
@@ -5067,7 +6497,7 @@
       </dgm:t>
     </dgm:pt>
     <dgm:pt modelId="{072730EB-D725-4DB5-83A5-D31D9EB1B075}" type="pres">
-      <dgm:prSet presAssocID="{9415298D-26EA-4A6C-9F5B-E0E3E23E89A5}" presName="rootConnector" presStyleLbl="node2" presStyleIdx="2" presStyleCnt="5"/>
+      <dgm:prSet presAssocID="{9415298D-26EA-4A6C-9F5B-E0E3E23E89A5}" presName="rootConnector" presStyleLbl="node2" presStyleIdx="2" presStyleCnt="8"/>
       <dgm:spPr/>
       <dgm:t>
         <a:bodyPr/>
@@ -5080,9 +6510,16 @@
     <dgm:pt modelId="{B6127710-DC69-45C5-947E-DA1B16D6DB10}" type="pres">
       <dgm:prSet presAssocID="{9415298D-26EA-4A6C-9F5B-E0E3E23E89A5}" presName="hierChild4" presStyleCnt="0"/>
       <dgm:spPr/>
+      <dgm:t>
+        <a:bodyPr/>
+        <a:lstStyle/>
+        <a:p>
+          <a:endParaRPr lang="nb-NO"/>
+        </a:p>
+      </dgm:t>
     </dgm:pt>
     <dgm:pt modelId="{859A5F7A-4B51-4AD3-96AE-3C6BF22CD42A}" type="pres">
-      <dgm:prSet presAssocID="{8968DFAC-2D32-4109-B15D-A75FD6B38343}" presName="Name37" presStyleLbl="parChTrans1D3" presStyleIdx="6" presStyleCnt="15"/>
+      <dgm:prSet presAssocID="{8968DFAC-2D32-4109-B15D-A75FD6B38343}" presName="Name37" presStyleLbl="parChTrans1D3" presStyleIdx="6" presStyleCnt="22"/>
       <dgm:spPr/>
       <dgm:t>
         <a:bodyPr/>
@@ -5099,13 +6536,27 @@
         </dgm:presLayoutVars>
       </dgm:prSet>
       <dgm:spPr/>
+      <dgm:t>
+        <a:bodyPr/>
+        <a:lstStyle/>
+        <a:p>
+          <a:endParaRPr lang="nb-NO"/>
+        </a:p>
+      </dgm:t>
     </dgm:pt>
     <dgm:pt modelId="{B1213770-A22D-42AB-81BC-9800ABB2FE13}" type="pres">
       <dgm:prSet presAssocID="{4C86D47B-C8EC-4779-8423-75ABE738C448}" presName="rootComposite" presStyleCnt="0"/>
       <dgm:spPr/>
+      <dgm:t>
+        <a:bodyPr/>
+        <a:lstStyle/>
+        <a:p>
+          <a:endParaRPr lang="nb-NO"/>
+        </a:p>
+      </dgm:t>
     </dgm:pt>
     <dgm:pt modelId="{EC293EBA-4255-46A1-8E1F-B158725339EB}" type="pres">
-      <dgm:prSet presAssocID="{4C86D47B-C8EC-4779-8423-75ABE738C448}" presName="rootText" presStyleLbl="node3" presStyleIdx="6" presStyleCnt="15" custScaleX="83876" custScaleY="81364">
+      <dgm:prSet presAssocID="{4C86D47B-C8EC-4779-8423-75ABE738C448}" presName="rootText" presStyleLbl="node3" presStyleIdx="6" presStyleCnt="22" custScaleX="83876" custScaleY="81364">
         <dgm:presLayoutVars>
           <dgm:chPref val="3"/>
         </dgm:presLayoutVars>
@@ -5120,7 +6571,7 @@
       </dgm:t>
     </dgm:pt>
     <dgm:pt modelId="{A6441542-2426-4E70-8C5A-A610B16CC2C2}" type="pres">
-      <dgm:prSet presAssocID="{4C86D47B-C8EC-4779-8423-75ABE738C448}" presName="rootConnector" presStyleLbl="node3" presStyleIdx="6" presStyleCnt="15"/>
+      <dgm:prSet presAssocID="{4C86D47B-C8EC-4779-8423-75ABE738C448}" presName="rootConnector" presStyleLbl="node3" presStyleIdx="6" presStyleCnt="22"/>
       <dgm:spPr/>
       <dgm:t>
         <a:bodyPr/>
@@ -5133,13 +6584,27 @@
     <dgm:pt modelId="{3D1B3DE3-E7C4-4DE1-A8D6-123D5CD77CFC}" type="pres">
       <dgm:prSet presAssocID="{4C86D47B-C8EC-4779-8423-75ABE738C448}" presName="hierChild4" presStyleCnt="0"/>
       <dgm:spPr/>
+      <dgm:t>
+        <a:bodyPr/>
+        <a:lstStyle/>
+        <a:p>
+          <a:endParaRPr lang="nb-NO"/>
+        </a:p>
+      </dgm:t>
     </dgm:pt>
     <dgm:pt modelId="{74AF8D6F-94E1-4F0A-8469-D05950777120}" type="pres">
       <dgm:prSet presAssocID="{4C86D47B-C8EC-4779-8423-75ABE738C448}" presName="hierChild5" presStyleCnt="0"/>
       <dgm:spPr/>
+      <dgm:t>
+        <a:bodyPr/>
+        <a:lstStyle/>
+        <a:p>
+          <a:endParaRPr lang="nb-NO"/>
+        </a:p>
+      </dgm:t>
     </dgm:pt>
     <dgm:pt modelId="{9C7E31CF-A30E-4DA9-A9B7-1194C37FE32F}" type="pres">
-      <dgm:prSet presAssocID="{A2ACCAC0-174D-4F18-BC30-4514C72F774D}" presName="Name37" presStyleLbl="parChTrans1D3" presStyleIdx="7" presStyleCnt="15"/>
+      <dgm:prSet presAssocID="{A2ACCAC0-174D-4F18-BC30-4514C72F774D}" presName="Name37" presStyleLbl="parChTrans1D3" presStyleIdx="7" presStyleCnt="22"/>
       <dgm:spPr/>
       <dgm:t>
         <a:bodyPr/>
@@ -5156,13 +6621,27 @@
         </dgm:presLayoutVars>
       </dgm:prSet>
       <dgm:spPr/>
+      <dgm:t>
+        <a:bodyPr/>
+        <a:lstStyle/>
+        <a:p>
+          <a:endParaRPr lang="nb-NO"/>
+        </a:p>
+      </dgm:t>
     </dgm:pt>
     <dgm:pt modelId="{6E16D456-6880-49DD-8C97-D54148795635}" type="pres">
       <dgm:prSet presAssocID="{2A449A93-E6F7-4B50-94C3-64C4ABF8D9AE}" presName="rootComposite" presStyleCnt="0"/>
       <dgm:spPr/>
+      <dgm:t>
+        <a:bodyPr/>
+        <a:lstStyle/>
+        <a:p>
+          <a:endParaRPr lang="nb-NO"/>
+        </a:p>
+      </dgm:t>
     </dgm:pt>
     <dgm:pt modelId="{AFC5C9B9-9DCE-4428-8AC1-037C915315D7}" type="pres">
-      <dgm:prSet presAssocID="{2A449A93-E6F7-4B50-94C3-64C4ABF8D9AE}" presName="rootText" presStyleLbl="node3" presStyleIdx="7" presStyleCnt="15" custScaleX="83876" custScaleY="81364">
+      <dgm:prSet presAssocID="{2A449A93-E6F7-4B50-94C3-64C4ABF8D9AE}" presName="rootText" presStyleLbl="node3" presStyleIdx="7" presStyleCnt="22" custScaleX="83876" custScaleY="81364">
         <dgm:presLayoutVars>
           <dgm:chPref val="3"/>
         </dgm:presLayoutVars>
@@ -5177,7 +6656,7 @@
       </dgm:t>
     </dgm:pt>
     <dgm:pt modelId="{930178AF-799B-4C33-9A91-0DF2FD98DC25}" type="pres">
-      <dgm:prSet presAssocID="{2A449A93-E6F7-4B50-94C3-64C4ABF8D9AE}" presName="rootConnector" presStyleLbl="node3" presStyleIdx="7" presStyleCnt="15"/>
+      <dgm:prSet presAssocID="{2A449A93-E6F7-4B50-94C3-64C4ABF8D9AE}" presName="rootConnector" presStyleLbl="node3" presStyleIdx="7" presStyleCnt="22"/>
       <dgm:spPr/>
       <dgm:t>
         <a:bodyPr/>
@@ -5190,13 +6669,27 @@
     <dgm:pt modelId="{268B73F7-9B9F-45E8-9C3A-4A756B6FB3BE}" type="pres">
       <dgm:prSet presAssocID="{2A449A93-E6F7-4B50-94C3-64C4ABF8D9AE}" presName="hierChild4" presStyleCnt="0"/>
       <dgm:spPr/>
+      <dgm:t>
+        <a:bodyPr/>
+        <a:lstStyle/>
+        <a:p>
+          <a:endParaRPr lang="nb-NO"/>
+        </a:p>
+      </dgm:t>
     </dgm:pt>
     <dgm:pt modelId="{93C84BBF-AA9F-4FAA-B930-C83BB05FF324}" type="pres">
       <dgm:prSet presAssocID="{2A449A93-E6F7-4B50-94C3-64C4ABF8D9AE}" presName="hierChild5" presStyleCnt="0"/>
       <dgm:spPr/>
+      <dgm:t>
+        <a:bodyPr/>
+        <a:lstStyle/>
+        <a:p>
+          <a:endParaRPr lang="nb-NO"/>
+        </a:p>
+      </dgm:t>
     </dgm:pt>
     <dgm:pt modelId="{D9843133-6085-4ACE-BDB1-DC36B851A413}" type="pres">
-      <dgm:prSet presAssocID="{F6806731-5FCD-41C0-A0AB-74A32B05E930}" presName="Name37" presStyleLbl="parChTrans1D3" presStyleIdx="8" presStyleCnt="15"/>
+      <dgm:prSet presAssocID="{F6806731-5FCD-41C0-A0AB-74A32B05E930}" presName="Name37" presStyleLbl="parChTrans1D3" presStyleIdx="8" presStyleCnt="22"/>
       <dgm:spPr/>
       <dgm:t>
         <a:bodyPr/>
@@ -5213,13 +6706,27 @@
         </dgm:presLayoutVars>
       </dgm:prSet>
       <dgm:spPr/>
+      <dgm:t>
+        <a:bodyPr/>
+        <a:lstStyle/>
+        <a:p>
+          <a:endParaRPr lang="nb-NO"/>
+        </a:p>
+      </dgm:t>
     </dgm:pt>
     <dgm:pt modelId="{B113799B-E92D-4237-B093-064EAD4D9A51}" type="pres">
       <dgm:prSet presAssocID="{BB291C0A-1458-4D57-B34D-E7FBBDA7E2D6}" presName="rootComposite" presStyleCnt="0"/>
       <dgm:spPr/>
+      <dgm:t>
+        <a:bodyPr/>
+        <a:lstStyle/>
+        <a:p>
+          <a:endParaRPr lang="nb-NO"/>
+        </a:p>
+      </dgm:t>
     </dgm:pt>
     <dgm:pt modelId="{36587E54-975A-4C05-B2B4-F67567496F60}" type="pres">
-      <dgm:prSet presAssocID="{BB291C0A-1458-4D57-B34D-E7FBBDA7E2D6}" presName="rootText" presStyleLbl="node3" presStyleIdx="8" presStyleCnt="15" custScaleX="83876" custScaleY="81364">
+      <dgm:prSet presAssocID="{BB291C0A-1458-4D57-B34D-E7FBBDA7E2D6}" presName="rootText" presStyleLbl="node3" presStyleIdx="8" presStyleCnt="22" custScaleX="83876" custScaleY="81364">
         <dgm:presLayoutVars>
           <dgm:chPref val="3"/>
         </dgm:presLayoutVars>
@@ -5234,7 +6741,7 @@
       </dgm:t>
     </dgm:pt>
     <dgm:pt modelId="{66DE1DB8-3A0D-4A46-8665-B7289E032EE7}" type="pres">
-      <dgm:prSet presAssocID="{BB291C0A-1458-4D57-B34D-E7FBBDA7E2D6}" presName="rootConnector" presStyleLbl="node3" presStyleIdx="8" presStyleCnt="15"/>
+      <dgm:prSet presAssocID="{BB291C0A-1458-4D57-B34D-E7FBBDA7E2D6}" presName="rootConnector" presStyleLbl="node3" presStyleIdx="8" presStyleCnt="22"/>
       <dgm:spPr/>
       <dgm:t>
         <a:bodyPr/>
@@ -5247,13 +6754,27 @@
     <dgm:pt modelId="{25F7A509-7B99-4248-AB40-F58C13E9986E}" type="pres">
       <dgm:prSet presAssocID="{BB291C0A-1458-4D57-B34D-E7FBBDA7E2D6}" presName="hierChild4" presStyleCnt="0"/>
       <dgm:spPr/>
+      <dgm:t>
+        <a:bodyPr/>
+        <a:lstStyle/>
+        <a:p>
+          <a:endParaRPr lang="nb-NO"/>
+        </a:p>
+      </dgm:t>
     </dgm:pt>
     <dgm:pt modelId="{763B04DF-5995-41DB-AE7A-6DA9B54D48B1}" type="pres">
       <dgm:prSet presAssocID="{BB291C0A-1458-4D57-B34D-E7FBBDA7E2D6}" presName="hierChild5" presStyleCnt="0"/>
       <dgm:spPr/>
+      <dgm:t>
+        <a:bodyPr/>
+        <a:lstStyle/>
+        <a:p>
+          <a:endParaRPr lang="nb-NO"/>
+        </a:p>
+      </dgm:t>
     </dgm:pt>
     <dgm:pt modelId="{1ABEB964-1842-41E5-A2A4-50DD4B7CBDD9}" type="pres">
-      <dgm:prSet presAssocID="{7DB6EBEF-D1E5-42F2-90AB-06B1E098AD0E}" presName="Name37" presStyleLbl="parChTrans1D3" presStyleIdx="9" presStyleCnt="15"/>
+      <dgm:prSet presAssocID="{7DB6EBEF-D1E5-42F2-90AB-06B1E098AD0E}" presName="Name37" presStyleLbl="parChTrans1D3" presStyleIdx="9" presStyleCnt="22"/>
       <dgm:spPr/>
       <dgm:t>
         <a:bodyPr/>
@@ -5270,13 +6791,27 @@
         </dgm:presLayoutVars>
       </dgm:prSet>
       <dgm:spPr/>
+      <dgm:t>
+        <a:bodyPr/>
+        <a:lstStyle/>
+        <a:p>
+          <a:endParaRPr lang="nb-NO"/>
+        </a:p>
+      </dgm:t>
     </dgm:pt>
     <dgm:pt modelId="{B5F832C6-4AD9-457A-92E5-172BEE86F105}" type="pres">
       <dgm:prSet presAssocID="{03F0FF15-5677-4317-994F-EF7E3DF845AA}" presName="rootComposite" presStyleCnt="0"/>
       <dgm:spPr/>
+      <dgm:t>
+        <a:bodyPr/>
+        <a:lstStyle/>
+        <a:p>
+          <a:endParaRPr lang="nb-NO"/>
+        </a:p>
+      </dgm:t>
     </dgm:pt>
     <dgm:pt modelId="{5FB5A517-64A3-4BBB-9C06-CCF84D5E5E7F}" type="pres">
-      <dgm:prSet presAssocID="{03F0FF15-5677-4317-994F-EF7E3DF845AA}" presName="rootText" presStyleLbl="node3" presStyleIdx="9" presStyleCnt="15" custScaleX="83876" custScaleY="81364">
+      <dgm:prSet presAssocID="{03F0FF15-5677-4317-994F-EF7E3DF845AA}" presName="rootText" presStyleLbl="node3" presStyleIdx="9" presStyleCnt="22" custScaleX="83876" custScaleY="81364">
         <dgm:presLayoutVars>
           <dgm:chPref val="3"/>
         </dgm:presLayoutVars>
@@ -5291,7 +6826,7 @@
       </dgm:t>
     </dgm:pt>
     <dgm:pt modelId="{0F9A0379-A26E-4B67-85C1-C4422D49AF5E}" type="pres">
-      <dgm:prSet presAssocID="{03F0FF15-5677-4317-994F-EF7E3DF845AA}" presName="rootConnector" presStyleLbl="node3" presStyleIdx="9" presStyleCnt="15"/>
+      <dgm:prSet presAssocID="{03F0FF15-5677-4317-994F-EF7E3DF845AA}" presName="rootConnector" presStyleLbl="node3" presStyleIdx="9" presStyleCnt="22"/>
       <dgm:spPr/>
       <dgm:t>
         <a:bodyPr/>
@@ -5304,13 +6839,27 @@
     <dgm:pt modelId="{F149A5EF-5C2E-4249-8039-F6717ECB125B}" type="pres">
       <dgm:prSet presAssocID="{03F0FF15-5677-4317-994F-EF7E3DF845AA}" presName="hierChild4" presStyleCnt="0"/>
       <dgm:spPr/>
+      <dgm:t>
+        <a:bodyPr/>
+        <a:lstStyle/>
+        <a:p>
+          <a:endParaRPr lang="nb-NO"/>
+        </a:p>
+      </dgm:t>
     </dgm:pt>
     <dgm:pt modelId="{94A73510-9EDE-4F4F-9BA9-6535D56736E3}" type="pres">
       <dgm:prSet presAssocID="{03F0FF15-5677-4317-994F-EF7E3DF845AA}" presName="hierChild5" presStyleCnt="0"/>
       <dgm:spPr/>
+      <dgm:t>
+        <a:bodyPr/>
+        <a:lstStyle/>
+        <a:p>
+          <a:endParaRPr lang="nb-NO"/>
+        </a:p>
+      </dgm:t>
     </dgm:pt>
     <dgm:pt modelId="{1DF323A8-D076-4F5E-9ADA-1C067301A684}" type="pres">
-      <dgm:prSet presAssocID="{57DC7780-0DC9-4933-9067-F151516DD5E6}" presName="Name37" presStyleLbl="parChTrans1D3" presStyleIdx="10" presStyleCnt="15"/>
+      <dgm:prSet presAssocID="{57DC7780-0DC9-4933-9067-F151516DD5E6}" presName="Name37" presStyleLbl="parChTrans1D3" presStyleIdx="10" presStyleCnt="22"/>
       <dgm:spPr/>
       <dgm:t>
         <a:bodyPr/>
@@ -5327,13 +6876,27 @@
         </dgm:presLayoutVars>
       </dgm:prSet>
       <dgm:spPr/>
+      <dgm:t>
+        <a:bodyPr/>
+        <a:lstStyle/>
+        <a:p>
+          <a:endParaRPr lang="nb-NO"/>
+        </a:p>
+      </dgm:t>
     </dgm:pt>
     <dgm:pt modelId="{A9E241C2-AF00-49ED-9811-7800FBA656F0}" type="pres">
       <dgm:prSet presAssocID="{6CD8509E-A00B-4F1E-8FFB-7AC5711DE29C}" presName="rootComposite" presStyleCnt="0"/>
       <dgm:spPr/>
+      <dgm:t>
+        <a:bodyPr/>
+        <a:lstStyle/>
+        <a:p>
+          <a:endParaRPr lang="nb-NO"/>
+        </a:p>
+      </dgm:t>
     </dgm:pt>
     <dgm:pt modelId="{F81DDCF3-0282-49EA-BBDC-75EC7C68491D}" type="pres">
-      <dgm:prSet presAssocID="{6CD8509E-A00B-4F1E-8FFB-7AC5711DE29C}" presName="rootText" presStyleLbl="node3" presStyleIdx="10" presStyleCnt="15" custScaleX="83876" custScaleY="81364">
+      <dgm:prSet presAssocID="{6CD8509E-A00B-4F1E-8FFB-7AC5711DE29C}" presName="rootText" presStyleLbl="node3" presStyleIdx="10" presStyleCnt="22" custScaleX="83876" custScaleY="81364">
         <dgm:presLayoutVars>
           <dgm:chPref val="3"/>
         </dgm:presLayoutVars>
@@ -5348,7 +6911,7 @@
       </dgm:t>
     </dgm:pt>
     <dgm:pt modelId="{4F1DA32C-0528-4A1F-887C-BC96DC8F4647}" type="pres">
-      <dgm:prSet presAssocID="{6CD8509E-A00B-4F1E-8FFB-7AC5711DE29C}" presName="rootConnector" presStyleLbl="node3" presStyleIdx="10" presStyleCnt="15"/>
+      <dgm:prSet presAssocID="{6CD8509E-A00B-4F1E-8FFB-7AC5711DE29C}" presName="rootConnector" presStyleLbl="node3" presStyleIdx="10" presStyleCnt="22"/>
       <dgm:spPr/>
       <dgm:t>
         <a:bodyPr/>
@@ -5361,13 +6924,27 @@
     <dgm:pt modelId="{A4D8CEAA-D314-475F-B8E4-CE2186766ADD}" type="pres">
       <dgm:prSet presAssocID="{6CD8509E-A00B-4F1E-8FFB-7AC5711DE29C}" presName="hierChild4" presStyleCnt="0"/>
       <dgm:spPr/>
+      <dgm:t>
+        <a:bodyPr/>
+        <a:lstStyle/>
+        <a:p>
+          <a:endParaRPr lang="nb-NO"/>
+        </a:p>
+      </dgm:t>
     </dgm:pt>
     <dgm:pt modelId="{76A70E4A-D8BA-4272-A834-073E2E9F2475}" type="pres">
       <dgm:prSet presAssocID="{6CD8509E-A00B-4F1E-8FFB-7AC5711DE29C}" presName="hierChild5" presStyleCnt="0"/>
       <dgm:spPr/>
+      <dgm:t>
+        <a:bodyPr/>
+        <a:lstStyle/>
+        <a:p>
+          <a:endParaRPr lang="nb-NO"/>
+        </a:p>
+      </dgm:t>
     </dgm:pt>
     <dgm:pt modelId="{0F0E07EC-3BF2-439A-B87A-7D045FDEE17D}" type="pres">
-      <dgm:prSet presAssocID="{FAAC898B-8C27-4C3C-A668-661E0B7D09FF}" presName="Name37" presStyleLbl="parChTrans1D3" presStyleIdx="11" presStyleCnt="15"/>
+      <dgm:prSet presAssocID="{FAAC898B-8C27-4C3C-A668-661E0B7D09FF}" presName="Name37" presStyleLbl="parChTrans1D3" presStyleIdx="11" presStyleCnt="22"/>
       <dgm:spPr/>
       <dgm:t>
         <a:bodyPr/>
@@ -5384,13 +6961,27 @@
         </dgm:presLayoutVars>
       </dgm:prSet>
       <dgm:spPr/>
+      <dgm:t>
+        <a:bodyPr/>
+        <a:lstStyle/>
+        <a:p>
+          <a:endParaRPr lang="nb-NO"/>
+        </a:p>
+      </dgm:t>
     </dgm:pt>
     <dgm:pt modelId="{A3EF0BF6-6522-4D37-9F2A-83BF7793C7E7}" type="pres">
       <dgm:prSet presAssocID="{6A7F68F6-829C-4020-AB30-793F80D466CF}" presName="rootComposite" presStyleCnt="0"/>
       <dgm:spPr/>
+      <dgm:t>
+        <a:bodyPr/>
+        <a:lstStyle/>
+        <a:p>
+          <a:endParaRPr lang="nb-NO"/>
+        </a:p>
+      </dgm:t>
     </dgm:pt>
     <dgm:pt modelId="{BAB0C97F-8914-47BF-B2B1-7EC4B43DB4B7}" type="pres">
-      <dgm:prSet presAssocID="{6A7F68F6-829C-4020-AB30-793F80D466CF}" presName="rootText" presStyleLbl="node3" presStyleIdx="11" presStyleCnt="15" custScaleX="83876" custScaleY="81364">
+      <dgm:prSet presAssocID="{6A7F68F6-829C-4020-AB30-793F80D466CF}" presName="rootText" presStyleLbl="node3" presStyleIdx="11" presStyleCnt="22" custScaleX="83876" custScaleY="81364">
         <dgm:presLayoutVars>
           <dgm:chPref val="3"/>
         </dgm:presLayoutVars>
@@ -5405,7 +6996,7 @@
       </dgm:t>
     </dgm:pt>
     <dgm:pt modelId="{A2565945-56E1-46CC-83DC-571865C1F587}" type="pres">
-      <dgm:prSet presAssocID="{6A7F68F6-829C-4020-AB30-793F80D466CF}" presName="rootConnector" presStyleLbl="node3" presStyleIdx="11" presStyleCnt="15"/>
+      <dgm:prSet presAssocID="{6A7F68F6-829C-4020-AB30-793F80D466CF}" presName="rootConnector" presStyleLbl="node3" presStyleIdx="11" presStyleCnt="22"/>
       <dgm:spPr/>
       <dgm:t>
         <a:bodyPr/>
@@ -5418,17 +7009,38 @@
     <dgm:pt modelId="{9BC61C95-FDFD-4618-8F14-BB1223C6E5D0}" type="pres">
       <dgm:prSet presAssocID="{6A7F68F6-829C-4020-AB30-793F80D466CF}" presName="hierChild4" presStyleCnt="0"/>
       <dgm:spPr/>
+      <dgm:t>
+        <a:bodyPr/>
+        <a:lstStyle/>
+        <a:p>
+          <a:endParaRPr lang="nb-NO"/>
+        </a:p>
+      </dgm:t>
     </dgm:pt>
     <dgm:pt modelId="{2670CC96-22E8-4150-BDFA-B370555F3BD7}" type="pres">
       <dgm:prSet presAssocID="{6A7F68F6-829C-4020-AB30-793F80D466CF}" presName="hierChild5" presStyleCnt="0"/>
       <dgm:spPr/>
+      <dgm:t>
+        <a:bodyPr/>
+        <a:lstStyle/>
+        <a:p>
+          <a:endParaRPr lang="nb-NO"/>
+        </a:p>
+      </dgm:t>
     </dgm:pt>
     <dgm:pt modelId="{344F7E30-7EFA-415F-8F95-32AAE8A1E12A}" type="pres">
       <dgm:prSet presAssocID="{9415298D-26EA-4A6C-9F5B-E0E3E23E89A5}" presName="hierChild5" presStyleCnt="0"/>
       <dgm:spPr/>
+      <dgm:t>
+        <a:bodyPr/>
+        <a:lstStyle/>
+        <a:p>
+          <a:endParaRPr lang="nb-NO"/>
+        </a:p>
+      </dgm:t>
     </dgm:pt>
     <dgm:pt modelId="{71481971-5924-4985-8A58-65BC3302CFE1}" type="pres">
-      <dgm:prSet presAssocID="{877C027F-D44C-4DDD-8828-83496E2ACB92}" presName="Name37" presStyleLbl="parChTrans1D2" presStyleIdx="3" presStyleCnt="5"/>
+      <dgm:prSet presAssocID="{877C027F-D44C-4DDD-8828-83496E2ACB92}" presName="Name37" presStyleLbl="parChTrans1D2" presStyleIdx="3" presStyleCnt="8"/>
       <dgm:spPr/>
       <dgm:t>
         <a:bodyPr/>
@@ -5445,13 +7057,27 @@
         </dgm:presLayoutVars>
       </dgm:prSet>
       <dgm:spPr/>
+      <dgm:t>
+        <a:bodyPr/>
+        <a:lstStyle/>
+        <a:p>
+          <a:endParaRPr lang="nb-NO"/>
+        </a:p>
+      </dgm:t>
     </dgm:pt>
     <dgm:pt modelId="{506B54CD-E927-450A-9B7F-53C2D4CBBC4E}" type="pres">
       <dgm:prSet presAssocID="{3C317A52-ECB4-4542-BB96-DF4C309821B9}" presName="rootComposite" presStyleCnt="0"/>
       <dgm:spPr/>
+      <dgm:t>
+        <a:bodyPr/>
+        <a:lstStyle/>
+        <a:p>
+          <a:endParaRPr lang="nb-NO"/>
+        </a:p>
+      </dgm:t>
     </dgm:pt>
     <dgm:pt modelId="{02FBAA06-E91C-4408-9781-CAA72564A194}" type="pres">
-      <dgm:prSet presAssocID="{3C317A52-ECB4-4542-BB96-DF4C309821B9}" presName="rootText" presStyleLbl="node2" presStyleIdx="3" presStyleCnt="5" custScaleX="83876" custScaleY="81364">
+      <dgm:prSet presAssocID="{3C317A52-ECB4-4542-BB96-DF4C309821B9}" presName="rootText" presStyleLbl="node2" presStyleIdx="3" presStyleCnt="8" custScaleX="83876" custScaleY="81364">
         <dgm:presLayoutVars>
           <dgm:chPref val="3"/>
         </dgm:presLayoutVars>
@@ -5466,7 +7092,7 @@
       </dgm:t>
     </dgm:pt>
     <dgm:pt modelId="{0C3DE6DC-983A-4ED4-9F7C-A7D0D6C6BB27}" type="pres">
-      <dgm:prSet presAssocID="{3C317A52-ECB4-4542-BB96-DF4C309821B9}" presName="rootConnector" presStyleLbl="node2" presStyleIdx="3" presStyleCnt="5"/>
+      <dgm:prSet presAssocID="{3C317A52-ECB4-4542-BB96-DF4C309821B9}" presName="rootConnector" presStyleLbl="node2" presStyleIdx="3" presStyleCnt="8"/>
       <dgm:spPr/>
       <dgm:t>
         <a:bodyPr/>
@@ -5479,9 +7105,16 @@
     <dgm:pt modelId="{2A1FC0E0-BB1E-4E72-85EC-5ADBA3156D57}" type="pres">
       <dgm:prSet presAssocID="{3C317A52-ECB4-4542-BB96-DF4C309821B9}" presName="hierChild4" presStyleCnt="0"/>
       <dgm:spPr/>
+      <dgm:t>
+        <a:bodyPr/>
+        <a:lstStyle/>
+        <a:p>
+          <a:endParaRPr lang="nb-NO"/>
+        </a:p>
+      </dgm:t>
     </dgm:pt>
     <dgm:pt modelId="{B1DDD93C-AA0B-4079-AE64-A6CC80C413FA}" type="pres">
-      <dgm:prSet presAssocID="{2B617E80-B54D-46B4-B2BD-E1B71A0C89B5}" presName="Name37" presStyleLbl="parChTrans1D3" presStyleIdx="12" presStyleCnt="15"/>
+      <dgm:prSet presAssocID="{2B617E80-B54D-46B4-B2BD-E1B71A0C89B5}" presName="Name37" presStyleLbl="parChTrans1D3" presStyleIdx="12" presStyleCnt="22"/>
       <dgm:spPr/>
       <dgm:t>
         <a:bodyPr/>
@@ -5498,13 +7131,27 @@
         </dgm:presLayoutVars>
       </dgm:prSet>
       <dgm:spPr/>
+      <dgm:t>
+        <a:bodyPr/>
+        <a:lstStyle/>
+        <a:p>
+          <a:endParaRPr lang="nb-NO"/>
+        </a:p>
+      </dgm:t>
     </dgm:pt>
     <dgm:pt modelId="{DE9043A2-2750-4B6A-A631-A7C95E684E15}" type="pres">
       <dgm:prSet presAssocID="{CE8B9297-0335-465D-8C14-F6670FD76933}" presName="rootComposite" presStyleCnt="0"/>
       <dgm:spPr/>
+      <dgm:t>
+        <a:bodyPr/>
+        <a:lstStyle/>
+        <a:p>
+          <a:endParaRPr lang="nb-NO"/>
+        </a:p>
+      </dgm:t>
     </dgm:pt>
     <dgm:pt modelId="{0C38FB8D-E312-4A4E-810A-7E8736445A2E}" type="pres">
-      <dgm:prSet presAssocID="{CE8B9297-0335-465D-8C14-F6670FD76933}" presName="rootText" presStyleLbl="node3" presStyleIdx="12" presStyleCnt="15" custScaleX="83876" custScaleY="81364">
+      <dgm:prSet presAssocID="{CE8B9297-0335-465D-8C14-F6670FD76933}" presName="rootText" presStyleLbl="node3" presStyleIdx="12" presStyleCnt="22" custScaleX="83876" custScaleY="81364">
         <dgm:presLayoutVars>
           <dgm:chPref val="3"/>
         </dgm:presLayoutVars>
@@ -5519,7 +7166,7 @@
       </dgm:t>
     </dgm:pt>
     <dgm:pt modelId="{6BCE281D-4856-42A0-AE72-2F8F4DE21E8F}" type="pres">
-      <dgm:prSet presAssocID="{CE8B9297-0335-465D-8C14-F6670FD76933}" presName="rootConnector" presStyleLbl="node3" presStyleIdx="12" presStyleCnt="15"/>
+      <dgm:prSet presAssocID="{CE8B9297-0335-465D-8C14-F6670FD76933}" presName="rootConnector" presStyleLbl="node3" presStyleIdx="12" presStyleCnt="22"/>
       <dgm:spPr/>
       <dgm:t>
         <a:bodyPr/>
@@ -5532,17 +7179,38 @@
     <dgm:pt modelId="{E9300157-5F45-40D6-A88C-BA4AC92BB4DA}" type="pres">
       <dgm:prSet presAssocID="{CE8B9297-0335-465D-8C14-F6670FD76933}" presName="hierChild4" presStyleCnt="0"/>
       <dgm:spPr/>
+      <dgm:t>
+        <a:bodyPr/>
+        <a:lstStyle/>
+        <a:p>
+          <a:endParaRPr lang="nb-NO"/>
+        </a:p>
+      </dgm:t>
     </dgm:pt>
     <dgm:pt modelId="{BDA3BD80-EFB5-439E-B9F5-5C6C7082AF33}" type="pres">
       <dgm:prSet presAssocID="{CE8B9297-0335-465D-8C14-F6670FD76933}" presName="hierChild5" presStyleCnt="0"/>
       <dgm:spPr/>
+      <dgm:t>
+        <a:bodyPr/>
+        <a:lstStyle/>
+        <a:p>
+          <a:endParaRPr lang="nb-NO"/>
+        </a:p>
+      </dgm:t>
     </dgm:pt>
     <dgm:pt modelId="{28A20E1F-D2B7-49A9-9DB8-04B929C6C08D}" type="pres">
       <dgm:prSet presAssocID="{3C317A52-ECB4-4542-BB96-DF4C309821B9}" presName="hierChild5" presStyleCnt="0"/>
       <dgm:spPr/>
+      <dgm:t>
+        <a:bodyPr/>
+        <a:lstStyle/>
+        <a:p>
+          <a:endParaRPr lang="nb-NO"/>
+        </a:p>
+      </dgm:t>
     </dgm:pt>
     <dgm:pt modelId="{E733A77E-89FA-4B9C-A80B-CDCD62A1C3D1}" type="pres">
-      <dgm:prSet presAssocID="{6068CCC3-2DC3-49B1-A3C3-1B64FE37836D}" presName="Name37" presStyleLbl="parChTrans1D2" presStyleIdx="4" presStyleCnt="5"/>
+      <dgm:prSet presAssocID="{6068CCC3-2DC3-49B1-A3C3-1B64FE37836D}" presName="Name37" presStyleLbl="parChTrans1D2" presStyleIdx="4" presStyleCnt="8"/>
       <dgm:spPr/>
       <dgm:t>
         <a:bodyPr/>
@@ -5559,13 +7227,27 @@
         </dgm:presLayoutVars>
       </dgm:prSet>
       <dgm:spPr/>
+      <dgm:t>
+        <a:bodyPr/>
+        <a:lstStyle/>
+        <a:p>
+          <a:endParaRPr lang="nb-NO"/>
+        </a:p>
+      </dgm:t>
     </dgm:pt>
     <dgm:pt modelId="{685075BD-BB92-41A4-AB5A-244462793563}" type="pres">
       <dgm:prSet presAssocID="{388B03AE-1583-4706-A7BB-BA764C869B0C}" presName="rootComposite" presStyleCnt="0"/>
       <dgm:spPr/>
+      <dgm:t>
+        <a:bodyPr/>
+        <a:lstStyle/>
+        <a:p>
+          <a:endParaRPr lang="nb-NO"/>
+        </a:p>
+      </dgm:t>
     </dgm:pt>
     <dgm:pt modelId="{D4F19F9B-2F58-4077-B3FC-9B0A645C389C}" type="pres">
-      <dgm:prSet presAssocID="{388B03AE-1583-4706-A7BB-BA764C869B0C}" presName="rootText" presStyleLbl="node2" presStyleIdx="4" presStyleCnt="5" custScaleX="83876" custScaleY="81364">
+      <dgm:prSet presAssocID="{388B03AE-1583-4706-A7BB-BA764C869B0C}" presName="rootText" presStyleLbl="node2" presStyleIdx="4" presStyleCnt="8" custScaleX="83876" custScaleY="81364">
         <dgm:presLayoutVars>
           <dgm:chPref val="3"/>
         </dgm:presLayoutVars>
@@ -5580,7 +7262,7 @@
       </dgm:t>
     </dgm:pt>
     <dgm:pt modelId="{7744727E-DB01-42E4-BCB6-4468D98A7EE2}" type="pres">
-      <dgm:prSet presAssocID="{388B03AE-1583-4706-A7BB-BA764C869B0C}" presName="rootConnector" presStyleLbl="node2" presStyleIdx="4" presStyleCnt="5"/>
+      <dgm:prSet presAssocID="{388B03AE-1583-4706-A7BB-BA764C869B0C}" presName="rootConnector" presStyleLbl="node2" presStyleIdx="4" presStyleCnt="8"/>
       <dgm:spPr/>
       <dgm:t>
         <a:bodyPr/>
@@ -5593,9 +7275,16 @@
     <dgm:pt modelId="{B8786EE1-4FD7-48F2-BAF2-E9845AFDE6A7}" type="pres">
       <dgm:prSet presAssocID="{388B03AE-1583-4706-A7BB-BA764C869B0C}" presName="hierChild4" presStyleCnt="0"/>
       <dgm:spPr/>
+      <dgm:t>
+        <a:bodyPr/>
+        <a:lstStyle/>
+        <a:p>
+          <a:endParaRPr lang="nb-NO"/>
+        </a:p>
+      </dgm:t>
     </dgm:pt>
     <dgm:pt modelId="{B0495467-15B6-457F-858F-0D45FF87FDE8}" type="pres">
-      <dgm:prSet presAssocID="{ECC87D09-4966-47F2-B554-6ECFFC0A434B}" presName="Name37" presStyleLbl="parChTrans1D3" presStyleIdx="13" presStyleCnt="15"/>
+      <dgm:prSet presAssocID="{ECC87D09-4966-47F2-B554-6ECFFC0A434B}" presName="Name37" presStyleLbl="parChTrans1D3" presStyleIdx="13" presStyleCnt="22"/>
       <dgm:spPr/>
       <dgm:t>
         <a:bodyPr/>
@@ -5612,13 +7301,27 @@
         </dgm:presLayoutVars>
       </dgm:prSet>
       <dgm:spPr/>
+      <dgm:t>
+        <a:bodyPr/>
+        <a:lstStyle/>
+        <a:p>
+          <a:endParaRPr lang="nb-NO"/>
+        </a:p>
+      </dgm:t>
     </dgm:pt>
     <dgm:pt modelId="{C1D428A6-1394-4367-9D29-1C28282AE41C}" type="pres">
       <dgm:prSet presAssocID="{1CDE04AC-330B-476F-9CC7-600E92AC4F85}" presName="rootComposite" presStyleCnt="0"/>
       <dgm:spPr/>
+      <dgm:t>
+        <a:bodyPr/>
+        <a:lstStyle/>
+        <a:p>
+          <a:endParaRPr lang="nb-NO"/>
+        </a:p>
+      </dgm:t>
     </dgm:pt>
     <dgm:pt modelId="{73671477-F3A7-40C7-B6C4-1C1BA12C21C1}" type="pres">
-      <dgm:prSet presAssocID="{1CDE04AC-330B-476F-9CC7-600E92AC4F85}" presName="rootText" presStyleLbl="node3" presStyleIdx="13" presStyleCnt="15" custScaleX="83876" custScaleY="81364">
+      <dgm:prSet presAssocID="{1CDE04AC-330B-476F-9CC7-600E92AC4F85}" presName="rootText" presStyleLbl="node3" presStyleIdx="13" presStyleCnt="22" custScaleX="83876" custScaleY="81364">
         <dgm:presLayoutVars>
           <dgm:chPref val="3"/>
         </dgm:presLayoutVars>
@@ -5633,7 +7336,7 @@
       </dgm:t>
     </dgm:pt>
     <dgm:pt modelId="{DA563663-A228-4859-8AF1-9EF73B51E3C7}" type="pres">
-      <dgm:prSet presAssocID="{1CDE04AC-330B-476F-9CC7-600E92AC4F85}" presName="rootConnector" presStyleLbl="node3" presStyleIdx="13" presStyleCnt="15"/>
+      <dgm:prSet presAssocID="{1CDE04AC-330B-476F-9CC7-600E92AC4F85}" presName="rootConnector" presStyleLbl="node3" presStyleIdx="13" presStyleCnt="22"/>
       <dgm:spPr/>
       <dgm:t>
         <a:bodyPr/>
@@ -5646,9 +7349,16 @@
     <dgm:pt modelId="{81EB06DB-5F2E-4D1A-A93E-355FEAF00788}" type="pres">
       <dgm:prSet presAssocID="{1CDE04AC-330B-476F-9CC7-600E92AC4F85}" presName="hierChild4" presStyleCnt="0"/>
       <dgm:spPr/>
+      <dgm:t>
+        <a:bodyPr/>
+        <a:lstStyle/>
+        <a:p>
+          <a:endParaRPr lang="nb-NO"/>
+        </a:p>
+      </dgm:t>
     </dgm:pt>
     <dgm:pt modelId="{175C0E5A-556B-4F10-8B95-AE90F8B7638B}" type="pres">
-      <dgm:prSet presAssocID="{6F88080A-5068-4E2D-8C54-67E23CE7C322}" presName="Name37" presStyleLbl="parChTrans1D4" presStyleIdx="12" presStyleCnt="20"/>
+      <dgm:prSet presAssocID="{6F88080A-5068-4E2D-8C54-67E23CE7C322}" presName="Name37" presStyleLbl="parChTrans1D4" presStyleIdx="12" presStyleCnt="22"/>
       <dgm:spPr/>
       <dgm:t>
         <a:bodyPr/>
@@ -5665,13 +7375,27 @@
         </dgm:presLayoutVars>
       </dgm:prSet>
       <dgm:spPr/>
+      <dgm:t>
+        <a:bodyPr/>
+        <a:lstStyle/>
+        <a:p>
+          <a:endParaRPr lang="nb-NO"/>
+        </a:p>
+      </dgm:t>
     </dgm:pt>
     <dgm:pt modelId="{75A00E48-53D3-4B1B-9696-C774DAE765F6}" type="pres">
       <dgm:prSet presAssocID="{453AC38F-5E8F-45CC-A83B-D6379A610B1B}" presName="rootComposite" presStyleCnt="0"/>
       <dgm:spPr/>
+      <dgm:t>
+        <a:bodyPr/>
+        <a:lstStyle/>
+        <a:p>
+          <a:endParaRPr lang="nb-NO"/>
+        </a:p>
+      </dgm:t>
     </dgm:pt>
     <dgm:pt modelId="{2A963296-5DBA-404D-9E63-B7A2AADEE936}" type="pres">
-      <dgm:prSet presAssocID="{453AC38F-5E8F-45CC-A83B-D6379A610B1B}" presName="rootText" presStyleLbl="node4" presStyleIdx="12" presStyleCnt="20" custScaleX="83876" custScaleY="81364">
+      <dgm:prSet presAssocID="{453AC38F-5E8F-45CC-A83B-D6379A610B1B}" presName="rootText" presStyleLbl="node4" presStyleIdx="12" presStyleCnt="22" custScaleX="83876" custScaleY="81364">
         <dgm:presLayoutVars>
           <dgm:chPref val="3"/>
         </dgm:presLayoutVars>
@@ -5686,7 +7410,7 @@
       </dgm:t>
     </dgm:pt>
     <dgm:pt modelId="{F9DC42A8-DEA3-4BD7-950A-A4E2F1D5E1F6}" type="pres">
-      <dgm:prSet presAssocID="{453AC38F-5E8F-45CC-A83B-D6379A610B1B}" presName="rootConnector" presStyleLbl="node4" presStyleIdx="12" presStyleCnt="20"/>
+      <dgm:prSet presAssocID="{453AC38F-5E8F-45CC-A83B-D6379A610B1B}" presName="rootConnector" presStyleLbl="node4" presStyleIdx="12" presStyleCnt="22"/>
       <dgm:spPr/>
       <dgm:t>
         <a:bodyPr/>
@@ -5699,13 +7423,27 @@
     <dgm:pt modelId="{83363AD3-2B93-4934-89AF-CD5D6838CB74}" type="pres">
       <dgm:prSet presAssocID="{453AC38F-5E8F-45CC-A83B-D6379A610B1B}" presName="hierChild4" presStyleCnt="0"/>
       <dgm:spPr/>
+      <dgm:t>
+        <a:bodyPr/>
+        <a:lstStyle/>
+        <a:p>
+          <a:endParaRPr lang="nb-NO"/>
+        </a:p>
+      </dgm:t>
     </dgm:pt>
     <dgm:pt modelId="{4174872F-F1F5-4F06-9075-A3BB9C6131BD}" type="pres">
       <dgm:prSet presAssocID="{453AC38F-5E8F-45CC-A83B-D6379A610B1B}" presName="hierChild5" presStyleCnt="0"/>
       <dgm:spPr/>
+      <dgm:t>
+        <a:bodyPr/>
+        <a:lstStyle/>
+        <a:p>
+          <a:endParaRPr lang="nb-NO"/>
+        </a:p>
+      </dgm:t>
     </dgm:pt>
     <dgm:pt modelId="{DCC6D923-F06B-413D-AE46-9B6FCE7C1311}" type="pres">
-      <dgm:prSet presAssocID="{A9B0EBBD-90C9-4572-870D-538344F560BB}" presName="Name37" presStyleLbl="parChTrans1D4" presStyleIdx="13" presStyleCnt="20"/>
+      <dgm:prSet presAssocID="{A9B0EBBD-90C9-4572-870D-538344F560BB}" presName="Name37" presStyleLbl="parChTrans1D4" presStyleIdx="13" presStyleCnt="22"/>
       <dgm:spPr/>
       <dgm:t>
         <a:bodyPr/>
@@ -5722,13 +7460,27 @@
         </dgm:presLayoutVars>
       </dgm:prSet>
       <dgm:spPr/>
+      <dgm:t>
+        <a:bodyPr/>
+        <a:lstStyle/>
+        <a:p>
+          <a:endParaRPr lang="nb-NO"/>
+        </a:p>
+      </dgm:t>
     </dgm:pt>
     <dgm:pt modelId="{79CCE44F-FFE8-47B5-B756-0B24D9089FEB}" type="pres">
       <dgm:prSet presAssocID="{EE61DB26-84DE-4FC7-AA26-9818CD81E4DB}" presName="rootComposite" presStyleCnt="0"/>
       <dgm:spPr/>
+      <dgm:t>
+        <a:bodyPr/>
+        <a:lstStyle/>
+        <a:p>
+          <a:endParaRPr lang="nb-NO"/>
+        </a:p>
+      </dgm:t>
     </dgm:pt>
     <dgm:pt modelId="{0C5171CD-CC4D-45B3-A0D8-D27B776EAB6C}" type="pres">
-      <dgm:prSet presAssocID="{EE61DB26-84DE-4FC7-AA26-9818CD81E4DB}" presName="rootText" presStyleLbl="node4" presStyleIdx="13" presStyleCnt="20" custScaleX="83876" custScaleY="81364">
+      <dgm:prSet presAssocID="{EE61DB26-84DE-4FC7-AA26-9818CD81E4DB}" presName="rootText" presStyleLbl="node4" presStyleIdx="13" presStyleCnt="22" custScaleX="83876" custScaleY="81364">
         <dgm:presLayoutVars>
           <dgm:chPref val="3"/>
         </dgm:presLayoutVars>
@@ -5743,7 +7495,7 @@
       </dgm:t>
     </dgm:pt>
     <dgm:pt modelId="{D628ABE4-F7B0-4A71-B0F5-64846DEBF620}" type="pres">
-      <dgm:prSet presAssocID="{EE61DB26-84DE-4FC7-AA26-9818CD81E4DB}" presName="rootConnector" presStyleLbl="node4" presStyleIdx="13" presStyleCnt="20"/>
+      <dgm:prSet presAssocID="{EE61DB26-84DE-4FC7-AA26-9818CD81E4DB}" presName="rootConnector" presStyleLbl="node4" presStyleIdx="13" presStyleCnt="22"/>
       <dgm:spPr/>
       <dgm:t>
         <a:bodyPr/>
@@ -5756,13 +7508,27 @@
     <dgm:pt modelId="{6558DACA-7D45-4C00-8054-9FCA25EF7436}" type="pres">
       <dgm:prSet presAssocID="{EE61DB26-84DE-4FC7-AA26-9818CD81E4DB}" presName="hierChild4" presStyleCnt="0"/>
       <dgm:spPr/>
+      <dgm:t>
+        <a:bodyPr/>
+        <a:lstStyle/>
+        <a:p>
+          <a:endParaRPr lang="nb-NO"/>
+        </a:p>
+      </dgm:t>
     </dgm:pt>
     <dgm:pt modelId="{12AB0443-0EE0-4C0A-AA73-1347D9A6F6F5}" type="pres">
       <dgm:prSet presAssocID="{EE61DB26-84DE-4FC7-AA26-9818CD81E4DB}" presName="hierChild5" presStyleCnt="0"/>
       <dgm:spPr/>
+      <dgm:t>
+        <a:bodyPr/>
+        <a:lstStyle/>
+        <a:p>
+          <a:endParaRPr lang="nb-NO"/>
+        </a:p>
+      </dgm:t>
     </dgm:pt>
     <dgm:pt modelId="{A10C288D-0624-4460-A6DF-D42CA91203B3}" type="pres">
-      <dgm:prSet presAssocID="{E65E6197-B490-448B-BC0E-F57B9A123693}" presName="Name37" presStyleLbl="parChTrans1D4" presStyleIdx="14" presStyleCnt="20"/>
+      <dgm:prSet presAssocID="{E65E6197-B490-448B-BC0E-F57B9A123693}" presName="Name37" presStyleLbl="parChTrans1D4" presStyleIdx="14" presStyleCnt="22"/>
       <dgm:spPr/>
       <dgm:t>
         <a:bodyPr/>
@@ -5779,13 +7545,27 @@
         </dgm:presLayoutVars>
       </dgm:prSet>
       <dgm:spPr/>
+      <dgm:t>
+        <a:bodyPr/>
+        <a:lstStyle/>
+        <a:p>
+          <a:endParaRPr lang="nb-NO"/>
+        </a:p>
+      </dgm:t>
     </dgm:pt>
     <dgm:pt modelId="{665E893E-5A33-4030-B8C5-A79C7271E4F2}" type="pres">
       <dgm:prSet presAssocID="{838A87CA-745D-483F-ACAB-C5C6AC1AC3CB}" presName="rootComposite" presStyleCnt="0"/>
       <dgm:spPr/>
+      <dgm:t>
+        <a:bodyPr/>
+        <a:lstStyle/>
+        <a:p>
+          <a:endParaRPr lang="nb-NO"/>
+        </a:p>
+      </dgm:t>
     </dgm:pt>
     <dgm:pt modelId="{767E1A06-9F51-40FA-B8F8-A1C4ED5CEC90}" type="pres">
-      <dgm:prSet presAssocID="{838A87CA-745D-483F-ACAB-C5C6AC1AC3CB}" presName="rootText" presStyleLbl="node4" presStyleIdx="14" presStyleCnt="20" custScaleX="83876" custScaleY="81364">
+      <dgm:prSet presAssocID="{838A87CA-745D-483F-ACAB-C5C6AC1AC3CB}" presName="rootText" presStyleLbl="node4" presStyleIdx="14" presStyleCnt="22" custScaleX="83876" custScaleY="81364">
         <dgm:presLayoutVars>
           <dgm:chPref val="3"/>
         </dgm:presLayoutVars>
@@ -5800,7 +7580,7 @@
       </dgm:t>
     </dgm:pt>
     <dgm:pt modelId="{FF55EBB6-5C00-4EB2-887E-CE968DE29F1D}" type="pres">
-      <dgm:prSet presAssocID="{838A87CA-745D-483F-ACAB-C5C6AC1AC3CB}" presName="rootConnector" presStyleLbl="node4" presStyleIdx="14" presStyleCnt="20"/>
+      <dgm:prSet presAssocID="{838A87CA-745D-483F-ACAB-C5C6AC1AC3CB}" presName="rootConnector" presStyleLbl="node4" presStyleIdx="14" presStyleCnt="22"/>
       <dgm:spPr/>
       <dgm:t>
         <a:bodyPr/>
@@ -5813,13 +7593,27 @@
     <dgm:pt modelId="{ACDA26C9-4BF8-4C8D-A6AF-D8438C97CF85}" type="pres">
       <dgm:prSet presAssocID="{838A87CA-745D-483F-ACAB-C5C6AC1AC3CB}" presName="hierChild4" presStyleCnt="0"/>
       <dgm:spPr/>
+      <dgm:t>
+        <a:bodyPr/>
+        <a:lstStyle/>
+        <a:p>
+          <a:endParaRPr lang="nb-NO"/>
+        </a:p>
+      </dgm:t>
     </dgm:pt>
     <dgm:pt modelId="{7763A100-45A6-42F6-9612-91A66B1C8A5A}" type="pres">
       <dgm:prSet presAssocID="{838A87CA-745D-483F-ACAB-C5C6AC1AC3CB}" presName="hierChild5" presStyleCnt="0"/>
       <dgm:spPr/>
+      <dgm:t>
+        <a:bodyPr/>
+        <a:lstStyle/>
+        <a:p>
+          <a:endParaRPr lang="nb-NO"/>
+        </a:p>
+      </dgm:t>
     </dgm:pt>
     <dgm:pt modelId="{C1681FCF-D047-45EA-A575-4F5010ADD0F2}" type="pres">
-      <dgm:prSet presAssocID="{F570D233-7486-4900-80AA-7010FD12A345}" presName="Name37" presStyleLbl="parChTrans1D4" presStyleIdx="15" presStyleCnt="20"/>
+      <dgm:prSet presAssocID="{F570D233-7486-4900-80AA-7010FD12A345}" presName="Name37" presStyleLbl="parChTrans1D4" presStyleIdx="15" presStyleCnt="22"/>
       <dgm:spPr/>
       <dgm:t>
         <a:bodyPr/>
@@ -5836,13 +7630,27 @@
         </dgm:presLayoutVars>
       </dgm:prSet>
       <dgm:spPr/>
+      <dgm:t>
+        <a:bodyPr/>
+        <a:lstStyle/>
+        <a:p>
+          <a:endParaRPr lang="nb-NO"/>
+        </a:p>
+      </dgm:t>
     </dgm:pt>
     <dgm:pt modelId="{495836A0-9EE6-4E14-8D7B-8A42D0F79B17}" type="pres">
       <dgm:prSet presAssocID="{B9578511-1845-41D9-B567-2EED72A74826}" presName="rootComposite" presStyleCnt="0"/>
       <dgm:spPr/>
+      <dgm:t>
+        <a:bodyPr/>
+        <a:lstStyle/>
+        <a:p>
+          <a:endParaRPr lang="nb-NO"/>
+        </a:p>
+      </dgm:t>
     </dgm:pt>
     <dgm:pt modelId="{20C4464E-9E44-4762-B40F-2AE7944D78AA}" type="pres">
-      <dgm:prSet presAssocID="{B9578511-1845-41D9-B567-2EED72A74826}" presName="rootText" presStyleLbl="node4" presStyleIdx="15" presStyleCnt="20" custScaleX="83876" custScaleY="81364">
+      <dgm:prSet presAssocID="{B9578511-1845-41D9-B567-2EED72A74826}" presName="rootText" presStyleLbl="node4" presStyleIdx="15" presStyleCnt="22" custScaleX="83876" custScaleY="81364">
         <dgm:presLayoutVars>
           <dgm:chPref val="3"/>
         </dgm:presLayoutVars>
@@ -5857,7 +7665,7 @@
       </dgm:t>
     </dgm:pt>
     <dgm:pt modelId="{457CB696-EF0C-4FAF-85AD-1B9458750CA1}" type="pres">
-      <dgm:prSet presAssocID="{B9578511-1845-41D9-B567-2EED72A74826}" presName="rootConnector" presStyleLbl="node4" presStyleIdx="15" presStyleCnt="20"/>
+      <dgm:prSet presAssocID="{B9578511-1845-41D9-B567-2EED72A74826}" presName="rootConnector" presStyleLbl="node4" presStyleIdx="15" presStyleCnt="22"/>
       <dgm:spPr/>
       <dgm:t>
         <a:bodyPr/>
@@ -5870,17 +7678,38 @@
     <dgm:pt modelId="{13840E7E-8FA6-402E-8718-C986538173F9}" type="pres">
       <dgm:prSet presAssocID="{B9578511-1845-41D9-B567-2EED72A74826}" presName="hierChild4" presStyleCnt="0"/>
       <dgm:spPr/>
+      <dgm:t>
+        <a:bodyPr/>
+        <a:lstStyle/>
+        <a:p>
+          <a:endParaRPr lang="nb-NO"/>
+        </a:p>
+      </dgm:t>
     </dgm:pt>
     <dgm:pt modelId="{93A843DE-BFAD-47C1-A2EF-B611C1DDCEE7}" type="pres">
       <dgm:prSet presAssocID="{B9578511-1845-41D9-B567-2EED72A74826}" presName="hierChild5" presStyleCnt="0"/>
       <dgm:spPr/>
+      <dgm:t>
+        <a:bodyPr/>
+        <a:lstStyle/>
+        <a:p>
+          <a:endParaRPr lang="nb-NO"/>
+        </a:p>
+      </dgm:t>
     </dgm:pt>
     <dgm:pt modelId="{EC50A7CE-470C-48A5-B7D6-F02B9236B05F}" type="pres">
       <dgm:prSet presAssocID="{1CDE04AC-330B-476F-9CC7-600E92AC4F85}" presName="hierChild5" presStyleCnt="0"/>
       <dgm:spPr/>
+      <dgm:t>
+        <a:bodyPr/>
+        <a:lstStyle/>
+        <a:p>
+          <a:endParaRPr lang="nb-NO"/>
+        </a:p>
+      </dgm:t>
     </dgm:pt>
     <dgm:pt modelId="{FFADC981-98DA-465A-834E-1469A32BE8A5}" type="pres">
-      <dgm:prSet presAssocID="{9AD4C4D3-AA3D-42C6-95BD-CD17690A33EA}" presName="Name37" presStyleLbl="parChTrans1D3" presStyleIdx="14" presStyleCnt="15"/>
+      <dgm:prSet presAssocID="{9AD4C4D3-AA3D-42C6-95BD-CD17690A33EA}" presName="Name37" presStyleLbl="parChTrans1D3" presStyleIdx="14" presStyleCnt="22"/>
       <dgm:spPr/>
       <dgm:t>
         <a:bodyPr/>
@@ -5897,13 +7726,27 @@
         </dgm:presLayoutVars>
       </dgm:prSet>
       <dgm:spPr/>
+      <dgm:t>
+        <a:bodyPr/>
+        <a:lstStyle/>
+        <a:p>
+          <a:endParaRPr lang="nb-NO"/>
+        </a:p>
+      </dgm:t>
     </dgm:pt>
     <dgm:pt modelId="{263B528D-137F-4383-B5E4-DC64EF0A24FA}" type="pres">
       <dgm:prSet presAssocID="{AC9EFDF2-1E89-413C-A544-762CE1A4F8C0}" presName="rootComposite" presStyleCnt="0"/>
       <dgm:spPr/>
+      <dgm:t>
+        <a:bodyPr/>
+        <a:lstStyle/>
+        <a:p>
+          <a:endParaRPr lang="nb-NO"/>
+        </a:p>
+      </dgm:t>
     </dgm:pt>
     <dgm:pt modelId="{811F0CEB-3001-4879-8561-FFAA758F9C4D}" type="pres">
-      <dgm:prSet presAssocID="{AC9EFDF2-1E89-413C-A544-762CE1A4F8C0}" presName="rootText" presStyleLbl="node3" presStyleIdx="14" presStyleCnt="15" custScaleX="83876" custScaleY="81364">
+      <dgm:prSet presAssocID="{AC9EFDF2-1E89-413C-A544-762CE1A4F8C0}" presName="rootText" presStyleLbl="node3" presStyleIdx="14" presStyleCnt="22" custScaleX="83876" custScaleY="81364">
         <dgm:presLayoutVars>
           <dgm:chPref val="3"/>
         </dgm:presLayoutVars>
@@ -5918,7 +7761,7 @@
       </dgm:t>
     </dgm:pt>
     <dgm:pt modelId="{0A098B36-3337-4D13-9601-4B794921025C}" type="pres">
-      <dgm:prSet presAssocID="{AC9EFDF2-1E89-413C-A544-762CE1A4F8C0}" presName="rootConnector" presStyleLbl="node3" presStyleIdx="14" presStyleCnt="15"/>
+      <dgm:prSet presAssocID="{AC9EFDF2-1E89-413C-A544-762CE1A4F8C0}" presName="rootConnector" presStyleLbl="node3" presStyleIdx="14" presStyleCnt="22"/>
       <dgm:spPr/>
       <dgm:t>
         <a:bodyPr/>
@@ -5931,9 +7774,16 @@
     <dgm:pt modelId="{BC474C1D-D62F-4773-BBB9-75D800FBB1E0}" type="pres">
       <dgm:prSet presAssocID="{AC9EFDF2-1E89-413C-A544-762CE1A4F8C0}" presName="hierChild4" presStyleCnt="0"/>
       <dgm:spPr/>
+      <dgm:t>
+        <a:bodyPr/>
+        <a:lstStyle/>
+        <a:p>
+          <a:endParaRPr lang="nb-NO"/>
+        </a:p>
+      </dgm:t>
     </dgm:pt>
     <dgm:pt modelId="{08340BC8-F60B-48BF-9C4B-B209EC91806A}" type="pres">
-      <dgm:prSet presAssocID="{7B4CEC73-92CF-40AF-ADC3-F9A4ABE87813}" presName="Name37" presStyleLbl="parChTrans1D4" presStyleIdx="16" presStyleCnt="20"/>
+      <dgm:prSet presAssocID="{7B4CEC73-92CF-40AF-ADC3-F9A4ABE87813}" presName="Name37" presStyleLbl="parChTrans1D4" presStyleIdx="16" presStyleCnt="22"/>
       <dgm:spPr/>
       <dgm:t>
         <a:bodyPr/>
@@ -5950,13 +7800,27 @@
         </dgm:presLayoutVars>
       </dgm:prSet>
       <dgm:spPr/>
+      <dgm:t>
+        <a:bodyPr/>
+        <a:lstStyle/>
+        <a:p>
+          <a:endParaRPr lang="nb-NO"/>
+        </a:p>
+      </dgm:t>
     </dgm:pt>
     <dgm:pt modelId="{C54A5D08-76CC-481E-88BA-B7E041BD5456}" type="pres">
       <dgm:prSet presAssocID="{E9D10807-D0ED-4014-9724-3F0B7E0BBFA8}" presName="rootComposite" presStyleCnt="0"/>
       <dgm:spPr/>
+      <dgm:t>
+        <a:bodyPr/>
+        <a:lstStyle/>
+        <a:p>
+          <a:endParaRPr lang="nb-NO"/>
+        </a:p>
+      </dgm:t>
     </dgm:pt>
     <dgm:pt modelId="{9C4E414B-A425-4DA2-AFFA-05704A0C17DC}" type="pres">
-      <dgm:prSet presAssocID="{E9D10807-D0ED-4014-9724-3F0B7E0BBFA8}" presName="rootText" presStyleLbl="node4" presStyleIdx="16" presStyleCnt="20" custScaleX="83876" custScaleY="81364">
+      <dgm:prSet presAssocID="{E9D10807-D0ED-4014-9724-3F0B7E0BBFA8}" presName="rootText" presStyleLbl="node4" presStyleIdx="16" presStyleCnt="22" custScaleX="83876" custScaleY="81364">
         <dgm:presLayoutVars>
           <dgm:chPref val="3"/>
         </dgm:presLayoutVars>
@@ -5971,7 +7835,7 @@
       </dgm:t>
     </dgm:pt>
     <dgm:pt modelId="{B223C9B4-7C22-49AC-AD67-F4EE80F3A807}" type="pres">
-      <dgm:prSet presAssocID="{E9D10807-D0ED-4014-9724-3F0B7E0BBFA8}" presName="rootConnector" presStyleLbl="node4" presStyleIdx="16" presStyleCnt="20"/>
+      <dgm:prSet presAssocID="{E9D10807-D0ED-4014-9724-3F0B7E0BBFA8}" presName="rootConnector" presStyleLbl="node4" presStyleIdx="16" presStyleCnt="22"/>
       <dgm:spPr/>
       <dgm:t>
         <a:bodyPr/>
@@ -5984,13 +7848,27 @@
     <dgm:pt modelId="{B42553CC-B69E-4BC7-BD97-F5F657F73495}" type="pres">
       <dgm:prSet presAssocID="{E9D10807-D0ED-4014-9724-3F0B7E0BBFA8}" presName="hierChild4" presStyleCnt="0"/>
       <dgm:spPr/>
+      <dgm:t>
+        <a:bodyPr/>
+        <a:lstStyle/>
+        <a:p>
+          <a:endParaRPr lang="nb-NO"/>
+        </a:p>
+      </dgm:t>
     </dgm:pt>
     <dgm:pt modelId="{FED46867-9F6A-4BB0-8BA6-84FAF9B746FA}" type="pres">
       <dgm:prSet presAssocID="{E9D10807-D0ED-4014-9724-3F0B7E0BBFA8}" presName="hierChild5" presStyleCnt="0"/>
       <dgm:spPr/>
+      <dgm:t>
+        <a:bodyPr/>
+        <a:lstStyle/>
+        <a:p>
+          <a:endParaRPr lang="nb-NO"/>
+        </a:p>
+      </dgm:t>
     </dgm:pt>
     <dgm:pt modelId="{9CBB51A0-7E01-4BA7-A033-4AF8C10FF9F2}" type="pres">
-      <dgm:prSet presAssocID="{115FF7EE-A848-41F1-A50A-DD0B956D0B88}" presName="Name37" presStyleLbl="parChTrans1D4" presStyleIdx="17" presStyleCnt="20"/>
+      <dgm:prSet presAssocID="{115FF7EE-A848-41F1-A50A-DD0B956D0B88}" presName="Name37" presStyleLbl="parChTrans1D4" presStyleIdx="17" presStyleCnt="22"/>
       <dgm:spPr/>
       <dgm:t>
         <a:bodyPr/>
@@ -6007,13 +7885,27 @@
         </dgm:presLayoutVars>
       </dgm:prSet>
       <dgm:spPr/>
+      <dgm:t>
+        <a:bodyPr/>
+        <a:lstStyle/>
+        <a:p>
+          <a:endParaRPr lang="nb-NO"/>
+        </a:p>
+      </dgm:t>
     </dgm:pt>
     <dgm:pt modelId="{262AFB81-CAA5-4665-B085-94A939431BAE}" type="pres">
       <dgm:prSet presAssocID="{E89F140B-F088-40FC-BE98-59467D811621}" presName="rootComposite" presStyleCnt="0"/>
       <dgm:spPr/>
+      <dgm:t>
+        <a:bodyPr/>
+        <a:lstStyle/>
+        <a:p>
+          <a:endParaRPr lang="nb-NO"/>
+        </a:p>
+      </dgm:t>
     </dgm:pt>
     <dgm:pt modelId="{E55C1A4E-3864-49EA-94DA-A061B38493CC}" type="pres">
-      <dgm:prSet presAssocID="{E89F140B-F088-40FC-BE98-59467D811621}" presName="rootText" presStyleLbl="node4" presStyleIdx="17" presStyleCnt="20" custScaleX="83876" custScaleY="81364">
+      <dgm:prSet presAssocID="{E89F140B-F088-40FC-BE98-59467D811621}" presName="rootText" presStyleLbl="node4" presStyleIdx="17" presStyleCnt="22" custScaleX="83876" custScaleY="81364">
         <dgm:presLayoutVars>
           <dgm:chPref val="3"/>
         </dgm:presLayoutVars>
@@ -6028,7 +7920,7 @@
       </dgm:t>
     </dgm:pt>
     <dgm:pt modelId="{1AFBCD00-52B8-4D63-A2AF-D6EB93C463E5}" type="pres">
-      <dgm:prSet presAssocID="{E89F140B-F088-40FC-BE98-59467D811621}" presName="rootConnector" presStyleLbl="node4" presStyleIdx="17" presStyleCnt="20"/>
+      <dgm:prSet presAssocID="{E89F140B-F088-40FC-BE98-59467D811621}" presName="rootConnector" presStyleLbl="node4" presStyleIdx="17" presStyleCnt="22"/>
       <dgm:spPr/>
       <dgm:t>
         <a:bodyPr/>
@@ -6041,13 +7933,27 @@
     <dgm:pt modelId="{2F0DF1E1-8AE2-47AF-A386-A3636575EF26}" type="pres">
       <dgm:prSet presAssocID="{E89F140B-F088-40FC-BE98-59467D811621}" presName="hierChild4" presStyleCnt="0"/>
       <dgm:spPr/>
+      <dgm:t>
+        <a:bodyPr/>
+        <a:lstStyle/>
+        <a:p>
+          <a:endParaRPr lang="nb-NO"/>
+        </a:p>
+      </dgm:t>
     </dgm:pt>
     <dgm:pt modelId="{75C5DBA3-6DF0-400C-9668-43ECA9766BDC}" type="pres">
       <dgm:prSet presAssocID="{E89F140B-F088-40FC-BE98-59467D811621}" presName="hierChild5" presStyleCnt="0"/>
       <dgm:spPr/>
+      <dgm:t>
+        <a:bodyPr/>
+        <a:lstStyle/>
+        <a:p>
+          <a:endParaRPr lang="nb-NO"/>
+        </a:p>
+      </dgm:t>
     </dgm:pt>
     <dgm:pt modelId="{5F187E70-CE21-445A-A027-62F7814CDC54}" type="pres">
-      <dgm:prSet presAssocID="{3F8C432B-19EE-4D0F-B1F6-AE55DEADBD78}" presName="Name37" presStyleLbl="parChTrans1D4" presStyleIdx="18" presStyleCnt="20"/>
+      <dgm:prSet presAssocID="{3F8C432B-19EE-4D0F-B1F6-AE55DEADBD78}" presName="Name37" presStyleLbl="parChTrans1D4" presStyleIdx="18" presStyleCnt="22"/>
       <dgm:spPr/>
       <dgm:t>
         <a:bodyPr/>
@@ -6064,13 +7970,27 @@
         </dgm:presLayoutVars>
       </dgm:prSet>
       <dgm:spPr/>
+      <dgm:t>
+        <a:bodyPr/>
+        <a:lstStyle/>
+        <a:p>
+          <a:endParaRPr lang="nb-NO"/>
+        </a:p>
+      </dgm:t>
     </dgm:pt>
     <dgm:pt modelId="{0809FE81-CD9C-4783-9A98-F52F687A3AB4}" type="pres">
       <dgm:prSet presAssocID="{E3784866-5079-48A1-8C65-5C1C9D9F351C}" presName="rootComposite" presStyleCnt="0"/>
       <dgm:spPr/>
+      <dgm:t>
+        <a:bodyPr/>
+        <a:lstStyle/>
+        <a:p>
+          <a:endParaRPr lang="nb-NO"/>
+        </a:p>
+      </dgm:t>
     </dgm:pt>
     <dgm:pt modelId="{766441B4-B8A8-4699-81BE-69FA6C2DABFF}" type="pres">
-      <dgm:prSet presAssocID="{E3784866-5079-48A1-8C65-5C1C9D9F351C}" presName="rootText" presStyleLbl="node4" presStyleIdx="18" presStyleCnt="20" custScaleX="83876" custScaleY="81364">
+      <dgm:prSet presAssocID="{E3784866-5079-48A1-8C65-5C1C9D9F351C}" presName="rootText" presStyleLbl="node4" presStyleIdx="18" presStyleCnt="22" custScaleX="83876" custScaleY="81364">
         <dgm:presLayoutVars>
           <dgm:chPref val="3"/>
         </dgm:presLayoutVars>
@@ -6085,7 +8005,7 @@
       </dgm:t>
     </dgm:pt>
     <dgm:pt modelId="{1D35D496-CD0E-4191-B6C8-15EBDC8510D8}" type="pres">
-      <dgm:prSet presAssocID="{E3784866-5079-48A1-8C65-5C1C9D9F351C}" presName="rootConnector" presStyleLbl="node4" presStyleIdx="18" presStyleCnt="20"/>
+      <dgm:prSet presAssocID="{E3784866-5079-48A1-8C65-5C1C9D9F351C}" presName="rootConnector" presStyleLbl="node4" presStyleIdx="18" presStyleCnt="22"/>
       <dgm:spPr/>
       <dgm:t>
         <a:bodyPr/>
@@ -6098,13 +8018,27 @@
     <dgm:pt modelId="{45723CA0-08DA-4C51-BE7E-2A4393BDBA9C}" type="pres">
       <dgm:prSet presAssocID="{E3784866-5079-48A1-8C65-5C1C9D9F351C}" presName="hierChild4" presStyleCnt="0"/>
       <dgm:spPr/>
+      <dgm:t>
+        <a:bodyPr/>
+        <a:lstStyle/>
+        <a:p>
+          <a:endParaRPr lang="nb-NO"/>
+        </a:p>
+      </dgm:t>
     </dgm:pt>
     <dgm:pt modelId="{030DD6A6-21BF-432A-9A42-525DAE4313B2}" type="pres">
       <dgm:prSet presAssocID="{E3784866-5079-48A1-8C65-5C1C9D9F351C}" presName="hierChild5" presStyleCnt="0"/>
       <dgm:spPr/>
+      <dgm:t>
+        <a:bodyPr/>
+        <a:lstStyle/>
+        <a:p>
+          <a:endParaRPr lang="nb-NO"/>
+        </a:p>
+      </dgm:t>
     </dgm:pt>
     <dgm:pt modelId="{8842AA57-DB09-4A9C-9C4C-D2383C18400B}" type="pres">
-      <dgm:prSet presAssocID="{5B2848D0-14AE-442B-B9D1-35BFAB2E387C}" presName="Name37" presStyleLbl="parChTrans1D4" presStyleIdx="19" presStyleCnt="20"/>
+      <dgm:prSet presAssocID="{5B2848D0-14AE-442B-B9D1-35BFAB2E387C}" presName="Name37" presStyleLbl="parChTrans1D4" presStyleIdx="19" presStyleCnt="22"/>
       <dgm:spPr/>
       <dgm:t>
         <a:bodyPr/>
@@ -6121,13 +8055,27 @@
         </dgm:presLayoutVars>
       </dgm:prSet>
       <dgm:spPr/>
+      <dgm:t>
+        <a:bodyPr/>
+        <a:lstStyle/>
+        <a:p>
+          <a:endParaRPr lang="nb-NO"/>
+        </a:p>
+      </dgm:t>
     </dgm:pt>
     <dgm:pt modelId="{FCA04C74-4D91-4C9A-8DB2-CF1AC4AC2D66}" type="pres">
       <dgm:prSet presAssocID="{60FBE8D4-75D7-4CAD-8908-CAE65E181666}" presName="rootComposite" presStyleCnt="0"/>
       <dgm:spPr/>
+      <dgm:t>
+        <a:bodyPr/>
+        <a:lstStyle/>
+        <a:p>
+          <a:endParaRPr lang="nb-NO"/>
+        </a:p>
+      </dgm:t>
     </dgm:pt>
     <dgm:pt modelId="{4E073421-6C6C-4A62-B266-87426BA3804A}" type="pres">
-      <dgm:prSet presAssocID="{60FBE8D4-75D7-4CAD-8908-CAE65E181666}" presName="rootText" presStyleLbl="node4" presStyleIdx="19" presStyleCnt="20" custScaleX="83876" custScaleY="81364">
+      <dgm:prSet presAssocID="{60FBE8D4-75D7-4CAD-8908-CAE65E181666}" presName="rootText" presStyleLbl="node4" presStyleIdx="19" presStyleCnt="22" custScaleX="83876" custScaleY="81364">
         <dgm:presLayoutVars>
           <dgm:chPref val="3"/>
         </dgm:presLayoutVars>
@@ -6142,7 +8090,7 @@
       </dgm:t>
     </dgm:pt>
     <dgm:pt modelId="{5113C752-D949-4A96-BC50-7DCCF8B3328F}" type="pres">
-      <dgm:prSet presAssocID="{60FBE8D4-75D7-4CAD-8908-CAE65E181666}" presName="rootConnector" presStyleLbl="node4" presStyleIdx="19" presStyleCnt="20"/>
+      <dgm:prSet presAssocID="{60FBE8D4-75D7-4CAD-8908-CAE65E181666}" presName="rootConnector" presStyleLbl="node4" presStyleIdx="19" presStyleCnt="22"/>
       <dgm:spPr/>
       <dgm:t>
         <a:bodyPr/>
@@ -6155,189 +8103,1124 @@
     <dgm:pt modelId="{722ECE1C-E482-4A81-92E7-C1B131C25B89}" type="pres">
       <dgm:prSet presAssocID="{60FBE8D4-75D7-4CAD-8908-CAE65E181666}" presName="hierChild4" presStyleCnt="0"/>
       <dgm:spPr/>
+      <dgm:t>
+        <a:bodyPr/>
+        <a:lstStyle/>
+        <a:p>
+          <a:endParaRPr lang="nb-NO"/>
+        </a:p>
+      </dgm:t>
     </dgm:pt>
     <dgm:pt modelId="{8B5A03F0-DDEA-499F-BFCE-8205B78D5220}" type="pres">
       <dgm:prSet presAssocID="{60FBE8D4-75D7-4CAD-8908-CAE65E181666}" presName="hierChild5" presStyleCnt="0"/>
       <dgm:spPr/>
+      <dgm:t>
+        <a:bodyPr/>
+        <a:lstStyle/>
+        <a:p>
+          <a:endParaRPr lang="nb-NO"/>
+        </a:p>
+      </dgm:t>
     </dgm:pt>
     <dgm:pt modelId="{BA198322-7172-4496-B86E-EB6CA0E4DB81}" type="pres">
       <dgm:prSet presAssocID="{AC9EFDF2-1E89-413C-A544-762CE1A4F8C0}" presName="hierChild5" presStyleCnt="0"/>
       <dgm:spPr/>
+      <dgm:t>
+        <a:bodyPr/>
+        <a:lstStyle/>
+        <a:p>
+          <a:endParaRPr lang="nb-NO"/>
+        </a:p>
+      </dgm:t>
     </dgm:pt>
     <dgm:pt modelId="{3FF67B65-BFC6-4D94-B2A9-4072266413E2}" type="pres">
       <dgm:prSet presAssocID="{388B03AE-1583-4706-A7BB-BA764C869B0C}" presName="hierChild5" presStyleCnt="0"/>
       <dgm:spPr/>
+      <dgm:t>
+        <a:bodyPr/>
+        <a:lstStyle/>
+        <a:p>
+          <a:endParaRPr lang="nb-NO"/>
+        </a:p>
+      </dgm:t>
+    </dgm:pt>
+    <dgm:pt modelId="{31DC9AAE-59E5-4408-A0B7-8173CA5517B6}" type="pres">
+      <dgm:prSet presAssocID="{C519C543-625E-49DD-AF54-033354FFF0DF}" presName="Name37" presStyleLbl="parChTrans1D2" presStyleIdx="5" presStyleCnt="8"/>
+      <dgm:spPr/>
+      <dgm:t>
+        <a:bodyPr/>
+        <a:lstStyle/>
+        <a:p>
+          <a:endParaRPr lang="nb-NO"/>
+        </a:p>
+      </dgm:t>
+    </dgm:pt>
+    <dgm:pt modelId="{A027E60A-6C53-40ED-8E8D-905DE8E95A72}" type="pres">
+      <dgm:prSet presAssocID="{EE885740-B09E-4BF7-91EA-7D5BE0CC34D9}" presName="hierRoot2" presStyleCnt="0">
+        <dgm:presLayoutVars>
+          <dgm:hierBranch val="init"/>
+        </dgm:presLayoutVars>
+      </dgm:prSet>
+      <dgm:spPr/>
+      <dgm:t>
+        <a:bodyPr/>
+        <a:lstStyle/>
+        <a:p>
+          <a:endParaRPr lang="nb-NO"/>
+        </a:p>
+      </dgm:t>
+    </dgm:pt>
+    <dgm:pt modelId="{630F9CB3-114D-4780-9815-ADB2F1E0B457}" type="pres">
+      <dgm:prSet presAssocID="{EE885740-B09E-4BF7-91EA-7D5BE0CC34D9}" presName="rootComposite" presStyleCnt="0"/>
+      <dgm:spPr/>
+      <dgm:t>
+        <a:bodyPr/>
+        <a:lstStyle/>
+        <a:p>
+          <a:endParaRPr lang="nb-NO"/>
+        </a:p>
+      </dgm:t>
+    </dgm:pt>
+    <dgm:pt modelId="{884FAFCF-9AB1-4841-B81A-42C91DEBF4D4}" type="pres">
+      <dgm:prSet presAssocID="{EE885740-B09E-4BF7-91EA-7D5BE0CC34D9}" presName="rootText" presStyleLbl="node2" presStyleIdx="5" presStyleCnt="8" custScaleX="83876" custScaleY="81364">
+        <dgm:presLayoutVars>
+          <dgm:chPref val="3"/>
+        </dgm:presLayoutVars>
+      </dgm:prSet>
+      <dgm:spPr/>
+      <dgm:t>
+        <a:bodyPr/>
+        <a:lstStyle/>
+        <a:p>
+          <a:endParaRPr lang="nb-NO"/>
+        </a:p>
+      </dgm:t>
+    </dgm:pt>
+    <dgm:pt modelId="{C67225CA-FAA3-4E27-9AA5-514986BCB57D}" type="pres">
+      <dgm:prSet presAssocID="{EE885740-B09E-4BF7-91EA-7D5BE0CC34D9}" presName="rootConnector" presStyleLbl="node2" presStyleIdx="5" presStyleCnt="8"/>
+      <dgm:spPr/>
+      <dgm:t>
+        <a:bodyPr/>
+        <a:lstStyle/>
+        <a:p>
+          <a:endParaRPr lang="nb-NO"/>
+        </a:p>
+      </dgm:t>
+    </dgm:pt>
+    <dgm:pt modelId="{0002E467-A20B-4639-AE3F-DAE56D2C0529}" type="pres">
+      <dgm:prSet presAssocID="{EE885740-B09E-4BF7-91EA-7D5BE0CC34D9}" presName="hierChild4" presStyleCnt="0"/>
+      <dgm:spPr/>
+      <dgm:t>
+        <a:bodyPr/>
+        <a:lstStyle/>
+        <a:p>
+          <a:endParaRPr lang="nb-NO"/>
+        </a:p>
+      </dgm:t>
+    </dgm:pt>
+    <dgm:pt modelId="{59EACFD1-CF99-4771-82BE-8DA492876C2F}" type="pres">
+      <dgm:prSet presAssocID="{F592E2EC-DC54-4A46-BD61-883E209773A3}" presName="Name37" presStyleLbl="parChTrans1D3" presStyleIdx="15" presStyleCnt="22"/>
+      <dgm:spPr/>
+      <dgm:t>
+        <a:bodyPr/>
+        <a:lstStyle/>
+        <a:p>
+          <a:endParaRPr lang="nb-NO"/>
+        </a:p>
+      </dgm:t>
+    </dgm:pt>
+    <dgm:pt modelId="{6637F8F4-80E2-4EFC-96C9-1522C1827E31}" type="pres">
+      <dgm:prSet presAssocID="{DE98661A-2A86-4E5B-BEBB-28CFE600295D}" presName="hierRoot2" presStyleCnt="0">
+        <dgm:presLayoutVars>
+          <dgm:hierBranch val="init"/>
+        </dgm:presLayoutVars>
+      </dgm:prSet>
+      <dgm:spPr/>
+      <dgm:t>
+        <a:bodyPr/>
+        <a:lstStyle/>
+        <a:p>
+          <a:endParaRPr lang="nb-NO"/>
+        </a:p>
+      </dgm:t>
+    </dgm:pt>
+    <dgm:pt modelId="{A448F2C7-8009-487E-8A5A-5E05973853E3}" type="pres">
+      <dgm:prSet presAssocID="{DE98661A-2A86-4E5B-BEBB-28CFE600295D}" presName="rootComposite" presStyleCnt="0"/>
+      <dgm:spPr/>
+      <dgm:t>
+        <a:bodyPr/>
+        <a:lstStyle/>
+        <a:p>
+          <a:endParaRPr lang="nb-NO"/>
+        </a:p>
+      </dgm:t>
+    </dgm:pt>
+    <dgm:pt modelId="{A7CA35FA-0C3F-4D23-A223-B97EECACEF17}" type="pres">
+      <dgm:prSet presAssocID="{DE98661A-2A86-4E5B-BEBB-28CFE600295D}" presName="rootText" presStyleLbl="node3" presStyleIdx="15" presStyleCnt="22">
+        <dgm:presLayoutVars>
+          <dgm:chPref val="3"/>
+        </dgm:presLayoutVars>
+      </dgm:prSet>
+      <dgm:spPr/>
+      <dgm:t>
+        <a:bodyPr/>
+        <a:lstStyle/>
+        <a:p>
+          <a:endParaRPr lang="nb-NO"/>
+        </a:p>
+      </dgm:t>
+    </dgm:pt>
+    <dgm:pt modelId="{1D1FB9AF-E56B-4BF2-86AD-D0757036F1B7}" type="pres">
+      <dgm:prSet presAssocID="{DE98661A-2A86-4E5B-BEBB-28CFE600295D}" presName="rootConnector" presStyleLbl="node3" presStyleIdx="15" presStyleCnt="22"/>
+      <dgm:spPr/>
+      <dgm:t>
+        <a:bodyPr/>
+        <a:lstStyle/>
+        <a:p>
+          <a:endParaRPr lang="nb-NO"/>
+        </a:p>
+      </dgm:t>
+    </dgm:pt>
+    <dgm:pt modelId="{C319D9B6-D0D3-4667-B03D-1744A4531A93}" type="pres">
+      <dgm:prSet presAssocID="{DE98661A-2A86-4E5B-BEBB-28CFE600295D}" presName="hierChild4" presStyleCnt="0"/>
+      <dgm:spPr/>
+      <dgm:t>
+        <a:bodyPr/>
+        <a:lstStyle/>
+        <a:p>
+          <a:endParaRPr lang="nb-NO"/>
+        </a:p>
+      </dgm:t>
+    </dgm:pt>
+    <dgm:pt modelId="{2D17565E-5AF8-414A-B15F-CC144041D816}" type="pres">
+      <dgm:prSet presAssocID="{342F7B73-D266-4312-821E-4409FCDECE50}" presName="Name37" presStyleLbl="parChTrans1D4" presStyleIdx="20" presStyleCnt="22"/>
+      <dgm:spPr/>
+      <dgm:t>
+        <a:bodyPr/>
+        <a:lstStyle/>
+        <a:p>
+          <a:endParaRPr lang="nb-NO"/>
+        </a:p>
+      </dgm:t>
+    </dgm:pt>
+    <dgm:pt modelId="{D518CF7D-D438-4080-9B4A-6EFDB40C9958}" type="pres">
+      <dgm:prSet presAssocID="{83162824-B7B0-48B0-B21A-2AC417FBEC99}" presName="hierRoot2" presStyleCnt="0">
+        <dgm:presLayoutVars>
+          <dgm:hierBranch val="init"/>
+        </dgm:presLayoutVars>
+      </dgm:prSet>
+      <dgm:spPr/>
+    </dgm:pt>
+    <dgm:pt modelId="{2C696D02-AA30-404E-A636-FC389614819A}" type="pres">
+      <dgm:prSet presAssocID="{83162824-B7B0-48B0-B21A-2AC417FBEC99}" presName="rootComposite" presStyleCnt="0"/>
+      <dgm:spPr/>
+    </dgm:pt>
+    <dgm:pt modelId="{2A47ED97-16E2-4D9F-8AAE-E1FB4E603423}" type="pres">
+      <dgm:prSet presAssocID="{83162824-B7B0-48B0-B21A-2AC417FBEC99}" presName="rootText" presStyleLbl="node4" presStyleIdx="20" presStyleCnt="22">
+        <dgm:presLayoutVars>
+          <dgm:chPref val="3"/>
+        </dgm:presLayoutVars>
+      </dgm:prSet>
+      <dgm:spPr/>
+      <dgm:t>
+        <a:bodyPr/>
+        <a:lstStyle/>
+        <a:p>
+          <a:endParaRPr lang="nb-NO"/>
+        </a:p>
+      </dgm:t>
+    </dgm:pt>
+    <dgm:pt modelId="{7900D53E-0B0A-4930-9247-BE44BDA20A27}" type="pres">
+      <dgm:prSet presAssocID="{83162824-B7B0-48B0-B21A-2AC417FBEC99}" presName="rootConnector" presStyleLbl="node4" presStyleIdx="20" presStyleCnt="22"/>
+      <dgm:spPr/>
+      <dgm:t>
+        <a:bodyPr/>
+        <a:lstStyle/>
+        <a:p>
+          <a:endParaRPr lang="nb-NO"/>
+        </a:p>
+      </dgm:t>
+    </dgm:pt>
+    <dgm:pt modelId="{A6566715-0E72-4394-9F25-DA643DA68A29}" type="pres">
+      <dgm:prSet presAssocID="{83162824-B7B0-48B0-B21A-2AC417FBEC99}" presName="hierChild4" presStyleCnt="0"/>
+      <dgm:spPr/>
+    </dgm:pt>
+    <dgm:pt modelId="{21BC89E0-4CDD-468E-8386-31FF4720F50D}" type="pres">
+      <dgm:prSet presAssocID="{83162824-B7B0-48B0-B21A-2AC417FBEC99}" presName="hierChild5" presStyleCnt="0"/>
+      <dgm:spPr/>
+    </dgm:pt>
+    <dgm:pt modelId="{E1FA6BC1-BD21-4885-80FA-C5F851B55EAC}" type="pres">
+      <dgm:prSet presAssocID="{DE98661A-2A86-4E5B-BEBB-28CFE600295D}" presName="hierChild5" presStyleCnt="0"/>
+      <dgm:spPr/>
+      <dgm:t>
+        <a:bodyPr/>
+        <a:lstStyle/>
+        <a:p>
+          <a:endParaRPr lang="nb-NO"/>
+        </a:p>
+      </dgm:t>
+    </dgm:pt>
+    <dgm:pt modelId="{7B686A3D-3A68-4839-B994-27C1267BCE44}" type="pres">
+      <dgm:prSet presAssocID="{22738289-E6E9-4271-A85A-E248B6921259}" presName="Name37" presStyleLbl="parChTrans1D3" presStyleIdx="16" presStyleCnt="22"/>
+      <dgm:spPr/>
+      <dgm:t>
+        <a:bodyPr/>
+        <a:lstStyle/>
+        <a:p>
+          <a:endParaRPr lang="nb-NO"/>
+        </a:p>
+      </dgm:t>
+    </dgm:pt>
+    <dgm:pt modelId="{5519FC38-3429-4CD1-89A9-6FDFE9FC641A}" type="pres">
+      <dgm:prSet presAssocID="{91B4F49E-8C51-4ED5-846D-7687744653B7}" presName="hierRoot2" presStyleCnt="0">
+        <dgm:presLayoutVars>
+          <dgm:hierBranch val="init"/>
+        </dgm:presLayoutVars>
+      </dgm:prSet>
+      <dgm:spPr/>
+    </dgm:pt>
+    <dgm:pt modelId="{2EB61ACC-8710-4DC8-AAC3-B1A776CD0CBD}" type="pres">
+      <dgm:prSet presAssocID="{91B4F49E-8C51-4ED5-846D-7687744653B7}" presName="rootComposite" presStyleCnt="0"/>
+      <dgm:spPr/>
+    </dgm:pt>
+    <dgm:pt modelId="{97AFF7B0-F91B-4C96-9FFA-70E15E87645F}" type="pres">
+      <dgm:prSet presAssocID="{91B4F49E-8C51-4ED5-846D-7687744653B7}" presName="rootText" presStyleLbl="node3" presStyleIdx="16" presStyleCnt="22">
+        <dgm:presLayoutVars>
+          <dgm:chPref val="3"/>
+        </dgm:presLayoutVars>
+      </dgm:prSet>
+      <dgm:spPr/>
+      <dgm:t>
+        <a:bodyPr/>
+        <a:lstStyle/>
+        <a:p>
+          <a:endParaRPr lang="nb-NO"/>
+        </a:p>
+      </dgm:t>
+    </dgm:pt>
+    <dgm:pt modelId="{1199E26E-2182-479E-B76A-05D902C45189}" type="pres">
+      <dgm:prSet presAssocID="{91B4F49E-8C51-4ED5-846D-7687744653B7}" presName="rootConnector" presStyleLbl="node3" presStyleIdx="16" presStyleCnt="22"/>
+      <dgm:spPr/>
+      <dgm:t>
+        <a:bodyPr/>
+        <a:lstStyle/>
+        <a:p>
+          <a:endParaRPr lang="nb-NO"/>
+        </a:p>
+      </dgm:t>
+    </dgm:pt>
+    <dgm:pt modelId="{F617ABB1-6D27-4A1F-AE7C-E4570EDC7BE0}" type="pres">
+      <dgm:prSet presAssocID="{91B4F49E-8C51-4ED5-846D-7687744653B7}" presName="hierChild4" presStyleCnt="0"/>
+      <dgm:spPr/>
+    </dgm:pt>
+    <dgm:pt modelId="{B30CB6A2-3817-49E3-B1D4-9914AA96BFF6}" type="pres">
+      <dgm:prSet presAssocID="{E96931EC-3002-4583-9032-C57D0456992A}" presName="Name37" presStyleLbl="parChTrans1D4" presStyleIdx="21" presStyleCnt="22"/>
+      <dgm:spPr/>
+      <dgm:t>
+        <a:bodyPr/>
+        <a:lstStyle/>
+        <a:p>
+          <a:endParaRPr lang="nb-NO"/>
+        </a:p>
+      </dgm:t>
+    </dgm:pt>
+    <dgm:pt modelId="{DB303332-C97B-4062-9B0E-CD158BAD55D2}" type="pres">
+      <dgm:prSet presAssocID="{2D6B2F8B-B6CF-426B-A404-054170C92F9D}" presName="hierRoot2" presStyleCnt="0">
+        <dgm:presLayoutVars>
+          <dgm:hierBranch val="init"/>
+        </dgm:presLayoutVars>
+      </dgm:prSet>
+      <dgm:spPr/>
+    </dgm:pt>
+    <dgm:pt modelId="{3CA0471A-BB73-46DE-B11F-495B430CBE29}" type="pres">
+      <dgm:prSet presAssocID="{2D6B2F8B-B6CF-426B-A404-054170C92F9D}" presName="rootComposite" presStyleCnt="0"/>
+      <dgm:spPr/>
+    </dgm:pt>
+    <dgm:pt modelId="{D0BE9265-7754-430B-B93E-2D2D15EF8974}" type="pres">
+      <dgm:prSet presAssocID="{2D6B2F8B-B6CF-426B-A404-054170C92F9D}" presName="rootText" presStyleLbl="node4" presStyleIdx="21" presStyleCnt="22">
+        <dgm:presLayoutVars>
+          <dgm:chPref val="3"/>
+        </dgm:presLayoutVars>
+      </dgm:prSet>
+      <dgm:spPr/>
+      <dgm:t>
+        <a:bodyPr/>
+        <a:lstStyle/>
+        <a:p>
+          <a:endParaRPr lang="nb-NO"/>
+        </a:p>
+      </dgm:t>
+    </dgm:pt>
+    <dgm:pt modelId="{F4BA0C1D-5C25-4E73-8144-9BF4D7BD4CF3}" type="pres">
+      <dgm:prSet presAssocID="{2D6B2F8B-B6CF-426B-A404-054170C92F9D}" presName="rootConnector" presStyleLbl="node4" presStyleIdx="21" presStyleCnt="22"/>
+      <dgm:spPr/>
+      <dgm:t>
+        <a:bodyPr/>
+        <a:lstStyle/>
+        <a:p>
+          <a:endParaRPr lang="nb-NO"/>
+        </a:p>
+      </dgm:t>
+    </dgm:pt>
+    <dgm:pt modelId="{A4662478-D467-457D-AA31-7C64F71D8337}" type="pres">
+      <dgm:prSet presAssocID="{2D6B2F8B-B6CF-426B-A404-054170C92F9D}" presName="hierChild4" presStyleCnt="0"/>
+      <dgm:spPr/>
+    </dgm:pt>
+    <dgm:pt modelId="{FC645CA2-4F38-479A-B9FD-19796E0E3653}" type="pres">
+      <dgm:prSet presAssocID="{2D6B2F8B-B6CF-426B-A404-054170C92F9D}" presName="hierChild5" presStyleCnt="0"/>
+      <dgm:spPr/>
+    </dgm:pt>
+    <dgm:pt modelId="{7D081232-6236-4F61-8D87-5C4EB0E9B2C4}" type="pres">
+      <dgm:prSet presAssocID="{91B4F49E-8C51-4ED5-846D-7687744653B7}" presName="hierChild5" presStyleCnt="0"/>
+      <dgm:spPr/>
+    </dgm:pt>
+    <dgm:pt modelId="{D3CA0018-1057-41D7-83AF-A092DE53911C}" type="pres">
+      <dgm:prSet presAssocID="{EE885740-B09E-4BF7-91EA-7D5BE0CC34D9}" presName="hierChild5" presStyleCnt="0"/>
+      <dgm:spPr/>
+      <dgm:t>
+        <a:bodyPr/>
+        <a:lstStyle/>
+        <a:p>
+          <a:endParaRPr lang="nb-NO"/>
+        </a:p>
+      </dgm:t>
+    </dgm:pt>
+    <dgm:pt modelId="{B44A278F-86FE-491B-AFFE-823D65D6F32E}" type="pres">
+      <dgm:prSet presAssocID="{3A749A3F-1C10-4426-A711-E367F9179400}" presName="Name37" presStyleLbl="parChTrans1D2" presStyleIdx="6" presStyleCnt="8"/>
+      <dgm:spPr/>
+      <dgm:t>
+        <a:bodyPr/>
+        <a:lstStyle/>
+        <a:p>
+          <a:endParaRPr lang="nb-NO"/>
+        </a:p>
+      </dgm:t>
+    </dgm:pt>
+    <dgm:pt modelId="{2EB3D6A8-C147-4830-A757-D5E2B101D027}" type="pres">
+      <dgm:prSet presAssocID="{E129A0A3-02E8-44C7-A471-F10CE622EEE2}" presName="hierRoot2" presStyleCnt="0">
+        <dgm:presLayoutVars>
+          <dgm:hierBranch val="init"/>
+        </dgm:presLayoutVars>
+      </dgm:prSet>
+      <dgm:spPr/>
+      <dgm:t>
+        <a:bodyPr/>
+        <a:lstStyle/>
+        <a:p>
+          <a:endParaRPr lang="nb-NO"/>
+        </a:p>
+      </dgm:t>
+    </dgm:pt>
+    <dgm:pt modelId="{5B0452A8-CA66-4545-BFDF-6039C1693AC7}" type="pres">
+      <dgm:prSet presAssocID="{E129A0A3-02E8-44C7-A471-F10CE622EEE2}" presName="rootComposite" presStyleCnt="0"/>
+      <dgm:spPr/>
+      <dgm:t>
+        <a:bodyPr/>
+        <a:lstStyle/>
+        <a:p>
+          <a:endParaRPr lang="nb-NO"/>
+        </a:p>
+      </dgm:t>
+    </dgm:pt>
+    <dgm:pt modelId="{E8AF00D2-BB93-469E-A36A-6AD7C13875D0}" type="pres">
+      <dgm:prSet presAssocID="{E129A0A3-02E8-44C7-A471-F10CE622EEE2}" presName="rootText" presStyleLbl="node2" presStyleIdx="6" presStyleCnt="8" custScaleX="83876" custScaleY="81364">
+        <dgm:presLayoutVars>
+          <dgm:chPref val="3"/>
+        </dgm:presLayoutVars>
+      </dgm:prSet>
+      <dgm:spPr/>
+      <dgm:t>
+        <a:bodyPr/>
+        <a:lstStyle/>
+        <a:p>
+          <a:endParaRPr lang="nb-NO"/>
+        </a:p>
+      </dgm:t>
+    </dgm:pt>
+    <dgm:pt modelId="{DFFDB907-47D0-42CF-9EF9-19AD1F11C082}" type="pres">
+      <dgm:prSet presAssocID="{E129A0A3-02E8-44C7-A471-F10CE622EEE2}" presName="rootConnector" presStyleLbl="node2" presStyleIdx="6" presStyleCnt="8"/>
+      <dgm:spPr/>
+      <dgm:t>
+        <a:bodyPr/>
+        <a:lstStyle/>
+        <a:p>
+          <a:endParaRPr lang="nb-NO"/>
+        </a:p>
+      </dgm:t>
+    </dgm:pt>
+    <dgm:pt modelId="{94BC2431-A90C-44E2-B457-113AA18F10E2}" type="pres">
+      <dgm:prSet presAssocID="{E129A0A3-02E8-44C7-A471-F10CE622EEE2}" presName="hierChild4" presStyleCnt="0"/>
+      <dgm:spPr/>
+      <dgm:t>
+        <a:bodyPr/>
+        <a:lstStyle/>
+        <a:p>
+          <a:endParaRPr lang="nb-NO"/>
+        </a:p>
+      </dgm:t>
+    </dgm:pt>
+    <dgm:pt modelId="{EE5565CD-CF13-487F-A639-81EB419FED5F}" type="pres">
+      <dgm:prSet presAssocID="{33E5B74F-462A-4908-BA0C-E4B4BF8620A1}" presName="Name37" presStyleLbl="parChTrans1D3" presStyleIdx="17" presStyleCnt="22"/>
+      <dgm:spPr/>
+      <dgm:t>
+        <a:bodyPr/>
+        <a:lstStyle/>
+        <a:p>
+          <a:endParaRPr lang="nb-NO"/>
+        </a:p>
+      </dgm:t>
+    </dgm:pt>
+    <dgm:pt modelId="{E35B1573-AA7E-47FD-962C-541F935BF0FC}" type="pres">
+      <dgm:prSet presAssocID="{EA6080DA-1AD7-4105-9E53-5437F4AF6BE1}" presName="hierRoot2" presStyleCnt="0">
+        <dgm:presLayoutVars>
+          <dgm:hierBranch val="init"/>
+        </dgm:presLayoutVars>
+      </dgm:prSet>
+      <dgm:spPr/>
+      <dgm:t>
+        <a:bodyPr/>
+        <a:lstStyle/>
+        <a:p>
+          <a:endParaRPr lang="nb-NO"/>
+        </a:p>
+      </dgm:t>
+    </dgm:pt>
+    <dgm:pt modelId="{736E83B5-1645-4132-B767-87B5A60B8066}" type="pres">
+      <dgm:prSet presAssocID="{EA6080DA-1AD7-4105-9E53-5437F4AF6BE1}" presName="rootComposite" presStyleCnt="0"/>
+      <dgm:spPr/>
+      <dgm:t>
+        <a:bodyPr/>
+        <a:lstStyle/>
+        <a:p>
+          <a:endParaRPr lang="nb-NO"/>
+        </a:p>
+      </dgm:t>
+    </dgm:pt>
+    <dgm:pt modelId="{FB89C2B6-C4D9-4EDC-A029-D6C4E3840313}" type="pres">
+      <dgm:prSet presAssocID="{EA6080DA-1AD7-4105-9E53-5437F4AF6BE1}" presName="rootText" presStyleLbl="node3" presStyleIdx="17" presStyleCnt="22">
+        <dgm:presLayoutVars>
+          <dgm:chPref val="3"/>
+        </dgm:presLayoutVars>
+      </dgm:prSet>
+      <dgm:spPr/>
+      <dgm:t>
+        <a:bodyPr/>
+        <a:lstStyle/>
+        <a:p>
+          <a:endParaRPr lang="nb-NO"/>
+        </a:p>
+      </dgm:t>
+    </dgm:pt>
+    <dgm:pt modelId="{D34DBC48-B0F7-461E-81CB-DDA16CFD323B}" type="pres">
+      <dgm:prSet presAssocID="{EA6080DA-1AD7-4105-9E53-5437F4AF6BE1}" presName="rootConnector" presStyleLbl="node3" presStyleIdx="17" presStyleCnt="22"/>
+      <dgm:spPr/>
+      <dgm:t>
+        <a:bodyPr/>
+        <a:lstStyle/>
+        <a:p>
+          <a:endParaRPr lang="nb-NO"/>
+        </a:p>
+      </dgm:t>
+    </dgm:pt>
+    <dgm:pt modelId="{11D50412-ADFD-432D-9C9D-3E5440B1C455}" type="pres">
+      <dgm:prSet presAssocID="{EA6080DA-1AD7-4105-9E53-5437F4AF6BE1}" presName="hierChild4" presStyleCnt="0"/>
+      <dgm:spPr/>
+      <dgm:t>
+        <a:bodyPr/>
+        <a:lstStyle/>
+        <a:p>
+          <a:endParaRPr lang="nb-NO"/>
+        </a:p>
+      </dgm:t>
+    </dgm:pt>
+    <dgm:pt modelId="{99036D01-2923-4EBD-AB40-64FCD7760F5E}" type="pres">
+      <dgm:prSet presAssocID="{EA6080DA-1AD7-4105-9E53-5437F4AF6BE1}" presName="hierChild5" presStyleCnt="0"/>
+      <dgm:spPr/>
+      <dgm:t>
+        <a:bodyPr/>
+        <a:lstStyle/>
+        <a:p>
+          <a:endParaRPr lang="nb-NO"/>
+        </a:p>
+      </dgm:t>
+    </dgm:pt>
+    <dgm:pt modelId="{E0F24A2A-E0C4-40A0-B559-94DB272B5399}" type="pres">
+      <dgm:prSet presAssocID="{F7397BD6-4925-49A4-A538-AA6DAE7E7324}" presName="Name37" presStyleLbl="parChTrans1D3" presStyleIdx="18" presStyleCnt="22"/>
+      <dgm:spPr/>
+      <dgm:t>
+        <a:bodyPr/>
+        <a:lstStyle/>
+        <a:p>
+          <a:endParaRPr lang="nb-NO"/>
+        </a:p>
+      </dgm:t>
+    </dgm:pt>
+    <dgm:pt modelId="{80F9FC8E-C47A-4C6C-B4FC-A51D5F98F705}" type="pres">
+      <dgm:prSet presAssocID="{9B915BF9-5721-4BAF-B37D-958659E5090C}" presName="hierRoot2" presStyleCnt="0">
+        <dgm:presLayoutVars>
+          <dgm:hierBranch val="init"/>
+        </dgm:presLayoutVars>
+      </dgm:prSet>
+      <dgm:spPr/>
+    </dgm:pt>
+    <dgm:pt modelId="{DC246577-991D-4A0A-91C4-AAA44F5E6649}" type="pres">
+      <dgm:prSet presAssocID="{9B915BF9-5721-4BAF-B37D-958659E5090C}" presName="rootComposite" presStyleCnt="0"/>
+      <dgm:spPr/>
+    </dgm:pt>
+    <dgm:pt modelId="{E73224E3-FD1A-47B0-AE42-E0AAA502C99E}" type="pres">
+      <dgm:prSet presAssocID="{9B915BF9-5721-4BAF-B37D-958659E5090C}" presName="rootText" presStyleLbl="node3" presStyleIdx="18" presStyleCnt="22">
+        <dgm:presLayoutVars>
+          <dgm:chPref val="3"/>
+        </dgm:presLayoutVars>
+      </dgm:prSet>
+      <dgm:spPr/>
+      <dgm:t>
+        <a:bodyPr/>
+        <a:lstStyle/>
+        <a:p>
+          <a:endParaRPr lang="nb-NO"/>
+        </a:p>
+      </dgm:t>
+    </dgm:pt>
+    <dgm:pt modelId="{1D66D065-6F8C-4D6B-9680-B443F9AAEA23}" type="pres">
+      <dgm:prSet presAssocID="{9B915BF9-5721-4BAF-B37D-958659E5090C}" presName="rootConnector" presStyleLbl="node3" presStyleIdx="18" presStyleCnt="22"/>
+      <dgm:spPr/>
+      <dgm:t>
+        <a:bodyPr/>
+        <a:lstStyle/>
+        <a:p>
+          <a:endParaRPr lang="nb-NO"/>
+        </a:p>
+      </dgm:t>
+    </dgm:pt>
+    <dgm:pt modelId="{05BFD1E4-D0AE-47A3-9910-388E4CCC8D6D}" type="pres">
+      <dgm:prSet presAssocID="{9B915BF9-5721-4BAF-B37D-958659E5090C}" presName="hierChild4" presStyleCnt="0"/>
+      <dgm:spPr/>
+    </dgm:pt>
+    <dgm:pt modelId="{94BD6C3F-D08F-47C5-BF15-300654AA65D5}" type="pres">
+      <dgm:prSet presAssocID="{9B915BF9-5721-4BAF-B37D-958659E5090C}" presName="hierChild5" presStyleCnt="0"/>
+      <dgm:spPr/>
+    </dgm:pt>
+    <dgm:pt modelId="{F9DFBEC0-59E3-439E-B95A-55689A2447E7}" type="pres">
+      <dgm:prSet presAssocID="{98A06ADE-4CED-470E-9E84-843856B695B5}" presName="Name37" presStyleLbl="parChTrans1D3" presStyleIdx="19" presStyleCnt="22"/>
+      <dgm:spPr/>
+      <dgm:t>
+        <a:bodyPr/>
+        <a:lstStyle/>
+        <a:p>
+          <a:endParaRPr lang="nb-NO"/>
+        </a:p>
+      </dgm:t>
+    </dgm:pt>
+    <dgm:pt modelId="{502229EB-5860-4660-AAE0-2703FE9DAD24}" type="pres">
+      <dgm:prSet presAssocID="{370FACC3-9B58-4A17-9C1D-F35986E1527E}" presName="hierRoot2" presStyleCnt="0">
+        <dgm:presLayoutVars>
+          <dgm:hierBranch val="init"/>
+        </dgm:presLayoutVars>
+      </dgm:prSet>
+      <dgm:spPr/>
+    </dgm:pt>
+    <dgm:pt modelId="{7B1B0D3A-C579-4897-A858-70D7ED7EE931}" type="pres">
+      <dgm:prSet presAssocID="{370FACC3-9B58-4A17-9C1D-F35986E1527E}" presName="rootComposite" presStyleCnt="0"/>
+      <dgm:spPr/>
+    </dgm:pt>
+    <dgm:pt modelId="{16BD9EE3-135A-425A-A527-D866A0D73888}" type="pres">
+      <dgm:prSet presAssocID="{370FACC3-9B58-4A17-9C1D-F35986E1527E}" presName="rootText" presStyleLbl="node3" presStyleIdx="19" presStyleCnt="22">
+        <dgm:presLayoutVars>
+          <dgm:chPref val="3"/>
+        </dgm:presLayoutVars>
+      </dgm:prSet>
+      <dgm:spPr/>
+      <dgm:t>
+        <a:bodyPr/>
+        <a:lstStyle/>
+        <a:p>
+          <a:endParaRPr lang="nb-NO"/>
+        </a:p>
+      </dgm:t>
+    </dgm:pt>
+    <dgm:pt modelId="{13D1F1A4-15DC-46CD-AFCF-B9478D616FBF}" type="pres">
+      <dgm:prSet presAssocID="{370FACC3-9B58-4A17-9C1D-F35986E1527E}" presName="rootConnector" presStyleLbl="node3" presStyleIdx="19" presStyleCnt="22"/>
+      <dgm:spPr/>
+      <dgm:t>
+        <a:bodyPr/>
+        <a:lstStyle/>
+        <a:p>
+          <a:endParaRPr lang="nb-NO"/>
+        </a:p>
+      </dgm:t>
+    </dgm:pt>
+    <dgm:pt modelId="{682E2748-61BE-465A-921D-D4A8B844A3CA}" type="pres">
+      <dgm:prSet presAssocID="{370FACC3-9B58-4A17-9C1D-F35986E1527E}" presName="hierChild4" presStyleCnt="0"/>
+      <dgm:spPr/>
+    </dgm:pt>
+    <dgm:pt modelId="{02633775-13FA-42D5-9A73-B09013F466FF}" type="pres">
+      <dgm:prSet presAssocID="{370FACC3-9B58-4A17-9C1D-F35986E1527E}" presName="hierChild5" presStyleCnt="0"/>
+      <dgm:spPr/>
+    </dgm:pt>
+    <dgm:pt modelId="{7095FA1B-B48A-4751-A2D0-F76DEDA32F3B}" type="pres">
+      <dgm:prSet presAssocID="{9693E88B-89FA-4F40-91E9-07A585F60F1E}" presName="Name37" presStyleLbl="parChTrans1D3" presStyleIdx="20" presStyleCnt="22"/>
+      <dgm:spPr/>
+      <dgm:t>
+        <a:bodyPr/>
+        <a:lstStyle/>
+        <a:p>
+          <a:endParaRPr lang="nb-NO"/>
+        </a:p>
+      </dgm:t>
+    </dgm:pt>
+    <dgm:pt modelId="{E12A6DC5-DE93-48BB-AF8F-7A9DFCCC0615}" type="pres">
+      <dgm:prSet presAssocID="{43166DAC-976F-42DF-9C20-29F234951604}" presName="hierRoot2" presStyleCnt="0">
+        <dgm:presLayoutVars>
+          <dgm:hierBranch val="init"/>
+        </dgm:presLayoutVars>
+      </dgm:prSet>
+      <dgm:spPr/>
+    </dgm:pt>
+    <dgm:pt modelId="{94A2D08D-6D0D-4FEF-9FD6-91FBDA2F8C4D}" type="pres">
+      <dgm:prSet presAssocID="{43166DAC-976F-42DF-9C20-29F234951604}" presName="rootComposite" presStyleCnt="0"/>
+      <dgm:spPr/>
+    </dgm:pt>
+    <dgm:pt modelId="{F025C0E8-03C8-4EE8-AE04-8A7E3E1BFCAA}" type="pres">
+      <dgm:prSet presAssocID="{43166DAC-976F-42DF-9C20-29F234951604}" presName="rootText" presStyleLbl="node3" presStyleIdx="20" presStyleCnt="22">
+        <dgm:presLayoutVars>
+          <dgm:chPref val="3"/>
+        </dgm:presLayoutVars>
+      </dgm:prSet>
+      <dgm:spPr/>
+      <dgm:t>
+        <a:bodyPr/>
+        <a:lstStyle/>
+        <a:p>
+          <a:endParaRPr lang="nb-NO"/>
+        </a:p>
+      </dgm:t>
+    </dgm:pt>
+    <dgm:pt modelId="{F8D665DE-6F2D-4ECD-B0FD-F52E37F6A8D9}" type="pres">
+      <dgm:prSet presAssocID="{43166DAC-976F-42DF-9C20-29F234951604}" presName="rootConnector" presStyleLbl="node3" presStyleIdx="20" presStyleCnt="22"/>
+      <dgm:spPr/>
+      <dgm:t>
+        <a:bodyPr/>
+        <a:lstStyle/>
+        <a:p>
+          <a:endParaRPr lang="nb-NO"/>
+        </a:p>
+      </dgm:t>
+    </dgm:pt>
+    <dgm:pt modelId="{4F01BE0A-EE5D-4B99-948D-9A7AFB684933}" type="pres">
+      <dgm:prSet presAssocID="{43166DAC-976F-42DF-9C20-29F234951604}" presName="hierChild4" presStyleCnt="0"/>
+      <dgm:spPr/>
+    </dgm:pt>
+    <dgm:pt modelId="{7F604FFA-FA40-4837-8658-0AFA959FC698}" type="pres">
+      <dgm:prSet presAssocID="{43166DAC-976F-42DF-9C20-29F234951604}" presName="hierChild5" presStyleCnt="0"/>
+      <dgm:spPr/>
+    </dgm:pt>
+    <dgm:pt modelId="{3791F8EE-DF4F-4C23-80AF-FA40FEF1B440}" type="pres">
+      <dgm:prSet presAssocID="{E129A0A3-02E8-44C7-A471-F10CE622EEE2}" presName="hierChild5" presStyleCnt="0"/>
+      <dgm:spPr/>
+      <dgm:t>
+        <a:bodyPr/>
+        <a:lstStyle/>
+        <a:p>
+          <a:endParaRPr lang="nb-NO"/>
+        </a:p>
+      </dgm:t>
+    </dgm:pt>
+    <dgm:pt modelId="{11A59931-D491-42DF-ADEC-10AA4C5496C8}" type="pres">
+      <dgm:prSet presAssocID="{7AD68B3B-1051-4CBA-8D30-3893EF8C1CF3}" presName="Name37" presStyleLbl="parChTrans1D2" presStyleIdx="7" presStyleCnt="8"/>
+      <dgm:spPr/>
+      <dgm:t>
+        <a:bodyPr/>
+        <a:lstStyle/>
+        <a:p>
+          <a:endParaRPr lang="nb-NO"/>
+        </a:p>
+      </dgm:t>
+    </dgm:pt>
+    <dgm:pt modelId="{F6A7056C-DC28-44B2-BDED-A9CDEBE3B29E}" type="pres">
+      <dgm:prSet presAssocID="{2C3B81CE-F604-45E3-A929-15B1AB9AEC9C}" presName="hierRoot2" presStyleCnt="0">
+        <dgm:presLayoutVars>
+          <dgm:hierBranch val="init"/>
+        </dgm:presLayoutVars>
+      </dgm:prSet>
+      <dgm:spPr/>
+      <dgm:t>
+        <a:bodyPr/>
+        <a:lstStyle/>
+        <a:p>
+          <a:endParaRPr lang="nb-NO"/>
+        </a:p>
+      </dgm:t>
+    </dgm:pt>
+    <dgm:pt modelId="{77F82B15-99D8-4922-AD23-C0E7AF6AA7F2}" type="pres">
+      <dgm:prSet presAssocID="{2C3B81CE-F604-45E3-A929-15B1AB9AEC9C}" presName="rootComposite" presStyleCnt="0"/>
+      <dgm:spPr/>
+      <dgm:t>
+        <a:bodyPr/>
+        <a:lstStyle/>
+        <a:p>
+          <a:endParaRPr lang="nb-NO"/>
+        </a:p>
+      </dgm:t>
+    </dgm:pt>
+    <dgm:pt modelId="{71BAF972-E7C8-42FB-AAB3-B14B6687E35A}" type="pres">
+      <dgm:prSet presAssocID="{2C3B81CE-F604-45E3-A929-15B1AB9AEC9C}" presName="rootText" presStyleLbl="node2" presStyleIdx="7" presStyleCnt="8" custScaleX="83876" custScaleY="81364">
+        <dgm:presLayoutVars>
+          <dgm:chPref val="3"/>
+        </dgm:presLayoutVars>
+      </dgm:prSet>
+      <dgm:spPr/>
+      <dgm:t>
+        <a:bodyPr/>
+        <a:lstStyle/>
+        <a:p>
+          <a:endParaRPr lang="nb-NO"/>
+        </a:p>
+      </dgm:t>
+    </dgm:pt>
+    <dgm:pt modelId="{4FA13BA2-4B55-41BC-91E7-E1B80D4DAA3E}" type="pres">
+      <dgm:prSet presAssocID="{2C3B81CE-F604-45E3-A929-15B1AB9AEC9C}" presName="rootConnector" presStyleLbl="node2" presStyleIdx="7" presStyleCnt="8"/>
+      <dgm:spPr/>
+      <dgm:t>
+        <a:bodyPr/>
+        <a:lstStyle/>
+        <a:p>
+          <a:endParaRPr lang="nb-NO"/>
+        </a:p>
+      </dgm:t>
+    </dgm:pt>
+    <dgm:pt modelId="{17D90AA2-3F03-4849-9056-F2C2F9996805}" type="pres">
+      <dgm:prSet presAssocID="{2C3B81CE-F604-45E3-A929-15B1AB9AEC9C}" presName="hierChild4" presStyleCnt="0"/>
+      <dgm:spPr/>
+      <dgm:t>
+        <a:bodyPr/>
+        <a:lstStyle/>
+        <a:p>
+          <a:endParaRPr lang="nb-NO"/>
+        </a:p>
+      </dgm:t>
+    </dgm:pt>
+    <dgm:pt modelId="{1ACEF76A-F2D7-4A43-82D5-0F264796B0E7}" type="pres">
+      <dgm:prSet presAssocID="{1B3B6D64-CCB9-4AA3-A7D3-4735729B2188}" presName="Name37" presStyleLbl="parChTrans1D3" presStyleIdx="21" presStyleCnt="22"/>
+      <dgm:spPr/>
+      <dgm:t>
+        <a:bodyPr/>
+        <a:lstStyle/>
+        <a:p>
+          <a:endParaRPr lang="nb-NO"/>
+        </a:p>
+      </dgm:t>
+    </dgm:pt>
+    <dgm:pt modelId="{51498B92-CDA2-40C5-9C60-88033885AC9A}" type="pres">
+      <dgm:prSet presAssocID="{69732022-F68D-4360-A98F-905AE08AE282}" presName="hierRoot2" presStyleCnt="0">
+        <dgm:presLayoutVars>
+          <dgm:hierBranch val="init"/>
+        </dgm:presLayoutVars>
+      </dgm:prSet>
+      <dgm:spPr/>
+      <dgm:t>
+        <a:bodyPr/>
+        <a:lstStyle/>
+        <a:p>
+          <a:endParaRPr lang="nb-NO"/>
+        </a:p>
+      </dgm:t>
+    </dgm:pt>
+    <dgm:pt modelId="{21FA0032-E51E-466F-869A-4CB92F67D918}" type="pres">
+      <dgm:prSet presAssocID="{69732022-F68D-4360-A98F-905AE08AE282}" presName="rootComposite" presStyleCnt="0"/>
+      <dgm:spPr/>
+      <dgm:t>
+        <a:bodyPr/>
+        <a:lstStyle/>
+        <a:p>
+          <a:endParaRPr lang="nb-NO"/>
+        </a:p>
+      </dgm:t>
+    </dgm:pt>
+    <dgm:pt modelId="{2CCE7F09-4570-460F-9C32-32DFB8F0C212}" type="pres">
+      <dgm:prSet presAssocID="{69732022-F68D-4360-A98F-905AE08AE282}" presName="rootText" presStyleLbl="node3" presStyleIdx="21" presStyleCnt="22">
+        <dgm:presLayoutVars>
+          <dgm:chPref val="3"/>
+        </dgm:presLayoutVars>
+      </dgm:prSet>
+      <dgm:spPr/>
+      <dgm:t>
+        <a:bodyPr/>
+        <a:lstStyle/>
+        <a:p>
+          <a:endParaRPr lang="nb-NO"/>
+        </a:p>
+      </dgm:t>
+    </dgm:pt>
+    <dgm:pt modelId="{770E01ED-CA45-4E7F-9B69-EE3E88626DC2}" type="pres">
+      <dgm:prSet presAssocID="{69732022-F68D-4360-A98F-905AE08AE282}" presName="rootConnector" presStyleLbl="node3" presStyleIdx="21" presStyleCnt="22"/>
+      <dgm:spPr/>
+      <dgm:t>
+        <a:bodyPr/>
+        <a:lstStyle/>
+        <a:p>
+          <a:endParaRPr lang="nb-NO"/>
+        </a:p>
+      </dgm:t>
+    </dgm:pt>
+    <dgm:pt modelId="{6D2E1F56-F941-4982-8ED4-7DC5096A18E4}" type="pres">
+      <dgm:prSet presAssocID="{69732022-F68D-4360-A98F-905AE08AE282}" presName="hierChild4" presStyleCnt="0"/>
+      <dgm:spPr/>
+      <dgm:t>
+        <a:bodyPr/>
+        <a:lstStyle/>
+        <a:p>
+          <a:endParaRPr lang="nb-NO"/>
+        </a:p>
+      </dgm:t>
+    </dgm:pt>
+    <dgm:pt modelId="{B36E98AF-A5D3-4488-AED2-93C06EBE55ED}" type="pres">
+      <dgm:prSet presAssocID="{69732022-F68D-4360-A98F-905AE08AE282}" presName="hierChild5" presStyleCnt="0"/>
+      <dgm:spPr/>
+      <dgm:t>
+        <a:bodyPr/>
+        <a:lstStyle/>
+        <a:p>
+          <a:endParaRPr lang="nb-NO"/>
+        </a:p>
+      </dgm:t>
+    </dgm:pt>
+    <dgm:pt modelId="{B9E4F44A-B52C-4C32-AE6C-2CEB604B35E2}" type="pres">
+      <dgm:prSet presAssocID="{2C3B81CE-F604-45E3-A929-15B1AB9AEC9C}" presName="hierChild5" presStyleCnt="0"/>
+      <dgm:spPr/>
+      <dgm:t>
+        <a:bodyPr/>
+        <a:lstStyle/>
+        <a:p>
+          <a:endParaRPr lang="nb-NO"/>
+        </a:p>
+      </dgm:t>
     </dgm:pt>
     <dgm:pt modelId="{59B802E0-6671-4386-A36F-32AC8CEEAB9D}" type="pres">
       <dgm:prSet presAssocID="{08D7570B-7F60-45C4-A5BB-AAC3AFDA8848}" presName="hierChild3" presStyleCnt="0"/>
       <dgm:spPr/>
+      <dgm:t>
+        <a:bodyPr/>
+        <a:lstStyle/>
+        <a:p>
+          <a:endParaRPr lang="nb-NO"/>
+        </a:p>
+      </dgm:t>
     </dgm:pt>
   </dgm:ptLst>
   <dgm:cxnLst>
+    <dgm:cxn modelId="{894093CB-BECB-4E6C-9E0D-ED87259FB63C}" srcId="{AC9EFDF2-1E89-413C-A544-762CE1A4F8C0}" destId="{E3784866-5079-48A1-8C65-5C1C9D9F351C}" srcOrd="2" destOrd="0" parTransId="{3F8C432B-19EE-4D0F-B1F6-AE55DEADBD78}" sibTransId="{06FAA414-99DF-48AC-8C70-AF4300605776}"/>
+    <dgm:cxn modelId="{5177D8C6-304A-4395-B483-DA8C5B6A2EDC}" type="presOf" srcId="{E3784866-5079-48A1-8C65-5C1C9D9F351C}" destId="{1D35D496-CD0E-4191-B6C8-15EBDC8510D8}" srcOrd="1" destOrd="0" presId="urn:microsoft.com/office/officeart/2005/8/layout/orgChart1"/>
+    <dgm:cxn modelId="{24A50277-836C-469C-BF30-D90A1900AFE5}" type="presOf" srcId="{ECC87D09-4966-47F2-B554-6ECFFC0A434B}" destId="{B0495467-15B6-457F-858F-0D45FF87FDE8}" srcOrd="0" destOrd="0" presId="urn:microsoft.com/office/officeart/2005/8/layout/orgChart1"/>
+    <dgm:cxn modelId="{C0943E61-C173-432E-A23F-F3855CB4BA9B}" srcId="{3C317A52-ECB4-4542-BB96-DF4C309821B9}" destId="{CE8B9297-0335-465D-8C14-F6670FD76933}" srcOrd="0" destOrd="0" parTransId="{2B617E80-B54D-46B4-B2BD-E1B71A0C89B5}" sibTransId="{8CE34CCB-ECDA-4DAF-886A-710A35FDC821}"/>
+    <dgm:cxn modelId="{0E48C174-CAF0-4451-8B74-8D960A338348}" type="presOf" srcId="{838A87CA-745D-483F-ACAB-C5C6AC1AC3CB}" destId="{FF55EBB6-5C00-4EB2-887E-CE968DE29F1D}" srcOrd="1" destOrd="0" presId="urn:microsoft.com/office/officeart/2005/8/layout/orgChart1"/>
+    <dgm:cxn modelId="{FC8F7529-2F2F-4098-BE9F-0EDF28883511}" type="presOf" srcId="{60FBE8D4-75D7-4CAD-8908-CAE65E181666}" destId="{5113C752-D949-4A96-BC50-7DCCF8B3328F}" srcOrd="1" destOrd="0" presId="urn:microsoft.com/office/officeart/2005/8/layout/orgChart1"/>
+    <dgm:cxn modelId="{0EC533AC-BFA0-4A55-9928-F3C81DB38348}" type="presOf" srcId="{7AD68B3B-1051-4CBA-8D30-3893EF8C1CF3}" destId="{11A59931-D491-42DF-ADEC-10AA4C5496C8}" srcOrd="0" destOrd="0" presId="urn:microsoft.com/office/officeart/2005/8/layout/orgChart1"/>
+    <dgm:cxn modelId="{7F43522A-03B8-4A95-9796-2CAE16179745}" type="presOf" srcId="{469849CB-EAE7-457B-B3A1-0FD0240EB313}" destId="{D357AA12-B255-4C03-9BF8-BC193ABAE66E}" srcOrd="0" destOrd="0" presId="urn:microsoft.com/office/officeart/2005/8/layout/orgChart1"/>
+    <dgm:cxn modelId="{28620A2A-243A-4348-80F9-46F5F20651BB}" srcId="{9415298D-26EA-4A6C-9F5B-E0E3E23E89A5}" destId="{6A7F68F6-829C-4020-AB30-793F80D466CF}" srcOrd="5" destOrd="0" parTransId="{FAAC898B-8C27-4C3C-A668-661E0B7D09FF}" sibTransId="{1B445081-8690-45C2-BEFF-39A4689D7AFB}"/>
+    <dgm:cxn modelId="{D29F35C8-E3EE-4A44-ADBA-AEB38CEA1AEA}" type="presOf" srcId="{9693E88B-89FA-4F40-91E9-07A585F60F1E}" destId="{7095FA1B-B48A-4751-A2D0-F76DEDA32F3B}" srcOrd="0" destOrd="0" presId="urn:microsoft.com/office/officeart/2005/8/layout/orgChart1"/>
+    <dgm:cxn modelId="{9170EF47-D213-4CA1-9A5A-4808517BC8E8}" srcId="{91B4F49E-8C51-4ED5-846D-7687744653B7}" destId="{2D6B2F8B-B6CF-426B-A404-054170C92F9D}" srcOrd="0" destOrd="0" parTransId="{E96931EC-3002-4583-9032-C57D0456992A}" sibTransId="{35C8BA45-ED13-4CCE-922E-CEB895EFEE5F}"/>
+    <dgm:cxn modelId="{CE783B36-1A55-48CA-BD5D-1E4AA4AE009D}" type="presOf" srcId="{05E1324F-8146-4646-9834-930E93833AAB}" destId="{A45939A9-E556-4832-BA32-2352071BF3CD}" srcOrd="0" destOrd="0" presId="urn:microsoft.com/office/officeart/2005/8/layout/orgChart1"/>
+    <dgm:cxn modelId="{D1CF9E17-A1EB-4BF1-BD18-D9F6D85C1EBC}" type="presOf" srcId="{08D7570B-7F60-45C4-A5BB-AAC3AFDA8848}" destId="{8CD2BC37-3900-49BB-97B0-B5628A5CCC9C}" srcOrd="0" destOrd="0" presId="urn:microsoft.com/office/officeart/2005/8/layout/orgChart1"/>
+    <dgm:cxn modelId="{B0A7BB08-38B6-43A5-A382-DD9C19CB4F70}" type="presOf" srcId="{9DB4AB59-EA03-4ACC-A1D2-B0AEEB3BCF5C}" destId="{A994BDFF-A389-4474-8AE8-3D6E661D7246}" srcOrd="0" destOrd="0" presId="urn:microsoft.com/office/officeart/2005/8/layout/orgChart1"/>
+    <dgm:cxn modelId="{16DBE31C-9078-44E9-99FC-5D8F21FB2D23}" type="presOf" srcId="{2B617E80-B54D-46B4-B2BD-E1B71A0C89B5}" destId="{B1DDD93C-AA0B-4079-AE64-A6CC80C413FA}" srcOrd="0" destOrd="0" presId="urn:microsoft.com/office/officeart/2005/8/layout/orgChart1"/>
+    <dgm:cxn modelId="{0E88B341-E970-41FF-BCCE-D72554FF4EAD}" type="presOf" srcId="{0A1CDFBF-7E7C-4955-87B5-E5A6FD0ADBAE}" destId="{2CE69817-D7E7-454A-B1C2-3A0E60E2BCDF}" srcOrd="0" destOrd="0" presId="urn:microsoft.com/office/officeart/2005/8/layout/orgChart1"/>
+    <dgm:cxn modelId="{32485305-F9EB-4C89-BB28-2E257334ACEC}" type="presOf" srcId="{CE8B9297-0335-465D-8C14-F6670FD76933}" destId="{6BCE281D-4856-42A0-AE72-2F8F4DE21E8F}" srcOrd="1" destOrd="0" presId="urn:microsoft.com/office/officeart/2005/8/layout/orgChart1"/>
+    <dgm:cxn modelId="{90B29C99-CEFA-4713-9A69-FDB02723E4A7}" type="presOf" srcId="{69732022-F68D-4360-A98F-905AE08AE282}" destId="{770E01ED-CA45-4E7F-9B69-EE3E88626DC2}" srcOrd="1" destOrd="0" presId="urn:microsoft.com/office/officeart/2005/8/layout/orgChart1"/>
+    <dgm:cxn modelId="{71C8528D-9E49-437B-A885-697D663593BC}" srcId="{1CDE04AC-330B-476F-9CC7-600E92AC4F85}" destId="{453AC38F-5E8F-45CC-A83B-D6379A610B1B}" srcOrd="0" destOrd="0" parTransId="{6F88080A-5068-4E2D-8C54-67E23CE7C322}" sibTransId="{9078EDEA-9045-4C60-B91D-822E2BC51350}"/>
+    <dgm:cxn modelId="{1A6DCE4A-681A-4FD5-B18A-FF02370A7B2D}" srcId="{388B03AE-1583-4706-A7BB-BA764C869B0C}" destId="{AC9EFDF2-1E89-413C-A544-762CE1A4F8C0}" srcOrd="1" destOrd="0" parTransId="{9AD4C4D3-AA3D-42C6-95BD-CD17690A33EA}" sibTransId="{5C757D7B-043D-4461-961A-CAB233238931}"/>
+    <dgm:cxn modelId="{20378B9C-CBBF-4608-BB61-D2F4C6FD2E27}" srcId="{9415298D-26EA-4A6C-9F5B-E0E3E23E89A5}" destId="{2A449A93-E6F7-4B50-94C3-64C4ABF8D9AE}" srcOrd="1" destOrd="0" parTransId="{A2ACCAC0-174D-4F18-BC30-4514C72F774D}" sibTransId="{B8FF5A9D-9835-422F-AA08-E3D79B76D6DC}"/>
+    <dgm:cxn modelId="{EB8847FF-C85C-471F-8F4E-3C64F8434128}" type="presOf" srcId="{E129A0A3-02E8-44C7-A471-F10CE622EEE2}" destId="{DFFDB907-47D0-42CF-9EF9-19AD1F11C082}" srcOrd="1" destOrd="0" presId="urn:microsoft.com/office/officeart/2005/8/layout/orgChart1"/>
+    <dgm:cxn modelId="{971E6CAD-BB56-4684-B44E-05B638A7DAEB}" type="presOf" srcId="{05E1324F-8146-4646-9834-930E93833AAB}" destId="{08B3ED46-4D62-41BB-A275-17C8910203EA}" srcOrd="1" destOrd="0" presId="urn:microsoft.com/office/officeart/2005/8/layout/orgChart1"/>
+    <dgm:cxn modelId="{EA3859D6-EB28-4435-8E3D-3E7A4E90ACEC}" type="presOf" srcId="{1B3B6D64-CCB9-4AA3-A7D3-4735729B2188}" destId="{1ACEF76A-F2D7-4A43-82D5-0F264796B0E7}" srcOrd="0" destOrd="0" presId="urn:microsoft.com/office/officeart/2005/8/layout/orgChart1"/>
+    <dgm:cxn modelId="{1505BBCA-A7AD-4BFD-AC98-B000655FFD5C}" type="presOf" srcId="{388B03AE-1583-4706-A7BB-BA764C869B0C}" destId="{D4F19F9B-2F58-4077-B3FC-9B0A645C389C}" srcOrd="0" destOrd="0" presId="urn:microsoft.com/office/officeart/2005/8/layout/orgChart1"/>
+    <dgm:cxn modelId="{C37E78BF-5BBE-48A2-9C40-5034EF616FF9}" srcId="{E129A0A3-02E8-44C7-A471-F10CE622EEE2}" destId="{370FACC3-9B58-4A17-9C1D-F35986E1527E}" srcOrd="2" destOrd="0" parTransId="{98A06ADE-4CED-470E-9E84-843856B695B5}" sibTransId="{845BDE72-0F3E-489E-9D78-16E2A85776A6}"/>
+    <dgm:cxn modelId="{CE9BB810-430F-4868-A4E2-B5B25CA1C439}" type="presOf" srcId="{82DA2C98-167F-4AEA-B668-91E1B0111BD9}" destId="{858C8FBF-2143-4E7E-ACFA-6B0FBDBF6D39}" srcOrd="0" destOrd="0" presId="urn:microsoft.com/office/officeart/2005/8/layout/orgChart1"/>
+    <dgm:cxn modelId="{0AD56C9B-CEB6-4468-A45F-A772F4047CDE}" type="presOf" srcId="{6CD8509E-A00B-4F1E-8FFB-7AC5711DE29C}" destId="{4F1DA32C-0528-4A1F-887C-BC96DC8F4647}" srcOrd="1" destOrd="0" presId="urn:microsoft.com/office/officeart/2005/8/layout/orgChart1"/>
+    <dgm:cxn modelId="{5DF8311F-65B5-4F85-A0B4-54E824C691A3}" type="presOf" srcId="{42DCF222-A7F0-4F5C-9587-98C17917CED9}" destId="{6E8E21EA-F0A7-465B-BEC2-469B6D3324DC}" srcOrd="0" destOrd="0" presId="urn:microsoft.com/office/officeart/2005/8/layout/orgChart1"/>
+    <dgm:cxn modelId="{CF0E4D6C-799A-4B12-BAE7-4FEB74FB7C07}" type="presOf" srcId="{9AD4C4D3-AA3D-42C6-95BD-CD17690A33EA}" destId="{FFADC981-98DA-465A-834E-1469A32BE8A5}" srcOrd="0" destOrd="0" presId="urn:microsoft.com/office/officeart/2005/8/layout/orgChart1"/>
+    <dgm:cxn modelId="{75D303C9-FEC4-46A2-B6F2-BDB121EE6BBE}" srcId="{3D4622CA-CE55-4B59-80B0-3EDC3294BDF0}" destId="{F432106B-6544-4843-9FDE-C68B3FBFD266}" srcOrd="1" destOrd="0" parTransId="{F5B0F976-4370-4DFE-82B8-C5A097EEA79F}" sibTransId="{080154E2-8950-4E4F-B675-6218E1E08C5C}"/>
+    <dgm:cxn modelId="{EC136808-C0C1-43BF-B520-D378B7DB1577}" type="presOf" srcId="{C519C543-625E-49DD-AF54-033354FFF0DF}" destId="{31DC9AAE-59E5-4408-A0B7-8173CA5517B6}" srcOrd="0" destOrd="0" presId="urn:microsoft.com/office/officeart/2005/8/layout/orgChart1"/>
+    <dgm:cxn modelId="{DCE5DC77-3B3C-4441-A397-B36574C712B3}" type="presOf" srcId="{58094D1F-E3DD-46B2-B122-90B28EFA0AEA}" destId="{66EF63CD-1BA1-4100-ACC6-C45626AF59D5}" srcOrd="0" destOrd="0" presId="urn:microsoft.com/office/officeart/2005/8/layout/orgChart1"/>
+    <dgm:cxn modelId="{70A21B1F-1A2D-4FC7-A8BC-8DF18B0220DE}" type="presOf" srcId="{F592E2EC-DC54-4A46-BD61-883E209773A3}" destId="{59EACFD1-CF99-4771-82BE-8DA492876C2F}" srcOrd="0" destOrd="0" presId="urn:microsoft.com/office/officeart/2005/8/layout/orgChart1"/>
+    <dgm:cxn modelId="{4FC61AEB-E628-4356-89F4-E5285539C9B0}" type="presOf" srcId="{03F0FF15-5677-4317-994F-EF7E3DF845AA}" destId="{5FB5A517-64A3-4BBB-9C06-CCF84D5E5E7F}" srcOrd="0" destOrd="0" presId="urn:microsoft.com/office/officeart/2005/8/layout/orgChart1"/>
+    <dgm:cxn modelId="{3881DCF3-4B0E-4F2A-8B6F-F86B1939036B}" srcId="{05E1324F-8146-4646-9834-930E93833AAB}" destId="{42DCF222-A7F0-4F5C-9587-98C17917CED9}" srcOrd="2" destOrd="0" parTransId="{FAE29150-1962-4BCA-A58E-752BF483FA29}" sibTransId="{EED44F56-5E75-4270-9ADA-2D7890119CAF}"/>
+    <dgm:cxn modelId="{7D00B0A7-A45E-494C-B9D4-624851210A81}" type="presOf" srcId="{9415298D-26EA-4A6C-9F5B-E0E3E23E89A5}" destId="{B7E6F9D4-1DD8-4007-9805-8C05436241A7}" srcOrd="0" destOrd="0" presId="urn:microsoft.com/office/officeart/2005/8/layout/orgChart1"/>
+    <dgm:cxn modelId="{7511FDD8-A869-432F-BEA1-8536FA0CC156}" type="presOf" srcId="{49ADF8F0-4FCE-4D5A-A622-6EB5356592AC}" destId="{1DA0058F-15BD-4C35-BFD4-36D609C6A4FC}" srcOrd="0" destOrd="0" presId="urn:microsoft.com/office/officeart/2005/8/layout/orgChart1"/>
+    <dgm:cxn modelId="{AD8119AD-F551-4AFC-B7C0-E91119D006F7}" type="presOf" srcId="{42DCF222-A7F0-4F5C-9587-98C17917CED9}" destId="{9196C4E4-EE38-43B3-B19C-DDABD9FFCCAF}" srcOrd="1" destOrd="0" presId="urn:microsoft.com/office/officeart/2005/8/layout/orgChart1"/>
+    <dgm:cxn modelId="{61CFC213-6CB5-4B93-BA3B-AA4F2B9EBDC0}" type="presOf" srcId="{0CC234EE-CBD0-4BE8-8A69-F9BA62E41C35}" destId="{2E8E8F2D-2A5C-4159-B348-A94BB1F559F7}" srcOrd="1" destOrd="0" presId="urn:microsoft.com/office/officeart/2005/8/layout/orgChart1"/>
+    <dgm:cxn modelId="{61A41334-4BD2-4914-B190-7B5909753128}" type="presOf" srcId="{22738289-E6E9-4271-A85A-E248B6921259}" destId="{7B686A3D-3A68-4839-B994-27C1267BCE44}" srcOrd="0" destOrd="0" presId="urn:microsoft.com/office/officeart/2005/8/layout/orgChart1"/>
+    <dgm:cxn modelId="{DE445C6E-D523-4CBA-8FC5-E6EF52A111E0}" type="presOf" srcId="{E65E6197-B490-448B-BC0E-F57B9A123693}" destId="{A10C288D-0624-4460-A6DF-D42CA91203B3}" srcOrd="0" destOrd="0" presId="urn:microsoft.com/office/officeart/2005/8/layout/orgChart1"/>
+    <dgm:cxn modelId="{F57D229C-CA20-4833-AA9B-E4F95FB67068}" type="presOf" srcId="{9B915BF9-5721-4BAF-B37D-958659E5090C}" destId="{1D66D065-6F8C-4D6B-9680-B443F9AAEA23}" srcOrd="1" destOrd="0" presId="urn:microsoft.com/office/officeart/2005/8/layout/orgChart1"/>
+    <dgm:cxn modelId="{C5D9990D-126B-4435-9BEF-01A892D68A84}" type="presOf" srcId="{EE61DB26-84DE-4FC7-AA26-9818CD81E4DB}" destId="{0C5171CD-CC4D-45B3-A0D8-D27B776EAB6C}" srcOrd="0" destOrd="0" presId="urn:microsoft.com/office/officeart/2005/8/layout/orgChart1"/>
+    <dgm:cxn modelId="{49FE17D7-D4C6-4A7F-B064-287B2B2C4ED6}" srcId="{3D4622CA-CE55-4B59-80B0-3EDC3294BDF0}" destId="{49ADF8F0-4FCE-4D5A-A622-6EB5356592AC}" srcOrd="3" destOrd="0" parTransId="{301A8421-BFB3-4791-BD9C-8B5DF53C5C92}" sibTransId="{B3D55AF9-5626-4125-9DA5-37B2809DECCC}"/>
+    <dgm:cxn modelId="{9E53B9C9-16DC-4D50-AA24-A6B6C6D5F5A2}" type="presOf" srcId="{69544CBA-CA27-437C-8C32-2CD286DB0F34}" destId="{52DA0F83-9556-4D9E-AF88-44A5616C40BF}" srcOrd="1" destOrd="0" presId="urn:microsoft.com/office/officeart/2005/8/layout/orgChart1"/>
+    <dgm:cxn modelId="{6ED627DC-8CEE-4C80-BCA4-6064BCC7BCAA}" type="presOf" srcId="{14938C81-B03D-4F7B-AA43-E5108073D6DA}" destId="{14685868-9C5E-4BAC-A516-02C3B02B45FF}" srcOrd="0" destOrd="0" presId="urn:microsoft.com/office/officeart/2005/8/layout/orgChart1"/>
+    <dgm:cxn modelId="{85411383-DB2F-45DA-8273-BE84F9E187C6}" srcId="{AC9EFDF2-1E89-413C-A544-762CE1A4F8C0}" destId="{60FBE8D4-75D7-4CAD-8908-CAE65E181666}" srcOrd="3" destOrd="0" parTransId="{5B2848D0-14AE-442B-B9D1-35BFAB2E387C}" sibTransId="{8EE4ECE9-703A-405C-86D5-868F9E7AB0F7}"/>
+    <dgm:cxn modelId="{55CBB70D-B180-4709-92F5-C08859F4FCF9}" type="presOf" srcId="{F432106B-6544-4843-9FDE-C68B3FBFD266}" destId="{5A6EBF34-082E-4042-BFD6-E327BBFEBEF6}" srcOrd="0" destOrd="0" presId="urn:microsoft.com/office/officeart/2005/8/layout/orgChart1"/>
+    <dgm:cxn modelId="{3EAA37B9-0297-4190-A794-FDD9487AFF9C}" type="presOf" srcId="{7DB6EBEF-D1E5-42F2-90AB-06B1E098AD0E}" destId="{1ABEB964-1842-41E5-A2A4-50DD4B7CBDD9}" srcOrd="0" destOrd="0" presId="urn:microsoft.com/office/officeart/2005/8/layout/orgChart1"/>
+    <dgm:cxn modelId="{30FF6CB6-33BB-4026-B4D2-B7F069EAE5F9}" type="presOf" srcId="{82DA2C98-167F-4AEA-B668-91E1B0111BD9}" destId="{5269A202-2ACB-4514-B537-A19843F16DF9}" srcOrd="1" destOrd="0" presId="urn:microsoft.com/office/officeart/2005/8/layout/orgChart1"/>
+    <dgm:cxn modelId="{B1A5F6B3-9EEB-4B72-BFCB-26A55471936F}" type="presOf" srcId="{370FACC3-9B58-4A17-9C1D-F35986E1527E}" destId="{13D1F1A4-15DC-46CD-AFCF-B9478D616FBF}" srcOrd="1" destOrd="0" presId="urn:microsoft.com/office/officeart/2005/8/layout/orgChart1"/>
+    <dgm:cxn modelId="{0E52C767-EFC8-4B58-9102-0383172164BF}" type="presOf" srcId="{7E13B1E0-7188-42C9-8AF4-B8DF30A2FB2B}" destId="{3E2D99CA-AE74-475A-BD8C-3651746B9F2E}" srcOrd="0" destOrd="0" presId="urn:microsoft.com/office/officeart/2005/8/layout/orgChart1"/>
+    <dgm:cxn modelId="{3201DD18-6449-48BF-8034-A3AA2E609B3B}" srcId="{F68779E3-5F1B-4937-AD5A-30C29348322D}" destId="{82DA2C98-167F-4AEA-B668-91E1B0111BD9}" srcOrd="3" destOrd="0" parTransId="{82952DE5-59D2-434F-AC20-AF1ED12E162B}" sibTransId="{BA8E275C-9851-4FFF-9B85-2CB36CEF03FE}"/>
+    <dgm:cxn modelId="{728C2B3B-0BC1-4F91-A9D3-609805333013}" type="presOf" srcId="{33E5B74F-462A-4908-BA0C-E4B4BF8620A1}" destId="{EE5565CD-CF13-487F-A639-81EB419FED5F}" srcOrd="0" destOrd="0" presId="urn:microsoft.com/office/officeart/2005/8/layout/orgChart1"/>
+    <dgm:cxn modelId="{4D84371E-9B1F-473B-BE02-77B1B5162747}" type="presOf" srcId="{7B4CEC73-92CF-40AF-ADC3-F9A4ABE87813}" destId="{08340BC8-F60B-48BF-9C4B-B209EC91806A}" srcOrd="0" destOrd="0" presId="urn:microsoft.com/office/officeart/2005/8/layout/orgChart1"/>
+    <dgm:cxn modelId="{2D651113-F0FD-4E96-A0A7-451193AF142A}" type="presOf" srcId="{75677C28-0B61-43C0-8518-57E83FD5FFFD}" destId="{C908BDEB-4B47-48E7-9DE2-7418AFF8DAF0}" srcOrd="0" destOrd="0" presId="urn:microsoft.com/office/officeart/2005/8/layout/orgChart1"/>
+    <dgm:cxn modelId="{AF68F32D-C03A-412C-BAB8-62423018A5FD}" type="presOf" srcId="{E9D10807-D0ED-4014-9724-3F0B7E0BBFA8}" destId="{9C4E414B-A425-4DA2-AFFA-05704A0C17DC}" srcOrd="0" destOrd="0" presId="urn:microsoft.com/office/officeart/2005/8/layout/orgChart1"/>
+    <dgm:cxn modelId="{7B0CAE57-DB81-45DD-85D8-9FB52E46D94D}" type="presOf" srcId="{DE98661A-2A86-4E5B-BEBB-28CFE600295D}" destId="{A7CA35FA-0C3F-4D23-A223-B97EECACEF17}" srcOrd="0" destOrd="0" presId="urn:microsoft.com/office/officeart/2005/8/layout/orgChart1"/>
+    <dgm:cxn modelId="{0DE18898-3C36-471D-BEA0-F58FD97A7FF5}" type="presOf" srcId="{ABFFCB7E-D3DC-49E9-BD47-996CD9C7FF2E}" destId="{7562EDAB-C69B-4B8C-AD16-5F02DF516D6E}" srcOrd="0" destOrd="0" presId="urn:microsoft.com/office/officeart/2005/8/layout/orgChart1"/>
+    <dgm:cxn modelId="{DD387942-8407-4DD2-9485-425E1609D302}" srcId="{08D7570B-7F60-45C4-A5BB-AAC3AFDA8848}" destId="{E129A0A3-02E8-44C7-A471-F10CE622EEE2}" srcOrd="6" destOrd="0" parTransId="{3A749A3F-1C10-4426-A711-E367F9179400}" sibTransId="{B8DE39FF-E88F-49BC-93F7-8AB66E332AE8}"/>
+    <dgm:cxn modelId="{F253E6D7-C634-4F19-B0CC-505BDD8468EA}" type="presOf" srcId="{2A449A93-E6F7-4B50-94C3-64C4ABF8D9AE}" destId="{930178AF-799B-4C33-9A91-0DF2FD98DC25}" srcOrd="1" destOrd="0" presId="urn:microsoft.com/office/officeart/2005/8/layout/orgChart1"/>
+    <dgm:cxn modelId="{05B21077-5E5E-4129-9456-43F6C73C5CEC}" type="presOf" srcId="{6CD8509E-A00B-4F1E-8FFB-7AC5711DE29C}" destId="{F81DDCF3-0282-49EA-BBDC-75EC7C68491D}" srcOrd="0" destOrd="0" presId="urn:microsoft.com/office/officeart/2005/8/layout/orgChart1"/>
+    <dgm:cxn modelId="{1B45B4D6-4FDB-4676-8F6E-91F66FA6DEED}" srcId="{EE885740-B09E-4BF7-91EA-7D5BE0CC34D9}" destId="{DE98661A-2A86-4E5B-BEBB-28CFE600295D}" srcOrd="0" destOrd="0" parTransId="{F592E2EC-DC54-4A46-BD61-883E209773A3}" sibTransId="{90357D43-7372-4136-A7B3-9F714E02C503}"/>
+    <dgm:cxn modelId="{01DB78BE-374C-484D-83EA-2A10898A0D42}" type="presOf" srcId="{3A749A3F-1C10-4426-A711-E367F9179400}" destId="{B44A278F-86FE-491B-AFFE-823D65D6F32E}" srcOrd="0" destOrd="0" presId="urn:microsoft.com/office/officeart/2005/8/layout/orgChart1"/>
+    <dgm:cxn modelId="{F404D180-6872-488C-998F-9B822C9FD1E0}" type="presOf" srcId="{342F7B73-D266-4312-821E-4409FCDECE50}" destId="{2D17565E-5AF8-414A-B15F-CC144041D816}" srcOrd="0" destOrd="0" presId="urn:microsoft.com/office/officeart/2005/8/layout/orgChart1"/>
+    <dgm:cxn modelId="{C9A52C76-319B-40B6-B9CF-5B8611B8D638}" type="presOf" srcId="{A2ACCAC0-174D-4F18-BC30-4514C72F774D}" destId="{9C7E31CF-A30E-4DA9-A9B7-1194C37FE32F}" srcOrd="0" destOrd="0" presId="urn:microsoft.com/office/officeart/2005/8/layout/orgChart1"/>
+    <dgm:cxn modelId="{7F2CF5AA-DAF0-4572-B730-FB0712B3BB34}" type="presOf" srcId="{C9124633-A3F9-4E9E-B7AD-8AD6304814CA}" destId="{F7F96BC3-E097-46A0-AE3A-243620DA9566}" srcOrd="0" destOrd="0" presId="urn:microsoft.com/office/officeart/2005/8/layout/orgChart1"/>
+    <dgm:cxn modelId="{0D20063A-E0F4-43D8-9681-E01DA3AFDAC7}" srcId="{05E1324F-8146-4646-9834-930E93833AAB}" destId="{C9124633-A3F9-4E9E-B7AD-8AD6304814CA}" srcOrd="3" destOrd="0" parTransId="{B9C56D9D-EBB0-4EA4-9BA2-131EA7C33A70}" sibTransId="{B7DFFB7A-7AFF-41DC-AD7D-14058BB84C72}"/>
+    <dgm:cxn modelId="{87CF4DE1-A24B-441B-A990-894F03F663CD}" type="presOf" srcId="{F432106B-6544-4843-9FDE-C68B3FBFD266}" destId="{73FFD7F9-44AC-4A47-BB94-0F279F008982}" srcOrd="1" destOrd="0" presId="urn:microsoft.com/office/officeart/2005/8/layout/orgChart1"/>
+    <dgm:cxn modelId="{411CE684-A65A-44B4-AB1A-0E4F5B1D3327}" type="presOf" srcId="{AED10E6B-2A7C-4D87-AE2F-A9E67C153362}" destId="{8876F36E-6C3D-4776-ABDC-D185073FEE12}" srcOrd="0" destOrd="0" presId="urn:microsoft.com/office/officeart/2005/8/layout/orgChart1"/>
+    <dgm:cxn modelId="{C7B7B4EF-0083-44EB-A793-48642291DCE6}" type="presOf" srcId="{5B2848D0-14AE-442B-B9D1-35BFAB2E387C}" destId="{8842AA57-DB09-4A9C-9C4C-D2383C18400B}" srcOrd="0" destOrd="0" presId="urn:microsoft.com/office/officeart/2005/8/layout/orgChart1"/>
+    <dgm:cxn modelId="{BDA34EB5-0B0E-4E61-9A8F-81469EA5195A}" type="presOf" srcId="{31F75589-71C7-4560-8B8D-7ACEF423E831}" destId="{16671BCE-57AF-463A-9BDF-1D780F79A168}" srcOrd="1" destOrd="0" presId="urn:microsoft.com/office/officeart/2005/8/layout/orgChart1"/>
+    <dgm:cxn modelId="{339C7718-7C55-4F03-B7AC-08FB5BD73562}" type="presOf" srcId="{BB291C0A-1458-4D57-B34D-E7FBBDA7E2D6}" destId="{66DE1DB8-3A0D-4A46-8665-B7289E032EE7}" srcOrd="1" destOrd="0" presId="urn:microsoft.com/office/officeart/2005/8/layout/orgChart1"/>
+    <dgm:cxn modelId="{491BDEF1-F1F8-4CE7-B5EC-F00C331A3C8E}" srcId="{9415298D-26EA-4A6C-9F5B-E0E3E23E89A5}" destId="{6CD8509E-A00B-4F1E-8FFB-7AC5711DE29C}" srcOrd="4" destOrd="0" parTransId="{57DC7780-0DC9-4933-9067-F151516DD5E6}" sibTransId="{639F22BF-5ED6-4C02-99AE-5D8EE9A516DA}"/>
+    <dgm:cxn modelId="{1C9FC492-DD91-429F-A856-96E6FE741185}" type="presOf" srcId="{7E13B1E0-7188-42C9-8AF4-B8DF30A2FB2B}" destId="{417DA8A0-D100-4A7A-A72B-40F0F0FCD889}" srcOrd="1" destOrd="0" presId="urn:microsoft.com/office/officeart/2005/8/layout/orgChart1"/>
+    <dgm:cxn modelId="{CB633990-6776-454A-AB7C-99AA5823E44D}" type="presOf" srcId="{EE61DB26-84DE-4FC7-AA26-9818CD81E4DB}" destId="{D628ABE4-F7B0-4A71-B0F5-64846DEBF620}" srcOrd="1" destOrd="0" presId="urn:microsoft.com/office/officeart/2005/8/layout/orgChart1"/>
+    <dgm:cxn modelId="{4D951BD4-EEF8-4B15-923B-BA5502CF94CD}" srcId="{F68779E3-5F1B-4937-AD5A-30C29348322D}" destId="{69544CBA-CA27-437C-8C32-2CD286DB0F34}" srcOrd="5" destOrd="0" parTransId="{4ED3D2E9-09B3-4793-9165-1D0FEA576A8E}" sibTransId="{317B6A70-9CB2-4E50-A890-FCDB68A7791D}"/>
+    <dgm:cxn modelId="{84D4D4A0-19F9-4E2F-817D-E1FE33E023E1}" srcId="{08D7570B-7F60-45C4-A5BB-AAC3AFDA8848}" destId="{EE885740-B09E-4BF7-91EA-7D5BE0CC34D9}" srcOrd="5" destOrd="0" parTransId="{C519C543-625E-49DD-AF54-033354FFF0DF}" sibTransId="{30B571C1-3962-418E-BDC0-6E17C15DA404}"/>
+    <dgm:cxn modelId="{77EDF7B5-C6C1-495B-9A54-67977707B4AF}" type="presOf" srcId="{F589C454-8537-4BBA-B792-A995241DD511}" destId="{D753785A-B157-46B4-A6EE-48229D166B7A}" srcOrd="0" destOrd="0" presId="urn:microsoft.com/office/officeart/2005/8/layout/orgChart1"/>
+    <dgm:cxn modelId="{AA72D78E-848C-4670-94BB-AAAD44E64E69}" type="presOf" srcId="{57DC7780-0DC9-4933-9067-F151516DD5E6}" destId="{1DF323A8-D076-4F5E-9ADA-1C067301A684}" srcOrd="0" destOrd="0" presId="urn:microsoft.com/office/officeart/2005/8/layout/orgChart1"/>
+    <dgm:cxn modelId="{68FE87AA-2918-4C3A-AD5D-BE6C686470DE}" type="presOf" srcId="{69544CBA-CA27-437C-8C32-2CD286DB0F34}" destId="{FBD5581D-644B-4431-B1FE-09F7B8CE8682}" srcOrd="0" destOrd="0" presId="urn:microsoft.com/office/officeart/2005/8/layout/orgChart1"/>
+    <dgm:cxn modelId="{CDF4BC4E-BDE3-417B-9495-EA7BB865C247}" type="presOf" srcId="{1D03597F-B94B-4CF5-AC27-3069B5430A3F}" destId="{46FA37EC-03A5-4402-BC3E-621912E7CFF9}" srcOrd="0" destOrd="0" presId="urn:microsoft.com/office/officeart/2005/8/layout/orgChart1"/>
+    <dgm:cxn modelId="{20CA77F1-F4D6-47F2-A4CB-C3F5478E6EA8}" type="presOf" srcId="{71C2B6F7-464C-41F6-BB0A-96F5F2BEF7D0}" destId="{241DB644-022A-42E8-AFEC-FCFA4C8A0240}" srcOrd="0" destOrd="0" presId="urn:microsoft.com/office/officeart/2005/8/layout/orgChart1"/>
+    <dgm:cxn modelId="{EDC289AE-2CD5-49D2-AED3-A6F89A17AA48}" type="presOf" srcId="{FB6E65E7-5E34-4F2D-9A0F-4611B152FE07}" destId="{DC3C1DAE-B702-428D-9DC2-D42E2FA53FEA}" srcOrd="0" destOrd="0" presId="urn:microsoft.com/office/officeart/2005/8/layout/orgChart1"/>
+    <dgm:cxn modelId="{F2C98A02-A97B-45B7-91CB-1CC2BF11C71A}" type="presOf" srcId="{FAAC898B-8C27-4C3C-A668-661E0B7D09FF}" destId="{0F0E07EC-3BF2-439A-B87A-7D045FDEE17D}" srcOrd="0" destOrd="0" presId="urn:microsoft.com/office/officeart/2005/8/layout/orgChart1"/>
+    <dgm:cxn modelId="{2ACDCB2E-6193-4D6E-B00E-B339EEA46651}" type="presOf" srcId="{E9D10807-D0ED-4014-9724-3F0B7E0BBFA8}" destId="{B223C9B4-7C22-49AC-AD67-F4EE80F3A807}" srcOrd="1" destOrd="0" presId="urn:microsoft.com/office/officeart/2005/8/layout/orgChart1"/>
+    <dgm:cxn modelId="{713D6EB1-23F2-49FE-BB22-5C7DB4F05E29}" type="presOf" srcId="{F10CD7FE-EC1C-4FEA-838D-9E81CCF5D9A4}" destId="{D45BB389-BD1F-46D3-AA6D-A3E7AF665883}" srcOrd="1" destOrd="0" presId="urn:microsoft.com/office/officeart/2005/8/layout/orgChart1"/>
+    <dgm:cxn modelId="{E240B483-86A5-4715-8A96-5C2341BD5869}" type="presOf" srcId="{DE98661A-2A86-4E5B-BEBB-28CFE600295D}" destId="{1D1FB9AF-E56B-4BF2-86AD-D0757036F1B7}" srcOrd="1" destOrd="0" presId="urn:microsoft.com/office/officeart/2005/8/layout/orgChart1"/>
+    <dgm:cxn modelId="{5CFFB446-15FF-45EF-A5B3-5848D580327F}" srcId="{9415298D-26EA-4A6C-9F5B-E0E3E23E89A5}" destId="{03F0FF15-5677-4317-994F-EF7E3DF845AA}" srcOrd="3" destOrd="0" parTransId="{7DB6EBEF-D1E5-42F2-90AB-06B1E098AD0E}" sibTransId="{1A9D084B-49C2-472A-B412-E7014235E666}"/>
+    <dgm:cxn modelId="{CC3A6831-9C87-4A81-AC81-712B0A529FEE}" type="presOf" srcId="{EE885740-B09E-4BF7-91EA-7D5BE0CC34D9}" destId="{C67225CA-FAA3-4E27-9AA5-514986BCB57D}" srcOrd="1" destOrd="0" presId="urn:microsoft.com/office/officeart/2005/8/layout/orgChart1"/>
+    <dgm:cxn modelId="{7644C323-03A6-4ABF-9C43-42DC0407AB75}" type="presOf" srcId="{8968DFAC-2D32-4109-B15D-A75FD6B38343}" destId="{859A5F7A-4B51-4AD3-96AE-3C6BF22CD42A}" srcOrd="0" destOrd="0" presId="urn:microsoft.com/office/officeart/2005/8/layout/orgChart1"/>
+    <dgm:cxn modelId="{539AE6C1-3527-4265-B539-520F0E67AEC5}" type="presOf" srcId="{F570D233-7486-4900-80AA-7010FD12A345}" destId="{C1681FCF-D047-45EA-A575-4F5010ADD0F2}" srcOrd="0" destOrd="0" presId="urn:microsoft.com/office/officeart/2005/8/layout/orgChart1"/>
+    <dgm:cxn modelId="{A9B89E22-DD3D-42CE-ABBD-8B82C2C3926C}" srcId="{08D7570B-7F60-45C4-A5BB-AAC3AFDA8848}" destId="{3C317A52-ECB4-4542-BB96-DF4C309821B9}" srcOrd="3" destOrd="0" parTransId="{877C027F-D44C-4DDD-8828-83496E2ACB92}" sibTransId="{44CA257E-84E6-4E69-B2D8-6AB3FF6DC3B6}"/>
+    <dgm:cxn modelId="{ECA12F93-73F3-4FAD-A3CF-64C497706236}" type="presOf" srcId="{EE885740-B09E-4BF7-91EA-7D5BE0CC34D9}" destId="{884FAFCF-9AB1-4841-B81A-42C91DEBF4D4}" srcOrd="0" destOrd="0" presId="urn:microsoft.com/office/officeart/2005/8/layout/orgChart1"/>
+    <dgm:cxn modelId="{0EE4B45A-010D-4884-A539-9FAFB1F56C0A}" type="presOf" srcId="{75677C28-0B61-43C0-8518-57E83FD5FFFD}" destId="{17F7B421-5560-4AB8-A697-7872F61C07CB}" srcOrd="1" destOrd="0" presId="urn:microsoft.com/office/officeart/2005/8/layout/orgChart1"/>
+    <dgm:cxn modelId="{712F5371-5672-41AD-A47A-EE1577009282}" type="presOf" srcId="{6A7F68F6-829C-4020-AB30-793F80D466CF}" destId="{BAB0C97F-8914-47BF-B2B1-7EC4B43DB4B7}" srcOrd="0" destOrd="0" presId="urn:microsoft.com/office/officeart/2005/8/layout/orgChart1"/>
+    <dgm:cxn modelId="{7FBF3CAF-7D1C-4A58-AC82-E929BA8368FE}" srcId="{9415298D-26EA-4A6C-9F5B-E0E3E23E89A5}" destId="{BB291C0A-1458-4D57-B34D-E7FBBDA7E2D6}" srcOrd="2" destOrd="0" parTransId="{F6806731-5FCD-41C0-A0AB-74A32B05E930}" sibTransId="{B08ED9EB-7A3B-46A6-8BFA-9A7AA56ED696}"/>
+    <dgm:cxn modelId="{374C729F-5099-40AA-8308-6B7B52AEEC46}" type="presOf" srcId="{CE8B9297-0335-465D-8C14-F6670FD76933}" destId="{0C38FB8D-E312-4A4E-810A-7E8736445A2E}" srcOrd="0" destOrd="0" presId="urn:microsoft.com/office/officeart/2005/8/layout/orgChart1"/>
+    <dgm:cxn modelId="{D05030BB-85A1-4D1B-BA3B-D50E2B843501}" type="presOf" srcId="{BD76ABED-2DF9-43FC-8248-8906FC6ED38C}" destId="{E70CC0F3-62B4-402F-89EA-C1A8676F1211}" srcOrd="1" destOrd="0" presId="urn:microsoft.com/office/officeart/2005/8/layout/orgChart1"/>
+    <dgm:cxn modelId="{0A13970E-F627-4D6E-A6D8-11F53E84FEDF}" type="presOf" srcId="{9B915BF9-5721-4BAF-B37D-958659E5090C}" destId="{E73224E3-FD1A-47B0-AE42-E0AAA502C99E}" srcOrd="0" destOrd="0" presId="urn:microsoft.com/office/officeart/2005/8/layout/orgChart1"/>
+    <dgm:cxn modelId="{1286B984-F758-4A83-8146-7365EC320032}" srcId="{E129A0A3-02E8-44C7-A471-F10CE622EEE2}" destId="{EA6080DA-1AD7-4105-9E53-5437F4AF6BE1}" srcOrd="0" destOrd="0" parTransId="{33E5B74F-462A-4908-BA0C-E4B4BF8620A1}" sibTransId="{9DE78730-2548-4CF0-82B1-D98945C3B7C6}"/>
+    <dgm:cxn modelId="{F0CCE550-EFE6-486D-B91E-9C637AED0EAF}" type="presOf" srcId="{5946A508-DC21-481B-A321-729B4675A6D3}" destId="{33D38839-84BE-4441-98E0-5D6DA66F1D2B}" srcOrd="0" destOrd="0" presId="urn:microsoft.com/office/officeart/2005/8/layout/orgChart1"/>
+    <dgm:cxn modelId="{44C6765A-D0EB-4F4E-A3A6-5F9DA6DC0B62}" srcId="{05E1324F-8146-4646-9834-930E93833AAB}" destId="{1D03597F-B94B-4CF5-AC27-3069B5430A3F}" srcOrd="5" destOrd="0" parTransId="{ABFFCB7E-D3DC-49E9-BD47-996CD9C7FF2E}" sibTransId="{54424810-206F-4F68-A93A-C383B10CAE7C}"/>
+    <dgm:cxn modelId="{D20B77EA-234D-460E-9A01-7E659FFBF92E}" type="presOf" srcId="{3D4622CA-CE55-4B59-80B0-3EDC3294BDF0}" destId="{D119BCDD-6987-4B95-BBDB-BBDC012E938B}" srcOrd="1" destOrd="0" presId="urn:microsoft.com/office/officeart/2005/8/layout/orgChart1"/>
+    <dgm:cxn modelId="{D0F75C03-26EB-4DAB-941B-5F87C7534131}" srcId="{08D7570B-7F60-45C4-A5BB-AAC3AFDA8848}" destId="{FB6E65E7-5E34-4F2D-9A0F-4611B152FE07}" srcOrd="1" destOrd="0" parTransId="{ACCA721F-76E7-4109-9558-F003BABEE0B5}" sibTransId="{B8EAC0E2-7B96-4F3F-BE9C-E33DDF59A625}"/>
+    <dgm:cxn modelId="{D698B2FE-01E0-4803-A5E8-6FCA802CCF72}" type="presOf" srcId="{83162824-B7B0-48B0-B21A-2AC417FBEC99}" destId="{2A47ED97-16E2-4D9F-8AAE-E1FB4E603423}" srcOrd="0" destOrd="0" presId="urn:microsoft.com/office/officeart/2005/8/layout/orgChart1"/>
+    <dgm:cxn modelId="{B26CB1B3-7605-470A-BFFF-E13A78F1922D}" type="presOf" srcId="{83162824-B7B0-48B0-B21A-2AC417FBEC99}" destId="{7900D53E-0B0A-4930-9247-BE44BDA20A27}" srcOrd="1" destOrd="0" presId="urn:microsoft.com/office/officeart/2005/8/layout/orgChart1"/>
+    <dgm:cxn modelId="{761E4907-B292-4974-AD06-A5DB6E430F8D}" type="presOf" srcId="{AC388887-3AAD-48C2-8B57-2B70B31F3E6E}" destId="{2025E473-3398-4166-9622-6520D512BF80}" srcOrd="0" destOrd="0" presId="urn:microsoft.com/office/officeart/2005/8/layout/orgChart1"/>
+    <dgm:cxn modelId="{D46C45FE-18FB-4724-B70E-76CA296DE9F5}" type="presOf" srcId="{49ADF8F0-4FCE-4D5A-A622-6EB5356592AC}" destId="{E20B4C07-3983-469C-A063-47F8692D35C5}" srcOrd="1" destOrd="0" presId="urn:microsoft.com/office/officeart/2005/8/layout/orgChart1"/>
+    <dgm:cxn modelId="{08672C8A-B0D7-42BD-9071-54B7DF40B633}" type="presOf" srcId="{2D6B2F8B-B6CF-426B-A404-054170C92F9D}" destId="{D0BE9265-7754-430B-B93E-2D2D15EF8974}" srcOrd="0" destOrd="0" presId="urn:microsoft.com/office/officeart/2005/8/layout/orgChart1"/>
+    <dgm:cxn modelId="{C359C306-575C-4FFD-8830-B4A03B7E2351}" srcId="{05E1324F-8146-4646-9834-930E93833AAB}" destId="{F589C454-8537-4BBA-B792-A995241DD511}" srcOrd="0" destOrd="0" parTransId="{AC388887-3AAD-48C2-8B57-2B70B31F3E6E}" sibTransId="{38583907-B66F-4070-A371-A4E34D3AF2EB}"/>
+    <dgm:cxn modelId="{A82BF7AA-225C-4726-8772-80F85FBC1F43}" srcId="{E129A0A3-02E8-44C7-A471-F10CE622EEE2}" destId="{43166DAC-976F-42DF-9C20-29F234951604}" srcOrd="3" destOrd="0" parTransId="{9693E88B-89FA-4F40-91E9-07A585F60F1E}" sibTransId="{A4972646-8D7B-4D9F-9384-B0093249AB58}"/>
+    <dgm:cxn modelId="{F1E6903D-349C-49C7-A733-8F754F52959A}" type="presOf" srcId="{3F8C432B-19EE-4D0F-B1F6-AE55DEADBD78}" destId="{5F187E70-CE21-445A-A027-62F7814CDC54}" srcOrd="0" destOrd="0" presId="urn:microsoft.com/office/officeart/2005/8/layout/orgChart1"/>
     <dgm:cxn modelId="{31ECCDEA-DF78-4CB0-A002-3391C5F2482E}" srcId="{08D7570B-7F60-45C4-A5BB-AAC3AFDA8848}" destId="{3D4622CA-CE55-4B59-80B0-3EDC3294BDF0}" srcOrd="0" destOrd="0" parTransId="{FD175948-8E56-4907-A90D-D33026458406}" sibTransId="{88B71603-925E-4482-A942-D7E2882D0773}"/>
-    <dgm:cxn modelId="{C359C306-575C-4FFD-8830-B4A03B7E2351}" srcId="{05E1324F-8146-4646-9834-930E93833AAB}" destId="{F589C454-8537-4BBA-B792-A995241DD511}" srcOrd="0" destOrd="0" parTransId="{AC388887-3AAD-48C2-8B57-2B70B31F3E6E}" sibTransId="{38583907-B66F-4070-A371-A4E34D3AF2EB}"/>
-    <dgm:cxn modelId="{35DF3317-AB78-4FC9-AED9-D63C9BDC6056}" type="presOf" srcId="{FD175948-8E56-4907-A90D-D33026458406}" destId="{FD377280-DB89-464B-8AB5-3FD633C31F64}" srcOrd="0" destOrd="0" presId="urn:microsoft.com/office/officeart/2005/8/layout/orgChart1"/>
-    <dgm:cxn modelId="{355D963E-C091-4329-AB8C-63B9327B04C8}" type="presOf" srcId="{453AC38F-5E8F-45CC-A83B-D6379A610B1B}" destId="{F9DC42A8-DEA3-4BD7-950A-A4E2F1D5E1F6}" srcOrd="1" destOrd="0" presId="urn:microsoft.com/office/officeart/2005/8/layout/orgChart1"/>
-    <dgm:cxn modelId="{77EDF7B5-C6C1-495B-9A54-67977707B4AF}" type="presOf" srcId="{F589C454-8537-4BBA-B792-A995241DD511}" destId="{D753785A-B157-46B4-A6EE-48229D166B7A}" srcOrd="0" destOrd="0" presId="urn:microsoft.com/office/officeart/2005/8/layout/orgChart1"/>
-    <dgm:cxn modelId="{BB14046B-2707-4169-8AB4-CFFF7681625D}" srcId="{AC9EFDF2-1E89-413C-A544-762CE1A4F8C0}" destId="{E89F140B-F088-40FC-BE98-59467D811621}" srcOrd="1" destOrd="0" parTransId="{115FF7EE-A848-41F1-A50A-DD0B956D0B88}" sibTransId="{656888D5-4CD4-48E9-9887-1CB3215EC5AF}"/>
-    <dgm:cxn modelId="{393418AE-B165-44BA-B7C1-BE7AE8435818}" type="presOf" srcId="{E3784866-5079-48A1-8C65-5C1C9D9F351C}" destId="{766441B4-B8A8-4699-81BE-69FA6C2DABFF}" srcOrd="0" destOrd="0" presId="urn:microsoft.com/office/officeart/2005/8/layout/orgChart1"/>
-    <dgm:cxn modelId="{D46C45FE-18FB-4724-B70E-76CA296DE9F5}" type="presOf" srcId="{49ADF8F0-4FCE-4D5A-A622-6EB5356592AC}" destId="{E20B4C07-3983-469C-A063-47F8692D35C5}" srcOrd="1" destOrd="0" presId="urn:microsoft.com/office/officeart/2005/8/layout/orgChart1"/>
-    <dgm:cxn modelId="{6E1C765A-8796-4A70-A90A-E917AE773968}" type="presOf" srcId="{AC9EFDF2-1E89-413C-A544-762CE1A4F8C0}" destId="{0A098B36-3337-4D13-9601-4B794921025C}" srcOrd="1" destOrd="0" presId="urn:microsoft.com/office/officeart/2005/8/layout/orgChart1"/>
-    <dgm:cxn modelId="{583893C9-62EF-4198-BE15-75BB7AD1F16B}" type="presOf" srcId="{516D82E2-F1C1-48C1-9581-28AFAB241B56}" destId="{48B5F079-A5F9-4833-A823-6B4CE7A5B7F1}" srcOrd="0" destOrd="0" presId="urn:microsoft.com/office/officeart/2005/8/layout/orgChart1"/>
-    <dgm:cxn modelId="{69519F29-7393-4E48-A309-3B156FF436F5}" type="presOf" srcId="{A1ABF615-87CE-47C8-9EE0-167A5F546929}" destId="{0F860817-A773-451B-A163-FF7218806A3C}" srcOrd="0" destOrd="0" presId="urn:microsoft.com/office/officeart/2005/8/layout/orgChart1"/>
-    <dgm:cxn modelId="{D20B77EA-234D-460E-9A01-7E659FFBF92E}" type="presOf" srcId="{3D4622CA-CE55-4B59-80B0-3EDC3294BDF0}" destId="{D119BCDD-6987-4B95-BBDB-BBDC012E938B}" srcOrd="1" destOrd="0" presId="urn:microsoft.com/office/officeart/2005/8/layout/orgChart1"/>
-    <dgm:cxn modelId="{AD8119AD-F551-4AFC-B7C0-E91119D006F7}" type="presOf" srcId="{42DCF222-A7F0-4F5C-9587-98C17917CED9}" destId="{9196C4E4-EE38-43B3-B19C-DDABD9FFCCAF}" srcOrd="1" destOrd="0" presId="urn:microsoft.com/office/officeart/2005/8/layout/orgChart1"/>
-    <dgm:cxn modelId="{28620A2A-243A-4348-80F9-46F5F20651BB}" srcId="{9415298D-26EA-4A6C-9F5B-E0E3E23E89A5}" destId="{6A7F68F6-829C-4020-AB30-793F80D466CF}" srcOrd="5" destOrd="0" parTransId="{FAAC898B-8C27-4C3C-A668-661E0B7D09FF}" sibTransId="{1B445081-8690-45C2-BEFF-39A4689D7AFB}"/>
-    <dgm:cxn modelId="{BB7E22A5-873A-4BB2-9C7E-616F5C44B538}" type="presOf" srcId="{4C86D47B-C8EC-4779-8423-75ABE738C448}" destId="{A6441542-2426-4E70-8C5A-A610B16CC2C2}" srcOrd="1" destOrd="0" presId="urn:microsoft.com/office/officeart/2005/8/layout/orgChart1"/>
-    <dgm:cxn modelId="{4FC61AEB-E628-4356-89F4-E5285539C9B0}" type="presOf" srcId="{03F0FF15-5677-4317-994F-EF7E3DF845AA}" destId="{5FB5A517-64A3-4BBB-9C06-CCF84D5E5E7F}" srcOrd="0" destOrd="0" presId="urn:microsoft.com/office/officeart/2005/8/layout/orgChart1"/>
+    <dgm:cxn modelId="{45112542-EE09-4A45-9662-D3C4700BAF53}" srcId="{3D4622CA-CE55-4B59-80B0-3EDC3294BDF0}" destId="{BD76ABED-2DF9-43FC-8248-8906FC6ED38C}" srcOrd="2" destOrd="0" parTransId="{14938C81-B03D-4F7B-AA43-E5108073D6DA}" sibTransId="{BBD1E240-613A-459B-BBA0-5760C1FE9C86}"/>
+    <dgm:cxn modelId="{A0AB797C-A447-494F-9C6B-3CDDB0C9D59B}" type="presOf" srcId="{2D6B2F8B-B6CF-426B-A404-054170C92F9D}" destId="{F4BA0C1D-5C25-4E73-8144-9BF4D7BD4CF3}" srcOrd="1" destOrd="0" presId="urn:microsoft.com/office/officeart/2005/8/layout/orgChart1"/>
+    <dgm:cxn modelId="{D64A4F02-3D57-4593-A6EC-034B8B231FF7}" type="presOf" srcId="{91B4F49E-8C51-4ED5-846D-7687744653B7}" destId="{97AFF7B0-F91B-4C96-9FFA-70E15E87645F}" srcOrd="0" destOrd="0" presId="urn:microsoft.com/office/officeart/2005/8/layout/orgChart1"/>
+    <dgm:cxn modelId="{815B337A-36A2-4800-BAE7-8ADD3EF107C2}" type="presOf" srcId="{1D03597F-B94B-4CF5-AC27-3069B5430A3F}" destId="{517286A5-4009-43AD-B5C7-2EDA0C5BC3D3}" srcOrd="1" destOrd="0" presId="urn:microsoft.com/office/officeart/2005/8/layout/orgChart1"/>
+    <dgm:cxn modelId="{F7F96797-13F0-46B8-B571-7D1415A3A6DB}" srcId="{05E1324F-8146-4646-9834-930E93833AAB}" destId="{F10CD7FE-EC1C-4FEA-838D-9E81CCF5D9A4}" srcOrd="1" destOrd="0" parTransId="{BAFC39B4-EA0D-452B-8F16-9D73BD0FD1D6}" sibTransId="{8EB84A44-04D3-441F-97C4-887B196822BE}"/>
+    <dgm:cxn modelId="{9EFA50B1-28F4-4BE0-AEA2-1AC1C1FCDF4A}" type="presOf" srcId="{F5B0F976-4370-4DFE-82B8-C5A097EEA79F}" destId="{E4D47D8C-F1B0-4921-9C78-48D8EE3931CC}" srcOrd="0" destOrd="0" presId="urn:microsoft.com/office/officeart/2005/8/layout/orgChart1"/>
+    <dgm:cxn modelId="{933B1ABB-EC21-4856-A1AE-5D6376B23208}" srcId="{F68779E3-5F1B-4937-AD5A-30C29348322D}" destId="{75677C28-0B61-43C0-8518-57E83FD5FFFD}" srcOrd="1" destOrd="0" parTransId="{AED10E6B-2A7C-4D87-AE2F-A9E67C153362}" sibTransId="{60ECD780-91DC-4A56-9513-E88AC9A59C38}"/>
+    <dgm:cxn modelId="{E8A64E36-2699-4DEF-A028-2A7CF63D1971}" type="presOf" srcId="{E129A0A3-02E8-44C7-A471-F10CE622EEE2}" destId="{E8AF00D2-BB93-469E-A36A-6AD7C13875D0}" srcOrd="0" destOrd="0" presId="urn:microsoft.com/office/officeart/2005/8/layout/orgChart1"/>
     <dgm:cxn modelId="{F915AC93-599A-4D64-8CE7-5BE80BF0F512}" type="presOf" srcId="{B9C56D9D-EBB0-4EA4-9BA2-131EA7C33A70}" destId="{F60819AF-262B-44D4-B6CD-9C904A5B846A}" srcOrd="0" destOrd="0" presId="urn:microsoft.com/office/officeart/2005/8/layout/orgChart1"/>
-    <dgm:cxn modelId="{1B57DE23-0D1A-419E-BBBC-30D37214859A}" type="presOf" srcId="{F589C454-8537-4BBA-B792-A995241DD511}" destId="{43A08212-8760-457F-9AC3-16EF13226B86}" srcOrd="1" destOrd="0" presId="urn:microsoft.com/office/officeart/2005/8/layout/orgChart1"/>
-    <dgm:cxn modelId="{4E9A88F7-195B-4B8B-B95F-C1938F0A1F7E}" type="presOf" srcId="{388B03AE-1583-4706-A7BB-BA764C869B0C}" destId="{7744727E-DB01-42E4-BCB6-4468D98A7EE2}" srcOrd="1" destOrd="0" presId="urn:microsoft.com/office/officeart/2005/8/layout/orgChart1"/>
-    <dgm:cxn modelId="{F2C98A02-A97B-45B7-91CB-1CC2BF11C71A}" type="presOf" srcId="{FAAC898B-8C27-4C3C-A668-661E0B7D09FF}" destId="{0F0E07EC-3BF2-439A-B87A-7D045FDEE17D}" srcOrd="0" destOrd="0" presId="urn:microsoft.com/office/officeart/2005/8/layout/orgChart1"/>
-    <dgm:cxn modelId="{4EBF8048-C673-4336-8577-1E054DAC3726}" type="presOf" srcId="{3D4622CA-CE55-4B59-80B0-3EDC3294BDF0}" destId="{663400F7-B751-437D-8E43-177979E03F10}" srcOrd="0" destOrd="0" presId="urn:microsoft.com/office/officeart/2005/8/layout/orgChart1"/>
-    <dgm:cxn modelId="{5DF8311F-65B5-4F85-A0B4-54E824C691A3}" type="presOf" srcId="{42DCF222-A7F0-4F5C-9587-98C17917CED9}" destId="{6E8E21EA-F0A7-465B-BEC2-469B6D3324DC}" srcOrd="0" destOrd="0" presId="urn:microsoft.com/office/officeart/2005/8/layout/orgChart1"/>
-    <dgm:cxn modelId="{4FB8201C-F41E-44C9-BCF4-EAFB530552B5}" type="presOf" srcId="{E89F140B-F088-40FC-BE98-59467D811621}" destId="{E55C1A4E-3864-49EA-94DA-A061B38493CC}" srcOrd="0" destOrd="0" presId="urn:microsoft.com/office/officeart/2005/8/layout/orgChart1"/>
-    <dgm:cxn modelId="{49FE17D7-D4C6-4A7F-B064-287B2B2C4ED6}" srcId="{3D4622CA-CE55-4B59-80B0-3EDC3294BDF0}" destId="{49ADF8F0-4FCE-4D5A-A622-6EB5356592AC}" srcOrd="3" destOrd="0" parTransId="{301A8421-BFB3-4791-BD9C-8B5DF53C5C92}" sibTransId="{B3D55AF9-5626-4125-9DA5-37B2809DECCC}"/>
-    <dgm:cxn modelId="{713D6EB1-23F2-49FE-BB22-5C7DB4F05E29}" type="presOf" srcId="{F10CD7FE-EC1C-4FEA-838D-9E81CCF5D9A4}" destId="{D45BB389-BD1F-46D3-AA6D-A3E7AF665883}" srcOrd="1" destOrd="0" presId="urn:microsoft.com/office/officeart/2005/8/layout/orgChart1"/>
-    <dgm:cxn modelId="{F0CCE550-EFE6-486D-B91E-9C637AED0EAF}" type="presOf" srcId="{5946A508-DC21-481B-A321-729B4675A6D3}" destId="{33D38839-84BE-4441-98E0-5D6DA66F1D2B}" srcOrd="0" destOrd="0" presId="urn:microsoft.com/office/officeart/2005/8/layout/orgChart1"/>
-    <dgm:cxn modelId="{85411383-DB2F-45DA-8273-BE84F9E187C6}" srcId="{AC9EFDF2-1E89-413C-A544-762CE1A4F8C0}" destId="{60FBE8D4-75D7-4CAD-8908-CAE65E181666}" srcOrd="3" destOrd="0" parTransId="{5B2848D0-14AE-442B-B9D1-35BFAB2E387C}" sibTransId="{8EE4ECE9-703A-405C-86D5-868F9E7AB0F7}"/>
-    <dgm:cxn modelId="{F8B96EB6-A958-413C-B775-6C974A9881A2}" type="presOf" srcId="{82952DE5-59D2-434F-AC20-AF1ED12E162B}" destId="{AC8D3BD3-BABB-4DA0-9C28-9D8F780EA302}" srcOrd="0" destOrd="0" presId="urn:microsoft.com/office/officeart/2005/8/layout/orgChart1"/>
-    <dgm:cxn modelId="{336F9B39-3C25-45B7-94EC-A1664A83DC46}" type="presOf" srcId="{3C317A52-ECB4-4542-BB96-DF4C309821B9}" destId="{02FBAA06-E91C-4408-9781-CAA72564A194}" srcOrd="0" destOrd="0" presId="urn:microsoft.com/office/officeart/2005/8/layout/orgChart1"/>
-    <dgm:cxn modelId="{C7B7B4EF-0083-44EB-A793-48642291DCE6}" type="presOf" srcId="{5B2848D0-14AE-442B-B9D1-35BFAB2E387C}" destId="{8842AA57-DB09-4A9C-9C4C-D2383C18400B}" srcOrd="0" destOrd="0" presId="urn:microsoft.com/office/officeart/2005/8/layout/orgChart1"/>
-    <dgm:cxn modelId="{61CFC213-6CB5-4B93-BA3B-AA4F2B9EBDC0}" type="presOf" srcId="{0CC234EE-CBD0-4BE8-8A69-F9BA62E41C35}" destId="{2E8E8F2D-2A5C-4159-B348-A94BB1F559F7}" srcOrd="1" destOrd="0" presId="urn:microsoft.com/office/officeart/2005/8/layout/orgChart1"/>
-    <dgm:cxn modelId="{EDC289AE-2CD5-49D2-AED3-A6F89A17AA48}" type="presOf" srcId="{FB6E65E7-5E34-4F2D-9A0F-4611B152FE07}" destId="{DC3C1DAE-B702-428D-9DC2-D42E2FA53FEA}" srcOrd="0" destOrd="0" presId="urn:microsoft.com/office/officeart/2005/8/layout/orgChart1"/>
-    <dgm:cxn modelId="{CE783B36-1A55-48CA-BD5D-1E4AA4AE009D}" type="presOf" srcId="{05E1324F-8146-4646-9834-930E93833AAB}" destId="{A45939A9-E556-4832-BA32-2352071BF3CD}" srcOrd="0" destOrd="0" presId="urn:microsoft.com/office/officeart/2005/8/layout/orgChart1"/>
-    <dgm:cxn modelId="{0DE18898-3C36-471D-BEA0-F58FD97A7FF5}" type="presOf" srcId="{ABFFCB7E-D3DC-49E9-BD47-996CD9C7FF2E}" destId="{7562EDAB-C69B-4B8C-AD16-5F02DF516D6E}" srcOrd="0" destOrd="0" presId="urn:microsoft.com/office/officeart/2005/8/layout/orgChart1"/>
-    <dgm:cxn modelId="{5B48BC4B-5FAF-46F5-A728-4F243F68F208}" type="presOf" srcId="{08D7570B-7F60-45C4-A5BB-AAC3AFDA8848}" destId="{DD724892-C7D1-4A1B-8704-5673780CFD0C}" srcOrd="1" destOrd="0" presId="urn:microsoft.com/office/officeart/2005/8/layout/orgChart1"/>
-    <dgm:cxn modelId="{7F2CF5AA-DAF0-4572-B730-FB0712B3BB34}" type="presOf" srcId="{C9124633-A3F9-4E9E-B7AD-8AD6304814CA}" destId="{F7F96BC3-E097-46A0-AE3A-243620DA9566}" srcOrd="0" destOrd="0" presId="urn:microsoft.com/office/officeart/2005/8/layout/orgChart1"/>
-    <dgm:cxn modelId="{761E4907-B292-4974-AD06-A5DB6E430F8D}" type="presOf" srcId="{AC388887-3AAD-48C2-8B57-2B70B31F3E6E}" destId="{2025E473-3398-4166-9622-6520D512BF80}" srcOrd="0" destOrd="0" presId="urn:microsoft.com/office/officeart/2005/8/layout/orgChart1"/>
-    <dgm:cxn modelId="{D3BDA09C-59A0-4B51-AA73-61899CCE873E}" type="presOf" srcId="{E89F140B-F088-40FC-BE98-59467D811621}" destId="{1AFBCD00-52B8-4D63-A2AF-D6EB93C463E5}" srcOrd="1" destOrd="0" presId="urn:microsoft.com/office/officeart/2005/8/layout/orgChart1"/>
-    <dgm:cxn modelId="{B83ACD1C-47B6-41D2-A4DC-D936021AEBD6}" type="presOf" srcId="{03F0FF15-5677-4317-994F-EF7E3DF845AA}" destId="{0F9A0379-A26E-4B67-85C1-C4422D49AF5E}" srcOrd="1" destOrd="0" presId="urn:microsoft.com/office/officeart/2005/8/layout/orgChart1"/>
-    <dgm:cxn modelId="{5FD7CA26-C5E2-4FDE-B856-8566C5DCB56B}" type="presOf" srcId="{31F75589-71C7-4560-8B8D-7ACEF423E831}" destId="{67CCD494-5ACB-4043-B066-D50635942A40}" srcOrd="0" destOrd="0" presId="urn:microsoft.com/office/officeart/2005/8/layout/orgChart1"/>
-    <dgm:cxn modelId="{491BDEF1-F1F8-4CE7-B5EC-F00C331A3C8E}" srcId="{9415298D-26EA-4A6C-9F5B-E0E3E23E89A5}" destId="{6CD8509E-A00B-4F1E-8FFB-7AC5711DE29C}" srcOrd="4" destOrd="0" parTransId="{57DC7780-0DC9-4933-9067-F151516DD5E6}" sibTransId="{639F22BF-5ED6-4C02-99AE-5D8EE9A516DA}"/>
-    <dgm:cxn modelId="{815B337A-36A2-4800-BAE7-8ADD3EF107C2}" type="presOf" srcId="{1D03597F-B94B-4CF5-AC27-3069B5430A3F}" destId="{517286A5-4009-43AD-B5C7-2EDA0C5BC3D3}" srcOrd="1" destOrd="0" presId="urn:microsoft.com/office/officeart/2005/8/layout/orgChart1"/>
-    <dgm:cxn modelId="{4B5E1237-DC16-4C50-8AFB-F0CEB500AFB7}" type="presOf" srcId="{BB291C0A-1458-4D57-B34D-E7FBBDA7E2D6}" destId="{36587E54-975A-4C05-B2B4-F67567496F60}" srcOrd="0" destOrd="0" presId="urn:microsoft.com/office/officeart/2005/8/layout/orgChart1"/>
-    <dgm:cxn modelId="{20378B9C-CBBF-4608-BB61-D2F4C6FD2E27}" srcId="{9415298D-26EA-4A6C-9F5B-E0E3E23E89A5}" destId="{2A449A93-E6F7-4B50-94C3-64C4ABF8D9AE}" srcOrd="1" destOrd="0" parTransId="{A2ACCAC0-174D-4F18-BC30-4514C72F774D}" sibTransId="{B8FF5A9D-9835-422F-AA08-E3D79B76D6DC}"/>
-    <dgm:cxn modelId="{1BC613D7-D652-43DC-8228-7383D38543B8}" srcId="{08D7570B-7F60-45C4-A5BB-AAC3AFDA8848}" destId="{9415298D-26EA-4A6C-9F5B-E0E3E23E89A5}" srcOrd="2" destOrd="0" parTransId="{71C2B6F7-464C-41F6-BB0A-96F5F2BEF7D0}" sibTransId="{C93D2315-D7AD-4FB3-92E4-7411368C82A0}"/>
-    <dgm:cxn modelId="{A9B89E22-DD3D-42CE-ABBD-8B82C2C3926C}" srcId="{08D7570B-7F60-45C4-A5BB-AAC3AFDA8848}" destId="{3C317A52-ECB4-4542-BB96-DF4C309821B9}" srcOrd="3" destOrd="0" parTransId="{877C027F-D44C-4DDD-8828-83496E2ACB92}" sibTransId="{44CA257E-84E6-4E69-B2D8-6AB3FF6DC3B6}"/>
-    <dgm:cxn modelId="{712F5371-5672-41AD-A47A-EE1577009282}" type="presOf" srcId="{6A7F68F6-829C-4020-AB30-793F80D466CF}" destId="{BAB0C97F-8914-47BF-B2B1-7EC4B43DB4B7}" srcOrd="0" destOrd="0" presId="urn:microsoft.com/office/officeart/2005/8/layout/orgChart1"/>
-    <dgm:cxn modelId="{A77D30CB-EC5C-41CA-B0EF-7ED7CA3E93CE}" type="presOf" srcId="{453AC38F-5E8F-45CC-A83B-D6379A610B1B}" destId="{2A963296-5DBA-404D-9E63-B7A2AADEE936}" srcOrd="0" destOrd="0" presId="urn:microsoft.com/office/officeart/2005/8/layout/orgChart1"/>
-    <dgm:cxn modelId="{374C729F-5099-40AA-8308-6B7B52AEEC46}" type="presOf" srcId="{CE8B9297-0335-465D-8C14-F6670FD76933}" destId="{0C38FB8D-E312-4A4E-810A-7E8736445A2E}" srcOrd="0" destOrd="0" presId="urn:microsoft.com/office/officeart/2005/8/layout/orgChart1"/>
-    <dgm:cxn modelId="{4D951BD4-EEF8-4B15-923B-BA5502CF94CD}" srcId="{F68779E3-5F1B-4937-AD5A-30C29348322D}" destId="{69544CBA-CA27-437C-8C32-2CD286DB0F34}" srcOrd="5" destOrd="0" parTransId="{4ED3D2E9-09B3-4793-9165-1D0FEA576A8E}" sibTransId="{317B6A70-9CB2-4E50-A890-FCDB68A7791D}"/>
-    <dgm:cxn modelId="{4234CEDE-CBEA-4EED-8E5F-F262EE05EE8F}" type="presOf" srcId="{A9B0EBBD-90C9-4572-870D-538344F560BB}" destId="{DCC6D923-F06B-413D-AE46-9B6FCE7C1311}" srcOrd="0" destOrd="0" presId="urn:microsoft.com/office/officeart/2005/8/layout/orgChart1"/>
-    <dgm:cxn modelId="{F7F96797-13F0-46B8-B571-7D1415A3A6DB}" srcId="{05E1324F-8146-4646-9834-930E93833AAB}" destId="{F10CD7FE-EC1C-4FEA-838D-9E81CCF5D9A4}" srcOrd="1" destOrd="0" parTransId="{BAFC39B4-EA0D-452B-8F16-9D73BD0FD1D6}" sibTransId="{8EB84A44-04D3-441F-97C4-887B196822BE}"/>
-    <dgm:cxn modelId="{5CFFB446-15FF-45EF-A5B3-5848D580327F}" srcId="{9415298D-26EA-4A6C-9F5B-E0E3E23E89A5}" destId="{03F0FF15-5677-4317-994F-EF7E3DF845AA}" srcOrd="3" destOrd="0" parTransId="{7DB6EBEF-D1E5-42F2-90AB-06B1E098AD0E}" sibTransId="{1A9D084B-49C2-472A-B412-E7014235E666}"/>
     <dgm:cxn modelId="{4AE3150B-50D1-49D5-84CF-D3292395BE51}" srcId="{05E1324F-8146-4646-9834-930E93833AAB}" destId="{0CC234EE-CBD0-4BE8-8A69-F9BA62E41C35}" srcOrd="4" destOrd="0" parTransId="{A1ABF615-87CE-47C8-9EE0-167A5F546929}" sibTransId="{5D142D51-7DE7-429E-AD81-EF5AAF59E4F6}"/>
     <dgm:cxn modelId="{80B1BF19-82AD-451F-8A6F-BD9B067F63F5}" type="presOf" srcId="{4C86D47B-C8EC-4779-8423-75ABE738C448}" destId="{EC293EBA-4255-46A1-8E1F-B158725339EB}" srcOrd="0" destOrd="0" presId="urn:microsoft.com/office/officeart/2005/8/layout/orgChart1"/>
+    <dgm:cxn modelId="{B23B45A2-4B46-43CB-AC95-10526C94DF77}" srcId="{EE885740-B09E-4BF7-91EA-7D5BE0CC34D9}" destId="{91B4F49E-8C51-4ED5-846D-7687744653B7}" srcOrd="1" destOrd="0" parTransId="{22738289-E6E9-4271-A85A-E248B6921259}" sibTransId="{3C63D8A9-04D9-4609-AEFD-3E569ECBE688}"/>
+    <dgm:cxn modelId="{1D66EC88-8F35-498D-A567-D8DD542CF287}" type="presOf" srcId="{60FBE8D4-75D7-4CAD-8908-CAE65E181666}" destId="{4E073421-6C6C-4A62-B266-87426BA3804A}" srcOrd="0" destOrd="0" presId="urn:microsoft.com/office/officeart/2005/8/layout/orgChart1"/>
+    <dgm:cxn modelId="{4B72D40D-30CF-43F6-8EC5-74BB545F4DD6}" srcId="{3D4622CA-CE55-4B59-80B0-3EDC3294BDF0}" destId="{31F75589-71C7-4560-8B8D-7ACEF423E831}" srcOrd="0" destOrd="0" parTransId="{516D82E2-F1C1-48C1-9581-28AFAB241B56}" sibTransId="{A4AAE6ED-DCF7-4C0D-B268-1106A0B5F490}"/>
+    <dgm:cxn modelId="{4F8C4590-BB1C-40FD-8EB2-66405C6B747B}" type="presOf" srcId="{AC9EFDF2-1E89-413C-A544-762CE1A4F8C0}" destId="{811F0CEB-3001-4879-8561-FFAA758F9C4D}" srcOrd="0" destOrd="0" presId="urn:microsoft.com/office/officeart/2005/8/layout/orgChart1"/>
+    <dgm:cxn modelId="{E5E8FD9D-8A60-4347-B3FC-81A122C31E29}" srcId="{AC9EFDF2-1E89-413C-A544-762CE1A4F8C0}" destId="{E9D10807-D0ED-4014-9724-3F0B7E0BBFA8}" srcOrd="0" destOrd="0" parTransId="{7B4CEC73-92CF-40AF-ADC3-F9A4ABE87813}" sibTransId="{1806BABF-F2EC-4D1F-9C5F-A8F8AD2743FE}"/>
+    <dgm:cxn modelId="{237799A9-6E34-401E-BF47-C6DAE244DD5B}" type="presOf" srcId="{B9578511-1845-41D9-B567-2EED72A74826}" destId="{457CB696-EF0C-4FAF-85AD-1B9458750CA1}" srcOrd="1" destOrd="0" presId="urn:microsoft.com/office/officeart/2005/8/layout/orgChart1"/>
+    <dgm:cxn modelId="{769A57F5-E907-480E-AE5F-602BBFC9C715}" type="presOf" srcId="{1CDE04AC-330B-476F-9CC7-600E92AC4F85}" destId="{73671477-F3A7-40C7-B6C4-1C1BA12C21C1}" srcOrd="0" destOrd="0" presId="urn:microsoft.com/office/officeart/2005/8/layout/orgChart1"/>
+    <dgm:cxn modelId="{4FB8201C-F41E-44C9-BCF4-EAFB530552B5}" type="presOf" srcId="{E89F140B-F088-40FC-BE98-59467D811621}" destId="{E55C1A4E-3864-49EA-94DA-A061B38493CC}" srcOrd="0" destOrd="0" presId="urn:microsoft.com/office/officeart/2005/8/layout/orgChart1"/>
+    <dgm:cxn modelId="{CD6E9FDF-5D48-45CC-B294-AA33E3CA16ED}" type="presOf" srcId="{877C027F-D44C-4DDD-8828-83496E2ACB92}" destId="{71481971-5924-4985-8A58-65BC3302CFE1}" srcOrd="0" destOrd="0" presId="urn:microsoft.com/office/officeart/2005/8/layout/orgChart1"/>
+    <dgm:cxn modelId="{61E6B963-562F-428E-8425-D803906914A2}" srcId="{1CDE04AC-330B-476F-9CC7-600E92AC4F85}" destId="{EE61DB26-84DE-4FC7-AA26-9818CD81E4DB}" srcOrd="1" destOrd="0" parTransId="{A9B0EBBD-90C9-4572-870D-538344F560BB}" sibTransId="{1E243EF9-B384-46DC-AE21-B62B7905D848}"/>
+    <dgm:cxn modelId="{5E763FD6-1219-4D78-AFAE-0966E124990D}" type="presOf" srcId="{FAE29150-1962-4BCA-A58E-752BF483FA29}" destId="{9BA8D16E-FC63-471E-866A-67AEF19A834C}" srcOrd="0" destOrd="0" presId="urn:microsoft.com/office/officeart/2005/8/layout/orgChart1"/>
+    <dgm:cxn modelId="{1B57DE23-0D1A-419E-BBBC-30D37214859A}" type="presOf" srcId="{F589C454-8537-4BBA-B792-A995241DD511}" destId="{43A08212-8760-457F-9AC3-16EF13226B86}" srcOrd="1" destOrd="0" presId="urn:microsoft.com/office/officeart/2005/8/layout/orgChart1"/>
+    <dgm:cxn modelId="{B83ACD1C-47B6-41D2-A4DC-D936021AEBD6}" type="presOf" srcId="{03F0FF15-5677-4317-994F-EF7E3DF845AA}" destId="{0F9A0379-A26E-4B67-85C1-C4422D49AF5E}" srcOrd="1" destOrd="0" presId="urn:microsoft.com/office/officeart/2005/8/layout/orgChart1"/>
+    <dgm:cxn modelId="{336F9B39-3C25-45B7-94EC-A1664A83DC46}" type="presOf" srcId="{3C317A52-ECB4-4542-BB96-DF4C309821B9}" destId="{02FBAA06-E91C-4408-9781-CAA72564A194}" srcOrd="0" destOrd="0" presId="urn:microsoft.com/office/officeart/2005/8/layout/orgChart1"/>
+    <dgm:cxn modelId="{4234CEDE-CBEA-4EED-8E5F-F262EE05EE8F}" type="presOf" srcId="{A9B0EBBD-90C9-4572-870D-538344F560BB}" destId="{DCC6D923-F06B-413D-AE46-9B6FCE7C1311}" srcOrd="0" destOrd="0" presId="urn:microsoft.com/office/officeart/2005/8/layout/orgChart1"/>
+    <dgm:cxn modelId="{FA1230EE-D658-4FD7-9033-A7D9F4022D0D}" type="presOf" srcId="{F6806731-5FCD-41C0-A0AB-74A32B05E930}" destId="{D9843133-6085-4ACE-BDB1-DC36B851A413}" srcOrd="0" destOrd="0" presId="urn:microsoft.com/office/officeart/2005/8/layout/orgChart1"/>
+    <dgm:cxn modelId="{B3FF7D29-5639-4ED1-B469-7D4F85750C0B}" type="presOf" srcId="{91B4F49E-8C51-4ED5-846D-7687744653B7}" destId="{1199E26E-2182-479E-B76A-05D902C45189}" srcOrd="1" destOrd="0" presId="urn:microsoft.com/office/officeart/2005/8/layout/orgChart1"/>
+    <dgm:cxn modelId="{59642E7A-2F85-4D3F-8975-0D7A3963C7CB}" type="presOf" srcId="{ACCA721F-76E7-4109-9558-F003BABEE0B5}" destId="{6A3EFA0E-0745-4CCD-81AF-1978C059994D}" srcOrd="0" destOrd="0" presId="urn:microsoft.com/office/officeart/2005/8/layout/orgChart1"/>
+    <dgm:cxn modelId="{4EBF8048-C673-4336-8577-1E054DAC3726}" type="presOf" srcId="{3D4622CA-CE55-4B59-80B0-3EDC3294BDF0}" destId="{663400F7-B751-437D-8E43-177979E03F10}" srcOrd="0" destOrd="0" presId="urn:microsoft.com/office/officeart/2005/8/layout/orgChart1"/>
+    <dgm:cxn modelId="{D3BDA09C-59A0-4B51-AA73-61899CCE873E}" type="presOf" srcId="{E89F140B-F088-40FC-BE98-59467D811621}" destId="{1AFBCD00-52B8-4D63-A2AF-D6EB93C463E5}" srcOrd="1" destOrd="0" presId="urn:microsoft.com/office/officeart/2005/8/layout/orgChart1"/>
+    <dgm:cxn modelId="{DD58F627-D3CF-4003-9B19-62B10682E516}" srcId="{433F03CC-DCFC-4D2C-8473-EC4AB3124061}" destId="{08D7570B-7F60-45C4-A5BB-AAC3AFDA8848}" srcOrd="0" destOrd="0" parTransId="{0A3FBE38-C8DC-4396-861D-B6EC532329D0}" sibTransId="{31B10B27-F58F-4856-80F9-E048798447B2}"/>
+    <dgm:cxn modelId="{294739EE-CF5B-46DE-A59E-E469A3DEC72B}" srcId="{08D7570B-7F60-45C4-A5BB-AAC3AFDA8848}" destId="{2C3B81CE-F604-45E3-A929-15B1AB9AEC9C}" srcOrd="7" destOrd="0" parTransId="{7AD68B3B-1051-4CBA-8D30-3893EF8C1CF3}" sibTransId="{D9A0B0D0-8B5E-4772-81B3-E33D904E06E7}"/>
+    <dgm:cxn modelId="{5FD7CA26-C5E2-4FDE-B856-8566C5DCB56B}" type="presOf" srcId="{31F75589-71C7-4560-8B8D-7ACEF423E831}" destId="{67CCD494-5ACB-4043-B066-D50635942A40}" srcOrd="0" destOrd="0" presId="urn:microsoft.com/office/officeart/2005/8/layout/orgChart1"/>
+    <dgm:cxn modelId="{8F9D5DD2-8F2A-4AA5-B96C-887FE735294E}" type="presOf" srcId="{3371556B-8BBE-40A0-9B78-0E52D105D5CB}" destId="{442AA651-B453-4109-AA5A-BB7436FF37D0}" srcOrd="1" destOrd="0" presId="urn:microsoft.com/office/officeart/2005/8/layout/orgChart1"/>
+    <dgm:cxn modelId="{8974D484-91DF-4CD1-8D05-2B3E03654B2E}" srcId="{DE98661A-2A86-4E5B-BEBB-28CFE600295D}" destId="{83162824-B7B0-48B0-B21A-2AC417FBEC99}" srcOrd="0" destOrd="0" parTransId="{342F7B73-D266-4312-821E-4409FCDECE50}" sibTransId="{2AEA8CCD-A4DF-47FD-B330-5ECC78282E92}"/>
+    <dgm:cxn modelId="{583893C9-62EF-4198-BE15-75BB7AD1F16B}" type="presOf" srcId="{516D82E2-F1C1-48C1-9581-28AFAB241B56}" destId="{48B5F079-A5F9-4833-A823-6B4CE7A5B7F1}" srcOrd="0" destOrd="0" presId="urn:microsoft.com/office/officeart/2005/8/layout/orgChart1"/>
+    <dgm:cxn modelId="{3E9C6EC0-6373-44C2-BEB5-8C3EA8CFF7F9}" type="presOf" srcId="{3C317A52-ECB4-4542-BB96-DF4C309821B9}" destId="{0C3DE6DC-983A-4ED4-9F7C-A7D0D6C6BB27}" srcOrd="1" destOrd="0" presId="urn:microsoft.com/office/officeart/2005/8/layout/orgChart1"/>
+    <dgm:cxn modelId="{0CF1386F-CE06-475D-9B26-595E344B3C38}" type="presOf" srcId="{F7397BD6-4925-49A4-A538-AA6DAE7E7324}" destId="{E0F24A2A-E0C4-40A0-B559-94DB272B5399}" srcOrd="0" destOrd="0" presId="urn:microsoft.com/office/officeart/2005/8/layout/orgChart1"/>
+    <dgm:cxn modelId="{DA2FD00F-A45A-408C-8D77-64A8169EEA6F}" srcId="{2C3B81CE-F604-45E3-A929-15B1AB9AEC9C}" destId="{69732022-F68D-4360-A98F-905AE08AE282}" srcOrd="0" destOrd="0" parTransId="{1B3B6D64-CCB9-4AA3-A7D3-4735729B2188}" sibTransId="{168A3C9D-B124-457F-B7BD-4EC66E1CDF34}"/>
+    <dgm:cxn modelId="{35DF3317-AB78-4FC9-AED9-D63C9BDC6056}" type="presOf" srcId="{FD175948-8E56-4907-A90D-D33026458406}" destId="{FD377280-DB89-464B-8AB5-3FD633C31F64}" srcOrd="0" destOrd="0" presId="urn:microsoft.com/office/officeart/2005/8/layout/orgChart1"/>
+    <dgm:cxn modelId="{FCA7ADC4-8F0A-4F2B-BAA4-E2F40430B4E2}" srcId="{E129A0A3-02E8-44C7-A471-F10CE622EEE2}" destId="{9B915BF9-5721-4BAF-B37D-958659E5090C}" srcOrd="1" destOrd="0" parTransId="{F7397BD6-4925-49A4-A538-AA6DAE7E7324}" sibTransId="{9B41F221-4E95-4D2E-8AA8-87AE3105E635}"/>
+    <dgm:cxn modelId="{81C1584E-262E-49C5-A576-51025F3A2A5D}" type="presOf" srcId="{838A87CA-745D-483F-ACAB-C5C6AC1AC3CB}" destId="{767E1A06-9F51-40FA-B8F8-A1C4ED5CEC90}" srcOrd="0" destOrd="0" presId="urn:microsoft.com/office/officeart/2005/8/layout/orgChart1"/>
+    <dgm:cxn modelId="{5EA6BCAD-AD46-455C-9013-74CD76798F21}" type="presOf" srcId="{4ED3D2E9-09B3-4793-9165-1D0FEA576A8E}" destId="{123CF69A-EAB1-4C63-800E-F7C612204DBA}" srcOrd="0" destOrd="0" presId="urn:microsoft.com/office/officeart/2005/8/layout/orgChart1"/>
+    <dgm:cxn modelId="{6965362B-C149-4458-9608-B7DBCB2C9391}" type="presOf" srcId="{B9578511-1845-41D9-B567-2EED72A74826}" destId="{20C4464E-9E44-4762-B40F-2AE7944D78AA}" srcOrd="0" destOrd="0" presId="urn:microsoft.com/office/officeart/2005/8/layout/orgChart1"/>
+    <dgm:cxn modelId="{FD4A497A-9472-47D6-AFCF-872FFF4CD5E1}" type="presOf" srcId="{EEF2DAD1-9411-429E-8AE3-AF432E7EA32C}" destId="{75B88093-9820-4387-948B-CDA1C1BB74EE}" srcOrd="0" destOrd="0" presId="urn:microsoft.com/office/officeart/2005/8/layout/orgChart1"/>
+    <dgm:cxn modelId="{48508A1A-EDC0-412C-8359-D359D1132AB3}" srcId="{FB6E65E7-5E34-4F2D-9A0F-4611B152FE07}" destId="{F68779E3-5F1B-4937-AD5A-30C29348322D}" srcOrd="0" destOrd="0" parTransId="{58094D1F-E3DD-46B2-B122-90B28EFA0AEA}" sibTransId="{F83AEAAF-469D-4DAE-B295-D16A1E6C59C2}"/>
+    <dgm:cxn modelId="{F8B96EB6-A958-413C-B775-6C974A9881A2}" type="presOf" srcId="{82952DE5-59D2-434F-AC20-AF1ED12E162B}" destId="{AC8D3BD3-BABB-4DA0-9C28-9D8F780EA302}" srcOrd="0" destOrd="0" presId="urn:microsoft.com/office/officeart/2005/8/layout/orgChart1"/>
+    <dgm:cxn modelId="{9D575337-108F-4E84-B340-9B3DB789C31D}" type="presOf" srcId="{F10CD7FE-EC1C-4FEA-838D-9E81CCF5D9A4}" destId="{19663BBC-E177-4441-A684-A1BDF2526EF3}" srcOrd="0" destOrd="0" presId="urn:microsoft.com/office/officeart/2005/8/layout/orgChart1"/>
+    <dgm:cxn modelId="{0828B756-D5A5-4FA8-BAD6-3E60C77C9011}" type="presOf" srcId="{F68779E3-5F1B-4937-AD5A-30C29348322D}" destId="{BC388B97-8004-4404-ABB1-C87976364713}" srcOrd="1" destOrd="0" presId="urn:microsoft.com/office/officeart/2005/8/layout/orgChart1"/>
+    <dgm:cxn modelId="{6C8021E3-05A5-4D97-8709-8A6C0593F60F}" type="presOf" srcId="{EA6080DA-1AD7-4105-9E53-5437F4AF6BE1}" destId="{FB89C2B6-C4D9-4EDC-A029-D6C4E3840313}" srcOrd="0" destOrd="0" presId="urn:microsoft.com/office/officeart/2005/8/layout/orgChart1"/>
+    <dgm:cxn modelId="{5B48BC4B-5FAF-46F5-A728-4F243F68F208}" type="presOf" srcId="{08D7570B-7F60-45C4-A5BB-AAC3AFDA8848}" destId="{DD724892-C7D1-4A1B-8704-5673780CFD0C}" srcOrd="1" destOrd="0" presId="urn:microsoft.com/office/officeart/2005/8/layout/orgChart1"/>
+    <dgm:cxn modelId="{077A0E70-5653-4392-97DD-93205B0E711D}" type="presOf" srcId="{3371556B-8BBE-40A0-9B78-0E52D105D5CB}" destId="{10443C87-1029-47E0-8468-53932E830E45}" srcOrd="0" destOrd="0" presId="urn:microsoft.com/office/officeart/2005/8/layout/orgChart1"/>
+    <dgm:cxn modelId="{F1767063-5321-4C43-8EBD-F505EBD2B363}" type="presOf" srcId="{115FF7EE-A848-41F1-A50A-DD0B956D0B88}" destId="{9CBB51A0-7E01-4BA7-A033-4AF8C10FF9F2}" srcOrd="0" destOrd="0" presId="urn:microsoft.com/office/officeart/2005/8/layout/orgChart1"/>
+    <dgm:cxn modelId="{C1003855-E2D8-4DEB-A499-76899A0A80C1}" srcId="{F68779E3-5F1B-4937-AD5A-30C29348322D}" destId="{7E13B1E0-7188-42C9-8AF4-B8DF30A2FB2B}" srcOrd="4" destOrd="0" parTransId="{EEF2DAD1-9411-429E-8AE3-AF432E7EA32C}" sibTransId="{5B791C4E-C08B-4456-A6A9-CF0AB6F73417}"/>
+    <dgm:cxn modelId="{4B390D49-BB90-4BBF-ADDA-3CB905332B80}" type="presOf" srcId="{370FACC3-9B58-4A17-9C1D-F35986E1527E}" destId="{16BD9EE3-135A-425A-A527-D866A0D73888}" srcOrd="0" destOrd="0" presId="urn:microsoft.com/office/officeart/2005/8/layout/orgChart1"/>
+    <dgm:cxn modelId="{99014B79-2B83-45AA-B310-276B2AA5F2B7}" type="presOf" srcId="{433F03CC-DCFC-4D2C-8473-EC4AB3124061}" destId="{46C4A8C9-46AB-40BA-BE2A-93F27A7B85AA}" srcOrd="0" destOrd="0" presId="urn:microsoft.com/office/officeart/2005/8/layout/orgChart1"/>
+    <dgm:cxn modelId="{17362E34-BD27-4724-A288-2000F2A2F5C3}" type="presOf" srcId="{2A449A93-E6F7-4B50-94C3-64C4ABF8D9AE}" destId="{AFC5C9B9-9DCE-4428-8AC1-037C915315D7}" srcOrd="0" destOrd="0" presId="urn:microsoft.com/office/officeart/2005/8/layout/orgChart1"/>
+    <dgm:cxn modelId="{A3FA8E9B-7CD2-432B-AC8D-5D18CEE0B9A5}" type="presOf" srcId="{E96931EC-3002-4583-9032-C57D0456992A}" destId="{B30CB6A2-3817-49E3-B1D4-9914AA96BFF6}" srcOrd="0" destOrd="0" presId="urn:microsoft.com/office/officeart/2005/8/layout/orgChart1"/>
+    <dgm:cxn modelId="{162A6A06-BE28-47B1-BD55-E2E599F6D045}" type="presOf" srcId="{9415298D-26EA-4A6C-9F5B-E0E3E23E89A5}" destId="{072730EB-D725-4DB5-83A5-D31D9EB1B075}" srcOrd="1" destOrd="0" presId="urn:microsoft.com/office/officeart/2005/8/layout/orgChart1"/>
+    <dgm:cxn modelId="{D0A107B0-C691-40FC-A179-B814C04C4D38}" type="presOf" srcId="{6068CCC3-2DC3-49B1-A3C3-1B64FE37836D}" destId="{E733A77E-89FA-4B9C-A80B-CDCD62A1C3D1}" srcOrd="0" destOrd="0" presId="urn:microsoft.com/office/officeart/2005/8/layout/orgChart1"/>
+    <dgm:cxn modelId="{4B5E1237-DC16-4C50-8AFB-F0CEB500AFB7}" type="presOf" srcId="{BB291C0A-1458-4D57-B34D-E7FBBDA7E2D6}" destId="{36587E54-975A-4C05-B2B4-F67567496F60}" srcOrd="0" destOrd="0" presId="urn:microsoft.com/office/officeart/2005/8/layout/orgChart1"/>
+    <dgm:cxn modelId="{FDD287CF-A7B2-4A28-A1E5-A8D3BB8F1396}" type="presOf" srcId="{C9124633-A3F9-4E9E-B7AD-8AD6304814CA}" destId="{DD6262AE-1C3D-4455-A574-A57B7452E766}" srcOrd="1" destOrd="0" presId="urn:microsoft.com/office/officeart/2005/8/layout/orgChart1"/>
+    <dgm:cxn modelId="{D3BA522A-82BF-434C-B3AA-CD0B351893B9}" type="presOf" srcId="{0CC234EE-CBD0-4BE8-8A69-F9BA62E41C35}" destId="{901951DF-C85E-4340-BBE5-D7D88643DA3F}" srcOrd="0" destOrd="0" presId="urn:microsoft.com/office/officeart/2005/8/layout/orgChart1"/>
+    <dgm:cxn modelId="{ACEF09F9-3CF1-44AD-8C4D-5A510F22A9AE}" srcId="{F68779E3-5F1B-4937-AD5A-30C29348322D}" destId="{469849CB-EAE7-457B-B3A1-0FD0240EB313}" srcOrd="0" destOrd="0" parTransId="{9DB4AB59-EA03-4ACC-A1D2-B0AEEB3BCF5C}" sibTransId="{563D0C1A-D0A3-4866-96E9-32845B5C1DBD}"/>
+    <dgm:cxn modelId="{BB7E22A5-873A-4BB2-9C7E-616F5C44B538}" type="presOf" srcId="{4C86D47B-C8EC-4779-8423-75ABE738C448}" destId="{A6441542-2426-4E70-8C5A-A610B16CC2C2}" srcOrd="1" destOrd="0" presId="urn:microsoft.com/office/officeart/2005/8/layout/orgChart1"/>
+    <dgm:cxn modelId="{19121025-680D-41B6-9363-882DB86F6A89}" type="presOf" srcId="{2C3B81CE-F604-45E3-A929-15B1AB9AEC9C}" destId="{71BAF972-E7C8-42FB-AAB3-B14B6687E35A}" srcOrd="0" destOrd="0" presId="urn:microsoft.com/office/officeart/2005/8/layout/orgChart1"/>
+    <dgm:cxn modelId="{E0F73053-0381-4366-AB2E-3D60C92B6438}" type="presOf" srcId="{FB6E65E7-5E34-4F2D-9A0F-4611B152FE07}" destId="{C77EF5CB-5EE2-45B7-882A-E089E2AAFB48}" srcOrd="1" destOrd="0" presId="urn:microsoft.com/office/officeart/2005/8/layout/orgChart1"/>
+    <dgm:cxn modelId="{C0D028E9-E7AE-4C26-9C43-2CB9A175AC1B}" type="presOf" srcId="{F68779E3-5F1B-4937-AD5A-30C29348322D}" destId="{54E4D7C5-D537-4E09-9840-753C5DD202E1}" srcOrd="0" destOrd="0" presId="urn:microsoft.com/office/officeart/2005/8/layout/orgChart1"/>
     <dgm:cxn modelId="{6F23FBB2-760A-4BE4-A6BB-6F3B2F7B17FB}" srcId="{9415298D-26EA-4A6C-9F5B-E0E3E23E89A5}" destId="{4C86D47B-C8EC-4779-8423-75ABE738C448}" srcOrd="0" destOrd="0" parTransId="{8968DFAC-2D32-4109-B15D-A75FD6B38343}" sibTransId="{ACFC1625-1736-42E0-A205-4080EE80189B}"/>
-    <dgm:cxn modelId="{1505BBCA-A7AD-4BFD-AC98-B000655FFD5C}" type="presOf" srcId="{388B03AE-1583-4706-A7BB-BA764C869B0C}" destId="{D4F19F9B-2F58-4077-B3FC-9B0A645C389C}" srcOrd="0" destOrd="0" presId="urn:microsoft.com/office/officeart/2005/8/layout/orgChart1"/>
-    <dgm:cxn modelId="{6ED627DC-8CEE-4C80-BCA4-6064BCC7BCAA}" type="presOf" srcId="{14938C81-B03D-4F7B-AA43-E5108073D6DA}" destId="{14685868-9C5E-4BAC-A516-02C3B02B45FF}" srcOrd="0" destOrd="0" presId="urn:microsoft.com/office/officeart/2005/8/layout/orgChart1"/>
-    <dgm:cxn modelId="{C0943E61-C173-432E-A23F-F3855CB4BA9B}" srcId="{3C317A52-ECB4-4542-BB96-DF4C309821B9}" destId="{CE8B9297-0335-465D-8C14-F6670FD76933}" srcOrd="0" destOrd="0" parTransId="{2B617E80-B54D-46B4-B2BD-E1B71A0C89B5}" sibTransId="{8CE34CCB-ECDA-4DAF-886A-710A35FDC821}"/>
-    <dgm:cxn modelId="{0828B756-D5A5-4FA8-BAD6-3E60C77C9011}" type="presOf" srcId="{F68779E3-5F1B-4937-AD5A-30C29348322D}" destId="{BC388B97-8004-4404-ABB1-C87976364713}" srcOrd="1" destOrd="0" presId="urn:microsoft.com/office/officeart/2005/8/layout/orgChart1"/>
-    <dgm:cxn modelId="{7D00B0A7-A45E-494C-B9D4-624851210A81}" type="presOf" srcId="{9415298D-26EA-4A6C-9F5B-E0E3E23E89A5}" destId="{B7E6F9D4-1DD8-4007-9805-8C05436241A7}" srcOrd="0" destOrd="0" presId="urn:microsoft.com/office/officeart/2005/8/layout/orgChart1"/>
-    <dgm:cxn modelId="{8F9D5DD2-8F2A-4AA5-B96C-887FE735294E}" type="presOf" srcId="{3371556B-8BBE-40A0-9B78-0E52D105D5CB}" destId="{442AA651-B453-4109-AA5A-BB7436FF37D0}" srcOrd="1" destOrd="0" presId="urn:microsoft.com/office/officeart/2005/8/layout/orgChart1"/>
-    <dgm:cxn modelId="{3881DCF3-4B0E-4F2A-8B6F-F86B1939036B}" srcId="{05E1324F-8146-4646-9834-930E93833AAB}" destId="{42DCF222-A7F0-4F5C-9587-98C17917CED9}" srcOrd="2" destOrd="0" parTransId="{FAE29150-1962-4BCA-A58E-752BF483FA29}" sibTransId="{EED44F56-5E75-4270-9ADA-2D7890119CAF}"/>
-    <dgm:cxn modelId="{9D575337-108F-4E84-B340-9B3DB789C31D}" type="presOf" srcId="{F10CD7FE-EC1C-4FEA-838D-9E81CCF5D9A4}" destId="{19663BBC-E177-4441-A684-A1BDF2526EF3}" srcOrd="0" destOrd="0" presId="urn:microsoft.com/office/officeart/2005/8/layout/orgChart1"/>
-    <dgm:cxn modelId="{539AE6C1-3527-4265-B539-520F0E67AEC5}" type="presOf" srcId="{F570D233-7486-4900-80AA-7010FD12A345}" destId="{C1681FCF-D047-45EA-A575-4F5010ADD0F2}" srcOrd="0" destOrd="0" presId="urn:microsoft.com/office/officeart/2005/8/layout/orgChart1"/>
-    <dgm:cxn modelId="{1C9FC492-DD91-429F-A856-96E6FE741185}" type="presOf" srcId="{7E13B1E0-7188-42C9-8AF4-B8DF30A2FB2B}" destId="{417DA8A0-D100-4A7A-A72B-40F0F0FCD889}" srcOrd="1" destOrd="0" presId="urn:microsoft.com/office/officeart/2005/8/layout/orgChart1"/>
-    <dgm:cxn modelId="{05B21077-5E5E-4129-9456-43F6C73C5CEC}" type="presOf" srcId="{6CD8509E-A00B-4F1E-8FFB-7AC5711DE29C}" destId="{F81DDCF3-0282-49EA-BBDC-75EC7C68491D}" srcOrd="0" destOrd="0" presId="urn:microsoft.com/office/officeart/2005/8/layout/orgChart1"/>
-    <dgm:cxn modelId="{68FE87AA-2918-4C3A-AD5D-BE6C686470DE}" type="presOf" srcId="{69544CBA-CA27-437C-8C32-2CD286DB0F34}" destId="{FBD5581D-644B-4431-B1FE-09F7B8CE8682}" srcOrd="0" destOrd="0" presId="urn:microsoft.com/office/officeart/2005/8/layout/orgChart1"/>
+    <dgm:cxn modelId="{F416D601-399F-4B8A-8B45-2CC2BA20C200}" type="presOf" srcId="{BAFC39B4-EA0D-452B-8F16-9D73BD0FD1D6}" destId="{FC2CC991-0CB8-44E1-98E0-AE622154C976}" srcOrd="0" destOrd="0" presId="urn:microsoft.com/office/officeart/2005/8/layout/orgChart1"/>
+    <dgm:cxn modelId="{B8329845-FABA-4FD1-B2F3-58AAEFA4595C}" srcId="{1CDE04AC-330B-476F-9CC7-600E92AC4F85}" destId="{B9578511-1845-41D9-B567-2EED72A74826}" srcOrd="3" destOrd="0" parTransId="{F570D233-7486-4900-80AA-7010FD12A345}" sibTransId="{1D2B4D9D-3650-4696-BFB6-450A7FF9DC3A}"/>
+    <dgm:cxn modelId="{355D963E-C091-4329-AB8C-63B9327B04C8}" type="presOf" srcId="{453AC38F-5E8F-45CC-A83B-D6379A610B1B}" destId="{F9DC42A8-DEA3-4BD7-950A-A4E2F1D5E1F6}" srcOrd="1" destOrd="0" presId="urn:microsoft.com/office/officeart/2005/8/layout/orgChart1"/>
+    <dgm:cxn modelId="{69519F29-7393-4E48-A309-3B156FF436F5}" type="presOf" srcId="{A1ABF615-87CE-47C8-9EE0-167A5F546929}" destId="{0F860817-A773-451B-A163-FF7218806A3C}" srcOrd="0" destOrd="0" presId="urn:microsoft.com/office/officeart/2005/8/layout/orgChart1"/>
+    <dgm:cxn modelId="{A4F07BAB-484C-4874-A8A0-10A5A60EE630}" type="presOf" srcId="{6F88080A-5068-4E2D-8C54-67E23CE7C322}" destId="{175C0E5A-556B-4F10-8B95-AE90F8B7638B}" srcOrd="0" destOrd="0" presId="urn:microsoft.com/office/officeart/2005/8/layout/orgChart1"/>
+    <dgm:cxn modelId="{8B457A36-0E74-43CC-A0D3-3CFD5DBCCB91}" type="presOf" srcId="{43166DAC-976F-42DF-9C20-29F234951604}" destId="{F8D665DE-6F2D-4ECD-B0FD-F52E37F6A8D9}" srcOrd="1" destOrd="0" presId="urn:microsoft.com/office/officeart/2005/8/layout/orgChart1"/>
+    <dgm:cxn modelId="{9F85EE09-E253-41D0-975F-175EE2BD72B7}" type="presOf" srcId="{301A8421-BFB3-4791-BD9C-8B5DF53C5C92}" destId="{2E177F70-5D22-47DE-9E47-56177F40C4CA}" srcOrd="0" destOrd="0" presId="urn:microsoft.com/office/officeart/2005/8/layout/orgChart1"/>
+    <dgm:cxn modelId="{790FEC2E-2BBB-4702-9938-31B1113C9285}" type="presOf" srcId="{1CDE04AC-330B-476F-9CC7-600E92AC4F85}" destId="{DA563663-A228-4859-8AF1-9EF73B51E3C7}" srcOrd="1" destOrd="0" presId="urn:microsoft.com/office/officeart/2005/8/layout/orgChart1"/>
+    <dgm:cxn modelId="{62C3E448-AF7C-4458-803E-934D1E3CFBA7}" type="presOf" srcId="{BD76ABED-2DF9-43FC-8248-8906FC6ED38C}" destId="{9E844CCB-BB56-4B9F-AF3E-5D6C0FAE0E8F}" srcOrd="0" destOrd="0" presId="urn:microsoft.com/office/officeart/2005/8/layout/orgChart1"/>
+    <dgm:cxn modelId="{BB14046B-2707-4169-8AB4-CFFF7681625D}" srcId="{AC9EFDF2-1E89-413C-A544-762CE1A4F8C0}" destId="{E89F140B-F088-40FC-BE98-59467D811621}" srcOrd="1" destOrd="0" parTransId="{115FF7EE-A848-41F1-A50A-DD0B956D0B88}" sibTransId="{656888D5-4CD4-48E9-9887-1CB3215EC5AF}"/>
+    <dgm:cxn modelId="{29007CA2-3732-4986-8082-B705ED3546BC}" type="presOf" srcId="{6A7F68F6-829C-4020-AB30-793F80D466CF}" destId="{A2565945-56E1-46CC-83DC-571865C1F587}" srcOrd="1" destOrd="0" presId="urn:microsoft.com/office/officeart/2005/8/layout/orgChart1"/>
+    <dgm:cxn modelId="{03C798C5-01FE-411E-9715-C6C927652A6A}" type="presOf" srcId="{EA6080DA-1AD7-4105-9E53-5437F4AF6BE1}" destId="{D34DBC48-B0F7-461E-81CB-DDA16CFD323B}" srcOrd="1" destOrd="0" presId="urn:microsoft.com/office/officeart/2005/8/layout/orgChart1"/>
+    <dgm:cxn modelId="{D124C335-4073-4919-ADC8-6C993D4F5348}" srcId="{388B03AE-1583-4706-A7BB-BA764C869B0C}" destId="{1CDE04AC-330B-476F-9CC7-600E92AC4F85}" srcOrd="0" destOrd="0" parTransId="{ECC87D09-4966-47F2-B554-6ECFFC0A434B}" sibTransId="{3170EADD-B4AF-421D-B51E-A0AE5EF65C39}"/>
+    <dgm:cxn modelId="{A77D30CB-EC5C-41CA-B0EF-7ED7CA3E93CE}" type="presOf" srcId="{453AC38F-5E8F-45CC-A83B-D6379A610B1B}" destId="{2A963296-5DBA-404D-9E63-B7A2AADEE936}" srcOrd="0" destOrd="0" presId="urn:microsoft.com/office/officeart/2005/8/layout/orgChart1"/>
+    <dgm:cxn modelId="{C5DA0212-5E40-4DD5-BB7F-4E0DA8B1266B}" type="presOf" srcId="{43166DAC-976F-42DF-9C20-29F234951604}" destId="{F025C0E8-03C8-4EE8-AE04-8A7E3E1BFCAA}" srcOrd="0" destOrd="0" presId="urn:microsoft.com/office/officeart/2005/8/layout/orgChart1"/>
+    <dgm:cxn modelId="{6E1C765A-8796-4A70-A90A-E917AE773968}" type="presOf" srcId="{AC9EFDF2-1E89-413C-A544-762CE1A4F8C0}" destId="{0A098B36-3337-4D13-9601-4B794921025C}" srcOrd="1" destOrd="0" presId="urn:microsoft.com/office/officeart/2005/8/layout/orgChart1"/>
+    <dgm:cxn modelId="{A6F80996-2FD4-4459-B905-4FDC21BEEA04}" srcId="{FB6E65E7-5E34-4F2D-9A0F-4611B152FE07}" destId="{05E1324F-8146-4646-9834-930E93833AAB}" srcOrd="1" destOrd="0" parTransId="{5946A508-DC21-481B-A321-729B4675A6D3}" sibTransId="{B8ABC18A-962C-4C17-9788-DBCF35447EBD}"/>
+    <dgm:cxn modelId="{212B85CD-A764-4645-BC18-5725A1AC7508}" type="presOf" srcId="{69732022-F68D-4360-A98F-905AE08AE282}" destId="{2CCE7F09-4570-460F-9C32-32DFB8F0C212}" srcOrd="0" destOrd="0" presId="urn:microsoft.com/office/officeart/2005/8/layout/orgChart1"/>
+    <dgm:cxn modelId="{869567F6-C085-4627-A3C2-785BEC05CEB7}" type="presOf" srcId="{469849CB-EAE7-457B-B3A1-0FD0240EB313}" destId="{1B8BAF4B-6713-425F-BA11-378768914AE5}" srcOrd="1" destOrd="0" presId="urn:microsoft.com/office/officeart/2005/8/layout/orgChart1"/>
+    <dgm:cxn modelId="{7564F412-E858-469B-B6C1-5F64EA95E5D5}" type="presOf" srcId="{2C3B81CE-F604-45E3-A929-15B1AB9AEC9C}" destId="{4FA13BA2-4B55-41BC-91E7-E1B80D4DAA3E}" srcOrd="1" destOrd="0" presId="urn:microsoft.com/office/officeart/2005/8/layout/orgChart1"/>
+    <dgm:cxn modelId="{8924B726-1222-407D-BF22-173743A9E1D1}" srcId="{F68779E3-5F1B-4937-AD5A-30C29348322D}" destId="{3371556B-8BBE-40A0-9B78-0E52D105D5CB}" srcOrd="2" destOrd="0" parTransId="{0A1CDFBF-7E7C-4955-87B5-E5A6FD0ADBAE}" sibTransId="{6348C2EB-309D-40AE-9633-A0E88FD8EF4D}"/>
+    <dgm:cxn modelId="{56E9D487-62D6-4F52-9FF0-FF8AFC9A2D3A}" type="presOf" srcId="{98A06ADE-4CED-470E-9E84-843856B695B5}" destId="{F9DFBEC0-59E3-439E-B95A-55689A2447E7}" srcOrd="0" destOrd="0" presId="urn:microsoft.com/office/officeart/2005/8/layout/orgChart1"/>
+    <dgm:cxn modelId="{393418AE-B165-44BA-B7C1-BE7AE8435818}" type="presOf" srcId="{E3784866-5079-48A1-8C65-5C1C9D9F351C}" destId="{766441B4-B8A8-4699-81BE-69FA6C2DABFF}" srcOrd="0" destOrd="0" presId="urn:microsoft.com/office/officeart/2005/8/layout/orgChart1"/>
+    <dgm:cxn modelId="{4E9A88F7-195B-4B8B-B95F-C1938F0A1F7E}" type="presOf" srcId="{388B03AE-1583-4706-A7BB-BA764C869B0C}" destId="{7744727E-DB01-42E4-BCB6-4468D98A7EE2}" srcOrd="1" destOrd="0" presId="urn:microsoft.com/office/officeart/2005/8/layout/orgChart1"/>
     <dgm:cxn modelId="{DBE68586-6D25-4831-8E79-D673741F936C}" srcId="{08D7570B-7F60-45C4-A5BB-AAC3AFDA8848}" destId="{388B03AE-1583-4706-A7BB-BA764C869B0C}" srcOrd="4" destOrd="0" parTransId="{6068CCC3-2DC3-49B1-A3C3-1B64FE37836D}" sibTransId="{86FA3F43-03C1-4CE1-B848-2F25AA31E6EC}"/>
-    <dgm:cxn modelId="{237799A9-6E34-401E-BF47-C6DAE244DD5B}" type="presOf" srcId="{B9578511-1845-41D9-B567-2EED72A74826}" destId="{457CB696-EF0C-4FAF-85AD-1B9458750CA1}" srcOrd="1" destOrd="0" presId="urn:microsoft.com/office/officeart/2005/8/layout/orgChart1"/>
-    <dgm:cxn modelId="{44C6765A-D0EB-4F4E-A3A6-5F9DA6DC0B62}" srcId="{05E1324F-8146-4646-9834-930E93833AAB}" destId="{1D03597F-B94B-4CF5-AC27-3069B5430A3F}" srcOrd="5" destOrd="0" parTransId="{ABFFCB7E-D3DC-49E9-BD47-996CD9C7FF2E}" sibTransId="{54424810-206F-4F68-A93A-C383B10CAE7C}"/>
-    <dgm:cxn modelId="{2ACDCB2E-6193-4D6E-B00E-B339EEA46651}" type="presOf" srcId="{E9D10807-D0ED-4014-9724-3F0B7E0BBFA8}" destId="{B223C9B4-7C22-49AC-AD67-F4EE80F3A807}" srcOrd="1" destOrd="0" presId="urn:microsoft.com/office/officeart/2005/8/layout/orgChart1"/>
-    <dgm:cxn modelId="{71C8528D-9E49-437B-A885-697D663593BC}" srcId="{1CDE04AC-330B-476F-9CC7-600E92AC4F85}" destId="{453AC38F-5E8F-45CC-A83B-D6379A610B1B}" srcOrd="0" destOrd="0" parTransId="{6F88080A-5068-4E2D-8C54-67E23CE7C322}" sibTransId="{9078EDEA-9045-4C60-B91D-822E2BC51350}"/>
-    <dgm:cxn modelId="{C9A52C76-319B-40B6-B9CF-5B8611B8D638}" type="presOf" srcId="{A2ACCAC0-174D-4F18-BC30-4514C72F774D}" destId="{9C7E31CF-A30E-4DA9-A9B7-1194C37FE32F}" srcOrd="0" destOrd="0" presId="urn:microsoft.com/office/officeart/2005/8/layout/orgChart1"/>
-    <dgm:cxn modelId="{CD6E9FDF-5D48-45CC-B294-AA33E3CA16ED}" type="presOf" srcId="{877C027F-D44C-4DDD-8828-83496E2ACB92}" destId="{71481971-5924-4985-8A58-65BC3302CFE1}" srcOrd="0" destOrd="0" presId="urn:microsoft.com/office/officeart/2005/8/layout/orgChart1"/>
-    <dgm:cxn modelId="{9E53B9C9-16DC-4D50-AA24-A6B6C6D5F5A2}" type="presOf" srcId="{69544CBA-CA27-437C-8C32-2CD286DB0F34}" destId="{52DA0F83-9556-4D9E-AF88-44A5616C40BF}" srcOrd="1" destOrd="0" presId="urn:microsoft.com/office/officeart/2005/8/layout/orgChart1"/>
-    <dgm:cxn modelId="{5EA6BCAD-AD46-455C-9013-74CD76798F21}" type="presOf" srcId="{4ED3D2E9-09B3-4793-9165-1D0FEA576A8E}" destId="{123CF69A-EAB1-4C63-800E-F7C612204DBA}" srcOrd="0" destOrd="0" presId="urn:microsoft.com/office/officeart/2005/8/layout/orgChart1"/>
-    <dgm:cxn modelId="{A4F07BAB-484C-4874-A8A0-10A5A60EE630}" type="presOf" srcId="{6F88080A-5068-4E2D-8C54-67E23CE7C322}" destId="{175C0E5A-556B-4F10-8B95-AE90F8B7638B}" srcOrd="0" destOrd="0" presId="urn:microsoft.com/office/officeart/2005/8/layout/orgChart1"/>
-    <dgm:cxn modelId="{E0F73053-0381-4366-AB2E-3D60C92B6438}" type="presOf" srcId="{FB6E65E7-5E34-4F2D-9A0F-4611B152FE07}" destId="{C77EF5CB-5EE2-45B7-882A-E089E2AAFB48}" srcOrd="1" destOrd="0" presId="urn:microsoft.com/office/officeart/2005/8/layout/orgChart1"/>
-    <dgm:cxn modelId="{0AD56C9B-CEB6-4468-A45F-A772F4047CDE}" type="presOf" srcId="{6CD8509E-A00B-4F1E-8FFB-7AC5711DE29C}" destId="{4F1DA32C-0528-4A1F-887C-BC96DC8F4647}" srcOrd="1" destOrd="0" presId="urn:microsoft.com/office/officeart/2005/8/layout/orgChart1"/>
-    <dgm:cxn modelId="{C1003855-E2D8-4DEB-A499-76899A0A80C1}" srcId="{F68779E3-5F1B-4937-AD5A-30C29348322D}" destId="{7E13B1E0-7188-42C9-8AF4-B8DF30A2FB2B}" srcOrd="4" destOrd="0" parTransId="{EEF2DAD1-9411-429E-8AE3-AF432E7EA32C}" sibTransId="{5B791C4E-C08B-4456-A6A9-CF0AB6F73417}"/>
-    <dgm:cxn modelId="{D1CF9E17-A1EB-4BF1-BD18-D9F6D85C1EBC}" type="presOf" srcId="{08D7570B-7F60-45C4-A5BB-AAC3AFDA8848}" destId="{8CD2BC37-3900-49BB-97B0-B5628A5CCC9C}" srcOrd="0" destOrd="0" presId="urn:microsoft.com/office/officeart/2005/8/layout/orgChart1"/>
-    <dgm:cxn modelId="{AA72D78E-848C-4670-94BB-AAAD44E64E69}" type="presOf" srcId="{57DC7780-0DC9-4933-9067-F151516DD5E6}" destId="{1DF323A8-D076-4F5E-9ADA-1C067301A684}" srcOrd="0" destOrd="0" presId="urn:microsoft.com/office/officeart/2005/8/layout/orgChart1"/>
-    <dgm:cxn modelId="{4D84371E-9B1F-473B-BE02-77B1B5162747}" type="presOf" srcId="{7B4CEC73-92CF-40AF-ADC3-F9A4ABE87813}" destId="{08340BC8-F60B-48BF-9C4B-B209EC91806A}" srcOrd="0" destOrd="0" presId="urn:microsoft.com/office/officeart/2005/8/layout/orgChart1"/>
-    <dgm:cxn modelId="{FD4A497A-9472-47D6-AFCF-872FFF4CD5E1}" type="presOf" srcId="{EEF2DAD1-9411-429E-8AE3-AF432E7EA32C}" destId="{75B88093-9820-4387-948B-CDA1C1BB74EE}" srcOrd="0" destOrd="0" presId="urn:microsoft.com/office/officeart/2005/8/layout/orgChart1"/>
-    <dgm:cxn modelId="{2D651113-F0FD-4E96-A0A7-451193AF142A}" type="presOf" srcId="{75677C28-0B61-43C0-8518-57E83FD5FFFD}" destId="{C908BDEB-4B47-48E7-9DE2-7418AFF8DAF0}" srcOrd="0" destOrd="0" presId="urn:microsoft.com/office/officeart/2005/8/layout/orgChart1"/>
-    <dgm:cxn modelId="{F253E6D7-C634-4F19-B0CC-505BDD8468EA}" type="presOf" srcId="{2A449A93-E6F7-4B50-94C3-64C4ABF8D9AE}" destId="{930178AF-799B-4C33-9A91-0DF2FD98DC25}" srcOrd="1" destOrd="0" presId="urn:microsoft.com/office/officeart/2005/8/layout/orgChart1"/>
-    <dgm:cxn modelId="{894093CB-BECB-4E6C-9E0D-ED87259FB63C}" srcId="{AC9EFDF2-1E89-413C-A544-762CE1A4F8C0}" destId="{E3784866-5079-48A1-8C65-5C1C9D9F351C}" srcOrd="2" destOrd="0" parTransId="{3F8C432B-19EE-4D0F-B1F6-AE55DEADBD78}" sibTransId="{06FAA414-99DF-48AC-8C70-AF4300605776}"/>
-    <dgm:cxn modelId="{75D303C9-FEC4-46A2-B6F2-BDB121EE6BBE}" srcId="{3D4622CA-CE55-4B59-80B0-3EDC3294BDF0}" destId="{F432106B-6544-4843-9FDE-C68B3FBFD266}" srcOrd="1" destOrd="0" parTransId="{F5B0F976-4370-4DFE-82B8-C5A097EEA79F}" sibTransId="{080154E2-8950-4E4F-B675-6218E1E08C5C}"/>
-    <dgm:cxn modelId="{7FBF3CAF-7D1C-4A58-AC82-E929BA8368FE}" srcId="{9415298D-26EA-4A6C-9F5B-E0E3E23E89A5}" destId="{BB291C0A-1458-4D57-B34D-E7FBBDA7E2D6}" srcOrd="2" destOrd="0" parTransId="{F6806731-5FCD-41C0-A0AB-74A32B05E930}" sibTransId="{B08ED9EB-7A3B-46A6-8BFA-9A7AA56ED696}"/>
-    <dgm:cxn modelId="{FC8F7529-2F2F-4098-BE9F-0EDF28883511}" type="presOf" srcId="{60FBE8D4-75D7-4CAD-8908-CAE65E181666}" destId="{5113C752-D949-4A96-BC50-7DCCF8B3328F}" srcOrd="1" destOrd="0" presId="urn:microsoft.com/office/officeart/2005/8/layout/orgChart1"/>
-    <dgm:cxn modelId="{FDD287CF-A7B2-4A28-A1E5-A8D3BB8F1396}" type="presOf" srcId="{C9124633-A3F9-4E9E-B7AD-8AD6304814CA}" destId="{DD6262AE-1C3D-4455-A574-A57B7452E766}" srcOrd="1" destOrd="0" presId="urn:microsoft.com/office/officeart/2005/8/layout/orgChart1"/>
-    <dgm:cxn modelId="{D0F75C03-26EB-4DAB-941B-5F87C7534131}" srcId="{08D7570B-7F60-45C4-A5BB-AAC3AFDA8848}" destId="{FB6E65E7-5E34-4F2D-9A0F-4611B152FE07}" srcOrd="1" destOrd="0" parTransId="{ACCA721F-76E7-4109-9558-F003BABEE0B5}" sibTransId="{B8EAC0E2-7B96-4F3F-BE9C-E33DDF59A625}"/>
-    <dgm:cxn modelId="{32485305-F9EB-4C89-BB28-2E257334ACEC}" type="presOf" srcId="{CE8B9297-0335-465D-8C14-F6670FD76933}" destId="{6BCE281D-4856-42A0-AE72-2F8F4DE21E8F}" srcOrd="1" destOrd="0" presId="urn:microsoft.com/office/officeart/2005/8/layout/orgChart1"/>
-    <dgm:cxn modelId="{5177D8C6-304A-4395-B483-DA8C5B6A2EDC}" type="presOf" srcId="{E3784866-5079-48A1-8C65-5C1C9D9F351C}" destId="{1D35D496-CD0E-4191-B6C8-15EBDC8510D8}" srcOrd="1" destOrd="0" presId="urn:microsoft.com/office/officeart/2005/8/layout/orgChart1"/>
-    <dgm:cxn modelId="{869567F6-C085-4627-A3C2-785BEC05CEB7}" type="presOf" srcId="{469849CB-EAE7-457B-B3A1-0FD0240EB313}" destId="{1B8BAF4B-6713-425F-BA11-378768914AE5}" srcOrd="1" destOrd="0" presId="urn:microsoft.com/office/officeart/2005/8/layout/orgChart1"/>
-    <dgm:cxn modelId="{AF68F32D-C03A-412C-BAB8-62423018A5FD}" type="presOf" srcId="{E9D10807-D0ED-4014-9724-3F0B7E0BBFA8}" destId="{9C4E414B-A425-4DA2-AFFA-05704A0C17DC}" srcOrd="0" destOrd="0" presId="urn:microsoft.com/office/officeart/2005/8/layout/orgChart1"/>
-    <dgm:cxn modelId="{BDA34EB5-0B0E-4E61-9A8F-81469EA5195A}" type="presOf" srcId="{31F75589-71C7-4560-8B8D-7ACEF423E831}" destId="{16671BCE-57AF-463A-9BDF-1D780F79A168}" srcOrd="1" destOrd="0" presId="urn:microsoft.com/office/officeart/2005/8/layout/orgChart1"/>
-    <dgm:cxn modelId="{DE445C6E-D523-4CBA-8FC5-E6EF52A111E0}" type="presOf" srcId="{E65E6197-B490-448B-BC0E-F57B9A123693}" destId="{A10C288D-0624-4460-A6DF-D42CA91203B3}" srcOrd="0" destOrd="0" presId="urn:microsoft.com/office/officeart/2005/8/layout/orgChart1"/>
-    <dgm:cxn modelId="{61E6B963-562F-428E-8425-D803906914A2}" srcId="{1CDE04AC-330B-476F-9CC7-600E92AC4F85}" destId="{EE61DB26-84DE-4FC7-AA26-9818CD81E4DB}" srcOrd="1" destOrd="0" parTransId="{A9B0EBBD-90C9-4572-870D-538344F560BB}" sibTransId="{1E243EF9-B384-46DC-AE21-B62B7905D848}"/>
-    <dgm:cxn modelId="{0E52C767-EFC8-4B58-9102-0383172164BF}" type="presOf" srcId="{7E13B1E0-7188-42C9-8AF4-B8DF30A2FB2B}" destId="{3E2D99CA-AE74-475A-BD8C-3651746B9F2E}" srcOrd="0" destOrd="0" presId="urn:microsoft.com/office/officeart/2005/8/layout/orgChart1"/>
-    <dgm:cxn modelId="{ACEF09F9-3CF1-44AD-8C4D-5A510F22A9AE}" srcId="{F68779E3-5F1B-4937-AD5A-30C29348322D}" destId="{469849CB-EAE7-457B-B3A1-0FD0240EB313}" srcOrd="0" destOrd="0" parTransId="{9DB4AB59-EA03-4ACC-A1D2-B0AEEB3BCF5C}" sibTransId="{563D0C1A-D0A3-4866-96E9-32845B5C1DBD}"/>
-    <dgm:cxn modelId="{59642E7A-2F85-4D3F-8975-0D7A3963C7CB}" type="presOf" srcId="{ACCA721F-76E7-4109-9558-F003BABEE0B5}" destId="{6A3EFA0E-0745-4CCD-81AF-1978C059994D}" srcOrd="0" destOrd="0" presId="urn:microsoft.com/office/officeart/2005/8/layout/orgChart1"/>
-    <dgm:cxn modelId="{3EAA37B9-0297-4190-A794-FDD9487AFF9C}" type="presOf" srcId="{7DB6EBEF-D1E5-42F2-90AB-06B1E098AD0E}" destId="{1ABEB964-1842-41E5-A2A4-50DD4B7CBDD9}" srcOrd="0" destOrd="0" presId="urn:microsoft.com/office/officeart/2005/8/layout/orgChart1"/>
-    <dgm:cxn modelId="{5E763FD6-1219-4D78-AFAE-0966E124990D}" type="presOf" srcId="{FAE29150-1962-4BCA-A58E-752BF483FA29}" destId="{9BA8D16E-FC63-471E-866A-67AEF19A834C}" srcOrd="0" destOrd="0" presId="urn:microsoft.com/office/officeart/2005/8/layout/orgChart1"/>
-    <dgm:cxn modelId="{790FEC2E-2BBB-4702-9938-31B1113C9285}" type="presOf" srcId="{1CDE04AC-330B-476F-9CC7-600E92AC4F85}" destId="{DA563663-A228-4859-8AF1-9EF73B51E3C7}" srcOrd="1" destOrd="0" presId="urn:microsoft.com/office/officeart/2005/8/layout/orgChart1"/>
-    <dgm:cxn modelId="{F1E6903D-349C-49C7-A733-8F754F52959A}" type="presOf" srcId="{3F8C432B-19EE-4D0F-B1F6-AE55DEADBD78}" destId="{5F187E70-CE21-445A-A027-62F7814CDC54}" srcOrd="0" destOrd="0" presId="urn:microsoft.com/office/officeart/2005/8/layout/orgChart1"/>
-    <dgm:cxn modelId="{99014B79-2B83-45AA-B310-276B2AA5F2B7}" type="presOf" srcId="{433F03CC-DCFC-4D2C-8473-EC4AB3124061}" destId="{46C4A8C9-46AB-40BA-BE2A-93F27A7B85AA}" srcOrd="0" destOrd="0" presId="urn:microsoft.com/office/officeart/2005/8/layout/orgChart1"/>
-    <dgm:cxn modelId="{3E9C6EC0-6373-44C2-BEB5-8C3EA8CFF7F9}" type="presOf" srcId="{3C317A52-ECB4-4542-BB96-DF4C309821B9}" destId="{0C3DE6DC-983A-4ED4-9F7C-A7D0D6C6BB27}" srcOrd="1" destOrd="0" presId="urn:microsoft.com/office/officeart/2005/8/layout/orgChart1"/>
-    <dgm:cxn modelId="{8924B726-1222-407D-BF22-173743A9E1D1}" srcId="{F68779E3-5F1B-4937-AD5A-30C29348322D}" destId="{3371556B-8BBE-40A0-9B78-0E52D105D5CB}" srcOrd="2" destOrd="0" parTransId="{0A1CDFBF-7E7C-4955-87B5-E5A6FD0ADBAE}" sibTransId="{6348C2EB-309D-40AE-9633-A0E88FD8EF4D}"/>
-    <dgm:cxn modelId="{0D20063A-E0F4-43D8-9681-E01DA3AFDAC7}" srcId="{05E1324F-8146-4646-9834-930E93833AAB}" destId="{C9124633-A3F9-4E9E-B7AD-8AD6304814CA}" srcOrd="3" destOrd="0" parTransId="{B9C56D9D-EBB0-4EA4-9BA2-131EA7C33A70}" sibTransId="{B7DFFB7A-7AFF-41DC-AD7D-14058BB84C72}"/>
-    <dgm:cxn modelId="{C0D028E9-E7AE-4C26-9C43-2CB9A175AC1B}" type="presOf" srcId="{F68779E3-5F1B-4937-AD5A-30C29348322D}" destId="{54E4D7C5-D537-4E09-9840-753C5DD202E1}" srcOrd="0" destOrd="0" presId="urn:microsoft.com/office/officeart/2005/8/layout/orgChart1"/>
-    <dgm:cxn modelId="{B0A7BB08-38B6-43A5-A382-DD9C19CB4F70}" type="presOf" srcId="{9DB4AB59-EA03-4ACC-A1D2-B0AEEB3BCF5C}" destId="{A994BDFF-A389-4474-8AE8-3D6E661D7246}" srcOrd="0" destOrd="0" presId="urn:microsoft.com/office/officeart/2005/8/layout/orgChart1"/>
-    <dgm:cxn modelId="{48508A1A-EDC0-412C-8359-D359D1132AB3}" srcId="{FB6E65E7-5E34-4F2D-9A0F-4611B152FE07}" destId="{F68779E3-5F1B-4937-AD5A-30C29348322D}" srcOrd="0" destOrd="0" parTransId="{58094D1F-E3DD-46B2-B122-90B28EFA0AEA}" sibTransId="{F83AEAAF-469D-4DAE-B295-D16A1E6C59C2}"/>
-    <dgm:cxn modelId="{1D66EC88-8F35-498D-A567-D8DD542CF287}" type="presOf" srcId="{60FBE8D4-75D7-4CAD-8908-CAE65E181666}" destId="{4E073421-6C6C-4A62-B266-87426BA3804A}" srcOrd="0" destOrd="0" presId="urn:microsoft.com/office/officeart/2005/8/layout/orgChart1"/>
-    <dgm:cxn modelId="{FA1230EE-D658-4FD7-9033-A7D9F4022D0D}" type="presOf" srcId="{F6806731-5FCD-41C0-A0AB-74A32B05E930}" destId="{D9843133-6085-4ACE-BDB1-DC36B851A413}" srcOrd="0" destOrd="0" presId="urn:microsoft.com/office/officeart/2005/8/layout/orgChart1"/>
-    <dgm:cxn modelId="{339C7718-7C55-4F03-B7AC-08FB5BD73562}" type="presOf" srcId="{BB291C0A-1458-4D57-B34D-E7FBBDA7E2D6}" destId="{66DE1DB8-3A0D-4A46-8665-B7289E032EE7}" srcOrd="1" destOrd="0" presId="urn:microsoft.com/office/officeart/2005/8/layout/orgChart1"/>
+    <dgm:cxn modelId="{1BC613D7-D652-43DC-8228-7383D38543B8}" srcId="{08D7570B-7F60-45C4-A5BB-AAC3AFDA8848}" destId="{9415298D-26EA-4A6C-9F5B-E0E3E23E89A5}" srcOrd="2" destOrd="0" parTransId="{71C2B6F7-464C-41F6-BB0A-96F5F2BEF7D0}" sibTransId="{C93D2315-D7AD-4FB3-92E4-7411368C82A0}"/>
     <dgm:cxn modelId="{18D9CBA7-1FD1-458F-945A-A9190010292D}" srcId="{1CDE04AC-330B-476F-9CC7-600E92AC4F85}" destId="{838A87CA-745D-483F-ACAB-C5C6AC1AC3CB}" srcOrd="2" destOrd="0" parTransId="{E65E6197-B490-448B-BC0E-F57B9A123693}" sibTransId="{6484A07E-B721-4F79-87BA-73C415021ADA}"/>
-    <dgm:cxn modelId="{D124C335-4073-4919-ADC8-6C993D4F5348}" srcId="{388B03AE-1583-4706-A7BB-BA764C869B0C}" destId="{1CDE04AC-330B-476F-9CC7-600E92AC4F85}" srcOrd="0" destOrd="0" parTransId="{ECC87D09-4966-47F2-B554-6ECFFC0A434B}" sibTransId="{3170EADD-B4AF-421D-B51E-A0AE5EF65C39}"/>
-    <dgm:cxn modelId="{0E88B341-E970-41FF-BCCE-D72554FF4EAD}" type="presOf" srcId="{0A1CDFBF-7E7C-4955-87B5-E5A6FD0ADBAE}" destId="{2CE69817-D7E7-454A-B1C2-3A0E60E2BCDF}" srcOrd="0" destOrd="0" presId="urn:microsoft.com/office/officeart/2005/8/layout/orgChart1"/>
-    <dgm:cxn modelId="{D05030BB-85A1-4D1B-BA3B-D50E2B843501}" type="presOf" srcId="{BD76ABED-2DF9-43FC-8248-8906FC6ED38C}" destId="{E70CC0F3-62B4-402F-89EA-C1A8676F1211}" srcOrd="1" destOrd="0" presId="urn:microsoft.com/office/officeart/2005/8/layout/orgChart1"/>
-    <dgm:cxn modelId="{29007CA2-3732-4986-8082-B705ED3546BC}" type="presOf" srcId="{6A7F68F6-829C-4020-AB30-793F80D466CF}" destId="{A2565945-56E1-46CC-83DC-571865C1F587}" srcOrd="1" destOrd="0" presId="urn:microsoft.com/office/officeart/2005/8/layout/orgChart1"/>
-    <dgm:cxn modelId="{DD58F627-D3CF-4003-9B19-62B10682E516}" srcId="{433F03CC-DCFC-4D2C-8473-EC4AB3124061}" destId="{08D7570B-7F60-45C4-A5BB-AAC3AFDA8848}" srcOrd="0" destOrd="0" parTransId="{0A3FBE38-C8DC-4396-861D-B6EC532329D0}" sibTransId="{31B10B27-F58F-4856-80F9-E048798447B2}"/>
-    <dgm:cxn modelId="{971E6CAD-BB56-4684-B44E-05B638A7DAEB}" type="presOf" srcId="{05E1324F-8146-4646-9834-930E93833AAB}" destId="{08B3ED46-4D62-41BB-A275-17C8910203EA}" srcOrd="1" destOrd="0" presId="urn:microsoft.com/office/officeart/2005/8/layout/orgChart1"/>
-    <dgm:cxn modelId="{0E48C174-CAF0-4451-8B74-8D960A338348}" type="presOf" srcId="{838A87CA-745D-483F-ACAB-C5C6AC1AC3CB}" destId="{FF55EBB6-5C00-4EB2-887E-CE968DE29F1D}" srcOrd="1" destOrd="0" presId="urn:microsoft.com/office/officeart/2005/8/layout/orgChart1"/>
-    <dgm:cxn modelId="{F416D601-399F-4B8A-8B45-2CC2BA20C200}" type="presOf" srcId="{BAFC39B4-EA0D-452B-8F16-9D73BD0FD1D6}" destId="{FC2CC991-0CB8-44E1-98E0-AE622154C976}" srcOrd="0" destOrd="0" presId="urn:microsoft.com/office/officeart/2005/8/layout/orgChart1"/>
-    <dgm:cxn modelId="{45112542-EE09-4A45-9662-D3C4700BAF53}" srcId="{3D4622CA-CE55-4B59-80B0-3EDC3294BDF0}" destId="{BD76ABED-2DF9-43FC-8248-8906FC6ED38C}" srcOrd="2" destOrd="0" parTransId="{14938C81-B03D-4F7B-AA43-E5108073D6DA}" sibTransId="{BBD1E240-613A-459B-BBA0-5760C1FE9C86}"/>
-    <dgm:cxn modelId="{077A0E70-5653-4392-97DD-93205B0E711D}" type="presOf" srcId="{3371556B-8BBE-40A0-9B78-0E52D105D5CB}" destId="{10443C87-1029-47E0-8468-53932E830E45}" srcOrd="0" destOrd="0" presId="urn:microsoft.com/office/officeart/2005/8/layout/orgChart1"/>
-    <dgm:cxn modelId="{55CBB70D-B180-4709-92F5-C08859F4FCF9}" type="presOf" srcId="{F432106B-6544-4843-9FDE-C68B3FBFD266}" destId="{5A6EBF34-082E-4042-BFD6-E327BBFEBEF6}" srcOrd="0" destOrd="0" presId="urn:microsoft.com/office/officeart/2005/8/layout/orgChart1"/>
-    <dgm:cxn modelId="{DCE5DC77-3B3C-4441-A397-B36574C712B3}" type="presOf" srcId="{58094D1F-E3DD-46B2-B122-90B28EFA0AEA}" destId="{66EF63CD-1BA1-4100-ACC6-C45626AF59D5}" srcOrd="0" destOrd="0" presId="urn:microsoft.com/office/officeart/2005/8/layout/orgChart1"/>
-    <dgm:cxn modelId="{D0A107B0-C691-40FC-A179-B814C04C4D38}" type="presOf" srcId="{6068CCC3-2DC3-49B1-A3C3-1B64FE37836D}" destId="{E733A77E-89FA-4B9C-A80B-CDCD62A1C3D1}" srcOrd="0" destOrd="0" presId="urn:microsoft.com/office/officeart/2005/8/layout/orgChart1"/>
-    <dgm:cxn modelId="{A6F80996-2FD4-4459-B905-4FDC21BEEA04}" srcId="{FB6E65E7-5E34-4F2D-9A0F-4611B152FE07}" destId="{05E1324F-8146-4646-9834-930E93833AAB}" srcOrd="1" destOrd="0" parTransId="{5946A508-DC21-481B-A321-729B4675A6D3}" sibTransId="{B8ABC18A-962C-4C17-9788-DBCF35447EBD}"/>
-    <dgm:cxn modelId="{17362E34-BD27-4724-A288-2000F2A2F5C3}" type="presOf" srcId="{2A449A93-E6F7-4B50-94C3-64C4ABF8D9AE}" destId="{AFC5C9B9-9DCE-4428-8AC1-037C915315D7}" srcOrd="0" destOrd="0" presId="urn:microsoft.com/office/officeart/2005/8/layout/orgChart1"/>
-    <dgm:cxn modelId="{162A6A06-BE28-47B1-BD55-E2E599F6D045}" type="presOf" srcId="{9415298D-26EA-4A6C-9F5B-E0E3E23E89A5}" destId="{072730EB-D725-4DB5-83A5-D31D9EB1B075}" srcOrd="1" destOrd="0" presId="urn:microsoft.com/office/officeart/2005/8/layout/orgChart1"/>
-    <dgm:cxn modelId="{1A6DCE4A-681A-4FD5-B18A-FF02370A7B2D}" srcId="{388B03AE-1583-4706-A7BB-BA764C869B0C}" destId="{AC9EFDF2-1E89-413C-A544-762CE1A4F8C0}" srcOrd="1" destOrd="0" parTransId="{9AD4C4D3-AA3D-42C6-95BD-CD17690A33EA}" sibTransId="{5C757D7B-043D-4461-961A-CAB233238931}"/>
-    <dgm:cxn modelId="{4F8C4590-BB1C-40FD-8EB2-66405C6B747B}" type="presOf" srcId="{AC9EFDF2-1E89-413C-A544-762CE1A4F8C0}" destId="{811F0CEB-3001-4879-8561-FFAA758F9C4D}" srcOrd="0" destOrd="0" presId="urn:microsoft.com/office/officeart/2005/8/layout/orgChart1"/>
-    <dgm:cxn modelId="{20CA77F1-F4D6-47F2-A4CB-C3F5478E6EA8}" type="presOf" srcId="{71C2B6F7-464C-41F6-BB0A-96F5F2BEF7D0}" destId="{241DB644-022A-42E8-AFEC-FCFA4C8A0240}" srcOrd="0" destOrd="0" presId="urn:microsoft.com/office/officeart/2005/8/layout/orgChart1"/>
-    <dgm:cxn modelId="{411CE684-A65A-44B4-AB1A-0E4F5B1D3327}" type="presOf" srcId="{AED10E6B-2A7C-4D87-AE2F-A9E67C153362}" destId="{8876F36E-6C3D-4776-ABDC-D185073FEE12}" srcOrd="0" destOrd="0" presId="urn:microsoft.com/office/officeart/2005/8/layout/orgChart1"/>
-    <dgm:cxn modelId="{6965362B-C149-4458-9608-B7DBCB2C9391}" type="presOf" srcId="{B9578511-1845-41D9-B567-2EED72A74826}" destId="{20C4464E-9E44-4762-B40F-2AE7944D78AA}" srcOrd="0" destOrd="0" presId="urn:microsoft.com/office/officeart/2005/8/layout/orgChart1"/>
-    <dgm:cxn modelId="{30FF6CB6-33BB-4026-B4D2-B7F069EAE5F9}" type="presOf" srcId="{82DA2C98-167F-4AEA-B668-91E1B0111BD9}" destId="{5269A202-2ACB-4514-B537-A19843F16DF9}" srcOrd="1" destOrd="0" presId="urn:microsoft.com/office/officeart/2005/8/layout/orgChart1"/>
-    <dgm:cxn modelId="{4B72D40D-30CF-43F6-8EC5-74BB545F4DD6}" srcId="{3D4622CA-CE55-4B59-80B0-3EDC3294BDF0}" destId="{31F75589-71C7-4560-8B8D-7ACEF423E831}" srcOrd="0" destOrd="0" parTransId="{516D82E2-F1C1-48C1-9581-28AFAB241B56}" sibTransId="{A4AAE6ED-DCF7-4C0D-B268-1106A0B5F490}"/>
-    <dgm:cxn modelId="{E5E8FD9D-8A60-4347-B3FC-81A122C31E29}" srcId="{AC9EFDF2-1E89-413C-A544-762CE1A4F8C0}" destId="{E9D10807-D0ED-4014-9724-3F0B7E0BBFA8}" srcOrd="0" destOrd="0" parTransId="{7B4CEC73-92CF-40AF-ADC3-F9A4ABE87813}" sibTransId="{1806BABF-F2EC-4D1F-9C5F-A8F8AD2743FE}"/>
-    <dgm:cxn modelId="{62C3E448-AF7C-4458-803E-934D1E3CFBA7}" type="presOf" srcId="{BD76ABED-2DF9-43FC-8248-8906FC6ED38C}" destId="{9E844CCB-BB56-4B9F-AF3E-5D6C0FAE0E8F}" srcOrd="0" destOrd="0" presId="urn:microsoft.com/office/officeart/2005/8/layout/orgChart1"/>
-    <dgm:cxn modelId="{C5D9990D-126B-4435-9BEF-01A892D68A84}" type="presOf" srcId="{EE61DB26-84DE-4FC7-AA26-9818CD81E4DB}" destId="{0C5171CD-CC4D-45B3-A0D8-D27B776EAB6C}" srcOrd="0" destOrd="0" presId="urn:microsoft.com/office/officeart/2005/8/layout/orgChart1"/>
-    <dgm:cxn modelId="{3201DD18-6449-48BF-8034-A3AA2E609B3B}" srcId="{F68779E3-5F1B-4937-AD5A-30C29348322D}" destId="{82DA2C98-167F-4AEA-B668-91E1B0111BD9}" srcOrd="3" destOrd="0" parTransId="{82952DE5-59D2-434F-AC20-AF1ED12E162B}" sibTransId="{BA8E275C-9851-4FFF-9B85-2CB36CEF03FE}"/>
-    <dgm:cxn modelId="{933B1ABB-EC21-4856-A1AE-5D6376B23208}" srcId="{F68779E3-5F1B-4937-AD5A-30C29348322D}" destId="{75677C28-0B61-43C0-8518-57E83FD5FFFD}" srcOrd="1" destOrd="0" parTransId="{AED10E6B-2A7C-4D87-AE2F-A9E67C153362}" sibTransId="{60ECD780-91DC-4A56-9513-E88AC9A59C38}"/>
-    <dgm:cxn modelId="{7511FDD8-A869-432F-BEA1-8536FA0CC156}" type="presOf" srcId="{49ADF8F0-4FCE-4D5A-A622-6EB5356592AC}" destId="{1DA0058F-15BD-4C35-BFD4-36D609C6A4FC}" srcOrd="0" destOrd="0" presId="urn:microsoft.com/office/officeart/2005/8/layout/orgChart1"/>
-    <dgm:cxn modelId="{81C1584E-262E-49C5-A576-51025F3A2A5D}" type="presOf" srcId="{838A87CA-745D-483F-ACAB-C5C6AC1AC3CB}" destId="{767E1A06-9F51-40FA-B8F8-A1C4ED5CEC90}" srcOrd="0" destOrd="0" presId="urn:microsoft.com/office/officeart/2005/8/layout/orgChart1"/>
-    <dgm:cxn modelId="{769A57F5-E907-480E-AE5F-602BBFC9C715}" type="presOf" srcId="{1CDE04AC-330B-476F-9CC7-600E92AC4F85}" destId="{73671477-F3A7-40C7-B6C4-1C1BA12C21C1}" srcOrd="0" destOrd="0" presId="urn:microsoft.com/office/officeart/2005/8/layout/orgChart1"/>
-    <dgm:cxn modelId="{CDF4BC4E-BDE3-417B-9495-EA7BB865C247}" type="presOf" srcId="{1D03597F-B94B-4CF5-AC27-3069B5430A3F}" destId="{46FA37EC-03A5-4402-BC3E-621912E7CFF9}" srcOrd="0" destOrd="0" presId="urn:microsoft.com/office/officeart/2005/8/layout/orgChart1"/>
-    <dgm:cxn modelId="{F1767063-5321-4C43-8EBD-F505EBD2B363}" type="presOf" srcId="{115FF7EE-A848-41F1-A50A-DD0B956D0B88}" destId="{9CBB51A0-7E01-4BA7-A033-4AF8C10FF9F2}" srcOrd="0" destOrd="0" presId="urn:microsoft.com/office/officeart/2005/8/layout/orgChart1"/>
-    <dgm:cxn modelId="{CF0E4D6C-799A-4B12-BAE7-4FEB74FB7C07}" type="presOf" srcId="{9AD4C4D3-AA3D-42C6-95BD-CD17690A33EA}" destId="{FFADC981-98DA-465A-834E-1469A32BE8A5}" srcOrd="0" destOrd="0" presId="urn:microsoft.com/office/officeart/2005/8/layout/orgChart1"/>
-    <dgm:cxn modelId="{B8329845-FABA-4FD1-B2F3-58AAEFA4595C}" srcId="{1CDE04AC-330B-476F-9CC7-600E92AC4F85}" destId="{B9578511-1845-41D9-B567-2EED72A74826}" srcOrd="3" destOrd="0" parTransId="{F570D233-7486-4900-80AA-7010FD12A345}" sibTransId="{1D2B4D9D-3650-4696-BFB6-450A7FF9DC3A}"/>
-    <dgm:cxn modelId="{7F43522A-03B8-4A95-9796-2CAE16179745}" type="presOf" srcId="{469849CB-EAE7-457B-B3A1-0FD0240EB313}" destId="{D357AA12-B255-4C03-9BF8-BC193ABAE66E}" srcOrd="0" destOrd="0" presId="urn:microsoft.com/office/officeart/2005/8/layout/orgChart1"/>
-    <dgm:cxn modelId="{D3BA522A-82BF-434C-B3AA-CD0B351893B9}" type="presOf" srcId="{0CC234EE-CBD0-4BE8-8A69-F9BA62E41C35}" destId="{901951DF-C85E-4340-BBE5-D7D88643DA3F}" srcOrd="0" destOrd="0" presId="urn:microsoft.com/office/officeart/2005/8/layout/orgChart1"/>
-    <dgm:cxn modelId="{16DBE31C-9078-44E9-99FC-5D8F21FB2D23}" type="presOf" srcId="{2B617E80-B54D-46B4-B2BD-E1B71A0C89B5}" destId="{B1DDD93C-AA0B-4079-AE64-A6CC80C413FA}" srcOrd="0" destOrd="0" presId="urn:microsoft.com/office/officeart/2005/8/layout/orgChart1"/>
-    <dgm:cxn modelId="{CE9BB810-430F-4868-A4E2-B5B25CA1C439}" type="presOf" srcId="{82DA2C98-167F-4AEA-B668-91E1B0111BD9}" destId="{858C8FBF-2143-4E7E-ACFA-6B0FBDBF6D39}" srcOrd="0" destOrd="0" presId="urn:microsoft.com/office/officeart/2005/8/layout/orgChart1"/>
-    <dgm:cxn modelId="{24A50277-836C-469C-BF30-D90A1900AFE5}" type="presOf" srcId="{ECC87D09-4966-47F2-B554-6ECFFC0A434B}" destId="{B0495467-15B6-457F-858F-0D45FF87FDE8}" srcOrd="0" destOrd="0" presId="urn:microsoft.com/office/officeart/2005/8/layout/orgChart1"/>
-    <dgm:cxn modelId="{7644C323-03A6-4ABF-9C43-42DC0407AB75}" type="presOf" srcId="{8968DFAC-2D32-4109-B15D-A75FD6B38343}" destId="{859A5F7A-4B51-4AD3-96AE-3C6BF22CD42A}" srcOrd="0" destOrd="0" presId="urn:microsoft.com/office/officeart/2005/8/layout/orgChart1"/>
-    <dgm:cxn modelId="{9F85EE09-E253-41D0-975F-175EE2BD72B7}" type="presOf" srcId="{301A8421-BFB3-4791-BD9C-8B5DF53C5C92}" destId="{2E177F70-5D22-47DE-9E47-56177F40C4CA}" srcOrd="0" destOrd="0" presId="urn:microsoft.com/office/officeart/2005/8/layout/orgChart1"/>
-    <dgm:cxn modelId="{9EFA50B1-28F4-4BE0-AEA2-1AC1C1FCDF4A}" type="presOf" srcId="{F5B0F976-4370-4DFE-82B8-C5A097EEA79F}" destId="{E4D47D8C-F1B0-4921-9C78-48D8EE3931CC}" srcOrd="0" destOrd="0" presId="urn:microsoft.com/office/officeart/2005/8/layout/orgChart1"/>
-    <dgm:cxn modelId="{CB633990-6776-454A-AB7C-99AA5823E44D}" type="presOf" srcId="{EE61DB26-84DE-4FC7-AA26-9818CD81E4DB}" destId="{D628ABE4-F7B0-4A71-B0F5-64846DEBF620}" srcOrd="1" destOrd="0" presId="urn:microsoft.com/office/officeart/2005/8/layout/orgChart1"/>
-    <dgm:cxn modelId="{0EE4B45A-010D-4884-A539-9FAFB1F56C0A}" type="presOf" srcId="{75677C28-0B61-43C0-8518-57E83FD5FFFD}" destId="{17F7B421-5560-4AB8-A697-7872F61C07CB}" srcOrd="1" destOrd="0" presId="urn:microsoft.com/office/officeart/2005/8/layout/orgChart1"/>
-    <dgm:cxn modelId="{87CF4DE1-A24B-441B-A990-894F03F663CD}" type="presOf" srcId="{F432106B-6544-4843-9FDE-C68B3FBFD266}" destId="{73FFD7F9-44AC-4A47-BB94-0F279F008982}" srcOrd="1" destOrd="0" presId="urn:microsoft.com/office/officeart/2005/8/layout/orgChart1"/>
     <dgm:cxn modelId="{35D6B348-19C6-49A5-A0D9-0E9002FE4CE6}" type="presParOf" srcId="{46C4A8C9-46AB-40BA-BE2A-93F27A7B85AA}" destId="{34E2A76A-9B7D-48CE-9A03-74F08393FD94}" srcOrd="0" destOrd="0" presId="urn:microsoft.com/office/officeart/2005/8/layout/orgChart1"/>
     <dgm:cxn modelId="{514F65FB-8EE8-44D7-94C0-4288B97AFD3E}" type="presParOf" srcId="{34E2A76A-9B7D-48CE-9A03-74F08393FD94}" destId="{84B1B2FB-B134-4270-B3D5-F3EB4481AE1D}" srcOrd="0" destOrd="0" presId="urn:microsoft.com/office/officeart/2005/8/layout/orgChart1"/>
     <dgm:cxn modelId="{9B7AEB21-5E2E-45CB-9578-63E1BB51F3DF}" type="presParOf" srcId="{84B1B2FB-B134-4270-B3D5-F3EB4481AE1D}" destId="{8CD2BC37-3900-49BB-97B0-B5628A5CCC9C}" srcOrd="0" destOrd="0" presId="urn:microsoft.com/office/officeart/2005/8/layout/orgChart1"/>
@@ -6623,6 +9506,90 @@
     <dgm:cxn modelId="{28E1ACB5-09C1-4940-8A35-9EE3895C483A}" type="presParOf" srcId="{1167A571-7EBD-47EA-8AF7-D347A3E96FF6}" destId="{8B5A03F0-DDEA-499F-BFCE-8205B78D5220}" srcOrd="2" destOrd="0" presId="urn:microsoft.com/office/officeart/2005/8/layout/orgChart1"/>
     <dgm:cxn modelId="{F07FBB67-4A41-4F6C-9FFA-C97E8BFF9A62}" type="presParOf" srcId="{E73CFEDD-673F-4466-95A3-0A204AA04C35}" destId="{BA198322-7172-4496-B86E-EB6CA0E4DB81}" srcOrd="2" destOrd="0" presId="urn:microsoft.com/office/officeart/2005/8/layout/orgChart1"/>
     <dgm:cxn modelId="{907440F4-9560-4C17-B1F1-91ABBCB0B153}" type="presParOf" srcId="{12334E02-432E-4448-9715-4392D0071968}" destId="{3FF67B65-BFC6-4D94-B2A9-4072266413E2}" srcOrd="2" destOrd="0" presId="urn:microsoft.com/office/officeart/2005/8/layout/orgChart1"/>
+    <dgm:cxn modelId="{826564D6-BB92-4B59-8707-05D14DC53A28}" type="presParOf" srcId="{8A97831D-931A-469A-8C59-70D7858BD09B}" destId="{31DC9AAE-59E5-4408-A0B7-8173CA5517B6}" srcOrd="10" destOrd="0" presId="urn:microsoft.com/office/officeart/2005/8/layout/orgChart1"/>
+    <dgm:cxn modelId="{84B4A951-53FA-4878-BF4B-709E644229D9}" type="presParOf" srcId="{8A97831D-931A-469A-8C59-70D7858BD09B}" destId="{A027E60A-6C53-40ED-8E8D-905DE8E95A72}" srcOrd="11" destOrd="0" presId="urn:microsoft.com/office/officeart/2005/8/layout/orgChart1"/>
+    <dgm:cxn modelId="{AD2EF8DE-8F75-44BF-ACEF-CA48BC0FFD9F}" type="presParOf" srcId="{A027E60A-6C53-40ED-8E8D-905DE8E95A72}" destId="{630F9CB3-114D-4780-9815-ADB2F1E0B457}" srcOrd="0" destOrd="0" presId="urn:microsoft.com/office/officeart/2005/8/layout/orgChart1"/>
+    <dgm:cxn modelId="{8D51FFC5-EEA9-464A-A806-749A34212FC7}" type="presParOf" srcId="{630F9CB3-114D-4780-9815-ADB2F1E0B457}" destId="{884FAFCF-9AB1-4841-B81A-42C91DEBF4D4}" srcOrd="0" destOrd="0" presId="urn:microsoft.com/office/officeart/2005/8/layout/orgChart1"/>
+    <dgm:cxn modelId="{25849DF0-D2E4-4043-8533-1A92AD50C4DB}" type="presParOf" srcId="{630F9CB3-114D-4780-9815-ADB2F1E0B457}" destId="{C67225CA-FAA3-4E27-9AA5-514986BCB57D}" srcOrd="1" destOrd="0" presId="urn:microsoft.com/office/officeart/2005/8/layout/orgChart1"/>
+    <dgm:cxn modelId="{691D83AA-77FF-4F4F-93FA-A4E96C895223}" type="presParOf" srcId="{A027E60A-6C53-40ED-8E8D-905DE8E95A72}" destId="{0002E467-A20B-4639-AE3F-DAE56D2C0529}" srcOrd="1" destOrd="0" presId="urn:microsoft.com/office/officeart/2005/8/layout/orgChart1"/>
+    <dgm:cxn modelId="{24D53AC3-C97C-4C96-9BC3-DD6190AC721A}" type="presParOf" srcId="{0002E467-A20B-4639-AE3F-DAE56D2C0529}" destId="{59EACFD1-CF99-4771-82BE-8DA492876C2F}" srcOrd="0" destOrd="0" presId="urn:microsoft.com/office/officeart/2005/8/layout/orgChart1"/>
+    <dgm:cxn modelId="{806538FD-7C9F-4B19-950C-B307AF97B041}" type="presParOf" srcId="{0002E467-A20B-4639-AE3F-DAE56D2C0529}" destId="{6637F8F4-80E2-4EFC-96C9-1522C1827E31}" srcOrd="1" destOrd="0" presId="urn:microsoft.com/office/officeart/2005/8/layout/orgChart1"/>
+    <dgm:cxn modelId="{D544AA04-0969-4817-A5EB-4AFF0EFBFFBD}" type="presParOf" srcId="{6637F8F4-80E2-4EFC-96C9-1522C1827E31}" destId="{A448F2C7-8009-487E-8A5A-5E05973853E3}" srcOrd="0" destOrd="0" presId="urn:microsoft.com/office/officeart/2005/8/layout/orgChart1"/>
+    <dgm:cxn modelId="{4740689C-9F25-4FAB-9523-E534FD037101}" type="presParOf" srcId="{A448F2C7-8009-487E-8A5A-5E05973853E3}" destId="{A7CA35FA-0C3F-4D23-A223-B97EECACEF17}" srcOrd="0" destOrd="0" presId="urn:microsoft.com/office/officeart/2005/8/layout/orgChart1"/>
+    <dgm:cxn modelId="{3388978A-9205-4261-AE11-4A6B2E4A7D6A}" type="presParOf" srcId="{A448F2C7-8009-487E-8A5A-5E05973853E3}" destId="{1D1FB9AF-E56B-4BF2-86AD-D0757036F1B7}" srcOrd="1" destOrd="0" presId="urn:microsoft.com/office/officeart/2005/8/layout/orgChart1"/>
+    <dgm:cxn modelId="{2E276D1E-2215-4ACA-AE0B-4188A214FDF5}" type="presParOf" srcId="{6637F8F4-80E2-4EFC-96C9-1522C1827E31}" destId="{C319D9B6-D0D3-4667-B03D-1744A4531A93}" srcOrd="1" destOrd="0" presId="urn:microsoft.com/office/officeart/2005/8/layout/orgChart1"/>
+    <dgm:cxn modelId="{B57EC7C8-C8E7-4F05-9E47-5512F8F74D88}" type="presParOf" srcId="{C319D9B6-D0D3-4667-B03D-1744A4531A93}" destId="{2D17565E-5AF8-414A-B15F-CC144041D816}" srcOrd="0" destOrd="0" presId="urn:microsoft.com/office/officeart/2005/8/layout/orgChart1"/>
+    <dgm:cxn modelId="{88B0D66B-0B54-40F3-8891-2EF9C5F2D2FB}" type="presParOf" srcId="{C319D9B6-D0D3-4667-B03D-1744A4531A93}" destId="{D518CF7D-D438-4080-9B4A-6EFDB40C9958}" srcOrd="1" destOrd="0" presId="urn:microsoft.com/office/officeart/2005/8/layout/orgChart1"/>
+    <dgm:cxn modelId="{85CD4D52-46E8-4105-B83B-EB64302E529F}" type="presParOf" srcId="{D518CF7D-D438-4080-9B4A-6EFDB40C9958}" destId="{2C696D02-AA30-404E-A636-FC389614819A}" srcOrd="0" destOrd="0" presId="urn:microsoft.com/office/officeart/2005/8/layout/orgChart1"/>
+    <dgm:cxn modelId="{43AFABF3-662F-4BD5-8F21-0BBB4470C68B}" type="presParOf" srcId="{2C696D02-AA30-404E-A636-FC389614819A}" destId="{2A47ED97-16E2-4D9F-8AAE-E1FB4E603423}" srcOrd="0" destOrd="0" presId="urn:microsoft.com/office/officeart/2005/8/layout/orgChart1"/>
+    <dgm:cxn modelId="{899BFC62-C2EE-471A-98D7-B50CF307738B}" type="presParOf" srcId="{2C696D02-AA30-404E-A636-FC389614819A}" destId="{7900D53E-0B0A-4930-9247-BE44BDA20A27}" srcOrd="1" destOrd="0" presId="urn:microsoft.com/office/officeart/2005/8/layout/orgChart1"/>
+    <dgm:cxn modelId="{26358134-E645-44A3-80F2-A59F9A4A9AE8}" type="presParOf" srcId="{D518CF7D-D438-4080-9B4A-6EFDB40C9958}" destId="{A6566715-0E72-4394-9F25-DA643DA68A29}" srcOrd="1" destOrd="0" presId="urn:microsoft.com/office/officeart/2005/8/layout/orgChart1"/>
+    <dgm:cxn modelId="{8ACD69E7-FAD6-4F8C-BE15-B0ECBFFFB062}" type="presParOf" srcId="{D518CF7D-D438-4080-9B4A-6EFDB40C9958}" destId="{21BC89E0-4CDD-468E-8386-31FF4720F50D}" srcOrd="2" destOrd="0" presId="urn:microsoft.com/office/officeart/2005/8/layout/orgChart1"/>
+    <dgm:cxn modelId="{AF4B3AB0-5395-43A5-849C-DEFCE9A0516F}" type="presParOf" srcId="{6637F8F4-80E2-4EFC-96C9-1522C1827E31}" destId="{E1FA6BC1-BD21-4885-80FA-C5F851B55EAC}" srcOrd="2" destOrd="0" presId="urn:microsoft.com/office/officeart/2005/8/layout/orgChart1"/>
+    <dgm:cxn modelId="{454B195C-B046-4A6F-8905-585535DA5607}" type="presParOf" srcId="{0002E467-A20B-4639-AE3F-DAE56D2C0529}" destId="{7B686A3D-3A68-4839-B994-27C1267BCE44}" srcOrd="2" destOrd="0" presId="urn:microsoft.com/office/officeart/2005/8/layout/orgChart1"/>
+    <dgm:cxn modelId="{3C151449-3FB6-4228-835E-5840AB630E5C}" type="presParOf" srcId="{0002E467-A20B-4639-AE3F-DAE56D2C0529}" destId="{5519FC38-3429-4CD1-89A9-6FDFE9FC641A}" srcOrd="3" destOrd="0" presId="urn:microsoft.com/office/officeart/2005/8/layout/orgChart1"/>
+    <dgm:cxn modelId="{26E89471-D37B-4A98-A980-5D115C90B31A}" type="presParOf" srcId="{5519FC38-3429-4CD1-89A9-6FDFE9FC641A}" destId="{2EB61ACC-8710-4DC8-AAC3-B1A776CD0CBD}" srcOrd="0" destOrd="0" presId="urn:microsoft.com/office/officeart/2005/8/layout/orgChart1"/>
+    <dgm:cxn modelId="{0F13C28A-B8F8-4CE0-B6EF-19D5183341C8}" type="presParOf" srcId="{2EB61ACC-8710-4DC8-AAC3-B1A776CD0CBD}" destId="{97AFF7B0-F91B-4C96-9FFA-70E15E87645F}" srcOrd="0" destOrd="0" presId="urn:microsoft.com/office/officeart/2005/8/layout/orgChart1"/>
+    <dgm:cxn modelId="{9D0EDE00-E151-45F9-85C3-6C44CB1947B2}" type="presParOf" srcId="{2EB61ACC-8710-4DC8-AAC3-B1A776CD0CBD}" destId="{1199E26E-2182-479E-B76A-05D902C45189}" srcOrd="1" destOrd="0" presId="urn:microsoft.com/office/officeart/2005/8/layout/orgChart1"/>
+    <dgm:cxn modelId="{B7155308-6D33-4B84-8195-440D2546849A}" type="presParOf" srcId="{5519FC38-3429-4CD1-89A9-6FDFE9FC641A}" destId="{F617ABB1-6D27-4A1F-AE7C-E4570EDC7BE0}" srcOrd="1" destOrd="0" presId="urn:microsoft.com/office/officeart/2005/8/layout/orgChart1"/>
+    <dgm:cxn modelId="{8D406861-D2F6-4149-AEB7-D730B3D8919F}" type="presParOf" srcId="{F617ABB1-6D27-4A1F-AE7C-E4570EDC7BE0}" destId="{B30CB6A2-3817-49E3-B1D4-9914AA96BFF6}" srcOrd="0" destOrd="0" presId="urn:microsoft.com/office/officeart/2005/8/layout/orgChart1"/>
+    <dgm:cxn modelId="{443A9204-A81F-4944-8C41-C4373752E772}" type="presParOf" srcId="{F617ABB1-6D27-4A1F-AE7C-E4570EDC7BE0}" destId="{DB303332-C97B-4062-9B0E-CD158BAD55D2}" srcOrd="1" destOrd="0" presId="urn:microsoft.com/office/officeart/2005/8/layout/orgChart1"/>
+    <dgm:cxn modelId="{087F5CBA-4ABC-46C1-8BC6-69E65AA1C216}" type="presParOf" srcId="{DB303332-C97B-4062-9B0E-CD158BAD55D2}" destId="{3CA0471A-BB73-46DE-B11F-495B430CBE29}" srcOrd="0" destOrd="0" presId="urn:microsoft.com/office/officeart/2005/8/layout/orgChart1"/>
+    <dgm:cxn modelId="{F17BD84D-529D-4650-B3C5-9BE42CBE7D36}" type="presParOf" srcId="{3CA0471A-BB73-46DE-B11F-495B430CBE29}" destId="{D0BE9265-7754-430B-B93E-2D2D15EF8974}" srcOrd="0" destOrd="0" presId="urn:microsoft.com/office/officeart/2005/8/layout/orgChart1"/>
+    <dgm:cxn modelId="{544234EC-C8A7-49D0-8C54-38E8B369140C}" type="presParOf" srcId="{3CA0471A-BB73-46DE-B11F-495B430CBE29}" destId="{F4BA0C1D-5C25-4E73-8144-9BF4D7BD4CF3}" srcOrd="1" destOrd="0" presId="urn:microsoft.com/office/officeart/2005/8/layout/orgChart1"/>
+    <dgm:cxn modelId="{CC5B2C06-5D2E-454E-8B4E-C47D0AF5D451}" type="presParOf" srcId="{DB303332-C97B-4062-9B0E-CD158BAD55D2}" destId="{A4662478-D467-457D-AA31-7C64F71D8337}" srcOrd="1" destOrd="0" presId="urn:microsoft.com/office/officeart/2005/8/layout/orgChart1"/>
+    <dgm:cxn modelId="{FA2C0DA3-FAE1-406E-A00A-F3DA56E02BB5}" type="presParOf" srcId="{DB303332-C97B-4062-9B0E-CD158BAD55D2}" destId="{FC645CA2-4F38-479A-B9FD-19796E0E3653}" srcOrd="2" destOrd="0" presId="urn:microsoft.com/office/officeart/2005/8/layout/orgChart1"/>
+    <dgm:cxn modelId="{648617D6-990C-4423-8801-6438DE74CC98}" type="presParOf" srcId="{5519FC38-3429-4CD1-89A9-6FDFE9FC641A}" destId="{7D081232-6236-4F61-8D87-5C4EB0E9B2C4}" srcOrd="2" destOrd="0" presId="urn:microsoft.com/office/officeart/2005/8/layout/orgChart1"/>
+    <dgm:cxn modelId="{FB609A54-DB69-490E-A376-A30D5E6670E0}" type="presParOf" srcId="{A027E60A-6C53-40ED-8E8D-905DE8E95A72}" destId="{D3CA0018-1057-41D7-83AF-A092DE53911C}" srcOrd="2" destOrd="0" presId="urn:microsoft.com/office/officeart/2005/8/layout/orgChart1"/>
+    <dgm:cxn modelId="{0AE149CC-60B5-4AA7-AC18-2348E0F852B7}" type="presParOf" srcId="{8A97831D-931A-469A-8C59-70D7858BD09B}" destId="{B44A278F-86FE-491B-AFFE-823D65D6F32E}" srcOrd="12" destOrd="0" presId="urn:microsoft.com/office/officeart/2005/8/layout/orgChart1"/>
+    <dgm:cxn modelId="{70BB314F-68B9-439A-BED6-35EFC140B686}" type="presParOf" srcId="{8A97831D-931A-469A-8C59-70D7858BD09B}" destId="{2EB3D6A8-C147-4830-A757-D5E2B101D027}" srcOrd="13" destOrd="0" presId="urn:microsoft.com/office/officeart/2005/8/layout/orgChart1"/>
+    <dgm:cxn modelId="{631BDB0F-DCA5-4F29-B69C-7F5DA8584856}" type="presParOf" srcId="{2EB3D6A8-C147-4830-A757-D5E2B101D027}" destId="{5B0452A8-CA66-4545-BFDF-6039C1693AC7}" srcOrd="0" destOrd="0" presId="urn:microsoft.com/office/officeart/2005/8/layout/orgChart1"/>
+    <dgm:cxn modelId="{4E2A64C9-C27C-47EF-81B4-BE1BCE44F2AB}" type="presParOf" srcId="{5B0452A8-CA66-4545-BFDF-6039C1693AC7}" destId="{E8AF00D2-BB93-469E-A36A-6AD7C13875D0}" srcOrd="0" destOrd="0" presId="urn:microsoft.com/office/officeart/2005/8/layout/orgChart1"/>
+    <dgm:cxn modelId="{28C28208-1FB4-448C-A7EA-3C1658224669}" type="presParOf" srcId="{5B0452A8-CA66-4545-BFDF-6039C1693AC7}" destId="{DFFDB907-47D0-42CF-9EF9-19AD1F11C082}" srcOrd="1" destOrd="0" presId="urn:microsoft.com/office/officeart/2005/8/layout/orgChart1"/>
+    <dgm:cxn modelId="{044E9522-3ABD-45BE-9FF8-6F21DAAFFFAE}" type="presParOf" srcId="{2EB3D6A8-C147-4830-A757-D5E2B101D027}" destId="{94BC2431-A90C-44E2-B457-113AA18F10E2}" srcOrd="1" destOrd="0" presId="urn:microsoft.com/office/officeart/2005/8/layout/orgChart1"/>
+    <dgm:cxn modelId="{EC3E7F4A-FD77-492B-ADB4-AE438C8D525C}" type="presParOf" srcId="{94BC2431-A90C-44E2-B457-113AA18F10E2}" destId="{EE5565CD-CF13-487F-A639-81EB419FED5F}" srcOrd="0" destOrd="0" presId="urn:microsoft.com/office/officeart/2005/8/layout/orgChart1"/>
+    <dgm:cxn modelId="{89198493-8A62-42B1-B121-C928B748BB27}" type="presParOf" srcId="{94BC2431-A90C-44E2-B457-113AA18F10E2}" destId="{E35B1573-AA7E-47FD-962C-541F935BF0FC}" srcOrd="1" destOrd="0" presId="urn:microsoft.com/office/officeart/2005/8/layout/orgChart1"/>
+    <dgm:cxn modelId="{6E47A8E7-0427-4E28-B429-D6164327980B}" type="presParOf" srcId="{E35B1573-AA7E-47FD-962C-541F935BF0FC}" destId="{736E83B5-1645-4132-B767-87B5A60B8066}" srcOrd="0" destOrd="0" presId="urn:microsoft.com/office/officeart/2005/8/layout/orgChart1"/>
+    <dgm:cxn modelId="{A94BE90E-B862-4F48-97CF-BE7397DCFBF2}" type="presParOf" srcId="{736E83B5-1645-4132-B767-87B5A60B8066}" destId="{FB89C2B6-C4D9-4EDC-A029-D6C4E3840313}" srcOrd="0" destOrd="0" presId="urn:microsoft.com/office/officeart/2005/8/layout/orgChart1"/>
+    <dgm:cxn modelId="{622F4365-FC40-4BFF-9188-86341EF5660B}" type="presParOf" srcId="{736E83B5-1645-4132-B767-87B5A60B8066}" destId="{D34DBC48-B0F7-461E-81CB-DDA16CFD323B}" srcOrd="1" destOrd="0" presId="urn:microsoft.com/office/officeart/2005/8/layout/orgChart1"/>
+    <dgm:cxn modelId="{533D54F4-5635-4373-8A96-CB1B2F86232E}" type="presParOf" srcId="{E35B1573-AA7E-47FD-962C-541F935BF0FC}" destId="{11D50412-ADFD-432D-9C9D-3E5440B1C455}" srcOrd="1" destOrd="0" presId="urn:microsoft.com/office/officeart/2005/8/layout/orgChart1"/>
+    <dgm:cxn modelId="{81994C7F-5A6A-40E1-8A90-B5F8776F7061}" type="presParOf" srcId="{E35B1573-AA7E-47FD-962C-541F935BF0FC}" destId="{99036D01-2923-4EBD-AB40-64FCD7760F5E}" srcOrd="2" destOrd="0" presId="urn:microsoft.com/office/officeart/2005/8/layout/orgChart1"/>
+    <dgm:cxn modelId="{81B8AFD8-0AC2-444C-B2E3-131365115944}" type="presParOf" srcId="{94BC2431-A90C-44E2-B457-113AA18F10E2}" destId="{E0F24A2A-E0C4-40A0-B559-94DB272B5399}" srcOrd="2" destOrd="0" presId="urn:microsoft.com/office/officeart/2005/8/layout/orgChart1"/>
+    <dgm:cxn modelId="{3D27D83F-9B2A-4449-A880-A34776C1D524}" type="presParOf" srcId="{94BC2431-A90C-44E2-B457-113AA18F10E2}" destId="{80F9FC8E-C47A-4C6C-B4FC-A51D5F98F705}" srcOrd="3" destOrd="0" presId="urn:microsoft.com/office/officeart/2005/8/layout/orgChart1"/>
+    <dgm:cxn modelId="{E0CE4569-7DF4-490B-9991-CA68A27ABE04}" type="presParOf" srcId="{80F9FC8E-C47A-4C6C-B4FC-A51D5F98F705}" destId="{DC246577-991D-4A0A-91C4-AAA44F5E6649}" srcOrd="0" destOrd="0" presId="urn:microsoft.com/office/officeart/2005/8/layout/orgChart1"/>
+    <dgm:cxn modelId="{C640A761-7ECF-4055-84E8-087FA6BF3F25}" type="presParOf" srcId="{DC246577-991D-4A0A-91C4-AAA44F5E6649}" destId="{E73224E3-FD1A-47B0-AE42-E0AAA502C99E}" srcOrd="0" destOrd="0" presId="urn:microsoft.com/office/officeart/2005/8/layout/orgChart1"/>
+    <dgm:cxn modelId="{39A3DA02-23C2-41C7-BB8F-78BA13A53712}" type="presParOf" srcId="{DC246577-991D-4A0A-91C4-AAA44F5E6649}" destId="{1D66D065-6F8C-4D6B-9680-B443F9AAEA23}" srcOrd="1" destOrd="0" presId="urn:microsoft.com/office/officeart/2005/8/layout/orgChart1"/>
+    <dgm:cxn modelId="{ABC52E4C-8944-4DBF-8ABF-9F7E699F1523}" type="presParOf" srcId="{80F9FC8E-C47A-4C6C-B4FC-A51D5F98F705}" destId="{05BFD1E4-D0AE-47A3-9910-388E4CCC8D6D}" srcOrd="1" destOrd="0" presId="urn:microsoft.com/office/officeart/2005/8/layout/orgChart1"/>
+    <dgm:cxn modelId="{266DDF45-C237-4D57-B87D-23DE39B4E6D8}" type="presParOf" srcId="{80F9FC8E-C47A-4C6C-B4FC-A51D5F98F705}" destId="{94BD6C3F-D08F-47C5-BF15-300654AA65D5}" srcOrd="2" destOrd="0" presId="urn:microsoft.com/office/officeart/2005/8/layout/orgChart1"/>
+    <dgm:cxn modelId="{45141559-00B7-43B4-8922-F80C71921B38}" type="presParOf" srcId="{94BC2431-A90C-44E2-B457-113AA18F10E2}" destId="{F9DFBEC0-59E3-439E-B95A-55689A2447E7}" srcOrd="4" destOrd="0" presId="urn:microsoft.com/office/officeart/2005/8/layout/orgChart1"/>
+    <dgm:cxn modelId="{6C86B7ED-2A54-47FE-97F0-D84CA40ACA2E}" type="presParOf" srcId="{94BC2431-A90C-44E2-B457-113AA18F10E2}" destId="{502229EB-5860-4660-AAE0-2703FE9DAD24}" srcOrd="5" destOrd="0" presId="urn:microsoft.com/office/officeart/2005/8/layout/orgChart1"/>
+    <dgm:cxn modelId="{66707970-A46F-4257-8C33-A054B365C27D}" type="presParOf" srcId="{502229EB-5860-4660-AAE0-2703FE9DAD24}" destId="{7B1B0D3A-C579-4897-A858-70D7ED7EE931}" srcOrd="0" destOrd="0" presId="urn:microsoft.com/office/officeart/2005/8/layout/orgChart1"/>
+    <dgm:cxn modelId="{FDB8608F-999F-4202-A29C-8685EFB0F4E5}" type="presParOf" srcId="{7B1B0D3A-C579-4897-A858-70D7ED7EE931}" destId="{16BD9EE3-135A-425A-A527-D866A0D73888}" srcOrd="0" destOrd="0" presId="urn:microsoft.com/office/officeart/2005/8/layout/orgChart1"/>
+    <dgm:cxn modelId="{D923B072-6AD5-4694-A24C-5E36FA43AC14}" type="presParOf" srcId="{7B1B0D3A-C579-4897-A858-70D7ED7EE931}" destId="{13D1F1A4-15DC-46CD-AFCF-B9478D616FBF}" srcOrd="1" destOrd="0" presId="urn:microsoft.com/office/officeart/2005/8/layout/orgChart1"/>
+    <dgm:cxn modelId="{E87C62AB-98EA-4EB5-89FA-3D9640465CCA}" type="presParOf" srcId="{502229EB-5860-4660-AAE0-2703FE9DAD24}" destId="{682E2748-61BE-465A-921D-D4A8B844A3CA}" srcOrd="1" destOrd="0" presId="urn:microsoft.com/office/officeart/2005/8/layout/orgChart1"/>
+    <dgm:cxn modelId="{D885EA1F-048F-4F48-9A60-0B6576C7B483}" type="presParOf" srcId="{502229EB-5860-4660-AAE0-2703FE9DAD24}" destId="{02633775-13FA-42D5-9A73-B09013F466FF}" srcOrd="2" destOrd="0" presId="urn:microsoft.com/office/officeart/2005/8/layout/orgChart1"/>
+    <dgm:cxn modelId="{72989DC9-1A14-4D34-9A2E-1C8B0AF6F294}" type="presParOf" srcId="{94BC2431-A90C-44E2-B457-113AA18F10E2}" destId="{7095FA1B-B48A-4751-A2D0-F76DEDA32F3B}" srcOrd="6" destOrd="0" presId="urn:microsoft.com/office/officeart/2005/8/layout/orgChart1"/>
+    <dgm:cxn modelId="{00A78428-4009-4DDD-8F59-0CBEB0E0090B}" type="presParOf" srcId="{94BC2431-A90C-44E2-B457-113AA18F10E2}" destId="{E12A6DC5-DE93-48BB-AF8F-7A9DFCCC0615}" srcOrd="7" destOrd="0" presId="urn:microsoft.com/office/officeart/2005/8/layout/orgChart1"/>
+    <dgm:cxn modelId="{FDCF680C-C1AC-495A-BD4B-004125F82B2C}" type="presParOf" srcId="{E12A6DC5-DE93-48BB-AF8F-7A9DFCCC0615}" destId="{94A2D08D-6D0D-4FEF-9FD6-91FBDA2F8C4D}" srcOrd="0" destOrd="0" presId="urn:microsoft.com/office/officeart/2005/8/layout/orgChart1"/>
+    <dgm:cxn modelId="{B70771A4-C74D-4E31-BE48-FE7CFCCA45D8}" type="presParOf" srcId="{94A2D08D-6D0D-4FEF-9FD6-91FBDA2F8C4D}" destId="{F025C0E8-03C8-4EE8-AE04-8A7E3E1BFCAA}" srcOrd="0" destOrd="0" presId="urn:microsoft.com/office/officeart/2005/8/layout/orgChart1"/>
+    <dgm:cxn modelId="{6E463449-0538-4795-B8A5-4D4E0D34C632}" type="presParOf" srcId="{94A2D08D-6D0D-4FEF-9FD6-91FBDA2F8C4D}" destId="{F8D665DE-6F2D-4ECD-B0FD-F52E37F6A8D9}" srcOrd="1" destOrd="0" presId="urn:microsoft.com/office/officeart/2005/8/layout/orgChart1"/>
+    <dgm:cxn modelId="{A5E6F548-2221-493A-8037-CA357FE66520}" type="presParOf" srcId="{E12A6DC5-DE93-48BB-AF8F-7A9DFCCC0615}" destId="{4F01BE0A-EE5D-4B99-948D-9A7AFB684933}" srcOrd="1" destOrd="0" presId="urn:microsoft.com/office/officeart/2005/8/layout/orgChart1"/>
+    <dgm:cxn modelId="{0EA8D591-9221-4BEB-92A4-052303113E7A}" type="presParOf" srcId="{E12A6DC5-DE93-48BB-AF8F-7A9DFCCC0615}" destId="{7F604FFA-FA40-4837-8658-0AFA959FC698}" srcOrd="2" destOrd="0" presId="urn:microsoft.com/office/officeart/2005/8/layout/orgChart1"/>
+    <dgm:cxn modelId="{78309A35-DD08-40B6-9A1E-AC8066D8F8D7}" type="presParOf" srcId="{2EB3D6A8-C147-4830-A757-D5E2B101D027}" destId="{3791F8EE-DF4F-4C23-80AF-FA40FEF1B440}" srcOrd="2" destOrd="0" presId="urn:microsoft.com/office/officeart/2005/8/layout/orgChart1"/>
+    <dgm:cxn modelId="{B1B4CA71-042A-4CF6-BFE3-3CB4C74A61A6}" type="presParOf" srcId="{8A97831D-931A-469A-8C59-70D7858BD09B}" destId="{11A59931-D491-42DF-ADEC-10AA4C5496C8}" srcOrd="14" destOrd="0" presId="urn:microsoft.com/office/officeart/2005/8/layout/orgChart1"/>
+    <dgm:cxn modelId="{76A0F551-5BA7-46B5-99D7-8BB5BC7B6A8D}" type="presParOf" srcId="{8A97831D-931A-469A-8C59-70D7858BD09B}" destId="{F6A7056C-DC28-44B2-BDED-A9CDEBE3B29E}" srcOrd="15" destOrd="0" presId="urn:microsoft.com/office/officeart/2005/8/layout/orgChart1"/>
+    <dgm:cxn modelId="{FE71CCA7-0EF5-4D5E-A2A7-C8A194F1152D}" type="presParOf" srcId="{F6A7056C-DC28-44B2-BDED-A9CDEBE3B29E}" destId="{77F82B15-99D8-4922-AD23-C0E7AF6AA7F2}" srcOrd="0" destOrd="0" presId="urn:microsoft.com/office/officeart/2005/8/layout/orgChart1"/>
+    <dgm:cxn modelId="{F708810D-760B-4BDC-8410-D225BF6E324B}" type="presParOf" srcId="{77F82B15-99D8-4922-AD23-C0E7AF6AA7F2}" destId="{71BAF972-E7C8-42FB-AAB3-B14B6687E35A}" srcOrd="0" destOrd="0" presId="urn:microsoft.com/office/officeart/2005/8/layout/orgChart1"/>
+    <dgm:cxn modelId="{57A31433-4A1B-45E8-9B4C-BFE90314A0A5}" type="presParOf" srcId="{77F82B15-99D8-4922-AD23-C0E7AF6AA7F2}" destId="{4FA13BA2-4B55-41BC-91E7-E1B80D4DAA3E}" srcOrd="1" destOrd="0" presId="urn:microsoft.com/office/officeart/2005/8/layout/orgChart1"/>
+    <dgm:cxn modelId="{48151548-A62C-44A0-8726-1095605AD0FD}" type="presParOf" srcId="{F6A7056C-DC28-44B2-BDED-A9CDEBE3B29E}" destId="{17D90AA2-3F03-4849-9056-F2C2F9996805}" srcOrd="1" destOrd="0" presId="urn:microsoft.com/office/officeart/2005/8/layout/orgChart1"/>
+    <dgm:cxn modelId="{82A37551-188B-4F05-87D3-DD2FED9E5A82}" type="presParOf" srcId="{17D90AA2-3F03-4849-9056-F2C2F9996805}" destId="{1ACEF76A-F2D7-4A43-82D5-0F264796B0E7}" srcOrd="0" destOrd="0" presId="urn:microsoft.com/office/officeart/2005/8/layout/orgChart1"/>
+    <dgm:cxn modelId="{73E65C2E-7DA8-4A9F-9C1E-F12728A23E2E}" type="presParOf" srcId="{17D90AA2-3F03-4849-9056-F2C2F9996805}" destId="{51498B92-CDA2-40C5-9C60-88033885AC9A}" srcOrd="1" destOrd="0" presId="urn:microsoft.com/office/officeart/2005/8/layout/orgChart1"/>
+    <dgm:cxn modelId="{FE9F8643-D6DA-4193-A7C2-F68D8E77DC2B}" type="presParOf" srcId="{51498B92-CDA2-40C5-9C60-88033885AC9A}" destId="{21FA0032-E51E-466F-869A-4CB92F67D918}" srcOrd="0" destOrd="0" presId="urn:microsoft.com/office/officeart/2005/8/layout/orgChart1"/>
+    <dgm:cxn modelId="{AEA361EE-F107-405B-9B06-E5152039A5ED}" type="presParOf" srcId="{21FA0032-E51E-466F-869A-4CB92F67D918}" destId="{2CCE7F09-4570-460F-9C32-32DFB8F0C212}" srcOrd="0" destOrd="0" presId="urn:microsoft.com/office/officeart/2005/8/layout/orgChart1"/>
+    <dgm:cxn modelId="{85B62C88-45BF-4D26-8C29-7DB4C0A7EF42}" type="presParOf" srcId="{21FA0032-E51E-466F-869A-4CB92F67D918}" destId="{770E01ED-CA45-4E7F-9B69-EE3E88626DC2}" srcOrd="1" destOrd="0" presId="urn:microsoft.com/office/officeart/2005/8/layout/orgChart1"/>
+    <dgm:cxn modelId="{36D9806B-9C18-4CF2-923F-764C2F43435B}" type="presParOf" srcId="{51498B92-CDA2-40C5-9C60-88033885AC9A}" destId="{6D2E1F56-F941-4982-8ED4-7DC5096A18E4}" srcOrd="1" destOrd="0" presId="urn:microsoft.com/office/officeart/2005/8/layout/orgChart1"/>
+    <dgm:cxn modelId="{C2D8092D-3CA8-49F4-BB07-F60DA4794F6F}" type="presParOf" srcId="{51498B92-CDA2-40C5-9C60-88033885AC9A}" destId="{B36E98AF-A5D3-4488-AED2-93C06EBE55ED}" srcOrd="2" destOrd="0" presId="urn:microsoft.com/office/officeart/2005/8/layout/orgChart1"/>
+    <dgm:cxn modelId="{01C15503-F7B1-4B5E-82C7-A269BA232083}" type="presParOf" srcId="{F6A7056C-DC28-44B2-BDED-A9CDEBE3B29E}" destId="{B9E4F44A-B52C-4C32-AE6C-2CEB604B35E2}" srcOrd="2" destOrd="0" presId="urn:microsoft.com/office/officeart/2005/8/layout/orgChart1"/>
     <dgm:cxn modelId="{E63E1450-38E2-44C7-82A7-0BBEF26B8294}" type="presParOf" srcId="{34E2A76A-9B7D-48CE-9A03-74F08393FD94}" destId="{59B802E0-6671-4386-A36F-32AC8CEEAB9D}" srcOrd="2" destOrd="0" presId="urn:microsoft.com/office/officeart/2005/8/layout/orgChart1"/>
   </dgm:cxnLst>
   <dgm:bg>
@@ -8899,7 +11866,7 @@
             <a:fld id="{40637A30-8EE1-4060-9976-8832FC89EE34}" type="datetimeFigureOut">
               <a:rPr lang="nb-NO" smtClean="0"/>
               <a:pPr/>
-              <a:t>16.11.2024</a:t>
+              <a:t>28.12.2024</a:t>
             </a:fld>
             <a:endParaRPr lang="nb-NO"/>
           </a:p>
@@ -12577,18 +15544,11 @@
           <a:p>
             <a:pPr algn="ctr"/>
             <a:r>
-              <a:rPr lang="nb-NO" sz="2800" b="1" dirty="0" err="1" smtClean="0">
-                <a:latin typeface="Arial Black" pitchFamily="34" charset="0"/>
-                <a:ea typeface="MS Mincho" pitchFamily="49" charset="-128"/>
-              </a:rPr>
-              <a:t>Notian</a:t>
-            </a:r>
-            <a:r>
               <a:rPr lang="nb-NO" sz="2800" b="1" dirty="0" smtClean="0">
                 <a:latin typeface="Arial Black" pitchFamily="34" charset="0"/>
                 <a:ea typeface="MS Mincho" pitchFamily="49" charset="-128"/>
               </a:rPr>
-              <a:t> </a:t>
+              <a:t>Notian </a:t>
             </a:r>
             <a:r>
               <a:rPr lang="nb-NO" sz="2800" b="1" dirty="0" err="1" smtClean="0">
@@ -12703,8 +15663,12 @@
                 <a:latin typeface="Arial" pitchFamily="34" charset="0"/>
                 <a:cs typeface="Arial" pitchFamily="34" charset="0"/>
               </a:rPr>
-              <a:t>1.0</a:t>
-            </a:r>
+              <a:t>0.2</a:t>
+            </a:r>
+            <a:endParaRPr lang="en-US" sz="1200" b="1" dirty="0" smtClean="0">
+              <a:latin typeface="Arial" pitchFamily="34" charset="0"/>
+              <a:cs typeface="Arial" pitchFamily="34" charset="0"/>
+            </a:endParaRPr>
           </a:p>
           <a:p>
             <a:pPr algn="ctr"/>
@@ -12720,7 +15684,7 @@
                 <a:latin typeface="Arial" pitchFamily="34" charset="0"/>
                 <a:cs typeface="Arial" pitchFamily="34" charset="0"/>
               </a:rPr>
-              <a:t>2024-11-15</a:t>
+              <a:t>2024-12-29</a:t>
             </a:r>
             <a:endParaRPr lang="en-US" sz="1200" b="1" dirty="0">
               <a:latin typeface="Arial" pitchFamily="34" charset="0"/>
@@ -14542,8 +17506,8 @@
           <p:nvPr/>
         </p:nvGraphicFramePr>
         <p:xfrm>
-          <a:off x="1785918" y="714362"/>
-          <a:ext cx="6429420" cy="4214842"/>
+          <a:off x="142844" y="714362"/>
+          <a:ext cx="9001156" cy="4286280"/>
         </p:xfrm>
         <a:graphic>
           <a:graphicData uri="http://schemas.openxmlformats.org/drawingml/2006/diagram">
@@ -20367,7 +23331,1439 @@
           <a:p>
             <a:r>
               <a:rPr lang="en-US" dirty="0" smtClean="0"/>
-              <a:t>Ground based Anti-ship missiles</a:t>
+              <a:t>Coastal Defense Brigade</a:t>
+            </a:r>
+            <a:endParaRPr lang="en-US" dirty="0"/>
+          </a:p>
+        </p:txBody>
+      </p:sp>
+      <p:grpSp>
+        <p:nvGrpSpPr>
+          <p:cNvPr id="3" name="Gruppe 22"/>
+          <p:cNvGrpSpPr/>
+          <p:nvPr/>
+        </p:nvGrpSpPr>
+        <p:grpSpPr>
+          <a:xfrm>
+            <a:off x="3071802" y="2857502"/>
+            <a:ext cx="719515" cy="334462"/>
+            <a:chOff x="175754" y="1115541"/>
+            <a:chExt cx="719515" cy="334462"/>
+          </a:xfrm>
+        </p:grpSpPr>
+        <p:sp>
+          <p:nvSpPr>
+            <p:cNvPr id="24" name="Rektangel 23"/>
+            <p:cNvSpPr/>
+            <p:nvPr/>
+          </p:nvSpPr>
+          <p:spPr>
+            <a:xfrm>
+              <a:off x="175754" y="1115541"/>
+              <a:ext cx="719515" cy="334462"/>
+            </a:xfrm>
+            <a:prstGeom prst="rect">
+              <a:avLst/>
+            </a:prstGeom>
+            <a:solidFill>
+              <a:schemeClr val="tx2">
+                <a:lumMod val="60000"/>
+                <a:lumOff val="40000"/>
+                <a:alpha val="50000"/>
+              </a:schemeClr>
+            </a:solidFill>
+            <a:ln w="12700">
+              <a:solidFill>
+                <a:schemeClr val="tx1"/>
+              </a:solidFill>
+            </a:ln>
+          </p:spPr>
+          <p:style>
+            <a:lnRef idx="2">
+              <a:scrgbClr r="0" g="0" b="0"/>
+            </a:lnRef>
+            <a:fillRef idx="1">
+              <a:scrgbClr r="0" g="0" b="0"/>
+            </a:fillRef>
+            <a:effectRef idx="0">
+              <a:schemeClr val="accent1">
+                <a:hueOff val="0"/>
+                <a:satOff val="0"/>
+                <a:lumOff val="0"/>
+                <a:alphaOff val="0"/>
+              </a:schemeClr>
+            </a:effectRef>
+            <a:fontRef idx="minor">
+              <a:schemeClr val="lt1"/>
+            </a:fontRef>
+          </p:style>
+        </p:sp>
+        <p:sp>
+          <p:nvSpPr>
+            <p:cNvPr id="27" name="Rektangel 26"/>
+            <p:cNvSpPr/>
+            <p:nvPr/>
+          </p:nvSpPr>
+          <p:spPr>
+            <a:xfrm>
+              <a:off x="175754" y="1115541"/>
+              <a:ext cx="719515" cy="334462"/>
+            </a:xfrm>
+            <a:prstGeom prst="rect">
+              <a:avLst/>
+            </a:prstGeom>
+          </p:spPr>
+          <p:style>
+            <a:lnRef idx="0">
+              <a:scrgbClr r="0" g="0" b="0"/>
+            </a:lnRef>
+            <a:fillRef idx="0">
+              <a:scrgbClr r="0" g="0" b="0"/>
+            </a:fillRef>
+            <a:effectRef idx="0">
+              <a:scrgbClr r="0" g="0" b="0"/>
+            </a:effectRef>
+            <a:fontRef idx="minor">
+              <a:schemeClr val="lt1"/>
+            </a:fontRef>
+          </p:style>
+          <p:txBody>
+            <a:bodyPr spcFirstLastPara="0" vert="horz" wrap="square" lIns="5080" tIns="5080" rIns="5080" bIns="5080" numCol="1" spcCol="1270" anchor="ctr" anchorCtr="0">
+              <a:noAutofit/>
+            </a:bodyPr>
+            <a:lstStyle/>
+            <a:p>
+              <a:pPr lvl="0" algn="ctr" defTabSz="355600">
+                <a:lnSpc>
+                  <a:spcPct val="90000"/>
+                </a:lnSpc>
+                <a:spcBef>
+                  <a:spcPct val="0"/>
+                </a:spcBef>
+                <a:spcAft>
+                  <a:spcPct val="35000"/>
+                </a:spcAft>
+              </a:pPr>
+              <a:r>
+                <a:rPr lang="en-US" sz="800" kern="1200" dirty="0" smtClean="0">
+                  <a:solidFill>
+                    <a:schemeClr val="tx1"/>
+                  </a:solidFill>
+                  <a:latin typeface="Arial" pitchFamily="34" charset="0"/>
+                  <a:cs typeface="Arial" pitchFamily="34" charset="0"/>
+                </a:rPr>
+                <a:t>C2</a:t>
+              </a:r>
+              <a:endParaRPr lang="en-US" sz="800" kern="1200" dirty="0">
+                <a:solidFill>
+                  <a:schemeClr val="tx1"/>
+                </a:solidFill>
+                <a:latin typeface="Arial" pitchFamily="34" charset="0"/>
+                <a:cs typeface="Arial" pitchFamily="34" charset="0"/>
+              </a:endParaRPr>
+            </a:p>
+          </p:txBody>
+        </p:sp>
+      </p:grpSp>
+      <p:grpSp>
+        <p:nvGrpSpPr>
+          <p:cNvPr id="5" name="Gruppe 31"/>
+          <p:cNvGrpSpPr/>
+          <p:nvPr/>
+        </p:nvGrpSpPr>
+        <p:grpSpPr>
+          <a:xfrm>
+            <a:off x="1928794" y="2500312"/>
+            <a:ext cx="719515" cy="334462"/>
+            <a:chOff x="175754" y="1115541"/>
+            <a:chExt cx="719515" cy="334462"/>
+          </a:xfrm>
+        </p:grpSpPr>
+        <p:sp>
+          <p:nvSpPr>
+            <p:cNvPr id="33" name="Rektangel 32"/>
+            <p:cNvSpPr/>
+            <p:nvPr/>
+          </p:nvSpPr>
+          <p:spPr>
+            <a:xfrm>
+              <a:off x="175754" y="1115541"/>
+              <a:ext cx="719515" cy="334462"/>
+            </a:xfrm>
+            <a:prstGeom prst="rect">
+              <a:avLst/>
+            </a:prstGeom>
+            <a:solidFill>
+              <a:schemeClr val="tx2">
+                <a:lumMod val="60000"/>
+                <a:lumOff val="40000"/>
+                <a:alpha val="50000"/>
+              </a:schemeClr>
+            </a:solidFill>
+            <a:ln w="12700">
+              <a:solidFill>
+                <a:schemeClr val="tx1"/>
+              </a:solidFill>
+            </a:ln>
+          </p:spPr>
+          <p:style>
+            <a:lnRef idx="2">
+              <a:scrgbClr r="0" g="0" b="0"/>
+            </a:lnRef>
+            <a:fillRef idx="1">
+              <a:scrgbClr r="0" g="0" b="0"/>
+            </a:fillRef>
+            <a:effectRef idx="0">
+              <a:schemeClr val="accent1">
+                <a:hueOff val="0"/>
+                <a:satOff val="0"/>
+                <a:lumOff val="0"/>
+                <a:alphaOff val="0"/>
+              </a:schemeClr>
+            </a:effectRef>
+            <a:fontRef idx="minor">
+              <a:schemeClr val="lt1"/>
+            </a:fontRef>
+          </p:style>
+        </p:sp>
+        <p:sp>
+          <p:nvSpPr>
+            <p:cNvPr id="34" name="Rektangel 33"/>
+            <p:cNvSpPr/>
+            <p:nvPr/>
+          </p:nvSpPr>
+          <p:spPr>
+            <a:xfrm>
+              <a:off x="175754" y="1115541"/>
+              <a:ext cx="719515" cy="334462"/>
+            </a:xfrm>
+            <a:prstGeom prst="rect">
+              <a:avLst/>
+            </a:prstGeom>
+          </p:spPr>
+          <p:style>
+            <a:lnRef idx="0">
+              <a:scrgbClr r="0" g="0" b="0"/>
+            </a:lnRef>
+            <a:fillRef idx="0">
+              <a:scrgbClr r="0" g="0" b="0"/>
+            </a:fillRef>
+            <a:effectRef idx="0">
+              <a:scrgbClr r="0" g="0" b="0"/>
+            </a:effectRef>
+            <a:fontRef idx="minor">
+              <a:schemeClr val="lt1"/>
+            </a:fontRef>
+          </p:style>
+          <p:txBody>
+            <a:bodyPr spcFirstLastPara="0" vert="horz" wrap="square" lIns="5080" tIns="5080" rIns="5080" bIns="5080" numCol="1" spcCol="1270" anchor="ctr" anchorCtr="0">
+              <a:noAutofit/>
+            </a:bodyPr>
+            <a:lstStyle/>
+            <a:p>
+              <a:pPr lvl="0" algn="ctr" defTabSz="355600">
+                <a:lnSpc>
+                  <a:spcPct val="90000"/>
+                </a:lnSpc>
+                <a:spcBef>
+                  <a:spcPct val="0"/>
+                </a:spcBef>
+                <a:spcAft>
+                  <a:spcPct val="35000"/>
+                </a:spcAft>
+              </a:pPr>
+              <a:r>
+                <a:rPr lang="en-US" sz="800" kern="1200" dirty="0" smtClean="0">
+                  <a:solidFill>
+                    <a:schemeClr val="tx1"/>
+                  </a:solidFill>
+                  <a:latin typeface="Arial" pitchFamily="34" charset="0"/>
+                  <a:cs typeface="Arial" pitchFamily="34" charset="0"/>
+                </a:rPr>
+                <a:t>Launcher</a:t>
+              </a:r>
+              <a:endParaRPr lang="en-US" sz="800" kern="1200" dirty="0">
+                <a:solidFill>
+                  <a:schemeClr val="tx1"/>
+                </a:solidFill>
+                <a:latin typeface="Arial" pitchFamily="34" charset="0"/>
+                <a:cs typeface="Arial" pitchFamily="34" charset="0"/>
+              </a:endParaRPr>
+            </a:p>
+          </p:txBody>
+        </p:sp>
+      </p:grpSp>
+      <p:sp>
+        <p:nvSpPr>
+          <p:cNvPr id="35" name="Pil høyre 34"/>
+          <p:cNvSpPr/>
+          <p:nvPr/>
+        </p:nvSpPr>
+        <p:spPr>
+          <a:xfrm rot="16200000">
+            <a:off x="3000364" y="1500180"/>
+            <a:ext cx="857256" cy="285752"/>
+          </a:xfrm>
+          <a:prstGeom prst="rightArrow">
+            <a:avLst/>
+          </a:prstGeom>
+          <a:solidFill>
+            <a:schemeClr val="tx2">
+              <a:lumMod val="40000"/>
+              <a:lumOff val="60000"/>
+            </a:schemeClr>
+          </a:solidFill>
+          <a:ln w="6350">
+            <a:solidFill>
+              <a:schemeClr val="tx1"/>
+            </a:solidFill>
+            <a:prstDash val="dash"/>
+          </a:ln>
+        </p:spPr>
+        <p:style>
+          <a:lnRef idx="2">
+            <a:schemeClr val="accent1">
+              <a:shade val="50000"/>
+            </a:schemeClr>
+          </a:lnRef>
+          <a:fillRef idx="1">
+            <a:schemeClr val="accent1"/>
+          </a:fillRef>
+          <a:effectRef idx="0">
+            <a:schemeClr val="accent1"/>
+          </a:effectRef>
+          <a:fontRef idx="minor">
+            <a:schemeClr val="lt1"/>
+          </a:fontRef>
+        </p:style>
+        <p:txBody>
+          <a:bodyPr rtlCol="0" anchor="ctr"/>
+          <a:lstStyle/>
+          <a:p>
+            <a:pPr algn="ctr"/>
+            <a:endParaRPr lang="nb-NO"/>
+          </a:p>
+        </p:txBody>
+      </p:sp>
+      <p:sp>
+        <p:nvSpPr>
+          <p:cNvPr id="36" name="TekstSylinder 35"/>
+          <p:cNvSpPr txBox="1"/>
+          <p:nvPr/>
+        </p:nvSpPr>
+        <p:spPr>
+          <a:xfrm>
+            <a:off x="3071802" y="785800"/>
+            <a:ext cx="785818" cy="430887"/>
+          </a:xfrm>
+          <a:prstGeom prst="rect">
+            <a:avLst/>
+          </a:prstGeom>
+          <a:noFill/>
+        </p:spPr>
+        <p:txBody>
+          <a:bodyPr wrap="square" rtlCol="0">
+            <a:spAutoFit/>
+          </a:bodyPr>
+          <a:lstStyle/>
+          <a:p>
+            <a:pPr algn="ctr"/>
+            <a:r>
+              <a:rPr lang="nb-NO" sz="1050" dirty="0" err="1" smtClean="0"/>
+              <a:t>Threat</a:t>
+            </a:r>
+            <a:r>
+              <a:rPr lang="nb-NO" sz="1050" dirty="0" smtClean="0"/>
+              <a:t> </a:t>
+            </a:r>
+            <a:r>
+              <a:rPr lang="nb-NO" sz="1050" dirty="0" err="1" smtClean="0"/>
+              <a:t>direction</a:t>
+            </a:r>
+            <a:endParaRPr lang="nb-NO" sz="1050" dirty="0"/>
+          </a:p>
+        </p:txBody>
+      </p:sp>
+      <p:sp>
+        <p:nvSpPr>
+          <p:cNvPr id="37" name="TekstSylinder 36"/>
+          <p:cNvSpPr txBox="1"/>
+          <p:nvPr/>
+        </p:nvSpPr>
+        <p:spPr>
+          <a:xfrm>
+            <a:off x="5500694" y="857238"/>
+            <a:ext cx="3357586" cy="2677656"/>
+          </a:xfrm>
+          <a:prstGeom prst="rect">
+            <a:avLst/>
+          </a:prstGeom>
+          <a:noFill/>
+        </p:spPr>
+        <p:txBody>
+          <a:bodyPr wrap="square" rtlCol="0">
+            <a:spAutoFit/>
+          </a:bodyPr>
+          <a:lstStyle/>
+          <a:p>
+            <a:r>
+              <a:rPr lang="nb-NO" sz="1200" dirty="0" smtClean="0"/>
+              <a:t>The Coastal Defense </a:t>
+            </a:r>
+            <a:r>
+              <a:rPr lang="nb-NO" sz="1200" dirty="0" err="1" smtClean="0"/>
+              <a:t>units</a:t>
+            </a:r>
+            <a:r>
+              <a:rPr lang="nb-NO" sz="1200" dirty="0" smtClean="0"/>
+              <a:t> </a:t>
+            </a:r>
+            <a:r>
+              <a:rPr lang="nb-NO" sz="1200" dirty="0" err="1" smtClean="0"/>
+              <a:t>are</a:t>
+            </a:r>
+            <a:r>
+              <a:rPr lang="nb-NO" sz="1200" dirty="0" smtClean="0"/>
+              <a:t> </a:t>
+            </a:r>
+            <a:r>
+              <a:rPr lang="nb-NO" sz="1200" dirty="0" err="1" smtClean="0"/>
+              <a:t>equipped</a:t>
+            </a:r>
+            <a:r>
+              <a:rPr lang="nb-NO" sz="1200" dirty="0" smtClean="0"/>
+              <a:t> </a:t>
+            </a:r>
+            <a:r>
+              <a:rPr lang="nb-NO" sz="1200" dirty="0" err="1" smtClean="0"/>
+              <a:t>with</a:t>
+            </a:r>
+            <a:r>
+              <a:rPr lang="nb-NO" sz="1200" dirty="0" smtClean="0"/>
+              <a:t> SS-N-2 </a:t>
+            </a:r>
+            <a:r>
+              <a:rPr lang="nb-NO" sz="1200" dirty="0" err="1" smtClean="0"/>
+              <a:t>Silkworm</a:t>
+            </a:r>
+            <a:r>
+              <a:rPr lang="nb-NO" sz="1200" dirty="0" smtClean="0"/>
+              <a:t> missiles </a:t>
+            </a:r>
+            <a:r>
+              <a:rPr lang="nb-NO" sz="1200" dirty="0" err="1" smtClean="0"/>
+              <a:t>that</a:t>
+            </a:r>
+            <a:r>
+              <a:rPr lang="nb-NO" sz="1200" dirty="0" smtClean="0"/>
+              <a:t> targets </a:t>
+            </a:r>
+            <a:r>
+              <a:rPr lang="nb-NO" sz="1200" dirty="0" err="1" smtClean="0"/>
+              <a:t>surface</a:t>
+            </a:r>
+            <a:r>
+              <a:rPr lang="nb-NO" sz="1200" dirty="0" smtClean="0"/>
+              <a:t> </a:t>
+            </a:r>
+            <a:r>
+              <a:rPr lang="nb-NO" sz="1200" dirty="0" err="1" smtClean="0"/>
+              <a:t>ships</a:t>
+            </a:r>
+            <a:r>
+              <a:rPr lang="nb-NO" sz="1200" dirty="0" smtClean="0"/>
+              <a:t>.</a:t>
+            </a:r>
+          </a:p>
+          <a:p>
+            <a:endParaRPr lang="nb-NO" sz="1200" dirty="0" smtClean="0"/>
+          </a:p>
+          <a:p>
+            <a:r>
+              <a:rPr lang="nb-NO" sz="1200" dirty="0" smtClean="0"/>
+              <a:t>The Coastal Defense Brigade </a:t>
+            </a:r>
+            <a:r>
+              <a:rPr lang="nb-NO" sz="1200" dirty="0" err="1" smtClean="0"/>
+              <a:t>consist</a:t>
+            </a:r>
+            <a:r>
+              <a:rPr lang="nb-NO" sz="1200" dirty="0" smtClean="0"/>
+              <a:t> </a:t>
+            </a:r>
+            <a:r>
+              <a:rPr lang="nb-NO" sz="1200" dirty="0" err="1" smtClean="0"/>
+              <a:t>of</a:t>
+            </a:r>
+            <a:r>
+              <a:rPr lang="nb-NO" sz="1200" dirty="0" smtClean="0"/>
+              <a:t> 4 Coastal Defense </a:t>
+            </a:r>
+            <a:r>
+              <a:rPr lang="nb-NO" sz="1200" dirty="0" err="1" smtClean="0"/>
+              <a:t>Battalions</a:t>
+            </a:r>
+            <a:r>
+              <a:rPr lang="nb-NO" sz="1200" dirty="0" smtClean="0"/>
+              <a:t>, </a:t>
+            </a:r>
+            <a:r>
+              <a:rPr lang="nb-NO" sz="1200" dirty="0" err="1" smtClean="0"/>
+              <a:t>which</a:t>
+            </a:r>
+            <a:r>
+              <a:rPr lang="nb-NO" sz="1200" dirty="0" smtClean="0"/>
+              <a:t> </a:t>
+            </a:r>
+            <a:r>
+              <a:rPr lang="nb-NO" sz="1200" dirty="0" err="1" smtClean="0"/>
+              <a:t>again</a:t>
+            </a:r>
+            <a:r>
+              <a:rPr lang="nb-NO" sz="1200" dirty="0" smtClean="0"/>
+              <a:t> </a:t>
+            </a:r>
+            <a:r>
+              <a:rPr lang="nb-NO" sz="1200" dirty="0" err="1" smtClean="0"/>
+              <a:t>consist</a:t>
+            </a:r>
+            <a:r>
+              <a:rPr lang="nb-NO" sz="1200" dirty="0" smtClean="0"/>
+              <a:t> </a:t>
+            </a:r>
+            <a:r>
+              <a:rPr lang="nb-NO" sz="1200" dirty="0" err="1" smtClean="0"/>
+              <a:t>of</a:t>
+            </a:r>
+            <a:r>
+              <a:rPr lang="nb-NO" sz="1200" dirty="0" smtClean="0"/>
+              <a:t> 2 </a:t>
+            </a:r>
+            <a:r>
+              <a:rPr lang="nb-NO" sz="1200" dirty="0" err="1" smtClean="0"/>
+              <a:t>batteries</a:t>
+            </a:r>
+            <a:r>
+              <a:rPr lang="nb-NO" sz="1200" dirty="0" smtClean="0"/>
+              <a:t> per </a:t>
+            </a:r>
+            <a:r>
+              <a:rPr lang="nb-NO" sz="1200" dirty="0" err="1" smtClean="0"/>
+              <a:t>battalion</a:t>
+            </a:r>
+            <a:r>
+              <a:rPr lang="nb-NO" sz="1200" dirty="0" smtClean="0"/>
+              <a:t>.</a:t>
+            </a:r>
+          </a:p>
+          <a:p>
+            <a:endParaRPr lang="nb-NO" sz="1200" dirty="0" smtClean="0"/>
+          </a:p>
+          <a:p>
+            <a:r>
+              <a:rPr lang="nb-NO" sz="1200" dirty="0" err="1" smtClean="0"/>
+              <a:t>Each</a:t>
+            </a:r>
+            <a:r>
+              <a:rPr lang="nb-NO" sz="1200" dirty="0" smtClean="0"/>
+              <a:t> Battalion </a:t>
+            </a:r>
+            <a:r>
+              <a:rPr lang="nb-NO" sz="1200" dirty="0" err="1" smtClean="0"/>
+              <a:t>consist</a:t>
+            </a:r>
+            <a:r>
+              <a:rPr lang="nb-NO" sz="1200" dirty="0" smtClean="0"/>
+              <a:t> </a:t>
+            </a:r>
+            <a:r>
+              <a:rPr lang="nb-NO" sz="1200" dirty="0" err="1" smtClean="0"/>
+              <a:t>of</a:t>
+            </a:r>
+            <a:r>
+              <a:rPr lang="nb-NO" sz="1200" dirty="0" smtClean="0"/>
+              <a:t> </a:t>
+            </a:r>
+            <a:r>
+              <a:rPr lang="nb-NO" sz="1200" dirty="0" err="1" smtClean="0"/>
+              <a:t>one</a:t>
+            </a:r>
+            <a:r>
+              <a:rPr lang="nb-NO" sz="1200" dirty="0" smtClean="0"/>
+              <a:t> </a:t>
+            </a:r>
+            <a:r>
+              <a:rPr lang="nb-NO" sz="1200" dirty="0" err="1" smtClean="0"/>
+              <a:t>search</a:t>
+            </a:r>
+            <a:r>
+              <a:rPr lang="nb-NO" sz="1200" dirty="0" smtClean="0"/>
+              <a:t> radar and </a:t>
+            </a:r>
+            <a:r>
+              <a:rPr lang="nb-NO" sz="1200" dirty="0" err="1" smtClean="0"/>
+              <a:t>two</a:t>
+            </a:r>
+            <a:r>
+              <a:rPr lang="nb-NO" sz="1200" dirty="0" smtClean="0"/>
+              <a:t> missile </a:t>
+            </a:r>
+            <a:r>
+              <a:rPr lang="nb-NO" sz="1200" dirty="0" err="1" smtClean="0"/>
+              <a:t>launchers</a:t>
+            </a:r>
+            <a:r>
+              <a:rPr lang="nb-NO" sz="1200" dirty="0" smtClean="0"/>
+              <a:t>. </a:t>
+            </a:r>
+            <a:r>
+              <a:rPr lang="nb-NO" sz="1200" dirty="0" err="1" smtClean="0"/>
+              <a:t>Each</a:t>
+            </a:r>
+            <a:r>
+              <a:rPr lang="nb-NO" sz="1200" dirty="0" smtClean="0"/>
+              <a:t> </a:t>
+            </a:r>
+            <a:r>
+              <a:rPr lang="nb-NO" sz="1200" dirty="0" err="1" smtClean="0"/>
+              <a:t>towed</a:t>
+            </a:r>
+            <a:r>
+              <a:rPr lang="nb-NO" sz="1200" dirty="0" smtClean="0"/>
+              <a:t> by a </a:t>
+            </a:r>
+            <a:r>
+              <a:rPr lang="nb-NO" sz="1200" dirty="0" err="1" smtClean="0"/>
+              <a:t>Kamaz</a:t>
+            </a:r>
+            <a:r>
+              <a:rPr lang="nb-NO" sz="1200" dirty="0" smtClean="0"/>
+              <a:t> 43101 Truck. In </a:t>
+            </a:r>
+            <a:r>
+              <a:rPr lang="nb-NO" sz="1200" dirty="0" err="1" smtClean="0"/>
+              <a:t>the</a:t>
+            </a:r>
+            <a:r>
+              <a:rPr lang="nb-NO" sz="1200" dirty="0" smtClean="0"/>
+              <a:t> </a:t>
+            </a:r>
+            <a:r>
+              <a:rPr lang="nb-NO" sz="1200" dirty="0" err="1" smtClean="0"/>
+              <a:t>battery</a:t>
+            </a:r>
+            <a:r>
+              <a:rPr lang="nb-NO" sz="1200" dirty="0" smtClean="0"/>
+              <a:t> </a:t>
+            </a:r>
+            <a:r>
+              <a:rPr lang="nb-NO" sz="1200" dirty="0" err="1" smtClean="0"/>
+              <a:t>there</a:t>
+            </a:r>
+            <a:r>
+              <a:rPr lang="nb-NO" sz="1200" dirty="0" smtClean="0"/>
+              <a:t> is a UAZ-469 Jeep and ZIL-131 truck for </a:t>
+            </a:r>
+            <a:r>
+              <a:rPr lang="nb-NO" sz="1200" dirty="0" err="1" smtClean="0"/>
+              <a:t>command</a:t>
+            </a:r>
+            <a:r>
+              <a:rPr lang="nb-NO" sz="1200" dirty="0" smtClean="0"/>
+              <a:t> and </a:t>
+            </a:r>
+            <a:r>
+              <a:rPr lang="nb-NO" sz="1200" dirty="0" err="1" smtClean="0"/>
+              <a:t>control</a:t>
+            </a:r>
+            <a:r>
+              <a:rPr lang="nb-NO" sz="1200" dirty="0" smtClean="0"/>
+              <a:t>.</a:t>
+            </a:r>
+          </a:p>
+          <a:p>
+            <a:endParaRPr lang="nb-NO" sz="1200" dirty="0" smtClean="0"/>
+          </a:p>
+          <a:p>
+            <a:r>
+              <a:rPr lang="nb-NO" sz="1200" dirty="0" smtClean="0"/>
+              <a:t>The Coastal Defense </a:t>
+            </a:r>
+            <a:r>
+              <a:rPr lang="nb-NO" sz="1200" dirty="0" err="1" smtClean="0"/>
+              <a:t>units</a:t>
+            </a:r>
+            <a:r>
+              <a:rPr lang="nb-NO" sz="1200" dirty="0" smtClean="0"/>
+              <a:t> </a:t>
+            </a:r>
+            <a:r>
+              <a:rPr lang="nb-NO" sz="1200" dirty="0" err="1" smtClean="0"/>
+              <a:t>are</a:t>
+            </a:r>
+            <a:r>
+              <a:rPr lang="nb-NO" sz="1200" dirty="0" smtClean="0"/>
+              <a:t> used to </a:t>
+            </a:r>
+            <a:r>
+              <a:rPr lang="nb-NO" sz="1200" dirty="0" err="1" smtClean="0"/>
+              <a:t>keep</a:t>
+            </a:r>
+            <a:r>
+              <a:rPr lang="nb-NO" sz="1200" dirty="0" smtClean="0"/>
+              <a:t> </a:t>
+            </a:r>
+            <a:r>
+              <a:rPr lang="nb-NO" sz="1200" dirty="0" err="1" smtClean="0"/>
+              <a:t>enemy</a:t>
+            </a:r>
+            <a:r>
+              <a:rPr lang="nb-NO" sz="1200" dirty="0" smtClean="0"/>
+              <a:t> </a:t>
+            </a:r>
+            <a:r>
+              <a:rPr lang="nb-NO" sz="1200" dirty="0" err="1" smtClean="0"/>
+              <a:t>ships</a:t>
+            </a:r>
+            <a:r>
+              <a:rPr lang="nb-NO" sz="1200" dirty="0" smtClean="0"/>
+              <a:t> </a:t>
+            </a:r>
+            <a:r>
+              <a:rPr lang="nb-NO" sz="1200" dirty="0" err="1" smtClean="0"/>
+              <a:t>away</a:t>
+            </a:r>
+            <a:r>
+              <a:rPr lang="nb-NO" sz="1200" dirty="0" smtClean="0"/>
+              <a:t> from Notian </a:t>
+            </a:r>
+            <a:r>
+              <a:rPr lang="nb-NO" sz="1200" dirty="0" err="1" smtClean="0"/>
+              <a:t>territory</a:t>
+            </a:r>
+            <a:r>
+              <a:rPr lang="nb-NO" sz="1200" dirty="0" smtClean="0"/>
+              <a:t>. </a:t>
+            </a:r>
+            <a:endParaRPr lang="nb-NO" sz="1200" dirty="0"/>
+          </a:p>
+        </p:txBody>
+      </p:sp>
+      <p:grpSp>
+        <p:nvGrpSpPr>
+          <p:cNvPr id="19" name="Gruppe 38"/>
+          <p:cNvGrpSpPr/>
+          <p:nvPr/>
+        </p:nvGrpSpPr>
+        <p:grpSpPr>
+          <a:xfrm>
+            <a:off x="3071802" y="2214560"/>
+            <a:ext cx="719515" cy="334462"/>
+            <a:chOff x="175754" y="1115541"/>
+            <a:chExt cx="719515" cy="334462"/>
+          </a:xfrm>
+        </p:grpSpPr>
+        <p:sp>
+          <p:nvSpPr>
+            <p:cNvPr id="40" name="Rektangel 39"/>
+            <p:cNvSpPr/>
+            <p:nvPr/>
+          </p:nvSpPr>
+          <p:spPr>
+            <a:xfrm>
+              <a:off x="175754" y="1115541"/>
+              <a:ext cx="719515" cy="334462"/>
+            </a:xfrm>
+            <a:prstGeom prst="rect">
+              <a:avLst/>
+            </a:prstGeom>
+            <a:solidFill>
+              <a:schemeClr val="tx2">
+                <a:lumMod val="60000"/>
+                <a:lumOff val="40000"/>
+                <a:alpha val="50000"/>
+              </a:schemeClr>
+            </a:solidFill>
+            <a:ln w="12700">
+              <a:solidFill>
+                <a:schemeClr val="tx1"/>
+              </a:solidFill>
+            </a:ln>
+          </p:spPr>
+          <p:style>
+            <a:lnRef idx="2">
+              <a:scrgbClr r="0" g="0" b="0"/>
+            </a:lnRef>
+            <a:fillRef idx="1">
+              <a:scrgbClr r="0" g="0" b="0"/>
+            </a:fillRef>
+            <a:effectRef idx="0">
+              <a:schemeClr val="accent1">
+                <a:hueOff val="0"/>
+                <a:satOff val="0"/>
+                <a:lumOff val="0"/>
+                <a:alphaOff val="0"/>
+              </a:schemeClr>
+            </a:effectRef>
+            <a:fontRef idx="minor">
+              <a:schemeClr val="lt1"/>
+            </a:fontRef>
+          </p:style>
+        </p:sp>
+        <p:sp>
+          <p:nvSpPr>
+            <p:cNvPr id="41" name="Rektangel 40"/>
+            <p:cNvSpPr/>
+            <p:nvPr/>
+          </p:nvSpPr>
+          <p:spPr>
+            <a:xfrm>
+              <a:off x="175754" y="1115541"/>
+              <a:ext cx="719515" cy="334462"/>
+            </a:xfrm>
+            <a:prstGeom prst="rect">
+              <a:avLst/>
+            </a:prstGeom>
+          </p:spPr>
+          <p:style>
+            <a:lnRef idx="0">
+              <a:scrgbClr r="0" g="0" b="0"/>
+            </a:lnRef>
+            <a:fillRef idx="0">
+              <a:scrgbClr r="0" g="0" b="0"/>
+            </a:fillRef>
+            <a:effectRef idx="0">
+              <a:scrgbClr r="0" g="0" b="0"/>
+            </a:effectRef>
+            <a:fontRef idx="minor">
+              <a:schemeClr val="lt1"/>
+            </a:fontRef>
+          </p:style>
+          <p:txBody>
+            <a:bodyPr spcFirstLastPara="0" vert="horz" wrap="square" lIns="5080" tIns="5080" rIns="5080" bIns="5080" numCol="1" spcCol="1270" anchor="ctr" anchorCtr="0">
+              <a:noAutofit/>
+            </a:bodyPr>
+            <a:lstStyle/>
+            <a:p>
+              <a:pPr lvl="0" algn="ctr" defTabSz="355600">
+                <a:lnSpc>
+                  <a:spcPct val="90000"/>
+                </a:lnSpc>
+                <a:spcBef>
+                  <a:spcPct val="0"/>
+                </a:spcBef>
+                <a:spcAft>
+                  <a:spcPct val="35000"/>
+                </a:spcAft>
+              </a:pPr>
+              <a:r>
+                <a:rPr lang="en-US" sz="800" kern="1200" dirty="0" smtClean="0">
+                  <a:solidFill>
+                    <a:schemeClr val="tx1"/>
+                  </a:solidFill>
+                  <a:latin typeface="Arial" pitchFamily="34" charset="0"/>
+                  <a:cs typeface="Arial" pitchFamily="34" charset="0"/>
+                </a:rPr>
+                <a:t>Radar</a:t>
+              </a:r>
+              <a:endParaRPr lang="en-US" sz="800" kern="1200" dirty="0">
+                <a:solidFill>
+                  <a:schemeClr val="tx1"/>
+                </a:solidFill>
+                <a:latin typeface="Arial" pitchFamily="34" charset="0"/>
+                <a:cs typeface="Arial" pitchFamily="34" charset="0"/>
+              </a:endParaRPr>
+            </a:p>
+          </p:txBody>
+        </p:sp>
+      </p:grpSp>
+      <p:grpSp>
+        <p:nvGrpSpPr>
+          <p:cNvPr id="20" name="Gruppe 41"/>
+          <p:cNvGrpSpPr/>
+          <p:nvPr/>
+        </p:nvGrpSpPr>
+        <p:grpSpPr>
+          <a:xfrm>
+            <a:off x="4214810" y="2500312"/>
+            <a:ext cx="719515" cy="334462"/>
+            <a:chOff x="175754" y="1115541"/>
+            <a:chExt cx="719515" cy="334462"/>
+          </a:xfrm>
+        </p:grpSpPr>
+        <p:sp>
+          <p:nvSpPr>
+            <p:cNvPr id="43" name="Rektangel 42"/>
+            <p:cNvSpPr/>
+            <p:nvPr/>
+          </p:nvSpPr>
+          <p:spPr>
+            <a:xfrm>
+              <a:off x="175754" y="1115541"/>
+              <a:ext cx="719515" cy="334462"/>
+            </a:xfrm>
+            <a:prstGeom prst="rect">
+              <a:avLst/>
+            </a:prstGeom>
+            <a:solidFill>
+              <a:schemeClr val="tx2">
+                <a:lumMod val="60000"/>
+                <a:lumOff val="40000"/>
+                <a:alpha val="50000"/>
+              </a:schemeClr>
+            </a:solidFill>
+            <a:ln w="12700">
+              <a:solidFill>
+                <a:schemeClr val="tx1"/>
+              </a:solidFill>
+            </a:ln>
+          </p:spPr>
+          <p:style>
+            <a:lnRef idx="2">
+              <a:scrgbClr r="0" g="0" b="0"/>
+            </a:lnRef>
+            <a:fillRef idx="1">
+              <a:scrgbClr r="0" g="0" b="0"/>
+            </a:fillRef>
+            <a:effectRef idx="0">
+              <a:schemeClr val="accent1">
+                <a:hueOff val="0"/>
+                <a:satOff val="0"/>
+                <a:lumOff val="0"/>
+                <a:alphaOff val="0"/>
+              </a:schemeClr>
+            </a:effectRef>
+            <a:fontRef idx="minor">
+              <a:schemeClr val="lt1"/>
+            </a:fontRef>
+          </p:style>
+        </p:sp>
+        <p:sp>
+          <p:nvSpPr>
+            <p:cNvPr id="44" name="Rektangel 43"/>
+            <p:cNvSpPr/>
+            <p:nvPr/>
+          </p:nvSpPr>
+          <p:spPr>
+            <a:xfrm>
+              <a:off x="175754" y="1115541"/>
+              <a:ext cx="719515" cy="334462"/>
+            </a:xfrm>
+            <a:prstGeom prst="rect">
+              <a:avLst/>
+            </a:prstGeom>
+          </p:spPr>
+          <p:style>
+            <a:lnRef idx="0">
+              <a:scrgbClr r="0" g="0" b="0"/>
+            </a:lnRef>
+            <a:fillRef idx="0">
+              <a:scrgbClr r="0" g="0" b="0"/>
+            </a:fillRef>
+            <a:effectRef idx="0">
+              <a:scrgbClr r="0" g="0" b="0"/>
+            </a:effectRef>
+            <a:fontRef idx="minor">
+              <a:schemeClr val="lt1"/>
+            </a:fontRef>
+          </p:style>
+          <p:txBody>
+            <a:bodyPr spcFirstLastPara="0" vert="horz" wrap="square" lIns="5080" tIns="5080" rIns="5080" bIns="5080" numCol="1" spcCol="1270" anchor="ctr" anchorCtr="0">
+              <a:noAutofit/>
+            </a:bodyPr>
+            <a:lstStyle/>
+            <a:p>
+              <a:pPr lvl="0" algn="ctr" defTabSz="355600">
+                <a:lnSpc>
+                  <a:spcPct val="90000"/>
+                </a:lnSpc>
+                <a:spcBef>
+                  <a:spcPct val="0"/>
+                </a:spcBef>
+                <a:spcAft>
+                  <a:spcPct val="35000"/>
+                </a:spcAft>
+              </a:pPr>
+              <a:r>
+                <a:rPr lang="en-US" sz="800" dirty="0" smtClean="0">
+                  <a:solidFill>
+                    <a:schemeClr val="tx1"/>
+                  </a:solidFill>
+                  <a:latin typeface="Arial" pitchFamily="34" charset="0"/>
+                  <a:cs typeface="Arial" pitchFamily="34" charset="0"/>
+                </a:rPr>
+                <a:t>Launcher</a:t>
+              </a:r>
+              <a:endParaRPr lang="en-US" sz="800" kern="1200" dirty="0">
+                <a:solidFill>
+                  <a:schemeClr val="tx1"/>
+                </a:solidFill>
+                <a:latin typeface="Arial" pitchFamily="34" charset="0"/>
+                <a:cs typeface="Arial" pitchFamily="34" charset="0"/>
+              </a:endParaRPr>
+            </a:p>
+          </p:txBody>
+        </p:sp>
+      </p:grpSp>
+      <p:sp>
+        <p:nvSpPr>
+          <p:cNvPr id="39" name="Rektangel 38"/>
+          <p:cNvSpPr/>
+          <p:nvPr/>
+        </p:nvSpPr>
+        <p:spPr>
+          <a:xfrm>
+            <a:off x="8644656" y="4793491"/>
+            <a:ext cx="468398" cy="246221"/>
+          </a:xfrm>
+          <a:prstGeom prst="rect">
+            <a:avLst/>
+          </a:prstGeom>
+        </p:spPr>
+        <p:txBody>
+          <a:bodyPr wrap="none">
+            <a:spAutoFit/>
+          </a:bodyPr>
+          <a:lstStyle/>
+          <a:p>
+            <a:r>
+              <a:rPr lang="nb-NO" sz="1000" dirty="0" smtClean="0">
+                <a:latin typeface="Arial" pitchFamily="34" charset="0"/>
+                <a:cs typeface="Arial" pitchFamily="34" charset="0"/>
+                <a:hlinkClick r:id="rId2" action="ppaction://hlinksldjump"/>
+              </a:rPr>
+              <a:t>Back</a:t>
+            </a:r>
+            <a:endParaRPr lang="nb-NO" sz="1000" dirty="0" smtClean="0">
+              <a:latin typeface="Arial" pitchFamily="34" charset="0"/>
+              <a:cs typeface="Arial" pitchFamily="34" charset="0"/>
+            </a:endParaRPr>
+          </a:p>
+        </p:txBody>
+      </p:sp>
+      <p:pic>
+        <p:nvPicPr>
+          <p:cNvPr id="1026" name="Picture 2"/>
+          <p:cNvPicPr>
+            <a:picLocks noChangeAspect="1" noChangeArrowheads="1"/>
+          </p:cNvPicPr>
+          <p:nvPr/>
+        </p:nvPicPr>
+        <p:blipFill>
+          <a:blip r:embed="rId3" cstate="print"/>
+          <a:srcRect/>
+          <a:stretch>
+            <a:fillRect/>
+          </a:stretch>
+        </p:blipFill>
+        <p:spPr bwMode="auto">
+          <a:xfrm>
+            <a:off x="2388248" y="4143386"/>
+            <a:ext cx="1054931" cy="785818"/>
+          </a:xfrm>
+          <a:prstGeom prst="rect">
+            <a:avLst/>
+          </a:prstGeom>
+          <a:noFill/>
+          <a:ln w="9525">
+            <a:noFill/>
+            <a:miter lim="800000"/>
+            <a:headEnd/>
+            <a:tailEnd/>
+          </a:ln>
+          <a:effectLst/>
+        </p:spPr>
+      </p:pic>
+      <p:pic>
+        <p:nvPicPr>
+          <p:cNvPr id="1027" name="Picture 3"/>
+          <p:cNvPicPr>
+            <a:picLocks noChangeAspect="1" noChangeArrowheads="1"/>
+          </p:cNvPicPr>
+          <p:nvPr/>
+        </p:nvPicPr>
+        <p:blipFill>
+          <a:blip r:embed="rId4" cstate="print"/>
+          <a:srcRect/>
+          <a:stretch>
+            <a:fillRect/>
+          </a:stretch>
+        </p:blipFill>
+        <p:spPr bwMode="auto">
+          <a:xfrm>
+            <a:off x="916655" y="4143386"/>
+            <a:ext cx="1114403" cy="763841"/>
+          </a:xfrm>
+          <a:prstGeom prst="rect">
+            <a:avLst/>
+          </a:prstGeom>
+          <a:noFill/>
+          <a:ln w="9525">
+            <a:noFill/>
+            <a:miter lim="800000"/>
+            <a:headEnd/>
+            <a:tailEnd/>
+          </a:ln>
+          <a:effectLst/>
+        </p:spPr>
+      </p:pic>
+      <p:sp>
+        <p:nvSpPr>
+          <p:cNvPr id="45" name="TekstSylinder 44"/>
+          <p:cNvSpPr txBox="1"/>
+          <p:nvPr/>
+        </p:nvSpPr>
+        <p:spPr>
+          <a:xfrm>
+            <a:off x="904386" y="3909100"/>
+            <a:ext cx="1143008" cy="234286"/>
+          </a:xfrm>
+          <a:prstGeom prst="rect">
+            <a:avLst/>
+          </a:prstGeom>
+          <a:solidFill>
+            <a:schemeClr val="bg1">
+              <a:alpha val="50000"/>
+            </a:schemeClr>
+          </a:solidFill>
+          <a:ln w="6350">
+            <a:solidFill>
+              <a:schemeClr val="tx1"/>
+            </a:solidFill>
+          </a:ln>
+        </p:spPr>
+        <p:txBody>
+          <a:bodyPr wrap="square" lIns="36000" tIns="36000" rIns="36000" bIns="36000" rtlCol="0">
+            <a:spAutoFit/>
+          </a:bodyPr>
+          <a:lstStyle/>
+          <a:p>
+            <a:pPr algn="ctr"/>
+            <a:r>
+              <a:rPr lang="en-US" sz="1050" dirty="0" err="1" smtClean="0"/>
+              <a:t>AShM</a:t>
+            </a:r>
+            <a:r>
+              <a:rPr lang="en-US" sz="1050" dirty="0" smtClean="0"/>
+              <a:t> Silkworm SR</a:t>
+            </a:r>
+            <a:endParaRPr lang="en-US" sz="1050" dirty="0"/>
+          </a:p>
+        </p:txBody>
+      </p:sp>
+      <p:sp>
+        <p:nvSpPr>
+          <p:cNvPr id="46" name="TekstSylinder 45"/>
+          <p:cNvSpPr txBox="1"/>
+          <p:nvPr/>
+        </p:nvSpPr>
+        <p:spPr>
+          <a:xfrm>
+            <a:off x="2214546" y="3909100"/>
+            <a:ext cx="1357322" cy="234286"/>
+          </a:xfrm>
+          <a:prstGeom prst="rect">
+            <a:avLst/>
+          </a:prstGeom>
+          <a:solidFill>
+            <a:schemeClr val="bg1">
+              <a:alpha val="50000"/>
+            </a:schemeClr>
+          </a:solidFill>
+          <a:ln w="6350">
+            <a:solidFill>
+              <a:schemeClr val="tx1"/>
+            </a:solidFill>
+          </a:ln>
+        </p:spPr>
+        <p:txBody>
+          <a:bodyPr wrap="square" lIns="36000" tIns="36000" rIns="36000" bIns="36000" rtlCol="0">
+            <a:spAutoFit/>
+          </a:bodyPr>
+          <a:lstStyle/>
+          <a:p>
+            <a:pPr algn="ctr"/>
+            <a:r>
+              <a:rPr lang="en-US" sz="1050" dirty="0" err="1" smtClean="0"/>
+              <a:t>AShM</a:t>
+            </a:r>
+            <a:r>
+              <a:rPr lang="en-US" sz="1050" dirty="0" smtClean="0"/>
+              <a:t> SS-N-2 Silkworm</a:t>
+            </a:r>
+            <a:endParaRPr lang="en-US" sz="1050" dirty="0"/>
+          </a:p>
+        </p:txBody>
+      </p:sp>
+      <p:pic>
+        <p:nvPicPr>
+          <p:cNvPr id="1028" name="Picture 4"/>
+          <p:cNvPicPr>
+            <a:picLocks noChangeAspect="1" noChangeArrowheads="1"/>
+          </p:cNvPicPr>
+          <p:nvPr/>
+        </p:nvPicPr>
+        <p:blipFill>
+          <a:blip r:embed="rId5" cstate="print"/>
+          <a:srcRect/>
+          <a:stretch>
+            <a:fillRect/>
+          </a:stretch>
+        </p:blipFill>
+        <p:spPr bwMode="auto">
+          <a:xfrm>
+            <a:off x="3807762" y="4143386"/>
+            <a:ext cx="1152254" cy="785818"/>
+          </a:xfrm>
+          <a:prstGeom prst="rect">
+            <a:avLst/>
+          </a:prstGeom>
+          <a:noFill/>
+          <a:ln w="9525">
+            <a:noFill/>
+            <a:miter lim="800000"/>
+            <a:headEnd/>
+            <a:tailEnd/>
+          </a:ln>
+          <a:effectLst/>
+        </p:spPr>
+      </p:pic>
+      <p:sp>
+        <p:nvSpPr>
+          <p:cNvPr id="47" name="TekstSylinder 46"/>
+          <p:cNvSpPr txBox="1"/>
+          <p:nvPr/>
+        </p:nvSpPr>
+        <p:spPr>
+          <a:xfrm>
+            <a:off x="3786182" y="3909100"/>
+            <a:ext cx="1214446" cy="234286"/>
+          </a:xfrm>
+          <a:prstGeom prst="rect">
+            <a:avLst/>
+          </a:prstGeom>
+          <a:solidFill>
+            <a:schemeClr val="bg1">
+              <a:alpha val="50000"/>
+            </a:schemeClr>
+          </a:solidFill>
+          <a:ln w="6350">
+            <a:solidFill>
+              <a:schemeClr val="tx1"/>
+            </a:solidFill>
+          </a:ln>
+        </p:spPr>
+        <p:txBody>
+          <a:bodyPr wrap="square" lIns="36000" tIns="36000" rIns="36000" bIns="36000" rtlCol="0">
+            <a:spAutoFit/>
+          </a:bodyPr>
+          <a:lstStyle/>
+          <a:p>
+            <a:pPr algn="ctr"/>
+            <a:r>
+              <a:rPr lang="en-US" sz="1050" dirty="0" smtClean="0"/>
+              <a:t>Truck KAMAZ 43101</a:t>
+            </a:r>
+            <a:endParaRPr lang="en-US" sz="1050" dirty="0"/>
+          </a:p>
+        </p:txBody>
+      </p:sp>
+      <p:sp>
+        <p:nvSpPr>
+          <p:cNvPr id="48" name="TekstSylinder 47"/>
+          <p:cNvSpPr txBox="1"/>
+          <p:nvPr/>
+        </p:nvSpPr>
+        <p:spPr>
+          <a:xfrm>
+            <a:off x="5286380" y="3909100"/>
+            <a:ext cx="1143008" cy="234286"/>
+          </a:xfrm>
+          <a:prstGeom prst="rect">
+            <a:avLst/>
+          </a:prstGeom>
+          <a:solidFill>
+            <a:schemeClr val="bg1">
+              <a:alpha val="50000"/>
+            </a:schemeClr>
+          </a:solidFill>
+          <a:ln w="6350">
+            <a:solidFill>
+              <a:schemeClr val="tx1"/>
+            </a:solidFill>
+          </a:ln>
+        </p:spPr>
+        <p:txBody>
+          <a:bodyPr wrap="square" lIns="36000" tIns="36000" rIns="36000" bIns="36000" rtlCol="0">
+            <a:spAutoFit/>
+          </a:bodyPr>
+          <a:lstStyle/>
+          <a:p>
+            <a:pPr algn="ctr"/>
+            <a:r>
+              <a:rPr lang="en-US" sz="1050" dirty="0" smtClean="0"/>
+              <a:t>LUV UAZ-469 Jeep</a:t>
+            </a:r>
+            <a:endParaRPr lang="en-US" sz="1050" dirty="0"/>
+          </a:p>
+        </p:txBody>
+      </p:sp>
+      <p:pic>
+        <p:nvPicPr>
+          <p:cNvPr id="1029" name="Picture 5"/>
+          <p:cNvPicPr>
+            <a:picLocks noChangeAspect="1" noChangeArrowheads="1"/>
+          </p:cNvPicPr>
+          <p:nvPr/>
+        </p:nvPicPr>
+        <p:blipFill>
+          <a:blip r:embed="rId6" cstate="print"/>
+          <a:srcRect/>
+          <a:stretch>
+            <a:fillRect/>
+          </a:stretch>
+        </p:blipFill>
+        <p:spPr bwMode="auto">
+          <a:xfrm>
+            <a:off x="5317206" y="4143386"/>
+            <a:ext cx="1088912" cy="804478"/>
+          </a:xfrm>
+          <a:prstGeom prst="rect">
+            <a:avLst/>
+          </a:prstGeom>
+          <a:noFill/>
+          <a:ln w="9525">
+            <a:noFill/>
+            <a:miter lim="800000"/>
+            <a:headEnd/>
+            <a:tailEnd/>
+          </a:ln>
+          <a:effectLst/>
+        </p:spPr>
+      </p:pic>
+      <p:sp>
+        <p:nvSpPr>
+          <p:cNvPr id="49" name="TekstSylinder 48"/>
+          <p:cNvSpPr txBox="1"/>
+          <p:nvPr/>
+        </p:nvSpPr>
+        <p:spPr>
+          <a:xfrm>
+            <a:off x="6715140" y="3898094"/>
+            <a:ext cx="1285884" cy="234286"/>
+          </a:xfrm>
+          <a:prstGeom prst="rect">
+            <a:avLst/>
+          </a:prstGeom>
+          <a:solidFill>
+            <a:schemeClr val="bg1">
+              <a:alpha val="50000"/>
+            </a:schemeClr>
+          </a:solidFill>
+          <a:ln w="6350">
+            <a:solidFill>
+              <a:schemeClr val="tx1"/>
+            </a:solidFill>
+          </a:ln>
+        </p:spPr>
+        <p:txBody>
+          <a:bodyPr wrap="square" lIns="36000" tIns="36000" rIns="36000" bIns="36000" rtlCol="0">
+            <a:spAutoFit/>
+          </a:bodyPr>
+          <a:lstStyle/>
+          <a:p>
+            <a:pPr algn="ctr"/>
+            <a:r>
+              <a:rPr lang="en-US" sz="1050" dirty="0" smtClean="0"/>
+              <a:t>Truck ZIL-131 (C2)</a:t>
+            </a:r>
+            <a:endParaRPr lang="en-US" sz="1050" dirty="0"/>
+          </a:p>
+        </p:txBody>
+      </p:sp>
+      <p:pic>
+        <p:nvPicPr>
+          <p:cNvPr id="1030" name="Picture 6"/>
+          <p:cNvPicPr>
+            <a:picLocks noChangeAspect="1" noChangeArrowheads="1"/>
+          </p:cNvPicPr>
+          <p:nvPr/>
+        </p:nvPicPr>
+        <p:blipFill>
+          <a:blip r:embed="rId7" cstate="print"/>
+          <a:srcRect/>
+          <a:stretch>
+            <a:fillRect/>
+          </a:stretch>
+        </p:blipFill>
+        <p:spPr bwMode="auto">
+          <a:xfrm>
+            <a:off x="6745966" y="4143386"/>
+            <a:ext cx="1255058" cy="791047"/>
+          </a:xfrm>
+          <a:prstGeom prst="rect">
+            <a:avLst/>
+          </a:prstGeom>
+          <a:noFill/>
+          <a:ln w="9525">
+            <a:noFill/>
+            <a:miter lim="800000"/>
+            <a:headEnd/>
+            <a:tailEnd/>
+          </a:ln>
+          <a:effectLst/>
+        </p:spPr>
+      </p:pic>
+    </p:spTree>
+  </p:cSld>
+  <p:clrMapOvr>
+    <a:masterClrMapping/>
+  </p:clrMapOvr>
+  <p:timing>
+    <p:tnLst>
+      <p:par>
+        <p:cTn id="1" dur="indefinite" restart="never" nodeType="tmRoot"/>
+      </p:par>
+    </p:tnLst>
+  </p:timing>
+</p:sld>
+</file>
+
+<file path=ppt/slides/slide8.xml><?xml version="1.0" encoding="utf-8"?>
+<p:sld xmlns:a="http://schemas.openxmlformats.org/drawingml/2006/main" xmlns:r="http://schemas.openxmlformats.org/officeDocument/2006/relationships" xmlns:p="http://schemas.openxmlformats.org/presentationml/2006/main">
+  <p:cSld>
+    <p:spTree>
+      <p:nvGrpSpPr>
+        <p:cNvPr id="1" name=""/>
+        <p:cNvGrpSpPr/>
+        <p:nvPr/>
+      </p:nvGrpSpPr>
+      <p:grpSpPr>
+        <a:xfrm>
+          <a:off x="0" y="0"/>
+          <a:ext cx="0" cy="0"/>
+          <a:chOff x="0" y="0"/>
+          <a:chExt cx="0" cy="0"/>
+        </a:xfrm>
+      </p:grpSpPr>
+      <p:sp>
+        <p:nvSpPr>
+          <p:cNvPr id="2" name="Tittel 1"/>
+          <p:cNvSpPr>
+            <a:spLocks noGrp="1"/>
+          </p:cNvSpPr>
+          <p:nvPr>
+            <p:ph type="title"/>
+          </p:nvPr>
+        </p:nvSpPr>
+        <p:spPr/>
+        <p:txBody>
+          <a:bodyPr/>
+          <a:lstStyle/>
+          <a:p>
+            <a:r>
+              <a:rPr lang="en-US" dirty="0" smtClean="0"/>
+              <a:t>Marine Infantry</a:t>
             </a:r>
             <a:endParaRPr lang="en-US" dirty="0"/>
           </a:p>
@@ -22468,7 +26864,7 @@
 </p:sld>
 </file>
 
-<file path=ppt/slides/slide8.xml><?xml version="1.0" encoding="utf-8"?>
+<file path=ppt/slides/slide9.xml><?xml version="1.0" encoding="utf-8"?>
 <p:sld xmlns:a="http://schemas.openxmlformats.org/drawingml/2006/main" xmlns:r="http://schemas.openxmlformats.org/officeDocument/2006/relationships" xmlns:p="http://schemas.openxmlformats.org/presentationml/2006/main">
   <p:cSld>
     <p:spTree>
@@ -22502,7 +26898,7 @@
           <a:p>
             <a:r>
               <a:rPr lang="en-US" dirty="0" smtClean="0"/>
-              <a:t>Marine Infantry</a:t>
+              <a:t>TTP: Amphibious assault</a:t>
             </a:r>
             <a:endParaRPr lang="en-US" dirty="0"/>
           </a:p>
@@ -24588,2141 +28984,39 @@
           </a:p>
         </p:txBody>
       </p:sp>
-    </p:spTree>
-  </p:cSld>
-  <p:clrMapOvr>
-    <a:masterClrMapping/>
-  </p:clrMapOvr>
-  <p:timing>
-    <p:tnLst>
-      <p:par>
-        <p:cTn id="1" dur="indefinite" restart="never" nodeType="tmRoot"/>
-      </p:par>
-    </p:tnLst>
-  </p:timing>
-</p:sld>
-</file>
-
-<file path=ppt/slides/slide9.xml><?xml version="1.0" encoding="utf-8"?>
-<p:sld xmlns:a="http://schemas.openxmlformats.org/drawingml/2006/main" xmlns:r="http://schemas.openxmlformats.org/officeDocument/2006/relationships" xmlns:p="http://schemas.openxmlformats.org/presentationml/2006/main">
-  <p:cSld>
-    <p:spTree>
-      <p:nvGrpSpPr>
-        <p:cNvPr id="1" name=""/>
-        <p:cNvGrpSpPr/>
-        <p:nvPr/>
-      </p:nvGrpSpPr>
-      <p:grpSpPr>
-        <a:xfrm>
-          <a:off x="0" y="0"/>
-          <a:ext cx="0" cy="0"/>
-          <a:chOff x="0" y="0"/>
-          <a:chExt cx="0" cy="0"/>
-        </a:xfrm>
-      </p:grpSpPr>
-      <p:sp>
-        <p:nvSpPr>
-          <p:cNvPr id="2" name="Tittel 1"/>
-          <p:cNvSpPr>
-            <a:spLocks noGrp="1"/>
-          </p:cNvSpPr>
-          <p:nvPr>
-            <p:ph type="title"/>
-          </p:nvPr>
-        </p:nvSpPr>
-        <p:spPr/>
-        <p:txBody>
-          <a:bodyPr/>
-          <a:lstStyle/>
-          <a:p>
-            <a:r>
-              <a:rPr lang="en-US" dirty="0" smtClean="0"/>
-              <a:t>TTP: Amphibious assault</a:t>
-            </a:r>
-            <a:endParaRPr lang="en-US" dirty="0"/>
-          </a:p>
-        </p:txBody>
-      </p:sp>
-      <p:sp>
-        <p:nvSpPr>
-          <p:cNvPr id="7" name="Ellipse 6"/>
-          <p:cNvSpPr/>
+      <p:pic>
+        <p:nvPicPr>
+          <p:cNvPr id="2050" name="Picture 2"/>
+          <p:cNvPicPr>
+            <a:picLocks noChangeAspect="1" noChangeArrowheads="1"/>
+          </p:cNvPicPr>
           <p:nvPr/>
-        </p:nvSpPr>
-        <p:spPr>
+        </p:nvPicPr>
+        <p:blipFill>
+          <a:blip r:embed="rId3"/>
+          <a:srcRect/>
+          <a:stretch>
+            <a:fillRect/>
+          </a:stretch>
+        </p:blipFill>
+        <p:spPr bwMode="auto">
           <a:xfrm>
-            <a:off x="-928726" y="1000114"/>
-            <a:ext cx="214314" cy="214314"/>
-          </a:xfrm>
-          <a:prstGeom prst="ellipse">
-            <a:avLst/>
-          </a:prstGeom>
-          <a:solidFill>
-            <a:srgbClr val="C00000"/>
-          </a:solidFill>
-          <a:ln>
-            <a:solidFill>
-              <a:schemeClr val="tx1"/>
-            </a:solidFill>
-          </a:ln>
-        </p:spPr>
-        <p:style>
-          <a:lnRef idx="2">
-            <a:schemeClr val="accent1">
-              <a:shade val="50000"/>
-            </a:schemeClr>
-          </a:lnRef>
-          <a:fillRef idx="1">
-            <a:schemeClr val="accent1"/>
-          </a:fillRef>
-          <a:effectRef idx="0">
-            <a:schemeClr val="accent1"/>
-          </a:effectRef>
-          <a:fontRef idx="minor">
-            <a:schemeClr val="lt1"/>
-          </a:fontRef>
-        </p:style>
-        <p:txBody>
-          <a:bodyPr lIns="0" tIns="0" rIns="0" bIns="0" rtlCol="0" anchor="ctr"/>
-          <a:lstStyle/>
-          <a:p>
-            <a:pPr algn="ctr"/>
-            <a:r>
-              <a:rPr lang="nb-NO" sz="1200" dirty="0" smtClean="0"/>
-              <a:t>A</a:t>
-            </a:r>
-            <a:endParaRPr lang="nb-NO" sz="1200" dirty="0"/>
-          </a:p>
-        </p:txBody>
-      </p:sp>
-      <p:sp>
-        <p:nvSpPr>
-          <p:cNvPr id="8" name="Ellipse 7"/>
-          <p:cNvSpPr/>
-          <p:nvPr/>
-        </p:nvSpPr>
-        <p:spPr>
-          <a:xfrm>
-            <a:off x="-642974" y="1000114"/>
-            <a:ext cx="214314" cy="214314"/>
-          </a:xfrm>
-          <a:prstGeom prst="ellipse">
-            <a:avLst/>
-          </a:prstGeom>
-          <a:solidFill>
-            <a:srgbClr val="C00000"/>
-          </a:solidFill>
-          <a:ln>
-            <a:solidFill>
-              <a:schemeClr val="tx1"/>
-            </a:solidFill>
-          </a:ln>
-        </p:spPr>
-        <p:style>
-          <a:lnRef idx="2">
-            <a:schemeClr val="accent1">
-              <a:shade val="50000"/>
-            </a:schemeClr>
-          </a:lnRef>
-          <a:fillRef idx="1">
-            <a:schemeClr val="accent1"/>
-          </a:fillRef>
-          <a:effectRef idx="0">
-            <a:schemeClr val="accent1"/>
-          </a:effectRef>
-          <a:fontRef idx="minor">
-            <a:schemeClr val="lt1"/>
-          </a:fontRef>
-        </p:style>
-        <p:txBody>
-          <a:bodyPr lIns="0" tIns="0" rIns="0" bIns="0" rtlCol="0" anchor="ctr"/>
-          <a:lstStyle/>
-          <a:p>
-            <a:pPr algn="ctr"/>
-            <a:r>
-              <a:rPr lang="nb-NO" sz="1200" dirty="0" smtClean="0"/>
-              <a:t>A</a:t>
-            </a:r>
-            <a:endParaRPr lang="nb-NO" sz="1200" dirty="0"/>
-          </a:p>
-        </p:txBody>
-      </p:sp>
-      <p:sp>
-        <p:nvSpPr>
-          <p:cNvPr id="9" name="Ellipse 8"/>
-          <p:cNvSpPr/>
-          <p:nvPr/>
-        </p:nvSpPr>
-        <p:spPr>
-          <a:xfrm>
-            <a:off x="-928726" y="1285866"/>
-            <a:ext cx="214314" cy="214314"/>
-          </a:xfrm>
-          <a:prstGeom prst="ellipse">
-            <a:avLst/>
-          </a:prstGeom>
-          <a:solidFill>
-            <a:srgbClr val="C00000"/>
-          </a:solidFill>
-          <a:ln>
-            <a:solidFill>
-              <a:schemeClr val="tx1"/>
-            </a:solidFill>
-          </a:ln>
-        </p:spPr>
-        <p:style>
-          <a:lnRef idx="2">
-            <a:schemeClr val="accent1">
-              <a:shade val="50000"/>
-            </a:schemeClr>
-          </a:lnRef>
-          <a:fillRef idx="1">
-            <a:schemeClr val="accent1"/>
-          </a:fillRef>
-          <a:effectRef idx="0">
-            <a:schemeClr val="accent1"/>
-          </a:effectRef>
-          <a:fontRef idx="minor">
-            <a:schemeClr val="lt1"/>
-          </a:fontRef>
-        </p:style>
-        <p:txBody>
-          <a:bodyPr lIns="0" tIns="0" rIns="0" bIns="0" rtlCol="0" anchor="ctr"/>
-          <a:lstStyle/>
-          <a:p>
-            <a:pPr algn="ctr"/>
-            <a:r>
-              <a:rPr lang="nb-NO" sz="1200" dirty="0" smtClean="0"/>
-              <a:t>B</a:t>
-            </a:r>
-            <a:endParaRPr lang="nb-NO" sz="1200" dirty="0"/>
-          </a:p>
-        </p:txBody>
-      </p:sp>
-      <p:sp>
-        <p:nvSpPr>
-          <p:cNvPr id="10" name="Ellipse 9"/>
-          <p:cNvSpPr/>
-          <p:nvPr/>
-        </p:nvSpPr>
-        <p:spPr>
-          <a:xfrm>
-            <a:off x="-642974" y="1285866"/>
-            <a:ext cx="214314" cy="214314"/>
-          </a:xfrm>
-          <a:prstGeom prst="ellipse">
-            <a:avLst/>
-          </a:prstGeom>
-          <a:solidFill>
-            <a:srgbClr val="C00000"/>
-          </a:solidFill>
-          <a:ln>
-            <a:solidFill>
-              <a:schemeClr val="tx1"/>
-            </a:solidFill>
-          </a:ln>
-        </p:spPr>
-        <p:style>
-          <a:lnRef idx="2">
-            <a:schemeClr val="accent1">
-              <a:shade val="50000"/>
-            </a:schemeClr>
-          </a:lnRef>
-          <a:fillRef idx="1">
-            <a:schemeClr val="accent1"/>
-          </a:fillRef>
-          <a:effectRef idx="0">
-            <a:schemeClr val="accent1"/>
-          </a:effectRef>
-          <a:fontRef idx="minor">
-            <a:schemeClr val="lt1"/>
-          </a:fontRef>
-        </p:style>
-        <p:txBody>
-          <a:bodyPr lIns="0" tIns="0" rIns="0" bIns="0" rtlCol="0" anchor="ctr"/>
-          <a:lstStyle/>
-          <a:p>
-            <a:pPr algn="ctr"/>
-            <a:r>
-              <a:rPr lang="nb-NO" sz="1200" dirty="0" smtClean="0"/>
-              <a:t>B</a:t>
-            </a:r>
-            <a:endParaRPr lang="nb-NO" sz="1200" dirty="0"/>
-          </a:p>
-        </p:txBody>
-      </p:sp>
-      <p:sp>
-        <p:nvSpPr>
-          <p:cNvPr id="11" name="Ellipse 10"/>
-          <p:cNvSpPr/>
-          <p:nvPr/>
-        </p:nvSpPr>
-        <p:spPr>
-          <a:xfrm>
-            <a:off x="-928726" y="1571618"/>
-            <a:ext cx="214314" cy="214314"/>
-          </a:xfrm>
-          <a:prstGeom prst="ellipse">
-            <a:avLst/>
-          </a:prstGeom>
-          <a:solidFill>
-            <a:srgbClr val="C00000"/>
-          </a:solidFill>
-          <a:ln>
-            <a:solidFill>
-              <a:schemeClr val="tx1"/>
-            </a:solidFill>
-          </a:ln>
-        </p:spPr>
-        <p:style>
-          <a:lnRef idx="2">
-            <a:schemeClr val="accent1">
-              <a:shade val="50000"/>
-            </a:schemeClr>
-          </a:lnRef>
-          <a:fillRef idx="1">
-            <a:schemeClr val="accent1"/>
-          </a:fillRef>
-          <a:effectRef idx="0">
-            <a:schemeClr val="accent1"/>
-          </a:effectRef>
-          <a:fontRef idx="minor">
-            <a:schemeClr val="lt1"/>
-          </a:fontRef>
-        </p:style>
-        <p:txBody>
-          <a:bodyPr lIns="0" tIns="0" rIns="0" bIns="0" rtlCol="0" anchor="ctr"/>
-          <a:lstStyle/>
-          <a:p>
-            <a:pPr algn="ctr"/>
-            <a:r>
-              <a:rPr lang="nb-NO" sz="1200" dirty="0" smtClean="0"/>
-              <a:t>C</a:t>
-            </a:r>
-            <a:endParaRPr lang="nb-NO" sz="1200" dirty="0"/>
-          </a:p>
-        </p:txBody>
-      </p:sp>
-      <p:sp>
-        <p:nvSpPr>
-          <p:cNvPr id="12" name="Ellipse 11"/>
-          <p:cNvSpPr/>
-          <p:nvPr/>
-        </p:nvSpPr>
-        <p:spPr>
-          <a:xfrm>
-            <a:off x="-642974" y="1571618"/>
-            <a:ext cx="214314" cy="214314"/>
-          </a:xfrm>
-          <a:prstGeom prst="ellipse">
-            <a:avLst/>
-          </a:prstGeom>
-          <a:solidFill>
-            <a:srgbClr val="C00000"/>
-          </a:solidFill>
-          <a:ln>
-            <a:solidFill>
-              <a:schemeClr val="tx1"/>
-            </a:solidFill>
-          </a:ln>
-        </p:spPr>
-        <p:style>
-          <a:lnRef idx="2">
-            <a:schemeClr val="accent1">
-              <a:shade val="50000"/>
-            </a:schemeClr>
-          </a:lnRef>
-          <a:fillRef idx="1">
-            <a:schemeClr val="accent1"/>
-          </a:fillRef>
-          <a:effectRef idx="0">
-            <a:schemeClr val="accent1"/>
-          </a:effectRef>
-          <a:fontRef idx="minor">
-            <a:schemeClr val="lt1"/>
-          </a:fontRef>
-        </p:style>
-        <p:txBody>
-          <a:bodyPr lIns="0" tIns="0" rIns="0" bIns="0" rtlCol="0" anchor="ctr"/>
-          <a:lstStyle/>
-          <a:p>
-            <a:pPr algn="ctr"/>
-            <a:r>
-              <a:rPr lang="nb-NO" sz="1200" dirty="0" smtClean="0"/>
-              <a:t>C</a:t>
-            </a:r>
-            <a:endParaRPr lang="nb-NO" sz="1200" dirty="0"/>
-          </a:p>
-        </p:txBody>
-      </p:sp>
-      <p:sp>
-        <p:nvSpPr>
-          <p:cNvPr id="13" name="Ellipse 12"/>
-          <p:cNvSpPr/>
-          <p:nvPr/>
-        </p:nvSpPr>
-        <p:spPr>
-          <a:xfrm>
-            <a:off x="-928726" y="1857370"/>
-            <a:ext cx="214314" cy="214314"/>
-          </a:xfrm>
-          <a:prstGeom prst="ellipse">
-            <a:avLst/>
-          </a:prstGeom>
-          <a:solidFill>
-            <a:srgbClr val="C00000"/>
-          </a:solidFill>
-          <a:ln>
-            <a:solidFill>
-              <a:schemeClr val="tx1"/>
-            </a:solidFill>
-          </a:ln>
-        </p:spPr>
-        <p:style>
-          <a:lnRef idx="2">
-            <a:schemeClr val="accent1">
-              <a:shade val="50000"/>
-            </a:schemeClr>
-          </a:lnRef>
-          <a:fillRef idx="1">
-            <a:schemeClr val="accent1"/>
-          </a:fillRef>
-          <a:effectRef idx="0">
-            <a:schemeClr val="accent1"/>
-          </a:effectRef>
-          <a:fontRef idx="minor">
-            <a:schemeClr val="lt1"/>
-          </a:fontRef>
-        </p:style>
-        <p:txBody>
-          <a:bodyPr lIns="0" tIns="0" rIns="0" bIns="0" rtlCol="0" anchor="ctr"/>
-          <a:lstStyle/>
-          <a:p>
-            <a:pPr algn="ctr"/>
-            <a:r>
-              <a:rPr lang="nb-NO" sz="1200" dirty="0" smtClean="0"/>
-              <a:t>D</a:t>
-            </a:r>
-            <a:endParaRPr lang="nb-NO" sz="1200" dirty="0"/>
-          </a:p>
-        </p:txBody>
-      </p:sp>
-      <p:sp>
-        <p:nvSpPr>
-          <p:cNvPr id="14" name="Ellipse 13"/>
-          <p:cNvSpPr/>
-          <p:nvPr/>
-        </p:nvSpPr>
-        <p:spPr>
-          <a:xfrm>
-            <a:off x="-642974" y="1857370"/>
-            <a:ext cx="214314" cy="214314"/>
-          </a:xfrm>
-          <a:prstGeom prst="ellipse">
-            <a:avLst/>
-          </a:prstGeom>
-          <a:solidFill>
-            <a:srgbClr val="C00000"/>
-          </a:solidFill>
-          <a:ln>
-            <a:solidFill>
-              <a:schemeClr val="tx1"/>
-            </a:solidFill>
-          </a:ln>
-        </p:spPr>
-        <p:style>
-          <a:lnRef idx="2">
-            <a:schemeClr val="accent1">
-              <a:shade val="50000"/>
-            </a:schemeClr>
-          </a:lnRef>
-          <a:fillRef idx="1">
-            <a:schemeClr val="accent1"/>
-          </a:fillRef>
-          <a:effectRef idx="0">
-            <a:schemeClr val="accent1"/>
-          </a:effectRef>
-          <a:fontRef idx="minor">
-            <a:schemeClr val="lt1"/>
-          </a:fontRef>
-        </p:style>
-        <p:txBody>
-          <a:bodyPr lIns="0" tIns="0" rIns="0" bIns="0" rtlCol="0" anchor="ctr"/>
-          <a:lstStyle/>
-          <a:p>
-            <a:pPr algn="ctr"/>
-            <a:r>
-              <a:rPr lang="nb-NO" sz="1200" dirty="0" smtClean="0"/>
-              <a:t>D</a:t>
-            </a:r>
-            <a:endParaRPr lang="nb-NO" sz="1200" dirty="0"/>
-          </a:p>
-        </p:txBody>
-      </p:sp>
-      <p:sp>
-        <p:nvSpPr>
-          <p:cNvPr id="15" name="Ellipse 14"/>
-          <p:cNvSpPr/>
-          <p:nvPr/>
-        </p:nvSpPr>
-        <p:spPr>
-          <a:xfrm>
-            <a:off x="-928726" y="2143122"/>
-            <a:ext cx="214314" cy="214314"/>
-          </a:xfrm>
-          <a:prstGeom prst="ellipse">
-            <a:avLst/>
-          </a:prstGeom>
-          <a:solidFill>
-            <a:srgbClr val="C00000"/>
-          </a:solidFill>
-          <a:ln>
-            <a:solidFill>
-              <a:schemeClr val="tx1"/>
-            </a:solidFill>
-          </a:ln>
-        </p:spPr>
-        <p:style>
-          <a:lnRef idx="2">
-            <a:schemeClr val="accent1">
-              <a:shade val="50000"/>
-            </a:schemeClr>
-          </a:lnRef>
-          <a:fillRef idx="1">
-            <a:schemeClr val="accent1"/>
-          </a:fillRef>
-          <a:effectRef idx="0">
-            <a:schemeClr val="accent1"/>
-          </a:effectRef>
-          <a:fontRef idx="minor">
-            <a:schemeClr val="lt1"/>
-          </a:fontRef>
-        </p:style>
-        <p:txBody>
-          <a:bodyPr lIns="0" tIns="0" rIns="0" bIns="0" rtlCol="0" anchor="ctr"/>
-          <a:lstStyle/>
-          <a:p>
-            <a:pPr algn="ctr"/>
-            <a:r>
-              <a:rPr lang="nb-NO" sz="1200" dirty="0" smtClean="0"/>
-              <a:t>E</a:t>
-            </a:r>
-            <a:endParaRPr lang="nb-NO" sz="1200" dirty="0"/>
-          </a:p>
-        </p:txBody>
-      </p:sp>
-      <p:sp>
-        <p:nvSpPr>
-          <p:cNvPr id="16" name="Ellipse 15"/>
-          <p:cNvSpPr/>
-          <p:nvPr/>
-        </p:nvSpPr>
-        <p:spPr>
-          <a:xfrm>
-            <a:off x="-642974" y="2143122"/>
-            <a:ext cx="214314" cy="214314"/>
-          </a:xfrm>
-          <a:prstGeom prst="ellipse">
-            <a:avLst/>
-          </a:prstGeom>
-          <a:solidFill>
-            <a:srgbClr val="C00000"/>
-          </a:solidFill>
-          <a:ln>
-            <a:solidFill>
-              <a:schemeClr val="tx1"/>
-            </a:solidFill>
-          </a:ln>
-        </p:spPr>
-        <p:style>
-          <a:lnRef idx="2">
-            <a:schemeClr val="accent1">
-              <a:shade val="50000"/>
-            </a:schemeClr>
-          </a:lnRef>
-          <a:fillRef idx="1">
-            <a:schemeClr val="accent1"/>
-          </a:fillRef>
-          <a:effectRef idx="0">
-            <a:schemeClr val="accent1"/>
-          </a:effectRef>
-          <a:fontRef idx="minor">
-            <a:schemeClr val="lt1"/>
-          </a:fontRef>
-        </p:style>
-        <p:txBody>
-          <a:bodyPr lIns="0" tIns="0" rIns="0" bIns="0" rtlCol="0" anchor="ctr"/>
-          <a:lstStyle/>
-          <a:p>
-            <a:pPr algn="ctr"/>
-            <a:r>
-              <a:rPr lang="nb-NO" sz="1200" dirty="0" smtClean="0"/>
-              <a:t>E</a:t>
-            </a:r>
-            <a:endParaRPr lang="nb-NO" sz="1200" dirty="0"/>
-          </a:p>
-        </p:txBody>
-      </p:sp>
-      <p:sp>
-        <p:nvSpPr>
-          <p:cNvPr id="17" name="Ellipse 16"/>
-          <p:cNvSpPr/>
-          <p:nvPr/>
-        </p:nvSpPr>
-        <p:spPr>
-          <a:xfrm>
-            <a:off x="-928726" y="2428874"/>
-            <a:ext cx="214314" cy="214314"/>
-          </a:xfrm>
-          <a:prstGeom prst="ellipse">
-            <a:avLst/>
-          </a:prstGeom>
-          <a:solidFill>
-            <a:srgbClr val="C00000"/>
-          </a:solidFill>
-          <a:ln>
-            <a:solidFill>
-              <a:schemeClr val="tx1"/>
-            </a:solidFill>
-          </a:ln>
-        </p:spPr>
-        <p:style>
-          <a:lnRef idx="2">
-            <a:schemeClr val="accent1">
-              <a:shade val="50000"/>
-            </a:schemeClr>
-          </a:lnRef>
-          <a:fillRef idx="1">
-            <a:schemeClr val="accent1"/>
-          </a:fillRef>
-          <a:effectRef idx="0">
-            <a:schemeClr val="accent1"/>
-          </a:effectRef>
-          <a:fontRef idx="minor">
-            <a:schemeClr val="lt1"/>
-          </a:fontRef>
-        </p:style>
-        <p:txBody>
-          <a:bodyPr lIns="0" tIns="0" rIns="0" bIns="0" rtlCol="0" anchor="ctr"/>
-          <a:lstStyle/>
-          <a:p>
-            <a:pPr algn="ctr"/>
-            <a:r>
-              <a:rPr lang="nb-NO" sz="1200" dirty="0" smtClean="0"/>
-              <a:t>F</a:t>
-            </a:r>
-            <a:endParaRPr lang="nb-NO" sz="1200" dirty="0"/>
-          </a:p>
-        </p:txBody>
-      </p:sp>
-      <p:sp>
-        <p:nvSpPr>
-          <p:cNvPr id="18" name="Ellipse 17"/>
-          <p:cNvSpPr/>
-          <p:nvPr/>
-        </p:nvSpPr>
-        <p:spPr>
-          <a:xfrm>
-            <a:off x="-642974" y="2428874"/>
-            <a:ext cx="214314" cy="214314"/>
-          </a:xfrm>
-          <a:prstGeom prst="ellipse">
-            <a:avLst/>
-          </a:prstGeom>
-          <a:solidFill>
-            <a:srgbClr val="C00000"/>
-          </a:solidFill>
-          <a:ln>
-            <a:solidFill>
-              <a:schemeClr val="tx1"/>
-            </a:solidFill>
-          </a:ln>
-        </p:spPr>
-        <p:style>
-          <a:lnRef idx="2">
-            <a:schemeClr val="accent1">
-              <a:shade val="50000"/>
-            </a:schemeClr>
-          </a:lnRef>
-          <a:fillRef idx="1">
-            <a:schemeClr val="accent1"/>
-          </a:fillRef>
-          <a:effectRef idx="0">
-            <a:schemeClr val="accent1"/>
-          </a:effectRef>
-          <a:fontRef idx="minor">
-            <a:schemeClr val="lt1"/>
-          </a:fontRef>
-        </p:style>
-        <p:txBody>
-          <a:bodyPr lIns="0" tIns="0" rIns="0" bIns="0" rtlCol="0" anchor="ctr"/>
-          <a:lstStyle/>
-          <a:p>
-            <a:pPr algn="ctr"/>
-            <a:r>
-              <a:rPr lang="nb-NO" sz="1200" dirty="0" smtClean="0"/>
-              <a:t>F</a:t>
-            </a:r>
-            <a:endParaRPr lang="nb-NO" sz="1200" dirty="0"/>
-          </a:p>
-        </p:txBody>
-      </p:sp>
-      <p:grpSp>
-        <p:nvGrpSpPr>
-          <p:cNvPr id="3" name="Gruppe 22"/>
-          <p:cNvGrpSpPr/>
-          <p:nvPr/>
-        </p:nvGrpSpPr>
-        <p:grpSpPr>
-          <a:xfrm>
-            <a:off x="3500430" y="2214560"/>
-            <a:ext cx="719515" cy="334462"/>
-            <a:chOff x="175754" y="1115541"/>
-            <a:chExt cx="719515" cy="334462"/>
-          </a:xfrm>
-        </p:grpSpPr>
-        <p:sp>
-          <p:nvSpPr>
-            <p:cNvPr id="24" name="Rektangel 23"/>
-            <p:cNvSpPr/>
-            <p:nvPr/>
-          </p:nvSpPr>
-          <p:spPr>
-            <a:xfrm>
-              <a:off x="175754" y="1115541"/>
-              <a:ext cx="719515" cy="334462"/>
-            </a:xfrm>
-            <a:prstGeom prst="rect">
-              <a:avLst/>
-            </a:prstGeom>
-            <a:solidFill>
-              <a:schemeClr val="tx2">
-                <a:lumMod val="60000"/>
-                <a:lumOff val="40000"/>
-                <a:alpha val="50000"/>
-              </a:schemeClr>
-            </a:solidFill>
-            <a:ln w="12700">
-              <a:solidFill>
-                <a:schemeClr val="tx1"/>
-              </a:solidFill>
-            </a:ln>
-          </p:spPr>
-          <p:style>
-            <a:lnRef idx="2">
-              <a:scrgbClr r="0" g="0" b="0"/>
-            </a:lnRef>
-            <a:fillRef idx="1">
-              <a:scrgbClr r="0" g="0" b="0"/>
-            </a:fillRef>
-            <a:effectRef idx="0">
-              <a:schemeClr val="accent1">
-                <a:hueOff val="0"/>
-                <a:satOff val="0"/>
-                <a:lumOff val="0"/>
-                <a:alphaOff val="0"/>
-              </a:schemeClr>
-            </a:effectRef>
-            <a:fontRef idx="minor">
-              <a:schemeClr val="lt1"/>
-            </a:fontRef>
-          </p:style>
-        </p:sp>
-        <p:sp>
-          <p:nvSpPr>
-            <p:cNvPr id="27" name="Rektangel 26"/>
-            <p:cNvSpPr/>
-            <p:nvPr/>
-          </p:nvSpPr>
-          <p:spPr>
-            <a:xfrm>
-              <a:off x="175754" y="1115541"/>
-              <a:ext cx="719515" cy="334462"/>
-            </a:xfrm>
-            <a:prstGeom prst="rect">
-              <a:avLst/>
-            </a:prstGeom>
-          </p:spPr>
-          <p:style>
-            <a:lnRef idx="0">
-              <a:scrgbClr r="0" g="0" b="0"/>
-            </a:lnRef>
-            <a:fillRef idx="0">
-              <a:scrgbClr r="0" g="0" b="0"/>
-            </a:fillRef>
-            <a:effectRef idx="0">
-              <a:scrgbClr r="0" g="0" b="0"/>
-            </a:effectRef>
-            <a:fontRef idx="minor">
-              <a:schemeClr val="lt1"/>
-            </a:fontRef>
-          </p:style>
-          <p:txBody>
-            <a:bodyPr spcFirstLastPara="0" vert="horz" wrap="square" lIns="5080" tIns="5080" rIns="5080" bIns="5080" numCol="1" spcCol="1270" anchor="ctr" anchorCtr="0">
-              <a:noAutofit/>
-            </a:bodyPr>
-            <a:lstStyle/>
-            <a:p>
-              <a:pPr lvl="0" algn="ctr" defTabSz="355600">
-                <a:lnSpc>
-                  <a:spcPct val="90000"/>
-                </a:lnSpc>
-                <a:spcBef>
-                  <a:spcPct val="0"/>
-                </a:spcBef>
-                <a:spcAft>
-                  <a:spcPct val="35000"/>
-                </a:spcAft>
-              </a:pPr>
-              <a:r>
-                <a:rPr lang="en-US" sz="800" kern="1200" dirty="0" smtClean="0">
-                  <a:solidFill>
-                    <a:schemeClr val="tx1"/>
-                  </a:solidFill>
-                  <a:latin typeface="Arial" pitchFamily="34" charset="0"/>
-                  <a:cs typeface="Arial" pitchFamily="34" charset="0"/>
-                </a:rPr>
-                <a:t>CV</a:t>
-              </a:r>
-              <a:endParaRPr lang="en-US" sz="800" kern="1200" dirty="0">
-                <a:solidFill>
-                  <a:schemeClr val="tx1"/>
-                </a:solidFill>
-                <a:latin typeface="Arial" pitchFamily="34" charset="0"/>
-                <a:cs typeface="Arial" pitchFamily="34" charset="0"/>
-              </a:endParaRPr>
-            </a:p>
-          </p:txBody>
-        </p:sp>
-      </p:grpSp>
-      <p:sp>
-        <p:nvSpPr>
-          <p:cNvPr id="28" name="TekstSylinder 27"/>
-          <p:cNvSpPr txBox="1"/>
-          <p:nvPr/>
-        </p:nvSpPr>
-        <p:spPr>
-          <a:xfrm>
-            <a:off x="428596" y="4143386"/>
-            <a:ext cx="2143140" cy="707886"/>
+            <a:off x="2214546" y="3277447"/>
+            <a:ext cx="3833814" cy="1866053"/>
           </a:xfrm>
           <a:prstGeom prst="rect">
             <a:avLst/>
           </a:prstGeom>
           <a:noFill/>
+          <a:ln w="9525">
+            <a:noFill/>
+            <a:miter lim="800000"/>
+            <a:headEnd/>
+            <a:tailEnd/>
+          </a:ln>
+          <a:effectLst/>
         </p:spPr>
-        <p:txBody>
-          <a:bodyPr wrap="square" rtlCol="0">
-            <a:spAutoFit/>
-          </a:bodyPr>
-          <a:lstStyle/>
-          <a:p>
-            <a:r>
-              <a:rPr lang="nb-NO" sz="800" b="1" dirty="0" err="1" smtClean="0"/>
-              <a:t>Legend</a:t>
-            </a:r>
-            <a:r>
-              <a:rPr lang="nb-NO" sz="800" b="1" dirty="0" smtClean="0"/>
-              <a:t>:</a:t>
-            </a:r>
-          </a:p>
-          <a:p>
-            <a:r>
-              <a:rPr lang="nb-NO" sz="800" dirty="0" smtClean="0"/>
-              <a:t>CV: Carrier (</a:t>
-            </a:r>
-            <a:r>
-              <a:rPr lang="nb-NO" sz="800" dirty="0" err="1" smtClean="0"/>
-              <a:t>Kuznetzov</a:t>
-            </a:r>
-            <a:r>
-              <a:rPr lang="nb-NO" sz="800" dirty="0" smtClean="0"/>
-              <a:t>)</a:t>
-            </a:r>
-          </a:p>
-          <a:p>
-            <a:r>
-              <a:rPr lang="nb-NO" sz="800" dirty="0" smtClean="0"/>
-              <a:t>CG: Cruiser (</a:t>
-            </a:r>
-            <a:r>
-              <a:rPr lang="nb-NO" sz="800" dirty="0" err="1" smtClean="0"/>
-              <a:t>Pyotr</a:t>
-            </a:r>
-            <a:r>
-              <a:rPr lang="nb-NO" sz="800" dirty="0" smtClean="0"/>
-              <a:t> </a:t>
-            </a:r>
-            <a:r>
-              <a:rPr lang="nb-NO" sz="800" dirty="0" err="1" smtClean="0"/>
-              <a:t>Viliky</a:t>
-            </a:r>
-            <a:r>
-              <a:rPr lang="nb-NO" sz="800" dirty="0" smtClean="0"/>
-              <a:t> or </a:t>
-            </a:r>
-            <a:r>
-              <a:rPr lang="nb-NO" sz="800" dirty="0" err="1" smtClean="0"/>
-              <a:t>Mokva</a:t>
-            </a:r>
-            <a:r>
-              <a:rPr lang="nb-NO" sz="800" dirty="0" smtClean="0"/>
-              <a:t>)</a:t>
-            </a:r>
-          </a:p>
-          <a:p>
-            <a:r>
-              <a:rPr lang="nb-NO" sz="800" dirty="0" smtClean="0"/>
-              <a:t>FF: Frigate (</a:t>
-            </a:r>
-            <a:r>
-              <a:rPr lang="nb-NO" sz="800" dirty="0" err="1" smtClean="0"/>
-              <a:t>Neustrashimy</a:t>
-            </a:r>
-            <a:r>
-              <a:rPr lang="nb-NO" sz="800" dirty="0" smtClean="0"/>
-              <a:t> or </a:t>
-            </a:r>
-            <a:r>
-              <a:rPr lang="nb-NO" sz="800" dirty="0" err="1" smtClean="0"/>
-              <a:t>Rezky</a:t>
-            </a:r>
-            <a:r>
-              <a:rPr lang="nb-NO" sz="800" dirty="0" smtClean="0"/>
-              <a:t>)</a:t>
-            </a:r>
-          </a:p>
-          <a:p>
-            <a:r>
-              <a:rPr lang="nb-NO" sz="800" dirty="0" smtClean="0"/>
-              <a:t>LST: Landing </a:t>
-            </a:r>
-            <a:r>
-              <a:rPr lang="nb-NO" sz="800" dirty="0" err="1" smtClean="0"/>
-              <a:t>Ship</a:t>
-            </a:r>
-            <a:r>
-              <a:rPr lang="nb-NO" sz="800" dirty="0" smtClean="0"/>
-              <a:t> Tank (</a:t>
-            </a:r>
-            <a:r>
-              <a:rPr lang="nb-NO" sz="800" dirty="0" err="1" smtClean="0"/>
-              <a:t>Ropucha</a:t>
-            </a:r>
-            <a:r>
-              <a:rPr lang="nb-NO" sz="800" dirty="0" smtClean="0"/>
-              <a:t>)</a:t>
-            </a:r>
-          </a:p>
-        </p:txBody>
-      </p:sp>
-      <p:grpSp>
-        <p:nvGrpSpPr>
-          <p:cNvPr id="4" name="Gruppe 28"/>
-          <p:cNvGrpSpPr/>
-          <p:nvPr/>
-        </p:nvGrpSpPr>
-        <p:grpSpPr>
-          <a:xfrm>
-            <a:off x="1857356" y="2786064"/>
-            <a:ext cx="719515" cy="334462"/>
-            <a:chOff x="175754" y="1115541"/>
-            <a:chExt cx="719515" cy="334462"/>
-          </a:xfrm>
-        </p:grpSpPr>
-        <p:sp>
-          <p:nvSpPr>
-            <p:cNvPr id="30" name="Rektangel 29"/>
-            <p:cNvSpPr/>
-            <p:nvPr/>
-          </p:nvSpPr>
-          <p:spPr>
-            <a:xfrm>
-              <a:off x="175754" y="1115541"/>
-              <a:ext cx="719515" cy="334462"/>
-            </a:xfrm>
-            <a:prstGeom prst="rect">
-              <a:avLst/>
-            </a:prstGeom>
-            <a:solidFill>
-              <a:schemeClr val="tx2">
-                <a:lumMod val="60000"/>
-                <a:lumOff val="40000"/>
-                <a:alpha val="50000"/>
-              </a:schemeClr>
-            </a:solidFill>
-            <a:ln w="12700">
-              <a:solidFill>
-                <a:schemeClr val="tx1"/>
-              </a:solidFill>
-            </a:ln>
-          </p:spPr>
-          <p:style>
-            <a:lnRef idx="2">
-              <a:scrgbClr r="0" g="0" b="0"/>
-            </a:lnRef>
-            <a:fillRef idx="1">
-              <a:scrgbClr r="0" g="0" b="0"/>
-            </a:fillRef>
-            <a:effectRef idx="0">
-              <a:schemeClr val="accent1">
-                <a:hueOff val="0"/>
-                <a:satOff val="0"/>
-                <a:lumOff val="0"/>
-                <a:alphaOff val="0"/>
-              </a:schemeClr>
-            </a:effectRef>
-            <a:fontRef idx="minor">
-              <a:schemeClr val="lt1"/>
-            </a:fontRef>
-          </p:style>
-        </p:sp>
-        <p:sp>
-          <p:nvSpPr>
-            <p:cNvPr id="31" name="Rektangel 30"/>
-            <p:cNvSpPr/>
-            <p:nvPr/>
-          </p:nvSpPr>
-          <p:spPr>
-            <a:xfrm>
-              <a:off x="175754" y="1115541"/>
-              <a:ext cx="719515" cy="334462"/>
-            </a:xfrm>
-            <a:prstGeom prst="rect">
-              <a:avLst/>
-            </a:prstGeom>
-          </p:spPr>
-          <p:style>
-            <a:lnRef idx="0">
-              <a:scrgbClr r="0" g="0" b="0"/>
-            </a:lnRef>
-            <a:fillRef idx="0">
-              <a:scrgbClr r="0" g="0" b="0"/>
-            </a:fillRef>
-            <a:effectRef idx="0">
-              <a:scrgbClr r="0" g="0" b="0"/>
-            </a:effectRef>
-            <a:fontRef idx="minor">
-              <a:schemeClr val="lt1"/>
-            </a:fontRef>
-          </p:style>
-          <p:txBody>
-            <a:bodyPr spcFirstLastPara="0" vert="horz" wrap="square" lIns="5080" tIns="5080" rIns="5080" bIns="5080" numCol="1" spcCol="1270" anchor="ctr" anchorCtr="0">
-              <a:noAutofit/>
-            </a:bodyPr>
-            <a:lstStyle/>
-            <a:p>
-              <a:pPr lvl="0" algn="ctr" defTabSz="355600">
-                <a:lnSpc>
-                  <a:spcPct val="90000"/>
-                </a:lnSpc>
-                <a:spcBef>
-                  <a:spcPct val="0"/>
-                </a:spcBef>
-                <a:spcAft>
-                  <a:spcPct val="35000"/>
-                </a:spcAft>
-              </a:pPr>
-              <a:r>
-                <a:rPr lang="en-US" sz="800" kern="1200" dirty="0" smtClean="0">
-                  <a:solidFill>
-                    <a:schemeClr val="tx1"/>
-                  </a:solidFill>
-                  <a:latin typeface="Arial" pitchFamily="34" charset="0"/>
-                  <a:cs typeface="Arial" pitchFamily="34" charset="0"/>
-                </a:rPr>
-                <a:t>FF</a:t>
-              </a:r>
-              <a:endParaRPr lang="en-US" sz="800" kern="1200" dirty="0">
-                <a:solidFill>
-                  <a:schemeClr val="tx1"/>
-                </a:solidFill>
-                <a:latin typeface="Arial" pitchFamily="34" charset="0"/>
-                <a:cs typeface="Arial" pitchFamily="34" charset="0"/>
-              </a:endParaRPr>
-            </a:p>
-          </p:txBody>
-        </p:sp>
-      </p:grpSp>
-      <p:grpSp>
-        <p:nvGrpSpPr>
-          <p:cNvPr id="5" name="Gruppe 31"/>
-          <p:cNvGrpSpPr/>
-          <p:nvPr/>
-        </p:nvGrpSpPr>
-        <p:grpSpPr>
-          <a:xfrm>
-            <a:off x="1857356" y="1643056"/>
-            <a:ext cx="719515" cy="334462"/>
-            <a:chOff x="175754" y="1115541"/>
-            <a:chExt cx="719515" cy="334462"/>
-          </a:xfrm>
-        </p:grpSpPr>
-        <p:sp>
-          <p:nvSpPr>
-            <p:cNvPr id="33" name="Rektangel 32"/>
-            <p:cNvSpPr/>
-            <p:nvPr/>
-          </p:nvSpPr>
-          <p:spPr>
-            <a:xfrm>
-              <a:off x="175754" y="1115541"/>
-              <a:ext cx="719515" cy="334462"/>
-            </a:xfrm>
-            <a:prstGeom prst="rect">
-              <a:avLst/>
-            </a:prstGeom>
-            <a:solidFill>
-              <a:schemeClr val="tx2">
-                <a:lumMod val="60000"/>
-                <a:lumOff val="40000"/>
-                <a:alpha val="50000"/>
-              </a:schemeClr>
-            </a:solidFill>
-            <a:ln w="12700">
-              <a:solidFill>
-                <a:schemeClr val="tx1"/>
-              </a:solidFill>
-            </a:ln>
-          </p:spPr>
-          <p:style>
-            <a:lnRef idx="2">
-              <a:scrgbClr r="0" g="0" b="0"/>
-            </a:lnRef>
-            <a:fillRef idx="1">
-              <a:scrgbClr r="0" g="0" b="0"/>
-            </a:fillRef>
-            <a:effectRef idx="0">
-              <a:schemeClr val="accent1">
-                <a:hueOff val="0"/>
-                <a:satOff val="0"/>
-                <a:lumOff val="0"/>
-                <a:alphaOff val="0"/>
-              </a:schemeClr>
-            </a:effectRef>
-            <a:fontRef idx="minor">
-              <a:schemeClr val="lt1"/>
-            </a:fontRef>
-          </p:style>
-        </p:sp>
-        <p:sp>
-          <p:nvSpPr>
-            <p:cNvPr id="34" name="Rektangel 33"/>
-            <p:cNvSpPr/>
-            <p:nvPr/>
-          </p:nvSpPr>
-          <p:spPr>
-            <a:xfrm>
-              <a:off x="175754" y="1115541"/>
-              <a:ext cx="719515" cy="334462"/>
-            </a:xfrm>
-            <a:prstGeom prst="rect">
-              <a:avLst/>
-            </a:prstGeom>
-          </p:spPr>
-          <p:style>
-            <a:lnRef idx="0">
-              <a:scrgbClr r="0" g="0" b="0"/>
-            </a:lnRef>
-            <a:fillRef idx="0">
-              <a:scrgbClr r="0" g="0" b="0"/>
-            </a:fillRef>
-            <a:effectRef idx="0">
-              <a:scrgbClr r="0" g="0" b="0"/>
-            </a:effectRef>
-            <a:fontRef idx="minor">
-              <a:schemeClr val="lt1"/>
-            </a:fontRef>
-          </p:style>
-          <p:txBody>
-            <a:bodyPr spcFirstLastPara="0" vert="horz" wrap="square" lIns="5080" tIns="5080" rIns="5080" bIns="5080" numCol="1" spcCol="1270" anchor="ctr" anchorCtr="0">
-              <a:noAutofit/>
-            </a:bodyPr>
-            <a:lstStyle/>
-            <a:p>
-              <a:pPr lvl="0" algn="ctr" defTabSz="355600">
-                <a:lnSpc>
-                  <a:spcPct val="90000"/>
-                </a:lnSpc>
-                <a:spcBef>
-                  <a:spcPct val="0"/>
-                </a:spcBef>
-                <a:spcAft>
-                  <a:spcPct val="35000"/>
-                </a:spcAft>
-              </a:pPr>
-              <a:r>
-                <a:rPr lang="en-US" sz="800" kern="1200" dirty="0" smtClean="0">
-                  <a:solidFill>
-                    <a:schemeClr val="tx1"/>
-                  </a:solidFill>
-                  <a:latin typeface="Arial" pitchFamily="34" charset="0"/>
-                  <a:cs typeface="Arial" pitchFamily="34" charset="0"/>
-                </a:rPr>
-                <a:t>FF</a:t>
-              </a:r>
-              <a:endParaRPr lang="en-US" sz="800" kern="1200" dirty="0">
-                <a:solidFill>
-                  <a:schemeClr val="tx1"/>
-                </a:solidFill>
-                <a:latin typeface="Arial" pitchFamily="34" charset="0"/>
-                <a:cs typeface="Arial" pitchFamily="34" charset="0"/>
-              </a:endParaRPr>
-            </a:p>
-          </p:txBody>
-        </p:sp>
-      </p:grpSp>
-      <p:sp>
-        <p:nvSpPr>
-          <p:cNvPr id="35" name="Pil høyre 34"/>
-          <p:cNvSpPr/>
-          <p:nvPr/>
-        </p:nvSpPr>
-        <p:spPr>
-          <a:xfrm rot="10800000">
-            <a:off x="1071538" y="2143122"/>
-            <a:ext cx="857256" cy="285752"/>
-          </a:xfrm>
-          <a:prstGeom prst="rightArrow">
-            <a:avLst/>
-          </a:prstGeom>
-          <a:solidFill>
-            <a:schemeClr val="tx2">
-              <a:lumMod val="40000"/>
-              <a:lumOff val="60000"/>
-            </a:schemeClr>
-          </a:solidFill>
-          <a:ln w="6350">
-            <a:solidFill>
-              <a:schemeClr val="tx1"/>
-            </a:solidFill>
-            <a:prstDash val="dash"/>
-          </a:ln>
-        </p:spPr>
-        <p:style>
-          <a:lnRef idx="2">
-            <a:schemeClr val="accent1">
-              <a:shade val="50000"/>
-            </a:schemeClr>
-          </a:lnRef>
-          <a:fillRef idx="1">
-            <a:schemeClr val="accent1"/>
-          </a:fillRef>
-          <a:effectRef idx="0">
-            <a:schemeClr val="accent1"/>
-          </a:effectRef>
-          <a:fontRef idx="minor">
-            <a:schemeClr val="lt1"/>
-          </a:fontRef>
-        </p:style>
-        <p:txBody>
-          <a:bodyPr rtlCol="0" anchor="ctr"/>
-          <a:lstStyle/>
-          <a:p>
-            <a:pPr algn="ctr"/>
-            <a:endParaRPr lang="nb-NO"/>
-          </a:p>
-        </p:txBody>
-      </p:sp>
-      <p:sp>
-        <p:nvSpPr>
-          <p:cNvPr id="36" name="TekstSylinder 35"/>
-          <p:cNvSpPr txBox="1"/>
-          <p:nvPr/>
-        </p:nvSpPr>
-        <p:spPr>
-          <a:xfrm>
-            <a:off x="142844" y="2143122"/>
-            <a:ext cx="785818" cy="430887"/>
-          </a:xfrm>
-          <a:prstGeom prst="rect">
-            <a:avLst/>
-          </a:prstGeom>
-          <a:noFill/>
-        </p:spPr>
-        <p:txBody>
-          <a:bodyPr wrap="square" rtlCol="0">
-            <a:spAutoFit/>
-          </a:bodyPr>
-          <a:lstStyle/>
-          <a:p>
-            <a:pPr algn="ctr"/>
-            <a:r>
-              <a:rPr lang="nb-NO" sz="1050" dirty="0" err="1" smtClean="0"/>
-              <a:t>Threat</a:t>
-            </a:r>
-            <a:r>
-              <a:rPr lang="nb-NO" sz="1050" dirty="0" smtClean="0"/>
-              <a:t> </a:t>
-            </a:r>
-            <a:r>
-              <a:rPr lang="nb-NO" sz="1050" dirty="0" err="1" smtClean="0"/>
-              <a:t>direction</a:t>
-            </a:r>
-            <a:endParaRPr lang="nb-NO" sz="1050" dirty="0"/>
-          </a:p>
-        </p:txBody>
-      </p:sp>
-      <p:sp>
-        <p:nvSpPr>
-          <p:cNvPr id="37" name="TekstSylinder 36"/>
-          <p:cNvSpPr txBox="1"/>
-          <p:nvPr/>
-        </p:nvSpPr>
-        <p:spPr>
-          <a:xfrm>
-            <a:off x="5500694" y="1857370"/>
-            <a:ext cx="3357586" cy="2677656"/>
-          </a:xfrm>
-          <a:prstGeom prst="rect">
-            <a:avLst/>
-          </a:prstGeom>
-          <a:noFill/>
-        </p:spPr>
-        <p:txBody>
-          <a:bodyPr wrap="square" rtlCol="0">
-            <a:spAutoFit/>
-          </a:bodyPr>
-          <a:lstStyle/>
-          <a:p>
-            <a:r>
-              <a:rPr lang="nb-NO" sz="1200" dirty="0" smtClean="0"/>
-              <a:t>A </a:t>
-            </a:r>
-            <a:r>
-              <a:rPr lang="nb-NO" sz="1200" dirty="0" err="1" smtClean="0"/>
-              <a:t>doctrinal</a:t>
-            </a:r>
-            <a:r>
-              <a:rPr lang="nb-NO" sz="1200" dirty="0" smtClean="0"/>
-              <a:t> </a:t>
-            </a:r>
-            <a:r>
-              <a:rPr lang="nb-NO" sz="1200" dirty="0" err="1" smtClean="0"/>
-              <a:t>deployment</a:t>
-            </a:r>
-            <a:r>
-              <a:rPr lang="nb-NO" sz="1200" dirty="0" smtClean="0"/>
-              <a:t> </a:t>
-            </a:r>
-            <a:r>
-              <a:rPr lang="nb-NO" sz="1200" dirty="0" err="1" smtClean="0"/>
-              <a:t>of</a:t>
-            </a:r>
-            <a:r>
-              <a:rPr lang="nb-NO" sz="1200" dirty="0" smtClean="0"/>
-              <a:t> </a:t>
-            </a:r>
-            <a:r>
-              <a:rPr lang="nb-NO" sz="1200" dirty="0" err="1" smtClean="0"/>
-              <a:t>the</a:t>
-            </a:r>
-            <a:r>
-              <a:rPr lang="nb-NO" sz="1200" dirty="0" smtClean="0"/>
-              <a:t> Carrier Strike Group is to have </a:t>
-            </a:r>
-            <a:r>
-              <a:rPr lang="nb-NO" sz="1200" dirty="0" err="1" smtClean="0"/>
-              <a:t>two</a:t>
-            </a:r>
-            <a:r>
-              <a:rPr lang="nb-NO" sz="1200" dirty="0" smtClean="0"/>
-              <a:t> frigates </a:t>
-            </a:r>
-            <a:r>
-              <a:rPr lang="nb-NO" sz="1200" dirty="0" err="1" smtClean="0"/>
-              <a:t>upthreat</a:t>
-            </a:r>
-            <a:r>
-              <a:rPr lang="nb-NO" sz="1200" dirty="0" smtClean="0"/>
-              <a:t> to </a:t>
-            </a:r>
-            <a:r>
-              <a:rPr lang="nb-NO" sz="1200" dirty="0" err="1" smtClean="0"/>
-              <a:t>sanitize</a:t>
-            </a:r>
-            <a:r>
-              <a:rPr lang="nb-NO" sz="1200" dirty="0" smtClean="0"/>
-              <a:t> </a:t>
-            </a:r>
-            <a:r>
-              <a:rPr lang="nb-NO" sz="1200" dirty="0" err="1" smtClean="0"/>
-              <a:t>the</a:t>
-            </a:r>
-            <a:r>
-              <a:rPr lang="nb-NO" sz="1200" dirty="0" smtClean="0"/>
-              <a:t> area for </a:t>
-            </a:r>
-            <a:r>
-              <a:rPr lang="nb-NO" sz="1200" dirty="0" err="1" smtClean="0"/>
-              <a:t>enemy</a:t>
-            </a:r>
-            <a:r>
-              <a:rPr lang="nb-NO" sz="1200" dirty="0" smtClean="0"/>
-              <a:t> submarines. In </a:t>
-            </a:r>
-            <a:r>
-              <a:rPr lang="nb-NO" sz="1200" dirty="0" err="1" smtClean="0"/>
-              <a:t>addition</a:t>
-            </a:r>
-            <a:r>
-              <a:rPr lang="nb-NO" sz="1200" dirty="0" smtClean="0"/>
-              <a:t> </a:t>
-            </a:r>
-            <a:r>
-              <a:rPr lang="nb-NO" sz="1200" dirty="0" err="1" smtClean="0"/>
-              <a:t>two</a:t>
-            </a:r>
-            <a:r>
-              <a:rPr lang="nb-NO" sz="1200" dirty="0" smtClean="0"/>
-              <a:t> frigates </a:t>
-            </a:r>
-            <a:r>
-              <a:rPr lang="nb-NO" sz="1200" dirty="0" err="1" smtClean="0"/>
-              <a:t>are</a:t>
-            </a:r>
-            <a:r>
-              <a:rPr lang="nb-NO" sz="1200" dirty="0" smtClean="0"/>
-              <a:t> </a:t>
-            </a:r>
-            <a:r>
-              <a:rPr lang="nb-NO" sz="1200" dirty="0" err="1" smtClean="0"/>
-              <a:t>covering</a:t>
-            </a:r>
-            <a:r>
-              <a:rPr lang="nb-NO" sz="1200" dirty="0" smtClean="0"/>
-              <a:t> </a:t>
-            </a:r>
-            <a:r>
-              <a:rPr lang="nb-NO" sz="1200" dirty="0" err="1" smtClean="0"/>
-              <a:t>the</a:t>
-            </a:r>
-            <a:r>
-              <a:rPr lang="nb-NO" sz="1200" dirty="0" smtClean="0"/>
-              <a:t> </a:t>
-            </a:r>
-            <a:r>
-              <a:rPr lang="nb-NO" sz="1200" dirty="0" err="1" smtClean="0"/>
-              <a:t>rear</a:t>
-            </a:r>
-            <a:r>
-              <a:rPr lang="nb-NO" sz="1200" dirty="0" smtClean="0"/>
-              <a:t> </a:t>
-            </a:r>
-            <a:r>
-              <a:rPr lang="nb-NO" sz="1200" dirty="0" err="1" smtClean="0"/>
-              <a:t>of</a:t>
-            </a:r>
-            <a:r>
-              <a:rPr lang="nb-NO" sz="1200" dirty="0" smtClean="0"/>
-              <a:t> </a:t>
-            </a:r>
-            <a:r>
-              <a:rPr lang="nb-NO" sz="1200" dirty="0" err="1" smtClean="0"/>
-              <a:t>the</a:t>
-            </a:r>
-            <a:r>
-              <a:rPr lang="nb-NO" sz="1200" dirty="0" smtClean="0"/>
-              <a:t> carrier to </a:t>
-            </a:r>
-            <a:r>
-              <a:rPr lang="nb-NO" sz="1200" dirty="0" err="1" smtClean="0"/>
-              <a:t>avoid</a:t>
-            </a:r>
-            <a:r>
-              <a:rPr lang="nb-NO" sz="1200" dirty="0" smtClean="0"/>
-              <a:t> an </a:t>
-            </a:r>
-            <a:r>
-              <a:rPr lang="nb-NO" sz="1200" dirty="0" err="1" smtClean="0"/>
-              <a:t>ambush</a:t>
-            </a:r>
-            <a:r>
-              <a:rPr lang="nb-NO" sz="1200" dirty="0" smtClean="0"/>
-              <a:t>. The cruiser </a:t>
-            </a:r>
-            <a:r>
-              <a:rPr lang="nb-NO" sz="1200" dirty="0" err="1" smtClean="0"/>
-              <a:t>are</a:t>
-            </a:r>
-            <a:r>
-              <a:rPr lang="nb-NO" sz="1200" dirty="0" smtClean="0"/>
-              <a:t> </a:t>
-            </a:r>
-            <a:r>
-              <a:rPr lang="nb-NO" sz="1200" dirty="0" err="1" smtClean="0"/>
-              <a:t>positioned</a:t>
-            </a:r>
-            <a:r>
-              <a:rPr lang="nb-NO" sz="1200" dirty="0" smtClean="0"/>
-              <a:t> </a:t>
-            </a:r>
-            <a:r>
-              <a:rPr lang="nb-NO" sz="1200" dirty="0" err="1" smtClean="0"/>
-              <a:t>upthreat</a:t>
-            </a:r>
-            <a:r>
-              <a:rPr lang="nb-NO" sz="1200" dirty="0" smtClean="0"/>
-              <a:t> to </a:t>
-            </a:r>
-            <a:r>
-              <a:rPr lang="nb-NO" sz="1200" dirty="0" err="1" smtClean="0"/>
-              <a:t>act</a:t>
-            </a:r>
-            <a:r>
-              <a:rPr lang="nb-NO" sz="1200" dirty="0" smtClean="0"/>
-              <a:t> in a air </a:t>
-            </a:r>
-            <a:r>
-              <a:rPr lang="nb-NO" sz="1200" dirty="0" err="1" smtClean="0"/>
-              <a:t>defence</a:t>
-            </a:r>
-            <a:r>
-              <a:rPr lang="nb-NO" sz="1200" dirty="0" smtClean="0"/>
-              <a:t> and anti </a:t>
-            </a:r>
-            <a:r>
-              <a:rPr lang="nb-NO" sz="1200" dirty="0" err="1" smtClean="0"/>
-              <a:t>surface</a:t>
-            </a:r>
-            <a:r>
-              <a:rPr lang="nb-NO" sz="1200" dirty="0" smtClean="0"/>
-              <a:t> </a:t>
-            </a:r>
-            <a:r>
-              <a:rPr lang="nb-NO" sz="1200" dirty="0" err="1" smtClean="0"/>
-              <a:t>role</a:t>
-            </a:r>
-            <a:r>
-              <a:rPr lang="nb-NO" sz="1200" dirty="0" smtClean="0"/>
-              <a:t> to </a:t>
-            </a:r>
-            <a:r>
-              <a:rPr lang="nb-NO" sz="1200" dirty="0" err="1" smtClean="0"/>
-              <a:t>protect</a:t>
-            </a:r>
-            <a:r>
-              <a:rPr lang="nb-NO" sz="1200" dirty="0" smtClean="0"/>
-              <a:t> </a:t>
-            </a:r>
-            <a:r>
-              <a:rPr lang="nb-NO" sz="1200" dirty="0" err="1" smtClean="0"/>
-              <a:t>the</a:t>
-            </a:r>
-            <a:r>
-              <a:rPr lang="nb-NO" sz="1200" dirty="0" smtClean="0"/>
-              <a:t> carrier. </a:t>
-            </a:r>
-          </a:p>
-          <a:p>
-            <a:endParaRPr lang="nb-NO" sz="1200" dirty="0" smtClean="0"/>
-          </a:p>
-          <a:p>
-            <a:r>
-              <a:rPr lang="nb-NO" sz="1200" dirty="0" smtClean="0"/>
-              <a:t>Offensive </a:t>
-            </a:r>
-            <a:r>
-              <a:rPr lang="nb-NO" sz="1200" dirty="0" err="1" smtClean="0"/>
-              <a:t>operations</a:t>
-            </a:r>
-            <a:r>
-              <a:rPr lang="nb-NO" sz="1200" dirty="0" smtClean="0"/>
-              <a:t> </a:t>
-            </a:r>
-            <a:r>
-              <a:rPr lang="nb-NO" sz="1200" dirty="0" err="1" smtClean="0"/>
-              <a:t>are</a:t>
-            </a:r>
-            <a:r>
-              <a:rPr lang="nb-NO" sz="1200" dirty="0" smtClean="0"/>
-              <a:t> </a:t>
-            </a:r>
-            <a:r>
-              <a:rPr lang="nb-NO" sz="1200" dirty="0" err="1" smtClean="0"/>
-              <a:t>conducted</a:t>
-            </a:r>
-            <a:r>
-              <a:rPr lang="nb-NO" sz="1200" dirty="0" smtClean="0"/>
-              <a:t> by </a:t>
-            </a:r>
-            <a:r>
-              <a:rPr lang="nb-NO" sz="1200" dirty="0" err="1" smtClean="0"/>
-              <a:t>the</a:t>
-            </a:r>
-            <a:r>
-              <a:rPr lang="nb-NO" sz="1200" dirty="0" smtClean="0"/>
-              <a:t> carrier </a:t>
-            </a:r>
-            <a:r>
-              <a:rPr lang="nb-NO" sz="1200" dirty="0" err="1" smtClean="0"/>
-              <a:t>based</a:t>
-            </a:r>
-            <a:r>
-              <a:rPr lang="nb-NO" sz="1200" dirty="0" smtClean="0"/>
-              <a:t> </a:t>
-            </a:r>
-            <a:r>
-              <a:rPr lang="nb-NO" sz="1200" dirty="0" err="1" smtClean="0"/>
-              <a:t>aircraft</a:t>
-            </a:r>
-            <a:r>
-              <a:rPr lang="nb-NO" sz="1200" dirty="0" smtClean="0"/>
-              <a:t>. </a:t>
-            </a:r>
-          </a:p>
-          <a:p>
-            <a:endParaRPr lang="nb-NO" sz="1200" dirty="0" smtClean="0"/>
-          </a:p>
-          <a:p>
-            <a:r>
-              <a:rPr lang="nb-NO" sz="1200" dirty="0" smtClean="0"/>
-              <a:t>For </a:t>
-            </a:r>
-            <a:r>
-              <a:rPr lang="nb-NO" sz="1200" dirty="0" err="1" smtClean="0"/>
-              <a:t>increased</a:t>
-            </a:r>
-            <a:r>
-              <a:rPr lang="nb-NO" sz="1200" dirty="0" smtClean="0"/>
-              <a:t> </a:t>
-            </a:r>
-            <a:r>
-              <a:rPr lang="nb-NO" sz="1200" dirty="0" err="1" smtClean="0"/>
-              <a:t>protection</a:t>
-            </a:r>
-            <a:r>
-              <a:rPr lang="nb-NO" sz="1200" dirty="0" smtClean="0"/>
-              <a:t>, a SAG </a:t>
-            </a:r>
-            <a:r>
-              <a:rPr lang="nb-NO" sz="1200" dirty="0" err="1" smtClean="0"/>
-              <a:t>may</a:t>
-            </a:r>
-            <a:r>
-              <a:rPr lang="nb-NO" sz="1200" dirty="0" smtClean="0"/>
-              <a:t> be </a:t>
-            </a:r>
-            <a:r>
-              <a:rPr lang="nb-NO" sz="1200" dirty="0" err="1" smtClean="0"/>
-              <a:t>positioned</a:t>
-            </a:r>
-            <a:r>
-              <a:rPr lang="nb-NO" sz="1200" dirty="0" smtClean="0"/>
-              <a:t> 50nm </a:t>
-            </a:r>
-            <a:r>
-              <a:rPr lang="nb-NO" sz="1200" dirty="0" err="1" smtClean="0"/>
-              <a:t>closer</a:t>
-            </a:r>
-            <a:r>
-              <a:rPr lang="nb-NO" sz="1200" dirty="0" smtClean="0"/>
-              <a:t> to </a:t>
-            </a:r>
-            <a:r>
-              <a:rPr lang="nb-NO" sz="1200" dirty="0" err="1" smtClean="0"/>
-              <a:t>threat</a:t>
-            </a:r>
-            <a:r>
-              <a:rPr lang="nb-NO" sz="1200" dirty="0" smtClean="0"/>
-              <a:t> </a:t>
-            </a:r>
-            <a:r>
-              <a:rPr lang="nb-NO" sz="1200" dirty="0" err="1" smtClean="0"/>
-              <a:t>direction</a:t>
-            </a:r>
-            <a:r>
-              <a:rPr lang="nb-NO" sz="1200" dirty="0" smtClean="0"/>
-              <a:t> to </a:t>
-            </a:r>
-            <a:r>
-              <a:rPr lang="nb-NO" sz="1200" dirty="0" err="1" smtClean="0"/>
-              <a:t>keep</a:t>
-            </a:r>
-            <a:r>
-              <a:rPr lang="nb-NO" sz="1200" dirty="0" smtClean="0"/>
-              <a:t> </a:t>
-            </a:r>
-            <a:r>
-              <a:rPr lang="nb-NO" sz="1200" dirty="0" err="1" smtClean="0"/>
-              <a:t>the</a:t>
-            </a:r>
-            <a:r>
-              <a:rPr lang="nb-NO" sz="1200" dirty="0" smtClean="0"/>
-              <a:t> CSG safe.</a:t>
-            </a:r>
-            <a:endParaRPr lang="nb-NO" sz="1200" dirty="0"/>
-          </a:p>
-        </p:txBody>
-      </p:sp>
-      <p:grpSp>
-        <p:nvGrpSpPr>
-          <p:cNvPr id="6" name="Gruppe 28"/>
-          <p:cNvGrpSpPr/>
-          <p:nvPr/>
-        </p:nvGrpSpPr>
-        <p:grpSpPr>
-          <a:xfrm>
-            <a:off x="4286248" y="2786064"/>
-            <a:ext cx="719515" cy="334462"/>
-            <a:chOff x="175754" y="1115541"/>
-            <a:chExt cx="719515" cy="334462"/>
-          </a:xfrm>
-        </p:grpSpPr>
-        <p:sp>
-          <p:nvSpPr>
-            <p:cNvPr id="32" name="Rektangel 31"/>
-            <p:cNvSpPr/>
-            <p:nvPr/>
-          </p:nvSpPr>
-          <p:spPr>
-            <a:xfrm>
-              <a:off x="175754" y="1115541"/>
-              <a:ext cx="719515" cy="334462"/>
-            </a:xfrm>
-            <a:prstGeom prst="rect">
-              <a:avLst/>
-            </a:prstGeom>
-            <a:solidFill>
-              <a:schemeClr val="tx2">
-                <a:lumMod val="60000"/>
-                <a:lumOff val="40000"/>
-                <a:alpha val="50000"/>
-              </a:schemeClr>
-            </a:solidFill>
-            <a:ln w="12700">
-              <a:solidFill>
-                <a:schemeClr val="tx1"/>
-              </a:solidFill>
-            </a:ln>
-          </p:spPr>
-          <p:style>
-            <a:lnRef idx="2">
-              <a:scrgbClr r="0" g="0" b="0"/>
-            </a:lnRef>
-            <a:fillRef idx="1">
-              <a:scrgbClr r="0" g="0" b="0"/>
-            </a:fillRef>
-            <a:effectRef idx="0">
-              <a:schemeClr val="accent1">
-                <a:hueOff val="0"/>
-                <a:satOff val="0"/>
-                <a:lumOff val="0"/>
-                <a:alphaOff val="0"/>
-              </a:schemeClr>
-            </a:effectRef>
-            <a:fontRef idx="minor">
-              <a:schemeClr val="lt1"/>
-            </a:fontRef>
-          </p:style>
-        </p:sp>
-        <p:sp>
-          <p:nvSpPr>
-            <p:cNvPr id="38" name="Rektangel 37"/>
-            <p:cNvSpPr/>
-            <p:nvPr/>
-          </p:nvSpPr>
-          <p:spPr>
-            <a:xfrm>
-              <a:off x="175754" y="1115541"/>
-              <a:ext cx="719515" cy="334462"/>
-            </a:xfrm>
-            <a:prstGeom prst="rect">
-              <a:avLst/>
-            </a:prstGeom>
-          </p:spPr>
-          <p:style>
-            <a:lnRef idx="0">
-              <a:scrgbClr r="0" g="0" b="0"/>
-            </a:lnRef>
-            <a:fillRef idx="0">
-              <a:scrgbClr r="0" g="0" b="0"/>
-            </a:fillRef>
-            <a:effectRef idx="0">
-              <a:scrgbClr r="0" g="0" b="0"/>
-            </a:effectRef>
-            <a:fontRef idx="minor">
-              <a:schemeClr val="lt1"/>
-            </a:fontRef>
-          </p:style>
-          <p:txBody>
-            <a:bodyPr spcFirstLastPara="0" vert="horz" wrap="square" lIns="5080" tIns="5080" rIns="5080" bIns="5080" numCol="1" spcCol="1270" anchor="ctr" anchorCtr="0">
-              <a:noAutofit/>
-            </a:bodyPr>
-            <a:lstStyle/>
-            <a:p>
-              <a:pPr lvl="0" algn="ctr" defTabSz="355600">
-                <a:lnSpc>
-                  <a:spcPct val="90000"/>
-                </a:lnSpc>
-                <a:spcBef>
-                  <a:spcPct val="0"/>
-                </a:spcBef>
-                <a:spcAft>
-                  <a:spcPct val="35000"/>
-                </a:spcAft>
-              </a:pPr>
-              <a:r>
-                <a:rPr lang="en-US" sz="800" dirty="0" smtClean="0">
-                  <a:solidFill>
-                    <a:schemeClr val="tx1"/>
-                  </a:solidFill>
-                  <a:latin typeface="Arial" pitchFamily="34" charset="0"/>
-                  <a:cs typeface="Arial" pitchFamily="34" charset="0"/>
-                </a:rPr>
-                <a:t>FF</a:t>
-              </a:r>
-              <a:endParaRPr lang="en-US" sz="800" kern="1200" dirty="0">
-                <a:solidFill>
-                  <a:schemeClr val="tx1"/>
-                </a:solidFill>
-                <a:latin typeface="Arial" pitchFamily="34" charset="0"/>
-                <a:cs typeface="Arial" pitchFamily="34" charset="0"/>
-              </a:endParaRPr>
-            </a:p>
-          </p:txBody>
-        </p:sp>
-      </p:grpSp>
-      <p:grpSp>
-        <p:nvGrpSpPr>
-          <p:cNvPr id="19" name="Gruppe 38"/>
-          <p:cNvGrpSpPr/>
-          <p:nvPr/>
-        </p:nvGrpSpPr>
-        <p:grpSpPr>
-          <a:xfrm>
-            <a:off x="2643174" y="2214560"/>
-            <a:ext cx="719515" cy="334462"/>
-            <a:chOff x="175754" y="1115541"/>
-            <a:chExt cx="719515" cy="334462"/>
-          </a:xfrm>
-        </p:grpSpPr>
-        <p:sp>
-          <p:nvSpPr>
-            <p:cNvPr id="40" name="Rektangel 39"/>
-            <p:cNvSpPr/>
-            <p:nvPr/>
-          </p:nvSpPr>
-          <p:spPr>
-            <a:xfrm>
-              <a:off x="175754" y="1115541"/>
-              <a:ext cx="719515" cy="334462"/>
-            </a:xfrm>
-            <a:prstGeom prst="rect">
-              <a:avLst/>
-            </a:prstGeom>
-            <a:solidFill>
-              <a:schemeClr val="tx2">
-                <a:lumMod val="60000"/>
-                <a:lumOff val="40000"/>
-                <a:alpha val="50000"/>
-              </a:schemeClr>
-            </a:solidFill>
-            <a:ln w="12700">
-              <a:solidFill>
-                <a:schemeClr val="tx1"/>
-              </a:solidFill>
-            </a:ln>
-          </p:spPr>
-          <p:style>
-            <a:lnRef idx="2">
-              <a:scrgbClr r="0" g="0" b="0"/>
-            </a:lnRef>
-            <a:fillRef idx="1">
-              <a:scrgbClr r="0" g="0" b="0"/>
-            </a:fillRef>
-            <a:effectRef idx="0">
-              <a:schemeClr val="accent1">
-                <a:hueOff val="0"/>
-                <a:satOff val="0"/>
-                <a:lumOff val="0"/>
-                <a:alphaOff val="0"/>
-              </a:schemeClr>
-            </a:effectRef>
-            <a:fontRef idx="minor">
-              <a:schemeClr val="lt1"/>
-            </a:fontRef>
-          </p:style>
-        </p:sp>
-        <p:sp>
-          <p:nvSpPr>
-            <p:cNvPr id="41" name="Rektangel 40"/>
-            <p:cNvSpPr/>
-            <p:nvPr/>
-          </p:nvSpPr>
-          <p:spPr>
-            <a:xfrm>
-              <a:off x="175754" y="1115541"/>
-              <a:ext cx="719515" cy="334462"/>
-            </a:xfrm>
-            <a:prstGeom prst="rect">
-              <a:avLst/>
-            </a:prstGeom>
-          </p:spPr>
-          <p:style>
-            <a:lnRef idx="0">
-              <a:scrgbClr r="0" g="0" b="0"/>
-            </a:lnRef>
-            <a:fillRef idx="0">
-              <a:scrgbClr r="0" g="0" b="0"/>
-            </a:fillRef>
-            <a:effectRef idx="0">
-              <a:scrgbClr r="0" g="0" b="0"/>
-            </a:effectRef>
-            <a:fontRef idx="minor">
-              <a:schemeClr val="lt1"/>
-            </a:fontRef>
-          </p:style>
-          <p:txBody>
-            <a:bodyPr spcFirstLastPara="0" vert="horz" wrap="square" lIns="5080" tIns="5080" rIns="5080" bIns="5080" numCol="1" spcCol="1270" anchor="ctr" anchorCtr="0">
-              <a:noAutofit/>
-            </a:bodyPr>
-            <a:lstStyle/>
-            <a:p>
-              <a:pPr lvl="0" algn="ctr" defTabSz="355600">
-                <a:lnSpc>
-                  <a:spcPct val="90000"/>
-                </a:lnSpc>
-                <a:spcBef>
-                  <a:spcPct val="0"/>
-                </a:spcBef>
-                <a:spcAft>
-                  <a:spcPct val="35000"/>
-                </a:spcAft>
-              </a:pPr>
-              <a:r>
-                <a:rPr lang="en-US" sz="800" kern="1200" dirty="0" smtClean="0">
-                  <a:solidFill>
-                    <a:schemeClr val="tx1"/>
-                  </a:solidFill>
-                  <a:latin typeface="Arial" pitchFamily="34" charset="0"/>
-                  <a:cs typeface="Arial" pitchFamily="34" charset="0"/>
-                </a:rPr>
-                <a:t>CG</a:t>
-              </a:r>
-              <a:endParaRPr lang="en-US" sz="800" kern="1200" dirty="0">
-                <a:solidFill>
-                  <a:schemeClr val="tx1"/>
-                </a:solidFill>
-                <a:latin typeface="Arial" pitchFamily="34" charset="0"/>
-                <a:cs typeface="Arial" pitchFamily="34" charset="0"/>
-              </a:endParaRPr>
-            </a:p>
-          </p:txBody>
-        </p:sp>
-      </p:grpSp>
-      <p:grpSp>
-        <p:nvGrpSpPr>
-          <p:cNvPr id="20" name="Gruppe 41"/>
-          <p:cNvGrpSpPr/>
-          <p:nvPr/>
-        </p:nvGrpSpPr>
-        <p:grpSpPr>
-          <a:xfrm>
-            <a:off x="4286248" y="1643056"/>
-            <a:ext cx="719515" cy="334462"/>
-            <a:chOff x="175754" y="1115541"/>
-            <a:chExt cx="719515" cy="334462"/>
-          </a:xfrm>
-        </p:grpSpPr>
-        <p:sp>
-          <p:nvSpPr>
-            <p:cNvPr id="43" name="Rektangel 42"/>
-            <p:cNvSpPr/>
-            <p:nvPr/>
-          </p:nvSpPr>
-          <p:spPr>
-            <a:xfrm>
-              <a:off x="175754" y="1115541"/>
-              <a:ext cx="719515" cy="334462"/>
-            </a:xfrm>
-            <a:prstGeom prst="rect">
-              <a:avLst/>
-            </a:prstGeom>
-            <a:solidFill>
-              <a:schemeClr val="tx2">
-                <a:lumMod val="60000"/>
-                <a:lumOff val="40000"/>
-                <a:alpha val="50000"/>
-              </a:schemeClr>
-            </a:solidFill>
-            <a:ln w="12700">
-              <a:solidFill>
-                <a:schemeClr val="tx1"/>
-              </a:solidFill>
-            </a:ln>
-          </p:spPr>
-          <p:style>
-            <a:lnRef idx="2">
-              <a:scrgbClr r="0" g="0" b="0"/>
-            </a:lnRef>
-            <a:fillRef idx="1">
-              <a:scrgbClr r="0" g="0" b="0"/>
-            </a:fillRef>
-            <a:effectRef idx="0">
-              <a:schemeClr val="accent1">
-                <a:hueOff val="0"/>
-                <a:satOff val="0"/>
-                <a:lumOff val="0"/>
-                <a:alphaOff val="0"/>
-              </a:schemeClr>
-            </a:effectRef>
-            <a:fontRef idx="minor">
-              <a:schemeClr val="lt1"/>
-            </a:fontRef>
-          </p:style>
-        </p:sp>
-        <p:sp>
-          <p:nvSpPr>
-            <p:cNvPr id="44" name="Rektangel 43"/>
-            <p:cNvSpPr/>
-            <p:nvPr/>
-          </p:nvSpPr>
-          <p:spPr>
-            <a:xfrm>
-              <a:off x="175754" y="1115541"/>
-              <a:ext cx="719515" cy="334462"/>
-            </a:xfrm>
-            <a:prstGeom prst="rect">
-              <a:avLst/>
-            </a:prstGeom>
-          </p:spPr>
-          <p:style>
-            <a:lnRef idx="0">
-              <a:scrgbClr r="0" g="0" b="0"/>
-            </a:lnRef>
-            <a:fillRef idx="0">
-              <a:scrgbClr r="0" g="0" b="0"/>
-            </a:fillRef>
-            <a:effectRef idx="0">
-              <a:scrgbClr r="0" g="0" b="0"/>
-            </a:effectRef>
-            <a:fontRef idx="minor">
-              <a:schemeClr val="lt1"/>
-            </a:fontRef>
-          </p:style>
-          <p:txBody>
-            <a:bodyPr spcFirstLastPara="0" vert="horz" wrap="square" lIns="5080" tIns="5080" rIns="5080" bIns="5080" numCol="1" spcCol="1270" anchor="ctr" anchorCtr="0">
-              <a:noAutofit/>
-            </a:bodyPr>
-            <a:lstStyle/>
-            <a:p>
-              <a:pPr lvl="0" algn="ctr" defTabSz="355600">
-                <a:lnSpc>
-                  <a:spcPct val="90000"/>
-                </a:lnSpc>
-                <a:spcBef>
-                  <a:spcPct val="0"/>
-                </a:spcBef>
-                <a:spcAft>
-                  <a:spcPct val="35000"/>
-                </a:spcAft>
-              </a:pPr>
-              <a:r>
-                <a:rPr lang="en-US" sz="800" dirty="0" smtClean="0">
-                  <a:solidFill>
-                    <a:schemeClr val="tx1"/>
-                  </a:solidFill>
-                  <a:latin typeface="Arial" pitchFamily="34" charset="0"/>
-                  <a:cs typeface="Arial" pitchFamily="34" charset="0"/>
-                </a:rPr>
-                <a:t>FF</a:t>
-              </a:r>
-              <a:endParaRPr lang="en-US" sz="800" kern="1200" dirty="0">
-                <a:solidFill>
-                  <a:schemeClr val="tx1"/>
-                </a:solidFill>
-                <a:latin typeface="Arial" pitchFamily="34" charset="0"/>
-                <a:cs typeface="Arial" pitchFamily="34" charset="0"/>
-              </a:endParaRPr>
-            </a:p>
-          </p:txBody>
-        </p:sp>
-      </p:grpSp>
-      <p:sp>
-        <p:nvSpPr>
-          <p:cNvPr id="39" name="Rektangel 38"/>
-          <p:cNvSpPr/>
-          <p:nvPr/>
-        </p:nvSpPr>
-        <p:spPr>
-          <a:xfrm>
-            <a:off x="8644656" y="4793491"/>
-            <a:ext cx="468398" cy="246221"/>
-          </a:xfrm>
-          <a:prstGeom prst="rect">
-            <a:avLst/>
-          </a:prstGeom>
-        </p:spPr>
-        <p:txBody>
-          <a:bodyPr wrap="none">
-            <a:spAutoFit/>
-          </a:bodyPr>
-          <a:lstStyle/>
-          <a:p>
-            <a:r>
-              <a:rPr lang="nb-NO" sz="1000" dirty="0" smtClean="0">
-                <a:latin typeface="Arial" pitchFamily="34" charset="0"/>
-                <a:cs typeface="Arial" pitchFamily="34" charset="0"/>
-                <a:hlinkClick r:id="rId2" action="ppaction://hlinksldjump"/>
-              </a:rPr>
-              <a:t>Back</a:t>
-            </a:r>
-            <a:endParaRPr lang="nb-NO" sz="1000" dirty="0" smtClean="0">
-              <a:latin typeface="Arial" pitchFamily="34" charset="0"/>
-              <a:cs typeface="Arial" pitchFamily="34" charset="0"/>
-            </a:endParaRPr>
-          </a:p>
-        </p:txBody>
-      </p:sp>
-      <p:sp>
-        <p:nvSpPr>
-          <p:cNvPr id="42" name="TekstSylinder 41"/>
-          <p:cNvSpPr txBox="1"/>
-          <p:nvPr/>
-        </p:nvSpPr>
-        <p:spPr>
-          <a:xfrm rot="20578104">
-            <a:off x="1553854" y="2177853"/>
-            <a:ext cx="4714908" cy="584775"/>
-          </a:xfrm>
-          <a:prstGeom prst="rect">
-            <a:avLst/>
-          </a:prstGeom>
-          <a:solidFill>
-            <a:schemeClr val="bg1">
-              <a:alpha val="48000"/>
-            </a:schemeClr>
-          </a:solidFill>
-          <a:ln>
-            <a:solidFill>
-              <a:schemeClr val="tx1"/>
-            </a:solidFill>
-          </a:ln>
-        </p:spPr>
-        <p:txBody>
-          <a:bodyPr wrap="square" rtlCol="0">
-            <a:spAutoFit/>
-          </a:bodyPr>
-          <a:lstStyle/>
-          <a:p>
-            <a:pPr algn="ctr"/>
-            <a:r>
-              <a:rPr lang="nb-NO" sz="3200" b="1" dirty="0" smtClean="0">
-                <a:solidFill>
-                  <a:srgbClr val="FF0000"/>
-                </a:solidFill>
-              </a:rPr>
-              <a:t>WIP</a:t>
-            </a:r>
-            <a:endParaRPr lang="nb-NO" sz="3200" b="1" dirty="0">
-              <a:solidFill>
-                <a:srgbClr val="FF0000"/>
-              </a:solidFill>
-            </a:endParaRPr>
-          </a:p>
-        </p:txBody>
-      </p:sp>
+      </p:pic>
     </p:spTree>
   </p:cSld>
   <p:clrMapOvr>

--- a/INTEL/VID/WIP/INTREP VID OPAC-004 - Notian Navy.pptx
+++ b/INTEL/VID/WIP/INTREP VID OPAC-004 - Notian Navy.pptx
@@ -9924,246 +9924,246 @@
     </dgm:pt>
   </dgm:ptLst>
   <dgm:cxnLst>
+    <dgm:cxn modelId="{62C3E448-AF7C-4458-803E-934D1E3CFBA7}" type="presOf" srcId="{BD76ABED-2DF9-43FC-8248-8906FC6ED38C}" destId="{9E844CCB-BB56-4B9F-AF3E-5D6C0FAE0E8F}" srcOrd="0" destOrd="0" presId="urn:microsoft.com/office/officeart/2005/8/layout/orgChart1"/>
+    <dgm:cxn modelId="{01DB78BE-374C-484D-83EA-2A10898A0D42}" type="presOf" srcId="{3A749A3F-1C10-4426-A711-E367F9179400}" destId="{B44A278F-86FE-491B-AFFE-823D65D6F32E}" srcOrd="0" destOrd="0" presId="urn:microsoft.com/office/officeart/2005/8/layout/orgChart1"/>
+    <dgm:cxn modelId="{F1767063-5321-4C43-8EBD-F505EBD2B363}" type="presOf" srcId="{115FF7EE-A848-41F1-A50A-DD0B956D0B88}" destId="{9CBB51A0-7E01-4BA7-A033-4AF8C10FF9F2}" srcOrd="0" destOrd="0" presId="urn:microsoft.com/office/officeart/2005/8/layout/orgChart1"/>
+    <dgm:cxn modelId="{35DF3317-AB78-4FC9-AED9-D63C9BDC6056}" type="presOf" srcId="{FD175948-8E56-4907-A90D-D33026458406}" destId="{FD377280-DB89-464B-8AB5-3FD633C31F64}" srcOrd="0" destOrd="0" presId="urn:microsoft.com/office/officeart/2005/8/layout/orgChart1"/>
+    <dgm:cxn modelId="{8974D484-91DF-4CD1-8D05-2B3E03654B2E}" srcId="{DE98661A-2A86-4E5B-BEBB-28CFE600295D}" destId="{83162824-B7B0-48B0-B21A-2AC417FBEC99}" srcOrd="0" destOrd="0" parTransId="{342F7B73-D266-4312-821E-4409FCDECE50}" sibTransId="{2AEA8CCD-A4DF-47FD-B330-5ECC78282E92}"/>
+    <dgm:cxn modelId="{9D575337-108F-4E84-B340-9B3DB789C31D}" type="presOf" srcId="{F10CD7FE-EC1C-4FEA-838D-9E81CCF5D9A4}" destId="{19663BBC-E177-4441-A684-A1BDF2526EF3}" srcOrd="0" destOrd="0" presId="urn:microsoft.com/office/officeart/2005/8/layout/orgChart1"/>
+    <dgm:cxn modelId="{7511FDD8-A869-432F-BEA1-8536FA0CC156}" type="presOf" srcId="{49ADF8F0-4FCE-4D5A-A622-6EB5356592AC}" destId="{1DA0058F-15BD-4C35-BFD4-36D609C6A4FC}" srcOrd="0" destOrd="0" presId="urn:microsoft.com/office/officeart/2005/8/layout/orgChart1"/>
+    <dgm:cxn modelId="{32485305-F9EB-4C89-BB28-2E257334ACEC}" type="presOf" srcId="{CE8B9297-0335-465D-8C14-F6670FD76933}" destId="{6BCE281D-4856-42A0-AE72-2F8F4DE21E8F}" srcOrd="1" destOrd="0" presId="urn:microsoft.com/office/officeart/2005/8/layout/orgChart1"/>
+    <dgm:cxn modelId="{1D66EC88-8F35-498D-A567-D8DD542CF287}" type="presOf" srcId="{60FBE8D4-75D7-4CAD-8908-CAE65E181666}" destId="{4E073421-6C6C-4A62-B266-87426BA3804A}" srcOrd="0" destOrd="0" presId="urn:microsoft.com/office/officeart/2005/8/layout/orgChart1"/>
+    <dgm:cxn modelId="{85411383-DB2F-45DA-8273-BE84F9E187C6}" srcId="{AC9EFDF2-1E89-413C-A544-762CE1A4F8C0}" destId="{60FBE8D4-75D7-4CAD-8908-CAE65E181666}" srcOrd="3" destOrd="0" parTransId="{5B2848D0-14AE-442B-B9D1-35BFAB2E387C}" sibTransId="{8EE4ECE9-703A-405C-86D5-868F9E7AB0F7}"/>
+    <dgm:cxn modelId="{F253E6D7-C634-4F19-B0CC-505BDD8468EA}" type="presOf" srcId="{2A449A93-E6F7-4B50-94C3-64C4ABF8D9AE}" destId="{930178AF-799B-4C33-9A91-0DF2FD98DC25}" srcOrd="1" destOrd="0" presId="urn:microsoft.com/office/officeart/2005/8/layout/orgChart1"/>
+    <dgm:cxn modelId="{DA2FD00F-A45A-408C-8D77-64A8169EEA6F}" srcId="{2C3B81CE-F604-45E3-A929-15B1AB9AEC9C}" destId="{69732022-F68D-4360-A98F-905AE08AE282}" srcOrd="0" destOrd="0" parTransId="{1B3B6D64-CCB9-4AA3-A7D3-4735729B2188}" sibTransId="{168A3C9D-B124-457F-B7BD-4EC66E1CDF34}"/>
+    <dgm:cxn modelId="{815EFF5B-71F8-4743-8E34-513B3565D9A2}" type="presOf" srcId="{D7344F1F-692E-4729-9720-F8CA431C8174}" destId="{9A33AF09-AABE-42F4-8F39-B16AE79678C9}" srcOrd="0" destOrd="0" presId="urn:microsoft.com/office/officeart/2005/8/layout/orgChart1"/>
+    <dgm:cxn modelId="{A4F07BAB-484C-4874-A8A0-10A5A60EE630}" type="presOf" srcId="{6F88080A-5068-4E2D-8C54-67E23CE7C322}" destId="{175C0E5A-556B-4F10-8B95-AE90F8B7638B}" srcOrd="0" destOrd="0" presId="urn:microsoft.com/office/officeart/2005/8/layout/orgChart1"/>
+    <dgm:cxn modelId="{C359C306-575C-4FFD-8830-B4A03B7E2351}" srcId="{05E1324F-8146-4646-9834-930E93833AAB}" destId="{F589C454-8537-4BBA-B792-A995241DD511}" srcOrd="0" destOrd="0" parTransId="{AC388887-3AAD-48C2-8B57-2B70B31F3E6E}" sibTransId="{38583907-B66F-4070-A371-A4E34D3AF2EB}"/>
+    <dgm:cxn modelId="{10E13414-C1B7-4FD3-948E-DAF027277DD6}" type="presOf" srcId="{5FE6D0AE-D997-411B-BE7A-A53CF6A20CD3}" destId="{18117DC3-71E2-4740-AF5C-E71284035161}" srcOrd="0" destOrd="0" presId="urn:microsoft.com/office/officeart/2005/8/layout/orgChart1"/>
+    <dgm:cxn modelId="{F3F137E2-70C6-48EF-A607-D561011E2537}" type="presOf" srcId="{53527E90-2499-4F38-B9F0-811CC757430D}" destId="{F4E6E9C6-4054-4A6A-AF0E-406D783C42CB}" srcOrd="1" destOrd="0" presId="urn:microsoft.com/office/officeart/2005/8/layout/orgChart1"/>
+    <dgm:cxn modelId="{30FF6CB6-33BB-4026-B4D2-B7F069EAE5F9}" type="presOf" srcId="{82DA2C98-167F-4AEA-B668-91E1B0111BD9}" destId="{5269A202-2ACB-4514-B537-A19843F16DF9}" srcOrd="1" destOrd="0" presId="urn:microsoft.com/office/officeart/2005/8/layout/orgChart1"/>
+    <dgm:cxn modelId="{80B1BF19-82AD-451F-8A6F-BD9B067F63F5}" type="presOf" srcId="{4C86D47B-C8EC-4779-8423-75ABE738C448}" destId="{EC293EBA-4255-46A1-8E1F-B158725339EB}" srcOrd="0" destOrd="0" presId="urn:microsoft.com/office/officeart/2005/8/layout/orgChart1"/>
+    <dgm:cxn modelId="{3881DCF3-4B0E-4F2A-8B6F-F86B1939036B}" srcId="{05E1324F-8146-4646-9834-930E93833AAB}" destId="{42DCF222-A7F0-4F5C-9587-98C17917CED9}" srcOrd="2" destOrd="0" parTransId="{FAE29150-1962-4BCA-A58E-752BF483FA29}" sibTransId="{EED44F56-5E75-4270-9ADA-2D7890119CAF}"/>
+    <dgm:cxn modelId="{C9A52C76-319B-40B6-B9CF-5B8611B8D638}" type="presOf" srcId="{A2ACCAC0-174D-4F18-BC30-4514C72F774D}" destId="{9C7E31CF-A30E-4DA9-A9B7-1194C37FE32F}" srcOrd="0" destOrd="0" presId="urn:microsoft.com/office/officeart/2005/8/layout/orgChart1"/>
+    <dgm:cxn modelId="{3201DD18-6449-48BF-8034-A3AA2E609B3B}" srcId="{F68779E3-5F1B-4937-AD5A-30C29348322D}" destId="{82DA2C98-167F-4AEA-B668-91E1B0111BD9}" srcOrd="3" destOrd="0" parTransId="{82952DE5-59D2-434F-AC20-AF1ED12E162B}" sibTransId="{BA8E275C-9851-4FFF-9B85-2CB36CEF03FE}"/>
+    <dgm:cxn modelId="{933B1ABB-EC21-4856-A1AE-5D6376B23208}" srcId="{F68779E3-5F1B-4937-AD5A-30C29348322D}" destId="{75677C28-0B61-43C0-8518-57E83FD5FFFD}" srcOrd="1" destOrd="0" parTransId="{AED10E6B-2A7C-4D87-AE2F-A9E67C153362}" sibTransId="{60ECD780-91DC-4A56-9513-E88AC9A59C38}"/>
+    <dgm:cxn modelId="{DD387942-8407-4DD2-9485-425E1609D302}" srcId="{08D7570B-7F60-45C4-A5BB-AAC3AFDA8848}" destId="{E129A0A3-02E8-44C7-A471-F10CE622EEE2}" srcOrd="6" destOrd="0" parTransId="{3A749A3F-1C10-4426-A711-E367F9179400}" sibTransId="{B8DE39FF-E88F-49BC-93F7-8AB66E332AE8}"/>
+    <dgm:cxn modelId="{CB633990-6776-454A-AB7C-99AA5823E44D}" type="presOf" srcId="{EE61DB26-84DE-4FC7-AA26-9818CD81E4DB}" destId="{D628ABE4-F7B0-4A71-B0F5-64846DEBF620}" srcOrd="1" destOrd="0" presId="urn:microsoft.com/office/officeart/2005/8/layout/orgChart1"/>
+    <dgm:cxn modelId="{D0F75C03-26EB-4DAB-941B-5F87C7534131}" srcId="{08D7570B-7F60-45C4-A5BB-AAC3AFDA8848}" destId="{FB6E65E7-5E34-4F2D-9A0F-4611B152FE07}" srcOrd="1" destOrd="0" parTransId="{ACCA721F-76E7-4109-9558-F003BABEE0B5}" sibTransId="{B8EAC0E2-7B96-4F3F-BE9C-E33DDF59A625}"/>
+    <dgm:cxn modelId="{99014B79-2B83-45AA-B310-276B2AA5F2B7}" type="presOf" srcId="{433F03CC-DCFC-4D2C-8473-EC4AB3124061}" destId="{46C4A8C9-46AB-40BA-BE2A-93F27A7B85AA}" srcOrd="0" destOrd="0" presId="urn:microsoft.com/office/officeart/2005/8/layout/orgChart1"/>
+    <dgm:cxn modelId="{7782B431-F10A-474C-AD17-E636C40B9888}" type="presOf" srcId="{49585238-A7FF-4937-BAD7-E6A985FB949D}" destId="{74435F31-9F9D-4BCF-9725-4BB61013D8AB}" srcOrd="0" destOrd="0" presId="urn:microsoft.com/office/officeart/2005/8/layout/orgChart1"/>
+    <dgm:cxn modelId="{393418AE-B165-44BA-B7C1-BE7AE8435818}" type="presOf" srcId="{E3784866-5079-48A1-8C65-5C1C9D9F351C}" destId="{766441B4-B8A8-4699-81BE-69FA6C2DABFF}" srcOrd="0" destOrd="0" presId="urn:microsoft.com/office/officeart/2005/8/layout/orgChart1"/>
+    <dgm:cxn modelId="{5177D8C6-304A-4395-B483-DA8C5B6A2EDC}" type="presOf" srcId="{E3784866-5079-48A1-8C65-5C1C9D9F351C}" destId="{1D35D496-CD0E-4191-B6C8-15EBDC8510D8}" srcOrd="1" destOrd="0" presId="urn:microsoft.com/office/officeart/2005/8/layout/orgChart1"/>
+    <dgm:cxn modelId="{E085F052-71DA-456B-9D0E-EA3DD8F91200}" type="presOf" srcId="{AFFDE2CB-7397-4BE5-8AA5-D9804C2FD10B}" destId="{ABFB96A1-CF90-486A-B577-60C0059FBF06}" srcOrd="0" destOrd="0" presId="urn:microsoft.com/office/officeart/2005/8/layout/orgChart1"/>
+    <dgm:cxn modelId="{F915AC93-599A-4D64-8CE7-5BE80BF0F512}" type="presOf" srcId="{B9C56D9D-EBB0-4EA4-9BA2-131EA7C33A70}" destId="{F60819AF-262B-44D4-B6CD-9C904A5B846A}" srcOrd="0" destOrd="0" presId="urn:microsoft.com/office/officeart/2005/8/layout/orgChart1"/>
+    <dgm:cxn modelId="{5CFFB446-15FF-45EF-A5B3-5848D580327F}" srcId="{9415298D-26EA-4A6C-9F5B-E0E3E23E89A5}" destId="{03F0FF15-5677-4317-994F-EF7E3DF845AA}" srcOrd="3" destOrd="0" parTransId="{7DB6EBEF-D1E5-42F2-90AB-06B1E098AD0E}" sibTransId="{1A9D084B-49C2-472A-B412-E7014235E666}"/>
+    <dgm:cxn modelId="{3A17AA84-95D9-4B4B-A4C5-210683DC59EC}" type="presOf" srcId="{C315FCED-E8F8-431B-B157-33FEE26E02D1}" destId="{8B02A770-BEC4-4580-9249-A68231443CF5}" srcOrd="0" destOrd="0" presId="urn:microsoft.com/office/officeart/2005/8/layout/orgChart1"/>
+    <dgm:cxn modelId="{BB7E22A5-873A-4BB2-9C7E-616F5C44B538}" type="presOf" srcId="{4C86D47B-C8EC-4779-8423-75ABE738C448}" destId="{A6441542-2426-4E70-8C5A-A610B16CC2C2}" srcOrd="1" destOrd="0" presId="urn:microsoft.com/office/officeart/2005/8/layout/orgChart1"/>
+    <dgm:cxn modelId="{6965362B-C149-4458-9608-B7DBCB2C9391}" type="presOf" srcId="{B9578511-1845-41D9-B567-2EED72A74826}" destId="{20C4464E-9E44-4762-B40F-2AE7944D78AA}" srcOrd="0" destOrd="0" presId="urn:microsoft.com/office/officeart/2005/8/layout/orgChart1"/>
+    <dgm:cxn modelId="{27E4AC7A-8118-4B11-BD3E-9D163F642FD0}" srcId="{DE98661A-2A86-4E5B-BEBB-28CFE600295D}" destId="{49585238-A7FF-4937-BAD7-E6A985FB949D}" srcOrd="2" destOrd="0" parTransId="{1880A97A-7745-48A2-B8B1-9FDFADF4125F}" sibTransId="{731AF7B3-7C30-4AAD-8426-2D32C33F281D}"/>
+    <dgm:cxn modelId="{DCE5DC77-3B3C-4441-A397-B36574C712B3}" type="presOf" srcId="{58094D1F-E3DD-46B2-B122-90B28EFA0AEA}" destId="{66EF63CD-1BA1-4100-ACC6-C45626AF59D5}" srcOrd="0" destOrd="0" presId="urn:microsoft.com/office/officeart/2005/8/layout/orgChart1"/>
+    <dgm:cxn modelId="{90B29C99-CEFA-4713-9A69-FDB02723E4A7}" type="presOf" srcId="{69732022-F68D-4360-A98F-905AE08AE282}" destId="{770E01ED-CA45-4E7F-9B69-EE3E88626DC2}" srcOrd="1" destOrd="0" presId="urn:microsoft.com/office/officeart/2005/8/layout/orgChart1"/>
+    <dgm:cxn modelId="{894093CB-BECB-4E6C-9E0D-ED87259FB63C}" srcId="{AC9EFDF2-1E89-413C-A544-762CE1A4F8C0}" destId="{E3784866-5079-48A1-8C65-5C1C9D9F351C}" srcOrd="2" destOrd="0" parTransId="{3F8C432B-19EE-4D0F-B1F6-AE55DEADBD78}" sibTransId="{06FAA414-99DF-48AC-8C70-AF4300605776}"/>
+    <dgm:cxn modelId="{971E6CAD-BB56-4684-B44E-05B638A7DAEB}" type="presOf" srcId="{05E1324F-8146-4646-9834-930E93833AAB}" destId="{08B3ED46-4D62-41BB-A275-17C8910203EA}" srcOrd="1" destOrd="0" presId="urn:microsoft.com/office/officeart/2005/8/layout/orgChart1"/>
+    <dgm:cxn modelId="{75D303C9-FEC4-46A2-B6F2-BDB121EE6BBE}" srcId="{3D4622CA-CE55-4B59-80B0-3EDC3294BDF0}" destId="{F432106B-6544-4843-9FDE-C68B3FBFD266}" srcOrd="1" destOrd="0" parTransId="{F5B0F976-4370-4DFE-82B8-C5A097EEA79F}" sibTransId="{080154E2-8950-4E4F-B675-6218E1E08C5C}"/>
+    <dgm:cxn modelId="{0E48C174-CAF0-4451-8B74-8D960A338348}" type="presOf" srcId="{838A87CA-745D-483F-ACAB-C5C6AC1AC3CB}" destId="{FF55EBB6-5C00-4EB2-887E-CE968DE29F1D}" srcOrd="1" destOrd="0" presId="urn:microsoft.com/office/officeart/2005/8/layout/orgChart1"/>
+    <dgm:cxn modelId="{0EC533AC-BFA0-4A55-9928-F3C81DB38348}" type="presOf" srcId="{7AD68B3B-1051-4CBA-8D30-3893EF8C1CF3}" destId="{11A59931-D491-42DF-ADEC-10AA4C5496C8}" srcOrd="0" destOrd="0" presId="urn:microsoft.com/office/officeart/2005/8/layout/orgChart1"/>
+    <dgm:cxn modelId="{D698B2FE-01E0-4803-A5E8-6FCA802CCF72}" type="presOf" srcId="{83162824-B7B0-48B0-B21A-2AC417FBEC99}" destId="{2A47ED97-16E2-4D9F-8AAE-E1FB4E603423}" srcOrd="0" destOrd="0" presId="urn:microsoft.com/office/officeart/2005/8/layout/orgChart1"/>
+    <dgm:cxn modelId="{237799A9-6E34-401E-BF47-C6DAE244DD5B}" type="presOf" srcId="{B9578511-1845-41D9-B567-2EED72A74826}" destId="{457CB696-EF0C-4FAF-85AD-1B9458750CA1}" srcOrd="1" destOrd="0" presId="urn:microsoft.com/office/officeart/2005/8/layout/orgChart1"/>
+    <dgm:cxn modelId="{70A21B1F-1A2D-4FC7-A8BC-8DF18B0220DE}" type="presOf" srcId="{F592E2EC-DC54-4A46-BD61-883E209773A3}" destId="{59EACFD1-CF99-4771-82BE-8DA492876C2F}" srcOrd="0" destOrd="0" presId="urn:microsoft.com/office/officeart/2005/8/layout/orgChart1"/>
+    <dgm:cxn modelId="{71C8528D-9E49-437B-A885-697D663593BC}" srcId="{1CDE04AC-330B-476F-9CC7-600E92AC4F85}" destId="{453AC38F-5E8F-45CC-A83B-D6379A610B1B}" srcOrd="0" destOrd="0" parTransId="{6F88080A-5068-4E2D-8C54-67E23CE7C322}" sibTransId="{9078EDEA-9045-4C60-B91D-822E2BC51350}"/>
+    <dgm:cxn modelId="{B83ACD1C-47B6-41D2-A4DC-D936021AEBD6}" type="presOf" srcId="{03F0FF15-5677-4317-994F-EF7E3DF845AA}" destId="{0F9A0379-A26E-4B67-85C1-C4422D49AF5E}" srcOrd="1" destOrd="0" presId="urn:microsoft.com/office/officeart/2005/8/layout/orgChart1"/>
+    <dgm:cxn modelId="{115A73AD-9F9E-4130-97A0-15EBD1319DF6}" type="presOf" srcId="{8B0DCDDF-6CB1-41CE-91C9-24E19807E043}" destId="{AC0E13AF-46D2-4650-903D-3CE15EF1BF11}" srcOrd="0" destOrd="0" presId="urn:microsoft.com/office/officeart/2005/8/layout/orgChart1"/>
+    <dgm:cxn modelId="{C1003855-E2D8-4DEB-A499-76899A0A80C1}" srcId="{F68779E3-5F1B-4937-AD5A-30C29348322D}" destId="{7E13B1E0-7188-42C9-8AF4-B8DF30A2FB2B}" srcOrd="4" destOrd="0" parTransId="{EEF2DAD1-9411-429E-8AE3-AF432E7EA32C}" sibTransId="{5B791C4E-C08B-4456-A6A9-CF0AB6F73417}"/>
+    <dgm:cxn modelId="{56E9D487-62D6-4F52-9FF0-FF8AFC9A2D3A}" type="presOf" srcId="{98A06ADE-4CED-470E-9E84-843856B695B5}" destId="{F9DFBEC0-59E3-439E-B95A-55689A2447E7}" srcOrd="0" destOrd="0" presId="urn:microsoft.com/office/officeart/2005/8/layout/orgChart1"/>
+    <dgm:cxn modelId="{5FD7CA26-C5E2-4FDE-B856-8566C5DCB56B}" type="presOf" srcId="{31F75589-71C7-4560-8B8D-7ACEF423E831}" destId="{67CCD494-5ACB-4043-B066-D50635942A40}" srcOrd="0" destOrd="0" presId="urn:microsoft.com/office/officeart/2005/8/layout/orgChart1"/>
+    <dgm:cxn modelId="{59642E7A-2F85-4D3F-8975-0D7A3963C7CB}" type="presOf" srcId="{ACCA721F-76E7-4109-9558-F003BABEE0B5}" destId="{6A3EFA0E-0745-4CCD-81AF-1978C059994D}" srcOrd="0" destOrd="0" presId="urn:microsoft.com/office/officeart/2005/8/layout/orgChart1"/>
+    <dgm:cxn modelId="{355D963E-C091-4329-AB8C-63B9327B04C8}" type="presOf" srcId="{453AC38F-5E8F-45CC-A83B-D6379A610B1B}" destId="{F9DC42A8-DEA3-4BD7-950A-A4E2F1D5E1F6}" srcOrd="1" destOrd="0" presId="urn:microsoft.com/office/officeart/2005/8/layout/orgChart1"/>
+    <dgm:cxn modelId="{1505BBCA-A7AD-4BFD-AC98-B000655FFD5C}" type="presOf" srcId="{388B03AE-1583-4706-A7BB-BA764C869B0C}" destId="{D4F19F9B-2F58-4077-B3FC-9B0A645C389C}" srcOrd="0" destOrd="0" presId="urn:microsoft.com/office/officeart/2005/8/layout/orgChart1"/>
+    <dgm:cxn modelId="{4FC61AEB-E628-4356-89F4-E5285539C9B0}" type="presOf" srcId="{03F0FF15-5677-4317-994F-EF7E3DF845AA}" destId="{5FB5A517-64A3-4BBB-9C06-CCF84D5E5E7F}" srcOrd="0" destOrd="0" presId="urn:microsoft.com/office/officeart/2005/8/layout/orgChart1"/>
+    <dgm:cxn modelId="{61E6B963-562F-428E-8425-D803906914A2}" srcId="{1CDE04AC-330B-476F-9CC7-600E92AC4F85}" destId="{EE61DB26-84DE-4FC7-AA26-9818CD81E4DB}" srcOrd="1" destOrd="0" parTransId="{A9B0EBBD-90C9-4572-870D-538344F560BB}" sibTransId="{1E243EF9-B384-46DC-AE21-B62B7905D848}"/>
+    <dgm:cxn modelId="{336F9B39-3C25-45B7-94EC-A1664A83DC46}" type="presOf" srcId="{3C317A52-ECB4-4542-BB96-DF4C309821B9}" destId="{02FBAA06-E91C-4408-9781-CAA72564A194}" srcOrd="0" destOrd="0" presId="urn:microsoft.com/office/officeart/2005/8/layout/orgChart1"/>
+    <dgm:cxn modelId="{F8B96EB6-A958-413C-B775-6C974A9881A2}" type="presOf" srcId="{82952DE5-59D2-434F-AC20-AF1ED12E162B}" destId="{AC8D3BD3-BABB-4DA0-9C28-9D8F780EA302}" srcOrd="0" destOrd="0" presId="urn:microsoft.com/office/officeart/2005/8/layout/orgChart1"/>
+    <dgm:cxn modelId="{87CF4DE1-A24B-441B-A990-894F03F663CD}" type="presOf" srcId="{F432106B-6544-4843-9FDE-C68B3FBFD266}" destId="{73FFD7F9-44AC-4A47-BB94-0F279F008982}" srcOrd="1" destOrd="0" presId="urn:microsoft.com/office/officeart/2005/8/layout/orgChart1"/>
+    <dgm:cxn modelId="{3EAA37B9-0297-4190-A794-FDD9487AFF9C}" type="presOf" srcId="{7DB6EBEF-D1E5-42F2-90AB-06B1E098AD0E}" destId="{1ABEB964-1842-41E5-A2A4-50DD4B7CBDD9}" srcOrd="0" destOrd="0" presId="urn:microsoft.com/office/officeart/2005/8/layout/orgChart1"/>
+    <dgm:cxn modelId="{583893C9-62EF-4198-BE15-75BB7AD1F16B}" type="presOf" srcId="{516D82E2-F1C1-48C1-9581-28AFAB241B56}" destId="{48B5F079-A5F9-4833-A823-6B4CE7A5B7F1}" srcOrd="0" destOrd="0" presId="urn:microsoft.com/office/officeart/2005/8/layout/orgChart1"/>
+    <dgm:cxn modelId="{713D6EB1-23F2-49FE-BB22-5C7DB4F05E29}" type="presOf" srcId="{F10CD7FE-EC1C-4FEA-838D-9E81CCF5D9A4}" destId="{D45BB389-BD1F-46D3-AA6D-A3E7AF665883}" srcOrd="1" destOrd="0" presId="urn:microsoft.com/office/officeart/2005/8/layout/orgChart1"/>
+    <dgm:cxn modelId="{AF68F32D-C03A-412C-BAB8-62423018A5FD}" type="presOf" srcId="{E9D10807-D0ED-4014-9724-3F0B7E0BBFA8}" destId="{9C4E414B-A425-4DA2-AFFA-05704A0C17DC}" srcOrd="0" destOrd="0" presId="urn:microsoft.com/office/officeart/2005/8/layout/orgChart1"/>
+    <dgm:cxn modelId="{18D9CBA7-1FD1-458F-945A-A9190010292D}" srcId="{1CDE04AC-330B-476F-9CC7-600E92AC4F85}" destId="{838A87CA-745D-483F-ACAB-C5C6AC1AC3CB}" srcOrd="2" destOrd="0" parTransId="{E65E6197-B490-448B-BC0E-F57B9A123693}" sibTransId="{6484A07E-B721-4F79-87BA-73C415021ADA}"/>
+    <dgm:cxn modelId="{B0A7BB08-38B6-43A5-A382-DD9C19CB4F70}" type="presOf" srcId="{9DB4AB59-EA03-4ACC-A1D2-B0AEEB3BCF5C}" destId="{A994BDFF-A389-4474-8AE8-3D6E661D7246}" srcOrd="0" destOrd="0" presId="urn:microsoft.com/office/officeart/2005/8/layout/orgChart1"/>
+    <dgm:cxn modelId="{728C2B3B-0BC1-4F91-A9D3-609805333013}" type="presOf" srcId="{33E5B74F-462A-4908-BA0C-E4B4BF8620A1}" destId="{EE5565CD-CF13-487F-A639-81EB419FED5F}" srcOrd="0" destOrd="0" presId="urn:microsoft.com/office/officeart/2005/8/layout/orgChart1"/>
+    <dgm:cxn modelId="{D3BA522A-82BF-434C-B3AA-CD0B351893B9}" type="presOf" srcId="{0CC234EE-CBD0-4BE8-8A69-F9BA62E41C35}" destId="{901951DF-C85E-4340-BBE5-D7D88643DA3F}" srcOrd="0" destOrd="0" presId="urn:microsoft.com/office/officeart/2005/8/layout/orgChart1"/>
+    <dgm:cxn modelId="{1BC613D7-D652-43DC-8228-7383D38543B8}" srcId="{08D7570B-7F60-45C4-A5BB-AAC3AFDA8848}" destId="{9415298D-26EA-4A6C-9F5B-E0E3E23E89A5}" srcOrd="2" destOrd="0" parTransId="{71C2B6F7-464C-41F6-BB0A-96F5F2BEF7D0}" sibTransId="{C93D2315-D7AD-4FB3-92E4-7411368C82A0}"/>
+    <dgm:cxn modelId="{212B85CD-A764-4645-BC18-5725A1AC7508}" type="presOf" srcId="{69732022-F68D-4360-A98F-905AE08AE282}" destId="{2CCE7F09-4570-460F-9C32-32DFB8F0C212}" srcOrd="0" destOrd="0" presId="urn:microsoft.com/office/officeart/2005/8/layout/orgChart1"/>
+    <dgm:cxn modelId="{5DF8311F-65B5-4F85-A0B4-54E824C691A3}" type="presOf" srcId="{42DCF222-A7F0-4F5C-9587-98C17917CED9}" destId="{6E8E21EA-F0A7-465B-BEC2-469B6D3324DC}" srcOrd="0" destOrd="0" presId="urn:microsoft.com/office/officeart/2005/8/layout/orgChart1"/>
+    <dgm:cxn modelId="{6C8021E3-05A5-4D97-8709-8A6C0593F60F}" type="presOf" srcId="{EA6080DA-1AD7-4105-9E53-5437F4AF6BE1}" destId="{FB89C2B6-C4D9-4EDC-A029-D6C4E3840313}" srcOrd="0" destOrd="0" presId="urn:microsoft.com/office/officeart/2005/8/layout/orgChart1"/>
+    <dgm:cxn modelId="{1B57DE23-0D1A-419E-BBBC-30D37214859A}" type="presOf" srcId="{F589C454-8537-4BBA-B792-A995241DD511}" destId="{43A08212-8760-457F-9AC3-16EF13226B86}" srcOrd="1" destOrd="0" presId="urn:microsoft.com/office/officeart/2005/8/layout/orgChart1"/>
+    <dgm:cxn modelId="{B914B34B-A361-4803-8DEE-D1CF2C3E953A}" type="presOf" srcId="{CC1E035F-12D9-43A7-8748-71BC43075F3B}" destId="{28E4536B-55FF-4C74-91BF-1998041F1C81}" srcOrd="0" destOrd="0" presId="urn:microsoft.com/office/officeart/2005/8/layout/orgChart1"/>
+    <dgm:cxn modelId="{CDF4BC4E-BDE3-417B-9495-EA7BB865C247}" type="presOf" srcId="{1D03597F-B94B-4CF5-AC27-3069B5430A3F}" destId="{46FA37EC-03A5-4402-BC3E-621912E7CFF9}" srcOrd="0" destOrd="0" presId="urn:microsoft.com/office/officeart/2005/8/layout/orgChart1"/>
+    <dgm:cxn modelId="{6F23FBB2-760A-4BE4-A6BB-6F3B2F7B17FB}" srcId="{9415298D-26EA-4A6C-9F5B-E0E3E23E89A5}" destId="{4C86D47B-C8EC-4779-8423-75ABE738C448}" srcOrd="0" destOrd="0" parTransId="{8968DFAC-2D32-4109-B15D-A75FD6B38343}" sibTransId="{ACFC1625-1736-42E0-A205-4080EE80189B}"/>
+    <dgm:cxn modelId="{C5D9990D-126B-4435-9BEF-01A892D68A84}" type="presOf" srcId="{EE61DB26-84DE-4FC7-AA26-9818CD81E4DB}" destId="{0C5171CD-CC4D-45B3-A0D8-D27B776EAB6C}" srcOrd="0" destOrd="0" presId="urn:microsoft.com/office/officeart/2005/8/layout/orgChart1"/>
+    <dgm:cxn modelId="{19121025-680D-41B6-9363-882DB86F6A89}" type="presOf" srcId="{2C3B81CE-F604-45E3-A929-15B1AB9AEC9C}" destId="{71BAF972-E7C8-42FB-AAB3-B14B6687E35A}" srcOrd="0" destOrd="0" presId="urn:microsoft.com/office/officeart/2005/8/layout/orgChart1"/>
+    <dgm:cxn modelId="{1286B984-F758-4A83-8146-7365EC320032}" srcId="{E129A0A3-02E8-44C7-A471-F10CE622EEE2}" destId="{EA6080DA-1AD7-4105-9E53-5437F4AF6BE1}" srcOrd="0" destOrd="0" parTransId="{33E5B74F-462A-4908-BA0C-E4B4BF8620A1}" sibTransId="{9DE78730-2548-4CF0-82B1-D98945C3B7C6}"/>
+    <dgm:cxn modelId="{2E9D413D-B227-4695-A338-DBB430C761AB}" type="presOf" srcId="{EED226CF-6258-4523-BE2C-3FD2249BB436}" destId="{DA3B6617-0367-4604-9D76-E834372B07F9}" srcOrd="0" destOrd="0" presId="urn:microsoft.com/office/officeart/2005/8/layout/orgChart1"/>
+    <dgm:cxn modelId="{1A6DCE4A-681A-4FD5-B18A-FF02370A7B2D}" srcId="{388B03AE-1583-4706-A7BB-BA764C869B0C}" destId="{AC9EFDF2-1E89-413C-A544-762CE1A4F8C0}" srcOrd="1" destOrd="0" parTransId="{9AD4C4D3-AA3D-42C6-95BD-CD17690A33EA}" sibTransId="{5C757D7B-043D-4461-961A-CAB233238931}"/>
+    <dgm:cxn modelId="{12922DA3-B277-4F4C-83E0-7D0FAB9AF349}" srcId="{2C3B81CE-F604-45E3-A929-15B1AB9AEC9C}" destId="{A77E4FFE-94E2-4FD6-9E07-71A1A0096029}" srcOrd="1" destOrd="0" parTransId="{AD9D214D-DF68-4CED-9050-1CBC14D7D507}" sibTransId="{0ACFA55B-87D3-44F7-83B9-22F133ECECF0}"/>
+    <dgm:cxn modelId="{8B457A36-0E74-43CC-A0D3-3CFD5DBCCB91}" type="presOf" srcId="{43166DAC-976F-42DF-9C20-29F234951604}" destId="{F8D665DE-6F2D-4ECD-B0FD-F52E37F6A8D9}" srcOrd="1" destOrd="0" presId="urn:microsoft.com/office/officeart/2005/8/layout/orgChart1"/>
+    <dgm:cxn modelId="{1C9FC492-DD91-429F-A856-96E6FE741185}" type="presOf" srcId="{7E13B1E0-7188-42C9-8AF4-B8DF30A2FB2B}" destId="{417DA8A0-D100-4A7A-A72B-40F0F0FCD889}" srcOrd="1" destOrd="0" presId="urn:microsoft.com/office/officeart/2005/8/layout/orgChart1"/>
+    <dgm:cxn modelId="{7F43522A-03B8-4A95-9796-2CAE16179745}" type="presOf" srcId="{469849CB-EAE7-457B-B3A1-0FD0240EB313}" destId="{D357AA12-B255-4C03-9BF8-BC193ABAE66E}" srcOrd="0" destOrd="0" presId="urn:microsoft.com/office/officeart/2005/8/layout/orgChart1"/>
+    <dgm:cxn modelId="{24A50277-836C-469C-BF30-D90A1900AFE5}" type="presOf" srcId="{ECC87D09-4966-47F2-B554-6ECFFC0A434B}" destId="{B0495467-15B6-457F-858F-0D45FF87FDE8}" srcOrd="0" destOrd="0" presId="urn:microsoft.com/office/officeart/2005/8/layout/orgChart1"/>
+    <dgm:cxn modelId="{C7B7B4EF-0083-44EB-A793-48642291DCE6}" type="presOf" srcId="{5B2848D0-14AE-442B-B9D1-35BFAB2E387C}" destId="{8842AA57-DB09-4A9C-9C4C-D2383C18400B}" srcOrd="0" destOrd="0" presId="urn:microsoft.com/office/officeart/2005/8/layout/orgChart1"/>
+    <dgm:cxn modelId="{31ECCDEA-DF78-4CB0-A002-3391C5F2482E}" srcId="{08D7570B-7F60-45C4-A5BB-AAC3AFDA8848}" destId="{3D4622CA-CE55-4B59-80B0-3EDC3294BDF0}" srcOrd="0" destOrd="0" parTransId="{FD175948-8E56-4907-A90D-D33026458406}" sibTransId="{88B71603-925E-4482-A942-D7E2882D0773}"/>
+    <dgm:cxn modelId="{A77D30CB-EC5C-41CA-B0EF-7ED7CA3E93CE}" type="presOf" srcId="{453AC38F-5E8F-45CC-A83B-D6379A610B1B}" destId="{2A963296-5DBA-404D-9E63-B7A2AADEE936}" srcOrd="0" destOrd="0" presId="urn:microsoft.com/office/officeart/2005/8/layout/orgChart1"/>
+    <dgm:cxn modelId="{814AB314-8A19-408C-80C8-3EB94A3FB4A9}" type="presOf" srcId="{A77E4FFE-94E2-4FD6-9E07-71A1A0096029}" destId="{985B6AD2-ED07-400B-8839-3B7B93ACC041}" srcOrd="0" destOrd="0" presId="urn:microsoft.com/office/officeart/2005/8/layout/orgChart1"/>
+    <dgm:cxn modelId="{D46C45FE-18FB-4724-B70E-76CA296DE9F5}" type="presOf" srcId="{49ADF8F0-4FCE-4D5A-A622-6EB5356592AC}" destId="{E20B4C07-3983-469C-A063-47F8692D35C5}" srcOrd="1" destOrd="0" presId="urn:microsoft.com/office/officeart/2005/8/layout/orgChart1"/>
+    <dgm:cxn modelId="{EA3859D6-EB28-4435-8E3D-3E7A4E90ACEC}" type="presOf" srcId="{1B3B6D64-CCB9-4AA3-A7D3-4735729B2188}" destId="{1ACEF76A-F2D7-4A43-82D5-0F264796B0E7}" srcOrd="0" destOrd="0" presId="urn:microsoft.com/office/officeart/2005/8/layout/orgChart1"/>
+    <dgm:cxn modelId="{DD58F627-D3CF-4003-9B19-62B10682E516}" srcId="{433F03CC-DCFC-4D2C-8473-EC4AB3124061}" destId="{08D7570B-7F60-45C4-A5BB-AAC3AFDA8848}" srcOrd="0" destOrd="0" parTransId="{0A3FBE38-C8DC-4396-861D-B6EC532329D0}" sibTransId="{31B10B27-F58F-4856-80F9-E048798447B2}"/>
+    <dgm:cxn modelId="{48508A1A-EDC0-412C-8359-D359D1132AB3}" srcId="{FB6E65E7-5E34-4F2D-9A0F-4611B152FE07}" destId="{F68779E3-5F1B-4937-AD5A-30C29348322D}" srcOrd="0" destOrd="0" parTransId="{58094D1F-E3DD-46B2-B122-90B28EFA0AEA}" sibTransId="{F83AEAAF-469D-4DAE-B295-D16A1E6C59C2}"/>
+    <dgm:cxn modelId="{77EDF7B5-C6C1-495B-9A54-67977707B4AF}" type="presOf" srcId="{F589C454-8537-4BBA-B792-A995241DD511}" destId="{D753785A-B157-46B4-A6EE-48229D166B7A}" srcOrd="0" destOrd="0" presId="urn:microsoft.com/office/officeart/2005/8/layout/orgChart1"/>
+    <dgm:cxn modelId="{769A57F5-E907-480E-AE5F-602BBFC9C715}" type="presOf" srcId="{1CDE04AC-330B-476F-9CC7-600E92AC4F85}" destId="{73671477-F3A7-40C7-B6C4-1C1BA12C21C1}" srcOrd="0" destOrd="0" presId="urn:microsoft.com/office/officeart/2005/8/layout/orgChart1"/>
+    <dgm:cxn modelId="{AA72D78E-848C-4670-94BB-AAAD44E64E69}" type="presOf" srcId="{57DC7780-0DC9-4933-9067-F151516DD5E6}" destId="{1DF323A8-D076-4F5E-9ADA-1C067301A684}" srcOrd="0" destOrd="0" presId="urn:microsoft.com/office/officeart/2005/8/layout/orgChart1"/>
+    <dgm:cxn modelId="{324F3A52-04E2-492C-ADDA-68D7F1BA1EB0}" type="presOf" srcId="{EED226CF-6258-4523-BE2C-3FD2249BB436}" destId="{C9B33F95-EB25-480C-BC27-64D936293256}" srcOrd="1" destOrd="0" presId="urn:microsoft.com/office/officeart/2005/8/layout/orgChart1"/>
+    <dgm:cxn modelId="{28620A2A-243A-4348-80F9-46F5F20651BB}" srcId="{9415298D-26EA-4A6C-9F5B-E0E3E23E89A5}" destId="{6A7F68F6-829C-4020-AB30-793F80D466CF}" srcOrd="5" destOrd="0" parTransId="{FAAC898B-8C27-4C3C-A668-661E0B7D09FF}" sibTransId="{1B445081-8690-45C2-BEFF-39A4689D7AFB}"/>
+    <dgm:cxn modelId="{9EFA50B1-28F4-4BE0-AEA2-1AC1C1FCDF4A}" type="presOf" srcId="{F5B0F976-4370-4DFE-82B8-C5A097EEA79F}" destId="{E4D47D8C-F1B0-4921-9C78-48D8EE3931CC}" srcOrd="0" destOrd="0" presId="urn:microsoft.com/office/officeart/2005/8/layout/orgChart1"/>
+    <dgm:cxn modelId="{49FE17D7-D4C6-4A7F-B064-287B2B2C4ED6}" srcId="{3D4622CA-CE55-4B59-80B0-3EDC3294BDF0}" destId="{49ADF8F0-4FCE-4D5A-A622-6EB5356592AC}" srcOrd="3" destOrd="0" parTransId="{301A8421-BFB3-4791-BD9C-8B5DF53C5C92}" sibTransId="{B3D55AF9-5626-4125-9DA5-37B2809DECCC}"/>
+    <dgm:cxn modelId="{557E87B7-2E32-45B7-B930-B2A2AE1923BE}" srcId="{DE98661A-2A86-4E5B-BEBB-28CFE600295D}" destId="{CC1E035F-12D9-43A7-8748-71BC43075F3B}" srcOrd="1" destOrd="0" parTransId="{6E4EDDFA-407F-4BDE-B8E5-8E312216C9B3}" sibTransId="{F47B2B50-2105-463E-8D54-65FEC8F08595}"/>
+    <dgm:cxn modelId="{411CE684-A65A-44B4-AB1A-0E4F5B1D3327}" type="presOf" srcId="{AED10E6B-2A7C-4D87-AE2F-A9E67C153362}" destId="{8876F36E-6C3D-4776-ABDC-D185073FEE12}" srcOrd="0" destOrd="0" presId="urn:microsoft.com/office/officeart/2005/8/layout/orgChart1"/>
+    <dgm:cxn modelId="{69519F29-7393-4E48-A309-3B156FF436F5}" type="presOf" srcId="{A1ABF615-87CE-47C8-9EE0-167A5F546929}" destId="{0F860817-A773-451B-A163-FF7218806A3C}" srcOrd="0" destOrd="0" presId="urn:microsoft.com/office/officeart/2005/8/layout/orgChart1"/>
+    <dgm:cxn modelId="{EBBE9AC0-FFDB-48EA-B05C-5F69657C96B9}" type="presOf" srcId="{A77E4FFE-94E2-4FD6-9E07-71A1A0096029}" destId="{C70F7B1B-8271-4ED5-A12F-BD5D3B0C4E85}" srcOrd="1" destOrd="0" presId="urn:microsoft.com/office/officeart/2005/8/layout/orgChart1"/>
+    <dgm:cxn modelId="{44C6765A-D0EB-4F4E-A3A6-5F9DA6DC0B62}" srcId="{05E1324F-8146-4646-9834-930E93833AAB}" destId="{1D03597F-B94B-4CF5-AC27-3069B5430A3F}" srcOrd="5" destOrd="0" parTransId="{ABFFCB7E-D3DC-49E9-BD47-996CD9C7FF2E}" sibTransId="{54424810-206F-4F68-A93A-C383B10CAE7C}"/>
+    <dgm:cxn modelId="{7564F412-E858-469B-B6C1-5F64EA95E5D5}" type="presOf" srcId="{2C3B81CE-F604-45E3-A929-15B1AB9AEC9C}" destId="{4FA13BA2-4B55-41BC-91E7-E1B80D4DAA3E}" srcOrd="1" destOrd="0" presId="urn:microsoft.com/office/officeart/2005/8/layout/orgChart1"/>
+    <dgm:cxn modelId="{EC136808-C0C1-43BF-B520-D378B7DB1577}" type="presOf" srcId="{C519C543-625E-49DD-AF54-033354FFF0DF}" destId="{31DC9AAE-59E5-4408-A0B7-8173CA5517B6}" srcOrd="0" destOrd="0" presId="urn:microsoft.com/office/officeart/2005/8/layout/orgChart1"/>
+    <dgm:cxn modelId="{4234CEDE-CBEA-4EED-8E5F-F262EE05EE8F}" type="presOf" srcId="{A9B0EBBD-90C9-4572-870D-538344F560BB}" destId="{DCC6D923-F06B-413D-AE46-9B6FCE7C1311}" srcOrd="0" destOrd="0" presId="urn:microsoft.com/office/officeart/2005/8/layout/orgChart1"/>
+    <dgm:cxn modelId="{5EA6BCAD-AD46-455C-9013-74CD76798F21}" type="presOf" srcId="{4ED3D2E9-09B3-4793-9165-1D0FEA576A8E}" destId="{123CF69A-EAB1-4C63-800E-F7C612204DBA}" srcOrd="0" destOrd="0" presId="urn:microsoft.com/office/officeart/2005/8/layout/orgChart1"/>
+    <dgm:cxn modelId="{C37E78BF-5BBE-48A2-9C40-5034EF616FF9}" srcId="{E129A0A3-02E8-44C7-A471-F10CE622EEE2}" destId="{370FACC3-9B58-4A17-9C1D-F35986E1527E}" srcOrd="2" destOrd="0" parTransId="{98A06ADE-4CED-470E-9E84-843856B695B5}" sibTransId="{845BDE72-0F3E-489E-9D78-16E2A85776A6}"/>
+    <dgm:cxn modelId="{7B0CAE57-DB81-45DD-85D8-9FB52E46D94D}" type="presOf" srcId="{DE98661A-2A86-4E5B-BEBB-28CFE600295D}" destId="{A7CA35FA-0C3F-4D23-A223-B97EECACEF17}" srcOrd="0" destOrd="0" presId="urn:microsoft.com/office/officeart/2005/8/layout/orgChart1"/>
+    <dgm:cxn modelId="{48B4D6D8-311E-4BEF-A5D1-A880F76973FF}" type="presOf" srcId="{0E3907BB-0E01-483C-B5FD-8E5C70920B91}" destId="{D6EA7162-EB70-4CFD-9A57-4C755209C43F}" srcOrd="1" destOrd="0" presId="urn:microsoft.com/office/officeart/2005/8/layout/orgChart1"/>
+    <dgm:cxn modelId="{790FEC2E-2BBB-4702-9938-31B1113C9285}" type="presOf" srcId="{1CDE04AC-330B-476F-9CC7-600E92AC4F85}" destId="{DA563663-A228-4859-8AF1-9EF73B51E3C7}" srcOrd="1" destOrd="0" presId="urn:microsoft.com/office/officeart/2005/8/layout/orgChart1"/>
+    <dgm:cxn modelId="{E5E8FD9D-8A60-4347-B3FC-81A122C31E29}" srcId="{AC9EFDF2-1E89-413C-A544-762CE1A4F8C0}" destId="{E9D10807-D0ED-4014-9724-3F0B7E0BBFA8}" srcOrd="0" destOrd="0" parTransId="{7B4CEC73-92CF-40AF-ADC3-F9A4ABE87813}" sibTransId="{1806BABF-F2EC-4D1F-9C5F-A8F8AD2743FE}"/>
+    <dgm:cxn modelId="{CC3A6831-9C87-4A81-AC81-712B0A529FEE}" type="presOf" srcId="{EE885740-B09E-4BF7-91EA-7D5BE0CC34D9}" destId="{C67225CA-FAA3-4E27-9AA5-514986BCB57D}" srcOrd="1" destOrd="0" presId="urn:microsoft.com/office/officeart/2005/8/layout/orgChart1"/>
+    <dgm:cxn modelId="{84D4D4A0-19F9-4E2F-817D-E1FE33E023E1}" srcId="{08D7570B-7F60-45C4-A5BB-AAC3AFDA8848}" destId="{EE885740-B09E-4BF7-91EA-7D5BE0CC34D9}" srcOrd="5" destOrd="0" parTransId="{C519C543-625E-49DD-AF54-033354FFF0DF}" sibTransId="{30B571C1-3962-418E-BDC0-6E17C15DA404}"/>
+    <dgm:cxn modelId="{7FBF3CAF-7D1C-4A58-AC82-E929BA8368FE}" srcId="{9415298D-26EA-4A6C-9F5B-E0E3E23E89A5}" destId="{BB291C0A-1458-4D57-B34D-E7FBBDA7E2D6}" srcOrd="2" destOrd="0" parTransId="{F6806731-5FCD-41C0-A0AB-74A32B05E930}" sibTransId="{B08ED9EB-7A3B-46A6-8BFA-9A7AA56ED696}"/>
+    <dgm:cxn modelId="{FC208992-1E1E-4399-9D80-19F9CB7FB5CF}" srcId="{DE98661A-2A86-4E5B-BEBB-28CFE600295D}" destId="{53527E90-2499-4F38-B9F0-811CC757430D}" srcOrd="4" destOrd="0" parTransId="{B7B5136B-24D9-47EC-8A13-D0E406A4C707}" sibTransId="{BC7AEF67-E23B-46F3-8190-2185426ACCC0}"/>
+    <dgm:cxn modelId="{FDD287CF-A7B2-4A28-A1E5-A8D3BB8F1396}" type="presOf" srcId="{C9124633-A3F9-4E9E-B7AD-8AD6304814CA}" destId="{DD6262AE-1C3D-4455-A574-A57B7452E766}" srcOrd="1" destOrd="0" presId="urn:microsoft.com/office/officeart/2005/8/layout/orgChart1"/>
+    <dgm:cxn modelId="{ACEF09F9-3CF1-44AD-8C4D-5A510F22A9AE}" srcId="{F68779E3-5F1B-4937-AD5A-30C29348322D}" destId="{469849CB-EAE7-457B-B3A1-0FD0240EB313}" srcOrd="0" destOrd="0" parTransId="{9DB4AB59-EA03-4ACC-A1D2-B0AEEB3BCF5C}" sibTransId="{563D0C1A-D0A3-4866-96E9-32845B5C1DBD}"/>
+    <dgm:cxn modelId="{F57D229C-CA20-4833-AA9B-E4F95FB67068}" type="presOf" srcId="{9B915BF9-5721-4BAF-B37D-958659E5090C}" destId="{1D66D065-6F8C-4D6B-9680-B443F9AAEA23}" srcOrd="1" destOrd="0" presId="urn:microsoft.com/office/officeart/2005/8/layout/orgChart1"/>
+    <dgm:cxn modelId="{DBE68586-6D25-4831-8E79-D673741F936C}" srcId="{08D7570B-7F60-45C4-A5BB-AAC3AFDA8848}" destId="{388B03AE-1583-4706-A7BB-BA764C869B0C}" srcOrd="4" destOrd="0" parTransId="{6068CCC3-2DC3-49B1-A3C3-1B64FE37836D}" sibTransId="{86FA3F43-03C1-4CE1-B848-2F25AA31E6EC}"/>
+    <dgm:cxn modelId="{FD4A497A-9472-47D6-AFCF-872FFF4CD5E1}" type="presOf" srcId="{EEF2DAD1-9411-429E-8AE3-AF432E7EA32C}" destId="{75B88093-9820-4387-948B-CDA1C1BB74EE}" srcOrd="0" destOrd="0" presId="urn:microsoft.com/office/officeart/2005/8/layout/orgChart1"/>
+    <dgm:cxn modelId="{D0A107B0-C691-40FC-A179-B814C04C4D38}" type="presOf" srcId="{6068CCC3-2DC3-49B1-A3C3-1B64FE37836D}" destId="{E733A77E-89FA-4B9C-A80B-CDCD62A1C3D1}" srcOrd="0" destOrd="0" presId="urn:microsoft.com/office/officeart/2005/8/layout/orgChart1"/>
+    <dgm:cxn modelId="{68FE87AA-2918-4C3A-AD5D-BE6C686470DE}" type="presOf" srcId="{69544CBA-CA27-437C-8C32-2CD286DB0F34}" destId="{FBD5581D-644B-4431-B1FE-09F7B8CE8682}" srcOrd="0" destOrd="0" presId="urn:microsoft.com/office/officeart/2005/8/layout/orgChart1"/>
+    <dgm:cxn modelId="{6ED627DC-8CEE-4C80-BCA4-6064BCC7BCAA}" type="presOf" srcId="{14938C81-B03D-4F7B-AA43-E5108073D6DA}" destId="{14685868-9C5E-4BAC-A516-02C3B02B45FF}" srcOrd="0" destOrd="0" presId="urn:microsoft.com/office/officeart/2005/8/layout/orgChart1"/>
+    <dgm:cxn modelId="{3E9C6EC0-6373-44C2-BEB5-8C3EA8CFF7F9}" type="presOf" srcId="{3C317A52-ECB4-4542-BB96-DF4C309821B9}" destId="{0C3DE6DC-983A-4ED4-9F7C-A7D0D6C6BB27}" srcOrd="1" destOrd="0" presId="urn:microsoft.com/office/officeart/2005/8/layout/orgChart1"/>
+    <dgm:cxn modelId="{C0943E61-C173-432E-A23F-F3855CB4BA9B}" srcId="{3C317A52-ECB4-4542-BB96-DF4C309821B9}" destId="{CE8B9297-0335-465D-8C14-F6670FD76933}" srcOrd="0" destOrd="0" parTransId="{2B617E80-B54D-46B4-B2BD-E1B71A0C89B5}" sibTransId="{8CE34CCB-ECDA-4DAF-886A-710A35FDC821}"/>
+    <dgm:cxn modelId="{199DD786-0458-40EF-AA70-A4143B10D48B}" type="presOf" srcId="{D7344F1F-692E-4729-9720-F8CA431C8174}" destId="{9D69A863-6AFE-40DF-8CDB-CEC2A5395C4F}" srcOrd="1" destOrd="0" presId="urn:microsoft.com/office/officeart/2005/8/layout/orgChart1"/>
+    <dgm:cxn modelId="{45112542-EE09-4A45-9662-D3C4700BAF53}" srcId="{3D4622CA-CE55-4B59-80B0-3EDC3294BDF0}" destId="{BD76ABED-2DF9-43FC-8248-8906FC6ED38C}" srcOrd="2" destOrd="0" parTransId="{14938C81-B03D-4F7B-AA43-E5108073D6DA}" sibTransId="{BBD1E240-613A-459B-BBA0-5760C1FE9C86}"/>
+    <dgm:cxn modelId="{CF0E4D6C-799A-4B12-BAE7-4FEB74FB7C07}" type="presOf" srcId="{9AD4C4D3-AA3D-42C6-95BD-CD17690A33EA}" destId="{FFADC981-98DA-465A-834E-1469A32BE8A5}" srcOrd="0" destOrd="0" presId="urn:microsoft.com/office/officeart/2005/8/layout/orgChart1"/>
+    <dgm:cxn modelId="{4B72D40D-30CF-43F6-8EC5-74BB545F4DD6}" srcId="{3D4622CA-CE55-4B59-80B0-3EDC3294BDF0}" destId="{31F75589-71C7-4560-8B8D-7ACEF423E831}" srcOrd="0" destOrd="0" parTransId="{516D82E2-F1C1-48C1-9581-28AFAB241B56}" sibTransId="{A4AAE6ED-DCF7-4C0D-B268-1106A0B5F490}"/>
+    <dgm:cxn modelId="{4E9A88F7-195B-4B8B-B95F-C1938F0A1F7E}" type="presOf" srcId="{388B03AE-1583-4706-A7BB-BA764C869B0C}" destId="{7744727E-DB01-42E4-BCB6-4468D98A7EE2}" srcOrd="1" destOrd="0" presId="urn:microsoft.com/office/officeart/2005/8/layout/orgChart1"/>
     <dgm:cxn modelId="{D3BDA09C-59A0-4B51-AA73-61899CCE873E}" type="presOf" srcId="{E89F140B-F088-40FC-BE98-59467D811621}" destId="{1AFBCD00-52B8-4D63-A2AF-D6EB93C463E5}" srcOrd="1" destOrd="0" presId="urn:microsoft.com/office/officeart/2005/8/layout/orgChart1"/>
-    <dgm:cxn modelId="{8974D484-91DF-4CD1-8D05-2B3E03654B2E}" srcId="{DE98661A-2A86-4E5B-BEBB-28CFE600295D}" destId="{83162824-B7B0-48B0-B21A-2AC417FBEC99}" srcOrd="0" destOrd="0" parTransId="{342F7B73-D266-4312-821E-4409FCDECE50}" sibTransId="{2AEA8CCD-A4DF-47FD-B330-5ECC78282E92}"/>
-    <dgm:cxn modelId="{B83ACD1C-47B6-41D2-A4DC-D936021AEBD6}" type="presOf" srcId="{03F0FF15-5677-4317-994F-EF7E3DF845AA}" destId="{0F9A0379-A26E-4B67-85C1-C4422D49AF5E}" srcOrd="1" destOrd="0" presId="urn:microsoft.com/office/officeart/2005/8/layout/orgChart1"/>
+    <dgm:cxn modelId="{169726C5-3E06-49E4-B3D4-4E03E6E2AD67}" type="presOf" srcId="{A16C8E02-D3E4-4642-B27E-409C4F5D51C2}" destId="{9E76CEC4-FE2A-4679-A9D9-CC890077A1DC}" srcOrd="1" destOrd="0" presId="urn:microsoft.com/office/officeart/2005/8/layout/orgChart1"/>
+    <dgm:cxn modelId="{B26CB1B3-7605-470A-BFFF-E13A78F1922D}" type="presOf" srcId="{83162824-B7B0-48B0-B21A-2AC417FBEC99}" destId="{7900D53E-0B0A-4930-9247-BE44BDA20A27}" srcOrd="1" destOrd="0" presId="urn:microsoft.com/office/officeart/2005/8/layout/orgChart1"/>
+    <dgm:cxn modelId="{4EBF8048-C673-4336-8577-1E054DAC3726}" type="presOf" srcId="{3D4622CA-CE55-4B59-80B0-3EDC3294BDF0}" destId="{663400F7-B751-437D-8E43-177979E03F10}" srcOrd="0" destOrd="0" presId="urn:microsoft.com/office/officeart/2005/8/layout/orgChart1"/>
+    <dgm:cxn modelId="{AD8119AD-F551-4AFC-B7C0-E91119D006F7}" type="presOf" srcId="{42DCF222-A7F0-4F5C-9587-98C17917CED9}" destId="{9196C4E4-EE38-43B3-B19C-DDABD9FFCCAF}" srcOrd="1" destOrd="0" presId="urn:microsoft.com/office/officeart/2005/8/layout/orgChart1"/>
     <dgm:cxn modelId="{55CBB70D-B180-4709-92F5-C08859F4FCF9}" type="presOf" srcId="{F432106B-6544-4843-9FDE-C68B3FBFD266}" destId="{5A6EBF34-082E-4042-BFD6-E327BBFEBEF6}" srcOrd="0" destOrd="0" presId="urn:microsoft.com/office/officeart/2005/8/layout/orgChart1"/>
+    <dgm:cxn modelId="{351EFF51-74F4-4D4B-A3F7-41B205A909AF}" srcId="{3D4622CA-CE55-4B59-80B0-3EDC3294BDF0}" destId="{A16C8E02-D3E4-4642-B27E-409C4F5D51C2}" srcOrd="5" destOrd="0" parTransId="{DC707A64-F453-459D-91AD-24560F6783D4}" sibTransId="{AFD56B8F-2EDE-47F2-AFEA-C7637D8CA470}"/>
+    <dgm:cxn modelId="{F7F96797-13F0-46B8-B571-7D1415A3A6DB}" srcId="{05E1324F-8146-4646-9834-930E93833AAB}" destId="{F10CD7FE-EC1C-4FEA-838D-9E81CCF5D9A4}" srcOrd="1" destOrd="0" parTransId="{BAFC39B4-EA0D-452B-8F16-9D73BD0FD1D6}" sibTransId="{8EB84A44-04D3-441F-97C4-887B196822BE}"/>
+    <dgm:cxn modelId="{CCFC75FB-C46E-4562-BA82-E623F7A5C1B8}" type="presOf" srcId="{8B0DCDDF-6CB1-41CE-91C9-24E19807E043}" destId="{4B4C28C7-3063-4987-B03A-F87A8242E116}" srcOrd="1" destOrd="0" presId="urn:microsoft.com/office/officeart/2005/8/layout/orgChart1"/>
+    <dgm:cxn modelId="{F416D601-399F-4B8A-8B45-2CC2BA20C200}" type="presOf" srcId="{BAFC39B4-EA0D-452B-8F16-9D73BD0FD1D6}" destId="{FC2CC991-0CB8-44E1-98E0-AE622154C976}" srcOrd="0" destOrd="0" presId="urn:microsoft.com/office/officeart/2005/8/layout/orgChart1"/>
+    <dgm:cxn modelId="{61CFC213-6CB5-4B93-BA3B-AA4F2B9EBDC0}" type="presOf" srcId="{0CC234EE-CBD0-4BE8-8A69-F9BA62E41C35}" destId="{2E8E8F2D-2A5C-4159-B348-A94BB1F559F7}" srcOrd="1" destOrd="0" presId="urn:microsoft.com/office/officeart/2005/8/layout/orgChart1"/>
+    <dgm:cxn modelId="{294739EE-CF5B-46DE-A59E-E469A3DEC72B}" srcId="{08D7570B-7F60-45C4-A5BB-AAC3AFDA8848}" destId="{2C3B81CE-F604-45E3-A929-15B1AB9AEC9C}" srcOrd="7" destOrd="0" parTransId="{7AD68B3B-1051-4CBA-8D30-3893EF8C1CF3}" sibTransId="{D9A0B0D0-8B5E-4772-81B3-E33D904E06E7}"/>
+    <dgm:cxn modelId="{339C7718-7C55-4F03-B7AC-08FB5BD73562}" type="presOf" srcId="{BB291C0A-1458-4D57-B34D-E7FBBDA7E2D6}" destId="{66DE1DB8-3A0D-4A46-8665-B7289E032EE7}" srcOrd="1" destOrd="0" presId="urn:microsoft.com/office/officeart/2005/8/layout/orgChart1"/>
+    <dgm:cxn modelId="{A9B89E22-DD3D-42CE-ABBD-8B82C2C3926C}" srcId="{08D7570B-7F60-45C4-A5BB-AAC3AFDA8848}" destId="{3C317A52-ECB4-4542-BB96-DF4C309821B9}" srcOrd="3" destOrd="0" parTransId="{877C027F-D44C-4DDD-8828-83496E2ACB92}" sibTransId="{44CA257E-84E6-4E69-B2D8-6AB3FF6DC3B6}"/>
+    <dgm:cxn modelId="{7644C323-03A6-4ABF-9C43-42DC0407AB75}" type="presOf" srcId="{8968DFAC-2D32-4109-B15D-A75FD6B38343}" destId="{859A5F7A-4B51-4AD3-96AE-3C6BF22CD42A}" srcOrd="0" destOrd="0" presId="urn:microsoft.com/office/officeart/2005/8/layout/orgChart1"/>
+    <dgm:cxn modelId="{8F9D5DD2-8F2A-4AA5-B96C-887FE735294E}" type="presOf" srcId="{3371556B-8BBE-40A0-9B78-0E52D105D5CB}" destId="{442AA651-B453-4109-AA5A-BB7436FF37D0}" srcOrd="1" destOrd="0" presId="urn:microsoft.com/office/officeart/2005/8/layout/orgChart1"/>
+    <dgm:cxn modelId="{23F5DFEC-9A60-4336-8526-B606290C5791}" type="presOf" srcId="{DC707A64-F453-459D-91AD-24560F6783D4}" destId="{6A27218D-E267-47EF-B5F9-3311943173A9}" srcOrd="0" destOrd="0" presId="urn:microsoft.com/office/officeart/2005/8/layout/orgChart1"/>
+    <dgm:cxn modelId="{761E4907-B292-4974-AD06-A5DB6E430F8D}" type="presOf" srcId="{AC388887-3AAD-48C2-8B57-2B70B31F3E6E}" destId="{2025E473-3398-4166-9622-6520D512BF80}" srcOrd="0" destOrd="0" presId="urn:microsoft.com/office/officeart/2005/8/layout/orgChart1"/>
+    <dgm:cxn modelId="{D20B77EA-234D-460E-9A01-7E659FFBF92E}" type="presOf" srcId="{3D4622CA-CE55-4B59-80B0-3EDC3294BDF0}" destId="{D119BCDD-6987-4B95-BBDB-BBDC012E938B}" srcOrd="1" destOrd="0" presId="urn:microsoft.com/office/officeart/2005/8/layout/orgChart1"/>
+    <dgm:cxn modelId="{6D3120E4-253A-48FD-94DB-048A55BA8DB0}" srcId="{2C3B81CE-F604-45E3-A929-15B1AB9AEC9C}" destId="{8B0DCDDF-6CB1-41CE-91C9-24E19807E043}" srcOrd="2" destOrd="0" parTransId="{9D5B6477-E5C2-446D-A113-F4FAB868B60B}" sibTransId="{E6354616-7781-4973-8275-EB8D1A0C70C0}"/>
+    <dgm:cxn modelId="{ECA12F93-73F3-4FAD-A3CF-64C497706236}" type="presOf" srcId="{EE885740-B09E-4BF7-91EA-7D5BE0CC34D9}" destId="{884FAFCF-9AB1-4841-B81A-42C91DEBF4D4}" srcOrd="0" destOrd="0" presId="urn:microsoft.com/office/officeart/2005/8/layout/orgChart1"/>
+    <dgm:cxn modelId="{9E53B9C9-16DC-4D50-AA24-A6B6C6D5F5A2}" type="presOf" srcId="{69544CBA-CA27-437C-8C32-2CD286DB0F34}" destId="{52DA0F83-9556-4D9E-AF88-44A5616C40BF}" srcOrd="1" destOrd="0" presId="urn:microsoft.com/office/officeart/2005/8/layout/orgChart1"/>
+    <dgm:cxn modelId="{ECBE633C-EBCD-44E1-A065-3E26B4B7CE48}" srcId="{3D4622CA-CE55-4B59-80B0-3EDC3294BDF0}" destId="{0E3907BB-0E01-483C-B5FD-8E5C70920B91}" srcOrd="6" destOrd="0" parTransId="{AFFDE2CB-7397-4BE5-8AA5-D9804C2FD10B}" sibTransId="{38E3A1FC-3A8C-452D-824D-96D927D5C893}"/>
+    <dgm:cxn modelId="{20CA77F1-F4D6-47F2-A4CB-C3F5478E6EA8}" type="presOf" srcId="{71C2B6F7-464C-41F6-BB0A-96F5F2BEF7D0}" destId="{241DB644-022A-42E8-AFEC-FCFA4C8A0240}" srcOrd="0" destOrd="0" presId="urn:microsoft.com/office/officeart/2005/8/layout/orgChart1"/>
+    <dgm:cxn modelId="{4AE3150B-50D1-49D5-84CF-D3292395BE51}" srcId="{05E1324F-8146-4646-9834-930E93833AAB}" destId="{0CC234EE-CBD0-4BE8-8A69-F9BA62E41C35}" srcOrd="4" destOrd="0" parTransId="{A1ABF615-87CE-47C8-9EE0-167A5F546929}" sibTransId="{5D142D51-7DE7-429E-AD81-EF5AAF59E4F6}"/>
+    <dgm:cxn modelId="{8D5A7844-420A-4279-A95B-5039DB405DA7}" type="presOf" srcId="{0E3907BB-0E01-483C-B5FD-8E5C70920B91}" destId="{B062C95D-14A1-4136-971A-01E7D6B28D28}" srcOrd="0" destOrd="0" presId="urn:microsoft.com/office/officeart/2005/8/layout/orgChart1"/>
+    <dgm:cxn modelId="{FC8F7529-2F2F-4098-BE9F-0EDF28883511}" type="presOf" srcId="{60FBE8D4-75D7-4CAD-8908-CAE65E181666}" destId="{5113C752-D949-4A96-BC50-7DCCF8B3328F}" srcOrd="1" destOrd="0" presId="urn:microsoft.com/office/officeart/2005/8/layout/orgChart1"/>
+    <dgm:cxn modelId="{6E1C765A-8796-4A70-A90A-E917AE773968}" type="presOf" srcId="{AC9EFDF2-1E89-413C-A544-762CE1A4F8C0}" destId="{0A098B36-3337-4D13-9601-4B794921025C}" srcOrd="1" destOrd="0" presId="urn:microsoft.com/office/officeart/2005/8/layout/orgChart1"/>
+    <dgm:cxn modelId="{F1E6903D-349C-49C7-A733-8F754F52959A}" type="presOf" srcId="{3F8C432B-19EE-4D0F-B1F6-AE55DEADBD78}" destId="{5F187E70-CE21-445A-A027-62F7814CDC54}" srcOrd="0" destOrd="0" presId="urn:microsoft.com/office/officeart/2005/8/layout/orgChart1"/>
+    <dgm:cxn modelId="{CAB61577-4F27-4AFE-B983-0CB2EC69AA19}" type="presOf" srcId="{1880A97A-7745-48A2-B8B1-9FDFADF4125F}" destId="{3E08FB7D-0DE5-49FE-9673-7AD4DEC3D1C7}" srcOrd="0" destOrd="0" presId="urn:microsoft.com/office/officeart/2005/8/layout/orgChart1"/>
+    <dgm:cxn modelId="{D124C335-4073-4919-ADC8-6C993D4F5348}" srcId="{388B03AE-1583-4706-A7BB-BA764C869B0C}" destId="{1CDE04AC-330B-476F-9CC7-600E92AC4F85}" srcOrd="0" destOrd="0" parTransId="{ECC87D09-4966-47F2-B554-6ECFFC0A434B}" sibTransId="{3170EADD-B4AF-421D-B51E-A0AE5EF65C39}"/>
+    <dgm:cxn modelId="{1B45B4D6-4FDB-4676-8F6E-91F66FA6DEED}" srcId="{EE885740-B09E-4BF7-91EA-7D5BE0CC34D9}" destId="{DE98661A-2A86-4E5B-BEBB-28CFE600295D}" srcOrd="0" destOrd="0" parTransId="{F592E2EC-DC54-4A46-BD61-883E209773A3}" sibTransId="{90357D43-7372-4136-A7B3-9F714E02C503}"/>
+    <dgm:cxn modelId="{C0D028E9-E7AE-4C26-9C43-2CB9A175AC1B}" type="presOf" srcId="{F68779E3-5F1B-4937-AD5A-30C29348322D}" destId="{54E4D7C5-D537-4E09-9840-753C5DD202E1}" srcOrd="0" destOrd="0" presId="urn:microsoft.com/office/officeart/2005/8/layout/orgChart1"/>
+    <dgm:cxn modelId="{C5DA0212-5E40-4DD5-BB7F-4E0DA8B1266B}" type="presOf" srcId="{43166DAC-976F-42DF-9C20-29F234951604}" destId="{F025C0E8-03C8-4EE8-AE04-8A7E3E1BFCAA}" srcOrd="0" destOrd="0" presId="urn:microsoft.com/office/officeart/2005/8/layout/orgChart1"/>
+    <dgm:cxn modelId="{374C729F-5099-40AA-8308-6B7B52AEEC46}" type="presOf" srcId="{CE8B9297-0335-465D-8C14-F6670FD76933}" destId="{0C38FB8D-E312-4A4E-810A-7E8736445A2E}" srcOrd="0" destOrd="0" presId="urn:microsoft.com/office/officeart/2005/8/layout/orgChart1"/>
+    <dgm:cxn modelId="{491BDEF1-F1F8-4CE7-B5EC-F00C331A3C8E}" srcId="{9415298D-26EA-4A6C-9F5B-E0E3E23E89A5}" destId="{6CD8509E-A00B-4F1E-8FFB-7AC5711DE29C}" srcOrd="4" destOrd="0" parTransId="{57DC7780-0DC9-4933-9067-F151516DD5E6}" sibTransId="{639F22BF-5ED6-4C02-99AE-5D8EE9A516DA}"/>
+    <dgm:cxn modelId="{F2C98A02-A97B-45B7-91CB-1CC2BF11C71A}" type="presOf" srcId="{FAAC898B-8C27-4C3C-A668-661E0B7D09FF}" destId="{0F0E07EC-3BF2-439A-B87A-7D045FDEE17D}" srcOrd="0" destOrd="0" presId="urn:microsoft.com/office/officeart/2005/8/layout/orgChart1"/>
+    <dgm:cxn modelId="{0DE18898-3C36-471D-BEA0-F58FD97A7FF5}" type="presOf" srcId="{ABFFCB7E-D3DC-49E9-BD47-996CD9C7FF2E}" destId="{7562EDAB-C69B-4B8C-AD16-5F02DF516D6E}" srcOrd="0" destOrd="0" presId="urn:microsoft.com/office/officeart/2005/8/layout/orgChart1"/>
+    <dgm:cxn modelId="{D05030BB-85A1-4D1B-BA3B-D50E2B843501}" type="presOf" srcId="{BD76ABED-2DF9-43FC-8248-8906FC6ED38C}" destId="{E70CC0F3-62B4-402F-89EA-C1A8676F1211}" srcOrd="1" destOrd="0" presId="urn:microsoft.com/office/officeart/2005/8/layout/orgChart1"/>
+    <dgm:cxn modelId="{5B48BC4B-5FAF-46F5-A728-4F243F68F208}" type="presOf" srcId="{08D7570B-7F60-45C4-A5BB-AAC3AFDA8848}" destId="{DD724892-C7D1-4A1B-8704-5673780CFD0C}" srcOrd="1" destOrd="0" presId="urn:microsoft.com/office/officeart/2005/8/layout/orgChart1"/>
+    <dgm:cxn modelId="{712F5371-5672-41AD-A47A-EE1577009282}" type="presOf" srcId="{6A7F68F6-829C-4020-AB30-793F80D466CF}" destId="{BAB0C97F-8914-47BF-B2B1-7EC4B43DB4B7}" srcOrd="0" destOrd="0" presId="urn:microsoft.com/office/officeart/2005/8/layout/orgChart1"/>
+    <dgm:cxn modelId="{077A0E70-5653-4392-97DD-93205B0E711D}" type="presOf" srcId="{3371556B-8BBE-40A0-9B78-0E52D105D5CB}" destId="{10443C87-1029-47E0-8468-53932E830E45}" srcOrd="0" destOrd="0" presId="urn:microsoft.com/office/officeart/2005/8/layout/orgChart1"/>
+    <dgm:cxn modelId="{4B390D49-BB90-4BBF-ADDA-3CB905332B80}" type="presOf" srcId="{370FACC3-9B58-4A17-9C1D-F35986E1527E}" destId="{16BD9EE3-135A-425A-A527-D866A0D73888}" srcOrd="0" destOrd="0" presId="urn:microsoft.com/office/officeart/2005/8/layout/orgChart1"/>
+    <dgm:cxn modelId="{DE445C6E-D523-4CBA-8FC5-E6EF52A111E0}" type="presOf" srcId="{E65E6197-B490-448B-BC0E-F57B9A123693}" destId="{A10C288D-0624-4460-A6DF-D42CA91203B3}" srcOrd="0" destOrd="0" presId="urn:microsoft.com/office/officeart/2005/8/layout/orgChart1"/>
+    <dgm:cxn modelId="{539AE6C1-3527-4265-B539-520F0E67AEC5}" type="presOf" srcId="{F570D233-7486-4900-80AA-7010FD12A345}" destId="{C1681FCF-D047-45EA-A575-4F5010ADD0F2}" srcOrd="0" destOrd="0" presId="urn:microsoft.com/office/officeart/2005/8/layout/orgChart1"/>
+    <dgm:cxn modelId="{7F2CF5AA-DAF0-4572-B730-FB0712B3BB34}" type="presOf" srcId="{C9124633-A3F9-4E9E-B7AD-8AD6304814CA}" destId="{F7F96BC3-E097-46A0-AE3A-243620DA9566}" srcOrd="0" destOrd="0" presId="urn:microsoft.com/office/officeart/2005/8/layout/orgChart1"/>
+    <dgm:cxn modelId="{8924B726-1222-407D-BF22-173743A9E1D1}" srcId="{F68779E3-5F1B-4937-AD5A-30C29348322D}" destId="{3371556B-8BBE-40A0-9B78-0E52D105D5CB}" srcOrd="2" destOrd="0" parTransId="{0A1CDFBF-7E7C-4955-87B5-E5A6FD0ADBAE}" sibTransId="{6348C2EB-309D-40AE-9633-A0E88FD8EF4D}"/>
+    <dgm:cxn modelId="{F404D180-6872-488C-998F-9B822C9FD1E0}" type="presOf" srcId="{342F7B73-D266-4312-821E-4409FCDECE50}" destId="{2D17565E-5AF8-414A-B15F-CC144041D816}" srcOrd="0" destOrd="0" presId="urn:microsoft.com/office/officeart/2005/8/layout/orgChart1"/>
+    <dgm:cxn modelId="{3B900DC9-7F34-40B7-BC0F-4A2C13340A08}" type="presOf" srcId="{A16C8E02-D3E4-4642-B27E-409C4F5D51C2}" destId="{0497886C-83E9-4FEA-A5D4-F3B202E9B2C0}" srcOrd="0" destOrd="0" presId="urn:microsoft.com/office/officeart/2005/8/layout/orgChart1"/>
     <dgm:cxn modelId="{869567F6-C085-4627-A3C2-785BEC05CEB7}" type="presOf" srcId="{469849CB-EAE7-457B-B3A1-0FD0240EB313}" destId="{1B8BAF4B-6713-425F-BA11-378768914AE5}" srcOrd="1" destOrd="0" presId="urn:microsoft.com/office/officeart/2005/8/layout/orgChart1"/>
-    <dgm:cxn modelId="{7F43522A-03B8-4A95-9796-2CAE16179745}" type="presOf" srcId="{469849CB-EAE7-457B-B3A1-0FD0240EB313}" destId="{D357AA12-B255-4C03-9BF8-BC193ABAE66E}" srcOrd="0" destOrd="0" presId="urn:microsoft.com/office/officeart/2005/8/layout/orgChart1"/>
+    <dgm:cxn modelId="{B1A5F6B3-9EEB-4B72-BFCB-26A55471936F}" type="presOf" srcId="{370FACC3-9B58-4A17-9C1D-F35986E1527E}" destId="{13D1F1A4-15DC-46CD-AFCF-B9478D616FBF}" srcOrd="1" destOrd="0" presId="urn:microsoft.com/office/officeart/2005/8/layout/orgChart1"/>
     <dgm:cxn modelId="{19A83C06-AE46-4D44-AE6D-FF21AC2EC3D8}" srcId="{DE98661A-2A86-4E5B-BEBB-28CFE600295D}" destId="{EED226CF-6258-4523-BE2C-3FD2249BB436}" srcOrd="3" destOrd="0" parTransId="{C315FCED-E8F8-431B-B157-33FEE26E02D1}" sibTransId="{6C1E8EFE-4073-41F4-9331-FBE510FCDB32}"/>
-    <dgm:cxn modelId="{DBE68586-6D25-4831-8E79-D673741F936C}" srcId="{08D7570B-7F60-45C4-A5BB-AAC3AFDA8848}" destId="{388B03AE-1583-4706-A7BB-BA764C869B0C}" srcOrd="4" destOrd="0" parTransId="{6068CCC3-2DC3-49B1-A3C3-1B64FE37836D}" sibTransId="{86FA3F43-03C1-4CE1-B848-2F25AA31E6EC}"/>
-    <dgm:cxn modelId="{87CF4DE1-A24B-441B-A990-894F03F663CD}" type="presOf" srcId="{F432106B-6544-4843-9FDE-C68B3FBFD266}" destId="{73FFD7F9-44AC-4A47-BB94-0F279F008982}" srcOrd="1" destOrd="0" presId="urn:microsoft.com/office/officeart/2005/8/layout/orgChart1"/>
-    <dgm:cxn modelId="{23F5DFEC-9A60-4336-8526-B606290C5791}" type="presOf" srcId="{DC707A64-F453-459D-91AD-24560F6783D4}" destId="{6A27218D-E267-47EF-B5F9-3311943173A9}" srcOrd="0" destOrd="0" presId="urn:microsoft.com/office/officeart/2005/8/layout/orgChart1"/>
-    <dgm:cxn modelId="{6ED627DC-8CEE-4C80-BCA4-6064BCC7BCAA}" type="presOf" srcId="{14938C81-B03D-4F7B-AA43-E5108073D6DA}" destId="{14685868-9C5E-4BAC-A516-02C3B02B45FF}" srcOrd="0" destOrd="0" presId="urn:microsoft.com/office/officeart/2005/8/layout/orgChart1"/>
-    <dgm:cxn modelId="{0CF1386F-CE06-475D-9B26-595E344B3C38}" type="presOf" srcId="{F7397BD6-4925-49A4-A538-AA6DAE7E7324}" destId="{E0F24A2A-E0C4-40A0-B559-94DB272B5399}" srcOrd="0" destOrd="0" presId="urn:microsoft.com/office/officeart/2005/8/layout/orgChart1"/>
-    <dgm:cxn modelId="{3EAA37B9-0297-4190-A794-FDD9487AFF9C}" type="presOf" srcId="{7DB6EBEF-D1E5-42F2-90AB-06B1E098AD0E}" destId="{1ABEB964-1842-41E5-A2A4-50DD4B7CBDD9}" srcOrd="0" destOrd="0" presId="urn:microsoft.com/office/officeart/2005/8/layout/orgChart1"/>
+    <dgm:cxn modelId="{4735A4FF-14DA-4366-BCEE-E55FE429F8F7}" type="presOf" srcId="{CC1E035F-12D9-43A7-8748-71BC43075F3B}" destId="{475699FC-8B5A-437D-AFC1-A5062F8D0579}" srcOrd="1" destOrd="0" presId="urn:microsoft.com/office/officeart/2005/8/layout/orgChart1"/>
+    <dgm:cxn modelId="{CE783B36-1A55-48CA-BD5D-1E4AA4AE009D}" type="presOf" srcId="{05E1324F-8146-4646-9834-930E93833AAB}" destId="{A45939A9-E556-4832-BA32-2352071BF3CD}" srcOrd="0" destOrd="0" presId="urn:microsoft.com/office/officeart/2005/8/layout/orgChart1"/>
+    <dgm:cxn modelId="{D1CF9E17-A1EB-4BF1-BD18-D9F6D85C1EBC}" type="presOf" srcId="{08D7570B-7F60-45C4-A5BB-AAC3AFDA8848}" destId="{8CD2BC37-3900-49BB-97B0-B5628A5CCC9C}" srcOrd="0" destOrd="0" presId="urn:microsoft.com/office/officeart/2005/8/layout/orgChart1"/>
+    <dgm:cxn modelId="{FCA7ADC4-8F0A-4F2B-BAA4-E2F40430B4E2}" srcId="{E129A0A3-02E8-44C7-A471-F10CE622EEE2}" destId="{9B915BF9-5721-4BAF-B37D-958659E5090C}" srcOrd="1" destOrd="0" parTransId="{F7397BD6-4925-49A4-A538-AA6DAE7E7324}" sibTransId="{9B41F221-4E95-4D2E-8AA8-87AE3105E635}"/>
+    <dgm:cxn modelId="{0A13970E-F627-4D6E-A6D8-11F53E84FEDF}" type="presOf" srcId="{9B915BF9-5721-4BAF-B37D-958659E5090C}" destId="{E73224E3-FD1A-47B0-AE42-E0AAA502C99E}" srcOrd="0" destOrd="0" presId="urn:microsoft.com/office/officeart/2005/8/layout/orgChart1"/>
+    <dgm:cxn modelId="{0AD56C9B-CEB6-4468-A45F-A772F4047CDE}" type="presOf" srcId="{6CD8509E-A00B-4F1E-8FFB-7AC5711DE29C}" destId="{4F1DA32C-0528-4A1F-887C-BC96DC8F4647}" srcOrd="1" destOrd="0" presId="urn:microsoft.com/office/officeart/2005/8/layout/orgChart1"/>
+    <dgm:cxn modelId="{815B337A-36A2-4800-BAE7-8ADD3EF107C2}" type="presOf" srcId="{1D03597F-B94B-4CF5-AC27-3069B5430A3F}" destId="{517286A5-4009-43AD-B5C7-2EDA0C5BC3D3}" srcOrd="1" destOrd="0" presId="urn:microsoft.com/office/officeart/2005/8/layout/orgChart1"/>
+    <dgm:cxn modelId="{2ACDCB2E-6193-4D6E-B00E-B339EEA46651}" type="presOf" srcId="{E9D10807-D0ED-4014-9724-3F0B7E0BBFA8}" destId="{B223C9B4-7C22-49AC-AD67-F4EE80F3A807}" srcOrd="1" destOrd="0" presId="urn:microsoft.com/office/officeart/2005/8/layout/orgChart1"/>
+    <dgm:cxn modelId="{A82BF7AA-225C-4726-8772-80F85FBC1F43}" srcId="{E129A0A3-02E8-44C7-A471-F10CE622EEE2}" destId="{43166DAC-976F-42DF-9C20-29F234951604}" srcOrd="3" destOrd="0" parTransId="{9693E88B-89FA-4F40-91E9-07A585F60F1E}" sibTransId="{A4972646-8D7B-4D9F-9384-B0093249AB58}"/>
+    <dgm:cxn modelId="{F0CCE550-EFE6-486D-B91E-9C637AED0EAF}" type="presOf" srcId="{5946A508-DC21-481B-A321-729B4675A6D3}" destId="{33D38839-84BE-4441-98E0-5D6DA66F1D2B}" srcOrd="0" destOrd="0" presId="urn:microsoft.com/office/officeart/2005/8/layout/orgChart1"/>
+    <dgm:cxn modelId="{F3612526-5C88-422D-8C4B-6FF74090A150}" type="presOf" srcId="{AD9D214D-DF68-4CED-9050-1CBC14D7D507}" destId="{3B3FC18A-1F0A-4343-AB3C-CB5523E73078}" srcOrd="0" destOrd="0" presId="urn:microsoft.com/office/officeart/2005/8/layout/orgChart1"/>
+    <dgm:cxn modelId="{B8329845-FABA-4FD1-B2F3-58AAEFA4595C}" srcId="{1CDE04AC-330B-476F-9CC7-600E92AC4F85}" destId="{B9578511-1845-41D9-B567-2EED72A74826}" srcOrd="3" destOrd="0" parTransId="{F570D233-7486-4900-80AA-7010FD12A345}" sibTransId="{1D2B4D9D-3650-4696-BFB6-450A7FF9DC3A}"/>
+    <dgm:cxn modelId="{81C1584E-262E-49C5-A576-51025F3A2A5D}" type="presOf" srcId="{838A87CA-745D-483F-ACAB-C5C6AC1AC3CB}" destId="{767E1A06-9F51-40FA-B8F8-A1C4ED5CEC90}" srcOrd="0" destOrd="0" presId="urn:microsoft.com/office/officeart/2005/8/layout/orgChart1"/>
     <dgm:cxn modelId="{BB14046B-2707-4169-8AB4-CFFF7681625D}" srcId="{AC9EFDF2-1E89-413C-A544-762CE1A4F8C0}" destId="{E89F140B-F088-40FC-BE98-59467D811621}" srcOrd="1" destOrd="0" parTransId="{115FF7EE-A848-41F1-A50A-DD0B956D0B88}" sibTransId="{656888D5-4CD4-48E9-9887-1CB3215EC5AF}"/>
-    <dgm:cxn modelId="{F2C98A02-A97B-45B7-91CB-1CC2BF11C71A}" type="presOf" srcId="{FAAC898B-8C27-4C3C-A668-661E0B7D09FF}" destId="{0F0E07EC-3BF2-439A-B87A-7D045FDEE17D}" srcOrd="0" destOrd="0" presId="urn:microsoft.com/office/officeart/2005/8/layout/orgChart1"/>
-    <dgm:cxn modelId="{0E48C174-CAF0-4451-8B74-8D960A338348}" type="presOf" srcId="{838A87CA-745D-483F-ACAB-C5C6AC1AC3CB}" destId="{FF55EBB6-5C00-4EB2-887E-CE968DE29F1D}" srcOrd="1" destOrd="0" presId="urn:microsoft.com/office/officeart/2005/8/layout/orgChart1"/>
-    <dgm:cxn modelId="{5DF8311F-65B5-4F85-A0B4-54E824C691A3}" type="presOf" srcId="{42DCF222-A7F0-4F5C-9587-98C17917CED9}" destId="{6E8E21EA-F0A7-465B-BEC2-469B6D3324DC}" srcOrd="0" destOrd="0" presId="urn:microsoft.com/office/officeart/2005/8/layout/orgChart1"/>
-    <dgm:cxn modelId="{99014B79-2B83-45AA-B310-276B2AA5F2B7}" type="presOf" srcId="{433F03CC-DCFC-4D2C-8473-EC4AB3124061}" destId="{46C4A8C9-46AB-40BA-BE2A-93F27A7B85AA}" srcOrd="0" destOrd="0" presId="urn:microsoft.com/office/officeart/2005/8/layout/orgChart1"/>
-    <dgm:cxn modelId="{6D3120E4-253A-48FD-94DB-048A55BA8DB0}" srcId="{2C3B81CE-F604-45E3-A929-15B1AB9AEC9C}" destId="{8B0DCDDF-6CB1-41CE-91C9-24E19807E043}" srcOrd="2" destOrd="0" parTransId="{9D5B6477-E5C2-446D-A113-F4FAB868B60B}" sibTransId="{E6354616-7781-4973-8275-EB8D1A0C70C0}"/>
-    <dgm:cxn modelId="{339C7718-7C55-4F03-B7AC-08FB5BD73562}" type="presOf" srcId="{BB291C0A-1458-4D57-B34D-E7FBBDA7E2D6}" destId="{66DE1DB8-3A0D-4A46-8665-B7289E032EE7}" srcOrd="1" destOrd="0" presId="urn:microsoft.com/office/officeart/2005/8/layout/orgChart1"/>
-    <dgm:cxn modelId="{C5DA0212-5E40-4DD5-BB7F-4E0DA8B1266B}" type="presOf" srcId="{43166DAC-976F-42DF-9C20-29F234951604}" destId="{F025C0E8-03C8-4EE8-AE04-8A7E3E1BFCAA}" srcOrd="0" destOrd="0" presId="urn:microsoft.com/office/officeart/2005/8/layout/orgChart1"/>
-    <dgm:cxn modelId="{90B29C99-CEFA-4713-9A69-FDB02723E4A7}" type="presOf" srcId="{69732022-F68D-4360-A98F-905AE08AE282}" destId="{770E01ED-CA45-4E7F-9B69-EE3E88626DC2}" srcOrd="1" destOrd="0" presId="urn:microsoft.com/office/officeart/2005/8/layout/orgChart1"/>
-    <dgm:cxn modelId="{F3612526-5C88-422D-8C4B-6FF74090A150}" type="presOf" srcId="{AD9D214D-DF68-4CED-9050-1CBC14D7D507}" destId="{3B3FC18A-1F0A-4343-AB3C-CB5523E73078}" srcOrd="0" destOrd="0" presId="urn:microsoft.com/office/officeart/2005/8/layout/orgChart1"/>
-    <dgm:cxn modelId="{03C798C5-01FE-411E-9715-C6C927652A6A}" type="presOf" srcId="{EA6080DA-1AD7-4105-9E53-5437F4AF6BE1}" destId="{D34DBC48-B0F7-461E-81CB-DDA16CFD323B}" srcOrd="1" destOrd="0" presId="urn:microsoft.com/office/officeart/2005/8/layout/orgChart1"/>
-    <dgm:cxn modelId="{F416D601-399F-4B8A-8B45-2CC2BA20C200}" type="presOf" srcId="{BAFC39B4-EA0D-452B-8F16-9D73BD0FD1D6}" destId="{FC2CC991-0CB8-44E1-98E0-AE622154C976}" srcOrd="0" destOrd="0" presId="urn:microsoft.com/office/officeart/2005/8/layout/orgChart1"/>
-    <dgm:cxn modelId="{7564F412-E858-469B-B6C1-5F64EA95E5D5}" type="presOf" srcId="{2C3B81CE-F604-45E3-A929-15B1AB9AEC9C}" destId="{4FA13BA2-4B55-41BC-91E7-E1B80D4DAA3E}" srcOrd="1" destOrd="0" presId="urn:microsoft.com/office/officeart/2005/8/layout/orgChart1"/>
-    <dgm:cxn modelId="{CD6E9FDF-5D48-45CC-B294-AA33E3CA16ED}" type="presOf" srcId="{877C027F-D44C-4DDD-8828-83496E2ACB92}" destId="{71481971-5924-4985-8A58-65BC3302CFE1}" srcOrd="0" destOrd="0" presId="urn:microsoft.com/office/officeart/2005/8/layout/orgChart1"/>
-    <dgm:cxn modelId="{CE9BB810-430F-4868-A4E2-B5B25CA1C439}" type="presOf" srcId="{82DA2C98-167F-4AEA-B668-91E1B0111BD9}" destId="{858C8FBF-2143-4E7E-ACFA-6B0FBDBF6D39}" srcOrd="0" destOrd="0" presId="urn:microsoft.com/office/officeart/2005/8/layout/orgChart1"/>
-    <dgm:cxn modelId="{1B57DE23-0D1A-419E-BBBC-30D37214859A}" type="presOf" srcId="{F589C454-8537-4BBA-B792-A995241DD511}" destId="{43A08212-8760-457F-9AC3-16EF13226B86}" srcOrd="1" destOrd="0" presId="urn:microsoft.com/office/officeart/2005/8/layout/orgChart1"/>
-    <dgm:cxn modelId="{4E9A88F7-195B-4B8B-B95F-C1938F0A1F7E}" type="presOf" srcId="{388B03AE-1583-4706-A7BB-BA764C869B0C}" destId="{7744727E-DB01-42E4-BCB6-4468D98A7EE2}" srcOrd="1" destOrd="0" presId="urn:microsoft.com/office/officeart/2005/8/layout/orgChart1"/>
-    <dgm:cxn modelId="{D29F35C8-E3EE-4A44-ADBA-AEB38CEA1AEA}" type="presOf" srcId="{9693E88B-89FA-4F40-91E9-07A585F60F1E}" destId="{7095FA1B-B48A-4751-A2D0-F76DEDA32F3B}" srcOrd="0" destOrd="0" presId="urn:microsoft.com/office/officeart/2005/8/layout/orgChart1"/>
-    <dgm:cxn modelId="{E5E8FD9D-8A60-4347-B3FC-81A122C31E29}" srcId="{AC9EFDF2-1E89-413C-A544-762CE1A4F8C0}" destId="{E9D10807-D0ED-4014-9724-3F0B7E0BBFA8}" srcOrd="0" destOrd="0" parTransId="{7B4CEC73-92CF-40AF-ADC3-F9A4ABE87813}" sibTransId="{1806BABF-F2EC-4D1F-9C5F-A8F8AD2743FE}"/>
-    <dgm:cxn modelId="{80B1BF19-82AD-451F-8A6F-BD9B067F63F5}" type="presOf" srcId="{4C86D47B-C8EC-4779-8423-75ABE738C448}" destId="{EC293EBA-4255-46A1-8E1F-B158725339EB}" srcOrd="0" destOrd="0" presId="urn:microsoft.com/office/officeart/2005/8/layout/orgChart1"/>
-    <dgm:cxn modelId="{AF68F32D-C03A-412C-BAB8-62423018A5FD}" type="presOf" srcId="{E9D10807-D0ED-4014-9724-3F0B7E0BBFA8}" destId="{9C4E414B-A425-4DA2-AFFA-05704A0C17DC}" srcOrd="0" destOrd="0" presId="urn:microsoft.com/office/officeart/2005/8/layout/orgChart1"/>
-    <dgm:cxn modelId="{5B48BC4B-5FAF-46F5-A728-4F243F68F208}" type="presOf" srcId="{08D7570B-7F60-45C4-A5BB-AAC3AFDA8848}" destId="{DD724892-C7D1-4A1B-8704-5673780CFD0C}" srcOrd="1" destOrd="0" presId="urn:microsoft.com/office/officeart/2005/8/layout/orgChart1"/>
-    <dgm:cxn modelId="{D1CF9E17-A1EB-4BF1-BD18-D9F6D85C1EBC}" type="presOf" srcId="{08D7570B-7F60-45C4-A5BB-AAC3AFDA8848}" destId="{8CD2BC37-3900-49BB-97B0-B5628A5CCC9C}" srcOrd="0" destOrd="0" presId="urn:microsoft.com/office/officeart/2005/8/layout/orgChart1"/>
-    <dgm:cxn modelId="{D3BA522A-82BF-434C-B3AA-CD0B351893B9}" type="presOf" srcId="{0CC234EE-CBD0-4BE8-8A69-F9BA62E41C35}" destId="{901951DF-C85E-4340-BBE5-D7D88643DA3F}" srcOrd="0" destOrd="0" presId="urn:microsoft.com/office/officeart/2005/8/layout/orgChart1"/>
-    <dgm:cxn modelId="{48B4D6D8-311E-4BEF-A5D1-A880F76973FF}" type="presOf" srcId="{0E3907BB-0E01-483C-B5FD-8E5C70920B91}" destId="{D6EA7162-EB70-4CFD-9A57-4C755209C43F}" srcOrd="1" destOrd="0" presId="urn:microsoft.com/office/officeart/2005/8/layout/orgChart1"/>
-    <dgm:cxn modelId="{EC136808-C0C1-43BF-B520-D378B7DB1577}" type="presOf" srcId="{C519C543-625E-49DD-AF54-033354FFF0DF}" destId="{31DC9AAE-59E5-4408-A0B7-8173CA5517B6}" srcOrd="0" destOrd="0" presId="urn:microsoft.com/office/officeart/2005/8/layout/orgChart1"/>
-    <dgm:cxn modelId="{C0943E61-C173-432E-A23F-F3855CB4BA9B}" srcId="{3C317A52-ECB4-4542-BB96-DF4C309821B9}" destId="{CE8B9297-0335-465D-8C14-F6670FD76933}" srcOrd="0" destOrd="0" parTransId="{2B617E80-B54D-46B4-B2BD-E1B71A0C89B5}" sibTransId="{8CE34CCB-ECDA-4DAF-886A-710A35FDC821}"/>
-    <dgm:cxn modelId="{3C082539-359D-4C98-BB39-C1A42F6D8374}" type="presOf" srcId="{53527E90-2499-4F38-B9F0-811CC757430D}" destId="{B475045C-7B8A-4F3A-AE9F-E8B1F08086D7}" srcOrd="0" destOrd="0" presId="urn:microsoft.com/office/officeart/2005/8/layout/orgChart1"/>
-    <dgm:cxn modelId="{CDF4BC4E-BDE3-417B-9495-EA7BB865C247}" type="presOf" srcId="{1D03597F-B94B-4CF5-AC27-3069B5430A3F}" destId="{46FA37EC-03A5-4402-BC3E-621912E7CFF9}" srcOrd="0" destOrd="0" presId="urn:microsoft.com/office/officeart/2005/8/layout/orgChart1"/>
-    <dgm:cxn modelId="{75D303C9-FEC4-46A2-B6F2-BDB121EE6BBE}" srcId="{3D4622CA-CE55-4B59-80B0-3EDC3294BDF0}" destId="{F432106B-6544-4843-9FDE-C68B3FBFD266}" srcOrd="1" destOrd="0" parTransId="{F5B0F976-4370-4DFE-82B8-C5A097EEA79F}" sibTransId="{080154E2-8950-4E4F-B675-6218E1E08C5C}"/>
-    <dgm:cxn modelId="{4B390D49-BB90-4BBF-ADDA-3CB905332B80}" type="presOf" srcId="{370FACC3-9B58-4A17-9C1D-F35986E1527E}" destId="{16BD9EE3-135A-425A-A527-D866A0D73888}" srcOrd="0" destOrd="0" presId="urn:microsoft.com/office/officeart/2005/8/layout/orgChart1"/>
-    <dgm:cxn modelId="{12922DA3-B277-4F4C-83E0-7D0FAB9AF349}" srcId="{2C3B81CE-F604-45E3-A929-15B1AB9AEC9C}" destId="{A77E4FFE-94E2-4FD6-9E07-71A1A0096029}" srcOrd="1" destOrd="0" parTransId="{AD9D214D-DF68-4CED-9050-1CBC14D7D507}" sibTransId="{0ACFA55B-87D3-44F7-83B9-22F133ECECF0}"/>
-    <dgm:cxn modelId="{F915AC93-599A-4D64-8CE7-5BE80BF0F512}" type="presOf" srcId="{B9C56D9D-EBB0-4EA4-9BA2-131EA7C33A70}" destId="{F60819AF-262B-44D4-B6CD-9C904A5B846A}" srcOrd="0" destOrd="0" presId="urn:microsoft.com/office/officeart/2005/8/layout/orgChart1"/>
-    <dgm:cxn modelId="{17362E34-BD27-4724-A288-2000F2A2F5C3}" type="presOf" srcId="{2A449A93-E6F7-4B50-94C3-64C4ABF8D9AE}" destId="{AFC5C9B9-9DCE-4428-8AC1-037C915315D7}" srcOrd="0" destOrd="0" presId="urn:microsoft.com/office/officeart/2005/8/layout/orgChart1"/>
-    <dgm:cxn modelId="{769A57F5-E907-480E-AE5F-602BBFC9C715}" type="presOf" srcId="{1CDE04AC-330B-476F-9CC7-600E92AC4F85}" destId="{73671477-F3A7-40C7-B6C4-1C1BA12C21C1}" srcOrd="0" destOrd="0" presId="urn:microsoft.com/office/officeart/2005/8/layout/orgChart1"/>
-    <dgm:cxn modelId="{A4F07BAB-484C-4874-A8A0-10A5A60EE630}" type="presOf" srcId="{6F88080A-5068-4E2D-8C54-67E23CE7C322}" destId="{175C0E5A-556B-4F10-8B95-AE90F8B7638B}" srcOrd="0" destOrd="0" presId="urn:microsoft.com/office/officeart/2005/8/layout/orgChart1"/>
-    <dgm:cxn modelId="{48508A1A-EDC0-412C-8359-D359D1132AB3}" srcId="{FB6E65E7-5E34-4F2D-9A0F-4611B152FE07}" destId="{F68779E3-5F1B-4937-AD5A-30C29348322D}" srcOrd="0" destOrd="0" parTransId="{58094D1F-E3DD-46B2-B122-90B28EFA0AEA}" sibTransId="{F83AEAAF-469D-4DAE-B295-D16A1E6C59C2}"/>
-    <dgm:cxn modelId="{C0D028E9-E7AE-4C26-9C43-2CB9A175AC1B}" type="presOf" srcId="{F68779E3-5F1B-4937-AD5A-30C29348322D}" destId="{54E4D7C5-D537-4E09-9840-753C5DD202E1}" srcOrd="0" destOrd="0" presId="urn:microsoft.com/office/officeart/2005/8/layout/orgChart1"/>
+    <dgm:cxn modelId="{75FE7836-8E6D-48F6-8329-97686FDEAFAD}" type="presOf" srcId="{B7B5136B-24D9-47EC-8A13-D0E406A4C707}" destId="{5EB6A45D-4D5A-4862-A50B-C4A657988F07}" srcOrd="0" destOrd="0" presId="urn:microsoft.com/office/officeart/2005/8/layout/orgChart1"/>
+    <dgm:cxn modelId="{E0F73053-0381-4366-AB2E-3D60C92B6438}" type="presOf" srcId="{FB6E65E7-5E34-4F2D-9A0F-4611B152FE07}" destId="{C77EF5CB-5EE2-45B7-882A-E089E2AAFB48}" srcOrd="1" destOrd="0" presId="urn:microsoft.com/office/officeart/2005/8/layout/orgChart1"/>
     <dgm:cxn modelId="{21CBEDE7-0DD3-47D1-B0BD-0358151E0020}" type="presOf" srcId="{9D5B6477-E5C2-446D-A113-F4FAB868B60B}" destId="{E97983F0-61EB-40B5-ACBF-FB310C0A701D}" srcOrd="0" destOrd="0" presId="urn:microsoft.com/office/officeart/2005/8/layout/orgChart1"/>
-    <dgm:cxn modelId="{FA1230EE-D658-4FD7-9033-A7D9F4022D0D}" type="presOf" srcId="{F6806731-5FCD-41C0-A0AB-74A32B05E930}" destId="{D9843133-6085-4ACE-BDB1-DC36B851A413}" srcOrd="0" destOrd="0" presId="urn:microsoft.com/office/officeart/2005/8/layout/orgChart1"/>
-    <dgm:cxn modelId="{4EBF8048-C673-4336-8577-1E054DAC3726}" type="presOf" srcId="{3D4622CA-CE55-4B59-80B0-3EDC3294BDF0}" destId="{663400F7-B751-437D-8E43-177979E03F10}" srcOrd="0" destOrd="0" presId="urn:microsoft.com/office/officeart/2005/8/layout/orgChart1"/>
-    <dgm:cxn modelId="{56E9D487-62D6-4F52-9FF0-FF8AFC9A2D3A}" type="presOf" srcId="{98A06ADE-4CED-470E-9E84-843856B695B5}" destId="{F9DFBEC0-59E3-439E-B95A-55689A2447E7}" srcOrd="0" destOrd="0" presId="urn:microsoft.com/office/officeart/2005/8/layout/orgChart1"/>
-    <dgm:cxn modelId="{557E87B7-2E32-45B7-B930-B2A2AE1923BE}" srcId="{DE98661A-2A86-4E5B-BEBB-28CFE600295D}" destId="{CC1E035F-12D9-43A7-8748-71BC43075F3B}" srcOrd="1" destOrd="0" parTransId="{6E4EDDFA-407F-4BDE-B8E5-8E312216C9B3}" sibTransId="{F47B2B50-2105-463E-8D54-65FEC8F08595}"/>
-    <dgm:cxn modelId="{FDD287CF-A7B2-4A28-A1E5-A8D3BB8F1396}" type="presOf" srcId="{C9124633-A3F9-4E9E-B7AD-8AD6304814CA}" destId="{DD6262AE-1C3D-4455-A574-A57B7452E766}" srcOrd="1" destOrd="0" presId="urn:microsoft.com/office/officeart/2005/8/layout/orgChart1"/>
-    <dgm:cxn modelId="{CC3A6831-9C87-4A81-AC81-712B0A529FEE}" type="presOf" srcId="{EE885740-B09E-4BF7-91EA-7D5BE0CC34D9}" destId="{C67225CA-FAA3-4E27-9AA5-514986BCB57D}" srcOrd="1" destOrd="0" presId="urn:microsoft.com/office/officeart/2005/8/layout/orgChart1"/>
-    <dgm:cxn modelId="{4AE3150B-50D1-49D5-84CF-D3292395BE51}" srcId="{05E1324F-8146-4646-9834-930E93833AAB}" destId="{0CC234EE-CBD0-4BE8-8A69-F9BA62E41C35}" srcOrd="4" destOrd="0" parTransId="{A1ABF615-87CE-47C8-9EE0-167A5F546929}" sibTransId="{5D142D51-7DE7-429E-AD81-EF5AAF59E4F6}"/>
-    <dgm:cxn modelId="{61CFC213-6CB5-4B93-BA3B-AA4F2B9EBDC0}" type="presOf" srcId="{0CC234EE-CBD0-4BE8-8A69-F9BA62E41C35}" destId="{2E8E8F2D-2A5C-4159-B348-A94BB1F559F7}" srcOrd="1" destOrd="0" presId="urn:microsoft.com/office/officeart/2005/8/layout/orgChart1"/>
-    <dgm:cxn modelId="{CE783B36-1A55-48CA-BD5D-1E4AA4AE009D}" type="presOf" srcId="{05E1324F-8146-4646-9834-930E93833AAB}" destId="{A45939A9-E556-4832-BA32-2352071BF3CD}" srcOrd="0" destOrd="0" presId="urn:microsoft.com/office/officeart/2005/8/layout/orgChart1"/>
-    <dgm:cxn modelId="{ACEF09F9-3CF1-44AD-8C4D-5A510F22A9AE}" srcId="{F68779E3-5F1B-4937-AD5A-30C29348322D}" destId="{469849CB-EAE7-457B-B3A1-0FD0240EB313}" srcOrd="0" destOrd="0" parTransId="{9DB4AB59-EA03-4ACC-A1D2-B0AEEB3BCF5C}" sibTransId="{563D0C1A-D0A3-4866-96E9-32845B5C1DBD}"/>
-    <dgm:cxn modelId="{0A13970E-F627-4D6E-A6D8-11F53E84FEDF}" type="presOf" srcId="{9B915BF9-5721-4BAF-B37D-958659E5090C}" destId="{E73224E3-FD1A-47B0-AE42-E0AAA502C99E}" srcOrd="0" destOrd="0" presId="urn:microsoft.com/office/officeart/2005/8/layout/orgChart1"/>
-    <dgm:cxn modelId="{10E13414-C1B7-4FD3-948E-DAF027277DD6}" type="presOf" srcId="{5FE6D0AE-D997-411B-BE7A-A53CF6A20CD3}" destId="{18117DC3-71E2-4740-AF5C-E71284035161}" srcOrd="0" destOrd="0" presId="urn:microsoft.com/office/officeart/2005/8/layout/orgChart1"/>
-    <dgm:cxn modelId="{84D4D4A0-19F9-4E2F-817D-E1FE33E023E1}" srcId="{08D7570B-7F60-45C4-A5BB-AAC3AFDA8848}" destId="{EE885740-B09E-4BF7-91EA-7D5BE0CC34D9}" srcOrd="5" destOrd="0" parTransId="{C519C543-625E-49DD-AF54-033354FFF0DF}" sibTransId="{30B571C1-3962-418E-BDC0-6E17C15DA404}"/>
-    <dgm:cxn modelId="{FC208992-1E1E-4399-9D80-19F9CB7FB5CF}" srcId="{DE98661A-2A86-4E5B-BEBB-28CFE600295D}" destId="{53527E90-2499-4F38-B9F0-811CC757430D}" srcOrd="4" destOrd="0" parTransId="{B7B5136B-24D9-47EC-8A13-D0E406A4C707}" sibTransId="{BC7AEF67-E23B-46F3-8190-2185426ACCC0}"/>
-    <dgm:cxn modelId="{31ECCDEA-DF78-4CB0-A002-3391C5F2482E}" srcId="{08D7570B-7F60-45C4-A5BB-AAC3AFDA8848}" destId="{3D4622CA-CE55-4B59-80B0-3EDC3294BDF0}" srcOrd="0" destOrd="0" parTransId="{FD175948-8E56-4907-A90D-D33026458406}" sibTransId="{88B71603-925E-4482-A942-D7E2882D0773}"/>
-    <dgm:cxn modelId="{C7B7B4EF-0083-44EB-A793-48642291DCE6}" type="presOf" srcId="{5B2848D0-14AE-442B-B9D1-35BFAB2E387C}" destId="{8842AA57-DB09-4A9C-9C4C-D2383C18400B}" srcOrd="0" destOrd="0" presId="urn:microsoft.com/office/officeart/2005/8/layout/orgChart1"/>
-    <dgm:cxn modelId="{F7F96797-13F0-46B8-B571-7D1415A3A6DB}" srcId="{05E1324F-8146-4646-9834-930E93833AAB}" destId="{F10CD7FE-EC1C-4FEA-838D-9E81CCF5D9A4}" srcOrd="1" destOrd="0" parTransId="{BAFC39B4-EA0D-452B-8F16-9D73BD0FD1D6}" sibTransId="{8EB84A44-04D3-441F-97C4-887B196822BE}"/>
-    <dgm:cxn modelId="{4FC61AEB-E628-4356-89F4-E5285539C9B0}" type="presOf" srcId="{03F0FF15-5677-4317-994F-EF7E3DF845AA}" destId="{5FB5A517-64A3-4BBB-9C06-CCF84D5E5E7F}" srcOrd="0" destOrd="0" presId="urn:microsoft.com/office/officeart/2005/8/layout/orgChart1"/>
-    <dgm:cxn modelId="{59642E7A-2F85-4D3F-8975-0D7A3963C7CB}" type="presOf" srcId="{ACCA721F-76E7-4109-9558-F003BABEE0B5}" destId="{6A3EFA0E-0745-4CCD-81AF-1978C059994D}" srcOrd="0" destOrd="0" presId="urn:microsoft.com/office/officeart/2005/8/layout/orgChart1"/>
-    <dgm:cxn modelId="{6C8021E3-05A5-4D97-8709-8A6C0593F60F}" type="presOf" srcId="{EA6080DA-1AD7-4105-9E53-5437F4AF6BE1}" destId="{FB89C2B6-C4D9-4EDC-A029-D6C4E3840313}" srcOrd="0" destOrd="0" presId="urn:microsoft.com/office/officeart/2005/8/layout/orgChart1"/>
-    <dgm:cxn modelId="{539AE6C1-3527-4265-B539-520F0E67AEC5}" type="presOf" srcId="{F570D233-7486-4900-80AA-7010FD12A345}" destId="{C1681FCF-D047-45EA-A575-4F5010ADD0F2}" srcOrd="0" destOrd="0" presId="urn:microsoft.com/office/officeart/2005/8/layout/orgChart1"/>
-    <dgm:cxn modelId="{8924B726-1222-407D-BF22-173743A9E1D1}" srcId="{F68779E3-5F1B-4937-AD5A-30C29348322D}" destId="{3371556B-8BBE-40A0-9B78-0E52D105D5CB}" srcOrd="2" destOrd="0" parTransId="{0A1CDFBF-7E7C-4955-87B5-E5A6FD0ADBAE}" sibTransId="{6348C2EB-309D-40AE-9633-A0E88FD8EF4D}"/>
-    <dgm:cxn modelId="{C1003855-E2D8-4DEB-A499-76899A0A80C1}" srcId="{F68779E3-5F1B-4937-AD5A-30C29348322D}" destId="{7E13B1E0-7188-42C9-8AF4-B8DF30A2FB2B}" srcOrd="4" destOrd="0" parTransId="{EEF2DAD1-9411-429E-8AE3-AF432E7EA32C}" sibTransId="{5B791C4E-C08B-4456-A6A9-CF0AB6F73417}"/>
-    <dgm:cxn modelId="{077A0E70-5653-4392-97DD-93205B0E711D}" type="presOf" srcId="{3371556B-8BBE-40A0-9B78-0E52D105D5CB}" destId="{10443C87-1029-47E0-8468-53932E830E45}" srcOrd="0" destOrd="0" presId="urn:microsoft.com/office/officeart/2005/8/layout/orgChart1"/>
-    <dgm:cxn modelId="{F0CCE550-EFE6-486D-B91E-9C637AED0EAF}" type="presOf" srcId="{5946A508-DC21-481B-A321-729B4675A6D3}" destId="{33D38839-84BE-4441-98E0-5D6DA66F1D2B}" srcOrd="0" destOrd="0" presId="urn:microsoft.com/office/officeart/2005/8/layout/orgChart1"/>
-    <dgm:cxn modelId="{D698B2FE-01E0-4803-A5E8-6FCA802CCF72}" type="presOf" srcId="{83162824-B7B0-48B0-B21A-2AC417FBEC99}" destId="{2A47ED97-16E2-4D9F-8AAE-E1FB4E603423}" srcOrd="0" destOrd="0" presId="urn:microsoft.com/office/officeart/2005/8/layout/orgChart1"/>
-    <dgm:cxn modelId="{7FBF3CAF-7D1C-4A58-AC82-E929BA8368FE}" srcId="{9415298D-26EA-4A6C-9F5B-E0E3E23E89A5}" destId="{BB291C0A-1458-4D57-B34D-E7FBBDA7E2D6}" srcOrd="2" destOrd="0" parTransId="{F6806731-5FCD-41C0-A0AB-74A32B05E930}" sibTransId="{B08ED9EB-7A3B-46A6-8BFA-9A7AA56ED696}"/>
-    <dgm:cxn modelId="{1A6DCE4A-681A-4FD5-B18A-FF02370A7B2D}" srcId="{388B03AE-1583-4706-A7BB-BA764C869B0C}" destId="{AC9EFDF2-1E89-413C-A544-762CE1A4F8C0}" srcOrd="1" destOrd="0" parTransId="{9AD4C4D3-AA3D-42C6-95BD-CD17690A33EA}" sibTransId="{5C757D7B-043D-4461-961A-CAB233238931}"/>
-    <dgm:cxn modelId="{A9B89E22-DD3D-42CE-ABBD-8B82C2C3926C}" srcId="{08D7570B-7F60-45C4-A5BB-AAC3AFDA8848}" destId="{3C317A52-ECB4-4542-BB96-DF4C309821B9}" srcOrd="3" destOrd="0" parTransId="{877C027F-D44C-4DDD-8828-83496E2ACB92}" sibTransId="{44CA257E-84E6-4E69-B2D8-6AB3FF6DC3B6}"/>
-    <dgm:cxn modelId="{8F9D5DD2-8F2A-4AA5-B96C-887FE735294E}" type="presOf" srcId="{3371556B-8BBE-40A0-9B78-0E52D105D5CB}" destId="{442AA651-B453-4109-AA5A-BB7436FF37D0}" srcOrd="1" destOrd="0" presId="urn:microsoft.com/office/officeart/2005/8/layout/orgChart1"/>
-    <dgm:cxn modelId="{4735A4FF-14DA-4366-BCEE-E55FE429F8F7}" type="presOf" srcId="{CC1E035F-12D9-43A7-8748-71BC43075F3B}" destId="{475699FC-8B5A-437D-AFC1-A5062F8D0579}" srcOrd="1" destOrd="0" presId="urn:microsoft.com/office/officeart/2005/8/layout/orgChart1"/>
-    <dgm:cxn modelId="{7B0CAE57-DB81-45DD-85D8-9FB52E46D94D}" type="presOf" srcId="{DE98661A-2A86-4E5B-BEBB-28CFE600295D}" destId="{A7CA35FA-0C3F-4D23-A223-B97EECACEF17}" srcOrd="0" destOrd="0" presId="urn:microsoft.com/office/officeart/2005/8/layout/orgChart1"/>
-    <dgm:cxn modelId="{790FEC2E-2BBB-4702-9938-31B1113C9285}" type="presOf" srcId="{1CDE04AC-330B-476F-9CC7-600E92AC4F85}" destId="{DA563663-A228-4859-8AF1-9EF73B51E3C7}" srcOrd="1" destOrd="0" presId="urn:microsoft.com/office/officeart/2005/8/layout/orgChart1"/>
-    <dgm:cxn modelId="{70A21B1F-1A2D-4FC7-A8BC-8DF18B0220DE}" type="presOf" srcId="{F592E2EC-DC54-4A46-BD61-883E209773A3}" destId="{59EACFD1-CF99-4771-82BE-8DA492876C2F}" srcOrd="0" destOrd="0" presId="urn:microsoft.com/office/officeart/2005/8/layout/orgChart1"/>
-    <dgm:cxn modelId="{DCE5DC77-3B3C-4441-A397-B36574C712B3}" type="presOf" srcId="{58094D1F-E3DD-46B2-B122-90B28EFA0AEA}" destId="{66EF63CD-1BA1-4100-ACC6-C45626AF59D5}" srcOrd="0" destOrd="0" presId="urn:microsoft.com/office/officeart/2005/8/layout/orgChart1"/>
-    <dgm:cxn modelId="{01DB78BE-374C-484D-83EA-2A10898A0D42}" type="presOf" srcId="{3A749A3F-1C10-4426-A711-E367F9179400}" destId="{B44A278F-86FE-491B-AFFE-823D65D6F32E}" srcOrd="0" destOrd="0" presId="urn:microsoft.com/office/officeart/2005/8/layout/orgChart1"/>
-    <dgm:cxn modelId="{18D9CBA7-1FD1-458F-945A-A9190010292D}" srcId="{1CDE04AC-330B-476F-9CC7-600E92AC4F85}" destId="{838A87CA-745D-483F-ACAB-C5C6AC1AC3CB}" srcOrd="2" destOrd="0" parTransId="{E65E6197-B490-448B-BC0E-F57B9A123693}" sibTransId="{6484A07E-B721-4F79-87BA-73C415021ADA}"/>
-    <dgm:cxn modelId="{7644C323-03A6-4ABF-9C43-42DC0407AB75}" type="presOf" srcId="{8968DFAC-2D32-4109-B15D-A75FD6B38343}" destId="{859A5F7A-4B51-4AD3-96AE-3C6BF22CD42A}" srcOrd="0" destOrd="0" presId="urn:microsoft.com/office/officeart/2005/8/layout/orgChart1"/>
-    <dgm:cxn modelId="{16DBE31C-9078-44E9-99FC-5D8F21FB2D23}" type="presOf" srcId="{2B617E80-B54D-46B4-B2BD-E1B71A0C89B5}" destId="{B1DDD93C-AA0B-4079-AE64-A6CC80C413FA}" srcOrd="0" destOrd="0" presId="urn:microsoft.com/office/officeart/2005/8/layout/orgChart1"/>
-    <dgm:cxn modelId="{2D651113-F0FD-4E96-A0A7-451193AF142A}" type="presOf" srcId="{75677C28-0B61-43C0-8518-57E83FD5FFFD}" destId="{C908BDEB-4B47-48E7-9DE2-7418AFF8DAF0}" srcOrd="0" destOrd="0" presId="urn:microsoft.com/office/officeart/2005/8/layout/orgChart1"/>
-    <dgm:cxn modelId="{EB8847FF-C85C-471F-8F4E-3C64F8434128}" type="presOf" srcId="{E129A0A3-02E8-44C7-A471-F10CE622EEE2}" destId="{DFFDB907-47D0-42CF-9EF9-19AD1F11C082}" srcOrd="1" destOrd="0" presId="urn:microsoft.com/office/officeart/2005/8/layout/orgChart1"/>
-    <dgm:cxn modelId="{2E9D413D-B227-4695-A338-DBB430C761AB}" type="presOf" srcId="{EED226CF-6258-4523-BE2C-3FD2249BB436}" destId="{DA3B6617-0367-4604-9D76-E834372B07F9}" srcOrd="0" destOrd="0" presId="urn:microsoft.com/office/officeart/2005/8/layout/orgChart1"/>
-    <dgm:cxn modelId="{20CA77F1-F4D6-47F2-A4CB-C3F5478E6EA8}" type="presOf" srcId="{71C2B6F7-464C-41F6-BB0A-96F5F2BEF7D0}" destId="{241DB644-022A-42E8-AFEC-FCFA4C8A0240}" srcOrd="0" destOrd="0" presId="urn:microsoft.com/office/officeart/2005/8/layout/orgChart1"/>
-    <dgm:cxn modelId="{D0A107B0-C691-40FC-A179-B814C04C4D38}" type="presOf" srcId="{6068CCC3-2DC3-49B1-A3C3-1B64FE37836D}" destId="{E733A77E-89FA-4B9C-A80B-CDCD62A1C3D1}" srcOrd="0" destOrd="0" presId="urn:microsoft.com/office/officeart/2005/8/layout/orgChart1"/>
-    <dgm:cxn modelId="{0AD56C9B-CEB6-4468-A45F-A772F4047CDE}" type="presOf" srcId="{6CD8509E-A00B-4F1E-8FFB-7AC5711DE29C}" destId="{4F1DA32C-0528-4A1F-887C-BC96DC8F4647}" srcOrd="1" destOrd="0" presId="urn:microsoft.com/office/officeart/2005/8/layout/orgChart1"/>
-    <dgm:cxn modelId="{294739EE-CF5B-46DE-A59E-E469A3DEC72B}" srcId="{08D7570B-7F60-45C4-A5BB-AAC3AFDA8848}" destId="{2C3B81CE-F604-45E3-A929-15B1AB9AEC9C}" srcOrd="7" destOrd="0" parTransId="{7AD68B3B-1051-4CBA-8D30-3893EF8C1CF3}" sibTransId="{D9A0B0D0-8B5E-4772-81B3-E33D904E06E7}"/>
-    <dgm:cxn modelId="{728C2B3B-0BC1-4F91-A9D3-609805333013}" type="presOf" srcId="{33E5B74F-462A-4908-BA0C-E4B4BF8620A1}" destId="{EE5565CD-CF13-487F-A639-81EB419FED5F}" srcOrd="0" destOrd="0" presId="urn:microsoft.com/office/officeart/2005/8/layout/orgChart1"/>
-    <dgm:cxn modelId="{212B85CD-A764-4645-BC18-5725A1AC7508}" type="presOf" srcId="{69732022-F68D-4360-A98F-905AE08AE282}" destId="{2CCE7F09-4570-460F-9C32-32DFB8F0C212}" srcOrd="0" destOrd="0" presId="urn:microsoft.com/office/officeart/2005/8/layout/orgChart1"/>
-    <dgm:cxn modelId="{355D963E-C091-4329-AB8C-63B9327B04C8}" type="presOf" srcId="{453AC38F-5E8F-45CC-A83B-D6379A610B1B}" destId="{F9DC42A8-DEA3-4BD7-950A-A4E2F1D5E1F6}" srcOrd="1" destOrd="0" presId="urn:microsoft.com/office/officeart/2005/8/layout/orgChart1"/>
-    <dgm:cxn modelId="{3201DD18-6449-48BF-8034-A3AA2E609B3B}" srcId="{F68779E3-5F1B-4937-AD5A-30C29348322D}" destId="{82DA2C98-167F-4AEA-B668-91E1B0111BD9}" srcOrd="3" destOrd="0" parTransId="{82952DE5-59D2-434F-AC20-AF1ED12E162B}" sibTransId="{BA8E275C-9851-4FFF-9B85-2CB36CEF03FE}"/>
-    <dgm:cxn modelId="{DD387942-8407-4DD2-9485-425E1609D302}" srcId="{08D7570B-7F60-45C4-A5BB-AAC3AFDA8848}" destId="{E129A0A3-02E8-44C7-A471-F10CE622EEE2}" srcOrd="6" destOrd="0" parTransId="{3A749A3F-1C10-4426-A711-E367F9179400}" sibTransId="{B8DE39FF-E88F-49BC-93F7-8AB66E332AE8}"/>
-    <dgm:cxn modelId="{336F9B39-3C25-45B7-94EC-A1664A83DC46}" type="presOf" srcId="{3C317A52-ECB4-4542-BB96-DF4C309821B9}" destId="{02FBAA06-E91C-4408-9781-CAA72564A194}" srcOrd="0" destOrd="0" presId="urn:microsoft.com/office/officeart/2005/8/layout/orgChart1"/>
-    <dgm:cxn modelId="{CF0E4D6C-799A-4B12-BAE7-4FEB74FB7C07}" type="presOf" srcId="{9AD4C4D3-AA3D-42C6-95BD-CD17690A33EA}" destId="{FFADC981-98DA-465A-834E-1469A32BE8A5}" srcOrd="0" destOrd="0" presId="urn:microsoft.com/office/officeart/2005/8/layout/orgChart1"/>
-    <dgm:cxn modelId="{E240B483-86A5-4715-8A96-5C2341BD5869}" type="presOf" srcId="{DE98661A-2A86-4E5B-BEBB-28CFE600295D}" destId="{1D1FB9AF-E56B-4BF2-86AD-D0757036F1B7}" srcOrd="1" destOrd="0" presId="urn:microsoft.com/office/officeart/2005/8/layout/orgChart1"/>
+    <dgm:cxn modelId="{05B21077-5E5E-4129-9456-43F6C73C5CEC}" type="presOf" srcId="{6CD8509E-A00B-4F1E-8FFB-7AC5711DE29C}" destId="{F81DDCF3-0282-49EA-BBDC-75EC7C68491D}" srcOrd="0" destOrd="0" presId="urn:microsoft.com/office/officeart/2005/8/layout/orgChart1"/>
     <dgm:cxn modelId="{4B5E1237-DC16-4C50-8AFB-F0CEB500AFB7}" type="presOf" srcId="{BB291C0A-1458-4D57-B34D-E7FBBDA7E2D6}" destId="{36587E54-975A-4C05-B2B4-F67567496F60}" srcOrd="0" destOrd="0" presId="urn:microsoft.com/office/officeart/2005/8/layout/orgChart1"/>
-    <dgm:cxn modelId="{814AB314-8A19-408C-80C8-3EB94A3FB4A9}" type="presOf" srcId="{A77E4FFE-94E2-4FD6-9E07-71A1A0096029}" destId="{985B6AD2-ED07-400B-8839-3B7B93ACC041}" srcOrd="0" destOrd="0" presId="urn:microsoft.com/office/officeart/2005/8/layout/orgChart1"/>
-    <dgm:cxn modelId="{0EC533AC-BFA0-4A55-9928-F3C81DB38348}" type="presOf" srcId="{7AD68B3B-1051-4CBA-8D30-3893EF8C1CF3}" destId="{11A59931-D491-42DF-ADEC-10AA4C5496C8}" srcOrd="0" destOrd="0" presId="urn:microsoft.com/office/officeart/2005/8/layout/orgChart1"/>
-    <dgm:cxn modelId="{491BDEF1-F1F8-4CE7-B5EC-F00C331A3C8E}" srcId="{9415298D-26EA-4A6C-9F5B-E0E3E23E89A5}" destId="{6CD8509E-A00B-4F1E-8FFB-7AC5711DE29C}" srcOrd="4" destOrd="0" parTransId="{57DC7780-0DC9-4933-9067-F151516DD5E6}" sibTransId="{639F22BF-5ED6-4C02-99AE-5D8EE9A516DA}"/>
-    <dgm:cxn modelId="{6965362B-C149-4458-9608-B7DBCB2C9391}" type="presOf" srcId="{B9578511-1845-41D9-B567-2EED72A74826}" destId="{20C4464E-9E44-4762-B40F-2AE7944D78AA}" srcOrd="0" destOrd="0" presId="urn:microsoft.com/office/officeart/2005/8/layout/orgChart1"/>
-    <dgm:cxn modelId="{BDA34EB5-0B0E-4E61-9A8F-81469EA5195A}" type="presOf" srcId="{31F75589-71C7-4560-8B8D-7ACEF423E831}" destId="{16671BCE-57AF-463A-9BDF-1D780F79A168}" srcOrd="1" destOrd="0" presId="urn:microsoft.com/office/officeart/2005/8/layout/orgChart1"/>
-    <dgm:cxn modelId="{20378B9C-CBBF-4608-BB61-D2F4C6FD2E27}" srcId="{9415298D-26EA-4A6C-9F5B-E0E3E23E89A5}" destId="{2A449A93-E6F7-4B50-94C3-64C4ABF8D9AE}" srcOrd="1" destOrd="0" parTransId="{A2ACCAC0-174D-4F18-BC30-4514C72F774D}" sibTransId="{B8FF5A9D-9835-422F-AA08-E3D79B76D6DC}"/>
-    <dgm:cxn modelId="{B1A5F6B3-9EEB-4B72-BFCB-26A55471936F}" type="presOf" srcId="{370FACC3-9B58-4A17-9C1D-F35986E1527E}" destId="{13D1F1A4-15DC-46CD-AFCF-B9478D616FBF}" srcOrd="1" destOrd="0" presId="urn:microsoft.com/office/officeart/2005/8/layout/orgChart1"/>
-    <dgm:cxn modelId="{AD8119AD-F551-4AFC-B7C0-E91119D006F7}" type="presOf" srcId="{42DCF222-A7F0-4F5C-9587-98C17917CED9}" destId="{9196C4E4-EE38-43B3-B19C-DDABD9FFCCAF}" srcOrd="1" destOrd="0" presId="urn:microsoft.com/office/officeart/2005/8/layout/orgChart1"/>
-    <dgm:cxn modelId="{68FE87AA-2918-4C3A-AD5D-BE6C686470DE}" type="presOf" srcId="{69544CBA-CA27-437C-8C32-2CD286DB0F34}" destId="{FBD5581D-644B-4431-B1FE-09F7B8CE8682}" srcOrd="0" destOrd="0" presId="urn:microsoft.com/office/officeart/2005/8/layout/orgChart1"/>
-    <dgm:cxn modelId="{3881DCF3-4B0E-4F2A-8B6F-F86B1939036B}" srcId="{05E1324F-8146-4646-9834-930E93833AAB}" destId="{42DCF222-A7F0-4F5C-9587-98C17917CED9}" srcOrd="2" destOrd="0" parTransId="{FAE29150-1962-4BCA-A58E-752BF483FA29}" sibTransId="{EED44F56-5E75-4270-9ADA-2D7890119CAF}"/>
+    <dgm:cxn modelId="{4FB8201C-F41E-44C9-BCF4-EAFB530552B5}" type="presOf" srcId="{E89F140B-F088-40FC-BE98-59467D811621}" destId="{E55C1A4E-3864-49EA-94DA-A061B38493CC}" srcOrd="0" destOrd="0" presId="urn:microsoft.com/office/officeart/2005/8/layout/orgChart1"/>
     <dgm:cxn modelId="{0828B756-D5A5-4FA8-BAD6-3E60C77C9011}" type="presOf" srcId="{F68779E3-5F1B-4937-AD5A-30C29348322D}" destId="{BC388B97-8004-4404-ABB1-C87976364713}" srcOrd="1" destOrd="0" presId="urn:microsoft.com/office/officeart/2005/8/layout/orgChart1"/>
-    <dgm:cxn modelId="{115A73AD-9F9E-4130-97A0-15EBD1319DF6}" type="presOf" srcId="{8B0DCDDF-6CB1-41CE-91C9-24E19807E043}" destId="{AC0E13AF-46D2-4650-903D-3CE15EF1BF11}" srcOrd="0" destOrd="0" presId="urn:microsoft.com/office/officeart/2005/8/layout/orgChart1"/>
-    <dgm:cxn modelId="{CB633990-6776-454A-AB7C-99AA5823E44D}" type="presOf" srcId="{EE61DB26-84DE-4FC7-AA26-9818CD81E4DB}" destId="{D628ABE4-F7B0-4A71-B0F5-64846DEBF620}" srcOrd="1" destOrd="0" presId="urn:microsoft.com/office/officeart/2005/8/layout/orgChart1"/>
-    <dgm:cxn modelId="{1505BBCA-A7AD-4BFD-AC98-B000655FFD5C}" type="presOf" srcId="{388B03AE-1583-4706-A7BB-BA764C869B0C}" destId="{D4F19F9B-2F58-4077-B3FC-9B0A645C389C}" srcOrd="0" destOrd="0" presId="urn:microsoft.com/office/officeart/2005/8/layout/orgChart1"/>
-    <dgm:cxn modelId="{9E53B9C9-16DC-4D50-AA24-A6B6C6D5F5A2}" type="presOf" srcId="{69544CBA-CA27-437C-8C32-2CD286DB0F34}" destId="{52DA0F83-9556-4D9E-AF88-44A5616C40BF}" srcOrd="1" destOrd="0" presId="urn:microsoft.com/office/officeart/2005/8/layout/orgChart1"/>
-    <dgm:cxn modelId="{D05030BB-85A1-4D1B-BA3B-D50E2B843501}" type="presOf" srcId="{BD76ABED-2DF9-43FC-8248-8906FC6ED38C}" destId="{E70CC0F3-62B4-402F-89EA-C1A8676F1211}" srcOrd="1" destOrd="0" presId="urn:microsoft.com/office/officeart/2005/8/layout/orgChart1"/>
-    <dgm:cxn modelId="{E085F052-71DA-456B-9D0E-EA3DD8F91200}" type="presOf" srcId="{AFFDE2CB-7397-4BE5-8AA5-D9804C2FD10B}" destId="{ABFB96A1-CF90-486A-B577-60C0059FBF06}" srcOrd="0" destOrd="0" presId="urn:microsoft.com/office/officeart/2005/8/layout/orgChart1"/>
-    <dgm:cxn modelId="{35DF3317-AB78-4FC9-AED9-D63C9BDC6056}" type="presOf" srcId="{FD175948-8E56-4907-A90D-D33026458406}" destId="{FD377280-DB89-464B-8AB5-3FD633C31F64}" srcOrd="0" destOrd="0" presId="urn:microsoft.com/office/officeart/2005/8/layout/orgChart1"/>
-    <dgm:cxn modelId="{62C3E448-AF7C-4458-803E-934D1E3CFBA7}" type="presOf" srcId="{BD76ABED-2DF9-43FC-8248-8906FC6ED38C}" destId="{9E844CCB-BB56-4B9F-AF3E-5D6C0FAE0E8F}" srcOrd="0" destOrd="0" presId="urn:microsoft.com/office/officeart/2005/8/layout/orgChart1"/>
-    <dgm:cxn modelId="{5177D8C6-304A-4395-B483-DA8C5B6A2EDC}" type="presOf" srcId="{E3784866-5079-48A1-8C65-5C1C9D9F351C}" destId="{1D35D496-CD0E-4191-B6C8-15EBDC8510D8}" srcOrd="1" destOrd="0" presId="urn:microsoft.com/office/officeart/2005/8/layout/orgChart1"/>
-    <dgm:cxn modelId="{DD58F627-D3CF-4003-9B19-62B10682E516}" srcId="{433F03CC-DCFC-4D2C-8473-EC4AB3124061}" destId="{08D7570B-7F60-45C4-A5BB-AAC3AFDA8848}" srcOrd="0" destOrd="0" parTransId="{0A3FBE38-C8DC-4396-861D-B6EC532329D0}" sibTransId="{31B10B27-F58F-4856-80F9-E048798447B2}"/>
-    <dgm:cxn modelId="{A82BF7AA-225C-4726-8772-80F85FBC1F43}" srcId="{E129A0A3-02E8-44C7-A471-F10CE622EEE2}" destId="{43166DAC-976F-42DF-9C20-29F234951604}" srcOrd="3" destOrd="0" parTransId="{9693E88B-89FA-4F40-91E9-07A585F60F1E}" sibTransId="{A4972646-8D7B-4D9F-9384-B0093249AB58}"/>
-    <dgm:cxn modelId="{32485305-F9EB-4C89-BB28-2E257334ACEC}" type="presOf" srcId="{CE8B9297-0335-465D-8C14-F6670FD76933}" destId="{6BCE281D-4856-42A0-AE72-2F8F4DE21E8F}" srcOrd="1" destOrd="0" presId="urn:microsoft.com/office/officeart/2005/8/layout/orgChart1"/>
-    <dgm:cxn modelId="{3B900DC9-7F34-40B7-BC0F-4A2C13340A08}" type="presOf" srcId="{A16C8E02-D3E4-4642-B27E-409C4F5D51C2}" destId="{0497886C-83E9-4FEA-A5D4-F3B202E9B2C0}" srcOrd="0" destOrd="0" presId="urn:microsoft.com/office/officeart/2005/8/layout/orgChart1"/>
-    <dgm:cxn modelId="{9F85EE09-E253-41D0-975F-175EE2BD72B7}" type="presOf" srcId="{301A8421-BFB3-4791-BD9C-8B5DF53C5C92}" destId="{2E177F70-5D22-47DE-9E47-56177F40C4CA}" srcOrd="0" destOrd="0" presId="urn:microsoft.com/office/officeart/2005/8/layout/orgChart1"/>
-    <dgm:cxn modelId="{30FF6CB6-33BB-4026-B4D2-B7F069EAE5F9}" type="presOf" srcId="{82DA2C98-167F-4AEA-B668-91E1B0111BD9}" destId="{5269A202-2ACB-4514-B537-A19843F16DF9}" srcOrd="1" destOrd="0" presId="urn:microsoft.com/office/officeart/2005/8/layout/orgChart1"/>
-    <dgm:cxn modelId="{FCA7ADC4-8F0A-4F2B-BAA4-E2F40430B4E2}" srcId="{E129A0A3-02E8-44C7-A471-F10CE622EEE2}" destId="{9B915BF9-5721-4BAF-B37D-958659E5090C}" srcOrd="1" destOrd="0" parTransId="{F7397BD6-4925-49A4-A538-AA6DAE7E7324}" sibTransId="{9B41F221-4E95-4D2E-8AA8-87AE3105E635}"/>
-    <dgm:cxn modelId="{CAB61577-4F27-4AFE-B983-0CB2EC69AA19}" type="presOf" srcId="{1880A97A-7745-48A2-B8B1-9FDFADF4125F}" destId="{3E08FB7D-0DE5-49FE-9673-7AD4DEC3D1C7}" srcOrd="0" destOrd="0" presId="urn:microsoft.com/office/officeart/2005/8/layout/orgChart1"/>
-    <dgm:cxn modelId="{F1E6903D-349C-49C7-A733-8F754F52959A}" type="presOf" srcId="{3F8C432B-19EE-4D0F-B1F6-AE55DEADBD78}" destId="{5F187E70-CE21-445A-A027-62F7814CDC54}" srcOrd="0" destOrd="0" presId="urn:microsoft.com/office/officeart/2005/8/layout/orgChart1"/>
-    <dgm:cxn modelId="{3E9C6EC0-6373-44C2-BEB5-8C3EA8CFF7F9}" type="presOf" srcId="{3C317A52-ECB4-4542-BB96-DF4C309821B9}" destId="{0C3DE6DC-983A-4ED4-9F7C-A7D0D6C6BB27}" srcOrd="1" destOrd="0" presId="urn:microsoft.com/office/officeart/2005/8/layout/orgChart1"/>
-    <dgm:cxn modelId="{71C8528D-9E49-437B-A885-697D663593BC}" srcId="{1CDE04AC-330B-476F-9CC7-600E92AC4F85}" destId="{453AC38F-5E8F-45CC-A83B-D6379A610B1B}" srcOrd="0" destOrd="0" parTransId="{6F88080A-5068-4E2D-8C54-67E23CE7C322}" sibTransId="{9078EDEA-9045-4C60-B91D-822E2BC51350}"/>
-    <dgm:cxn modelId="{F253E6D7-C634-4F19-B0CC-505BDD8468EA}" type="presOf" srcId="{2A449A93-E6F7-4B50-94C3-64C4ABF8D9AE}" destId="{930178AF-799B-4C33-9A91-0DF2FD98DC25}" srcOrd="1" destOrd="0" presId="urn:microsoft.com/office/officeart/2005/8/layout/orgChart1"/>
-    <dgm:cxn modelId="{2ACDCB2E-6193-4D6E-B00E-B339EEA46651}" type="presOf" srcId="{E9D10807-D0ED-4014-9724-3F0B7E0BBFA8}" destId="{B223C9B4-7C22-49AC-AD67-F4EE80F3A807}" srcOrd="1" destOrd="0" presId="urn:microsoft.com/office/officeart/2005/8/layout/orgChart1"/>
-    <dgm:cxn modelId="{EA3859D6-EB28-4435-8E3D-3E7A4E90ACEC}" type="presOf" srcId="{1B3B6D64-CCB9-4AA3-A7D3-4735729B2188}" destId="{1ACEF76A-F2D7-4A43-82D5-0F264796B0E7}" srcOrd="0" destOrd="0" presId="urn:microsoft.com/office/officeart/2005/8/layout/orgChart1"/>
-    <dgm:cxn modelId="{FD4A497A-9472-47D6-AFCF-872FFF4CD5E1}" type="presOf" srcId="{EEF2DAD1-9411-429E-8AE3-AF432E7EA32C}" destId="{75B88093-9820-4387-948B-CDA1C1BB74EE}" srcOrd="0" destOrd="0" presId="urn:microsoft.com/office/officeart/2005/8/layout/orgChart1"/>
-    <dgm:cxn modelId="{3A17AA84-95D9-4B4B-A4C5-210683DC59EC}" type="presOf" srcId="{C315FCED-E8F8-431B-B157-33FEE26E02D1}" destId="{8B02A770-BEC4-4580-9249-A68231443CF5}" srcOrd="0" destOrd="0" presId="urn:microsoft.com/office/officeart/2005/8/layout/orgChart1"/>
-    <dgm:cxn modelId="{F304C9FF-E334-42AE-BA73-C827E442223F}" srcId="{3D4622CA-CE55-4B59-80B0-3EDC3294BDF0}" destId="{D7344F1F-692E-4729-9720-F8CA431C8174}" srcOrd="4" destOrd="0" parTransId="{5FE6D0AE-D997-411B-BE7A-A53CF6A20CD3}" sibTransId="{C5BC6539-00A7-436E-A2E8-2C4F844B0913}"/>
-    <dgm:cxn modelId="{933B1ABB-EC21-4856-A1AE-5D6376B23208}" srcId="{F68779E3-5F1B-4937-AD5A-30C29348322D}" destId="{75677C28-0B61-43C0-8518-57E83FD5FFFD}" srcOrd="1" destOrd="0" parTransId="{AED10E6B-2A7C-4D87-AE2F-A9E67C153362}" sibTransId="{60ECD780-91DC-4A56-9513-E88AC9A59C38}"/>
-    <dgm:cxn modelId="{BB7E22A5-873A-4BB2-9C7E-616F5C44B538}" type="presOf" srcId="{4C86D47B-C8EC-4779-8423-75ABE738C448}" destId="{A6441542-2426-4E70-8C5A-A610B16CC2C2}" srcOrd="1" destOrd="0" presId="urn:microsoft.com/office/officeart/2005/8/layout/orgChart1"/>
-    <dgm:cxn modelId="{1B45B4D6-4FDB-4676-8F6E-91F66FA6DEED}" srcId="{EE885740-B09E-4BF7-91EA-7D5BE0CC34D9}" destId="{DE98661A-2A86-4E5B-BEBB-28CFE600295D}" srcOrd="0" destOrd="0" parTransId="{F592E2EC-DC54-4A46-BD61-883E209773A3}" sibTransId="{90357D43-7372-4136-A7B3-9F714E02C503}"/>
-    <dgm:cxn modelId="{ECA12F93-73F3-4FAD-A3CF-64C497706236}" type="presOf" srcId="{EE885740-B09E-4BF7-91EA-7D5BE0CC34D9}" destId="{884FAFCF-9AB1-4841-B81A-42C91DEBF4D4}" srcOrd="0" destOrd="0" presId="urn:microsoft.com/office/officeart/2005/8/layout/orgChart1"/>
-    <dgm:cxn modelId="{B914B34B-A361-4803-8DEE-D1CF2C3E953A}" type="presOf" srcId="{CC1E035F-12D9-43A7-8748-71BC43075F3B}" destId="{28E4536B-55FF-4C74-91BF-1998041F1C81}" srcOrd="0" destOrd="0" presId="urn:microsoft.com/office/officeart/2005/8/layout/orgChart1"/>
-    <dgm:cxn modelId="{411CE684-A65A-44B4-AB1A-0E4F5B1D3327}" type="presOf" srcId="{AED10E6B-2A7C-4D87-AE2F-A9E67C153362}" destId="{8876F36E-6C3D-4776-ABDC-D185073FEE12}" srcOrd="0" destOrd="0" presId="urn:microsoft.com/office/officeart/2005/8/layout/orgChart1"/>
-    <dgm:cxn modelId="{C37E78BF-5BBE-48A2-9C40-5034EF616FF9}" srcId="{E129A0A3-02E8-44C7-A471-F10CE622EEE2}" destId="{370FACC3-9B58-4A17-9C1D-F35986E1527E}" srcOrd="2" destOrd="0" parTransId="{98A06ADE-4CED-470E-9E84-843856B695B5}" sibTransId="{845BDE72-0F3E-489E-9D78-16E2A85776A6}"/>
-    <dgm:cxn modelId="{45112542-EE09-4A45-9662-D3C4700BAF53}" srcId="{3D4622CA-CE55-4B59-80B0-3EDC3294BDF0}" destId="{BD76ABED-2DF9-43FC-8248-8906FC6ED38C}" srcOrd="2" destOrd="0" parTransId="{14938C81-B03D-4F7B-AA43-E5108073D6DA}" sibTransId="{BBD1E240-613A-459B-BBA0-5760C1FE9C86}"/>
-    <dgm:cxn modelId="{B8329845-FABA-4FD1-B2F3-58AAEFA4595C}" srcId="{1CDE04AC-330B-476F-9CC7-600E92AC4F85}" destId="{B9578511-1845-41D9-B567-2EED72A74826}" srcOrd="3" destOrd="0" parTransId="{F570D233-7486-4900-80AA-7010FD12A345}" sibTransId="{1D2B4D9D-3650-4696-BFB6-450A7FF9DC3A}"/>
-    <dgm:cxn modelId="{7511FDD8-A869-432F-BEA1-8536FA0CC156}" type="presOf" srcId="{49ADF8F0-4FCE-4D5A-A622-6EB5356592AC}" destId="{1DA0058F-15BD-4C35-BFD4-36D609C6A4FC}" srcOrd="0" destOrd="0" presId="urn:microsoft.com/office/officeart/2005/8/layout/orgChart1"/>
-    <dgm:cxn modelId="{4D951BD4-EEF8-4B15-923B-BA5502CF94CD}" srcId="{F68779E3-5F1B-4937-AD5A-30C29348322D}" destId="{69544CBA-CA27-437C-8C32-2CD286DB0F34}" srcOrd="5" destOrd="0" parTransId="{4ED3D2E9-09B3-4793-9165-1D0FEA576A8E}" sibTransId="{317B6A70-9CB2-4E50-A890-FCDB68A7791D}"/>
-    <dgm:cxn modelId="{69519F29-7393-4E48-A309-3B156FF436F5}" type="presOf" srcId="{A1ABF615-87CE-47C8-9EE0-167A5F546929}" destId="{0F860817-A773-451B-A163-FF7218806A3C}" srcOrd="0" destOrd="0" presId="urn:microsoft.com/office/officeart/2005/8/layout/orgChart1"/>
-    <dgm:cxn modelId="{44C6765A-D0EB-4F4E-A3A6-5F9DA6DC0B62}" srcId="{05E1324F-8146-4646-9834-930E93833AAB}" destId="{1D03597F-B94B-4CF5-AC27-3069B5430A3F}" srcOrd="5" destOrd="0" parTransId="{ABFFCB7E-D3DC-49E9-BD47-996CD9C7FF2E}" sibTransId="{54424810-206F-4F68-A93A-C383B10CAE7C}"/>
-    <dgm:cxn modelId="{971E6CAD-BB56-4684-B44E-05B638A7DAEB}" type="presOf" srcId="{05E1324F-8146-4646-9834-930E93833AAB}" destId="{08B3ED46-4D62-41BB-A275-17C8910203EA}" srcOrd="1" destOrd="0" presId="urn:microsoft.com/office/officeart/2005/8/layout/orgChart1"/>
     <dgm:cxn modelId="{2673D843-AC38-4E0E-921A-631447969315}" type="presOf" srcId="{49585238-A7FF-4937-BAD7-E6A985FB949D}" destId="{BA07D89D-66C4-4B40-BE81-31A1869E2AF7}" srcOrd="1" destOrd="0" presId="urn:microsoft.com/office/officeart/2005/8/layout/orgChart1"/>
     <dgm:cxn modelId="{E8A64E36-2699-4DEF-A028-2A7CF63D1971}" type="presOf" srcId="{E129A0A3-02E8-44C7-A471-F10CE622EEE2}" destId="{E8AF00D2-BB93-469E-A36A-6AD7C13875D0}" srcOrd="0" destOrd="0" presId="urn:microsoft.com/office/officeart/2005/8/layout/orgChart1"/>
-    <dgm:cxn modelId="{D0F75C03-26EB-4DAB-941B-5F87C7534131}" srcId="{08D7570B-7F60-45C4-A5BB-AAC3AFDA8848}" destId="{FB6E65E7-5E34-4F2D-9A0F-4611B152FE07}" srcOrd="1" destOrd="0" parTransId="{ACCA721F-76E7-4109-9558-F003BABEE0B5}" sibTransId="{B8EAC0E2-7B96-4F3F-BE9C-E33DDF59A625}"/>
+    <dgm:cxn modelId="{0E88B341-E970-41FF-BCCE-D72554FF4EAD}" type="presOf" srcId="{0A1CDFBF-7E7C-4955-87B5-E5A6FD0ADBAE}" destId="{2CE69817-D7E7-454A-B1C2-3A0E60E2BCDF}" srcOrd="0" destOrd="0" presId="urn:microsoft.com/office/officeart/2005/8/layout/orgChart1"/>
+    <dgm:cxn modelId="{162A6A06-BE28-47B1-BD55-E2E599F6D045}" type="presOf" srcId="{9415298D-26EA-4A6C-9F5B-E0E3E23E89A5}" destId="{072730EB-D725-4DB5-83A5-D31D9EB1B075}" srcOrd="1" destOrd="0" presId="urn:microsoft.com/office/officeart/2005/8/layout/orgChart1"/>
+    <dgm:cxn modelId="{4D951BD4-EEF8-4B15-923B-BA5502CF94CD}" srcId="{F68779E3-5F1B-4937-AD5A-30C29348322D}" destId="{69544CBA-CA27-437C-8C32-2CD286DB0F34}" srcOrd="5" destOrd="0" parTransId="{4ED3D2E9-09B3-4793-9165-1D0FEA576A8E}" sibTransId="{317B6A70-9CB2-4E50-A890-FCDB68A7791D}"/>
+    <dgm:cxn modelId="{EDC289AE-2CD5-49D2-AED3-A6F89A17AA48}" type="presOf" srcId="{FB6E65E7-5E34-4F2D-9A0F-4611B152FE07}" destId="{DC3C1DAE-B702-428D-9DC2-D42E2FA53FEA}" srcOrd="0" destOrd="0" presId="urn:microsoft.com/office/officeart/2005/8/layout/orgChart1"/>
+    <dgm:cxn modelId="{0D20063A-E0F4-43D8-9681-E01DA3AFDAC7}" srcId="{05E1324F-8146-4646-9834-930E93833AAB}" destId="{C9124633-A3F9-4E9E-B7AD-8AD6304814CA}" srcOrd="3" destOrd="0" parTransId="{B9C56D9D-EBB0-4EA4-9BA2-131EA7C33A70}" sibTransId="{B7DFFB7A-7AFF-41DC-AD7D-14058BB84C72}"/>
+    <dgm:cxn modelId="{9F85EE09-E253-41D0-975F-175EE2BD72B7}" type="presOf" srcId="{301A8421-BFB3-4791-BD9C-8B5DF53C5C92}" destId="{2E177F70-5D22-47DE-9E47-56177F40C4CA}" srcOrd="0" destOrd="0" presId="urn:microsoft.com/office/officeart/2005/8/layout/orgChart1"/>
+    <dgm:cxn modelId="{17362E34-BD27-4724-A288-2000F2A2F5C3}" type="presOf" srcId="{2A449A93-E6F7-4B50-94C3-64C4ABF8D9AE}" destId="{AFC5C9B9-9DCE-4428-8AC1-037C915315D7}" srcOrd="0" destOrd="0" presId="urn:microsoft.com/office/officeart/2005/8/layout/orgChart1"/>
+    <dgm:cxn modelId="{4D84371E-9B1F-473B-BE02-77B1B5162747}" type="presOf" srcId="{7B4CEC73-92CF-40AF-ADC3-F9A4ABE87813}" destId="{08340BC8-F60B-48BF-9C4B-B209EC91806A}" srcOrd="0" destOrd="0" presId="urn:microsoft.com/office/officeart/2005/8/layout/orgChart1"/>
+    <dgm:cxn modelId="{3C082539-359D-4C98-BB39-C1A42F6D8374}" type="presOf" srcId="{53527E90-2499-4F38-B9F0-811CC757430D}" destId="{B475045C-7B8A-4F3A-AE9F-E8B1F08086D7}" srcOrd="0" destOrd="0" presId="urn:microsoft.com/office/officeart/2005/8/layout/orgChart1"/>
+    <dgm:cxn modelId="{2D651113-F0FD-4E96-A0A7-451193AF142A}" type="presOf" srcId="{75677C28-0B61-43C0-8518-57E83FD5FFFD}" destId="{C908BDEB-4B47-48E7-9DE2-7418AFF8DAF0}" srcOrd="0" destOrd="0" presId="urn:microsoft.com/office/officeart/2005/8/layout/orgChart1"/>
+    <dgm:cxn modelId="{0CF1386F-CE06-475D-9B26-595E344B3C38}" type="presOf" srcId="{F7397BD6-4925-49A4-A538-AA6DAE7E7324}" destId="{E0F24A2A-E0C4-40A0-B559-94DB272B5399}" srcOrd="0" destOrd="0" presId="urn:microsoft.com/office/officeart/2005/8/layout/orgChart1"/>
+    <dgm:cxn modelId="{CE9BB810-430F-4868-A4E2-B5B25CA1C439}" type="presOf" srcId="{82DA2C98-167F-4AEA-B668-91E1B0111BD9}" destId="{858C8FBF-2143-4E7E-ACFA-6B0FBDBF6D39}" srcOrd="0" destOrd="0" presId="urn:microsoft.com/office/officeart/2005/8/layout/orgChart1"/>
+    <dgm:cxn modelId="{D29F35C8-E3EE-4A44-ADBA-AEB38CEA1AEA}" type="presOf" srcId="{9693E88B-89FA-4F40-91E9-07A585F60F1E}" destId="{7095FA1B-B48A-4751-A2D0-F76DEDA32F3B}" srcOrd="0" destOrd="0" presId="urn:microsoft.com/office/officeart/2005/8/layout/orgChart1"/>
+    <dgm:cxn modelId="{20378B9C-CBBF-4608-BB61-D2F4C6FD2E27}" srcId="{9415298D-26EA-4A6C-9F5B-E0E3E23E89A5}" destId="{2A449A93-E6F7-4B50-94C3-64C4ABF8D9AE}" srcOrd="1" destOrd="0" parTransId="{A2ACCAC0-174D-4F18-BC30-4514C72F774D}" sibTransId="{B8FF5A9D-9835-422F-AA08-E3D79B76D6DC}"/>
     <dgm:cxn modelId="{7D00B0A7-A45E-494C-B9D4-624851210A81}" type="presOf" srcId="{9415298D-26EA-4A6C-9F5B-E0E3E23E89A5}" destId="{B7E6F9D4-1DD8-4007-9805-8C05436241A7}" srcOrd="0" destOrd="0" presId="urn:microsoft.com/office/officeart/2005/8/layout/orgChart1"/>
-    <dgm:cxn modelId="{DE445C6E-D523-4CBA-8FC5-E6EF52A111E0}" type="presOf" srcId="{E65E6197-B490-448B-BC0E-F57B9A123693}" destId="{A10C288D-0624-4460-A6DF-D42CA91203B3}" srcOrd="0" destOrd="0" presId="urn:microsoft.com/office/officeart/2005/8/layout/orgChart1"/>
-    <dgm:cxn modelId="{7782B431-F10A-474C-AD17-E636C40B9888}" type="presOf" srcId="{49585238-A7FF-4937-BAD7-E6A985FB949D}" destId="{74435F31-9F9D-4BCF-9725-4BB61013D8AB}" srcOrd="0" destOrd="0" presId="urn:microsoft.com/office/officeart/2005/8/layout/orgChart1"/>
-    <dgm:cxn modelId="{F57D229C-CA20-4833-AA9B-E4F95FB67068}" type="presOf" srcId="{9B915BF9-5721-4BAF-B37D-958659E5090C}" destId="{1D66D065-6F8C-4D6B-9680-B443F9AAEA23}" srcOrd="1" destOrd="0" presId="urn:microsoft.com/office/officeart/2005/8/layout/orgChart1"/>
-    <dgm:cxn modelId="{351EFF51-74F4-4D4B-A3F7-41B205A909AF}" srcId="{3D4622CA-CE55-4B59-80B0-3EDC3294BDF0}" destId="{A16C8E02-D3E4-4642-B27E-409C4F5D51C2}" srcOrd="5" destOrd="0" parTransId="{DC707A64-F453-459D-91AD-24560F6783D4}" sibTransId="{AFD56B8F-2EDE-47F2-AFEA-C7637D8CA470}"/>
-    <dgm:cxn modelId="{FC8F7529-2F2F-4098-BE9F-0EDF28883511}" type="presOf" srcId="{60FBE8D4-75D7-4CAD-8908-CAE65E181666}" destId="{5113C752-D949-4A96-BC50-7DCCF8B3328F}" srcOrd="1" destOrd="0" presId="urn:microsoft.com/office/officeart/2005/8/layout/orgChart1"/>
-    <dgm:cxn modelId="{1BC613D7-D652-43DC-8228-7383D38543B8}" srcId="{08D7570B-7F60-45C4-A5BB-AAC3AFDA8848}" destId="{9415298D-26EA-4A6C-9F5B-E0E3E23E89A5}" srcOrd="2" destOrd="0" parTransId="{71C2B6F7-464C-41F6-BB0A-96F5F2BEF7D0}" sibTransId="{C93D2315-D7AD-4FB3-92E4-7411368C82A0}"/>
-    <dgm:cxn modelId="{B26CB1B3-7605-470A-BFFF-E13A78F1922D}" type="presOf" srcId="{83162824-B7B0-48B0-B21A-2AC417FBEC99}" destId="{7900D53E-0B0A-4930-9247-BE44BDA20A27}" srcOrd="1" destOrd="0" presId="urn:microsoft.com/office/officeart/2005/8/layout/orgChart1"/>
-    <dgm:cxn modelId="{0D20063A-E0F4-43D8-9681-E01DA3AFDAC7}" srcId="{05E1324F-8146-4646-9834-930E93833AAB}" destId="{C9124633-A3F9-4E9E-B7AD-8AD6304814CA}" srcOrd="3" destOrd="0" parTransId="{B9C56D9D-EBB0-4EA4-9BA2-131EA7C33A70}" sibTransId="{B7DFFB7A-7AFF-41DC-AD7D-14058BB84C72}"/>
-    <dgm:cxn modelId="{DA2FD00F-A45A-408C-8D77-64A8169EEA6F}" srcId="{2C3B81CE-F604-45E3-A929-15B1AB9AEC9C}" destId="{69732022-F68D-4360-A98F-905AE08AE282}" srcOrd="0" destOrd="0" parTransId="{1B3B6D64-CCB9-4AA3-A7D3-4735729B2188}" sibTransId="{168A3C9D-B124-457F-B7BD-4EC66E1CDF34}"/>
-    <dgm:cxn modelId="{583893C9-62EF-4198-BE15-75BB7AD1F16B}" type="presOf" srcId="{516D82E2-F1C1-48C1-9581-28AFAB241B56}" destId="{48B5F079-A5F9-4833-A823-6B4CE7A5B7F1}" srcOrd="0" destOrd="0" presId="urn:microsoft.com/office/officeart/2005/8/layout/orgChart1"/>
-    <dgm:cxn modelId="{4FB8201C-F41E-44C9-BCF4-EAFB530552B5}" type="presOf" srcId="{E89F140B-F088-40FC-BE98-59467D811621}" destId="{E55C1A4E-3864-49EA-94DA-A061B38493CC}" srcOrd="0" destOrd="0" presId="urn:microsoft.com/office/officeart/2005/8/layout/orgChart1"/>
-    <dgm:cxn modelId="{61E6B963-562F-428E-8425-D803906914A2}" srcId="{1CDE04AC-330B-476F-9CC7-600E92AC4F85}" destId="{EE61DB26-84DE-4FC7-AA26-9818CD81E4DB}" srcOrd="1" destOrd="0" parTransId="{A9B0EBBD-90C9-4572-870D-538344F560BB}" sibTransId="{1E243EF9-B384-46DC-AE21-B62B7905D848}"/>
+    <dgm:cxn modelId="{A6F80996-2FD4-4459-B905-4FDC21BEEA04}" srcId="{FB6E65E7-5E34-4F2D-9A0F-4611B152FE07}" destId="{05E1324F-8146-4646-9834-930E93833AAB}" srcOrd="1" destOrd="0" parTransId="{5946A508-DC21-481B-A321-729B4675A6D3}" sibTransId="{B8ABC18A-962C-4C17-9788-DBCF35447EBD}"/>
+    <dgm:cxn modelId="{F304C9FF-E334-42AE-BA73-C827E442223F}" srcId="{3D4622CA-CE55-4B59-80B0-3EDC3294BDF0}" destId="{D7344F1F-692E-4729-9720-F8CA431C8174}" srcOrd="4" destOrd="0" parTransId="{5FE6D0AE-D997-411B-BE7A-A53CF6A20CD3}" sibTransId="{C5BC6539-00A7-436E-A2E8-2C4F844B0913}"/>
+    <dgm:cxn modelId="{5E763FD6-1219-4D78-AFAE-0966E124990D}" type="presOf" srcId="{FAE29150-1962-4BCA-A58E-752BF483FA29}" destId="{9BA8D16E-FC63-471E-866A-67AEF19A834C}" srcOrd="0" destOrd="0" presId="urn:microsoft.com/office/officeart/2005/8/layout/orgChart1"/>
+    <dgm:cxn modelId="{29007CA2-3732-4986-8082-B705ED3546BC}" type="presOf" srcId="{6A7F68F6-829C-4020-AB30-793F80D466CF}" destId="{A2565945-56E1-46CC-83DC-571865C1F587}" srcOrd="1" destOrd="0" presId="urn:microsoft.com/office/officeart/2005/8/layout/orgChart1"/>
+    <dgm:cxn modelId="{03C798C5-01FE-411E-9715-C6C927652A6A}" type="presOf" srcId="{EA6080DA-1AD7-4105-9E53-5437F4AF6BE1}" destId="{D34DBC48-B0F7-461E-81CB-DDA16CFD323B}" srcOrd="1" destOrd="0" presId="urn:microsoft.com/office/officeart/2005/8/layout/orgChart1"/>
+    <dgm:cxn modelId="{FA1230EE-D658-4FD7-9033-A7D9F4022D0D}" type="presOf" srcId="{F6806731-5FCD-41C0-A0AB-74A32B05E930}" destId="{D9843133-6085-4ACE-BDB1-DC36B851A413}" srcOrd="0" destOrd="0" presId="urn:microsoft.com/office/officeart/2005/8/layout/orgChart1"/>
+    <dgm:cxn modelId="{CD6E9FDF-5D48-45CC-B294-AA33E3CA16ED}" type="presOf" srcId="{877C027F-D44C-4DDD-8828-83496E2ACB92}" destId="{71481971-5924-4985-8A58-65BC3302CFE1}" srcOrd="0" destOrd="0" presId="urn:microsoft.com/office/officeart/2005/8/layout/orgChart1"/>
+    <dgm:cxn modelId="{BDA34EB5-0B0E-4E61-9A8F-81469EA5195A}" type="presOf" srcId="{31F75589-71C7-4560-8B8D-7ACEF423E831}" destId="{16671BCE-57AF-463A-9BDF-1D780F79A168}" srcOrd="1" destOrd="0" presId="urn:microsoft.com/office/officeart/2005/8/layout/orgChart1"/>
     <dgm:cxn modelId="{410A7839-5CC0-4440-818D-175B8167EAD3}" type="presOf" srcId="{6E4EDDFA-407F-4BDE-B8E5-8E312216C9B3}" destId="{846192C3-91C6-4A52-BF0B-61FAB5C21E52}" srcOrd="0" destOrd="0" presId="urn:microsoft.com/office/officeart/2005/8/layout/orgChart1"/>
-    <dgm:cxn modelId="{6E1C765A-8796-4A70-A90A-E917AE773968}" type="presOf" srcId="{AC9EFDF2-1E89-413C-A544-762CE1A4F8C0}" destId="{0A098B36-3337-4D13-9601-4B794921025C}" srcOrd="1" destOrd="0" presId="urn:microsoft.com/office/officeart/2005/8/layout/orgChart1"/>
-    <dgm:cxn modelId="{9EFA50B1-28F4-4BE0-AEA2-1AC1C1FCDF4A}" type="presOf" srcId="{F5B0F976-4370-4DFE-82B8-C5A097EEA79F}" destId="{E4D47D8C-F1B0-4921-9C78-48D8EE3931CC}" srcOrd="0" destOrd="0" presId="urn:microsoft.com/office/officeart/2005/8/layout/orgChart1"/>
-    <dgm:cxn modelId="{28620A2A-243A-4348-80F9-46F5F20651BB}" srcId="{9415298D-26EA-4A6C-9F5B-E0E3E23E89A5}" destId="{6A7F68F6-829C-4020-AB30-793F80D466CF}" srcOrd="5" destOrd="0" parTransId="{FAAC898B-8C27-4C3C-A668-661E0B7D09FF}" sibTransId="{1B445081-8690-45C2-BEFF-39A4689D7AFB}"/>
-    <dgm:cxn modelId="{C359C306-575C-4FFD-8830-B4A03B7E2351}" srcId="{05E1324F-8146-4646-9834-930E93833AAB}" destId="{F589C454-8537-4BBA-B792-A995241DD511}" srcOrd="0" destOrd="0" parTransId="{AC388887-3AAD-48C2-8B57-2B70B31F3E6E}" sibTransId="{38583907-B66F-4070-A371-A4E34D3AF2EB}"/>
-    <dgm:cxn modelId="{D20B77EA-234D-460E-9A01-7E659FFBF92E}" type="presOf" srcId="{3D4622CA-CE55-4B59-80B0-3EDC3294BDF0}" destId="{D119BCDD-6987-4B95-BBDB-BBDC012E938B}" srcOrd="1" destOrd="0" presId="urn:microsoft.com/office/officeart/2005/8/layout/orgChart1"/>
-    <dgm:cxn modelId="{C5D9990D-126B-4435-9BEF-01A892D68A84}" type="presOf" srcId="{EE61DB26-84DE-4FC7-AA26-9818CD81E4DB}" destId="{0C5171CD-CC4D-45B3-A0D8-D27B776EAB6C}" srcOrd="0" destOrd="0" presId="urn:microsoft.com/office/officeart/2005/8/layout/orgChart1"/>
-    <dgm:cxn modelId="{F404D180-6872-488C-998F-9B822C9FD1E0}" type="presOf" srcId="{342F7B73-D266-4312-821E-4409FCDECE50}" destId="{2D17565E-5AF8-414A-B15F-CC144041D816}" srcOrd="0" destOrd="0" presId="urn:microsoft.com/office/officeart/2005/8/layout/orgChart1"/>
+    <dgm:cxn modelId="{4F8C4590-BB1C-40FD-8EB2-66405C6B747B}" type="presOf" srcId="{AC9EFDF2-1E89-413C-A544-762CE1A4F8C0}" destId="{811F0CEB-3001-4879-8561-FFAA758F9C4D}" srcOrd="0" destOrd="0" presId="urn:microsoft.com/office/officeart/2005/8/layout/orgChart1"/>
+    <dgm:cxn modelId="{0E52C767-EFC8-4B58-9102-0383172164BF}" type="presOf" srcId="{7E13B1E0-7188-42C9-8AF4-B8DF30A2FB2B}" destId="{3E2D99CA-AE74-475A-BD8C-3651746B9F2E}" srcOrd="0" destOrd="0" presId="urn:microsoft.com/office/officeart/2005/8/layout/orgChart1"/>
+    <dgm:cxn modelId="{E240B483-86A5-4715-8A96-5C2341BD5869}" type="presOf" srcId="{DE98661A-2A86-4E5B-BEBB-28CFE600295D}" destId="{1D1FB9AF-E56B-4BF2-86AD-D0757036F1B7}" srcOrd="1" destOrd="0" presId="urn:microsoft.com/office/officeart/2005/8/layout/orgChart1"/>
+    <dgm:cxn modelId="{EB8847FF-C85C-471F-8F4E-3C64F8434128}" type="presOf" srcId="{E129A0A3-02E8-44C7-A471-F10CE622EEE2}" destId="{DFFDB907-47D0-42CF-9EF9-19AD1F11C082}" srcOrd="1" destOrd="0" presId="urn:microsoft.com/office/officeart/2005/8/layout/orgChart1"/>
+    <dgm:cxn modelId="{16DBE31C-9078-44E9-99FC-5D8F21FB2D23}" type="presOf" srcId="{2B617E80-B54D-46B4-B2BD-E1B71A0C89B5}" destId="{B1DDD93C-AA0B-4079-AE64-A6CC80C413FA}" srcOrd="0" destOrd="0" presId="urn:microsoft.com/office/officeart/2005/8/layout/orgChart1"/>
     <dgm:cxn modelId="{0EE4B45A-010D-4884-A539-9FAFB1F56C0A}" type="presOf" srcId="{75677C28-0B61-43C0-8518-57E83FD5FFFD}" destId="{17F7B421-5560-4AB8-A697-7872F61C07CB}" srcOrd="1" destOrd="0" presId="urn:microsoft.com/office/officeart/2005/8/layout/orgChart1"/>
-    <dgm:cxn modelId="{D124C335-4073-4919-ADC8-6C993D4F5348}" srcId="{388B03AE-1583-4706-A7BB-BA764C869B0C}" destId="{1CDE04AC-330B-476F-9CC7-600E92AC4F85}" srcOrd="0" destOrd="0" parTransId="{ECC87D09-4966-47F2-B554-6ECFFC0A434B}" sibTransId="{3170EADD-B4AF-421D-B51E-A0AE5EF65C39}"/>
-    <dgm:cxn modelId="{1286B984-F758-4A83-8146-7365EC320032}" srcId="{E129A0A3-02E8-44C7-A471-F10CE622EEE2}" destId="{EA6080DA-1AD7-4105-9E53-5437F4AF6BE1}" srcOrd="0" destOrd="0" parTransId="{33E5B74F-462A-4908-BA0C-E4B4BF8620A1}" sibTransId="{9DE78730-2548-4CF0-82B1-D98945C3B7C6}"/>
-    <dgm:cxn modelId="{169726C5-3E06-49E4-B3D4-4E03E6E2AD67}" type="presOf" srcId="{A16C8E02-D3E4-4642-B27E-409C4F5D51C2}" destId="{9E76CEC4-FE2A-4679-A9D9-CC890077A1DC}" srcOrd="1" destOrd="0" presId="urn:microsoft.com/office/officeart/2005/8/layout/orgChart1"/>
-    <dgm:cxn modelId="{75FE7836-8E6D-48F6-8329-97686FDEAFAD}" type="presOf" srcId="{B7B5136B-24D9-47EC-8A13-D0E406A4C707}" destId="{5EB6A45D-4D5A-4862-A50B-C4A657988F07}" srcOrd="0" destOrd="0" presId="urn:microsoft.com/office/officeart/2005/8/layout/orgChart1"/>
-    <dgm:cxn modelId="{393418AE-B165-44BA-B7C1-BE7AE8435818}" type="presOf" srcId="{E3784866-5079-48A1-8C65-5C1C9D9F351C}" destId="{766441B4-B8A8-4699-81BE-69FA6C2DABFF}" srcOrd="0" destOrd="0" presId="urn:microsoft.com/office/officeart/2005/8/layout/orgChart1"/>
-    <dgm:cxn modelId="{F1767063-5321-4C43-8EBD-F505EBD2B363}" type="presOf" srcId="{115FF7EE-A848-41F1-A50A-DD0B956D0B88}" destId="{9CBB51A0-7E01-4BA7-A033-4AF8C10FF9F2}" srcOrd="0" destOrd="0" presId="urn:microsoft.com/office/officeart/2005/8/layout/orgChart1"/>
-    <dgm:cxn modelId="{5E763FD6-1219-4D78-AFAE-0966E124990D}" type="presOf" srcId="{FAE29150-1962-4BCA-A58E-752BF483FA29}" destId="{9BA8D16E-FC63-471E-866A-67AEF19A834C}" srcOrd="0" destOrd="0" presId="urn:microsoft.com/office/officeart/2005/8/layout/orgChart1"/>
-    <dgm:cxn modelId="{D46C45FE-18FB-4724-B70E-76CA296DE9F5}" type="presOf" srcId="{49ADF8F0-4FCE-4D5A-A622-6EB5356592AC}" destId="{E20B4C07-3983-469C-A063-47F8692D35C5}" srcOrd="1" destOrd="0" presId="urn:microsoft.com/office/officeart/2005/8/layout/orgChart1"/>
-    <dgm:cxn modelId="{162A6A06-BE28-47B1-BD55-E2E599F6D045}" type="presOf" srcId="{9415298D-26EA-4A6C-9F5B-E0E3E23E89A5}" destId="{072730EB-D725-4DB5-83A5-D31D9EB1B075}" srcOrd="1" destOrd="0" presId="urn:microsoft.com/office/officeart/2005/8/layout/orgChart1"/>
-    <dgm:cxn modelId="{AA72D78E-848C-4670-94BB-AAAD44E64E69}" type="presOf" srcId="{57DC7780-0DC9-4933-9067-F151516DD5E6}" destId="{1DF323A8-D076-4F5E-9ADA-1C067301A684}" srcOrd="0" destOrd="0" presId="urn:microsoft.com/office/officeart/2005/8/layout/orgChart1"/>
-    <dgm:cxn modelId="{C9A52C76-319B-40B6-B9CF-5B8611B8D638}" type="presOf" srcId="{A2ACCAC0-174D-4F18-BC30-4514C72F774D}" destId="{9C7E31CF-A30E-4DA9-A9B7-1194C37FE32F}" srcOrd="0" destOrd="0" presId="urn:microsoft.com/office/officeart/2005/8/layout/orgChart1"/>
-    <dgm:cxn modelId="{4D84371E-9B1F-473B-BE02-77B1B5162747}" type="presOf" srcId="{7B4CEC73-92CF-40AF-ADC3-F9A4ABE87813}" destId="{08340BC8-F60B-48BF-9C4B-B209EC91806A}" srcOrd="0" destOrd="0" presId="urn:microsoft.com/office/officeart/2005/8/layout/orgChart1"/>
-    <dgm:cxn modelId="{815B337A-36A2-4800-BAE7-8ADD3EF107C2}" type="presOf" srcId="{1D03597F-B94B-4CF5-AC27-3069B5430A3F}" destId="{517286A5-4009-43AD-B5C7-2EDA0C5BC3D3}" srcOrd="1" destOrd="0" presId="urn:microsoft.com/office/officeart/2005/8/layout/orgChart1"/>
-    <dgm:cxn modelId="{761E4907-B292-4974-AD06-A5DB6E430F8D}" type="presOf" srcId="{AC388887-3AAD-48C2-8B57-2B70B31F3E6E}" destId="{2025E473-3398-4166-9622-6520D512BF80}" srcOrd="0" destOrd="0" presId="urn:microsoft.com/office/officeart/2005/8/layout/orgChart1"/>
-    <dgm:cxn modelId="{8B457A36-0E74-43CC-A0D3-3CFD5DBCCB91}" type="presOf" srcId="{43166DAC-976F-42DF-9C20-29F234951604}" destId="{F8D665DE-6F2D-4ECD-B0FD-F52E37F6A8D9}" srcOrd="1" destOrd="0" presId="urn:microsoft.com/office/officeart/2005/8/layout/orgChart1"/>
-    <dgm:cxn modelId="{815EFF5B-71F8-4743-8E34-513B3565D9A2}" type="presOf" srcId="{D7344F1F-692E-4729-9720-F8CA431C8174}" destId="{9A33AF09-AABE-42F4-8F39-B16AE79678C9}" srcOrd="0" destOrd="0" presId="urn:microsoft.com/office/officeart/2005/8/layout/orgChart1"/>
-    <dgm:cxn modelId="{5FD7CA26-C5E2-4FDE-B856-8566C5DCB56B}" type="presOf" srcId="{31F75589-71C7-4560-8B8D-7ACEF423E831}" destId="{67CCD494-5ACB-4043-B066-D50635942A40}" srcOrd="0" destOrd="0" presId="urn:microsoft.com/office/officeart/2005/8/layout/orgChart1"/>
-    <dgm:cxn modelId="{B0A7BB08-38B6-43A5-A382-DD9C19CB4F70}" type="presOf" srcId="{9DB4AB59-EA03-4ACC-A1D2-B0AEEB3BCF5C}" destId="{A994BDFF-A389-4474-8AE8-3D6E661D7246}" srcOrd="0" destOrd="0" presId="urn:microsoft.com/office/officeart/2005/8/layout/orgChart1"/>
-    <dgm:cxn modelId="{324F3A52-04E2-492C-ADDA-68D7F1BA1EB0}" type="presOf" srcId="{EED226CF-6258-4523-BE2C-3FD2249BB436}" destId="{C9B33F95-EB25-480C-BC27-64D936293256}" srcOrd="1" destOrd="0" presId="urn:microsoft.com/office/officeart/2005/8/layout/orgChart1"/>
-    <dgm:cxn modelId="{ECBE633C-EBCD-44E1-A065-3E26B4B7CE48}" srcId="{3D4622CA-CE55-4B59-80B0-3EDC3294BDF0}" destId="{0E3907BB-0E01-483C-B5FD-8E5C70920B91}" srcOrd="6" destOrd="0" parTransId="{AFFDE2CB-7397-4BE5-8AA5-D9804C2FD10B}" sibTransId="{38E3A1FC-3A8C-452D-824D-96D927D5C893}"/>
-    <dgm:cxn modelId="{0E52C767-EFC8-4B58-9102-0383172164BF}" type="presOf" srcId="{7E13B1E0-7188-42C9-8AF4-B8DF30A2FB2B}" destId="{3E2D99CA-AE74-475A-BD8C-3651746B9F2E}" srcOrd="0" destOrd="0" presId="urn:microsoft.com/office/officeart/2005/8/layout/orgChart1"/>
-    <dgm:cxn modelId="{1C9FC492-DD91-429F-A856-96E6FE741185}" type="presOf" srcId="{7E13B1E0-7188-42C9-8AF4-B8DF30A2FB2B}" destId="{417DA8A0-D100-4A7A-A72B-40F0F0FCD889}" srcOrd="1" destOrd="0" presId="urn:microsoft.com/office/officeart/2005/8/layout/orgChart1"/>
-    <dgm:cxn modelId="{A77D30CB-EC5C-41CA-B0EF-7ED7CA3E93CE}" type="presOf" srcId="{453AC38F-5E8F-45CC-A83B-D6379A610B1B}" destId="{2A963296-5DBA-404D-9E63-B7A2AADEE936}" srcOrd="0" destOrd="0" presId="urn:microsoft.com/office/officeart/2005/8/layout/orgChart1"/>
-    <dgm:cxn modelId="{24A50277-836C-469C-BF30-D90A1900AFE5}" type="presOf" srcId="{ECC87D09-4966-47F2-B554-6ECFFC0A434B}" destId="{B0495467-15B6-457F-858F-0D45FF87FDE8}" srcOrd="0" destOrd="0" presId="urn:microsoft.com/office/officeart/2005/8/layout/orgChart1"/>
-    <dgm:cxn modelId="{E0F73053-0381-4366-AB2E-3D60C92B6438}" type="presOf" srcId="{FB6E65E7-5E34-4F2D-9A0F-4611B152FE07}" destId="{C77EF5CB-5EE2-45B7-882A-E089E2AAFB48}" srcOrd="1" destOrd="0" presId="urn:microsoft.com/office/officeart/2005/8/layout/orgChart1"/>
-    <dgm:cxn modelId="{77EDF7B5-C6C1-495B-9A54-67977707B4AF}" type="presOf" srcId="{F589C454-8537-4BBA-B792-A995241DD511}" destId="{D753785A-B157-46B4-A6EE-48229D166B7A}" srcOrd="0" destOrd="0" presId="urn:microsoft.com/office/officeart/2005/8/layout/orgChart1"/>
-    <dgm:cxn modelId="{EDC289AE-2CD5-49D2-AED3-A6F89A17AA48}" type="presOf" srcId="{FB6E65E7-5E34-4F2D-9A0F-4611B152FE07}" destId="{DC3C1DAE-B702-428D-9DC2-D42E2FA53FEA}" srcOrd="0" destOrd="0" presId="urn:microsoft.com/office/officeart/2005/8/layout/orgChart1"/>
-    <dgm:cxn modelId="{199DD786-0458-40EF-AA70-A4143B10D48B}" type="presOf" srcId="{D7344F1F-692E-4729-9720-F8CA431C8174}" destId="{9D69A863-6AFE-40DF-8CDB-CEC2A5395C4F}" srcOrd="1" destOrd="0" presId="urn:microsoft.com/office/officeart/2005/8/layout/orgChart1"/>
-    <dgm:cxn modelId="{7F2CF5AA-DAF0-4572-B730-FB0712B3BB34}" type="presOf" srcId="{C9124633-A3F9-4E9E-B7AD-8AD6304814CA}" destId="{F7F96BC3-E097-46A0-AE3A-243620DA9566}" srcOrd="0" destOrd="0" presId="urn:microsoft.com/office/officeart/2005/8/layout/orgChart1"/>
-    <dgm:cxn modelId="{05B21077-5E5E-4129-9456-43F6C73C5CEC}" type="presOf" srcId="{6CD8509E-A00B-4F1E-8FFB-7AC5711DE29C}" destId="{F81DDCF3-0282-49EA-BBDC-75EC7C68491D}" srcOrd="0" destOrd="0" presId="urn:microsoft.com/office/officeart/2005/8/layout/orgChart1"/>
-    <dgm:cxn modelId="{4F8C4590-BB1C-40FD-8EB2-66405C6B747B}" type="presOf" srcId="{AC9EFDF2-1E89-413C-A544-762CE1A4F8C0}" destId="{811F0CEB-3001-4879-8561-FFAA758F9C4D}" srcOrd="0" destOrd="0" presId="urn:microsoft.com/office/officeart/2005/8/layout/orgChart1"/>
-    <dgm:cxn modelId="{0E88B341-E970-41FF-BCCE-D72554FF4EAD}" type="presOf" srcId="{0A1CDFBF-7E7C-4955-87B5-E5A6FD0ADBAE}" destId="{2CE69817-D7E7-454A-B1C2-3A0E60E2BCDF}" srcOrd="0" destOrd="0" presId="urn:microsoft.com/office/officeart/2005/8/layout/orgChart1"/>
-    <dgm:cxn modelId="{894093CB-BECB-4E6C-9E0D-ED87259FB63C}" srcId="{AC9EFDF2-1E89-413C-A544-762CE1A4F8C0}" destId="{E3784866-5079-48A1-8C65-5C1C9D9F351C}" srcOrd="2" destOrd="0" parTransId="{3F8C432B-19EE-4D0F-B1F6-AE55DEADBD78}" sibTransId="{06FAA414-99DF-48AC-8C70-AF4300605776}"/>
-    <dgm:cxn modelId="{5CFFB446-15FF-45EF-A5B3-5848D580327F}" srcId="{9415298D-26EA-4A6C-9F5B-E0E3E23E89A5}" destId="{03F0FF15-5677-4317-994F-EF7E3DF845AA}" srcOrd="3" destOrd="0" parTransId="{7DB6EBEF-D1E5-42F2-90AB-06B1E098AD0E}" sibTransId="{1A9D084B-49C2-472A-B412-E7014235E666}"/>
-    <dgm:cxn modelId="{49FE17D7-D4C6-4A7F-B064-287B2B2C4ED6}" srcId="{3D4622CA-CE55-4B59-80B0-3EDC3294BDF0}" destId="{49ADF8F0-4FCE-4D5A-A622-6EB5356592AC}" srcOrd="3" destOrd="0" parTransId="{301A8421-BFB3-4791-BD9C-8B5DF53C5C92}" sibTransId="{B3D55AF9-5626-4125-9DA5-37B2809DECCC}"/>
-    <dgm:cxn modelId="{9D575337-108F-4E84-B340-9B3DB789C31D}" type="presOf" srcId="{F10CD7FE-EC1C-4FEA-838D-9E81CCF5D9A4}" destId="{19663BBC-E177-4441-A684-A1BDF2526EF3}" srcOrd="0" destOrd="0" presId="urn:microsoft.com/office/officeart/2005/8/layout/orgChart1"/>
-    <dgm:cxn modelId="{A6F80996-2FD4-4459-B905-4FDC21BEEA04}" srcId="{FB6E65E7-5E34-4F2D-9A0F-4611B152FE07}" destId="{05E1324F-8146-4646-9834-930E93833AAB}" srcOrd="1" destOrd="0" parTransId="{5946A508-DC21-481B-A321-729B4675A6D3}" sibTransId="{B8ABC18A-962C-4C17-9788-DBCF35447EBD}"/>
-    <dgm:cxn modelId="{EBBE9AC0-FFDB-48EA-B05C-5F69657C96B9}" type="presOf" srcId="{A77E4FFE-94E2-4FD6-9E07-71A1A0096029}" destId="{C70F7B1B-8271-4ED5-A12F-BD5D3B0C4E85}" srcOrd="1" destOrd="0" presId="urn:microsoft.com/office/officeart/2005/8/layout/orgChart1"/>
-    <dgm:cxn modelId="{1D66EC88-8F35-498D-A567-D8DD542CF287}" type="presOf" srcId="{60FBE8D4-75D7-4CAD-8908-CAE65E181666}" destId="{4E073421-6C6C-4A62-B266-87426BA3804A}" srcOrd="0" destOrd="0" presId="urn:microsoft.com/office/officeart/2005/8/layout/orgChart1"/>
-    <dgm:cxn modelId="{85411383-DB2F-45DA-8273-BE84F9E187C6}" srcId="{AC9EFDF2-1E89-413C-A544-762CE1A4F8C0}" destId="{60FBE8D4-75D7-4CAD-8908-CAE65E181666}" srcOrd="3" destOrd="0" parTransId="{5B2848D0-14AE-442B-B9D1-35BFAB2E387C}" sibTransId="{8EE4ECE9-703A-405C-86D5-868F9E7AB0F7}"/>
-    <dgm:cxn modelId="{27E4AC7A-8118-4B11-BD3E-9D163F642FD0}" srcId="{DE98661A-2A86-4E5B-BEBB-28CFE600295D}" destId="{49585238-A7FF-4937-BAD7-E6A985FB949D}" srcOrd="2" destOrd="0" parTransId="{1880A97A-7745-48A2-B8B1-9FDFADF4125F}" sibTransId="{731AF7B3-7C30-4AAD-8426-2D32C33F281D}"/>
-    <dgm:cxn modelId="{712F5371-5672-41AD-A47A-EE1577009282}" type="presOf" srcId="{6A7F68F6-829C-4020-AB30-793F80D466CF}" destId="{BAB0C97F-8914-47BF-B2B1-7EC4B43DB4B7}" srcOrd="0" destOrd="0" presId="urn:microsoft.com/office/officeart/2005/8/layout/orgChart1"/>
-    <dgm:cxn modelId="{237799A9-6E34-401E-BF47-C6DAE244DD5B}" type="presOf" srcId="{B9578511-1845-41D9-B567-2EED72A74826}" destId="{457CB696-EF0C-4FAF-85AD-1B9458750CA1}" srcOrd="1" destOrd="0" presId="urn:microsoft.com/office/officeart/2005/8/layout/orgChart1"/>
-    <dgm:cxn modelId="{19121025-680D-41B6-9363-882DB86F6A89}" type="presOf" srcId="{2C3B81CE-F604-45E3-A929-15B1AB9AEC9C}" destId="{71BAF972-E7C8-42FB-AAB3-B14B6687E35A}" srcOrd="0" destOrd="0" presId="urn:microsoft.com/office/officeart/2005/8/layout/orgChart1"/>
-    <dgm:cxn modelId="{374C729F-5099-40AA-8308-6B7B52AEEC46}" type="presOf" srcId="{CE8B9297-0335-465D-8C14-F6670FD76933}" destId="{0C38FB8D-E312-4A4E-810A-7E8736445A2E}" srcOrd="0" destOrd="0" presId="urn:microsoft.com/office/officeart/2005/8/layout/orgChart1"/>
-    <dgm:cxn modelId="{CCFC75FB-C46E-4562-BA82-E623F7A5C1B8}" type="presOf" srcId="{8B0DCDDF-6CB1-41CE-91C9-24E19807E043}" destId="{4B4C28C7-3063-4987-B03A-F87A8242E116}" srcOrd="1" destOrd="0" presId="urn:microsoft.com/office/officeart/2005/8/layout/orgChart1"/>
-    <dgm:cxn modelId="{5EA6BCAD-AD46-455C-9013-74CD76798F21}" type="presOf" srcId="{4ED3D2E9-09B3-4793-9165-1D0FEA576A8E}" destId="{123CF69A-EAB1-4C63-800E-F7C612204DBA}" srcOrd="0" destOrd="0" presId="urn:microsoft.com/office/officeart/2005/8/layout/orgChart1"/>
-    <dgm:cxn modelId="{8D5A7844-420A-4279-A95B-5039DB405DA7}" type="presOf" srcId="{0E3907BB-0E01-483C-B5FD-8E5C70920B91}" destId="{B062C95D-14A1-4136-971A-01E7D6B28D28}" srcOrd="0" destOrd="0" presId="urn:microsoft.com/office/officeart/2005/8/layout/orgChart1"/>
-    <dgm:cxn modelId="{29007CA2-3732-4986-8082-B705ED3546BC}" type="presOf" srcId="{6A7F68F6-829C-4020-AB30-793F80D466CF}" destId="{A2565945-56E1-46CC-83DC-571865C1F587}" srcOrd="1" destOrd="0" presId="urn:microsoft.com/office/officeart/2005/8/layout/orgChart1"/>
-    <dgm:cxn modelId="{4234CEDE-CBEA-4EED-8E5F-F262EE05EE8F}" type="presOf" srcId="{A9B0EBBD-90C9-4572-870D-538344F560BB}" destId="{DCC6D923-F06B-413D-AE46-9B6FCE7C1311}" srcOrd="0" destOrd="0" presId="urn:microsoft.com/office/officeart/2005/8/layout/orgChart1"/>
-    <dgm:cxn modelId="{6F23FBB2-760A-4BE4-A6BB-6F3B2F7B17FB}" srcId="{9415298D-26EA-4A6C-9F5B-E0E3E23E89A5}" destId="{4C86D47B-C8EC-4779-8423-75ABE738C448}" srcOrd="0" destOrd="0" parTransId="{8968DFAC-2D32-4109-B15D-A75FD6B38343}" sibTransId="{ACFC1625-1736-42E0-A205-4080EE80189B}"/>
-    <dgm:cxn modelId="{713D6EB1-23F2-49FE-BB22-5C7DB4F05E29}" type="presOf" srcId="{F10CD7FE-EC1C-4FEA-838D-9E81CCF5D9A4}" destId="{D45BB389-BD1F-46D3-AA6D-A3E7AF665883}" srcOrd="1" destOrd="0" presId="urn:microsoft.com/office/officeart/2005/8/layout/orgChart1"/>
-    <dgm:cxn modelId="{F3F137E2-70C6-48EF-A607-D561011E2537}" type="presOf" srcId="{53527E90-2499-4F38-B9F0-811CC757430D}" destId="{F4E6E9C6-4054-4A6A-AF0E-406D783C42CB}" srcOrd="1" destOrd="0" presId="urn:microsoft.com/office/officeart/2005/8/layout/orgChart1"/>
-    <dgm:cxn modelId="{0DE18898-3C36-471D-BEA0-F58FD97A7FF5}" type="presOf" srcId="{ABFFCB7E-D3DC-49E9-BD47-996CD9C7FF2E}" destId="{7562EDAB-C69B-4B8C-AD16-5F02DF516D6E}" srcOrd="0" destOrd="0" presId="urn:microsoft.com/office/officeart/2005/8/layout/orgChart1"/>
-    <dgm:cxn modelId="{F8B96EB6-A958-413C-B775-6C974A9881A2}" type="presOf" srcId="{82952DE5-59D2-434F-AC20-AF1ED12E162B}" destId="{AC8D3BD3-BABB-4DA0-9C28-9D8F780EA302}" srcOrd="0" destOrd="0" presId="urn:microsoft.com/office/officeart/2005/8/layout/orgChart1"/>
-    <dgm:cxn modelId="{81C1584E-262E-49C5-A576-51025F3A2A5D}" type="presOf" srcId="{838A87CA-745D-483F-ACAB-C5C6AC1AC3CB}" destId="{767E1A06-9F51-40FA-B8F8-A1C4ED5CEC90}" srcOrd="0" destOrd="0" presId="urn:microsoft.com/office/officeart/2005/8/layout/orgChart1"/>
-    <dgm:cxn modelId="{4B72D40D-30CF-43F6-8EC5-74BB545F4DD6}" srcId="{3D4622CA-CE55-4B59-80B0-3EDC3294BDF0}" destId="{31F75589-71C7-4560-8B8D-7ACEF423E831}" srcOrd="0" destOrd="0" parTransId="{516D82E2-F1C1-48C1-9581-28AFAB241B56}" sibTransId="{A4AAE6ED-DCF7-4C0D-B268-1106A0B5F490}"/>
     <dgm:cxn modelId="{35D6B348-19C6-49A5-A0D9-0E9002FE4CE6}" type="presParOf" srcId="{46C4A8C9-46AB-40BA-BE2A-93F27A7B85AA}" destId="{34E2A76A-9B7D-48CE-9A03-74F08393FD94}" srcOrd="0" destOrd="0" presId="urn:microsoft.com/office/officeart/2005/8/layout/orgChart1"/>
     <dgm:cxn modelId="{514F65FB-8EE8-44D7-94C0-4288B97AFD3E}" type="presParOf" srcId="{34E2A76A-9B7D-48CE-9A03-74F08393FD94}" destId="{84B1B2FB-B134-4270-B3D5-F3EB4481AE1D}" srcOrd="0" destOrd="0" presId="urn:microsoft.com/office/officeart/2005/8/layout/orgChart1"/>
     <dgm:cxn modelId="{9B7AEB21-5E2E-45CB-9578-63E1BB51F3DF}" type="presParOf" srcId="{84B1B2FB-B134-4270-B3D5-F3EB4481AE1D}" destId="{8CD2BC37-3900-49BB-97B0-B5628A5CCC9C}" srcOrd="0" destOrd="0" presId="urn:microsoft.com/office/officeart/2005/8/layout/orgChart1"/>
@@ -12858,7 +12858,7 @@
             <a:fld id="{40637A30-8EE1-4060-9976-8832FC89EE34}" type="datetimeFigureOut">
               <a:rPr lang="nb-NO" smtClean="0"/>
               <a:pPr/>
-              <a:t>04.01.2025</a:t>
+              <a:t>01.02.2025</a:t>
             </a:fld>
             <a:endParaRPr lang="nb-NO"/>
           </a:p>
@@ -16655,19 +16655,8 @@
                 <a:latin typeface="Arial" pitchFamily="34" charset="0"/>
                 <a:cs typeface="Arial" pitchFamily="34" charset="0"/>
               </a:rPr>
-              <a:t>1</a:t>
-            </a:r>
-            <a:r>
-              <a:rPr lang="en-US" sz="1200" b="1" dirty="0" smtClean="0">
-                <a:latin typeface="Arial" pitchFamily="34" charset="0"/>
-                <a:cs typeface="Arial" pitchFamily="34" charset="0"/>
-              </a:rPr>
-              <a:t>.0</a:t>
-            </a:r>
-            <a:endParaRPr lang="en-US" sz="1200" b="1" dirty="0" smtClean="0">
-              <a:latin typeface="Arial" pitchFamily="34" charset="0"/>
-              <a:cs typeface="Arial" pitchFamily="34" charset="0"/>
-            </a:endParaRPr>
+              <a:t>1.0</a:t>
+            </a:r>
           </a:p>
           <a:p>
             <a:pPr algn="ctr"/>
@@ -18680,11 +18669,7 @@
           <a:p>
             <a:r>
               <a:rPr lang="en-US" dirty="0" smtClean="0"/>
-              <a:t>Marine </a:t>
-            </a:r>
-            <a:r>
-              <a:rPr lang="en-US" dirty="0" smtClean="0"/>
-              <a:t>Infantry/Amphibious Brigade</a:t>
+              <a:t>Marine Infantry/Amphibious Brigade</a:t>
             </a:r>
             <a:endParaRPr lang="en-US" dirty="0"/>
           </a:p>
@@ -19224,19 +19209,7 @@
             </a:r>
             <a:r>
               <a:rPr lang="en-US" sz="1100" dirty="0" smtClean="0"/>
-              <a:t> LST</a:t>
-            </a:r>
-            <a:r>
-              <a:rPr lang="en-US" sz="1100" dirty="0" smtClean="0"/>
-              <a:t> </a:t>
-            </a:r>
-            <a:r>
-              <a:rPr lang="en-US" sz="1100" dirty="0" smtClean="0"/>
-              <a:t>can carry </a:t>
-            </a:r>
-            <a:r>
-              <a:rPr lang="en-US" sz="1100" dirty="0" smtClean="0"/>
-              <a:t>10-12 vehicles depending on the vehicles size</a:t>
+              <a:t> LST can carry 10-12 vehicles depending on the vehicles size</a:t>
             </a:r>
             <a:endParaRPr lang="en-US" sz="1100" dirty="0"/>
           </a:p>
@@ -19271,13 +19244,8 @@
           <a:p>
             <a:r>
               <a:rPr lang="en-US" sz="1000" dirty="0" smtClean="0"/>
-              <a:t>81x </a:t>
-            </a:r>
-            <a:r>
-              <a:rPr lang="en-US" sz="1000" dirty="0" smtClean="0"/>
-              <a:t>APC</a:t>
-            </a:r>
-            <a:endParaRPr lang="en-US" sz="1000" dirty="0" smtClean="0"/>
+              <a:t>81x APC</a:t>
+            </a:r>
           </a:p>
           <a:p>
             <a:r>
@@ -19294,11 +19262,7 @@
           <a:p>
             <a:r>
               <a:rPr lang="en-US" sz="1000" dirty="0" smtClean="0"/>
-              <a:t>= 126 vehicles  = </a:t>
-            </a:r>
-            <a:r>
-              <a:rPr lang="en-US" sz="1000" dirty="0" smtClean="0"/>
-              <a:t>15 </a:t>
+              <a:t>= 126 vehicles  = 15 </a:t>
             </a:r>
             <a:r>
               <a:rPr lang="en-US" sz="1000" dirty="0" err="1" smtClean="0"/>
@@ -19306,11 +19270,7 @@
             </a:r>
             <a:r>
               <a:rPr lang="en-US" sz="1000" dirty="0" smtClean="0"/>
-              <a:t> LST transports </a:t>
-            </a:r>
-            <a:r>
-              <a:rPr lang="en-US" sz="1000" dirty="0" smtClean="0"/>
-              <a:t>to move the Airborne Brigade </a:t>
+              <a:t> LST transports to move the Airborne Brigade </a:t>
             </a:r>
             <a:endParaRPr lang="en-US" sz="1000" dirty="0"/>
           </a:p>
@@ -19382,12 +19342,6 @@
               </a:rPr>
               <a:t>Amphibious </a:t>
             </a:r>
-            <a:endParaRPr lang="en-US" sz="900" dirty="0" smtClean="0">
-              <a:solidFill>
-                <a:schemeClr val="tx1"/>
-              </a:solidFill>
-              <a:cs typeface="Arial" pitchFamily="34" charset="0"/>
-            </a:endParaRPr>
           </a:p>
           <a:p>
             <a:pPr lvl="0" algn="ctr" defTabSz="355600">
@@ -19582,12 +19536,6 @@
               </a:rPr>
               <a:t>Amphibious </a:t>
             </a:r>
-            <a:endParaRPr lang="en-US" sz="900" dirty="0" smtClean="0">
-              <a:solidFill>
-                <a:schemeClr val="tx1"/>
-              </a:solidFill>
-              <a:cs typeface="Arial" pitchFamily="34" charset="0"/>
-            </a:endParaRPr>
           </a:p>
           <a:p>
             <a:pPr lvl="0" algn="ctr" defTabSz="355600">
@@ -19610,12 +19558,6 @@
               </a:rPr>
               <a:t>BN</a:t>
             </a:r>
-            <a:endParaRPr lang="en-US" sz="900" dirty="0" smtClean="0">
-              <a:solidFill>
-                <a:schemeClr val="tx1"/>
-              </a:solidFill>
-              <a:cs typeface="Arial" pitchFamily="34" charset="0"/>
-            </a:endParaRPr>
           </a:p>
           <a:p>
             <a:endParaRPr lang="en-US" sz="2000" dirty="0"/>
@@ -19689,12 +19631,6 @@
               </a:rPr>
               <a:t>Amphibious </a:t>
             </a:r>
-            <a:endParaRPr lang="en-US" sz="900" dirty="0" smtClean="0">
-              <a:solidFill>
-                <a:schemeClr val="tx1"/>
-              </a:solidFill>
-              <a:cs typeface="Arial" pitchFamily="34" charset="0"/>
-            </a:endParaRPr>
           </a:p>
           <a:p>
             <a:pPr lvl="0" algn="ctr" defTabSz="355600">
@@ -19717,12 +19653,6 @@
               </a:rPr>
               <a:t>Artillery BN</a:t>
             </a:r>
-            <a:endParaRPr lang="en-US" sz="900" dirty="0" smtClean="0">
-              <a:solidFill>
-                <a:schemeClr val="tx1"/>
-              </a:solidFill>
-              <a:cs typeface="Arial" pitchFamily="34" charset="0"/>
-            </a:endParaRPr>
           </a:p>
           <a:p>
             <a:endParaRPr lang="en-US" sz="2000" dirty="0"/>
@@ -19828,12 +19758,6 @@
               </a:rPr>
               <a:t>Amphibious </a:t>
             </a:r>
-            <a:endParaRPr lang="en-US" sz="900" dirty="0" smtClean="0">
-              <a:solidFill>
-                <a:schemeClr val="tx1"/>
-              </a:solidFill>
-              <a:cs typeface="Arial" pitchFamily="34" charset="0"/>
-            </a:endParaRPr>
           </a:p>
           <a:p>
             <a:pPr lvl="0" algn="ctr" defTabSz="355600">
@@ -19856,12 +19780,6 @@
               </a:rPr>
               <a:t>BN</a:t>
             </a:r>
-            <a:endParaRPr lang="en-US" sz="900" dirty="0" smtClean="0">
-              <a:solidFill>
-                <a:schemeClr val="tx1"/>
-              </a:solidFill>
-              <a:cs typeface="Arial" pitchFamily="34" charset="0"/>
-            </a:endParaRPr>
           </a:p>
           <a:p>
             <a:endParaRPr lang="en-US" sz="2000" dirty="0"/>
@@ -20034,12 +19952,6 @@
               </a:rPr>
               <a:t>Amphibious </a:t>
             </a:r>
-            <a:endParaRPr lang="en-US" sz="900" dirty="0" smtClean="0">
-              <a:solidFill>
-                <a:schemeClr val="tx1"/>
-              </a:solidFill>
-              <a:cs typeface="Arial" pitchFamily="34" charset="0"/>
-            </a:endParaRPr>
           </a:p>
           <a:p>
             <a:pPr lvl="0" algn="ctr" defTabSz="355600">
@@ -20062,12 +19974,6 @@
               </a:rPr>
               <a:t>Company</a:t>
             </a:r>
-            <a:endParaRPr lang="en-US" sz="900" dirty="0" smtClean="0">
-              <a:solidFill>
-                <a:schemeClr val="tx1"/>
-              </a:solidFill>
-              <a:cs typeface="Arial" pitchFamily="34" charset="0"/>
-            </a:endParaRPr>
           </a:p>
           <a:p>
             <a:endParaRPr lang="en-US" sz="2000" dirty="0"/>
@@ -20141,12 +20047,6 @@
               </a:rPr>
               <a:t>Amphibious </a:t>
             </a:r>
-            <a:endParaRPr lang="en-US" sz="800" dirty="0" smtClean="0">
-              <a:solidFill>
-                <a:schemeClr val="tx1"/>
-              </a:solidFill>
-              <a:cs typeface="Arial" pitchFamily="34" charset="0"/>
-            </a:endParaRPr>
           </a:p>
           <a:p>
             <a:pPr lvl="0" algn="ctr" defTabSz="355600">
@@ -20169,12 +20069,6 @@
               </a:rPr>
               <a:t>Artillery Battery</a:t>
             </a:r>
-            <a:endParaRPr lang="en-US" sz="800" dirty="0" smtClean="0">
-              <a:solidFill>
-                <a:schemeClr val="tx1"/>
-              </a:solidFill>
-              <a:cs typeface="Arial" pitchFamily="34" charset="0"/>
-            </a:endParaRPr>
           </a:p>
           <a:p>
             <a:endParaRPr lang="en-US" sz="1600" dirty="0"/>
@@ -20247,12 +20141,6 @@
               </a:rPr>
               <a:t>Amphibious </a:t>
             </a:r>
-            <a:endParaRPr lang="en-US" sz="800" dirty="0" smtClean="0">
-              <a:solidFill>
-                <a:schemeClr val="tx1"/>
-              </a:solidFill>
-              <a:cs typeface="Arial" pitchFamily="34" charset="0"/>
-            </a:endParaRPr>
           </a:p>
           <a:p>
             <a:pPr lvl="0" algn="ctr" defTabSz="355600">
@@ -20275,12 +20163,6 @@
               </a:rPr>
               <a:t>Anti-tank Company</a:t>
             </a:r>
-            <a:endParaRPr lang="en-US" sz="800" dirty="0" smtClean="0">
-              <a:solidFill>
-                <a:schemeClr val="tx1"/>
-              </a:solidFill>
-              <a:cs typeface="Arial" pitchFamily="34" charset="0"/>
-            </a:endParaRPr>
           </a:p>
           <a:p>
             <a:endParaRPr lang="en-US" sz="1400" dirty="0"/>
@@ -20557,54 +20439,25 @@
           <a:p>
             <a:r>
               <a:rPr lang="en-US" sz="1000" dirty="0" smtClean="0"/>
-              <a:t>27x </a:t>
-            </a:r>
+              <a:t>27x APC</a:t>
+            </a:r>
+          </a:p>
+          <a:p>
             <a:r>
               <a:rPr lang="en-US" sz="1000" dirty="0" smtClean="0"/>
-              <a:t>APC</a:t>
-            </a:r>
-            <a:endParaRPr lang="en-US" sz="1000" dirty="0" smtClean="0"/>
+              <a:t>9x ARV BTR-RD</a:t>
+            </a:r>
           </a:p>
           <a:p>
             <a:r>
               <a:rPr lang="en-US" sz="1000" dirty="0" smtClean="0"/>
-              <a:t>9x </a:t>
-            </a:r>
+              <a:t>6x Arty</a:t>
+            </a:r>
+          </a:p>
+          <a:p>
             <a:r>
               <a:rPr lang="en-US" sz="1000" dirty="0" smtClean="0"/>
-              <a:t>ARV BTR-RD</a:t>
-            </a:r>
-          </a:p>
-          <a:p>
-            <a:r>
-              <a:rPr lang="en-US" sz="1000" dirty="0" smtClean="0"/>
-              <a:t>6x </a:t>
-            </a:r>
-            <a:r>
-              <a:rPr lang="en-US" sz="1000" dirty="0" smtClean="0"/>
-              <a:t>Arty</a:t>
-            </a:r>
-          </a:p>
-          <a:p>
-            <a:r>
-              <a:rPr lang="en-US" sz="1000" dirty="0" smtClean="0"/>
-              <a:t>= </a:t>
-            </a:r>
-            <a:r>
-              <a:rPr lang="en-US" sz="1000" dirty="0" smtClean="0"/>
-              <a:t>42 </a:t>
-            </a:r>
-            <a:r>
-              <a:rPr lang="en-US" sz="1000" dirty="0" smtClean="0"/>
-              <a:t>vehicles  = </a:t>
-            </a:r>
-            <a:r>
-              <a:rPr lang="en-US" sz="1000" dirty="0" smtClean="0"/>
-              <a:t>5</a:t>
-            </a:r>
-            <a:r>
-              <a:rPr lang="en-US" sz="1000" dirty="0" smtClean="0"/>
-              <a:t> </a:t>
+              <a:t>= 42 vehicles  = 5 </a:t>
             </a:r>
             <a:r>
               <a:rPr lang="en-US" sz="1000" dirty="0" err="1" smtClean="0"/>
@@ -20612,27 +20465,7 @@
             </a:r>
             <a:r>
               <a:rPr lang="en-US" sz="1000" dirty="0" smtClean="0"/>
-              <a:t> LST transports </a:t>
-            </a:r>
-            <a:r>
-              <a:rPr lang="en-US" sz="1000" dirty="0" smtClean="0"/>
-              <a:t>to move </a:t>
-            </a:r>
-            <a:r>
-              <a:rPr lang="en-US" sz="1000" dirty="0" smtClean="0"/>
-              <a:t>one</a:t>
-            </a:r>
-            <a:r>
-              <a:rPr lang="en-US" sz="1000" dirty="0" smtClean="0"/>
-              <a:t> </a:t>
-            </a:r>
-            <a:r>
-              <a:rPr lang="en-US" sz="1000" dirty="0" smtClean="0"/>
-              <a:t>Airborne </a:t>
-            </a:r>
-            <a:r>
-              <a:rPr lang="en-US" sz="1000" dirty="0" smtClean="0"/>
-              <a:t>Battalion</a:t>
+              <a:t> LST transports to move one Airborne Battalion</a:t>
             </a:r>
             <a:endParaRPr lang="en-US" sz="1000" dirty="0"/>
           </a:p>
@@ -20692,11 +20525,7 @@
           <a:p>
             <a:r>
               <a:rPr lang="en-US" sz="800" dirty="0" smtClean="0"/>
-              <a:t>9</a:t>
-            </a:r>
-            <a:r>
-              <a:rPr lang="en-US" sz="800" dirty="0" smtClean="0"/>
-              <a:t>x vehicles</a:t>
+              <a:t>9x vehicles</a:t>
             </a:r>
             <a:endParaRPr lang="en-US" sz="800" dirty="0"/>
           </a:p>
@@ -20726,11 +20555,7 @@
           <a:p>
             <a:r>
               <a:rPr lang="en-US" sz="800" dirty="0" smtClean="0"/>
-              <a:t>6</a:t>
-            </a:r>
-            <a:r>
-              <a:rPr lang="en-US" sz="800" dirty="0" smtClean="0"/>
-              <a:t>x vehicles</a:t>
+              <a:t>6x vehicles</a:t>
             </a:r>
             <a:endParaRPr lang="en-US" sz="800" dirty="0"/>
           </a:p>
@@ -22110,11 +21935,7 @@
             </a:r>
             <a:r>
               <a:rPr lang="nb-NO" sz="1200" dirty="0" smtClean="0"/>
-              <a:t> SAG</a:t>
-            </a:r>
-            <a:r>
-              <a:rPr lang="nb-NO" sz="1200" dirty="0" smtClean="0"/>
-              <a:t>.</a:t>
+              <a:t> SAG.</a:t>
             </a:r>
           </a:p>
           <a:p>
@@ -25206,7 +25027,6 @@
               <a:rPr lang="nb-NO" sz="1200" dirty="0" smtClean="0"/>
               <a:t>. </a:t>
             </a:r>
-            <a:endParaRPr lang="nb-NO" sz="1200" dirty="0" smtClean="0"/>
           </a:p>
           <a:p>
             <a:endParaRPr lang="nb-NO" sz="1200" dirty="0" smtClean="0"/>
